--- a/docs/pages/2023-05-24-chatGPT/chatGPT.pptx
+++ b/docs/pages/2023-05-24-chatGPT/chatGPT.pptx
@@ -142,14 +142,15 @@
           <inkml:channelProperty channel="OE" name="resolution" value="1000" units="1/deg"/>
         </inkml:channelProperties>
       </inkml:inkSource>
-      <inkml:timestamp xml:id="ts0" timeString="2023-05-24T12:34:37.004"/>
+      <inkml:timestamp xml:id="ts0" timeString="2023-05-24T15:11:26.110"/>
     </inkml:context>
     <inkml:brush xml:id="br0">
-      <inkml:brushProperty name="width" value="0.2" units="cm"/>
-      <inkml:brushProperty name="height" value="0.2" units="cm"/>
+      <inkml:brushProperty name="width" value="0.1" units="cm"/>
+      <inkml:brushProperty name="height" value="0.1" units="cm"/>
+      <inkml:brushProperty name="color" value="#E71224"/>
     </inkml:brush>
   </inkml:definitions>
-  <inkml:trace contextRef="#ctx0" brushRef="#br0">431 3 2817 0 0,'0'-2'4214'0'0,"0"7"-3273"0"0,-1 8-920 0 0,0-1 1 0 0,-1 0 0 0 0,0 0 0 0 0,-1 1-1 0 0,-1-1 1 0 0,0-1 0 0 0,-10 23 0 0 0,-51 80 619 0 0,48-88-568 0 0,-191 267 965 0 0,179-253-1046 0 0,14-22 29 0 0,4-5-67 0 0,1 0-1 0 0,1 1 0 0 0,0 0 0 0 0,1 1 1 0 0,-9 19-1 0 0,15-25-728 0 0,10-42-2719 0 0</inkml:trace>
+  <inkml:trace contextRef="#ctx0" brushRef="#br0">0 0 2849 0 0,'0'0'7172'0'0,"8"0"-7108"0"0,535 27 368 0 0,-38-1 101 0 0,329-57 900 0 0,-718 18-1442 0 0,209 6-1 0 0,-311 7-61 0 0,-1 2 0 0 0,1 0 0 0 0,-1 0 0 0 0,0 1 0 0 0,25 10 0 0 0,-31-10-455 0 0,0 0 0 0 0,-1 1-1 0 0,1 0 1 0 0,-1 0 0 0 0,0 1-1 0 0,0-1 1 0 0,6 7 0 0 0</inkml:trace>
 </inkml:ink>
 </file>
 
@@ -173,18 +174,625 @@
           <inkml:channelProperty channel="OE" name="resolution" value="1000" units="1/deg"/>
         </inkml:channelProperties>
       </inkml:inkSource>
-      <inkml:timestamp xml:id="ts0" timeString="2023-05-24T12:34:43.070"/>
+      <inkml:timestamp xml:id="ts0" timeString="2023-05-24T12:34:37.004"/>
     </inkml:context>
     <inkml:brush xml:id="br0">
       <inkml:brushProperty name="width" value="0.2" units="cm"/>
       <inkml:brushProperty name="height" value="0.2" units="cm"/>
     </inkml:brush>
   </inkml:definitions>
-  <inkml:trace contextRef="#ctx0" brushRef="#br0">86 160 4434 0 0,'0'0'3244'0'0,"17"-3"-2614"0"0,54-12-369 0 0,-62 12-249 0 0,-1-1-1 0 0,0 0 1 0 0,0-1-1 0 0,-1 0 1 0 0,1 0-1 0 0,-1-1 1 0 0,0 0-1 0 0,-1 0 1 0 0,1 0 0 0 0,-1-1-1 0 0,0 0 1 0 0,-1 0-1 0 0,8-13 1 0 0,-4 8 2 0 0,-8 11-9 0 0,-1 1 0 0 0,1-1 0 0 0,0 0 0 0 0,-1 1 0 0 0,1-1 0 0 0,-1 1 0 0 0,1-1 0 0 0,-1 0 0 0 0,1 1 0 0 0,-1-1 0 0 0,1 0 0 0 0,-1 0 0 0 0,0 1 0 0 0,1-1 0 0 0,-1 0 0 0 0,0 0 0 0 0,0 0 0 0 0,0 0 0 0 0,1 1 0 0 0,-1-1 0 0 0,0 0 0 0 0,0 0 0 0 0,0 0 0 0 0,0 0 0 0 0,-1 1 0 0 0,1-1 0 0 0,0 0 0 0 0,0 0 0 0 0,0 0 0 0 0,-1 1 0 0 0,1-1 0 0 0,0 0 0 0 0,-1 0 0 0 0,1 0 0 0 0,0 1 0 0 0,-1-1 0 0 0,1 0 0 0 0,-1 1 0 0 0,0-1 0 0 0,1 0 0 0 0,-1 1 0 0 0,1-1 0 0 0,-1 1 0 0 0,0-1 0 0 0,1 1 0 0 0,-1-1 0 0 0,0 1 0 0 0,0 0 0 0 0,1-1 0 0 0,-1 1 0 0 0,0 0 0 0 0,0 0 0 0 0,0-1 0 0 0,0 1 0 0 0,1 0 0 0 0,-1 0 0 0 0,-1 0 0 0 0,-9-1 79 0 0,1 0 1 0 0,-1 0-1 0 0,-18 2 1 0 0,14 0-174 0 0,-1-1 80 0 0,1 0-1 0 0,-1 1 1 0 0,0 0-1 0 0,1 2 1 0 0,-1 0-1 0 0,-22 7 1 0 0,34-8 56 0 0,-1 0-1 0 0,1 0 1 0 0,0 0 0 0 0,1 0 0 0 0,-1 1 0 0 0,0-1-1 0 0,1 1 1 0 0,-1 0 0 0 0,1 0 0 0 0,0 0-1 0 0,0 1 1 0 0,0-1 0 0 0,0 1 0 0 0,1 0-1 0 0,-1 0 1 0 0,1-1 0 0 0,0 1 0 0 0,0 1 0 0 0,1-1-1 0 0,-1 0 1 0 0,1 0 0 0 0,0 1 0 0 0,0-1-1 0 0,0 1 1 0 0,1-1 0 0 0,-1 1 0 0 0,1 7-1 0 0,0-6 23 0 0,1 0 0 0 0,-1 0-1 0 0,1 1 1 0 0,1-1-1 0 0,-1 0 1 0 0,1 0-1 0 0,0 0 1 0 0,0 0-1 0 0,0 0 1 0 0,1-1-1 0 0,0 1 1 0 0,0-1-1 0 0,8 10 1 0 0,-4-7-34 0 0,1 0 1 0 0,0 0-1 0 0,0-1 1 0 0,0-1-1 0 0,1 1 1 0 0,0-1-1 0 0,15 7 1 0 0,6 0 1 0 0,0-1 1 0 0,0-2-1 0 0,1-1 0 0 0,53 8 0 0 0,-39-10-589 0 0,63 0 0 0 0,-5-10-3191 0 0,-38-6-790 0 0</inkml:trace>
+  <inkml:trace contextRef="#ctx0" brushRef="#br0">431 3 2817 0 0,'0'-2'4214'0'0,"0"7"-3273"0"0,-1 8-920 0 0,0-1 1 0 0,-1 0 0 0 0,0 0 0 0 0,-1 1-1 0 0,-1-1 1 0 0,0-1 0 0 0,-10 23 0 0 0,-51 80 619 0 0,48-88-568 0 0,-191 267 965 0 0,179-253-1046 0 0,14-22 29 0 0,4-5-67 0 0,1 0-1 0 0,1 1 0 0 0,0 0 0 0 0,1 1 1 0 0,-9 19-1 0 0,15-25-728 0 0,10-42-2719 0 0</inkml:trace>
 </inkml:ink>
 </file>
 
 <file path=ppt/ink/ink100.xml><?xml version="1.0" encoding="utf-8"?>
+<inkml:ink xmlns:inkml="http://www.w3.org/2003/InkML">
+  <inkml:definitions>
+    <inkml:context xml:id="ctx0">
+      <inkml:inkSource xml:id="inkSrc0">
+        <inkml:traceFormat>
+          <inkml:channel name="X" type="integer" min="-2.14748E9" max="2.14748E9" units="cm"/>
+          <inkml:channel name="Y" type="integer" min="-2.14748E9" max="2.14748E9" units="cm"/>
+          <inkml:channel name="F" type="integer" max="32767" units="dev"/>
+          <inkml:channel name="OA" type="integer" max="360" units="deg"/>
+          <inkml:channel name="OE" type="integer" max="90" units="deg"/>
+        </inkml:traceFormat>
+        <inkml:channelProperties>
+          <inkml:channelProperty channel="X" name="resolution" value="1000" units="1/cm"/>
+          <inkml:channelProperty channel="Y" name="resolution" value="1000" units="1/cm"/>
+          <inkml:channelProperty channel="F" name="resolution" value="0" units="1/dev"/>
+          <inkml:channelProperty channel="OA" name="resolution" value="1000" units="1/deg"/>
+          <inkml:channelProperty channel="OE" name="resolution" value="1000" units="1/deg"/>
+        </inkml:channelProperties>
+      </inkml:inkSource>
+      <inkml:timestamp xml:id="ts0" timeString="2023-05-24T12:52:34.152"/>
+    </inkml:context>
+    <inkml:brush xml:id="br0">
+      <inkml:brushProperty name="width" value="0.2" units="cm"/>
+      <inkml:brushProperty name="height" value="0.2" units="cm"/>
+      <inkml:brushProperty name="color" value="#008C3A"/>
+    </inkml:brush>
+  </inkml:definitions>
+  <inkml:trace contextRef="#ctx0" brushRef="#br0">46 0 6035 0 0,'13'9'7505'0'0,"-12"-7"-7353"0"0,1 35 342 0 0,-1 1 1 0 0,-2 0 0 0 0,-1 0-1 0 0,-2 0 1 0 0,-2-1-1 0 0,-11 40 1 0 0,6-27-366 0 0,3-1 0 0 0,-4 84 0 0 0,10-112-313 0 0,2 35 14 0 0,0-55-24 0 0,0 1 0 0 0,0-1 0 0 0,1 0 0 0 0,-1 1 0 0 0,0-1 0 0 0,0 0 0 0 0,1 0 0 0 0,-1 1 0 0 0,1-1 0 0 0,-1 0 0 0 0,1 0 0 0 0,-1 0 0 0 0,1 1 0 0 0,0-1 0 0 0,0 0 0 0 0,-1 0 0 0 0,1 0 0 0 0,0 0 0 0 0,0 0 0 0 0,0 0 0 0 0,0-1 0 0 0,0 1 0 0 0,0 0 0 0 0,1 0-1 0 0,-1-1 1 0 0,0 1 0 0 0,0-1 0 0 0,0 1 0 0 0,1-1 0 0 0,-1 1 0 0 0,2-1 0 0 0</inkml:trace>
+</inkml:ink>
+</file>
+
+<file path=ppt/ink/ink101.xml><?xml version="1.0" encoding="utf-8"?>
+<inkml:ink xmlns:inkml="http://www.w3.org/2003/InkML">
+  <inkml:definitions>
+    <inkml:context xml:id="ctx0">
+      <inkml:inkSource xml:id="inkSrc0">
+        <inkml:traceFormat>
+          <inkml:channel name="X" type="integer" min="-2.14748E9" max="2.14748E9" units="cm"/>
+          <inkml:channel name="Y" type="integer" min="-2.14748E9" max="2.14748E9" units="cm"/>
+          <inkml:channel name="F" type="integer" max="32767" units="dev"/>
+          <inkml:channel name="OA" type="integer" max="360" units="deg"/>
+          <inkml:channel name="OE" type="integer" max="90" units="deg"/>
+        </inkml:traceFormat>
+        <inkml:channelProperties>
+          <inkml:channelProperty channel="X" name="resolution" value="1000" units="1/cm"/>
+          <inkml:channelProperty channel="Y" name="resolution" value="1000" units="1/cm"/>
+          <inkml:channelProperty channel="F" name="resolution" value="0" units="1/dev"/>
+          <inkml:channelProperty channel="OA" name="resolution" value="1000" units="1/deg"/>
+          <inkml:channelProperty channel="OE" name="resolution" value="1000" units="1/deg"/>
+        </inkml:channelProperties>
+      </inkml:inkSource>
+      <inkml:timestamp xml:id="ts0" timeString="2023-05-24T12:52:34.558"/>
+    </inkml:context>
+    <inkml:brush xml:id="br0">
+      <inkml:brushProperty name="width" value="0.2" units="cm"/>
+      <inkml:brushProperty name="height" value="0.2" units="cm"/>
+      <inkml:brushProperty name="color" value="#008C3A"/>
+    </inkml:brush>
+  </inkml:definitions>
+  <inkml:trace contextRef="#ctx0" brushRef="#br0">0 24 10789 0 0,'0'0'3361'0'0,"210"-18"-3280"0"0,-114 15 47 0 0,11 1 32 0 0,0 2 48 0 0,-4 0-272 0 0,-10 0 112 0 0,-18 7-64 0 0,-16 5-224 0 0,-21-1-257 0 0,-21-1-1087 0 0</inkml:trace>
+</inkml:ink>
+</file>
+
+<file path=ppt/ink/ink102.xml><?xml version="1.0" encoding="utf-8"?>
+<inkml:ink xmlns:inkml="http://www.w3.org/2003/InkML">
+  <inkml:definitions>
+    <inkml:context xml:id="ctx0">
+      <inkml:inkSource xml:id="inkSrc0">
+        <inkml:traceFormat>
+          <inkml:channel name="X" type="integer" min="-2.14748E9" max="2.14748E9" units="cm"/>
+          <inkml:channel name="Y" type="integer" min="-2.14748E9" max="2.14748E9" units="cm"/>
+          <inkml:channel name="F" type="integer" max="32767" units="dev"/>
+          <inkml:channel name="OA" type="integer" max="360" units="deg"/>
+          <inkml:channel name="OE" type="integer" max="90" units="deg"/>
+        </inkml:traceFormat>
+        <inkml:channelProperties>
+          <inkml:channelProperty channel="X" name="resolution" value="1000" units="1/cm"/>
+          <inkml:channelProperty channel="Y" name="resolution" value="1000" units="1/cm"/>
+          <inkml:channelProperty channel="F" name="resolution" value="0" units="1/dev"/>
+          <inkml:channelProperty channel="OA" name="resolution" value="1000" units="1/deg"/>
+          <inkml:channelProperty channel="OE" name="resolution" value="1000" units="1/deg"/>
+        </inkml:channelProperties>
+      </inkml:inkSource>
+      <inkml:timestamp xml:id="ts0" timeString="2023-05-24T12:52:36.947"/>
+    </inkml:context>
+    <inkml:brush xml:id="br0">
+      <inkml:brushProperty name="width" value="0.2" units="cm"/>
+      <inkml:brushProperty name="height" value="0.2" units="cm"/>
+      <inkml:brushProperty name="color" value="#008C3A"/>
+    </inkml:brush>
+  </inkml:definitions>
+  <inkml:trace contextRef="#ctx0" brushRef="#br0">5 11 1056 0 0,'-3'-10'7772'0'0,"1"89"-7719"0"0,3 90 285 0 0,1-149-306 0 0,0-1 0 0 0,2 1 1 0 0,0-1-1 0 0,0 0 0 0 0,2-1 0 0 0,12 27 0 0 0,-15-38-15 0 0,1-1-1 0 0,0 0 0 0 0,1 0 0 0 0,0-1 0 0 0,-1 0 1 0 0,2 1-1 0 0,-1-2 0 0 0,1 1 0 0 0,-1 0 0 0 0,1-1 1 0 0,0 0-1 0 0,1-1 0 0 0,-1 1 0 0 0,1-1 1 0 0,10 3-1 0 0,-12-4 0 0 0,0 0 0 0 0,0-1 0 0 0,0 0 0 0 0,0 0 0 0 0,0 0 0 0 0,0-1 0 0 0,1 1 0 0 0,-1-1 0 0 0,0 0 0 0 0,0-1 0 0 0,0 0 0 0 0,1 1 0 0 0,-1-1-1 0 0,0-1 1 0 0,0 1 0 0 0,0-1 0 0 0,-1 0 0 0 0,1 0 0 0 0,0 0 0 0 0,-1-1 0 0 0,1 0 0 0 0,4-4 0 0 0,0-1 10 0 0,-2 0-1 0 0,1-1 0 0 0,-1 0 1 0 0,0-1-1 0 0,-1 1 1 0 0,0-1-1 0 0,-1-1 0 0 0,0 1 1 0 0,0-1-1 0 0,3-13 0 0 0,-2 4-5 0 0,-2 0-1 0 0,0 0 1 0 0,-1-1-1 0 0,0-39 0 0 0,-3 60-29 0 0,0 0-1 0 0,0-1 0 0 0,0 1 0 0 0,1-1 0 0 0,-1 1 1 0 0,0-1-1 0 0,0 1 0 0 0,0-1 0 0 0,0 1 0 0 0,1 0 1 0 0,-1-1-1 0 0,0 1 0 0 0,0-1 0 0 0,1 1 0 0 0,-1 0 1 0 0,0-1-1 0 0,1 1 0 0 0,-1 0 0 0 0,0 0 0 0 0,1-1 0 0 0,-1 1 1 0 0,1 0-1 0 0,-1 0 0 0 0,0-1 0 0 0,1 1 0 0 0,-1 0 1 0 0,1 0-1 0 0,-1 0 0 0 0,1 0 0 0 0,-1 0 0 0 0,1-1 1 0 0,-1 1-1 0 0,0 0 0 0 0,1 0 0 0 0,-1 0 0 0 0,1 0 1 0 0,-1 1-1 0 0,1-1 0 0 0,-1 0 0 0 0,1 0 0 0 0,-1 0 0 0 0,1 0 1 0 0,-1 0-1 0 0,0 0 0 0 0,1 1 0 0 0,-1-1 0 0 0,1 0 1 0 0,-1 0-1 0 0,0 1 0 0 0,1-1 0 0 0,-1 0 0 0 0,0 1 1 0 0,1-1-1 0 0,-1 0 0 0 0,0 1 0 0 0,1-1 0 0 0,-1 1 0 0 0,25 19-189 0 0,7 24 154 0 0,-5-5 167 0 0,59 63 1 0 0,-77-92-77 0 0,2 0 0 0 0,-1-1 0 0 0,1 0 0 0 0,0-1 0 0 0,1-1 0 0 0,0 1 0 0 0,0-2 0 0 0,1 0 0 0 0,-1 0-1 0 0,25 6 1 0 0,-30-10 69 0 0,-1-1-1 0 0,1 0 0 0 0,-1-1 0 0 0,1 1 0 0 0,0-1 1 0 0,-1 0-1 0 0,1-1 0 0 0,0 0 0 0 0,-1 0 0 0 0,1 0 1 0 0,-1-1-1 0 0,1 0 0 0 0,-1 0 0 0 0,0 0 1 0 0,0-1-1 0 0,0 0 0 0 0,0 0 0 0 0,0-1 0 0 0,-1 1 1 0 0,1-1-1 0 0,-1-1 0 0 0,0 1 0 0 0,8-10 0 0 0,-6 5-76 0 0,-1 0 0 0 0,0 1-1 0 0,0-2 1 0 0,-1 1-1 0 0,0-1 1 0 0,-1 0-1 0 0,0 0 1 0 0,0 0 0 0 0,-1 0-1 0 0,-1-1 1 0 0,0 1-1 0 0,0-1 1 0 0,-1 1-1 0 0,0-12 1 0 0,0 11-50 0 0,-1 0 0 0 0,0-1 0 0 0,0 1-1 0 0,-2 0 1 0 0,1 0 0 0 0,-1 0 0 0 0,-1 1 0 0 0,0-1 0 0 0,0 0 0 0 0,-1 1 0 0 0,-5-11-1 0 0,-3-4-843 0 0</inkml:trace>
+</inkml:ink>
+</file>
+
+<file path=ppt/ink/ink103.xml><?xml version="1.0" encoding="utf-8"?>
+<inkml:ink xmlns:inkml="http://www.w3.org/2003/InkML">
+  <inkml:definitions>
+    <inkml:context xml:id="ctx0">
+      <inkml:inkSource xml:id="inkSrc0">
+        <inkml:traceFormat>
+          <inkml:channel name="X" type="integer" min="-2.14748E9" max="2.14748E9" units="cm"/>
+          <inkml:channel name="Y" type="integer" min="-2.14748E9" max="2.14748E9" units="cm"/>
+          <inkml:channel name="F" type="integer" max="32767" units="dev"/>
+          <inkml:channel name="OA" type="integer" max="360" units="deg"/>
+          <inkml:channel name="OE" type="integer" max="90" units="deg"/>
+        </inkml:traceFormat>
+        <inkml:channelProperties>
+          <inkml:channelProperty channel="X" name="resolution" value="1000" units="1/cm"/>
+          <inkml:channelProperty channel="Y" name="resolution" value="1000" units="1/cm"/>
+          <inkml:channelProperty channel="F" name="resolution" value="0" units="1/dev"/>
+          <inkml:channelProperty channel="OA" name="resolution" value="1000" units="1/deg"/>
+          <inkml:channelProperty channel="OE" name="resolution" value="1000" units="1/deg"/>
+        </inkml:channelProperties>
+      </inkml:inkSource>
+      <inkml:timestamp xml:id="ts0" timeString="2023-05-24T12:52:37.579"/>
+    </inkml:context>
+    <inkml:brush xml:id="br0">
+      <inkml:brushProperty name="width" value="0.2" units="cm"/>
+      <inkml:brushProperty name="height" value="0.2" units="cm"/>
+      <inkml:brushProperty name="color" value="#008C3A"/>
+    </inkml:brush>
+  </inkml:definitions>
+  <inkml:trace contextRef="#ctx0" brushRef="#br0">338 68 2273 0 0,'0'0'2137'0'0,"-28"-10"-1654"0"0,-89-30-267 0 0,103 36-114 0 0,0-1-1 0 0,0 2 1 0 0,-18-3 0 0 0,27 6-35 0 0,0 0 1 0 0,-1 0 0 0 0,1 1-1 0 0,0 0 1 0 0,-1 0 0 0 0,-7 2-1 0 0,9-1 31 0 0,0 0-1 0 0,0 0 0 0 0,0 0 1 0 0,1 1-1 0 0,-1-1 0 0 0,1 1 1 0 0,0 0-1 0 0,0 0 0 0 0,0 0 1 0 0,0 0-1 0 0,0 0 0 0 0,1 1 1 0 0,0-1-1 0 0,-1 1 0 0 0,1 0 0 0 0,0 0 1 0 0,1 0-1 0 0,-1 0 0 0 0,-1 8 1 0 0,-1 1 165 0 0,1 1 0 0 0,0-1 1 0 0,1 1-1 0 0,-1 26 0 0 0,2-37-230 0 0,1 1 0 0 0,0 0 0 0 0,1 0 0 0 0,-1-1 0 0 0,0 1 0 0 0,1 0 0 0 0,0-1 0 0 0,0 1-1 0 0,0 0 1 0 0,0-1 0 0 0,1 0 0 0 0,-1 1 0 0 0,1-1 0 0 0,0 0 0 0 0,4 6 0 0 0,-3-7-18 0 0,0 1 0 0 0,1-1 0 0 0,-1 0 0 0 0,1 0 0 0 0,-1 0 0 0 0,1 0 0 0 0,0-1 0 0 0,-1 0 0 0 0,1 1 0 0 0,0-1 0 0 0,0-1 0 0 0,0 1 0 0 0,0 0 1 0 0,6-1-1 0 0,3 1 1 0 0,-1-1 0 0 0,1-1 0 0 0,-1 1 0 0 0,0-2 0 0 0,1 0 0 0 0,-1 0 0 0 0,0-2 0 0 0,0 1 0 0 0,0-1 0 0 0,-1-1 0 0 0,1 0 0 0 0,-1-1 0 0 0,0 0 0 0 0,-1 0 0 0 0,0-1 0 0 0,0-1 0 0 0,0 0 0 0 0,-1 0 0 0 0,0-1 0 0 0,0 0 0 0 0,-1 0 0 0 0,7-11 0 0 0,-15 19-9 0 0,1 0 0 0 0,-1 0 0 0 0,1-1 0 0 0,0 1 0 0 0,-1 1 0 0 0,1-1 1 0 0,0 0-1 0 0,0 0 0 0 0,0 0 0 0 0,0 0 0 0 0,0 0 0 0 0,0 1 0 0 0,0-1 0 0 0,0 0 1 0 0,0 1-1 0 0,0-1 0 0 0,0 1 0 0 0,0-1 0 0 0,0 1 0 0 0,0-1 0 0 0,0 1 0 0 0,1 0 0 0 0,-1 0 1 0 0,0 0-1 0 0,0 0 0 0 0,0-1 0 0 0,1 2 0 0 0,-1-1 0 0 0,0 0 0 0 0,2 0 0 0 0,0 2-26 0 0,-1 0 0 0 0,1 1-1 0 0,-1-1 1 0 0,1 0-1 0 0,-1 1 1 0 0,0-1 0 0 0,0 1-1 0 0,0 0 1 0 0,3 6-1 0 0,12 17-220 0 0,31 54 774 0 0,-44-73-843 0 0,0 1 0 0 0,-1 0 0 0 0,0-1 1 0 0,0 1-1 0 0,-1 1 0 0 0,0-1 0 0 0,0 0 0 0 0,0 12 0 0 0</inkml:trace>
+</inkml:ink>
+</file>
+
+<file path=ppt/ink/ink104.xml><?xml version="1.0" encoding="utf-8"?>
+<inkml:ink xmlns:inkml="http://www.w3.org/2003/InkML">
+  <inkml:definitions>
+    <inkml:context xml:id="ctx0">
+      <inkml:inkSource xml:id="inkSrc0">
+        <inkml:traceFormat>
+          <inkml:channel name="X" type="integer" min="-2.14748E9" max="2.14748E9" units="cm"/>
+          <inkml:channel name="Y" type="integer" min="-2.14748E9" max="2.14748E9" units="cm"/>
+          <inkml:channel name="F" type="integer" max="32767" units="dev"/>
+          <inkml:channel name="OA" type="integer" max="360" units="deg"/>
+          <inkml:channel name="OE" type="integer" max="90" units="deg"/>
+        </inkml:traceFormat>
+        <inkml:channelProperties>
+          <inkml:channelProperty channel="X" name="resolution" value="1000" units="1/cm"/>
+          <inkml:channelProperty channel="Y" name="resolution" value="1000" units="1/cm"/>
+          <inkml:channelProperty channel="F" name="resolution" value="0" units="1/dev"/>
+          <inkml:channelProperty channel="OA" name="resolution" value="1000" units="1/deg"/>
+          <inkml:channelProperty channel="OE" name="resolution" value="1000" units="1/deg"/>
+        </inkml:channelProperties>
+      </inkml:inkSource>
+      <inkml:timestamp xml:id="ts0" timeString="2023-05-24T12:52:38.211"/>
+    </inkml:context>
+    <inkml:brush xml:id="br0">
+      <inkml:brushProperty name="width" value="0.2" units="cm"/>
+      <inkml:brushProperty name="height" value="0.2" units="cm"/>
+      <inkml:brushProperty name="color" value="#008C3A"/>
+    </inkml:brush>
+  </inkml:definitions>
+  <inkml:trace contextRef="#ctx0" brushRef="#br0">32 0 4914 0 0,'0'0'3450'0'0,"-1"7"-3418"0"0,-12 55 585 0 0,8-44 6 0 0,1 0 1 0 0,1 1-1 0 0,-2 27 1 0 0,4-40-499 0 0,1 1 0 0 0,1-1 0 0 0,-1 1 0 0 0,1-1 0 0 0,0 1 0 0 0,1-1 0 0 0,0 0 0 0 0,0 1 1 0 0,0-1-1 0 0,0 0 0 0 0,1 0 0 0 0,5 8 0 0 0,-3-8-56 0 0,0 0-1 0 0,1-1 1 0 0,-1 0 0 0 0,1 0 0 0 0,0 0-1 0 0,0-1 1 0 0,1 0 0 0 0,-1 0 0 0 0,1-1-1 0 0,12 5 1 0 0,3 0-17 0 0,0-2 0 0 0,1 0-1 0 0,0-2 1 0 0,-1 0 0 0 0,2-2 0 0 0,-1 0-1 0 0,0-2 1 0 0,0 0 0 0 0,44-7 0 0 0,-60 6-116 0 0,-1 0 1 0 0,1-1 0 0 0,0 1 0 0 0,-1-1 0 0 0,1-1 0 0 0,-1 1 0 0 0,0-1-1 0 0,0 0 1 0 0,0-1 0 0 0,0 1 0 0 0,-1-1 0 0 0,1 0 0 0 0,-1-1 0 0 0,0 1 0 0 0,0-1-1 0 0,-1 0 1 0 0,1 0 0 0 0,-1-1 0 0 0,0 1 0 0 0,0-1 0 0 0,-1 0 0 0 0,0 0-1 0 0,0 0 1 0 0,0 0 0 0 0,-1-1 0 0 0,0 1 0 0 0,0-1 0 0 0,-1 1 0 0 0,2-14-1 0 0,-3-34 1022 0 0,0 77-555 0 0,2-7-334 0 0,0-1 1 0 0,1 0-1 0 0,0 1 1 0 0,2-1-1 0 0,0 0 0 0 0,0-1 1 0 0,1 1-1 0 0,1-1 1 0 0,11 17-1 0 0,-9-16 44 0 0,-1-1 0 0 0,-1 1 1 0 0,0 1-1 0 0,-1 0 0 0 0,-1 0 0 0 0,0 0 0 0 0,-1 0 1 0 0,2 25-1 0 0,-5-33-66 0 0,0 0 0 0 0,-1-1 0 0 0,0 1 1 0 0,0 0-1 0 0,-1-1 0 0 0,0 1 0 0 0,0-1 0 0 0,-1 1 1 0 0,0-1-1 0 0,0 1 0 0 0,-1-1 0 0 0,0 0 1 0 0,0 0-1 0 0,0 0 0 0 0,-1-1 0 0 0,0 1 0 0 0,-1-1 1 0 0,1 0-1 0 0,-1 0 0 0 0,0 0 0 0 0,-1-1 0 0 0,-11 10 1 0 0,2-4 24 0 0,0 0 1 0 0,0 0 0 0 0,-1-1 0 0 0,0-1-1 0 0,-1-1 1 0 0,0 0 0 0 0,0-2-1 0 0,-1 0 1 0 0,1 0 0 0 0,-28 3 0 0 0,7-3-534 0 0,-60 1 0 0 0,4-7-4163 0 0,59 0 1750 0 0</inkml:trace>
+</inkml:ink>
+</file>
+
+<file path=ppt/ink/ink105.xml><?xml version="1.0" encoding="utf-8"?>
+<inkml:ink xmlns:inkml="http://www.w3.org/2003/InkML">
+  <inkml:definitions>
+    <inkml:context xml:id="ctx0">
+      <inkml:inkSource xml:id="inkSrc0">
+        <inkml:traceFormat>
+          <inkml:channel name="X" type="integer" min="-2.14748E9" max="2.14748E9" units="cm"/>
+          <inkml:channel name="Y" type="integer" min="-2.14748E9" max="2.14748E9" units="cm"/>
+          <inkml:channel name="F" type="integer" max="32767" units="dev"/>
+          <inkml:channel name="OA" type="integer" max="360" units="deg"/>
+          <inkml:channel name="OE" type="integer" max="90" units="deg"/>
+        </inkml:traceFormat>
+        <inkml:channelProperties>
+          <inkml:channelProperty channel="X" name="resolution" value="1000" units="1/cm"/>
+          <inkml:channelProperty channel="Y" name="resolution" value="1000" units="1/cm"/>
+          <inkml:channelProperty channel="F" name="resolution" value="0" units="1/dev"/>
+          <inkml:channelProperty channel="OA" name="resolution" value="1000" units="1/deg"/>
+          <inkml:channelProperty channel="OE" name="resolution" value="1000" units="1/deg"/>
+        </inkml:channelProperties>
+      </inkml:inkSource>
+      <inkml:timestamp xml:id="ts0" timeString="2023-05-24T12:52:39.297"/>
+    </inkml:context>
+    <inkml:brush xml:id="br0">
+      <inkml:brushProperty name="width" value="0.2" units="cm"/>
+      <inkml:brushProperty name="height" value="0.2" units="cm"/>
+      <inkml:brushProperty name="color" value="#008C3A"/>
+    </inkml:brush>
+  </inkml:definitions>
+  <inkml:trace contextRef="#ctx0" brushRef="#br0">127 1 4146 0 0,'0'0'8753'0'0,"-4"26"-7768"0"0,-7 56 248 0 0,-40 143-1 0 0,5-27-992 0 0,34-111-1451 0 0,10-58-2440 0 0</inkml:trace>
+</inkml:ink>
+</file>
+
+<file path=ppt/ink/ink106.xml><?xml version="1.0" encoding="utf-8"?>
+<inkml:ink xmlns:inkml="http://www.w3.org/2003/InkML">
+  <inkml:definitions>
+    <inkml:context xml:id="ctx0">
+      <inkml:inkSource xml:id="inkSrc0">
+        <inkml:traceFormat>
+          <inkml:channel name="X" type="integer" min="-2.14748E9" max="2.14748E9" units="cm"/>
+          <inkml:channel name="Y" type="integer" min="-2.14748E9" max="2.14748E9" units="cm"/>
+          <inkml:channel name="F" type="integer" max="32767" units="dev"/>
+          <inkml:channel name="OA" type="integer" max="360" units="deg"/>
+          <inkml:channel name="OE" type="integer" max="90" units="deg"/>
+        </inkml:traceFormat>
+        <inkml:channelProperties>
+          <inkml:channelProperty channel="X" name="resolution" value="1000" units="1/cm"/>
+          <inkml:channelProperty channel="Y" name="resolution" value="1000" units="1/cm"/>
+          <inkml:channelProperty channel="F" name="resolution" value="0" units="1/dev"/>
+          <inkml:channelProperty channel="OA" name="resolution" value="1000" units="1/deg"/>
+          <inkml:channelProperty channel="OE" name="resolution" value="1000" units="1/deg"/>
+        </inkml:channelProperties>
+      </inkml:inkSource>
+      <inkml:timestamp xml:id="ts0" timeString="2023-05-24T12:52:39.634"/>
+    </inkml:context>
+    <inkml:brush xml:id="br0">
+      <inkml:brushProperty name="width" value="0.2" units="cm"/>
+      <inkml:brushProperty name="height" value="0.2" units="cm"/>
+      <inkml:brushProperty name="color" value="#008C3A"/>
+    </inkml:brush>
+  </inkml:definitions>
+  <inkml:trace contextRef="#ctx0" brushRef="#br0">0 0 4962 0 0,'0'0'4642'0'0,"176"0"-3265"0"0,-104 0-64 0 0,4 6-513 0 0,3 1-416 0 0,3-2-336 0 0,-9-1 16 0 0,-5-3-144 0 0,1-1-1649 0 0,-14 0-1808 0 0,-17 0-689 0 0</inkml:trace>
+</inkml:ink>
+</file>
+
+<file path=ppt/ink/ink107.xml><?xml version="1.0" encoding="utf-8"?>
+<inkml:ink xmlns:inkml="http://www.w3.org/2003/InkML">
+  <inkml:definitions>
+    <inkml:context xml:id="ctx0">
+      <inkml:inkSource xml:id="inkSrc0">
+        <inkml:traceFormat>
+          <inkml:channel name="X" type="integer" min="-2.14748E9" max="2.14748E9" units="cm"/>
+          <inkml:channel name="Y" type="integer" min="-2.14748E9" max="2.14748E9" units="cm"/>
+          <inkml:channel name="F" type="integer" max="32767" units="dev"/>
+          <inkml:channel name="OA" type="integer" max="360" units="deg"/>
+          <inkml:channel name="OE" type="integer" max="90" units="deg"/>
+        </inkml:traceFormat>
+        <inkml:channelProperties>
+          <inkml:channelProperty channel="X" name="resolution" value="1000" units="1/cm"/>
+          <inkml:channelProperty channel="Y" name="resolution" value="1000" units="1/cm"/>
+          <inkml:channelProperty channel="F" name="resolution" value="0" units="1/dev"/>
+          <inkml:channelProperty channel="OA" name="resolution" value="1000" units="1/deg"/>
+          <inkml:channelProperty channel="OE" name="resolution" value="1000" units="1/deg"/>
+        </inkml:channelProperties>
+      </inkml:inkSource>
+      <inkml:timestamp xml:id="ts0" timeString="2023-05-24T12:52:40.121"/>
+    </inkml:context>
+    <inkml:brush xml:id="br0">
+      <inkml:brushProperty name="width" value="0.2" units="cm"/>
+      <inkml:brushProperty name="height" value="0.2" units="cm"/>
+      <inkml:brushProperty name="color" value="#008C3A"/>
+    </inkml:brush>
+  </inkml:definitions>
+  <inkml:trace contextRef="#ctx0" brushRef="#br0">96 164 5154 0 0,'0'0'3367'0'0,"-9"5"-3257"0"0,2-2 13 0 0,2 1 1 0 0,-1 0-1 0 0,0-1 0 0 0,1 2 1 0 0,0-1-1 0 0,0 1 1 0 0,0-1-1 0 0,0 1 1 0 0,1 1-1 0 0,0-1 1 0 0,0 1-1 0 0,1-1 0 0 0,-1 1 1 0 0,1 0-1 0 0,0 0 1 0 0,1 1-1 0 0,-1-1 1 0 0,1 1-1 0 0,1-1 1 0 0,-1 1-1 0 0,0 7 1 0 0,2-10-51 0 0,-1-1 0 0 0,1 1 0 0 0,0 0 0 0 0,0 0 0 0 0,1 0 1 0 0,-1-1-1 0 0,1 1 0 0 0,-1 0 0 0 0,1-1 0 0 0,1 1 1 0 0,-1 0-1 0 0,0-1 0 0 0,1 1 0 0 0,0-1 0 0 0,0 0 1 0 0,0 1-1 0 0,0-1 0 0 0,3 3 0 0 0,-1-2-28 0 0,1 0 0 0 0,-1-1 1 0 0,1 0-1 0 0,-1 1 0 0 0,1-2 0 0 0,0 1 0 0 0,0-1 1 0 0,0 1-1 0 0,1-1 0 0 0,-1-1 0 0 0,7 2 0 0 0,12 1 12 0 0,-1-1 0 0 0,1-1 0 0 0,0-2 0 0 0,41-3 0 0 0,-48 2-142 0 0,1-2 1 0 0,-1 0 0 0 0,0-1 0 0 0,0 0 0 0 0,-1-2 0 0 0,0 0 0 0 0,0 0 0 0 0,0-2 0 0 0,16-9 0 0 0,-25 12-47 0 0,1 0 0 0 0,-1-1-1 0 0,0 1 1 0 0,0-1 0 0 0,0 0-1 0 0,-1-1 1 0 0,0 0 0 0 0,0 0 0 0 0,-1 0-1 0 0,0-1 1 0 0,0 0 0 0 0,0 1-1 0 0,-1-2 1 0 0,-1 1 0 0 0,1 0 0 0 0,-1-1-1 0 0,-1 0 1 0 0,3-16 0 0 0,-4 18 172 0 0,0 0 0 0 0,0 0 0 0 0,-1 1 0 0 0,0-1 0 0 0,-1 0 0 0 0,0 0 1 0 0,0 0-1 0 0,0 0 0 0 0,-1 1 0 0 0,0-1 0 0 0,0 1 0 0 0,0-1 0 0 0,-1 1 0 0 0,0 0 0 0 0,-8-12 1 0 0,6 12 156 0 0,-1 0 1 0 0,0 0 0 0 0,0 1-1 0 0,-1 0 1 0 0,0 0-1 0 0,1 1 1 0 0,-2 0 0 0 0,1 0-1 0 0,0 0 1 0 0,-1 1 0 0 0,0 0-1 0 0,1 0 1 0 0,-12-1 0 0 0,0 0 30 0 0,1 0 1 0 0,-1 2 0 0 0,0 0-1 0 0,-30 1 1 0 0,42 1-225 0 0,0 0 1 0 0,1 1-1 0 0,-1-1 1 0 0,0 2-1 0 0,1-1 1 0 0,-1 1-1 0 0,1 0 0 0 0,0 0 1 0 0,-1 0-1 0 0,1 1 1 0 0,0 0-1 0 0,0 1 0 0 0,1-1 1 0 0,-1 1-1 0 0,1 0 1 0 0,-6 5-1 0 0,-2 13-139 0 0,11-20-265 0 0,2-2 299 0 0,0 1 1 0 0,0-1-1 0 0,-1 1 0 0 0,1-1 1 0 0,0 1-1 0 0,0 0 0 0 0,-1-1 1 0 0,1 1-1 0 0,0-1 0 0 0,0 1 1 0 0,0-1-1 0 0,0 1 0 0 0,0 0 0 0 0,0-1 1 0 0,0 1-1 0 0,0-1 0 0 0,0 1 1 0 0,0 0-1 0 0,0-1 0 0 0,1 1 1 0 0,-1-1-1 0 0,0 1 0 0 0,0-1 1 0 0,0 1-1 0 0,1 0 0 0 0,-1-1 0 0 0,0 1 1 0 0,1-1-1 0 0,-1 1 0 0 0,0-1 1 0 0,3 2-400 0 0,20 0-3260 0 0</inkml:trace>
+</inkml:ink>
+</file>
+
+<file path=ppt/ink/ink108.xml><?xml version="1.0" encoding="utf-8"?>
+<inkml:ink xmlns:inkml="http://www.w3.org/2003/InkML">
+  <inkml:definitions>
+    <inkml:context xml:id="ctx0">
+      <inkml:inkSource xml:id="inkSrc0">
+        <inkml:traceFormat>
+          <inkml:channel name="X" type="integer" min="-2.14748E9" max="2.14748E9" units="cm"/>
+          <inkml:channel name="Y" type="integer" min="-2.14748E9" max="2.14748E9" units="cm"/>
+          <inkml:channel name="F" type="integer" max="32767" units="dev"/>
+          <inkml:channel name="OA" type="integer" max="360" units="deg"/>
+          <inkml:channel name="OE" type="integer" max="90" units="deg"/>
+        </inkml:traceFormat>
+        <inkml:channelProperties>
+          <inkml:channelProperty channel="X" name="resolution" value="1000" units="1/cm"/>
+          <inkml:channelProperty channel="Y" name="resolution" value="1000" units="1/cm"/>
+          <inkml:channelProperty channel="F" name="resolution" value="0" units="1/dev"/>
+          <inkml:channelProperty channel="OA" name="resolution" value="1000" units="1/deg"/>
+          <inkml:channelProperty channel="OE" name="resolution" value="1000" units="1/deg"/>
+        </inkml:channelProperties>
+      </inkml:inkSource>
+      <inkml:timestamp xml:id="ts0" timeString="2023-05-24T12:52:41.008"/>
+    </inkml:context>
+    <inkml:brush xml:id="br0">
+      <inkml:brushProperty name="width" value="0.2" units="cm"/>
+      <inkml:brushProperty name="height" value="0.2" units="cm"/>
+      <inkml:brushProperty name="color" value="#008C3A"/>
+    </inkml:brush>
+  </inkml:definitions>
+  <inkml:trace contextRef="#ctx0" brushRef="#br0">131 1 5362 0 0,'0'3'6251'0'0,"4"14"-6136"0"0,2 1 238 0 0,-1 0 1 0 0,0 1-1 0 0,-2-1 1 0 0,0 1-1 0 0,-1 0 0 0 0,-1 0 1 0 0,0 0-1 0 0,-2 0 0 0 0,0 0 1 0 0,-6 26-1 0 0,0-18-89 0 0,-1-1-1 0 0,-1 1 0 0 0,-1-2 1 0 0,-2 0-1 0 0,-15 26 1 0 0,-27 62 286 0 0,49-99-468 0 0,0 0 1 0 0,1 0-1 0 0,1 0 1 0 0,0 1-1 0 0,1-1 1 0 0,0 22-1 0 0,1-29-66 0 0,1-1 1 0 0,0 1-1 0 0,1 0 1 0 0,0-1-1 0 0,0 1 0 0 0,0-1 1 0 0,1 1-1 0 0,2 6 1 0 0,-3-11-106 0 0,1 0 0 0 0,-1 0 1 0 0,1 0-1 0 0,-1 0 1 0 0,1 0-1 0 0,0 0 0 0 0,0 0 1 0 0,0-1-1 0 0,0 1 1 0 0,0-1-1 0 0,0 0 0 0 0,0 1 1 0 0,0-1-1 0 0,1 0 1 0 0,-1 0-1 0 0,0-1 0 0 0,1 1 1 0 0,-1 0-1 0 0,1-1 0 0 0,-1 1 1 0 0,1-1-1 0 0,-1 0 1 0 0,1 0-1 0 0,2 0 0 0 0,-2 0-238 0 0,14-2-2423 0 0</inkml:trace>
+</inkml:ink>
+</file>
+
+<file path=ppt/ink/ink109.xml><?xml version="1.0" encoding="utf-8"?>
+<inkml:ink xmlns:inkml="http://www.w3.org/2003/InkML">
+  <inkml:definitions>
+    <inkml:context xml:id="ctx0">
+      <inkml:inkSource xml:id="inkSrc0">
+        <inkml:traceFormat>
+          <inkml:channel name="X" type="integer" min="-2.14748E9" max="2.14748E9" units="cm"/>
+          <inkml:channel name="Y" type="integer" min="-2.14748E9" max="2.14748E9" units="cm"/>
+          <inkml:channel name="F" type="integer" max="32767" units="dev"/>
+          <inkml:channel name="OA" type="integer" max="360" units="deg"/>
+          <inkml:channel name="OE" type="integer" max="90" units="deg"/>
+        </inkml:traceFormat>
+        <inkml:channelProperties>
+          <inkml:channelProperty channel="X" name="resolution" value="1000" units="1/cm"/>
+          <inkml:channelProperty channel="Y" name="resolution" value="1000" units="1/cm"/>
+          <inkml:channelProperty channel="F" name="resolution" value="0" units="1/dev"/>
+          <inkml:channelProperty channel="OA" name="resolution" value="1000" units="1/deg"/>
+          <inkml:channelProperty channel="OE" name="resolution" value="1000" units="1/deg"/>
+        </inkml:channelProperties>
+      </inkml:inkSource>
+      <inkml:timestamp xml:id="ts0" timeString="2023-05-24T12:52:41.651"/>
+    </inkml:context>
+    <inkml:brush xml:id="br0">
+      <inkml:brushProperty name="width" value="0.2" units="cm"/>
+      <inkml:brushProperty name="height" value="0.2" units="cm"/>
+      <inkml:brushProperty name="color" value="#008C3A"/>
+    </inkml:brush>
+  </inkml:definitions>
+  <inkml:trace contextRef="#ctx0" brushRef="#br0">1 298 3298 0 0,'0'0'3430'0'0,"30"1"-3149"0"0,98 0-151 0 0,-119-1-93 0 0,1 0 0 0 0,-1-1 0 0 0,1 0 0 0 0,-1 0 0 0 0,1-1 0 0 0,-1-1 0 0 0,0 0-1 0 0,0 0 1 0 0,0 0 0 0 0,11-7 0 0 0,4-2 326 0 0,-7 4-289 0 0,1 0 1 0 0,-1-1 0 0 0,-1-1-1 0 0,0-1 1 0 0,-1 0 0 0 0,0-1 0 0 0,0 0-1 0 0,-1-2 1 0 0,-1 1 0 0 0,14-19-1 0 0,-25 29-75 0 0,0-1-1 0 0,0 1 0 0 0,-1-1 1 0 0,1 1-1 0 0,-1-1 1 0 0,0 0-1 0 0,0 0 0 0 0,0 0 1 0 0,0 1-1 0 0,-1-1 0 0 0,1 0 1 0 0,-1-7-1 0 0,0 9-3 0 0,-1 0 1 0 0,1 0-1 0 0,0 0 0 0 0,-1 0 1 0 0,1 0-1 0 0,-1 0 0 0 0,0 0 1 0 0,0 0-1 0 0,0 0 0 0 0,0 1 0 0 0,0-1 1 0 0,0 0-1 0 0,0 1 0 0 0,0-1 1 0 0,-1 0-1 0 0,1 1 0 0 0,-1 0 1 0 0,1-1-1 0 0,-1 1 0 0 0,1 0 0 0 0,-1 0 1 0 0,0-1-1 0 0,0 1 0 0 0,-3-1 1 0 0,-12-4-1 0 0,0 1 1 0 0,-1 1 0 0 0,1 1-1 0 0,-1 0 1 0 0,0 1-1 0 0,-34 1 1 0 0,42 1 34 0 0,0 1 0 0 0,0 0 0 0 0,0 0 0 0 0,0 1 0 0 0,1 0 0 0 0,-1 1 0 0 0,1 0 0 0 0,-1 0 0 0 0,1 1 0 0 0,0 1 0 0 0,0-1 0 0 0,1 1 0 0 0,-16 12 0 0 0,17-11 53 0 0,0 2-1 0 0,0-1 1 0 0,1 1-1 0 0,0 0 1 0 0,0 0 0 0 0,0 1-1 0 0,1 0 1 0 0,1 0-1 0 0,0 0 1 0 0,0 1-1 0 0,0-1 1 0 0,1 1 0 0 0,1 0-1 0 0,0-1 1 0 0,0 1-1 0 0,1 1 1 0 0,0-1 0 0 0,1 0-1 0 0,0 0 1 0 0,2 18-1 0 0,-1-24-41 0 0,0 0-1 0 0,0 0 1 0 0,0 0-1 0 0,0 0 0 0 0,0-1 1 0 0,1 1-1 0 0,0 0 1 0 0,0-1-1 0 0,0 1 0 0 0,0-1 1 0 0,0 0-1 0 0,1 0 1 0 0,-1 0-1 0 0,5 4 1 0 0,1 0-11 0 0,-1-1 1 0 0,1 0 0 0 0,1-1-1 0 0,-1 1 1 0 0,15 5 0 0 0,3 0-9 0 0,1-2 1 0 0,0-1-1 0 0,33 6 1 0 0,-24-7-566 0 0,-1-2 0 0 0,1-2 1 0 0,0-1-1 0 0,71-5 0 0 0,-70-7-2159 0 0,-11-7-916 0 0</inkml:trace>
+</inkml:ink>
+</file>
+
+<file path=ppt/ink/ink11.xml><?xml version="1.0" encoding="utf-8"?>
+<inkml:ink xmlns:inkml="http://www.w3.org/2003/InkML">
+  <inkml:definitions>
+    <inkml:context xml:id="ctx0">
+      <inkml:inkSource xml:id="inkSrc0">
+        <inkml:traceFormat>
+          <inkml:channel name="X" type="integer" min="-2.14748E9" max="2.14748E9" units="cm"/>
+          <inkml:channel name="Y" type="integer" min="-2.14748E9" max="2.14748E9" units="cm"/>
+          <inkml:channel name="F" type="integer" max="32767" units="dev"/>
+          <inkml:channel name="OA" type="integer" max="360" units="deg"/>
+          <inkml:channel name="OE" type="integer" max="90" units="deg"/>
+        </inkml:traceFormat>
+        <inkml:channelProperties>
+          <inkml:channelProperty channel="X" name="resolution" value="1000" units="1/cm"/>
+          <inkml:channelProperty channel="Y" name="resolution" value="1000" units="1/cm"/>
+          <inkml:channelProperty channel="F" name="resolution" value="0" units="1/dev"/>
+          <inkml:channelProperty channel="OA" name="resolution" value="1000" units="1/deg"/>
+          <inkml:channelProperty channel="OE" name="resolution" value="1000" units="1/deg"/>
+        </inkml:channelProperties>
+      </inkml:inkSource>
+      <inkml:timestamp xml:id="ts0" timeString="2023-05-24T12:34:37.760"/>
+    </inkml:context>
+    <inkml:brush xml:id="br0">
+      <inkml:brushProperty name="width" value="0.2" units="cm"/>
+      <inkml:brushProperty name="height" value="0.2" units="cm"/>
+    </inkml:brush>
+  </inkml:definitions>
+  <inkml:trace contextRef="#ctx0" brushRef="#br0">377 0 3217 0 0,'0'0'2599'0'0,"-40"0"1859"0"0,5 3-4405 0 0,0 1-1 0 0,0 2 1 0 0,-65 20 0 0 0,-5 0 350 0 0,78-20 271 0 0,67-27-439 0 0,-36 19-255 0 0,0 0-1 0 0,0 1 0 0 0,1-1 0 0 0,-1 1 1 0 0,1 0-1 0 0,-1 0 0 0 0,1 0 0 0 0,-1 1 0 0 0,1-1 1 0 0,0 1-1 0 0,-1 1 0 0 0,5-1 0 0 0,56 11-23 0 0,-53-6 17 0 0,-1 0 0 0 0,1 1 0 0 0,-1 0 0 0 0,-1 1 0 0 0,1 1 0 0 0,-1-1 0 0 0,0 1 0 0 0,-1 1 0 0 0,0 0 0 0 0,13 16 0 0 0,-11-11 36 0 0,0 2 0 0 0,-1-1-1 0 0,0 1 1 0 0,-2 1 0 0 0,0 0 0 0 0,9 26 0 0 0,-10-25 42 0 0,1 16-1033 0 0</inkml:trace>
+</inkml:ink>
+</file>
+
+<file path=ppt/ink/ink110.xml><?xml version="1.0" encoding="utf-8"?>
+<inkml:ink xmlns:inkml="http://www.w3.org/2003/InkML">
+  <inkml:definitions>
+    <inkml:context xml:id="ctx0">
+      <inkml:inkSource xml:id="inkSrc0">
+        <inkml:traceFormat>
+          <inkml:channel name="X" type="integer" min="-2.14748E9" max="2.14748E9" units="cm"/>
+          <inkml:channel name="Y" type="integer" min="-2.14748E9" max="2.14748E9" units="cm"/>
+          <inkml:channel name="F" type="integer" max="32767" units="dev"/>
+          <inkml:channel name="OA" type="integer" max="360" units="deg"/>
+          <inkml:channel name="OE" type="integer" max="90" units="deg"/>
+        </inkml:traceFormat>
+        <inkml:channelProperties>
+          <inkml:channelProperty channel="X" name="resolution" value="1000" units="1/cm"/>
+          <inkml:channelProperty channel="Y" name="resolution" value="1000" units="1/cm"/>
+          <inkml:channelProperty channel="F" name="resolution" value="0" units="1/dev"/>
+          <inkml:channelProperty channel="OA" name="resolution" value="1000" units="1/deg"/>
+          <inkml:channelProperty channel="OE" name="resolution" value="1000" units="1/deg"/>
+        </inkml:channelProperties>
+      </inkml:inkSource>
+      <inkml:timestamp xml:id="ts0" timeString="2023-05-24T12:52:42.266"/>
+    </inkml:context>
+    <inkml:brush xml:id="br0">
+      <inkml:brushProperty name="width" value="0.2" units="cm"/>
+      <inkml:brushProperty name="height" value="0.2" units="cm"/>
+      <inkml:brushProperty name="color" value="#008C3A"/>
+    </inkml:brush>
+  </inkml:definitions>
+  <inkml:trace contextRef="#ctx0" brushRef="#br0">327 70 5635 0 0,'0'0'4009'0'0,"-6"-5"-3790"0"0,-5-3-222 0 0,0 0-1 0 0,-1 1 1 0 0,0 1-1 0 0,0 0 1 0 0,-1 0-1 0 0,1 1 1 0 0,-1 1 0 0 0,0 0-1 0 0,0 1 1 0 0,-1 1-1 0 0,1-1 1 0 0,-1 2-1 0 0,1 0 1 0 0,-1 1-1 0 0,1 0 1 0 0,-15 3-1 0 0,24-2 7 0 0,0 0-1 0 0,0 0 0 0 0,-1 0 0 0 0,1 1 1 0 0,0 0-1 0 0,0 0 0 0 0,1 0 0 0 0,-1 0 1 0 0,0 1-1 0 0,1-1 0 0 0,-1 1 0 0 0,1 0 1 0 0,0 0-1 0 0,0 0 0 0 0,0 1 0 0 0,0-1 1 0 0,0 1-1 0 0,1-1 0 0 0,0 1 0 0 0,-4 7 0 0 0,4-6 94 0 0,0 0-1 0 0,-1 1 1 0 0,2-1-1 0 0,-1 1 1 0 0,1-1-1 0 0,0 1 1 0 0,0 0-1 0 0,0-1 0 0 0,1 1 1 0 0,0 0-1 0 0,0 0 1 0 0,0 0-1 0 0,1-1 1 0 0,0 1-1 0 0,2 8 1 0 0,-1-11-67 0 0,0-1 0 0 0,0 1 1 0 0,0-1-1 0 0,0 0 0 0 0,0 0 1 0 0,1 0-1 0 0,-1 0 1 0 0,1 0-1 0 0,-1 0 0 0 0,1-1 1 0 0,0 1-1 0 0,0-1 1 0 0,-1 0-1 0 0,1 0 0 0 0,0 0 1 0 0,0 0-1 0 0,0 0 1 0 0,0-1-1 0 0,0 1 0 0 0,0-1 1 0 0,1 0-1 0 0,4 0 0 0 0,3 0 21 0 0,0 0-1 0 0,0 0 0 0 0,0-1 0 0 0,0 0 0 0 0,13-4 1 0 0,-14 1-135 0 0,0-1 0 0 0,-1 0 1 0 0,0-1-1 0 0,0 0 1 0 0,-1 0-1 0 0,1-1 1 0 0,10-11-1 0 0,-7 7 39 0 0,-11 10 63 0 0,0 0 1 0 0,0 1 0 0 0,0-1 0 0 0,0 0 0 0 0,0 1-1 0 0,0-1 1 0 0,0 1 0 0 0,0-1 0 0 0,0 1 0 0 0,0-1-1 0 0,0 1 1 0 0,0 0 0 0 0,0 0 0 0 0,1-1 0 0 0,-1 1-1 0 0,0 0 1 0 0,0 0 0 0 0,0 0 0 0 0,0 0-1 0 0,0 0 1 0 0,1 1 0 0 0,-1-1 0 0 0,0 0 0 0 0,0 0-1 0 0,0 1 1 0 0,0-1 0 0 0,0 1 0 0 0,0-1 0 0 0,0 1-1 0 0,0-1 1 0 0,2 2 0 0 0,26 30-277 0 0,-19-21 271 0 0,10 13-62 0 0,-11-12-75 0 0,2 0 0 0 0,-1 0 0 0 0,1-1 0 0 0,1 0 0 0 0,0-1 0 0 0,15 10 0 0 0</inkml:trace>
+</inkml:ink>
+</file>
+
+<file path=ppt/ink/ink111.xml><?xml version="1.0" encoding="utf-8"?>
+<inkml:ink xmlns:inkml="http://www.w3.org/2003/InkML">
+  <inkml:definitions>
+    <inkml:context xml:id="ctx0">
+      <inkml:inkSource xml:id="inkSrc0">
+        <inkml:traceFormat>
+          <inkml:channel name="X" type="integer" min="-2.14748E9" max="2.14748E9" units="cm"/>
+          <inkml:channel name="Y" type="integer" min="-2.14748E9" max="2.14748E9" units="cm"/>
+          <inkml:channel name="F" type="integer" max="32767" units="dev"/>
+          <inkml:channel name="OA" type="integer" max="360" units="deg"/>
+          <inkml:channel name="OE" type="integer" max="90" units="deg"/>
+        </inkml:traceFormat>
+        <inkml:channelProperties>
+          <inkml:channelProperty channel="X" name="resolution" value="1000" units="1/cm"/>
+          <inkml:channelProperty channel="Y" name="resolution" value="1000" units="1/cm"/>
+          <inkml:channelProperty channel="F" name="resolution" value="0" units="1/dev"/>
+          <inkml:channelProperty channel="OA" name="resolution" value="1000" units="1/deg"/>
+          <inkml:channelProperty channel="OE" name="resolution" value="1000" units="1/deg"/>
+        </inkml:channelProperties>
+      </inkml:inkSource>
+      <inkml:timestamp xml:id="ts0" timeString="2023-05-24T12:52:42.798"/>
+    </inkml:context>
+    <inkml:brush xml:id="br0">
+      <inkml:brushProperty name="width" value="0.2" units="cm"/>
+      <inkml:brushProperty name="height" value="0.2" units="cm"/>
+      <inkml:brushProperty name="color" value="#008C3A"/>
+    </inkml:brush>
+  </inkml:definitions>
+  <inkml:trace contextRef="#ctx0" brushRef="#br0">0 193 4690 0 0,'0'0'5085'0'0,"5"16"-4674"0"0,3 15-283 0 0,-5-13 152 0 0,2-1 0 0 0,11 31 0 0 0,-12-145 1620 0 0,-5 59-1808 0 0,0 25-90 0 0,1 1 0 0 0,0-1 0 0 0,1 1 0 0 0,0-1-1 0 0,4-17 1 0 0,-4 26 18 0 0,1 0 0 0 0,-1 1 0 0 0,1-1 0 0 0,0 0 0 0 0,0 0 0 0 0,0 1-1 0 0,1-1 1 0 0,-1 1 0 0 0,1 0 0 0 0,0 0 0 0 0,0 0 0 0 0,0 0-1 0 0,0 0 1 0 0,1 1 0 0 0,-1-1 0 0 0,1 1 0 0 0,-1 0 0 0 0,1 0 0 0 0,0 0-1 0 0,5-1 1 0 0,12-4 159 0 0,1 1-1 0 0,0 0 1 0 0,0 2-1 0 0,42-3 0 0 0,96 6-308 0 0,-84 3 83 0 0,-62-1 446 0 0</inkml:trace>
+</inkml:ink>
+</file>
+
+<file path=ppt/ink/ink112.xml><?xml version="1.0" encoding="utf-8"?>
+<inkml:ink xmlns:inkml="http://www.w3.org/2003/InkML">
+  <inkml:definitions>
+    <inkml:context xml:id="ctx0">
+      <inkml:inkSource xml:id="inkSrc0">
+        <inkml:traceFormat>
+          <inkml:channel name="X" type="integer" min="-2.14748E9" max="2.14748E9" units="cm"/>
+          <inkml:channel name="Y" type="integer" min="-2.14748E9" max="2.14748E9" units="cm"/>
+          <inkml:channel name="F" type="integer" max="32767" units="dev"/>
+          <inkml:channel name="OA" type="integer" max="360" units="deg"/>
+          <inkml:channel name="OE" type="integer" max="90" units="deg"/>
+        </inkml:traceFormat>
+        <inkml:channelProperties>
+          <inkml:channelProperty channel="X" name="resolution" value="1000" units="1/cm"/>
+          <inkml:channelProperty channel="Y" name="resolution" value="1000" units="1/cm"/>
+          <inkml:channelProperty channel="F" name="resolution" value="0" units="1/dev"/>
+          <inkml:channelProperty channel="OA" name="resolution" value="1000" units="1/deg"/>
+          <inkml:channelProperty channel="OE" name="resolution" value="1000" units="1/deg"/>
+        </inkml:channelProperties>
+      </inkml:inkSource>
+      <inkml:timestamp xml:id="ts0" timeString="2023-05-24T12:52:43.702"/>
+    </inkml:context>
+    <inkml:brush xml:id="br0">
+      <inkml:brushProperty name="width" value="0.2" units="cm"/>
+      <inkml:brushProperty name="height" value="0.2" units="cm"/>
+      <inkml:brushProperty name="color" value="#008C3A"/>
+    </inkml:brush>
+  </inkml:definitions>
+  <inkml:trace contextRef="#ctx0" brushRef="#br0">1 29 5491 0 0,'0'0'3945'0'0,"1"20"-2355"0"0,5 164 1254 0 0,-6-98-2537 0 0,0-85-237 0 0,1-42 338 0 0,2 30-473 0 0,0-1 1 0 0,1 0 0 0 0,1 1-1 0 0,0 0 1 0 0,0 0-1 0 0,1 0 1 0 0,0 1 0 0 0,14-17-1 0 0,3-2-289 0 0,43-41-1 0 0,-58 63 364 0 0,-1 1 0 0 0,2-1 1 0 0,-1 2-1 0 0,0-1 0 0 0,1 1 0 0 0,0 1 0 0 0,0 0 1 0 0,1 0-1 0 0,-1 1 0 0 0,1 0 0 0 0,0 0 0 0 0,0 1 0 0 0,0 0 1 0 0,0 1-1 0 0,0 0 0 0 0,0 1 0 0 0,0 0 0 0 0,0 1 1 0 0,0 0-1 0 0,0 0 0 0 0,0 1 0 0 0,0 0 0 0 0,-1 1 0 0 0,1 0 1 0 0,0 0-1 0 0,-1 1 0 0 0,17 11 0 0 0,-14-9 66 0 0,0 1 0 0 0,-1 0 0 0 0,-1 1-1 0 0,1 0 1 0 0,-1 1 0 0 0,-1 0 0 0 0,1 1-1 0 0,-2 0 1 0 0,1 0 0 0 0,-1 1 0 0 0,-1 0 0 0 0,0 0-1 0 0,-1 1 1 0 0,0 0 0 0 0,0 0 0 0 0,-1 0 0 0 0,-1 1-1 0 0,0 0 1 0 0,-1 0 0 0 0,3 25 0 0 0,-6 68-251 0 0,0-106 15 0 0,0 1 1 0 0,0 0-1 0 0,-1 0 1 0 0,1-1-1 0 0,-1 1 1 0 0,-17 8-3853 0 0,17-9 3853 0 0,0 0-1 0 0,0 0 1 0 0,0 0-1 0 0,1-1 1 0 0,-1 1-1 0 0,0 0 1 0 0,0-1-1 0 0,0 1 1 0 0,1 0-1 0 0,-1-1 1 0 0,-7-10-2248 0 0,8-1 378 0 0</inkml:trace>
+</inkml:ink>
+</file>
+
+<file path=ppt/ink/ink113.xml><?xml version="1.0" encoding="utf-8"?>
+<inkml:ink xmlns:inkml="http://www.w3.org/2003/InkML">
+  <inkml:definitions>
+    <inkml:context xml:id="ctx0">
+      <inkml:inkSource xml:id="inkSrc0">
+        <inkml:traceFormat>
+          <inkml:channel name="X" type="integer" min="-2.14748E9" max="2.14748E9" units="cm"/>
+          <inkml:channel name="Y" type="integer" min="-2.14748E9" max="2.14748E9" units="cm"/>
+          <inkml:channel name="F" type="integer" max="32767" units="dev"/>
+          <inkml:channel name="OA" type="integer" max="360" units="deg"/>
+          <inkml:channel name="OE" type="integer" max="90" units="deg"/>
+        </inkml:traceFormat>
+        <inkml:channelProperties>
+          <inkml:channelProperty channel="X" name="resolution" value="1000" units="1/cm"/>
+          <inkml:channelProperty channel="Y" name="resolution" value="1000" units="1/cm"/>
+          <inkml:channelProperty channel="F" name="resolution" value="0" units="1/dev"/>
+          <inkml:channelProperty channel="OA" name="resolution" value="1000" units="1/deg"/>
+          <inkml:channelProperty channel="OE" name="resolution" value="1000" units="1/deg"/>
+        </inkml:channelProperties>
+      </inkml:inkSource>
+      <inkml:timestamp xml:id="ts0" timeString="2023-05-24T12:52:44.441"/>
+    </inkml:context>
+    <inkml:brush xml:id="br0">
+      <inkml:brushProperty name="width" value="0.2" units="cm"/>
+      <inkml:brushProperty name="height" value="0.2" units="cm"/>
+      <inkml:brushProperty name="color" value="#008C3A"/>
+    </inkml:brush>
+  </inkml:definitions>
+  <inkml:trace contextRef="#ctx0" brushRef="#br0">1 1 4850 0 0,'0'0'3276'0'0,"33"20"-1784"0"0,111 70-209 0 0,-54-35 434 0 0,-3 4 0 0 0,111 97 1 0 0,-178-138-1586 0 0,-1 1 0 0 0,-1 1 1 0 0,0 0-1 0 0,-2 1 0 0 0,27 44 0 0 0,-35-48-98 0 0,0-1-1 0 0,-1 1 1 0 0,-1 1-1 0 0,-1-1 1 0 0,0 1-1 0 0,-1 0 1 0 0,-1 0-1 0 0,-1 0 1 0 0,0 29-1 0 0,-2-44-19 0 0,0 21 160 0 0,-6 49 0 0 0,5-64-159 0 0,-1-1 0 0 0,-1 1 0 0 0,1-1 0 0 0,-1 0 0 0 0,-1 0 0 0 0,0 0 0 0 0,0 0 0 0 0,0 0 0 0 0,-7 7 0 0 0,-12 12 16 0 0,-2-2 0 0 0,0 0 0 0 0,-2-2 0 0 0,-1-1-1 0 0,0-1 1 0 0,-34 18 0 0 0,13-8-88 0 0,-44 39 0 0 0,90-68 40 0 0,1 0 1 0 0,0-1-1 0 0,0 1 0 0 0,0 0 1 0 0,0 1-1 0 0,0-1 1 0 0,0 0-1 0 0,0 0 0 0 0,1 1 1 0 0,-1-1-1 0 0,1 1 0 0 0,0 0 1 0 0,0-1-1 0 0,0 1 1 0 0,0 0-1 0 0,0-1 0 0 0,1 1 1 0 0,-1 0-1 0 0,1 0 1 0 0,-1 0-1 0 0,1 5 0 0 0</inkml:trace>
+</inkml:ink>
+</file>
+
+<file path=ppt/ink/ink114.xml><?xml version="1.0" encoding="utf-8"?>
+<inkml:ink xmlns:inkml="http://www.w3.org/2003/InkML">
+  <inkml:definitions>
+    <inkml:context xml:id="ctx0">
+      <inkml:inkSource xml:id="inkSrc0">
+        <inkml:traceFormat>
+          <inkml:channel name="X" type="integer" min="-2.14748E9" max="2.14748E9" units="cm"/>
+          <inkml:channel name="Y" type="integer" min="-2.14748E9" max="2.14748E9" units="cm"/>
+          <inkml:channel name="F" type="integer" max="32767" units="dev"/>
+          <inkml:channel name="OA" type="integer" max="360" units="deg"/>
+          <inkml:channel name="OE" type="integer" max="90" units="deg"/>
+        </inkml:traceFormat>
+        <inkml:channelProperties>
+          <inkml:channelProperty channel="X" name="resolution" value="1000" units="1/cm"/>
+          <inkml:channelProperty channel="Y" name="resolution" value="1000" units="1/cm"/>
+          <inkml:channelProperty channel="F" name="resolution" value="0" units="1/dev"/>
+          <inkml:channelProperty channel="OA" name="resolution" value="1000" units="1/deg"/>
+          <inkml:channelProperty channel="OE" name="resolution" value="1000" units="1/deg"/>
+        </inkml:channelProperties>
+      </inkml:inkSource>
+      <inkml:timestamp xml:id="ts0" timeString="2023-05-24T14:12:47.738"/>
+    </inkml:context>
+    <inkml:brush xml:id="br0">
+      <inkml:brushProperty name="width" value="0.2" units="cm"/>
+      <inkml:brushProperty name="height" value="0.2" units="cm"/>
+      <inkml:brushProperty name="color" value="#33CCFF"/>
+    </inkml:brush>
+  </inkml:definitions>
+  <inkml:trace contextRef="#ctx0" brushRef="#br0">0 28 1169 0 0,'0'-27'7803'0'0,"2"35"-7660"0"0,0 0-1 0 0,0 1 0 0 0,1-1 1 0 0,0 0-1 0 0,1 0 1 0 0,-1-1-1 0 0,2 1 1 0 0,-1-1-1 0 0,1 0 0 0 0,7 8 1 0 0,15 29 270 0 0,-26-41-411 0 0,74 138 1014 0 0,-62-120-767 0 0,1-1 0 0 0,1-1 1 0 0,0 0-1 0 0,28 25 1 0 0,206 169 1148 0 0,-207-181-1237 0 0,1-2 0 0 0,2-1 0 0 0,1-3 0 0 0,58 24 0 0 0,-73-40-29 0 0,1-1-1 0 0,0-2 1 0 0,1-1-1 0 0,51 3 1 0 0,-51-7-163 0 0,0 2 1 0 0,1 1 0 0 0,-2 2 0 0 0,41 13 0 0 0,-73-19 53 0 0,1-1 0 0 0,-1 1 0 0 0,1-1 0 0 0,0 0 0 0 0,-1 1-1 0 0,1-1 1 0 0,-1 0 0 0 0,1 0 0 0 0,0 0 0 0 0,-1 1 0 0 0,1-1 0 0 0,0 0 0 0 0,-1 0-1 0 0,1 0 1 0 0,0 0 0 0 0,-1 0 0 0 0,1 0 0 0 0,0 0 0 0 0,-1 0 0 0 0,1 0-1 0 0,0-1 1 0 0,-1 1 0 0 0,1 0 0 0 0,-1 0 0 0 0,1-1 0 0 0,0 1 0 0 0,-1 0-1 0 0,1 0 1 0 0,-1-1 0 0 0,1 1 0 0 0,-1-1 0 0 0,1 1 0 0 0,-1-1 0 0 0,1 1-1 0 0,-1-1 1 0 0,1 1 0 0 0,-1-1 0 0 0,0 1 0 0 0,1-1 0 0 0,-1 1 0 0 0,0-1-1 0 0,1 0 1 0 0,-1 1 0 0 0,0-1 0 0 0,0 1 0 0 0,0-1 0 0 0,0 0 0 0 0,1 1-1 0 0,-1-2 1 0 0,6-13-187 0 0,-2 3 180 0 0,-1 0-1 0 0,0 0 0 0 0,0-1 1 0 0,-1 1-1 0 0,-1-1 0 0 0,0 1 1 0 0,0-1-1 0 0,-2 0 0 0 0,-1-16 1 0 0,0-10-2 0 0,1 21-2 0 0,-1 1-1 0 0,0-1 0 0 0,-2 0 0 0 0,0 1 0 0 0,-1 0 1 0 0,-8-18-1 0 0,-10-39 84 0 0,136 157-1018 0 0,-95-69 908 0 0,-1 1 0 0 0,-1 0 0 0 0,20 25 0 0 0,-30-33 10 0 0,-1 1 1 0 0,0 0-1 0 0,0 0 1 0 0,0 0-1 0 0,-1 1 1 0 0,0 0-1 0 0,-1-1 1 0 0,0 1-1 0 0,0 0 1 0 0,2 16-1 0 0,6 35-4 0 0,-7-43-28 0 0,-1 0 1 0 0,-1 0 0 0 0,1 19 0 0 0,-86-7-754 0 0,-10 8 924 0 0,-2-4 0 0 0,-1-5 0 0 0,-2-3 0 0 0,-188 21 0 0 0</inkml:trace>
+</inkml:ink>
+</file>
+
+<file path=ppt/ink/ink115.xml><?xml version="1.0" encoding="utf-8"?>
+<inkml:ink xmlns:inkml="http://www.w3.org/2003/InkML">
+  <inkml:definitions>
+    <inkml:context xml:id="ctx0">
+      <inkml:inkSource xml:id="inkSrc0">
+        <inkml:traceFormat>
+          <inkml:channel name="X" type="integer" min="-2.14748E9" max="2.14748E9" units="cm"/>
+          <inkml:channel name="Y" type="integer" min="-2.14748E9" max="2.14748E9" units="cm"/>
+          <inkml:channel name="F" type="integer" max="32767" units="dev"/>
+          <inkml:channel name="OA" type="integer" max="360" units="deg"/>
+          <inkml:channel name="OE" type="integer" max="90" units="deg"/>
+        </inkml:traceFormat>
+        <inkml:channelProperties>
+          <inkml:channelProperty channel="X" name="resolution" value="1000" units="1/cm"/>
+          <inkml:channelProperty channel="Y" name="resolution" value="1000" units="1/cm"/>
+          <inkml:channelProperty channel="F" name="resolution" value="0" units="1/dev"/>
+          <inkml:channelProperty channel="OA" name="resolution" value="1000" units="1/deg"/>
+          <inkml:channelProperty channel="OE" name="resolution" value="1000" units="1/deg"/>
+        </inkml:channelProperties>
+      </inkml:inkSource>
+      <inkml:timestamp xml:id="ts0" timeString="2023-05-24T14:12:49.124"/>
+    </inkml:context>
+    <inkml:brush xml:id="br0">
+      <inkml:brushProperty name="width" value="0.2" units="cm"/>
+      <inkml:brushProperty name="height" value="0.2" units="cm"/>
+      <inkml:brushProperty name="color" value="#33CCFF"/>
+    </inkml:brush>
+  </inkml:definitions>
+  <inkml:trace contextRef="#ctx0" brushRef="#br0">450 97 3137 0 0,'0'0'2047'0'0,"-1"-48"2072"0"0,-2 46-4121 0 0,0-1-1 0 0,1 0 1 0 0,-1 1-1 0 0,-1 0 1 0 0,1-1-1 0 0,0 1 1 0 0,0 0 0 0 0,-1 1-1 0 0,1-1 1 0 0,-1 1-1 0 0,0-1 1 0 0,-6 0 0 0 0,-2-2 6 0 0,0-1-26 0 0,0 2 0 0 0,0 0 0 0 0,0 1 0 0 0,0 0 0 0 0,0 0 0 0 0,0 1 0 0 0,-1 1 0 0 0,1 0 0 0 0,-23 4 0 0 0,17-1 3 0 0,0 0 1 0 0,0 2-1 0 0,0 0 0 0 0,1 1 0 0 0,-32 16 0 0 0,41-17 72 0 0,0 0 0 0 0,1 1 1 0 0,0-1-1 0 0,0 1 0 0 0,0 0 0 0 0,1 1 1 0 0,0 0-1 0 0,0 0 0 0 0,1 0 0 0 0,0 1 1 0 0,0 0-1 0 0,0 0 0 0 0,1 0 0 0 0,1 0 1 0 0,-1 0-1 0 0,1 1 0 0 0,1 0 1 0 0,0 0-1 0 0,0 0 0 0 0,0 0 0 0 0,1 0 1 0 0,1 0-1 0 0,-1 0 0 0 0,2 0 0 0 0,-1 0 1 0 0,1 0-1 0 0,0 0 0 0 0,5 14 0 0 0,-4-16-41 0 0,1 0-1 0 0,0-1 0 0 0,0 1 1 0 0,1-1-1 0 0,0 1 0 0 0,0-1 0 0 0,1 0 1 0 0,-1 0-1 0 0,1-1 0 0 0,0 1 1 0 0,1-1-1 0 0,-1 0 0 0 0,1-1 0 0 0,0 1 1 0 0,1-1-1 0 0,-1-1 0 0 0,1 1 1 0 0,7 2-1 0 0,6 4 7 0 0,0-2 1 0 0,1 0-1 0 0,0-2 1 0 0,42 8-1 0 0,-39-10 12 0 0,0-1 0 0 0,0-1-1 0 0,-1-1 1 0 0,45-5 0 0 0,-55 2-6 0 0,0-1 0 0 0,0 0-1 0 0,0-1 1 0 0,0-1 0 0 0,-1 0 0 0 0,0 0 0 0 0,0-1 0 0 0,0-1-1 0 0,-1 0 1 0 0,12-9 0 0 0,11-13 399 0 0,33-35 0 0 0,-63 60-202 0 0,-4 4-226 0 0,0 1 0 0 0,0-1 0 0 0,0 0 0 0 0,0 0 0 0 0,0 1 0 0 0,0-1 0 0 0,0 0 0 0 0,0 0-1 0 0,0 0 1 0 0,0 1 0 0 0,1-1 0 0 0,-1 0 0 0 0,0 0 0 0 0,0 0 0 0 0,0 1 0 0 0,0-1 0 0 0,0 0 0 0 0,1 0-1 0 0,-1 0 1 0 0,0 0 0 0 0,0 1 0 0 0,0-1 0 0 0,0 0 0 0 0,1 0 0 0 0,-1 0 0 0 0,0 0 0 0 0,0 0 0 0 0,0 0 0 0 0,1 0-1 0 0,-1 0 1 0 0,0 1 0 0 0,0-1 0 0 0,1 0 0 0 0,-1 0 0 0 0,0 0 0 0 0,0 0 0 0 0,1 0 0 0 0,-1 0 0 0 0,0 0 0 0 0,0 0-1 0 0,0 0 1 0 0,1-1 0 0 0,-1 1 0 0 0,0 0 0 0 0,0 0 0 0 0,1 0 0 0 0,-1 0 0 0 0,0 0 0 0 0,0 0 0 0 0,0 0-1 0 0,1 0 1 0 0,-1-1 0 0 0,0 1 0 0 0,0 0 0 0 0,0 0 0 0 0,0 0 0 0 0,1 0 0 0 0,-1-1 0 0 0,2 7 49 0 0,4 17 77 0 0,-2-1-1 0 0,0 1 1 0 0,1 30 0 0 0,-3-26-58 0 0,1 0 1 0 0,10 39 0 0 0,-11-59-52 0 0,0 0 1 0 0,1 0 0 0 0,-1-1-1 0 0,2 1 1 0 0,-1 0 0 0 0,1-1-1 0 0,0 0 1 0 0,0 0 0 0 0,0 0-1 0 0,1 0 1 0 0,0-1 0 0 0,0 0 0 0 0,10 8-1 0 0,0-7-1112 0 0</inkml:trace>
+</inkml:ink>
+</file>
+
+<file path=ppt/ink/ink116.xml><?xml version="1.0" encoding="utf-8"?>
+<inkml:ink xmlns:inkml="http://www.w3.org/2003/InkML">
+  <inkml:definitions>
+    <inkml:context xml:id="ctx0">
+      <inkml:inkSource xml:id="inkSrc0">
+        <inkml:traceFormat>
+          <inkml:channel name="X" type="integer" min="-2.14748E9" max="2.14748E9" units="cm"/>
+          <inkml:channel name="Y" type="integer" min="-2.14748E9" max="2.14748E9" units="cm"/>
+          <inkml:channel name="F" type="integer" max="32767" units="dev"/>
+          <inkml:channel name="OA" type="integer" max="360" units="deg"/>
+          <inkml:channel name="OE" type="integer" max="90" units="deg"/>
+        </inkml:traceFormat>
+        <inkml:channelProperties>
+          <inkml:channelProperty channel="X" name="resolution" value="1000" units="1/cm"/>
+          <inkml:channelProperty channel="Y" name="resolution" value="1000" units="1/cm"/>
+          <inkml:channelProperty channel="F" name="resolution" value="0" units="1/dev"/>
+          <inkml:channelProperty channel="OA" name="resolution" value="1000" units="1/deg"/>
+          <inkml:channelProperty channel="OE" name="resolution" value="1000" units="1/deg"/>
+        </inkml:channelProperties>
+      </inkml:inkSource>
+      <inkml:timestamp xml:id="ts0" timeString="2023-05-24T14:12:49.700"/>
+    </inkml:context>
+    <inkml:brush xml:id="br0">
+      <inkml:brushProperty name="width" value="0.2" units="cm"/>
+      <inkml:brushProperty name="height" value="0.2" units="cm"/>
+      <inkml:brushProperty name="color" value="#33CCFF"/>
+    </inkml:brush>
+  </inkml:definitions>
+  <inkml:trace contextRef="#ctx0" brushRef="#br0">4 67 4722 0 0,'0'0'3332'0'0,"0"16"-2459"0"0,-1 20-487 0 0,-1 68 875 0 0,8-62 1350 0 0,6-66-2712 0 0,1 0 1 0 0,1 2 0 0 0,1-1 0 0 0,28-30-1 0 0,-7 8-216 0 0,-26 31 292 0 0,-8 10 21 0 0,1 0 0 0 0,-1 0 1 0 0,1 0-1 0 0,-1 0 1 0 0,1 1-1 0 0,0-1 1 0 0,0 1-1 0 0,1 0 1 0 0,-1 0-1 0 0,1 0 1 0 0,-1 1-1 0 0,1-1 0 0 0,0 1 1 0 0,0 0-1 0 0,0 0 1 0 0,0 0-1 0 0,1 0 1 0 0,-1 1-1 0 0,0-1 1 0 0,1 1-1 0 0,-1 1 1 0 0,8-2-1 0 0,13 4 101 0 0,-1 0 0 0 0,0 2 0 0 0,0 1 0 0 0,0 1 0 0 0,-1 0 0 0 0,1 2-1 0 0,-2 1 1 0 0,1 1 0 0 0,-1 1 0 0 0,-1 0 0 0 0,0 2 0 0 0,-1 1 0 0 0,0 0 0 0 0,-1 1 0 0 0,0 2 0 0 0,-2-1 0 0 0,19 24 0 0 0,-32-35-83 0 0,0 1 0 0 0,-1-1-1 0 0,0 1 1 0 0,0 0 0 0 0,0 0 0 0 0,-1 0 0 0 0,0 0 0 0 0,0 1 0 0 0,0-1 0 0 0,-1 0 0 0 0,0 1 0 0 0,-1-1 0 0 0,1 12 0 0 0,-1-17-16 0 0,0 0 0 0 0,-1 0 0 0 0,1 0 0 0 0,0 1 0 0 0,0-1 1 0 0,-1 0-1 0 0,1 0 0 0 0,0 0 0 0 0,-1 0 0 0 0,1 0 0 0 0,-1-1 1 0 0,0 1-1 0 0,1 0 0 0 0,-1 0 0 0 0,0 0 0 0 0,1 0 0 0 0,-1-1 1 0 0,0 1-1 0 0,0 0 0 0 0,0-1 0 0 0,0 1 0 0 0,0 0 0 0 0,0-1 1 0 0,0 1-1 0 0,-1 0 0 0 0,-2 0-32 0 0,0 0 0 0 0,0 0-1 0 0,0 0 1 0 0,0 0 0 0 0,0 0 0 0 0,0-1 0 0 0,-7 0 0 0 0,7 0-206 0 0,0 0 1 0 0,0 0 0 0 0,0 0 0 0 0,0 0 0 0 0,1-1 0 0 0,-1 0-1 0 0,0 0 1 0 0,0 0 0 0 0,1 0 0 0 0,-1-1 0 0 0,0 1-1 0 0,1-1 1 0 0,0 0 0 0 0,-1 0 0 0 0,1 0 0 0 0,0 0 0 0 0,-4-4-1 0 0,-2-20-4578 0 0</inkml:trace>
+</inkml:ink>
+</file>
+
+<file path=ppt/ink/ink117.xml><?xml version="1.0" encoding="utf-8"?>
+<inkml:ink xmlns:inkml="http://www.w3.org/2003/InkML">
+  <inkml:definitions>
+    <inkml:context xml:id="ctx0">
+      <inkml:inkSource xml:id="inkSrc0">
+        <inkml:traceFormat>
+          <inkml:channel name="X" type="integer" min="-2.14748E9" max="2.14748E9" units="cm"/>
+          <inkml:channel name="Y" type="integer" min="-2.14748E9" max="2.14748E9" units="cm"/>
+          <inkml:channel name="F" type="integer" max="32767" units="dev"/>
+          <inkml:channel name="OA" type="integer" max="360" units="deg"/>
+          <inkml:channel name="OE" type="integer" max="90" units="deg"/>
+        </inkml:traceFormat>
+        <inkml:channelProperties>
+          <inkml:channelProperty channel="X" name="resolution" value="1000" units="1/cm"/>
+          <inkml:channelProperty channel="Y" name="resolution" value="1000" units="1/cm"/>
+          <inkml:channelProperty channel="F" name="resolution" value="0" units="1/dev"/>
+          <inkml:channelProperty channel="OA" name="resolution" value="1000" units="1/deg"/>
+          <inkml:channelProperty channel="OE" name="resolution" value="1000" units="1/deg"/>
+        </inkml:channelProperties>
+      </inkml:inkSource>
+      <inkml:timestamp xml:id="ts0" timeString="2023-05-24T14:12:50.584"/>
+    </inkml:context>
+    <inkml:brush xml:id="br0">
+      <inkml:brushProperty name="width" value="0.2" units="cm"/>
+      <inkml:brushProperty name="height" value="0.2" units="cm"/>
+      <inkml:brushProperty name="color" value="#33CCFF"/>
+    </inkml:brush>
+  </inkml:definitions>
+  <inkml:trace contextRef="#ctx0" brushRef="#br0">293 636 3858 0 0,'0'0'3903'0'0,"-7"0"-3303"0"0,-33-5-162 0 0,20 2-346 0 0,-1 0 0 0 0,1 2 1 0 0,0 1-1 0 0,-1 0 0 0 0,-20 3 0 0 0,36-2-20 0 0,0 0 0 0 0,0 0 0 0 0,1 1 0 0 0,-1-1-1 0 0,0 1 1 0 0,1 0 0 0 0,0 0 0 0 0,-1 0 0 0 0,1 1 0 0 0,0 0 0 0 0,0 0 0 0 0,0 0 0 0 0,1 0 0 0 0,-1 0-1 0 0,1 1 1 0 0,0-1 0 0 0,0 1 0 0 0,0 0 0 0 0,0 0 0 0 0,0 0 0 0 0,1 1 0 0 0,0-1 0 0 0,0 0-1 0 0,0 1 1 0 0,1 0 0 0 0,-3 8 0 0 0,2-4 54 0 0,0-1 1 0 0,1 1-1 0 0,0 0 0 0 0,0-1 0 0 0,1 1 1 0 0,0 0-1 0 0,1-1 0 0 0,0 1 0 0 0,0 0 1 0 0,0-1-1 0 0,1 1 0 0 0,1-1 0 0 0,4 11 1 0 0,-4-14-117 0 0,0 0 0 0 0,0 0 0 0 0,0 0 1 0 0,1 0-1 0 0,0-1 0 0 0,0 1 0 0 0,0-1 0 0 0,1 0 1 0 0,-1 0-1 0 0,1-1 0 0 0,0 0 0 0 0,0 1 1 0 0,0-1-1 0 0,1-1 0 0 0,-1 1 0 0 0,1-1 0 0 0,-1 0 1 0 0,1 0-1 0 0,0-1 0 0 0,5 1 0 0 0,3 1-119 0 0,-1-1-1 0 0,0-1 1 0 0,1 0-1 0 0,-1-1 1 0 0,0-1-1 0 0,1 0 0 0 0,-1 0 1 0 0,0-2-1 0 0,0 1 1 0 0,0-2-1 0 0,0 0 1 0 0,0 0-1 0 0,-1-1 1 0 0,1-1-1 0 0,18-11 0 0 0,-10 3 90 0 0,-2-1 0 0 0,1-1 0 0 0,-2-1 1 0 0,0-1-1 0 0,-1 0 0 0 0,-1-1 0 0 0,22-33 0 0 0,-24 32 302 0 0,0 0 1 0 0,-2-1 0 0 0,0 0 0 0 0,-2-1 0 0 0,0 0-1 0 0,-1-1 1 0 0,-1 1 0 0 0,-2-2 0 0 0,0 1 0 0 0,-1-1-1 0 0,-2 0 1 0 0,2-33 0 0 0,-21-220-6 0 0,15 166-269 0 0,-1 111-48 0 0,0 0 0 0 0,1-1-1 0 0,-1 1 1 0 0,0 0 0 0 0,0 0 0 0 0,0 0-1 0 0,1 0 1 0 0,-1 0 0 0 0,0 1-1 0 0,0-1 1 0 0,1 0 0 0 0,-1 1-1 0 0,0-1 1 0 0,1 1 0 0 0,-1 0 0 0 0,0 0-1 0 0,1-1 1 0 0,-2 2 0 0 0,-1 3 31 0 0,-1 0 1 0 0,1 0 0 0 0,1 0 0 0 0,-1 0 0 0 0,1 1-1 0 0,0-1 1 0 0,0 1 0 0 0,1 0 0 0 0,0 0 0 0 0,0 0-1 0 0,-2 9 1 0 0,-11 76 147 0 0,14-80-99 0 0,-24 275 474 0 0,-16 121 132 0 0,33-377-1530 0 0,1-17-172 0 0,7-13 1022 0 0,0 0 0 0 0,-1 0 0 0 0,1 0 0 0 0,0 0 0 0 0,-1 0 0 0 0,1 0 1 0 0,0 0-1 0 0,0 0 0 0 0,-1 0 0 0 0,1 0 0 0 0,0 0 0 0 0,0 0 0 0 0,-1 0 0 0 0,1 0 0 0 0,0 0 0 0 0,-1 0 1 0 0,1 0-1 0 0,0 0 0 0 0,0 0 0 0 0,-1 0 0 0 0,1 0 0 0 0,0 0 0 0 0,0-1 0 0 0,-1 1 0 0 0,1 0 0 0 0,0 0 1 0 0,0 0-1 0 0,0 0 0 0 0,-1-1 0 0 0,1 1 0 0 0,0 0 0 0 0,0 0 0 0 0,0-1 0 0 0,0 1 0 0 0,-1 0 0 0 0,1 0 1 0 0,0-1-1 0 0,0 1 0 0 0,0 0 0 0 0,0 0 0 0 0,0-1 0 0 0,-10-28-3613 0 0</inkml:trace>
+</inkml:ink>
+</file>
+
+<file path=ppt/ink/ink118.xml><?xml version="1.0" encoding="utf-8"?>
 <inkml:ink xmlns:inkml="http://www.w3.org/2003/InkML">
   <inkml:definitions>
     <inkml:context xml:id="ctx0">
@@ -216,7 +824,7 @@
 </inkml:ink>
 </file>
 
-<file path=ppt/ink/ink101.xml><?xml version="1.0" encoding="utf-8"?>
+<file path=ppt/ink/ink119.xml><?xml version="1.0" encoding="utf-8"?>
 <inkml:ink xmlns:inkml="http://www.w3.org/2003/InkML">
   <inkml:definitions>
     <inkml:context xml:id="ctx0">
@@ -248,7 +856,38 @@
 </inkml:ink>
 </file>
 
-<file path=ppt/ink/ink102.xml><?xml version="1.0" encoding="utf-8"?>
+<file path=ppt/ink/ink12.xml><?xml version="1.0" encoding="utf-8"?>
+<inkml:ink xmlns:inkml="http://www.w3.org/2003/InkML">
+  <inkml:definitions>
+    <inkml:context xml:id="ctx0">
+      <inkml:inkSource xml:id="inkSrc0">
+        <inkml:traceFormat>
+          <inkml:channel name="X" type="integer" min="-2.14748E9" max="2.14748E9" units="cm"/>
+          <inkml:channel name="Y" type="integer" min="-2.14748E9" max="2.14748E9" units="cm"/>
+          <inkml:channel name="F" type="integer" max="32767" units="dev"/>
+          <inkml:channel name="OA" type="integer" max="360" units="deg"/>
+          <inkml:channel name="OE" type="integer" max="90" units="deg"/>
+        </inkml:traceFormat>
+        <inkml:channelProperties>
+          <inkml:channelProperty channel="X" name="resolution" value="1000" units="1/cm"/>
+          <inkml:channelProperty channel="Y" name="resolution" value="1000" units="1/cm"/>
+          <inkml:channelProperty channel="F" name="resolution" value="0" units="1/dev"/>
+          <inkml:channelProperty channel="OA" name="resolution" value="1000" units="1/deg"/>
+          <inkml:channelProperty channel="OE" name="resolution" value="1000" units="1/deg"/>
+        </inkml:channelProperties>
+      </inkml:inkSource>
+      <inkml:timestamp xml:id="ts0" timeString="2023-05-24T12:34:39.935"/>
+    </inkml:context>
+    <inkml:brush xml:id="br0">
+      <inkml:brushProperty name="width" value="0.2" units="cm"/>
+      <inkml:brushProperty name="height" value="0.2" units="cm"/>
+    </inkml:brush>
+  </inkml:definitions>
+  <inkml:trace contextRef="#ctx0" brushRef="#br0">0 4 7860 0 0,'0'0'1952'0'0,"0"-1"-1952"0"0,0-1 193 0 0</inkml:trace>
+</inkml:ink>
+</file>
+
+<file path=ppt/ink/ink120.xml><?xml version="1.0" encoding="utf-8"?>
 <inkml:ink xmlns:inkml="http://www.w3.org/2003/InkML">
   <inkml:definitions>
     <inkml:context xml:id="ctx0">
@@ -280,7 +919,7 @@
 </inkml:ink>
 </file>
 
-<file path=ppt/ink/ink103.xml><?xml version="1.0" encoding="utf-8"?>
+<file path=ppt/ink/ink121.xml><?xml version="1.0" encoding="utf-8"?>
 <inkml:ink xmlns:inkml="http://www.w3.org/2003/InkML">
   <inkml:definitions>
     <inkml:context xml:id="ctx0">
@@ -312,7 +951,7 @@
 </inkml:ink>
 </file>
 
-<file path=ppt/ink/ink104.xml><?xml version="1.0" encoding="utf-8"?>
+<file path=ppt/ink/ink122.xml><?xml version="1.0" encoding="utf-8"?>
 <inkml:ink xmlns:inkml="http://www.w3.org/2003/InkML">
   <inkml:definitions>
     <inkml:context xml:id="ctx0">
@@ -344,7 +983,7 @@
 </inkml:ink>
 </file>
 
-<file path=ppt/ink/ink105.xml><?xml version="1.0" encoding="utf-8"?>
+<file path=ppt/ink/ink123.xml><?xml version="1.0" encoding="utf-8"?>
 <inkml:ink xmlns:inkml="http://www.w3.org/2003/InkML">
   <inkml:definitions>
     <inkml:context xml:id="ctx0">
@@ -376,7 +1015,7 @@
 </inkml:ink>
 </file>
 
-<file path=ppt/ink/ink106.xml><?xml version="1.0" encoding="utf-8"?>
+<file path=ppt/ink/ink124.xml><?xml version="1.0" encoding="utf-8"?>
 <inkml:ink xmlns:inkml="http://www.w3.org/2003/InkML">
   <inkml:definitions>
     <inkml:context xml:id="ctx0">
@@ -408,7 +1047,7 @@
 </inkml:ink>
 </file>
 
-<file path=ppt/ink/ink107.xml><?xml version="1.0" encoding="utf-8"?>
+<file path=ppt/ink/ink125.xml><?xml version="1.0" encoding="utf-8"?>
 <inkml:ink xmlns:inkml="http://www.w3.org/2003/InkML">
   <inkml:definitions>
     <inkml:context xml:id="ctx0">
@@ -440,7 +1079,7 @@
 </inkml:ink>
 </file>
 
-<file path=ppt/ink/ink108.xml><?xml version="1.0" encoding="utf-8"?>
+<file path=ppt/ink/ink126.xml><?xml version="1.0" encoding="utf-8"?>
 <inkml:ink xmlns:inkml="http://www.w3.org/2003/InkML">
   <inkml:definitions>
     <inkml:context xml:id="ctx0">
@@ -472,7 +1111,7 @@
 </inkml:ink>
 </file>
 
-<file path=ppt/ink/ink109.xml><?xml version="1.0" encoding="utf-8"?>
+<file path=ppt/ink/ink127.xml><?xml version="1.0" encoding="utf-8"?>
 <inkml:ink xmlns:inkml="http://www.w3.org/2003/InkML">
   <inkml:definitions>
     <inkml:context xml:id="ctx0">
@@ -504,38 +1143,7 @@
 </inkml:ink>
 </file>
 
-<file path=ppt/ink/ink11.xml><?xml version="1.0" encoding="utf-8"?>
-<inkml:ink xmlns:inkml="http://www.w3.org/2003/InkML">
-  <inkml:definitions>
-    <inkml:context xml:id="ctx0">
-      <inkml:inkSource xml:id="inkSrc0">
-        <inkml:traceFormat>
-          <inkml:channel name="X" type="integer" min="-2.14748E9" max="2.14748E9" units="cm"/>
-          <inkml:channel name="Y" type="integer" min="-2.14748E9" max="2.14748E9" units="cm"/>
-          <inkml:channel name="F" type="integer" max="32767" units="dev"/>
-          <inkml:channel name="OA" type="integer" max="360" units="deg"/>
-          <inkml:channel name="OE" type="integer" max="90" units="deg"/>
-        </inkml:traceFormat>
-        <inkml:channelProperties>
-          <inkml:channelProperty channel="X" name="resolution" value="1000" units="1/cm"/>
-          <inkml:channelProperty channel="Y" name="resolution" value="1000" units="1/cm"/>
-          <inkml:channelProperty channel="F" name="resolution" value="0" units="1/dev"/>
-          <inkml:channelProperty channel="OA" name="resolution" value="1000" units="1/deg"/>
-          <inkml:channelProperty channel="OE" name="resolution" value="1000" units="1/deg"/>
-        </inkml:channelProperties>
-      </inkml:inkSource>
-      <inkml:timestamp xml:id="ts0" timeString="2023-05-24T12:34:43.670"/>
-    </inkml:context>
-    <inkml:brush xml:id="br0">
-      <inkml:brushProperty name="width" value="0.2" units="cm"/>
-      <inkml:brushProperty name="height" value="0.2" units="cm"/>
-    </inkml:brush>
-  </inkml:definitions>
-  <inkml:trace contextRef="#ctx0" brushRef="#br0">296 2 7459 0 0,'0'0'2940'0'0,"-21"0"-2585"0"0,4 0-327 0 0,-4-1 58 0 0,0 0 0 0 0,0 2 0 0 0,0 1 0 0 0,1 0 0 0 0,-1 1 0 0 0,-35 11 0 0 0,52-12-99 0 0,-1 0 0 0 0,1 0-1 0 0,-1 0 1 0 0,1 1 0 0 0,0 0 0 0 0,0 0 0 0 0,0 0 0 0 0,0 0 0 0 0,0 0 0 0 0,1 1-1 0 0,0-1 1 0 0,-1 1 0 0 0,1 0 0 0 0,-3 7 0 0 0,3-4 2 0 0,0-1 0 0 0,1 1 0 0 0,0 0 0 0 0,0 0 0 0 0,1 0 0 0 0,0 0 0 0 0,0 0 0 0 0,1 1 0 0 0,0 7 0 0 0,0-13 9 0 0,1 0 0 0 0,-1 0 0 0 0,1 0 0 0 0,0 0 0 0 0,0-1 0 0 0,0 1 0 0 0,0 0 0 0 0,0 0 0 0 0,0-1 0 0 0,0 1 0 0 0,1 0 1 0 0,-1-1-1 0 0,1 1 0 0 0,-1-1 0 0 0,1 0 0 0 0,-1 1 0 0 0,1-1 0 0 0,0 0 0 0 0,0 0 0 0 0,-1 0 0 0 0,1 0 0 0 0,2 0 0 0 0,55 22 3 0 0,-40-17 11 0 0,11 5 37 0 0,-8-4-4 0 0,0 1 0 0 0,-1 2 0 0 0,38 22 0 0 0,-54-29-38 0 0,0 0-1 0 0,-1 0 1 0 0,1 1-1 0 0,-1 0 1 0 0,0 0 0 0 0,-1 0-1 0 0,1 0 1 0 0,-1 1-1 0 0,1-1 1 0 0,-1 1-1 0 0,-1 0 1 0 0,1 0-1 0 0,-1 0 1 0 0,1 0 0 0 0,-2 0-1 0 0,1 1 1 0 0,0-1-1 0 0,-1 1 1 0 0,0-1-1 0 0,-1 1 1 0 0,1 7 0 0 0,-1-10-2 0 0,-1-1 1 0 0,1 1 0 0 0,-1 0 0 0 0,0 0-1 0 0,0-1 1 0 0,0 1 0 0 0,0-1 0 0 0,-1 1-1 0 0,1-1 1 0 0,-1 1 0 0 0,1-1 0 0 0,-1 0-1 0 0,0 1 1 0 0,0-1 0 0 0,0 0 0 0 0,0 0 0 0 0,0-1-1 0 0,-1 1 1 0 0,1 0 0 0 0,0-1 0 0 0,-1 1-1 0 0,0-1 1 0 0,-4 2 0 0 0,-10 4 43 0 0,0 0-1 0 0,-29 6 1 0 0,29-8-32 0 0,-27 3 304 0 0,12-2-1515 0 0</inkml:trace>
-</inkml:ink>
-</file>
-
-<file path=ppt/ink/ink110.xml><?xml version="1.0" encoding="utf-8"?>
+<file path=ppt/ink/ink128.xml><?xml version="1.0" encoding="utf-8"?>
 <inkml:ink xmlns:inkml="http://www.w3.org/2003/InkML">
   <inkml:definitions>
     <inkml:context xml:id="ctx0">
@@ -567,7 +1175,7 @@
 </inkml:ink>
 </file>
 
-<file path=ppt/ink/ink111.xml><?xml version="1.0" encoding="utf-8"?>
+<file path=ppt/ink/ink129.xml><?xml version="1.0" encoding="utf-8"?>
 <inkml:ink xmlns:inkml="http://www.w3.org/2003/InkML">
   <inkml:definitions>
     <inkml:context xml:id="ctx0">
@@ -599,7 +1207,38 @@
 </inkml:ink>
 </file>
 
-<file path=ppt/ink/ink112.xml><?xml version="1.0" encoding="utf-8"?>
+<file path=ppt/ink/ink13.xml><?xml version="1.0" encoding="utf-8"?>
+<inkml:ink xmlns:inkml="http://www.w3.org/2003/InkML">
+  <inkml:definitions>
+    <inkml:context xml:id="ctx0">
+      <inkml:inkSource xml:id="inkSrc0">
+        <inkml:traceFormat>
+          <inkml:channel name="X" type="integer" min="-2.14748E9" max="2.14748E9" units="cm"/>
+          <inkml:channel name="Y" type="integer" min="-2.14748E9" max="2.14748E9" units="cm"/>
+          <inkml:channel name="F" type="integer" max="32767" units="dev"/>
+          <inkml:channel name="OA" type="integer" max="360" units="deg"/>
+          <inkml:channel name="OE" type="integer" max="90" units="deg"/>
+        </inkml:traceFormat>
+        <inkml:channelProperties>
+          <inkml:channelProperty channel="X" name="resolution" value="1000" units="1/cm"/>
+          <inkml:channelProperty channel="Y" name="resolution" value="1000" units="1/cm"/>
+          <inkml:channelProperty channel="F" name="resolution" value="0" units="1/dev"/>
+          <inkml:channelProperty channel="OA" name="resolution" value="1000" units="1/deg"/>
+          <inkml:channelProperty channel="OE" name="resolution" value="1000" units="1/deg"/>
+        </inkml:channelProperties>
+      </inkml:inkSource>
+      <inkml:timestamp xml:id="ts0" timeString="2023-05-24T12:34:39.541"/>
+    </inkml:context>
+    <inkml:brush xml:id="br0">
+      <inkml:brushProperty name="width" value="0.2" units="cm"/>
+      <inkml:brushProperty name="height" value="0.2" units="cm"/>
+    </inkml:brush>
+  </inkml:definitions>
+  <inkml:trace contextRef="#ctx0" brushRef="#br0">88 9 2609 0 0,'0'-9'4480'0'0,"0"40"-4702"0"0,1-19 245 0 0,0 1 0 0 0,-1-1 0 0 0,0 1-1 0 0,-2-1 1 0 0,1 0 0 0 0,-1 1 0 0 0,-1-1 0 0 0,0 0-1 0 0,-1 0 1 0 0,-7 16 0 0 0,5-17-297 0 0,-7 11 563 0 0,2 0-1 0 0,-11 30 0 0 0,11-1-1224 0 0,11-45 379 0 0,0-1-1 0 0,0 0 1 0 0,1 0 0 0 0,-1 0 0 0 0,1 1 0 0 0,0-1 0 0 0,4 9 0 0 0</inkml:trace>
+</inkml:ink>
+</file>
+
+<file path=ppt/ink/ink130.xml><?xml version="1.0" encoding="utf-8"?>
 <inkml:ink xmlns:inkml="http://www.w3.org/2003/InkML">
   <inkml:definitions>
     <inkml:context xml:id="ctx0">
@@ -631,7 +1270,7 @@
 </inkml:ink>
 </file>
 
-<file path=ppt/ink/ink113.xml><?xml version="1.0" encoding="utf-8"?>
+<file path=ppt/ink/ink131.xml><?xml version="1.0" encoding="utf-8"?>
 <inkml:ink xmlns:inkml="http://www.w3.org/2003/InkML">
   <inkml:definitions>
     <inkml:context xml:id="ctx0">
@@ -663,7 +1302,7 @@
 </inkml:ink>
 </file>
 
-<file path=ppt/ink/ink114.xml><?xml version="1.0" encoding="utf-8"?>
+<file path=ppt/ink/ink132.xml><?xml version="1.0" encoding="utf-8"?>
 <inkml:ink xmlns:inkml="http://www.w3.org/2003/InkML">
   <inkml:definitions>
     <inkml:context xml:id="ctx0">
@@ -695,7 +1334,7 @@
 </inkml:ink>
 </file>
 
-<file path=ppt/ink/ink115.xml><?xml version="1.0" encoding="utf-8"?>
+<file path=ppt/ink/ink133.xml><?xml version="1.0" encoding="utf-8"?>
 <inkml:ink xmlns:inkml="http://www.w3.org/2003/InkML">
   <inkml:definitions>
     <inkml:context xml:id="ctx0">
@@ -727,7 +1366,7 @@
 </inkml:ink>
 </file>
 
-<file path=ppt/ink/ink116.xml><?xml version="1.0" encoding="utf-8"?>
+<file path=ppt/ink/ink134.xml><?xml version="1.0" encoding="utf-8"?>
 <inkml:ink xmlns:inkml="http://www.w3.org/2003/InkML">
   <inkml:definitions>
     <inkml:context xml:id="ctx0">
@@ -759,7 +1398,7 @@
 </inkml:ink>
 </file>
 
-<file path=ppt/ink/ink117.xml><?xml version="1.0" encoding="utf-8"?>
+<file path=ppt/ink/ink135.xml><?xml version="1.0" encoding="utf-8"?>
 <inkml:ink xmlns:inkml="http://www.w3.org/2003/InkML">
   <inkml:definitions>
     <inkml:context xml:id="ctx0">
@@ -791,7 +1430,7 @@
 </inkml:ink>
 </file>
 
-<file path=ppt/ink/ink118.xml><?xml version="1.0" encoding="utf-8"?>
+<file path=ppt/ink/ink136.xml><?xml version="1.0" encoding="utf-8"?>
 <inkml:ink xmlns:inkml="http://www.w3.org/2003/InkML">
   <inkml:definitions>
     <inkml:context xml:id="ctx0">
@@ -823,7 +1462,7 @@
 </inkml:ink>
 </file>
 
-<file path=ppt/ink/ink119.xml><?xml version="1.0" encoding="utf-8"?>
+<file path=ppt/ink/ink137.xml><?xml version="1.0" encoding="utf-8"?>
 <inkml:ink xmlns:inkml="http://www.w3.org/2003/InkML">
   <inkml:definitions>
     <inkml:context xml:id="ctx0">
@@ -855,38 +1494,7 @@
 </inkml:ink>
 </file>
 
-<file path=ppt/ink/ink12.xml><?xml version="1.0" encoding="utf-8"?>
-<inkml:ink xmlns:inkml="http://www.w3.org/2003/InkML">
-  <inkml:definitions>
-    <inkml:context xml:id="ctx0">
-      <inkml:inkSource xml:id="inkSrc0">
-        <inkml:traceFormat>
-          <inkml:channel name="X" type="integer" min="-2.14748E9" max="2.14748E9" units="cm"/>
-          <inkml:channel name="Y" type="integer" min="-2.14748E9" max="2.14748E9" units="cm"/>
-          <inkml:channel name="F" type="integer" max="32767" units="dev"/>
-          <inkml:channel name="OA" type="integer" max="360" units="deg"/>
-          <inkml:channel name="OE" type="integer" max="90" units="deg"/>
-        </inkml:traceFormat>
-        <inkml:channelProperties>
-          <inkml:channelProperty channel="X" name="resolution" value="1000" units="1/cm"/>
-          <inkml:channelProperty channel="Y" name="resolution" value="1000" units="1/cm"/>
-          <inkml:channelProperty channel="F" name="resolution" value="0" units="1/dev"/>
-          <inkml:channelProperty channel="OA" name="resolution" value="1000" units="1/deg"/>
-          <inkml:channelProperty channel="OE" name="resolution" value="1000" units="1/deg"/>
-        </inkml:channelProperties>
-      </inkml:inkSource>
-      <inkml:timestamp xml:id="ts0" timeString="2023-05-24T12:34:44.079"/>
-    </inkml:context>
-    <inkml:brush xml:id="br0">
-      <inkml:brushProperty name="width" value="0.2" units="cm"/>
-      <inkml:brushProperty name="height" value="0.2" units="cm"/>
-    </inkml:brush>
-  </inkml:definitions>
-  <inkml:trace contextRef="#ctx0" brushRef="#br0">152 0 5571 0 0,'0'1'9609'0'0,"-4"41"-9506"0"0,-1 1-1 0 0,-2-1 1 0 0,-22 70-1 0 0,17-69-7 0 0,-79 241-1043 0 0,88-273 296 0 0</inkml:trace>
-</inkml:ink>
-</file>
-
-<file path=ppt/ink/ink120.xml><?xml version="1.0" encoding="utf-8"?>
+<file path=ppt/ink/ink138.xml><?xml version="1.0" encoding="utf-8"?>
 <inkml:ink xmlns:inkml="http://www.w3.org/2003/InkML">
   <inkml:definitions>
     <inkml:context xml:id="ctx0">
@@ -918,7 +1526,7 @@
 </inkml:ink>
 </file>
 
-<file path=ppt/ink/ink121.xml><?xml version="1.0" encoding="utf-8"?>
+<file path=ppt/ink/ink139.xml><?xml version="1.0" encoding="utf-8"?>
 <inkml:ink xmlns:inkml="http://www.w3.org/2003/InkML">
   <inkml:definitions>
     <inkml:context xml:id="ctx0">
@@ -950,7 +1558,38 @@
 </inkml:ink>
 </file>
 
-<file path=ppt/ink/ink122.xml><?xml version="1.0" encoding="utf-8"?>
+<file path=ppt/ink/ink14.xml><?xml version="1.0" encoding="utf-8"?>
+<inkml:ink xmlns:inkml="http://www.w3.org/2003/InkML">
+  <inkml:definitions>
+    <inkml:context xml:id="ctx0">
+      <inkml:inkSource xml:id="inkSrc0">
+        <inkml:traceFormat>
+          <inkml:channel name="X" type="integer" min="-2.14748E9" max="2.14748E9" units="cm"/>
+          <inkml:channel name="Y" type="integer" min="-2.14748E9" max="2.14748E9" units="cm"/>
+          <inkml:channel name="F" type="integer" max="32767" units="dev"/>
+          <inkml:channel name="OA" type="integer" max="360" units="deg"/>
+          <inkml:channel name="OE" type="integer" max="90" units="deg"/>
+        </inkml:traceFormat>
+        <inkml:channelProperties>
+          <inkml:channelProperty channel="X" name="resolution" value="1000" units="1/cm"/>
+          <inkml:channelProperty channel="Y" name="resolution" value="1000" units="1/cm"/>
+          <inkml:channelProperty channel="F" name="resolution" value="0" units="1/dev"/>
+          <inkml:channelProperty channel="OA" name="resolution" value="1000" units="1/deg"/>
+          <inkml:channelProperty channel="OE" name="resolution" value="1000" units="1/deg"/>
+        </inkml:channelProperties>
+      </inkml:inkSource>
+      <inkml:timestamp xml:id="ts0" timeString="2023-05-24T12:34:40.694"/>
+    </inkml:context>
+    <inkml:brush xml:id="br0">
+      <inkml:brushProperty name="width" value="0.2" units="cm"/>
+      <inkml:brushProperty name="height" value="0.2" units="cm"/>
+    </inkml:brush>
+  </inkml:definitions>
+  <inkml:trace contextRef="#ctx0" brushRef="#br0">29 36 3954 0 0,'0'0'1875'0'0,"-1"15"-1490"0"0,1-11-352 0 0,0 10 176 0 0,-1 0-1 0 0,0 0 0 0 0,-1-1 0 0 0,-1 1 0 0 0,0-1 1 0 0,-1 1-1 0 0,-10 24 0 0 0,77-71 683 0 0,-52 27-891 0 0,30-21 4 0 0,1 3 1 0 0,1 1-1 0 0,1 2 0 0 0,87-28 0 0 0,-127 48-31 0 0,0-1 0 0 0,0 1 0 0 0,0 1-1 0 0,0-1 1 0 0,0 1 0 0 0,1-1-1 0 0,-1 1 1 0 0,0 0 0 0 0,0 1 0 0 0,7 0-1 0 0,-10 0 18 0 0,0 0-1 0 0,1 0 1 0 0,-1 0 0 0 0,0 0-1 0 0,0 0 1 0 0,0 0-1 0 0,1 1 1 0 0,-1-1-1 0 0,0 0 1 0 0,-1 0-1 0 0,1 1 1 0 0,0-1 0 0 0,0 1-1 0 0,-1-1 1 0 0,1 1-1 0 0,-1-1 1 0 0,1 1-1 0 0,-1-1 1 0 0,1 1 0 0 0,-1 0-1 0 0,0-1 1 0 0,0 1-1 0 0,0-1 1 0 0,0 1-1 0 0,0 0 1 0 0,0-1 0 0 0,-1 2-1 0 0,-2 240-160 0 0</inkml:trace>
+</inkml:ink>
+</file>
+
+<file path=ppt/ink/ink140.xml><?xml version="1.0" encoding="utf-8"?>
 <inkml:ink xmlns:inkml="http://www.w3.org/2003/InkML">
   <inkml:definitions>
     <inkml:context xml:id="ctx0">
@@ -982,7 +1621,7 @@
 </inkml:ink>
 </file>
 
-<file path=ppt/ink/ink123.xml><?xml version="1.0" encoding="utf-8"?>
+<file path=ppt/ink/ink141.xml><?xml version="1.0" encoding="utf-8"?>
 <inkml:ink xmlns:inkml="http://www.w3.org/2003/InkML">
   <inkml:definitions>
     <inkml:context xml:id="ctx0">
@@ -1014,7 +1653,7 @@
 </inkml:ink>
 </file>
 
-<file path=ppt/ink/ink124.xml><?xml version="1.0" encoding="utf-8"?>
+<file path=ppt/ink/ink142.xml><?xml version="1.0" encoding="utf-8"?>
 <inkml:ink xmlns:inkml="http://www.w3.org/2003/InkML">
   <inkml:definitions>
     <inkml:context xml:id="ctx0">
@@ -1046,7 +1685,7 @@
 </inkml:ink>
 </file>
 
-<file path=ppt/ink/ink125.xml><?xml version="1.0" encoding="utf-8"?>
+<file path=ppt/ink/ink143.xml><?xml version="1.0" encoding="utf-8"?>
 <inkml:ink xmlns:inkml="http://www.w3.org/2003/InkML">
   <inkml:definitions>
     <inkml:context xml:id="ctx0">
@@ -1078,7 +1717,7 @@
 </inkml:ink>
 </file>
 
-<file path=ppt/ink/ink126.xml><?xml version="1.0" encoding="utf-8"?>
+<file path=ppt/ink/ink144.xml><?xml version="1.0" encoding="utf-8"?>
 <inkml:ink xmlns:inkml="http://www.w3.org/2003/InkML">
   <inkml:definitions>
     <inkml:context xml:id="ctx0">
@@ -1110,7 +1749,7 @@
 </inkml:ink>
 </file>
 
-<file path=ppt/ink/ink127.xml><?xml version="1.0" encoding="utf-8"?>
+<file path=ppt/ink/ink145.xml><?xml version="1.0" encoding="utf-8"?>
 <inkml:ink xmlns:inkml="http://www.w3.org/2003/InkML">
   <inkml:definitions>
     <inkml:context xml:id="ctx0">
@@ -1142,7 +1781,7 @@
 </inkml:ink>
 </file>
 
-<file path=ppt/ink/ink128.xml><?xml version="1.0" encoding="utf-8"?>
+<file path=ppt/ink/ink146.xml><?xml version="1.0" encoding="utf-8"?>
 <inkml:ink xmlns:inkml="http://www.w3.org/2003/InkML">
   <inkml:definitions>
     <inkml:context xml:id="ctx0">
@@ -1174,7 +1813,7 @@
 </inkml:ink>
 </file>
 
-<file path=ppt/ink/ink129.xml><?xml version="1.0" encoding="utf-8"?>
+<file path=ppt/ink/ink147.xml><?xml version="1.0" encoding="utf-8"?>
 <inkml:ink xmlns:inkml="http://www.w3.org/2003/InkML">
   <inkml:definitions>
     <inkml:context xml:id="ctx0">
@@ -1206,38 +1845,7 @@
 </inkml:ink>
 </file>
 
-<file path=ppt/ink/ink13.xml><?xml version="1.0" encoding="utf-8"?>
-<inkml:ink xmlns:inkml="http://www.w3.org/2003/InkML">
-  <inkml:definitions>
-    <inkml:context xml:id="ctx0">
-      <inkml:inkSource xml:id="inkSrc0">
-        <inkml:traceFormat>
-          <inkml:channel name="X" type="integer" min="-2.14748E9" max="2.14748E9" units="cm"/>
-          <inkml:channel name="Y" type="integer" min="-2.14748E9" max="2.14748E9" units="cm"/>
-          <inkml:channel name="F" type="integer" max="32767" units="dev"/>
-          <inkml:channel name="OA" type="integer" max="360" units="deg"/>
-          <inkml:channel name="OE" type="integer" max="90" units="deg"/>
-        </inkml:traceFormat>
-        <inkml:channelProperties>
-          <inkml:channelProperty channel="X" name="resolution" value="1000" units="1/cm"/>
-          <inkml:channelProperty channel="Y" name="resolution" value="1000" units="1/cm"/>
-          <inkml:channelProperty channel="F" name="resolution" value="0" units="1/dev"/>
-          <inkml:channelProperty channel="OA" name="resolution" value="1000" units="1/deg"/>
-          <inkml:channelProperty channel="OE" name="resolution" value="1000" units="1/deg"/>
-        </inkml:channelProperties>
-      </inkml:inkSource>
-      <inkml:timestamp xml:id="ts0" timeString="2023-05-24T12:34:44.408"/>
-    </inkml:context>
-    <inkml:brush xml:id="br0">
-      <inkml:brushProperty name="width" value="0.2" units="cm"/>
-      <inkml:brushProperty name="height" value="0.2" units="cm"/>
-    </inkml:brush>
-  </inkml:definitions>
-  <inkml:trace contextRef="#ctx0" brushRef="#br0">1 1 6691 0 0,'0'0'4066'0'0,"194"10"-2689"0"0,-138 1-753 0 0,-7 3-496 0 0,-15-1-96 0 0,-12-3-128 0 0,-7-7-624 0 0</inkml:trace>
-</inkml:ink>
-</file>
-
-<file path=ppt/ink/ink130.xml><?xml version="1.0" encoding="utf-8"?>
+<file path=ppt/ink/ink148.xml><?xml version="1.0" encoding="utf-8"?>
 <inkml:ink xmlns:inkml="http://www.w3.org/2003/InkML">
   <inkml:definitions>
     <inkml:context xml:id="ctx0">
@@ -1269,7 +1877,7 @@
 </inkml:ink>
 </file>
 
-<file path=ppt/ink/ink131.xml><?xml version="1.0" encoding="utf-8"?>
+<file path=ppt/ink/ink149.xml><?xml version="1.0" encoding="utf-8"?>
 <inkml:ink xmlns:inkml="http://www.w3.org/2003/InkML">
   <inkml:definitions>
     <inkml:context xml:id="ctx0">
@@ -1301,7 +1909,38 @@
 </inkml:ink>
 </file>
 
-<file path=ppt/ink/ink132.xml><?xml version="1.0" encoding="utf-8"?>
+<file path=ppt/ink/ink15.xml><?xml version="1.0" encoding="utf-8"?>
+<inkml:ink xmlns:inkml="http://www.w3.org/2003/InkML">
+  <inkml:definitions>
+    <inkml:context xml:id="ctx0">
+      <inkml:inkSource xml:id="inkSrc0">
+        <inkml:traceFormat>
+          <inkml:channel name="X" type="integer" min="-2.14748E9" max="2.14748E9" units="cm"/>
+          <inkml:channel name="Y" type="integer" min="-2.14748E9" max="2.14748E9" units="cm"/>
+          <inkml:channel name="F" type="integer" max="32767" units="dev"/>
+          <inkml:channel name="OA" type="integer" max="360" units="deg"/>
+          <inkml:channel name="OE" type="integer" max="90" units="deg"/>
+        </inkml:traceFormat>
+        <inkml:channelProperties>
+          <inkml:channelProperty channel="X" name="resolution" value="1000" units="1/cm"/>
+          <inkml:channelProperty channel="Y" name="resolution" value="1000" units="1/cm"/>
+          <inkml:channelProperty channel="F" name="resolution" value="0" units="1/dev"/>
+          <inkml:channelProperty channel="OA" name="resolution" value="1000" units="1/deg"/>
+          <inkml:channelProperty channel="OE" name="resolution" value="1000" units="1/deg"/>
+        </inkml:channelProperties>
+      </inkml:inkSource>
+      <inkml:timestamp xml:id="ts0" timeString="2023-05-24T12:34:41.147"/>
+    </inkml:context>
+    <inkml:brush xml:id="br0">
+      <inkml:brushProperty name="width" value="0.2" units="cm"/>
+      <inkml:brushProperty name="height" value="0.2" units="cm"/>
+    </inkml:brush>
+  </inkml:definitions>
+  <inkml:trace contextRef="#ctx0" brushRef="#br0">114 1 2657 0 0,'0'3'3420'0'0,"0"26"-2528"0"0,-1 0-1 0 0,-1-1 0 0 0,-1 1 0 0 0,-2 0 0 0 0,-12 41 0 0 0,-69 158-934 0 0</inkml:trace>
+</inkml:ink>
+</file>
+
+<file path=ppt/ink/ink150.xml><?xml version="1.0" encoding="utf-8"?>
 <inkml:ink xmlns:inkml="http://www.w3.org/2003/InkML">
   <inkml:definitions>
     <inkml:context xml:id="ctx0">
@@ -1333,7 +1972,7 @@
 </inkml:ink>
 </file>
 
-<file path=ppt/ink/ink133.xml><?xml version="1.0" encoding="utf-8"?>
+<file path=ppt/ink/ink151.xml><?xml version="1.0" encoding="utf-8"?>
 <inkml:ink xmlns:inkml="http://www.w3.org/2003/InkML">
   <inkml:definitions>
     <inkml:context xml:id="ctx0">
@@ -1365,7 +2004,7 @@
 </inkml:ink>
 </file>
 
-<file path=ppt/ink/ink134.xml><?xml version="1.0" encoding="utf-8"?>
+<file path=ppt/ink/ink152.xml><?xml version="1.0" encoding="utf-8"?>
 <inkml:ink xmlns:inkml="http://www.w3.org/2003/InkML">
   <inkml:definitions>
     <inkml:context xml:id="ctx0">
@@ -1397,7 +2036,7 @@
 </inkml:ink>
 </file>
 
-<file path=ppt/ink/ink135.xml><?xml version="1.0" encoding="utf-8"?>
+<file path=ppt/ink/ink153.xml><?xml version="1.0" encoding="utf-8"?>
 <inkml:ink xmlns:inkml="http://www.w3.org/2003/InkML">
   <inkml:definitions>
     <inkml:context xml:id="ctx0">
@@ -1429,7 +2068,7 @@
 </inkml:ink>
 </file>
 
-<file path=ppt/ink/ink136.xml><?xml version="1.0" encoding="utf-8"?>
+<file path=ppt/ink/ink154.xml><?xml version="1.0" encoding="utf-8"?>
 <inkml:ink xmlns:inkml="http://www.w3.org/2003/InkML">
   <inkml:definitions>
     <inkml:context xml:id="ctx0">
@@ -1461,7 +2100,7 @@
 </inkml:ink>
 </file>
 
-<file path=ppt/ink/ink137.xml><?xml version="1.0" encoding="utf-8"?>
+<file path=ppt/ink/ink155.xml><?xml version="1.0" encoding="utf-8"?>
 <inkml:ink xmlns:inkml="http://www.w3.org/2003/InkML">
   <inkml:definitions>
     <inkml:context xml:id="ctx0">
@@ -1493,7 +2132,7 @@
 </inkml:ink>
 </file>
 
-<file path=ppt/ink/ink138.xml><?xml version="1.0" encoding="utf-8"?>
+<file path=ppt/ink/ink156.xml><?xml version="1.0" encoding="utf-8"?>
 <inkml:ink xmlns:inkml="http://www.w3.org/2003/InkML">
   <inkml:definitions>
     <inkml:context xml:id="ctx0">
@@ -1525,7 +2164,7 @@
 </inkml:ink>
 </file>
 
-<file path=ppt/ink/ink139.xml><?xml version="1.0" encoding="utf-8"?>
+<file path=ppt/ink/ink157.xml><?xml version="1.0" encoding="utf-8"?>
 <inkml:ink xmlns:inkml="http://www.w3.org/2003/InkML">
   <inkml:definitions>
     <inkml:context xml:id="ctx0">
@@ -1557,7 +2196,2551 @@
 </inkml:ink>
 </file>
 
-<file path=ppt/ink/ink14.xml><?xml version="1.0" encoding="utf-8"?>
+<file path=ppt/ink/ink158.xml><?xml version="1.0" encoding="utf-8"?>
+<inkml:ink xmlns:inkml="http://www.w3.org/2003/InkML">
+  <inkml:definitions>
+    <inkml:context xml:id="ctx0">
+      <inkml:inkSource xml:id="inkSrc0">
+        <inkml:traceFormat>
+          <inkml:channel name="X" type="integer" min="-2.14748E9" max="2.14748E9" units="cm"/>
+          <inkml:channel name="Y" type="integer" min="-2.14748E9" max="2.14748E9" units="cm"/>
+          <inkml:channel name="F" type="integer" max="32767" units="dev"/>
+          <inkml:channel name="OA" type="integer" max="360" units="deg"/>
+          <inkml:channel name="OE" type="integer" max="90" units="deg"/>
+        </inkml:traceFormat>
+        <inkml:channelProperties>
+          <inkml:channelProperty channel="X" name="resolution" value="1000" units="1/cm"/>
+          <inkml:channelProperty channel="Y" name="resolution" value="1000" units="1/cm"/>
+          <inkml:channelProperty channel="F" name="resolution" value="0" units="1/dev"/>
+          <inkml:channelProperty channel="OA" name="resolution" value="1000" units="1/deg"/>
+          <inkml:channelProperty channel="OE" name="resolution" value="1000" units="1/deg"/>
+        </inkml:channelProperties>
+      </inkml:inkSource>
+      <inkml:timestamp xml:id="ts0" timeString="2023-05-24T12:15:19.940"/>
+    </inkml:context>
+    <inkml:brush xml:id="br0">
+      <inkml:brushProperty name="width" value="0.2" units="cm"/>
+      <inkml:brushProperty name="height" value="0.2" units="cm"/>
+      <inkml:brushProperty name="color" value="#E71224"/>
+    </inkml:brush>
+  </inkml:definitions>
+  <inkml:trace contextRef="#ctx0" brushRef="#br0">293 1 4946 0 0,'-5'5'3602'0'0,"-15"12"-2917"0"0,-1 0 0 0 0,0-1 0 0 0,-2-1 1 0 0,1-2-1 0 0,-30 14 0 0 0,20-11-554 0 0,-58 41 0 0 0,89-57-95 0 0,1 0 0 0 0,-1 1 1 0 0,1-1-1 0 0,-1 1 1 0 0,1-1-1 0 0,0 0 1 0 0,-1 1-1 0 0,1-1 1 0 0,0 1-1 0 0,-1-1 1 0 0,1 1-1 0 0,0-1 0 0 0,0 1 1 0 0,-1-1-1 0 0,1 1 1 0 0,0-1-1 0 0,0 1 1 0 0,0-1-1 0 0,0 1 1 0 0,-1-1-1 0 0,1 1 0 0 0,0 0 1 0 0,0-1-1 0 0,0 1 1 0 0,0-1-1 0 0,0 1 1 0 0,1-1-1 0 0,-1 1 1 0 0,0 0-1 0 0,0-1 1 0 0,0 1-1 0 0,0-1 0 0 0,1 1 1 0 0,-1-1-1 0 0,0 1 1 0 0,0-1-1 0 0,1 1 1 0 0,-1-1-1 0 0,0 1 1 0 0,1-1-1 0 0,0 1 0 0 0,22 17-330 0 0,-17-14 456 0 0,55 36-162 0 0,1-3 0 0 0,2-3 0 0 0,93 36 0 0 0,-151-68 124 0 0</inkml:trace>
+</inkml:ink>
+</file>
+
+<file path=ppt/ink/ink159.xml><?xml version="1.0" encoding="utf-8"?>
+<inkml:ink xmlns:inkml="http://www.w3.org/2003/InkML">
+  <inkml:definitions>
+    <inkml:context xml:id="ctx0">
+      <inkml:inkSource xml:id="inkSrc0">
+        <inkml:traceFormat>
+          <inkml:channel name="X" type="integer" min="-2.14748E9" max="2.14748E9" units="cm"/>
+          <inkml:channel name="Y" type="integer" min="-2.14748E9" max="2.14748E9" units="cm"/>
+          <inkml:channel name="F" type="integer" max="32767" units="dev"/>
+          <inkml:channel name="OA" type="integer" max="360" units="deg"/>
+          <inkml:channel name="OE" type="integer" max="90" units="deg"/>
+        </inkml:traceFormat>
+        <inkml:channelProperties>
+          <inkml:channelProperty channel="X" name="resolution" value="1000" units="1/cm"/>
+          <inkml:channelProperty channel="Y" name="resolution" value="1000" units="1/cm"/>
+          <inkml:channelProperty channel="F" name="resolution" value="0" units="1/dev"/>
+          <inkml:channelProperty channel="OA" name="resolution" value="1000" units="1/deg"/>
+          <inkml:channelProperty channel="OE" name="resolution" value="1000" units="1/deg"/>
+        </inkml:channelProperties>
+      </inkml:inkSource>
+      <inkml:timestamp xml:id="ts0" timeString="2023-05-24T12:15:21.454"/>
+    </inkml:context>
+    <inkml:brush xml:id="br0">
+      <inkml:brushProperty name="width" value="0.2" units="cm"/>
+      <inkml:brushProperty name="height" value="0.2" units="cm"/>
+      <inkml:brushProperty name="color" value="#E71224"/>
+    </inkml:brush>
+  </inkml:definitions>
+  <inkml:trace contextRef="#ctx0" brushRef="#br0">610 0 1056 0 0,'-5'0'5794'0'0,"-21"0"-5638"0"0,17 2-150 0 0,1-1 0 0 0,0 2 0 0 0,0-1 0 0 0,0 1 0 0 0,1 0 0 0 0,-1 1 0 0 0,1 0 1 0 0,0 0-1 0 0,-10 8 0 0 0,-17 8 440 0 0,-7 0-347 0 0,1 0-55 0 0,-42 28 0 0 0,68-37-51 0 0,0-1 0 0 0,0 2 0 0 0,1 0 0 0 0,1 0 0 0 0,0 1 0 0 0,-13 18 1 0 0,4 4 327 0 0,2 0 0 0 0,1 2 0 0 0,2 1 0 0 0,2 0 0 0 0,-12 46 0 0 0,1-7 90 0 0,13-37-252 0 0,1 1 1 0 0,3 1 0 0 0,-6 72 0 0 0,7 128 367 0 0,7-209-354 0 0,1-22-161 0 0,0 0 0 0 0,1 0 0 0 0,0 0 0 0 0,0 0 0 0 0,1 0 0 0 0,1 0 0 0 0,0-1 0 0 0,0 1 0 0 0,1-1 1 0 0,8 12-1 0 0,8 10 18 0 0,41 48 0 0 0,-54-69-18 0 0,-5-8-35 0 0,12 14-363 0 0,-8-17-1008 0 0,-4-43-4798 0 0</inkml:trace>
+</inkml:ink>
+</file>
+
+<file path=ppt/ink/ink16.xml><?xml version="1.0" encoding="utf-8"?>
+<inkml:ink xmlns:inkml="http://www.w3.org/2003/InkML">
+  <inkml:definitions>
+    <inkml:context xml:id="ctx0">
+      <inkml:inkSource xml:id="inkSrc0">
+        <inkml:traceFormat>
+          <inkml:channel name="X" type="integer" min="-2.14748E9" max="2.14748E9" units="cm"/>
+          <inkml:channel name="Y" type="integer" min="-2.14748E9" max="2.14748E9" units="cm"/>
+          <inkml:channel name="F" type="integer" max="32767" units="dev"/>
+          <inkml:channel name="OA" type="integer" max="360" units="deg"/>
+          <inkml:channel name="OE" type="integer" max="90" units="deg"/>
+        </inkml:traceFormat>
+        <inkml:channelProperties>
+          <inkml:channelProperty channel="X" name="resolution" value="1000" units="1/cm"/>
+          <inkml:channelProperty channel="Y" name="resolution" value="1000" units="1/cm"/>
+          <inkml:channelProperty channel="F" name="resolution" value="0" units="1/dev"/>
+          <inkml:channelProperty channel="OA" name="resolution" value="1000" units="1/deg"/>
+          <inkml:channelProperty channel="OE" name="resolution" value="1000" units="1/deg"/>
+        </inkml:channelProperties>
+      </inkml:inkSource>
+      <inkml:timestamp xml:id="ts0" timeString="2023-05-24T12:34:41.536"/>
+    </inkml:context>
+    <inkml:brush xml:id="br0">
+      <inkml:brushProperty name="width" value="0.2" units="cm"/>
+      <inkml:brushProperty name="height" value="0.2" units="cm"/>
+    </inkml:brush>
+  </inkml:definitions>
+  <inkml:trace contextRef="#ctx0" brushRef="#br0">1 0 4178 0 0,'0'0'2590'0'0,"16"4"-1317"0"0,55 10-101 0 0,1-4 0 0 0,97 3 0 0 0,-119-13-2515 0 0,-1-3 1 0 0,61-10-1 0 0,-74 8-912 0 0,1 0-858 0 0</inkml:trace>
+</inkml:ink>
+</file>
+
+<file path=ppt/ink/ink160.xml><?xml version="1.0" encoding="utf-8"?>
+<inkml:ink xmlns:inkml="http://www.w3.org/2003/InkML">
+  <inkml:definitions>
+    <inkml:context xml:id="ctx0">
+      <inkml:inkSource xml:id="inkSrc0">
+        <inkml:traceFormat>
+          <inkml:channel name="X" type="integer" min="-2.14748E9" max="2.14748E9" units="cm"/>
+          <inkml:channel name="Y" type="integer" min="-2.14748E9" max="2.14748E9" units="cm"/>
+          <inkml:channel name="F" type="integer" max="32767" units="dev"/>
+          <inkml:channel name="OA" type="integer" max="360" units="deg"/>
+          <inkml:channel name="OE" type="integer" max="90" units="deg"/>
+        </inkml:traceFormat>
+        <inkml:channelProperties>
+          <inkml:channelProperty channel="X" name="resolution" value="1000" units="1/cm"/>
+          <inkml:channelProperty channel="Y" name="resolution" value="1000" units="1/cm"/>
+          <inkml:channelProperty channel="F" name="resolution" value="0" units="1/dev"/>
+          <inkml:channelProperty channel="OA" name="resolution" value="1000" units="1/deg"/>
+          <inkml:channelProperty channel="OE" name="resolution" value="1000" units="1/deg"/>
+        </inkml:channelProperties>
+      </inkml:inkSource>
+      <inkml:timestamp xml:id="ts0" timeString="2023-05-24T12:15:23.708"/>
+    </inkml:context>
+    <inkml:brush xml:id="br0">
+      <inkml:brushProperty name="width" value="0.2" units="cm"/>
+      <inkml:brushProperty name="height" value="0.2" units="cm"/>
+      <inkml:brushProperty name="color" value="#E71224"/>
+    </inkml:brush>
+  </inkml:definitions>
+  <inkml:trace contextRef="#ctx0" brushRef="#br0">0 39 608 0 0,'5'1'6592'0'0,"25"1"-6447"0"0,51-21 300 0 0,-61 13-470 0 0,1 1-1 0 0,0 1 0 0 0,-1 1 1 0 0,28-1-1 0 0,-43 3-2 0 0,0 1 1 0 0,0 0-1 0 0,0 0 0 0 0,0 1 1 0 0,0 0-1 0 0,0-1 0 0 0,0 2 0 0 0,0-1 1 0 0,0 0-1 0 0,-1 1 0 0 0,1 0 1 0 0,0 0-1 0 0,-1 1 0 0 0,1-1 0 0 0,-1 1 1 0 0,0 0-1 0 0,0 0 0 0 0,0 0 1 0 0,0 1-1 0 0,-1-1 0 0 0,0 1 1 0 0,1 0-1 0 0,-1 0 0 0 0,0 0 0 0 0,-1 1 1 0 0,1-1-1 0 0,-1 1 0 0 0,0-1 1 0 0,0 1-1 0 0,2 7 0 0 0,0-2 25 0 0,0 1 0 0 0,-1 0 0 0 0,-1 1 0 0 0,2 11 0 0 0,-3-20 5 0 0,-1 0 0 0 0,1 0-1 0 0,-1 0 1 0 0,0 1-1 0 0,0-1 1 0 0,0 0-1 0 0,0 0 1 0 0,-1 0 0 0 0,1 0-1 0 0,-1 0 1 0 0,0 0-1 0 0,0 0 1 0 0,0 0 0 0 0,0 0-1 0 0,0 0 1 0 0,-1 0-1 0 0,1-1 1 0 0,-1 1 0 0 0,0 0-1 0 0,-2 2 1 0 0,-15 7 27 0 0,1-2 0 0 0,-2 0 1 0 0,1 0-1 0 0,-1-2 1 0 0,-1-1-1 0 0,-27 7 0 0 0,44-13 553 0 0,4-1-592 0 0,0 0 0 0 0,0 1 1 0 0,-1-1-1 0 0,1 1 0 0 0,0-1 1 0 0,0 0-1 0 0,0 1 0 0 0,0-1 0 0 0,-1 1 1 0 0,1-1-1 0 0,0 1 0 0 0,0-1 1 0 0,0 1-1 0 0,0-1 0 0 0,0 0 0 0 0,0 1 1 0 0,0-1-1 0 0,1 1 0 0 0,-1-1 0 0 0,0 1 1 0 0,0-1-1 0 0,0 1 0 0 0,0-1 1 0 0,0 0-1 0 0,1 1 0 0 0,-1-1 0 0 0,0 1 1 0 0,0-1-1 0 0,1 0 0 0 0,-1 1 1 0 0,0-1-1 0 0,1 0 0 0 0,-1 1 0 0 0,0-1 1 0 0,1 0-1 0 0,-1 1 0 0 0,1-1 1 0 0,-1 0-1 0 0,0 0 0 0 0,1 0 0 0 0,-1 1 1 0 0,1-1-1 0 0,-1 0 0 0 0,1 0 1 0 0,-1 0-1 0 0,1 0 0 0 0,22 9 115 0 0,-22-9-129 0 0,14 5 45 0 0,78 29-54 0 0,-85-31 21 0 0,0 1 0 0 0,-1 0 0 0 0,0 1 0 0 0,1-1 0 0 0,-1 1 0 0 0,-1 1 1 0 0,1-1-1 0 0,-1 1 0 0 0,6 7 0 0 0,-10-10 59 0 0,0 0 0 0 0,0 0 0 0 0,-1 0 0 0 0,1 0-1 0 0,-1 0 1 0 0,0 0 0 0 0,0 0 0 0 0,0 1 0 0 0,0-1 0 0 0,0 0 0 0 0,-1 1 0 0 0,1-1 0 0 0,-1 0 0 0 0,0 1 0 0 0,0-1-1 0 0,-1 0 1 0 0,1 1 0 0 0,0-1 0 0 0,-1 0 0 0 0,0 1 0 0 0,0-1 0 0 0,0 0 0 0 0,0 0 0 0 0,-1 0 0 0 0,1 0 0 0 0,-1 0-1 0 0,0 0 1 0 0,1 0 0 0 0,-1 0 0 0 0,-1-1 0 0 0,1 1 0 0 0,0-1 0 0 0,-1 1 0 0 0,1-1 0 0 0,-5 3 0 0 0,-25 13 175 0 0,0-3 0 0 0,-1 0 0 0 0,0-2 0 0 0,-41 10 0 0 0,68-23-127 0 0,0 1 0 0 0,0-1 1 0 0,0 0-1 0 0,0-1 0 0 0,0 1 1 0 0,0-1-1 0 0,0 0 0 0 0,0-1 1 0 0,-11-3-1 0 0,10 2-1164 0 0,-1 1 0 0 0,0 0 0 0 0,0 1 0 0 0,-15-2 0 0 0</inkml:trace>
+</inkml:ink>
+</file>
+
+<file path=ppt/ink/ink161.xml><?xml version="1.0" encoding="utf-8"?>
+<inkml:ink xmlns:inkml="http://www.w3.org/2003/InkML">
+  <inkml:definitions>
+    <inkml:context xml:id="ctx0">
+      <inkml:inkSource xml:id="inkSrc0">
+        <inkml:traceFormat>
+          <inkml:channel name="X" type="integer" min="-2.14748E9" max="2.14748E9" units="cm"/>
+          <inkml:channel name="Y" type="integer" min="-2.14748E9" max="2.14748E9" units="cm"/>
+          <inkml:channel name="F" type="integer" max="32767" units="dev"/>
+          <inkml:channel name="OA" type="integer" max="360" units="deg"/>
+          <inkml:channel name="OE" type="integer" max="90" units="deg"/>
+        </inkml:traceFormat>
+        <inkml:channelProperties>
+          <inkml:channelProperty channel="X" name="resolution" value="1000" units="1/cm"/>
+          <inkml:channelProperty channel="Y" name="resolution" value="1000" units="1/cm"/>
+          <inkml:channelProperty channel="F" name="resolution" value="0" units="1/dev"/>
+          <inkml:channelProperty channel="OA" name="resolution" value="1000" units="1/deg"/>
+          <inkml:channelProperty channel="OE" name="resolution" value="1000" units="1/deg"/>
+        </inkml:channelProperties>
+      </inkml:inkSource>
+      <inkml:timestamp xml:id="ts0" timeString="2023-05-24T12:15:24.709"/>
+    </inkml:context>
+    <inkml:brush xml:id="br0">
+      <inkml:brushProperty name="width" value="0.2" units="cm"/>
+      <inkml:brushProperty name="height" value="0.2" units="cm"/>
+      <inkml:brushProperty name="color" value="#E71224"/>
+    </inkml:brush>
+  </inkml:definitions>
+  <inkml:trace contextRef="#ctx0" brushRef="#br0">55 1 3025 0 0,'0'0'3602'0'0,"24"12"-2786"0"0,-9-6-664 0 0,1 2-1 0 0,-1-1 0 0 0,0 2 0 0 0,-1 0 0 0 0,0 1 0 0 0,0 0 0 0 0,-1 1 0 0 0,16 17 1 0 0,-22-20-155 0 0,-1 0 0 0 0,0 0 0 0 0,0 0 0 0 0,0 1 1 0 0,-1 0-1 0 0,-1 0 0 0 0,1 1 0 0 0,-2-1 0 0 0,1 1 0 0 0,-1 0 1 0 0,-1 0-1 0 0,1 0 0 0 0,-2 0 0 0 0,1 0 0 0 0,-1 11 1 0 0,-1-9 5 0 0,0 11-1 0 0,0-1 0 0 0,-1 1 0 0 0,-2 0 0 0 0,-8 38 0 0 0,10-55 7 0 0,-1 0 1 0 0,0-1-1 0 0,-1 1 0 0 0,0 0 0 0 0,0-1 1 0 0,0 0-1 0 0,0 1 0 0 0,-1-1 1 0 0,1-1-1 0 0,-2 1 0 0 0,1 0 0 0 0,0-1 1 0 0,-1 0-1 0 0,0 0 0 0 0,0 0 0 0 0,0-1 1 0 0,0 0-1 0 0,0 1 0 0 0,-1-2 1 0 0,1 1-1 0 0,-1-1 0 0 0,-9 3 0 0 0,-7-1-36 0 0,1-1 0 0 0,0 0 0 0 0,-1-2 0 0 0,-30-1-1 0 0,20-1-254 0 0,31 1 236 0 0,4-2 55 0 0,0 0 0 0 0,0-1 0 0 0,1 1-1 0 0,-1 1 1 0 0,0-1 0 0 0,1 0 0 0 0,-1 1 0 0 0,1 0-1 0 0,6-2 1 0 0,17-2-38 0 0,0 1 0 0 0,0 2 0 0 0,0 0 0 0 0,0 2 0 0 0,36 4 0 0 0,-48-3 62 0 0,-4 0-24 0 0,0 0 1 0 0,0 1-1 0 0,0 0 0 0 0,0 1 1 0 0,0 0-1 0 0,0 0 0 0 0,-1 1 1 0 0,0 1-1 0 0,0 0 0 0 0,0 0 1 0 0,0 1-1 0 0,-1 0 0 0 0,13 11 1 0 0,-13-2 51 0 0</inkml:trace>
+</inkml:ink>
+</file>
+
+<file path=ppt/ink/ink162.xml><?xml version="1.0" encoding="utf-8"?>
+<inkml:ink xmlns:inkml="http://www.w3.org/2003/InkML">
+  <inkml:definitions>
+    <inkml:context xml:id="ctx0">
+      <inkml:inkSource xml:id="inkSrc0">
+        <inkml:traceFormat>
+          <inkml:channel name="X" type="integer" min="-2.14748E9" max="2.14748E9" units="cm"/>
+          <inkml:channel name="Y" type="integer" min="-2.14748E9" max="2.14748E9" units="cm"/>
+          <inkml:channel name="F" type="integer" max="32767" units="dev"/>
+          <inkml:channel name="OA" type="integer" max="360" units="deg"/>
+          <inkml:channel name="OE" type="integer" max="90" units="deg"/>
+        </inkml:traceFormat>
+        <inkml:channelProperties>
+          <inkml:channelProperty channel="X" name="resolution" value="1000" units="1/cm"/>
+          <inkml:channelProperty channel="Y" name="resolution" value="1000" units="1/cm"/>
+          <inkml:channelProperty channel="F" name="resolution" value="0" units="1/dev"/>
+          <inkml:channelProperty channel="OA" name="resolution" value="1000" units="1/deg"/>
+          <inkml:channelProperty channel="OE" name="resolution" value="1000" units="1/deg"/>
+        </inkml:channelProperties>
+      </inkml:inkSource>
+      <inkml:timestamp xml:id="ts0" timeString="2023-05-24T12:15:25.257"/>
+    </inkml:context>
+    <inkml:brush xml:id="br0">
+      <inkml:brushProperty name="width" value="0.2" units="cm"/>
+      <inkml:brushProperty name="height" value="0.2" units="cm"/>
+      <inkml:brushProperty name="color" value="#E71224"/>
+    </inkml:brush>
+  </inkml:definitions>
+  <inkml:trace contextRef="#ctx0" brushRef="#br0">98 1 4690 0 0,'0'0'2801'0'0,"0"23"-1947"0"0,0-9-691 0 0,1 35 789 0 0,-2-1 1 0 0,-3 0-1 0 0,-11 58 1 0 0,-3-14-676 0 0,-19 73-1109 0 0,13-114-6057 0 0</inkml:trace>
+</inkml:ink>
+</file>
+
+<file path=ppt/ink/ink163.xml><?xml version="1.0" encoding="utf-8"?>
+<inkml:ink xmlns:inkml="http://www.w3.org/2003/InkML">
+  <inkml:definitions>
+    <inkml:context xml:id="ctx0">
+      <inkml:inkSource xml:id="inkSrc0">
+        <inkml:traceFormat>
+          <inkml:channel name="X" type="integer" min="-2.14748E9" max="2.14748E9" units="cm"/>
+          <inkml:channel name="Y" type="integer" min="-2.14748E9" max="2.14748E9" units="cm"/>
+          <inkml:channel name="F" type="integer" max="32767" units="dev"/>
+          <inkml:channel name="OA" type="integer" max="360" units="deg"/>
+          <inkml:channel name="OE" type="integer" max="90" units="deg"/>
+        </inkml:traceFormat>
+        <inkml:channelProperties>
+          <inkml:channelProperty channel="X" name="resolution" value="1000" units="1/cm"/>
+          <inkml:channelProperty channel="Y" name="resolution" value="1000" units="1/cm"/>
+          <inkml:channelProperty channel="F" name="resolution" value="0" units="1/dev"/>
+          <inkml:channelProperty channel="OA" name="resolution" value="1000" units="1/deg"/>
+          <inkml:channelProperty channel="OE" name="resolution" value="1000" units="1/deg"/>
+        </inkml:channelProperties>
+      </inkml:inkSource>
+      <inkml:timestamp xml:id="ts0" timeString="2023-05-24T12:15:25.806"/>
+    </inkml:context>
+    <inkml:brush xml:id="br0">
+      <inkml:brushProperty name="width" value="0.2" units="cm"/>
+      <inkml:brushProperty name="height" value="0.2" units="cm"/>
+      <inkml:brushProperty name="color" value="#E71224"/>
+    </inkml:brush>
+  </inkml:definitions>
+  <inkml:trace contextRef="#ctx0" brushRef="#br0">346 1 3057 0 0,'0'0'3928'0'0,"-7"5"-2765"0"0,-36 20 640 0 0,-82 36 0 0 0,-14 7-925 0 0,137-67-868 0 0,0 0 0 0 0,0 1 0 0 0,0-1 0 0 0,0 0 0 0 0,0 1 0 0 0,1-1 0 0 0,-1 1 0 0 0,0-1 0 0 0,1 1 0 0 0,-1 0 1 0 0,1 0-1 0 0,-1-1 0 0 0,1 1 0 0 0,0 0 0 0 0,0 0 0 0 0,0 0 0 0 0,0 1 0 0 0,0-1 0 0 0,1 0 0 0 0,-1 0 0 0 0,0 0 0 0 0,1 1 0 0 0,-1 2 0 0 0,23 2-48 0 0,7-2 146 0 0,154 35 28 0 0,-163-34-160 0 0,-1 1-1 0 0,0 0 0 0 0,0 2 0 0 0,-1 0 0 0 0,0 1 0 0 0,-1 0 0 0 0,18 15 1 0 0,-28-18-200 0 0,2 1-880 0 0</inkml:trace>
+</inkml:ink>
+</file>
+
+<file path=ppt/ink/ink164.xml><?xml version="1.0" encoding="utf-8"?>
+<inkml:ink xmlns:inkml="http://www.w3.org/2003/InkML">
+  <inkml:definitions>
+    <inkml:context xml:id="ctx0">
+      <inkml:inkSource xml:id="inkSrc0">
+        <inkml:traceFormat>
+          <inkml:channel name="X" type="integer" min="-2.14748E9" max="2.14748E9" units="cm"/>
+          <inkml:channel name="Y" type="integer" min="-2.14748E9" max="2.14748E9" units="cm"/>
+          <inkml:channel name="F" type="integer" max="32767" units="dev"/>
+          <inkml:channel name="OA" type="integer" max="360" units="deg"/>
+          <inkml:channel name="OE" type="integer" max="90" units="deg"/>
+        </inkml:traceFormat>
+        <inkml:channelProperties>
+          <inkml:channelProperty channel="X" name="resolution" value="1000" units="1/cm"/>
+          <inkml:channelProperty channel="Y" name="resolution" value="1000" units="1/cm"/>
+          <inkml:channelProperty channel="F" name="resolution" value="0" units="1/dev"/>
+          <inkml:channelProperty channel="OA" name="resolution" value="1000" units="1/deg"/>
+          <inkml:channelProperty channel="OE" name="resolution" value="1000" units="1/deg"/>
+        </inkml:channelProperties>
+      </inkml:inkSource>
+      <inkml:timestamp xml:id="ts0" timeString="2023-05-24T12:15:27.117"/>
+    </inkml:context>
+    <inkml:brush xml:id="br0">
+      <inkml:brushProperty name="width" value="0.2" units="cm"/>
+      <inkml:brushProperty name="height" value="0.2" units="cm"/>
+      <inkml:brushProperty name="color" value="#E71224"/>
+    </inkml:brush>
+  </inkml:definitions>
+  <inkml:trace contextRef="#ctx0" brushRef="#br0">129 1 3826 0 0,'0'0'3228'0'0,"5"18"-1198"0"0,83 48-1840 0 0,-29-24 177 0 0,-1 3 0 0 0,-2 3-1 0 0,95 105 1 0 0,-142-142-361 0 0,-1 1-1 0 0,-1-1 1 0 0,0 2 0 0 0,-1-1-1 0 0,0 1 1 0 0,0 0 0 0 0,-2 0-1 0 0,0 0 1 0 0,3 14 0 0 0,-5-18 23 0 0,-1-1 0 0 0,0 1 1 0 0,-1-1-1 0 0,0 1 0 0 0,0-1 1 0 0,-1 1-1 0 0,0-1 0 0 0,0 1 0 0 0,-1-1 1 0 0,0 0-1 0 0,0 0 0 0 0,-1 0 1 0 0,0 0-1 0 0,-1 0 0 0 0,0 0 1 0 0,-5 8-1 0 0,-14 11 85 0 0,0-2 0 0 0,-2-1 0 0 0,0 0 1 0 0,-2-2-1 0 0,-42 27 0 0 0,-16 15 308 0 0,-28 38 299 0 0,101-91-683 0 0,2 2 1 0 0,-1-1 0 0 0,2 2-1 0 0,0-1 1 0 0,0 1-1 0 0,2 0 1 0 0,-9 21 0 0 0,15-33-71 0 0,0 0 1 0 0,1-1 0 0 0,-1 1-1 0 0,0-1 1 0 0,0 1 0 0 0,0-1 0 0 0,0 0-1 0 0,0 1 1 0 0,-1-1 0 0 0,1 0-1 0 0,0 0 1 0 0,-1 0 0 0 0,1 0-1 0 0,-1 0 1 0 0,1 0 0 0 0,-1 0-1 0 0,1 0 1 0 0,-1-1 0 0 0,0 1-1 0 0,1-1 1 0 0,-1 1 0 0 0,0-1-1 0 0,-3 1 1 0 0,1-1-690 0 0,-1 1-1 0 0,0-1 1 0 0,0-1-1 0 0,1 1 1 0 0,-1-1 0 0 0,0 1-1 0 0,-9-4 1 0 0,-12-8-4204 0 0</inkml:trace>
+</inkml:ink>
+</file>
+
+<file path=ppt/ink/ink165.xml><?xml version="1.0" encoding="utf-8"?>
+<inkml:ink xmlns:inkml="http://www.w3.org/2003/InkML">
+  <inkml:definitions>
+    <inkml:context xml:id="ctx0">
+      <inkml:inkSource xml:id="inkSrc0">
+        <inkml:traceFormat>
+          <inkml:channel name="X" type="integer" min="-2.14748E9" max="2.14748E9" units="cm"/>
+          <inkml:channel name="Y" type="integer" min="-2.14748E9" max="2.14748E9" units="cm"/>
+          <inkml:channel name="F" type="integer" max="32767" units="dev"/>
+          <inkml:channel name="OA" type="integer" max="360" units="deg"/>
+          <inkml:channel name="OE" type="integer" max="90" units="deg"/>
+        </inkml:traceFormat>
+        <inkml:channelProperties>
+          <inkml:channelProperty channel="X" name="resolution" value="1000" units="1/cm"/>
+          <inkml:channelProperty channel="Y" name="resolution" value="1000" units="1/cm"/>
+          <inkml:channelProperty channel="F" name="resolution" value="0" units="1/dev"/>
+          <inkml:channelProperty channel="OA" name="resolution" value="1000" units="1/deg"/>
+          <inkml:channelProperty channel="OE" name="resolution" value="1000" units="1/deg"/>
+        </inkml:channelProperties>
+      </inkml:inkSource>
+      <inkml:timestamp xml:id="ts0" timeString="2023-05-24T12:15:28.537"/>
+    </inkml:context>
+    <inkml:brush xml:id="br0">
+      <inkml:brushProperty name="width" value="0.2" units="cm"/>
+      <inkml:brushProperty name="height" value="0.2" units="cm"/>
+      <inkml:brushProperty name="color" value="#E71224"/>
+    </inkml:brush>
+  </inkml:definitions>
+  <inkml:trace contextRef="#ctx0" brushRef="#br0">1 16 1441 0 0,'10'-15'9850'0'0,"-9"15"-9809"0"0,-1-1 1 0 0,0 1-1 0 0,0 0 0 0 0,0 0 1 0 0,1 0-1 0 0,-1 0 0 0 0,0 0 1 0 0,0 0-1 0 0,0 0 0 0 0,1 0 1 0 0,-1 0-1 0 0,0 0 0 0 0,0 0 1 0 0,0 0-1 0 0,1 0 0 0 0,-1 0 1 0 0,0 0-1 0 0,0 0 0 0 0,0 1 1 0 0,1-1 82 0 0,0 0-83 0 0,-1 371-190 0 0,0-371 145 0 0,1 1 1 0 0,0 0-1 0 0,0 0 1 0 0,0 0-1 0 0,0 0 1 0 0,0-1 0 0 0,0 1-1 0 0,1 0 1 0 0,-1-1-1 0 0,0 1 1 0 0,0-1 0 0 0,0 1-1 0 0,1-1 1 0 0,-1 0-1 0 0,0 0 1 0 0,0 1-1 0 0,1-1 1 0 0,-1 0 0 0 0,0 0-1 0 0,1 0 1 0 0,-1 0-1 0 0,0 0 1 0 0,2-1 0 0 0,35-2-116 0 0,-29-1 64 0 0,0 0-1 0 0,0-1 1 0 0,0 0-1 0 0,-1 0 0 0 0,0-1 1 0 0,0 0-1 0 0,0-1 1 0 0,11-13-1 0 0,51-65-612 0 0,-59 70 667 0 0,-10 13-7 0 0,0 0 1 0 0,0 0-1 0 0,0 0 0 0 0,0 1 1 0 0,0-1-1 0 0,1 0 1 0 0,-1 0-1 0 0,1 1 0 0 0,-1-1 1 0 0,1 1-1 0 0,0 0 1 0 0,0-1-1 0 0,-1 1 0 0 0,1 0 1 0 0,0 0-1 0 0,0 0 1 0 0,0 0-1 0 0,0 0 0 0 0,0 1 1 0 0,1-1-1 0 0,-1 1 1 0 0,0-1-1 0 0,0 1 0 0 0,0 0 1 0 0,0 0-1 0 0,1 0 1 0 0,-1 0-1 0 0,4 0 0 0 0,-3 1-15 0 0,1-1 0 0 0,-1 1 0 0 0,1-1 0 0 0,-1 1-1 0 0,1 0 1 0 0,-1 0 0 0 0,0 1 0 0 0,1-1 0 0 0,-1 1-1 0 0,0-1 1 0 0,0 1 0 0 0,0 0 0 0 0,0 0-1 0 0,-1 1 1 0 0,1-1 0 0 0,4 5 0 0 0,37 53-27 0 0,-12-15 6 0 0,-19-31 25 0 0,1 0 1 0 0,1 0-1 0 0,0-2 0 0 0,0 1 0 0 0,2-2 0 0 0,26 14 0 0 0,-37-21 86 0 0,-1-1-1 0 0,1-1 1 0 0,0 1-1 0 0,1-1 1 0 0,-1 0-1 0 0,0 0 0 0 0,1-1 1 0 0,-1 0-1 0 0,1 0 1 0 0,-1 0-1 0 0,1-1 0 0 0,-1 0 1 0 0,1 0-1 0 0,-1-1 1 0 0,1 0-1 0 0,-1 0 0 0 0,1-1 1 0 0,-1 1-1 0 0,0-1 1 0 0,1-1-1 0 0,-1 1 0 0 0,0-1 1 0 0,7-5-1 0 0,1-3 79 0 0,0 0 0 0 0,-1-2 0 0 0,0 0-1 0 0,-1 0 1 0 0,18-26 0 0 0,46-84-115 0 0,-47 71 168 0 0,-20 36 288 0 0,-1 0 0 0 0,0-1 1 0 0,7-23-1 0 0,-3 0-2100 0 0</inkml:trace>
+</inkml:ink>
+</file>
+
+<file path=ppt/ink/ink166.xml><?xml version="1.0" encoding="utf-8"?>
+<inkml:ink xmlns:inkml="http://www.w3.org/2003/InkML">
+  <inkml:definitions>
+    <inkml:context xml:id="ctx0">
+      <inkml:inkSource xml:id="inkSrc0">
+        <inkml:traceFormat>
+          <inkml:channel name="X" type="integer" min="-2.14748E9" max="2.14748E9" units="cm"/>
+          <inkml:channel name="Y" type="integer" min="-2.14748E9" max="2.14748E9" units="cm"/>
+          <inkml:channel name="F" type="integer" max="32767" units="dev"/>
+          <inkml:channel name="OA" type="integer" max="360" units="deg"/>
+          <inkml:channel name="OE" type="integer" max="90" units="deg"/>
+        </inkml:traceFormat>
+        <inkml:channelProperties>
+          <inkml:channelProperty channel="X" name="resolution" value="1000" units="1/cm"/>
+          <inkml:channelProperty channel="Y" name="resolution" value="1000" units="1/cm"/>
+          <inkml:channelProperty channel="F" name="resolution" value="0" units="1/dev"/>
+          <inkml:channelProperty channel="OA" name="resolution" value="1000" units="1/deg"/>
+          <inkml:channelProperty channel="OE" name="resolution" value="1000" units="1/deg"/>
+        </inkml:channelProperties>
+      </inkml:inkSource>
+      <inkml:timestamp xml:id="ts0" timeString="2023-05-24T12:15:29.040"/>
+    </inkml:context>
+    <inkml:brush xml:id="br0">
+      <inkml:brushProperty name="width" value="0.2" units="cm"/>
+      <inkml:brushProperty name="height" value="0.2" units="cm"/>
+      <inkml:brushProperty name="color" value="#E71224"/>
+    </inkml:brush>
+  </inkml:definitions>
+  <inkml:trace contextRef="#ctx0" brushRef="#br0">64 106 4226 0 0,'0'0'3223'0'0,"-9"14"-3525"0"0,2-4 373 0 0,1-1 1 0 0,0 1-1 0 0,0 1 0 0 0,1-1 0 0 0,0 1 0 0 0,1 0 0 0 0,0 0 0 0 0,1 1 1 0 0,0-1-1 0 0,1 0 0 0 0,1 1 0 0 0,-1 0 0 0 0,2-1 0 0 0,0 1 0 0 0,0 0 1 0 0,1 0-1 0 0,2 12 0 0 0,-1-20-23 0 0,-1 0-1 0 0,1 0 1 0 0,1 0 0 0 0,-1 0-1 0 0,0 0 1 0 0,1-1 0 0 0,0 1-1 0 0,0 0 1 0 0,0-1 0 0 0,0 0-1 0 0,0 0 1 0 0,1 0 0 0 0,-1 0-1 0 0,1-1 1 0 0,0 1 0 0 0,0-1-1 0 0,0 0 1 0 0,0 0 0 0 0,0 0-1 0 0,1-1 1 0 0,-1 0 0 0 0,5 2-1 0 0,9 1-1 0 0,1 0-1 0 0,-1-2 0 0 0,1 0 1 0 0,19 0-1 0 0,-23-2-11 0 0,0 0 0 0 0,1-1 0 0 0,-1 0 0 0 0,0-2 0 0 0,0 1 0 0 0,-1-2-1 0 0,22-7 1 0 0,-30 8-24 0 0,-1 1 0 0 0,1-1 0 0 0,-1 0-1 0 0,0-1 1 0 0,0 1 0 0 0,0-1 0 0 0,0 0-1 0 0,-1 0 1 0 0,0-1 0 0 0,1 1 0 0 0,-2-1-1 0 0,1 0 1 0 0,0 0 0 0 0,-1 0-1 0 0,0 0 1 0 0,0-1 0 0 0,-1 1 0 0 0,1-1-1 0 0,-1 0 1 0 0,-1 0 0 0 0,2-7 0 0 0,0 1-28 0 0,-1 1 0 0 0,-1-1 0 0 0,0 0-1 0 0,-1 1 1 0 0,0-1 0 0 0,-4-22 0 0 0,3 27 18 0 0,0 1 0 0 0,-1 0-1 0 0,0 0 1 0 0,-1-1 0 0 0,0 1-1 0 0,1 1 1 0 0,-2-1 0 0 0,1 0 0 0 0,-1 1-1 0 0,0-1 1 0 0,0 1 0 0 0,0 0-1 0 0,-8-6 1 0 0,-3-2 27 0 0,-1 1 1 0 0,-1 0-1 0 0,0 1 0 0 0,-22-10 1 0 0,30 16 16 0 0,0 1 1 0 0,0 1-1 0 0,0 0 1 0 0,0 0 0 0 0,-1 1-1 0 0,0 0 1 0 0,1 0-1 0 0,-1 1 1 0 0,0 0-1 0 0,-17 2 1 0 0,26 0-215 0 0,1 1 0 0 0,-1-1 1 0 0,1 1-1 0 0,0-1 0 0 0,-1 1 0 0 0,1-1 0 0 0,0 1 1 0 0,0-1-1 0 0,0 1 0 0 0,0 0 0 0 0,0-1 1 0 0,0 1-1 0 0,1-1 0 0 0,-1 1 0 0 0,0-1 1 0 0,1 1-1 0 0,-1-1 0 0 0,1 1 0 0 0,0-1 0 0 0,-1 0 1 0 0,2 3-1 0 0,29 8-1975 0 0,14-2-1123 0 0</inkml:trace>
+</inkml:ink>
+</file>
+
+<file path=ppt/ink/ink167.xml><?xml version="1.0" encoding="utf-8"?>
+<inkml:ink xmlns:inkml="http://www.w3.org/2003/InkML">
+  <inkml:definitions>
+    <inkml:context xml:id="ctx0">
+      <inkml:inkSource xml:id="inkSrc0">
+        <inkml:traceFormat>
+          <inkml:channel name="X" type="integer" min="-2.14748E9" max="2.14748E9" units="cm"/>
+          <inkml:channel name="Y" type="integer" min="-2.14748E9" max="2.14748E9" units="cm"/>
+          <inkml:channel name="F" type="integer" max="32767" units="dev"/>
+          <inkml:channel name="OA" type="integer" max="360" units="deg"/>
+          <inkml:channel name="OE" type="integer" max="90" units="deg"/>
+        </inkml:traceFormat>
+        <inkml:channelProperties>
+          <inkml:channelProperty channel="X" name="resolution" value="1000" units="1/cm"/>
+          <inkml:channelProperty channel="Y" name="resolution" value="1000" units="1/cm"/>
+          <inkml:channelProperty channel="F" name="resolution" value="0" units="1/dev"/>
+          <inkml:channelProperty channel="OA" name="resolution" value="1000" units="1/deg"/>
+          <inkml:channelProperty channel="OE" name="resolution" value="1000" units="1/deg"/>
+        </inkml:channelProperties>
+      </inkml:inkSource>
+      <inkml:timestamp xml:id="ts0" timeString="2023-05-24T12:15:29.404"/>
+    </inkml:context>
+    <inkml:brush xml:id="br0">
+      <inkml:brushProperty name="width" value="0.2" units="cm"/>
+      <inkml:brushProperty name="height" value="0.2" units="cm"/>
+      <inkml:brushProperty name="color" value="#E71224"/>
+    </inkml:brush>
+  </inkml:definitions>
+  <inkml:trace contextRef="#ctx0" brushRef="#br0">2 278 3506 0 0,'0'0'3844'0'0,"0"7"-3526"0"0,-2 11-61 0 0,2-11 854 0 0,3-24 116 0 0,-1 1-1129 0 0,1 1-1 0 0,1-1 1 0 0,0 1-1 0 0,1 0 1 0 0,1 0-1 0 0,0 0 1 0 0,1 1-1 0 0,0 0 1 0 0,1 1-1 0 0,13-17 1 0 0,-13 21-18 0 0,0 0-1 0 0,1 0 1 0 0,0 1 0 0 0,1 0-1 0 0,0 1 1 0 0,0 0 0 0 0,0 0-1 0 0,1 1 1 0 0,0 1-1 0 0,0 0 1 0 0,1 0 0 0 0,-1 1-1 0 0,24-5 1 0 0,5 3-315 0 0,0 1 0 0 0,56 0-1 0 0,-18 4-4200 0 0,-70 1 3631 0 0</inkml:trace>
+</inkml:ink>
+</file>
+
+<file path=ppt/ink/ink168.xml><?xml version="1.0" encoding="utf-8"?>
+<inkml:ink xmlns:inkml="http://www.w3.org/2003/InkML">
+  <inkml:definitions>
+    <inkml:context xml:id="ctx0">
+      <inkml:inkSource xml:id="inkSrc0">
+        <inkml:traceFormat>
+          <inkml:channel name="X" type="integer" min="-2.14748E9" max="2.14748E9" units="cm"/>
+          <inkml:channel name="Y" type="integer" min="-2.14748E9" max="2.14748E9" units="cm"/>
+          <inkml:channel name="F" type="integer" max="32767" units="dev"/>
+          <inkml:channel name="OA" type="integer" max="360" units="deg"/>
+          <inkml:channel name="OE" type="integer" max="90" units="deg"/>
+        </inkml:traceFormat>
+        <inkml:channelProperties>
+          <inkml:channelProperty channel="X" name="resolution" value="1000" units="1/cm"/>
+          <inkml:channelProperty channel="Y" name="resolution" value="1000" units="1/cm"/>
+          <inkml:channelProperty channel="F" name="resolution" value="0" units="1/dev"/>
+          <inkml:channelProperty channel="OA" name="resolution" value="1000" units="1/deg"/>
+          <inkml:channelProperty channel="OE" name="resolution" value="1000" units="1/deg"/>
+        </inkml:channelProperties>
+      </inkml:inkSource>
+      <inkml:timestamp xml:id="ts0" timeString="2023-05-24T12:15:30.028"/>
+    </inkml:context>
+    <inkml:brush xml:id="br0">
+      <inkml:brushProperty name="width" value="0.2" units="cm"/>
+      <inkml:brushProperty name="height" value="0.2" units="cm"/>
+      <inkml:brushProperty name="color" value="#E71224"/>
+    </inkml:brush>
+  </inkml:definitions>
+  <inkml:trace contextRef="#ctx0" brushRef="#br0">375 477 3169 0 0,'0'0'3549'0'0,"-15"-3"-3293"0"0,-11-3-228 0 0,0 1 1 0 0,0 2-1 0 0,0 0 0 0 0,0 2 0 0 0,0 1 1 0 0,-29 3-1 0 0,47-2-6 0 0,-1 1 1 0 0,1 0-1 0 0,0 0 0 0 0,0 1 1 0 0,0 0-1 0 0,1 0 0 0 0,-1 1 1 0 0,1 0-1 0 0,-1 0 0 0 0,-11 9 1 0 0,15-8 54 0 0,-1-1 0 0 0,1 1 0 0 0,0 0 0 0 0,0 0 0 0 0,0 1 1 0 0,1-1-1 0 0,0 1 0 0 0,0 0 0 0 0,0 0 0 0 0,1 0 0 0 0,0 0 1 0 0,0 0-1 0 0,1 0 0 0 0,-1 0 0 0 0,1 1 0 0 0,0 6 0 0 0,0-7 122 0 0,0 0-1 0 0,1 0 1 0 0,0 0-1 0 0,0 0 0 0 0,1 0 1 0 0,-1 0-1 0 0,1 0 1 0 0,0 0-1 0 0,1 0 1 0 0,0-1-1 0 0,-1 1 0 0 0,5 7 1 0 0,-3-9-130 0 0,0-1 0 0 0,0 1 0 0 0,0 0 0 0 0,1-1 0 0 0,-1 0 0 0 0,1 0 0 0 0,0 0 0 0 0,0 0 0 0 0,0 0 0 0 0,0-1 0 0 0,0 0 0 0 0,1 0 1 0 0,-1 0-1 0 0,1 0 0 0 0,8 1 0 0 0,-1 1-24 0 0,1-1 1 0 0,0-1 0 0 0,0 0-1 0 0,0 0 1 0 0,0-1 0 0 0,0-1-1 0 0,0 0 1 0 0,0-1-1 0 0,0 0 1 0 0,17-5 0 0 0,-20 3-31 0 0,-1 0 1 0 0,0 0-1 0 0,0-1 0 0 0,0 0 1 0 0,-1-1-1 0 0,1 0 1 0 0,-1 0-1 0 0,0-1 1 0 0,-1 0-1 0 0,1 0 1 0 0,-1-1-1 0 0,0 0 0 0 0,-1 0 1 0 0,9-12-1 0 0,-7 6-143 0 0,-1 0 0 0 0,0 0 0 0 0,0-1 0 0 0,-1 0 0 0 0,-1 0 0 0 0,-1 0 0 0 0,0-1 0 0 0,-1 0 0 0 0,2-18 0 0 0,-1-18-341 0 0,-3-71-1 0 0,-2 59 574 0 0,-1 15 851 0 0,-3 0 0 0 0,-18-87 0 0 0,17 111 539 0 0,8 35-1410 0 0,11 39-432 0 0,1-15 375 0 0,-1-1 0 0 0,-2 2 1 0 0,-1 0-1 0 0,-2 0 0 0 0,-2 1 1 0 0,-1 0-1 0 0,-1 0 0 0 0,-3 61 0 0 0,-1-47 23 0 0,1-15-50 0 0,-1 0 1 0 0,-2 1-1 0 0,-8 43 0 0 0,6-53-1076 0 0</inkml:trace>
+</inkml:ink>
+</file>
+
+<file path=ppt/ink/ink169.xml><?xml version="1.0" encoding="utf-8"?>
+<inkml:ink xmlns:inkml="http://www.w3.org/2003/InkML">
+  <inkml:definitions>
+    <inkml:context xml:id="ctx0">
+      <inkml:inkSource xml:id="inkSrc0">
+        <inkml:traceFormat>
+          <inkml:channel name="X" type="integer" min="-2.14748E9" max="2.14748E9" units="cm"/>
+          <inkml:channel name="Y" type="integer" min="-2.14748E9" max="2.14748E9" units="cm"/>
+          <inkml:channel name="F" type="integer" max="32767" units="dev"/>
+          <inkml:channel name="OA" type="integer" max="360" units="deg"/>
+          <inkml:channel name="OE" type="integer" max="90" units="deg"/>
+        </inkml:traceFormat>
+        <inkml:channelProperties>
+          <inkml:channelProperty channel="X" name="resolution" value="1000" units="1/cm"/>
+          <inkml:channelProperty channel="Y" name="resolution" value="1000" units="1/cm"/>
+          <inkml:channelProperty channel="F" name="resolution" value="0" units="1/dev"/>
+          <inkml:channelProperty channel="OA" name="resolution" value="1000" units="1/deg"/>
+          <inkml:channelProperty channel="OE" name="resolution" value="1000" units="1/deg"/>
+        </inkml:channelProperties>
+      </inkml:inkSource>
+      <inkml:timestamp xml:id="ts0" timeString="2023-05-24T12:15:30.498"/>
+    </inkml:context>
+    <inkml:brush xml:id="br0">
+      <inkml:brushProperty name="width" value="0.2" units="cm"/>
+      <inkml:brushProperty name="height" value="0.2" units="cm"/>
+      <inkml:brushProperty name="color" value="#E71224"/>
+    </inkml:brush>
+  </inkml:definitions>
+  <inkml:trace contextRef="#ctx0" brushRef="#br0">693 0 6627 0 0,'0'0'2521'0'0,"-34"13"-2305"0"0,-242 86-120 0 0,262-94-117 0 0,3-1 42 0 0,-1 1-1 0 0,1 0 0 0 0,0 0 1 0 0,-12 9-1 0 0,21-13 19 0 0,0 1 0 0 0,0-1 0 0 0,0 1 0 0 0,0 0 0 0 0,0-1 0 0 0,0 1 0 0 0,1 0 0 0 0,-1 0 0 0 0,1 0 0 0 0,-1 0 0 0 0,1 1 0 0 0,0-1 0 0 0,0 0 0 0 0,0 1 0 0 0,0-1 0 0 0,0 0-1 0 0,1 1 1 0 0,-1-1 0 0 0,1 1 0 0 0,-1-1 0 0 0,1 1 0 0 0,0 0 0 0 0,0-1 0 0 0,0 1 0 0 0,1 4 0 0 0,0-5 33 0 0,0 1 0 0 0,0-1 0 0 0,1 1-1 0 0,-1-1 1 0 0,1 1 0 0 0,-1-1 0 0 0,1 0 0 0 0,0 0-1 0 0,0 0 1 0 0,-1 0 0 0 0,2 0 0 0 0,-1 0-1 0 0,0 0 1 0 0,0-1 0 0 0,1 1 0 0 0,-1-1 0 0 0,4 2-1 0 0,55 22 759 0 0,-37-17-492 0 0,13 7-54 0 0,-1 1-1 0 0,66 40 1 0 0,-99-54-288 0 0,0 0-1 0 0,-1 0 1 0 0,1 0-1 0 0,-1 0 1 0 0,1 0-1 0 0,-1 1 1 0 0,0-1-1 0 0,0 1 1 0 0,0-1-1 0 0,0 1 1 0 0,-1 0-1 0 0,1 0 1 0 0,-1-1-1 0 0,1 1 1 0 0,-1 0-1 0 0,0 1 1 0 0,1 3 0 0 0,-2-5 2 0 0,0 1-1 0 0,-1-1 1 0 0,1 0 0 0 0,-1 0 0 0 0,1 0 0 0 0,-1 0 0 0 0,1 0 0 0 0,-1 0 0 0 0,0 0 0 0 0,0-1 0 0 0,0 1 0 0 0,0 0 0 0 0,-1 0 0 0 0,1-1 0 0 0,0 1 0 0 0,-1-1 0 0 0,1 1 0 0 0,-1-1 0 0 0,1 1 0 0 0,-1-1 0 0 0,0 0 0 0 0,0 0 0 0 0,1 0 0 0 0,-1 0 0 0 0,0 0 0 0 0,0 0 0 0 0,0-1 0 0 0,0 1 0 0 0,-3 0 0 0 0,-53 15-711 0 0,-1-2 1 0 0,0-4 0 0 0,0-1 0 0 0,-73 0-1 0 0,-9 2-3732 0 0,84-3 1769 0 0</inkml:trace>
+</inkml:ink>
+</file>
+
+<file path=ppt/ink/ink17.xml><?xml version="1.0" encoding="utf-8"?>
+<inkml:ink xmlns:inkml="http://www.w3.org/2003/InkML">
+  <inkml:definitions>
+    <inkml:context xml:id="ctx0">
+      <inkml:inkSource xml:id="inkSrc0">
+        <inkml:traceFormat>
+          <inkml:channel name="X" type="integer" min="-2.14748E9" max="2.14748E9" units="cm"/>
+          <inkml:channel name="Y" type="integer" min="-2.14748E9" max="2.14748E9" units="cm"/>
+          <inkml:channel name="F" type="integer" max="32767" units="dev"/>
+          <inkml:channel name="OA" type="integer" max="360" units="deg"/>
+          <inkml:channel name="OE" type="integer" max="90" units="deg"/>
+        </inkml:traceFormat>
+        <inkml:channelProperties>
+          <inkml:channelProperty channel="X" name="resolution" value="1000" units="1/cm"/>
+          <inkml:channelProperty channel="Y" name="resolution" value="1000" units="1/cm"/>
+          <inkml:channelProperty channel="F" name="resolution" value="0" units="1/dev"/>
+          <inkml:channelProperty channel="OA" name="resolution" value="1000" units="1/deg"/>
+          <inkml:channelProperty channel="OE" name="resolution" value="1000" units="1/deg"/>
+        </inkml:channelProperties>
+      </inkml:inkSource>
+      <inkml:timestamp xml:id="ts0" timeString="2023-05-24T12:34:42.005"/>
+    </inkml:context>
+    <inkml:brush xml:id="br0">
+      <inkml:brushProperty name="width" value="0.2" units="cm"/>
+      <inkml:brushProperty name="height" value="0.2" units="cm"/>
+    </inkml:brush>
+  </inkml:definitions>
+  <inkml:trace contextRef="#ctx0" brushRef="#br0">110 185 3217 0 0,'0'0'2410'0'0,"18"-11"-2293"0"0,58-39-85 0 0,-74 48-40 0 0,0 1 1 0 0,0-1-1 0 0,-1 1 1 0 0,1-1-1 0 0,0 0 1 0 0,-1 1-1 0 0,1-1 1 0 0,-1 0-1 0 0,1 0 1 0 0,-1 0-1 0 0,0 0 1 0 0,0-1-1 0 0,0 1 0 0 0,0 0 1 0 0,-1 0-1 0 0,1-1 1 0 0,0 1-1 0 0,-1 0 1 0 0,0-1-1 0 0,1 1 1 0 0,-1 0-1 0 0,0-1 1 0 0,0 1-1 0 0,0 0 1 0 0,-1-1-1 0 0,0-4 1 0 0,0-5-222 0 0,1 10 195 0 0,-1 1 1 0 0,1-1-1 0 0,0 1 0 0 0,0-1 1 0 0,-1 1-1 0 0,1-1 1 0 0,-1 1-1 0 0,1-1 1 0 0,-1 1-1 0 0,0-1 0 0 0,0 1 1 0 0,1 0-1 0 0,-1 0 1 0 0,0-1-1 0 0,0 1 1 0 0,0 0-1 0 0,-1 0 0 0 0,1 0 1 0 0,0 0-1 0 0,0 0 1 0 0,0 0-1 0 0,-2-1 1 0 0,-2 0 2 0 0,0-1 0 0 0,-1 1 0 0 0,1 0 0 0 0,0 0 0 0 0,-1 1 0 0 0,-7-2 0 0 0,-3 1 179 0 0,0 0 1 0 0,0 1-1 0 0,-29 2 1 0 0,42 0-100 0 0,0-1 1 0 0,0 1-1 0 0,0-1 0 0 0,1 1 0 0 0,-1 0 1 0 0,0 0-1 0 0,0 1 0 0 0,1-1 0 0 0,-1 0 1 0 0,1 1-1 0 0,-1 0 0 0 0,1-1 1 0 0,-1 1-1 0 0,1 0 0 0 0,0 0 0 0 0,0 0 1 0 0,0 1-1 0 0,0-1 0 0 0,1 0 1 0 0,-1 1-1 0 0,0-1 0 0 0,1 1 0 0 0,0 0 1 0 0,0-1-1 0 0,0 1 0 0 0,0 0 1 0 0,-1 5-1 0 0,-1 6 403 0 0,1 0 0 0 0,0 0 0 0 0,1 1-1 0 0,1 19 1 0 0,0-20-209 0 0,0-10-202 0 0,0 1 0 0 0,1-1 1 0 0,0 1-1 0 0,-1-1 0 0 0,1 0 0 0 0,1 1 1 0 0,-1-1-1 0 0,1 0 0 0 0,-1 0 1 0 0,1 0-1 0 0,0 0 0 0 0,1 0 1 0 0,-1 0-1 0 0,1-1 0 0 0,5 7 0 0 0,-2-5 8 0 0,0 1-1 0 0,1-1 0 0 0,-1 0 1 0 0,1 0-1 0 0,1-1 0 0 0,-1 0 1 0 0,0 0-1 0 0,9 2 0 0 0,4 1-324 0 0,1-1-1 0 0,-1-2 0 0 0,1 0 0 0 0,0 0 0 0 0,42-1 0 0 0,-22-4-2345 0 0,-6-3-1388 0 0</inkml:trace>
+</inkml:ink>
+</file>
+
+<file path=ppt/ink/ink170.xml><?xml version="1.0" encoding="utf-8"?>
+<inkml:ink xmlns:inkml="http://www.w3.org/2003/InkML">
+  <inkml:definitions>
+    <inkml:context xml:id="ctx0">
+      <inkml:inkSource xml:id="inkSrc0">
+        <inkml:traceFormat>
+          <inkml:channel name="X" type="integer" min="-2.14748E9" max="2.14748E9" units="cm"/>
+          <inkml:channel name="Y" type="integer" min="-2.14748E9" max="2.14748E9" units="cm"/>
+          <inkml:channel name="F" type="integer" max="32767" units="dev"/>
+          <inkml:channel name="OA" type="integer" max="360" units="deg"/>
+          <inkml:channel name="OE" type="integer" max="90" units="deg"/>
+        </inkml:traceFormat>
+        <inkml:channelProperties>
+          <inkml:channelProperty channel="X" name="resolution" value="1000" units="1/cm"/>
+          <inkml:channelProperty channel="Y" name="resolution" value="1000" units="1/cm"/>
+          <inkml:channelProperty channel="F" name="resolution" value="0" units="1/dev"/>
+          <inkml:channelProperty channel="OA" name="resolution" value="1000" units="1/deg"/>
+          <inkml:channelProperty channel="OE" name="resolution" value="1000" units="1/deg"/>
+        </inkml:channelProperties>
+      </inkml:inkSource>
+      <inkml:timestamp xml:id="ts0" timeString="2023-05-24T12:15:31.556"/>
+    </inkml:context>
+    <inkml:brush xml:id="br0">
+      <inkml:brushProperty name="width" value="0.2" units="cm"/>
+      <inkml:brushProperty name="height" value="0.2" units="cm"/>
+      <inkml:brushProperty name="color" value="#E71224"/>
+    </inkml:brush>
+  </inkml:definitions>
+  <inkml:trace contextRef="#ctx0" brushRef="#br0">12 303 2097 0 0,'0'0'3081'0'0,"-11"3"-594"0"0,20-14-1273 0 0,24-3 2488 0 0,-8 5-2663 0 0,174-118 1225 0 0,-63 37-2123 0 0,-42 37 84 0 0,-94 53-240 0 0,1-1 0 0 0,0 1 0 0 0,0 0 0 0 0,0 0 0 0 0,0 0 0 0 0,-1-1 0 0 0,1 1 0 0 0,0 0 0 0 0,0 0 0 0 0,0 0 0 0 0,0 0 0 0 0,-1 1 0 0 0,1-1 0 0 0,0 0 0 0 0,0 0 0 0 0,0 0 0 0 0,0 1 0 0 0,-1-1 0 0 0,1 0 0 0 0,0 1 0 0 0,0-1 0 0 0,-1 1 0 0 0,1-1 0 0 0,0 1 0 0 0,-1-1 0 0 0,1 1 0 0 0,0-1 0 0 0,-1 1 0 0 0,1 0 0 0 0,-1-1 0 0 0,1 1 0 0 0,-1 0 0 0 0,1-1 0 0 0,-1 1 0 0 0,1 0 0 0 0,-1 0 0 0 0,1 1 0 0 0,11 34-24 0 0,-11-33 37 0 0,31 173 88 0 0,-32-174-86 0 0,1-1 1 0 0,-1 1 0 0 0,0-1-1 0 0,1 1 1 0 0,-1-1 0 0 0,1 1-1 0 0,-1-1 1 0 0,1 0 0 0 0,0 1-1 0 0,0-1 1 0 0,0 0 0 0 0,-1 0-1 0 0,1 1 1 0 0,0-1 0 0 0,1 0-1 0 0,-1 0 1 0 0,0 0 0 0 0,0 0-1 0 0,0 0 1 0 0,0-1 0 0 0,1 1-1 0 0,-1 0 1 0 0,3 1 0 0 0,-2-2 0 0 0,1 0 0 0 0,-1 1 1 0 0,1-1-1 0 0,-1 0 0 0 0,1 0 1 0 0,-1-1-1 0 0,1 1 0 0 0,-1-1 1 0 0,1 1-1 0 0,-1-1 0 0 0,0 0 1 0 0,1 1-1 0 0,2-3 0 0 0,6-3-18 0 0,1 0 0 0 0,-1-1 0 0 0,-1-1 0 0 0,14-11 0 0 0,28-33-43 0 0,-42 40 54 0 0,0 1 0 0 0,1 0 0 0 0,0 1 0 0 0,0 0 0 0 0,1 0 0 0 0,0 1 0 0 0,1 1 0 0 0,0 0 0 0 0,21-9 0 0 0,-9 13-54 0 0,0 1 0 0 0,0 1 0 0 0,0 1 0 0 0,1 2 1 0 0,-1 0-1 0 0,32 6 0 0 0,-45-5 55 0 0,-1 0 0 0 0,0 1 0 0 0,0 0 0 0 0,0 1 0 0 0,-1 0-1 0 0,1 0 1 0 0,-1 1 0 0 0,0 0 0 0 0,10 8 0 0 0,-16-10-2 0 0,0 1-1 0 0,0-1 1 0 0,0 1-1 0 0,0 0 1 0 0,0 0-1 0 0,-1 0 1 0 0,0 1-1 0 0,0-1 1 0 0,0 1-1 0 0,0 0 1 0 0,-1 0-1 0 0,0-1 1 0 0,0 2-1 0 0,0-1 1 0 0,-1 0-1 0 0,1 0 1 0 0,-1 1-1 0 0,-1-1 1 0 0,1 0-1 0 0,-1 7 1 0 0,0-7 4 0 0,-4 56 16 0 0,3-57-34 0 0,0 0 0 0 0,0 0 0 0 0,-1 0 0 0 0,0 0 0 0 0,1 0 1 0 0,-1-1-1 0 0,-1 1 0 0 0,1-1 0 0 0,0 0 0 0 0,-1 1 0 0 0,0-1 0 0 0,-4 4 0 0 0,-3 1-283 0 0,-15 13-511 0 0</inkml:trace>
+</inkml:ink>
+</file>
+
+<file path=ppt/ink/ink171.xml><?xml version="1.0" encoding="utf-8"?>
+<inkml:ink xmlns:inkml="http://www.w3.org/2003/InkML">
+  <inkml:definitions>
+    <inkml:context xml:id="ctx0">
+      <inkml:inkSource xml:id="inkSrc0">
+        <inkml:traceFormat>
+          <inkml:channel name="X" type="integer" min="-2.14748E9" max="2.14748E9" units="cm"/>
+          <inkml:channel name="Y" type="integer" min="-2.14748E9" max="2.14748E9" units="cm"/>
+          <inkml:channel name="F" type="integer" max="32767" units="dev"/>
+          <inkml:channel name="OA" type="integer" max="360" units="deg"/>
+          <inkml:channel name="OE" type="integer" max="90" units="deg"/>
+        </inkml:traceFormat>
+        <inkml:channelProperties>
+          <inkml:channelProperty channel="X" name="resolution" value="1000" units="1/cm"/>
+          <inkml:channelProperty channel="Y" name="resolution" value="1000" units="1/cm"/>
+          <inkml:channelProperty channel="F" name="resolution" value="0" units="1/dev"/>
+          <inkml:channelProperty channel="OA" name="resolution" value="1000" units="1/deg"/>
+          <inkml:channelProperty channel="OE" name="resolution" value="1000" units="1/deg"/>
+        </inkml:channelProperties>
+      </inkml:inkSource>
+      <inkml:timestamp xml:id="ts0" timeString="2023-05-24T12:15:32.072"/>
+    </inkml:context>
+    <inkml:brush xml:id="br0">
+      <inkml:brushProperty name="width" value="0.2" units="cm"/>
+      <inkml:brushProperty name="height" value="0.2" units="cm"/>
+      <inkml:brushProperty name="color" value="#E71224"/>
+    </inkml:brush>
+  </inkml:definitions>
+  <inkml:trace contextRef="#ctx0" brushRef="#br0">354 28 4610 0 0,'0'0'2038'0'0,"0"0"-2008"0"0,1 0 0 0 0,-1-1-1 0 0,0 1 1 0 0,0-1-1 0 0,0 1 1 0 0,0 0-1 0 0,0-1 1 0 0,0 1 0 0 0,0-1-1 0 0,0 1 1 0 0,0 0-1 0 0,0-1 1 0 0,0 1 0 0 0,0-1-1 0 0,0 1 1 0 0,0 0-1 0 0,0-1 1 0 0,0 1-1 0 0,0-1 1 0 0,-1 1 0 0 0,1 0-1 0 0,0-1 1 0 0,0 1-1 0 0,0 0 1 0 0,-1-1 0 0 0,1 1-1 0 0,0 0 1 0 0,0-1-1 0 0,-1 1 1 0 0,1 0-1 0 0,0 0 1 0 0,-1-1 0 0 0,0 1-1 0 0,-17-5 112 0 0,-1 1 1 0 0,0 1-1 0 0,1 1 0 0 0,-1 1 0 0 0,0 0 1 0 0,-1 1-1 0 0,-20 4 0 0 0,19-3-110 0 0,13 0 75 0 0,0 0 1 0 0,1 0 0 0 0,-1 1-1 0 0,1 0 1 0 0,0 1 0 0 0,0-1-1 0 0,-1 1 1 0 0,2 1 0 0 0,-1-1-1 0 0,0 1 1 0 0,1 1 0 0 0,-1-1-1 0 0,1 1 1 0 0,1 0 0 0 0,-1 0 0 0 0,-5 7-1 0 0,7-8-24 0 0,0 1 0 0 0,1-1 0 0 0,0 1-1 0 0,0 0 1 0 0,0 0 0 0 0,1 0 0 0 0,-1 0 0 0 0,1 0-1 0 0,0 1 1 0 0,1-1 0 0 0,-1 1 0 0 0,1-1 0 0 0,0 1-1 0 0,0 0 1 0 0,1-1 0 0 0,0 1 0 0 0,0 0 0 0 0,0-1-1 0 0,1 1 1 0 0,-1 0 0 0 0,2-1 0 0 0,1 9 0 0 0,-1-12-72 0 0,0 1 0 0 0,-1-1 0 0 0,1 0 0 0 0,0 0 0 0 0,1 0 0 0 0,-1 0 0 0 0,0 0 0 0 0,1 0 0 0 0,-1 0 0 0 0,1-1 0 0 0,-1 0 0 0 0,1 1 0 0 0,0-1 0 0 0,-1 0 0 0 0,1 0 0 0 0,0 0 0 0 0,0-1 0 0 0,0 1 0 0 0,0 0 0 0 0,0-1 0 0 0,0 0 0 0 0,0 0 0 0 0,3 0 0 0 0,5 0 49 0 0,1 0 0 0 0,0 0 1 0 0,0-1-1 0 0,18-4 0 0 0,-17 0-61 0 0,0 0-1 0 0,0-1 1 0 0,0-1 0 0 0,0 0 0 0 0,-1-1-1 0 0,-1 0 1 0 0,1-1 0 0 0,12-12 0 0 0,19-13-552 0 0,-42 33 540 0 0,0 1 1 0 0,0-1-1 0 0,0 1 0 0 0,0-1 0 0 0,1 1 0 0 0,-1 0 0 0 0,0 0 0 0 0,0-1 0 0 0,0 1 0 0 0,1 0 0 0 0,-1 0 0 0 0,0 0 0 0 0,0 1 0 0 0,0-1 1 0 0,1 0-1 0 0,-1 0 0 0 0,0 1 0 0 0,0-1 0 0 0,0 0 0 0 0,0 1 0 0 0,0-1 0 0 0,0 1 0 0 0,0 0 0 0 0,0-1 0 0 0,0 1 0 0 0,0 0 0 0 0,0 0 0 0 0,0-1 1 0 0,0 1-1 0 0,0 0 0 0 0,0 0 0 0 0,-1 0 0 0 0,1 0 0 0 0,0 2 0 0 0,32 47-284 0 0,-20-29 350 0 0,-11-18-77 0 0,74 94 353 0 0,-69-89-468 0 0,0-1 1 0 0,0 0 0 0 0,0 0 0 0 0,1-1 0 0 0,0 0 0 0 0,0-1 0 0 0,1 1 0 0 0,-1-2 0 0 0,1 1 0 0 0,11 3-1 0 0,-3-7-2885 0 0</inkml:trace>
+</inkml:ink>
+</file>
+
+<file path=ppt/ink/ink172.xml><?xml version="1.0" encoding="utf-8"?>
+<inkml:ink xmlns:inkml="http://www.w3.org/2003/InkML">
+  <inkml:definitions>
+    <inkml:context xml:id="ctx0">
+      <inkml:inkSource xml:id="inkSrc0">
+        <inkml:traceFormat>
+          <inkml:channel name="X" type="integer" min="-2.14748E9" max="2.14748E9" units="cm"/>
+          <inkml:channel name="Y" type="integer" min="-2.14748E9" max="2.14748E9" units="cm"/>
+          <inkml:channel name="F" type="integer" max="32767" units="dev"/>
+          <inkml:channel name="OA" type="integer" max="360" units="deg"/>
+          <inkml:channel name="OE" type="integer" max="90" units="deg"/>
+        </inkml:traceFormat>
+        <inkml:channelProperties>
+          <inkml:channelProperty channel="X" name="resolution" value="1000" units="1/cm"/>
+          <inkml:channelProperty channel="Y" name="resolution" value="1000" units="1/cm"/>
+          <inkml:channelProperty channel="F" name="resolution" value="0" units="1/dev"/>
+          <inkml:channelProperty channel="OA" name="resolution" value="1000" units="1/deg"/>
+          <inkml:channelProperty channel="OE" name="resolution" value="1000" units="1/deg"/>
+        </inkml:channelProperties>
+      </inkml:inkSource>
+      <inkml:timestamp xml:id="ts0" timeString="2023-05-24T12:15:32.429"/>
+    </inkml:context>
+    <inkml:brush xml:id="br0">
+      <inkml:brushProperty name="width" value="0.2" units="cm"/>
+      <inkml:brushProperty name="height" value="0.2" units="cm"/>
+      <inkml:brushProperty name="color" value="#E71224"/>
+    </inkml:brush>
+  </inkml:definitions>
+  <inkml:trace contextRef="#ctx0" brushRef="#br0">1 0 6275 0 0,'0'0'5106'0'0,"101"102"-4337"0"0,-70-68-49 0 0,-8-6-144 0 0,-7-2-512 0 0,-5-8-32 0 0,-3-6-272 0 0,4-2-176 0 0,-4-2-705 0 0</inkml:trace>
+</inkml:ink>
+</file>
+
+<file path=ppt/ink/ink173.xml><?xml version="1.0" encoding="utf-8"?>
+<inkml:ink xmlns:inkml="http://www.w3.org/2003/InkML">
+  <inkml:definitions>
+    <inkml:context xml:id="ctx0">
+      <inkml:inkSource xml:id="inkSrc0">
+        <inkml:traceFormat>
+          <inkml:channel name="X" type="integer" min="-2.14748E9" max="2.14748E9" units="cm"/>
+          <inkml:channel name="Y" type="integer" min="-2.14748E9" max="2.14748E9" units="cm"/>
+          <inkml:channel name="F" type="integer" max="32767" units="dev"/>
+          <inkml:channel name="OA" type="integer" max="360" units="deg"/>
+          <inkml:channel name="OE" type="integer" max="90" units="deg"/>
+        </inkml:traceFormat>
+        <inkml:channelProperties>
+          <inkml:channelProperty channel="X" name="resolution" value="1000" units="1/cm"/>
+          <inkml:channelProperty channel="Y" name="resolution" value="1000" units="1/cm"/>
+          <inkml:channelProperty channel="F" name="resolution" value="0" units="1/dev"/>
+          <inkml:channelProperty channel="OA" name="resolution" value="1000" units="1/deg"/>
+          <inkml:channelProperty channel="OE" name="resolution" value="1000" units="1/deg"/>
+        </inkml:channelProperties>
+      </inkml:inkSource>
+      <inkml:timestamp xml:id="ts0" timeString="2023-05-24T12:15:32.771"/>
+    </inkml:context>
+    <inkml:brush xml:id="br0">
+      <inkml:brushProperty name="width" value="0.2" units="cm"/>
+      <inkml:brushProperty name="height" value="0.2" units="cm"/>
+      <inkml:brushProperty name="color" value="#E71224"/>
+    </inkml:brush>
+  </inkml:definitions>
+  <inkml:trace contextRef="#ctx0" brushRef="#br0">658 0 10117 0 0,'0'0'2483'0'0,"-35"20"-2360"0"0,-110 67-80 0 0,113-66-25 0 0,1 1 0 0 0,-51 47 0 0 0,37-29 77 0 0,-5 3 143 0 0,-17 12 173 0 0,-81 88-1 0 0,147-142-414 0 0,-1 1-14 0 0,0 0-1 0 0,0 0 1 0 0,0 0-1 0 0,1 0 1 0 0,-1 0 0 0 0,1 0-1 0 0,-1 0 1 0 0,1 1 0 0 0,0-1-1 0 0,0 1 1 0 0,0-1-1 0 0,0 1 1 0 0,0-1 0 0 0,0 6-1 0 0,6-6-1109 0 0,5-3 345 0 0,0 0 0 0 0,-1 0 0 0 0,1-1 0 0 0,0 0 1 0 0,-1-1-1 0 0,14-5 0 0 0,35-20-5279 0 0</inkml:trace>
+</inkml:ink>
+</file>
+
+<file path=ppt/ink/ink174.xml><?xml version="1.0" encoding="utf-8"?>
+<inkml:ink xmlns:inkml="http://www.w3.org/2003/InkML">
+  <inkml:definitions>
+    <inkml:context xml:id="ctx0">
+      <inkml:inkSource xml:id="inkSrc0">
+        <inkml:traceFormat>
+          <inkml:channel name="X" type="integer" min="-2.14748E9" max="2.14748E9" units="cm"/>
+          <inkml:channel name="Y" type="integer" min="-2.14748E9" max="2.14748E9" units="cm"/>
+          <inkml:channel name="F" type="integer" max="32767" units="dev"/>
+          <inkml:channel name="OA" type="integer" max="360" units="deg"/>
+          <inkml:channel name="OE" type="integer" max="90" units="deg"/>
+        </inkml:traceFormat>
+        <inkml:channelProperties>
+          <inkml:channelProperty channel="X" name="resolution" value="1000" units="1/cm"/>
+          <inkml:channelProperty channel="Y" name="resolution" value="1000" units="1/cm"/>
+          <inkml:channelProperty channel="F" name="resolution" value="0" units="1/dev"/>
+          <inkml:channelProperty channel="OA" name="resolution" value="1000" units="1/deg"/>
+          <inkml:channelProperty channel="OE" name="resolution" value="1000" units="1/deg"/>
+        </inkml:channelProperties>
+      </inkml:inkSource>
+      <inkml:timestamp xml:id="ts0" timeString="2023-05-24T12:17:11.018"/>
+    </inkml:context>
+    <inkml:brush xml:id="br0">
+      <inkml:brushProperty name="width" value="0.2" units="cm"/>
+      <inkml:brushProperty name="height" value="0.2" units="cm"/>
+      <inkml:brushProperty name="color" value="#E71224"/>
+    </inkml:brush>
+  </inkml:definitions>
+  <inkml:trace contextRef="#ctx0" brushRef="#br0">133 9 4514 0 0,'-1'-8'5568'0'0,"-12"37"-5533"0"0,-2 0-1 0 0,-21 31 1 0 0,19-33 53 0 0,1 1 0 0 0,-14 34 0 0 0,26-43 130 0 0,3-8-1009 0 0</inkml:trace>
+</inkml:ink>
+</file>
+
+<file path=ppt/ink/ink175.xml><?xml version="1.0" encoding="utf-8"?>
+<inkml:ink xmlns:inkml="http://www.w3.org/2003/InkML">
+  <inkml:definitions>
+    <inkml:context xml:id="ctx0">
+      <inkml:inkSource xml:id="inkSrc0">
+        <inkml:traceFormat>
+          <inkml:channel name="X" type="integer" min="-2.14748E9" max="2.14748E9" units="cm"/>
+          <inkml:channel name="Y" type="integer" min="-2.14748E9" max="2.14748E9" units="cm"/>
+          <inkml:channel name="F" type="integer" max="32767" units="dev"/>
+          <inkml:channel name="OA" type="integer" max="360" units="deg"/>
+          <inkml:channel name="OE" type="integer" max="90" units="deg"/>
+        </inkml:traceFormat>
+        <inkml:channelProperties>
+          <inkml:channelProperty channel="X" name="resolution" value="1000" units="1/cm"/>
+          <inkml:channelProperty channel="Y" name="resolution" value="1000" units="1/cm"/>
+          <inkml:channelProperty channel="F" name="resolution" value="0" units="1/dev"/>
+          <inkml:channelProperty channel="OA" name="resolution" value="1000" units="1/deg"/>
+          <inkml:channelProperty channel="OE" name="resolution" value="1000" units="1/deg"/>
+        </inkml:channelProperties>
+      </inkml:inkSource>
+      <inkml:timestamp xml:id="ts0" timeString="2023-05-24T12:17:11.452"/>
+    </inkml:context>
+    <inkml:brush xml:id="br0">
+      <inkml:brushProperty name="width" value="0.2" units="cm"/>
+      <inkml:brushProperty name="height" value="0.2" units="cm"/>
+      <inkml:brushProperty name="color" value="#E71224"/>
+    </inkml:brush>
+  </inkml:definitions>
+  <inkml:trace contextRef="#ctx0" brushRef="#br0">0 1 1585 0 0,'0'0'4882'0'0,"0"34"-3986"0"0,0-28 129 0 0,0 4 31 0 0,0 2-271 0 0,0 0-497 0 0,0 2-144 0 0,0 0-96 0 0,0 2 32 0 0,0-6 64 0 0,0 0-112 0 0,0-4-960 0 0</inkml:trace>
+</inkml:ink>
+</file>
+
+<file path=ppt/ink/ink176.xml><?xml version="1.0" encoding="utf-8"?>
+<inkml:ink xmlns:inkml="http://www.w3.org/2003/InkML">
+  <inkml:definitions>
+    <inkml:context xml:id="ctx0">
+      <inkml:inkSource xml:id="inkSrc0">
+        <inkml:traceFormat>
+          <inkml:channel name="X" type="integer" min="-2.14748E9" max="2.14748E9" units="cm"/>
+          <inkml:channel name="Y" type="integer" min="-2.14748E9" max="2.14748E9" units="cm"/>
+          <inkml:channel name="F" type="integer" max="32767" units="dev"/>
+          <inkml:channel name="OA" type="integer" max="360" units="deg"/>
+          <inkml:channel name="OE" type="integer" max="90" units="deg"/>
+        </inkml:traceFormat>
+        <inkml:channelProperties>
+          <inkml:channelProperty channel="X" name="resolution" value="1000" units="1/cm"/>
+          <inkml:channelProperty channel="Y" name="resolution" value="1000" units="1/cm"/>
+          <inkml:channelProperty channel="F" name="resolution" value="0" units="1/dev"/>
+          <inkml:channelProperty channel="OA" name="resolution" value="1000" units="1/deg"/>
+          <inkml:channelProperty channel="OE" name="resolution" value="1000" units="1/deg"/>
+        </inkml:channelProperties>
+      </inkml:inkSource>
+      <inkml:timestamp xml:id="ts0" timeString="2023-05-24T12:17:12.781"/>
+    </inkml:context>
+    <inkml:brush xml:id="br0">
+      <inkml:brushProperty name="width" value="0.2" units="cm"/>
+      <inkml:brushProperty name="height" value="0.2" units="cm"/>
+      <inkml:brushProperty name="color" value="#E71224"/>
+    </inkml:brush>
+  </inkml:definitions>
+  <inkml:trace contextRef="#ctx0" brushRef="#br0">19 24 3442 0 0,'23'-24'11373'0'0,"-22"58"-11400"0"0,-2 48 34 0 0,1-76-6 0 0,-1-1 0 0 0,-1 1 0 0 0,1 0 0 0 0,-1-1 0 0 0,0 1 0 0 0,0-1 0 0 0,0 1 0 0 0,-1-1 0 0 0,0 0 0 0 0,0 0 0 0 0,-6 8 0 0 0,-3 1-1118 0 0</inkml:trace>
+</inkml:ink>
+</file>
+
+<file path=ppt/ink/ink177.xml><?xml version="1.0" encoding="utf-8"?>
+<inkml:ink xmlns:inkml="http://www.w3.org/2003/InkML">
+  <inkml:definitions>
+    <inkml:context xml:id="ctx0">
+      <inkml:inkSource xml:id="inkSrc0">
+        <inkml:traceFormat>
+          <inkml:channel name="X" type="integer" min="-2.14748E9" max="2.14748E9" units="cm"/>
+          <inkml:channel name="Y" type="integer" min="-2.14748E9" max="2.14748E9" units="cm"/>
+          <inkml:channel name="F" type="integer" max="32767" units="dev"/>
+          <inkml:channel name="OA" type="integer" max="360" units="deg"/>
+          <inkml:channel name="OE" type="integer" max="90" units="deg"/>
+        </inkml:traceFormat>
+        <inkml:channelProperties>
+          <inkml:channelProperty channel="X" name="resolution" value="1000" units="1/cm"/>
+          <inkml:channelProperty channel="Y" name="resolution" value="1000" units="1/cm"/>
+          <inkml:channelProperty channel="F" name="resolution" value="0" units="1/dev"/>
+          <inkml:channelProperty channel="OA" name="resolution" value="1000" units="1/deg"/>
+          <inkml:channelProperty channel="OE" name="resolution" value="1000" units="1/deg"/>
+        </inkml:channelProperties>
+      </inkml:inkSource>
+      <inkml:timestamp xml:id="ts0" timeString="2023-05-24T12:17:13.189"/>
+    </inkml:context>
+    <inkml:brush xml:id="br0">
+      <inkml:brushProperty name="width" value="0.2" units="cm"/>
+      <inkml:brushProperty name="height" value="0.2" units="cm"/>
+      <inkml:brushProperty name="color" value="#E71224"/>
+    </inkml:brush>
+  </inkml:definitions>
+  <inkml:trace contextRef="#ctx0" brushRef="#br0">82 1 5635 0 0,'0'0'6098'0'0,"0"92"-5457"0"0,-3-63 79 0 0,-17 1 208 0 0,5 0-415 0 0,3-2-305 0 0,4-4-80 0 0,0-8-112 0 0,1-2-32 0 0,-1-6-785 0 0</inkml:trace>
+</inkml:ink>
+</file>
+
+<file path=ppt/ink/ink178.xml><?xml version="1.0" encoding="utf-8"?>
+<inkml:ink xmlns:inkml="http://www.w3.org/2003/InkML">
+  <inkml:definitions>
+    <inkml:context xml:id="ctx0">
+      <inkml:inkSource xml:id="inkSrc0">
+        <inkml:traceFormat>
+          <inkml:channel name="X" type="integer" min="-2.14748E9" max="2.14748E9" units="cm"/>
+          <inkml:channel name="Y" type="integer" min="-2.14748E9" max="2.14748E9" units="cm"/>
+          <inkml:channel name="F" type="integer" max="32767" units="dev"/>
+          <inkml:channel name="OA" type="integer" max="360" units="deg"/>
+          <inkml:channel name="OE" type="integer" max="90" units="deg"/>
+        </inkml:traceFormat>
+        <inkml:channelProperties>
+          <inkml:channelProperty channel="X" name="resolution" value="1000" units="1/cm"/>
+          <inkml:channelProperty channel="Y" name="resolution" value="1000" units="1/cm"/>
+          <inkml:channelProperty channel="F" name="resolution" value="0" units="1/dev"/>
+          <inkml:channelProperty channel="OA" name="resolution" value="1000" units="1/deg"/>
+          <inkml:channelProperty channel="OE" name="resolution" value="1000" units="1/deg"/>
+        </inkml:channelProperties>
+      </inkml:inkSource>
+      <inkml:timestamp xml:id="ts0" timeString="2023-05-24T12:26:53.297"/>
+    </inkml:context>
+    <inkml:brush xml:id="br0">
+      <inkml:brushProperty name="width" value="0.2" units="cm"/>
+      <inkml:brushProperty name="height" value="0.2" units="cm"/>
+      <inkml:brushProperty name="color" value="#E71224"/>
+    </inkml:brush>
+  </inkml:definitions>
+  <inkml:trace contextRef="#ctx0" brushRef="#br0">16 1054 2913 0 0,'-15'-2'7644'0'0,"15"-6"-7546"0"0,1 1 0 0 0,1-1 1 0 0,-1 0-1 0 0,1 1 0 0 0,0-1 1 0 0,1 1-1 0 0,0 0 0 0 0,0 0 0 0 0,1 0 1 0 0,0 0-1 0 0,4-6 0 0 0,12-15-202 0 0,29-30 1 0 0,-31 37 203 0 0,27-28-132 0 0,2 1-1 0 0,2 3 1 0 0,2 2 0 0 0,2 2-1 0 0,74-43 1 0 0,-24 26-62 0 0,2 5 1 0 0,127-46-1 0 0,461-186-2635 0 0,-668 274 2748 0 0,-6 2-14 0 0,2 1-1 0 0,28-9 0 0 0,-48 17-217 0 0</inkml:trace>
+</inkml:ink>
+</file>
+
+<file path=ppt/ink/ink179.xml><?xml version="1.0" encoding="utf-8"?>
+<inkml:ink xmlns:inkml="http://www.w3.org/2003/InkML">
+  <inkml:definitions>
+    <inkml:context xml:id="ctx0">
+      <inkml:inkSource xml:id="inkSrc0">
+        <inkml:traceFormat>
+          <inkml:channel name="X" type="integer" min="-2.14748E9" max="2.14748E9" units="cm"/>
+          <inkml:channel name="Y" type="integer" min="-2.14748E9" max="2.14748E9" units="cm"/>
+          <inkml:channel name="F" type="integer" max="32767" units="dev"/>
+          <inkml:channel name="OA" type="integer" max="360" units="deg"/>
+          <inkml:channel name="OE" type="integer" max="90" units="deg"/>
+        </inkml:traceFormat>
+        <inkml:channelProperties>
+          <inkml:channelProperty channel="X" name="resolution" value="1000" units="1/cm"/>
+          <inkml:channelProperty channel="Y" name="resolution" value="1000" units="1/cm"/>
+          <inkml:channelProperty channel="F" name="resolution" value="0" units="1/dev"/>
+          <inkml:channelProperty channel="OA" name="resolution" value="1000" units="1/deg"/>
+          <inkml:channelProperty channel="OE" name="resolution" value="1000" units="1/deg"/>
+        </inkml:channelProperties>
+      </inkml:inkSource>
+      <inkml:timestamp xml:id="ts0" timeString="2023-05-24T12:26:54.131"/>
+    </inkml:context>
+    <inkml:brush xml:id="br0">
+      <inkml:brushProperty name="width" value="0.2" units="cm"/>
+      <inkml:brushProperty name="height" value="0.2" units="cm"/>
+      <inkml:brushProperty name="color" value="#E71224"/>
+    </inkml:brush>
+  </inkml:definitions>
+  <inkml:trace contextRef="#ctx0" brushRef="#br0">602 8 3137 0 0,'0'0'2225'0'0,"-40"-4"2890"0"0,-39 0-4526 0 0,-117 9 1 0 0,166-2-581 0 0,1 1 0 0 0,1 1 0 0 0,-1 1 0 0 0,1 2 0 0 0,0 1 0 0 0,0 1 0 0 0,-35 18 0 0 0,44-9-86 0 0,19-19 70 0 0,-1 1 0 0 0,1-1 1 0 0,0 0-1 0 0,-1 1 0 0 0,1-1 0 0 0,0 1 0 0 0,-1-1 0 0 0,1 0 1 0 0,0 1-1 0 0,0-1 0 0 0,-1 1 0 0 0,1-1 0 0 0,0 1 0 0 0,0-1 1 0 0,0 1-1 0 0,0-1 0 0 0,0 1 0 0 0,-1-1 0 0 0,1 1 0 0 0,0-1 1 0 0,0 1-1 0 0,0-1 0 0 0,0 1 0 0 0,1-1 0 0 0,-1 1 0 0 0,0-1 1 0 0,0 0-1 0 0,0 1 0 0 0,0-1 0 0 0,0 1 0 0 0,1-1 0 0 0,-1 1 1 0 0,0-1-1 0 0,0 1 0 0 0,1-1 0 0 0,-1 0 0 0 0,0 1 0 0 0,1-1 1 0 0,-1 1-1 0 0,0-1 0 0 0,1 0 0 0 0,-1 0 0 0 0,0 1 0 0 0,1-1 1 0 0,-1 0-1 0 0,1 1 0 0 0,-1-1 0 0 0,1 0 0 0 0,-1 0 0 0 0,1 0 1 0 0,-1 1-1 0 0,27 3 28 0 0,-1-1 0 0 0,0-1 0 0 0,1-1 1 0 0,37-4-1 0 0,4 1 4 0 0,97-9 124 0 0,5-1-125 0 0,-169 12-42 0 0,1 1 1 0 0,-1-1 0 0 0,1 0-1 0 0,-1 1 1 0 0,1-1-1 0 0,-1 1 1 0 0,0-1-1 0 0,1 1 1 0 0,-1 0-1 0 0,0 0 1 0 0,1 0-1 0 0,-1-1 1 0 0,0 1-1 0 0,0 0 1 0 0,0 1-1 0 0,0-1 1 0 0,0 0-1 0 0,0 0 1 0 0,0 0-1 0 0,2 3 1 0 0,14 32-57 0 0,-13-24 53 0 0,2 2 32 0 0,-2 1-1 0 0,0 1 1 0 0,0-1-1 0 0,-1 1 1 0 0,-1-1-1 0 0,-1 1 1 0 0,-1 22-1 0 0,3 26 125 0 0,-3-63-139 0 0,1 1 1 0 0,-1-1-1 0 0,0 0 0 0 0,0 1 1 0 0,1-1-1 0 0,-1 0 0 0 0,0 0 0 0 0,1 1 1 0 0,0-1-1 0 0,-1 0 0 0 0,1 0 0 0 0,0 0 1 0 0,-1 0-1 0 0,1 0 0 0 0,0 0 0 0 0,0 0 1 0 0,0 0-1 0 0,0 0 0 0 0,0 0 0 0 0,0 0 1 0 0,0-1-1 0 0,0 1 0 0 0,0 0 1 0 0,0-1-1 0 0,2 1 0 0 0,-1 0-187 0 0,-1-1 0 0 0,0 0 0 0 0,1 0 0 0 0,-1 0 0 0 0,0 0 0 0 0,1 0 0 0 0,-1 0 0 0 0,0 0 0 0 0,1 0 0 0 0,-1-1 0 0 0,0 1 0 0 0,1 0 0 0 0,-1-1 0 0 0,0 1 0 0 0,1-1 0 0 0,-1 0 0 0 0,2 0 0 0 0,18-19-3613 0 0</inkml:trace>
+</inkml:ink>
+</file>
+
+<file path=ppt/ink/ink18.xml><?xml version="1.0" encoding="utf-8"?>
+<inkml:ink xmlns:inkml="http://www.w3.org/2003/InkML">
+  <inkml:definitions>
+    <inkml:context xml:id="ctx0">
+      <inkml:inkSource xml:id="inkSrc0">
+        <inkml:traceFormat>
+          <inkml:channel name="X" type="integer" min="-2.14748E9" max="2.14748E9" units="cm"/>
+          <inkml:channel name="Y" type="integer" min="-2.14748E9" max="2.14748E9" units="cm"/>
+          <inkml:channel name="F" type="integer" max="32767" units="dev"/>
+          <inkml:channel name="OA" type="integer" max="360" units="deg"/>
+          <inkml:channel name="OE" type="integer" max="90" units="deg"/>
+        </inkml:traceFormat>
+        <inkml:channelProperties>
+          <inkml:channelProperty channel="X" name="resolution" value="1000" units="1/cm"/>
+          <inkml:channelProperty channel="Y" name="resolution" value="1000" units="1/cm"/>
+          <inkml:channelProperty channel="F" name="resolution" value="0" units="1/dev"/>
+          <inkml:channelProperty channel="OA" name="resolution" value="1000" units="1/deg"/>
+          <inkml:channelProperty channel="OE" name="resolution" value="1000" units="1/deg"/>
+        </inkml:channelProperties>
+      </inkml:inkSource>
+      <inkml:timestamp xml:id="ts0" timeString="2023-05-24T12:34:42.545"/>
+    </inkml:context>
+    <inkml:brush xml:id="br0">
+      <inkml:brushProperty name="width" value="0.2" units="cm"/>
+      <inkml:brushProperty name="height" value="0.2" units="cm"/>
+    </inkml:brush>
+  </inkml:definitions>
+  <inkml:trace contextRef="#ctx0" brushRef="#br0">35 265 4738 0 0,'0'0'2022'0'0,"-19"30"-498"0"0,18-30-1430 0 0,0 0 0 0 0,0-1 1 0 0,1 1-1 0 0,-1-1 0 0 0,0 1 0 0 0,0-1 1 0 0,0 1-1 0 0,1-1 0 0 0,-1 1 0 0 0,0-1 1 0 0,1 0-1 0 0,-1 1 0 0 0,0-1 0 0 0,1 0 1 0 0,-1 0-1 0 0,1 1 0 0 0,-1-1 0 0 0,1 0 1 0 0,0 0-1 0 0,-1 0 0 0 0,1 0 0 0 0,0 1 0 0 0,-1-1 1 0 0,1 0-1 0 0,0 0 0 0 0,0 0 0 0 0,0 0 1 0 0,0 0-1 0 0,0 0 0 0 0,0-1 0 0 0,0-40-500 0 0,0 32 620 0 0,0 3-202 0 0,0 1-1 0 0,1 0 0 0 0,-1 0 1 0 0,1 0-1 0 0,1 0 1 0 0,-1 0-1 0 0,1 0 1 0 0,0 0-1 0 0,0 0 1 0 0,1 1-1 0 0,0-1 1 0 0,0 1-1 0 0,6-9 1 0 0,-2 6 59 0 0,1 0-1 0 0,1 0 1 0 0,-1 0 0 0 0,1 1 0 0 0,0 1 0 0 0,19-11-1 0 0,-10 7 79 0 0,1 1 0 0 0,0 1 1 0 0,0 1-1 0 0,1 0 0 0 0,0 2 0 0 0,0 0 0 0 0,24-2 0 0 0,18 1-215 0 0,65 4-1 0 0,-113 2-24 0 0,21 5-1599 0 0,-12 5-2380 0 0</inkml:trace>
+</inkml:ink>
+</file>
+
+<file path=ppt/ink/ink180.xml><?xml version="1.0" encoding="utf-8"?>
+<inkml:ink xmlns:inkml="http://www.w3.org/2003/InkML">
+  <inkml:definitions>
+    <inkml:context xml:id="ctx0">
+      <inkml:inkSource xml:id="inkSrc0">
+        <inkml:traceFormat>
+          <inkml:channel name="X" type="integer" min="-2.14748E9" max="2.14748E9" units="cm"/>
+          <inkml:channel name="Y" type="integer" min="-2.14748E9" max="2.14748E9" units="cm"/>
+          <inkml:channel name="F" type="integer" max="32767" units="dev"/>
+          <inkml:channel name="OA" type="integer" max="360" units="deg"/>
+          <inkml:channel name="OE" type="integer" max="90" units="deg"/>
+        </inkml:traceFormat>
+        <inkml:channelProperties>
+          <inkml:channelProperty channel="X" name="resolution" value="1000" units="1/cm"/>
+          <inkml:channelProperty channel="Y" name="resolution" value="1000" units="1/cm"/>
+          <inkml:channelProperty channel="F" name="resolution" value="0" units="1/dev"/>
+          <inkml:channelProperty channel="OA" name="resolution" value="1000" units="1/deg"/>
+          <inkml:channelProperty channel="OE" name="resolution" value="1000" units="1/deg"/>
+        </inkml:channelProperties>
+      </inkml:inkSource>
+      <inkml:timestamp xml:id="ts0" timeString="2023-05-24T12:26:54.957"/>
+    </inkml:context>
+    <inkml:brush xml:id="br0">
+      <inkml:brushProperty name="width" value="0.2" units="cm"/>
+      <inkml:brushProperty name="height" value="0.2" units="cm"/>
+      <inkml:brushProperty name="color" value="#E71224"/>
+    </inkml:brush>
+  </inkml:definitions>
+  <inkml:trace contextRef="#ctx0" brushRef="#br0">1 876 6051 0 0,'0'0'5485'0'0,"1"-13"-3884"0"0,3-2-1483 0 0,0 0 1 0 0,2 1 0 0 0,0 0 0 0 0,0 0-1 0 0,1 0 1 0 0,1 1 0 0 0,0 0-1 0 0,15-17 1 0 0,0-4-21 0 0,102-148 946 0 0,255-283 1 0 0,-347 426-1186 0 0</inkml:trace>
+</inkml:ink>
+</file>
+
+<file path=ppt/ink/ink181.xml><?xml version="1.0" encoding="utf-8"?>
+<inkml:ink xmlns:inkml="http://www.w3.org/2003/InkML">
+  <inkml:definitions>
+    <inkml:context xml:id="ctx0">
+      <inkml:inkSource xml:id="inkSrc0">
+        <inkml:traceFormat>
+          <inkml:channel name="X" type="integer" min="-2.14748E9" max="2.14748E9" units="cm"/>
+          <inkml:channel name="Y" type="integer" min="-2.14748E9" max="2.14748E9" units="cm"/>
+          <inkml:channel name="F" type="integer" max="32767" units="dev"/>
+          <inkml:channel name="OA" type="integer" max="360" units="deg"/>
+          <inkml:channel name="OE" type="integer" max="90" units="deg"/>
+        </inkml:traceFormat>
+        <inkml:channelProperties>
+          <inkml:channelProperty channel="X" name="resolution" value="1000" units="1/cm"/>
+          <inkml:channelProperty channel="Y" name="resolution" value="1000" units="1/cm"/>
+          <inkml:channelProperty channel="F" name="resolution" value="0" units="1/dev"/>
+          <inkml:channelProperty channel="OA" name="resolution" value="1000" units="1/deg"/>
+          <inkml:channelProperty channel="OE" name="resolution" value="1000" units="1/deg"/>
+        </inkml:channelProperties>
+      </inkml:inkSource>
+      <inkml:timestamp xml:id="ts0" timeString="2023-05-24T12:26:55.692"/>
+    </inkml:context>
+    <inkml:brush xml:id="br0">
+      <inkml:brushProperty name="width" value="0.2" units="cm"/>
+      <inkml:brushProperty name="height" value="0.2" units="cm"/>
+      <inkml:brushProperty name="color" value="#E71224"/>
+    </inkml:brush>
+  </inkml:definitions>
+  <inkml:trace contextRef="#ctx0" brushRef="#br0">503 6 4002 0 0,'0'0'4837'0'0,"-21"-5"-3653"0"0,-28 4-1067 0 0,1 3 0 0 0,-1 2-1 0 0,0 3 1 0 0,1 1 0 0 0,0 3 0 0 0,1 1-1 0 0,-56 23 1 0 0,73-18-155 0 0,29-16 24 0 0,0 0 0 0 0,0-1 0 0 0,1 1 0 0 0,-1 0 1 0 0,0 0-1 0 0,0-1 0 0 0,1 1 0 0 0,-1 0 1 0 0,1 0-1 0 0,-1 0 0 0 0,1 0 0 0 0,-1 0 1 0 0,1 0-1 0 0,0 0 0 0 0,-1 0 0 0 0,1 0 1 0 0,0 0-1 0 0,0 0 0 0 0,0 0 0 0 0,-1 0 1 0 0,1 0-1 0 0,0 0 0 0 0,0 0 0 0 0,1 0 1 0 0,-1 0-1 0 0,0 0 0 0 0,0 0 0 0 0,1 2 0 0 0,8-1-42 0 0,26 0 120 0 0,-1-1-1 0 0,1-2 0 0 0,-1-1 0 0 0,0-2 0 0 0,0-2 0 0 0,0-1 0 0 0,-1-1 1 0 0,38-15-1 0 0,-66 21-73 0 0,-1 1 0 0 0,1-1 0 0 0,-1 1 0 0 0,1 0 0 0 0,0 0 0 0 0,0 1 0 0 0,0-1 1 0 0,-1 1-1 0 0,1 0 0 0 0,0 1 0 0 0,0-1 0 0 0,0 1 0 0 0,0 0 0 0 0,-1 0 0 0 0,1 0 0 0 0,0 1 0 0 0,-1-1 1 0 0,1 1-1 0 0,5 4 0 0 0,5 3-68 0 0,0 1 0 0 0,-1 1 0 0 0,25 25 1 0 0,-14-13 116 0 0,121 119-44 0 0,-58-54-1 0 0,-84-84-32 0 0,-1-2 1 0 0,-1 1 0 0 0,0-1 0 0 0,1 0 0 0 0,-1 0 0 0 0,1 0 0 0 0,-1 0 0 0 0,1 0 0 0 0,0-1 0 0 0,0 1 0 0 0,0-1 0 0 0,5 2 0 0 0</inkml:trace>
+</inkml:ink>
+</file>
+
+<file path=ppt/ink/ink182.xml><?xml version="1.0" encoding="utf-8"?>
+<inkml:ink xmlns:inkml="http://www.w3.org/2003/InkML">
+  <inkml:definitions>
+    <inkml:context xml:id="ctx0">
+      <inkml:inkSource xml:id="inkSrc0">
+        <inkml:traceFormat>
+          <inkml:channel name="X" type="integer" min="-2.14748E9" max="2.14748E9" units="cm"/>
+          <inkml:channel name="Y" type="integer" min="-2.14748E9" max="2.14748E9" units="cm"/>
+          <inkml:channel name="F" type="integer" max="32767" units="dev"/>
+          <inkml:channel name="OA" type="integer" max="360" units="deg"/>
+          <inkml:channel name="OE" type="integer" max="90" units="deg"/>
+        </inkml:traceFormat>
+        <inkml:channelProperties>
+          <inkml:channelProperty channel="X" name="resolution" value="1000" units="1/cm"/>
+          <inkml:channelProperty channel="Y" name="resolution" value="1000" units="1/cm"/>
+          <inkml:channelProperty channel="F" name="resolution" value="0" units="1/dev"/>
+          <inkml:channelProperty channel="OA" name="resolution" value="1000" units="1/deg"/>
+          <inkml:channelProperty channel="OE" name="resolution" value="1000" units="1/deg"/>
+        </inkml:channelProperties>
+      </inkml:inkSource>
+      <inkml:timestamp xml:id="ts0" timeString="2023-05-24T12:26:56.772"/>
+    </inkml:context>
+    <inkml:brush xml:id="br0">
+      <inkml:brushProperty name="width" value="0.2" units="cm"/>
+      <inkml:brushProperty name="height" value="0.2" units="cm"/>
+      <inkml:brushProperty name="color" value="#E71224"/>
+    </inkml:brush>
+  </inkml:definitions>
+  <inkml:trace contextRef="#ctx0" brushRef="#br0">331 1869 3682 0 0,'0'-9'7468'0'0,"0"-11"-5657"0"0,3 14-1712 0 0,0 1 0 0 0,0-1 0 0 0,1 1-1 0 0,-1 0 1 0 0,1 1 0 0 0,0-1 0 0 0,0 1 0 0 0,1-1 0 0 0,0 1 0 0 0,9-6 0 0 0,6-7-75 0 0,56-53-17 0 0,-29 28-47 0 0,76-87 0 0 0,-110 113 38 0 0,-1-1-1 0 0,-1 0 1 0 0,0-1 0 0 0,-1-1 0 0 0,-1 0-1 0 0,-1 0 1 0 0,0 0 0 0 0,-1-1-1 0 0,6-33 1 0 0,-9 30 164 0 0,-1-1 0 0 0,-1 0 1 0 0,0 1-1 0 0,-2-1 0 0 0,-1 0 0 0 0,-1 0 0 0 0,-1 0 0 0 0,-1 1 1 0 0,-1 0-1 0 0,-1-1 0 0 0,-1 2 0 0 0,-1-1 0 0 0,-17-34 0 0 0,-40-64 341 0 0,-79-205 0 0 0,142 322-502 0 0,-18-52 40 0 0,-2 1-1 0 0,-31-56 0 0 0,43 94-53 0 0,-1 0 0 0 0,-1 0 1 0 0,0 1-1 0 0,-2 1 0 0 0,1 0 1 0 0,-2 1-1 0 0,0 0 0 0 0,0 2 1 0 0,-33-22-1 0 0,-3 8-1177 0 0,-87-35 1 0 0,119 54 462 0 0,-3 1-1335 0 0</inkml:trace>
+</inkml:ink>
+</file>
+
+<file path=ppt/ink/ink183.xml><?xml version="1.0" encoding="utf-8"?>
+<inkml:ink xmlns:inkml="http://www.w3.org/2003/InkML">
+  <inkml:definitions>
+    <inkml:context xml:id="ctx0">
+      <inkml:inkSource xml:id="inkSrc0">
+        <inkml:traceFormat>
+          <inkml:channel name="X" type="integer" min="-2.14748E9" max="2.14748E9" units="cm"/>
+          <inkml:channel name="Y" type="integer" min="-2.14748E9" max="2.14748E9" units="cm"/>
+          <inkml:channel name="F" type="integer" max="32767" units="dev"/>
+          <inkml:channel name="OA" type="integer" max="360" units="deg"/>
+          <inkml:channel name="OE" type="integer" max="90" units="deg"/>
+        </inkml:traceFormat>
+        <inkml:channelProperties>
+          <inkml:channelProperty channel="X" name="resolution" value="1000" units="1/cm"/>
+          <inkml:channelProperty channel="Y" name="resolution" value="1000" units="1/cm"/>
+          <inkml:channelProperty channel="F" name="resolution" value="0" units="1/dev"/>
+          <inkml:channelProperty channel="OA" name="resolution" value="1000" units="1/deg"/>
+          <inkml:channelProperty channel="OE" name="resolution" value="1000" units="1/deg"/>
+        </inkml:channelProperties>
+      </inkml:inkSource>
+      <inkml:timestamp xml:id="ts0" timeString="2023-05-24T12:26:57.594"/>
+    </inkml:context>
+    <inkml:brush xml:id="br0">
+      <inkml:brushProperty name="width" value="0.2" units="cm"/>
+      <inkml:brushProperty name="height" value="0.2" units="cm"/>
+      <inkml:brushProperty name="color" value="#E71224"/>
+    </inkml:brush>
+  </inkml:definitions>
+  <inkml:trace contextRef="#ctx0" brushRef="#br0">88 1 4482 0 0,'0'0'2033'0'0,"0"25"-832"0"0,-2-13-938 0 0,0-1 1 0 0,-1 0-1 0 0,0 0 1 0 0,0-1-1 0 0,-1 1 1 0 0,-1-1-1 0 0,-7 14 1 0 0,-10 24 354 0 0,15-27-384 0 0,1 0 0 0 0,1 0 0 0 0,0 0 0 0 0,2 1 0 0 0,1-1 0 0 0,0 35 296 0 0,1-62-310 0 0,1-1 0 0 0,0 1 0 0 0,0 0 0 0 0,1 0 0 0 0,-1-1 0 0 0,1 1 0 0 0,1 0 0 0 0,-1 0 0 0 0,1 0 0 0 0,0 0 0 0 0,1 0 0 0 0,3-6 0 0 0,6-20-188 0 0,15-89-165 0 0,-12 44 66 0 0,-14 75 59 0 0,-1 1 1 0 0,0-1-1 0 0,1 0 0 0 0,0 1 0 0 0,-1-1 0 0 0,1 1 0 0 0,0-1 0 0 0,-1 1 0 0 0,1 0 1 0 0,0-1-1 0 0,0 1 0 0 0,0 0 0 0 0,0-1 0 0 0,1 1 0 0 0,-1 0 0 0 0,0 0 1 0 0,0 0-1 0 0,1 0 0 0 0,-1 0 0 0 0,1 0 0 0 0,-1 0 0 0 0,0 1 0 0 0,1-1 0 0 0,0 1 1 0 0,-1-1-1 0 0,1 1 0 0 0,-1-1 0 0 0,1 1 0 0 0,0 0 0 0 0,-1 0 0 0 0,1-1 1 0 0,0 1-1 0 0,-1 1 0 0 0,1-1 0 0 0,0 0 0 0 0,-1 0 0 0 0,1 0 0 0 0,-1 1 1 0 0,1-1-1 0 0,1 2 0 0 0,11 2-86 0 0,-2 1 0 0 0,1 1 1 0 0,-1 0-1 0 0,14 8 1 0 0,-4-2 32 0 0,17 8 40 0 0,0-2-1 0 0,2-2 0 0 0,0-2 1 0 0,0-1-1 0 0,2-2 0 0 0,-1-2 1 0 0,1-2-1 0 0,68 2 0 0 0,-102-9-105 0 0,-6 1-57 0 0,0-1-1 0 0,0 0 0 0 0,0 0 0 0 0,0 1 0 0 0,0-2 0 0 0,0 1 0 0 0,1 0 1 0 0,-1-1-1 0 0,0 1 0 0 0,0-1 0 0 0,0 0 0 0 0,-1 0 0 0 0,1 0 0 0 0,0 0 1 0 0,0-1-1 0 0,0 1 0 0 0,-1-1 0 0 0,1 0 0 0 0,-1 1 0 0 0,1-1 0 0 0,1-3 1 0 0,4-23-3866 0 0</inkml:trace>
+</inkml:ink>
+</file>
+
+<file path=ppt/ink/ink184.xml><?xml version="1.0" encoding="utf-8"?>
+<inkml:ink xmlns:inkml="http://www.w3.org/2003/InkML">
+  <inkml:definitions>
+    <inkml:context xml:id="ctx0">
+      <inkml:inkSource xml:id="inkSrc0">
+        <inkml:traceFormat>
+          <inkml:channel name="X" type="integer" min="-2.14748E9" max="2.14748E9" units="cm"/>
+          <inkml:channel name="Y" type="integer" min="-2.14748E9" max="2.14748E9" units="cm"/>
+          <inkml:channel name="F" type="integer" max="32767" units="dev"/>
+          <inkml:channel name="OA" type="integer" max="360" units="deg"/>
+          <inkml:channel name="OE" type="integer" max="90" units="deg"/>
+        </inkml:traceFormat>
+        <inkml:channelProperties>
+          <inkml:channelProperty channel="X" name="resolution" value="1000" units="1/cm"/>
+          <inkml:channelProperty channel="Y" name="resolution" value="1000" units="1/cm"/>
+          <inkml:channelProperty channel="F" name="resolution" value="0" units="1/dev"/>
+          <inkml:channelProperty channel="OA" name="resolution" value="1000" units="1/deg"/>
+          <inkml:channelProperty channel="OE" name="resolution" value="1000" units="1/deg"/>
+        </inkml:channelProperties>
+      </inkml:inkSource>
+      <inkml:timestamp xml:id="ts0" timeString="2023-05-24T12:27:08.228"/>
+    </inkml:context>
+    <inkml:brush xml:id="br0">
+      <inkml:brushProperty name="width" value="0.2" units="cm"/>
+      <inkml:brushProperty name="height" value="0.2" units="cm"/>
+      <inkml:brushProperty name="color" value="#E71224"/>
+    </inkml:brush>
+  </inkml:definitions>
+  <inkml:trace contextRef="#ctx0" brushRef="#br0">3380 802 416 0 0,'0'-20'8373'0'0,"0"-4"-7440"0"0,-1 12-945 0 0,-1 1-1 0 0,0 0 1 0 0,0 0 0 0 0,-1 0 0 0 0,-1 1 0 0 0,0-1 0 0 0,0 1-1 0 0,-1 0 1 0 0,-1 0 0 0 0,1 0 0 0 0,-2 1 0 0 0,1 0 0 0 0,-1 0-1 0 0,-10-10 1 0 0,-5-4-164 0 0,0 2-1 0 0,-2 0 1 0 0,-51-34-1 0 0,-1 11 199 0 0,-157-66 0 0 0,30 17 54 0 0,137 63-145 0 0,-1 2 1 0 0,-1 3-1 0 0,-2 3 0 0 0,-113-20 0 0 0,-295-19 119 0 0,448 59-30 0 0,-789-15-180 0 0,317 71 157 0 0,161-10 142 0 0,316-45-110 0 0,25 0-64 0 0,1 0 0 0 0,0 0 0 0 0,0 0-1 0 0,0 0 1 0 0,-1 0 0 0 0,1 0 0 0 0,0 0 0 0 0,0 0 0 0 0,0 0 0 0 0,0 0 0 0 0,1 1-1 0 0,-1-1 1 0 0,0 0 0 0 0,0 1 0 0 0,0-1 0 0 0,1 1 0 0 0,1-1 0 0 0,48-24-2169 0 0,12-5-1979 0 0</inkml:trace>
+</inkml:ink>
+</file>
+
+<file path=ppt/ink/ink185.xml><?xml version="1.0" encoding="utf-8"?>
+<inkml:ink xmlns:inkml="http://www.w3.org/2003/InkML">
+  <inkml:definitions>
+    <inkml:context xml:id="ctx0">
+      <inkml:inkSource xml:id="inkSrc0">
+        <inkml:traceFormat>
+          <inkml:channel name="X" type="integer" min="-2.14748E9" max="2.14748E9" units="cm"/>
+          <inkml:channel name="Y" type="integer" min="-2.14748E9" max="2.14748E9" units="cm"/>
+          <inkml:channel name="F" type="integer" max="32767" units="dev"/>
+          <inkml:channel name="OA" type="integer" max="360" units="deg"/>
+          <inkml:channel name="OE" type="integer" max="90" units="deg"/>
+        </inkml:traceFormat>
+        <inkml:channelProperties>
+          <inkml:channelProperty channel="X" name="resolution" value="1000" units="1/cm"/>
+          <inkml:channelProperty channel="Y" name="resolution" value="1000" units="1/cm"/>
+          <inkml:channelProperty channel="F" name="resolution" value="0" units="1/dev"/>
+          <inkml:channelProperty channel="OA" name="resolution" value="1000" units="1/deg"/>
+          <inkml:channelProperty channel="OE" name="resolution" value="1000" units="1/deg"/>
+        </inkml:channelProperties>
+      </inkml:inkSource>
+      <inkml:timestamp xml:id="ts0" timeString="2023-05-24T12:27:09.408"/>
+    </inkml:context>
+    <inkml:brush xml:id="br0">
+      <inkml:brushProperty name="width" value="0.2" units="cm"/>
+      <inkml:brushProperty name="height" value="0.2" units="cm"/>
+      <inkml:brushProperty name="color" value="#E71224"/>
+    </inkml:brush>
+  </inkml:definitions>
+  <inkml:trace contextRef="#ctx0" brushRef="#br0">4139 1086 2513 0 0,'0'0'1315'0'0,"-1"-7"59"0"0,-1-29 60 0 0,1 11-845 0 0,-1 0-1 0 0,-1 1 1 0 0,-1-1-1 0 0,0 1 1 0 0,-12-32-1 0 0,9 38-579 0 0,-1 1-1 0 0,-1 0 1 0 0,0 0-1 0 0,-1 1 1 0 0,-1 0-1 0 0,-1 1 1 0 0,0 0-1 0 0,0 1 1 0 0,-2 0-1 0 0,-18-15 1 0 0,-18-8-22 0 0,-2 1 1 0 0,-98-50 0 0 0,-124-38 150 0 0,201 93-90 0 0,-102-40-95 0 0,-2 8 0 0 0,-4 7-1 0 0,-1 9 1 0 0,-3 8 0 0 0,-1 7 0 0 0,-300-11-1 0 0,126 32-275 0 0,-428 42 1 0 0,137 10-33 0 0</inkml:trace>
+</inkml:ink>
+</file>
+
+<file path=ppt/ink/ink186.xml><?xml version="1.0" encoding="utf-8"?>
+<inkml:ink xmlns:inkml="http://www.w3.org/2003/InkML">
+  <inkml:definitions>
+    <inkml:context xml:id="ctx0">
+      <inkml:inkSource xml:id="inkSrc0">
+        <inkml:traceFormat>
+          <inkml:channel name="X" type="integer" min="-2.14748E9" max="2.14748E9" units="cm"/>
+          <inkml:channel name="Y" type="integer" min="-2.14748E9" max="2.14748E9" units="cm"/>
+          <inkml:channel name="F" type="integer" max="32767" units="dev"/>
+          <inkml:channel name="OA" type="integer" max="360" units="deg"/>
+          <inkml:channel name="OE" type="integer" max="90" units="deg"/>
+        </inkml:traceFormat>
+        <inkml:channelProperties>
+          <inkml:channelProperty channel="X" name="resolution" value="1000" units="1/cm"/>
+          <inkml:channelProperty channel="Y" name="resolution" value="1000" units="1/cm"/>
+          <inkml:channelProperty channel="F" name="resolution" value="0" units="1/dev"/>
+          <inkml:channelProperty channel="OA" name="resolution" value="1000" units="1/deg"/>
+          <inkml:channelProperty channel="OE" name="resolution" value="1000" units="1/deg"/>
+        </inkml:channelProperties>
+      </inkml:inkSource>
+      <inkml:timestamp xml:id="ts0" timeString="2023-05-24T12:27:10.699"/>
+    </inkml:context>
+    <inkml:brush xml:id="br0">
+      <inkml:brushProperty name="width" value="0.2" units="cm"/>
+      <inkml:brushProperty name="height" value="0.2" units="cm"/>
+      <inkml:brushProperty name="color" value="#E71224"/>
+    </inkml:brush>
+  </inkml:definitions>
+  <inkml:trace contextRef="#ctx0" brushRef="#br0">5572 1513 4434 0 0,'0'0'2719'0'0,"5"-13"-1804"0"0,5-10-494 0 0,-2 0 1 0 0,0 0-1 0 0,-2-1 1 0 0,-1 0-1 0 0,0 0 1 0 0,0-30-1 0 0,-4 4 681 0 0,1 32-989 0 0,-1 0 0 0 0,-1 0 0 0 0,-1 1 0 0 0,0-1 0 0 0,-2 0 0 0 0,0 0 0 0 0,0 1 0 0 0,-10-26 0 0 0,-5 7-106 0 0,-1 1 1 0 0,-2 2 0 0 0,-1 0-1 0 0,-1 1 1 0 0,-48-50 0 0 0,27 40 9 0 0,-1 1 1 0 0,-2 3-1 0 0,-58-37 1 0 0,-38-9 28 0 0,-267-114 0 0 0,410 198-46 0 0,-119-53-8 0 0,-265-109-90 0 0,307 135 61 0 0,0 3 0 0 0,-2 4 0 0 0,-93-11 0 0 0,-54 13-71 0 0,-239 12 0 0 0,271 8 71 0 0,-455 20 166 0 0,305-6-98 0 0,-682-11 134 0 0,923-6-662 0 0,-204 27-1 0 0,152 2-345 0 0,-95 13-656 0 0,242-40 356 0 0,13-4 343 0 0,26-6-349 0 0,-11 3 180 0 0,49-16-2779 0 0</inkml:trace>
+</inkml:ink>
+</file>
+
+<file path=ppt/ink/ink187.xml><?xml version="1.0" encoding="utf-8"?>
+<inkml:ink xmlns:inkml="http://www.w3.org/2003/InkML">
+  <inkml:definitions>
+    <inkml:context xml:id="ctx0">
+      <inkml:inkSource xml:id="inkSrc0">
+        <inkml:traceFormat>
+          <inkml:channel name="X" type="integer" min="-2.14748E9" max="2.14748E9" units="cm"/>
+          <inkml:channel name="Y" type="integer" min="-2.14748E9" max="2.14748E9" units="cm"/>
+          <inkml:channel name="F" type="integer" max="32767" units="dev"/>
+          <inkml:channel name="OA" type="integer" max="360" units="deg"/>
+          <inkml:channel name="OE" type="integer" max="90" units="deg"/>
+        </inkml:traceFormat>
+        <inkml:channelProperties>
+          <inkml:channelProperty channel="X" name="resolution" value="1000" units="1/cm"/>
+          <inkml:channelProperty channel="Y" name="resolution" value="1000" units="1/cm"/>
+          <inkml:channelProperty channel="F" name="resolution" value="0" units="1/dev"/>
+          <inkml:channelProperty channel="OA" name="resolution" value="1000" units="1/deg"/>
+          <inkml:channelProperty channel="OE" name="resolution" value="1000" units="1/deg"/>
+        </inkml:channelProperties>
+      </inkml:inkSource>
+      <inkml:timestamp xml:id="ts0" timeString="2023-05-24T12:27:12.141"/>
+    </inkml:context>
+    <inkml:brush xml:id="br0">
+      <inkml:brushProperty name="width" value="0.2" units="cm"/>
+      <inkml:brushProperty name="height" value="0.2" units="cm"/>
+      <inkml:brushProperty name="color" value="#E71224"/>
+    </inkml:brush>
+  </inkml:definitions>
+  <inkml:trace contextRef="#ctx0" brushRef="#br0">144 499 3410 0 0,'0'0'1840'0'0,"-26"-8"668"0"0,21 5-1974 0 0,-15-12 1186 0 0,20 15-1701 0 0,0 0 0 0 0,-1-1 0 0 0,1 1 1 0 0,0 0-1 0 0,-1 0 0 0 0,1 0 0 0 0,0-1 1 0 0,0 1-1 0 0,-1 0 0 0 0,1 0 0 0 0,0-1 0 0 0,-1 1 1 0 0,1 0-1 0 0,0 0 0 0 0,0-1 0 0 0,0 1 0 0 0,-1 0 1 0 0,1-1-1 0 0,0 1 0 0 0,0 0 0 0 0,0-1 1 0 0,0 1-1 0 0,0 0 0 0 0,0-1 0 0 0,0 1 0 0 0,0 0 1 0 0,0-1-1 0 0,0 1 0 0 0,0 0 0 0 0,0-1 0 0 0,0 1 1 0 0,0-1-1 0 0,0 1 0 0 0,0 0 0 0 0,0-1 1 0 0,0 1-1 0 0,0 0 0 0 0,0-1 0 0 0,0 1 0 0 0,1 0 1 0 0,-1-1-1 0 0,0 1 0 0 0,0 0 0 0 0,0 0 0 0 0,1-1 1 0 0,20-9 45 0 0,1 0 0 0 0,44-12 1 0 0,-5 3 92 0 0,18-10-64 0 0,290-111 143 0 0,-284 103-184 0 0,-2-4-1 0 0,95-62 1 0 0,-167 96-4 0 0,-8 6-16 0 0,0-1 0 0 0,0 1 1 0 0,0-1-1 0 0,-1 0 0 0 0,1 1 1 0 0,-1-1-1 0 0,1 0 1 0 0,-1 0-1 0 0,0-1 0 0 0,1 1 1 0 0,-1 0-1 0 0,0-1 0 0 0,-1 0 1 0 0,1 1-1 0 0,0-1 1 0 0,1-5 372 0 0,-13 17-982 0 0,-40 24 643 0 0,-1-3 0 0 0,-85 36 0 0 0,74-37-41 0 0,-54 25-20 0 0,-191 97 37 0 0,242-115-38 0 0,2 3 0 0 0,-91 73 0 0 0,142-102-19 0 0,1 0 0 0 0,1 0-1 0 0,0 1 1 0 0,0 1 0 0 0,-9 14 0 0 0,16-23-28 0 0,1 1-1 0 0,0 0 1 0 0,0 0 0 0 0,0 0 0 0 0,0 0 0 0 0,1 0-1 0 0,-1 0 1 0 0,1 1 0 0 0,0-1 0 0 0,1 0-1 0 0,-1 1 1 0 0,1-1 0 0 0,0 0 0 0 0,0 1-1 0 0,0-1 1 0 0,0 0 0 0 0,1 1 0 0 0,0-1-1 0 0,0 0 1 0 0,0 1 0 0 0,0-1 0 0 0,3 4 0 0 0,7 22-37 0 0,-10-24 79 0 0,1-1 0 0 0,0 0 0 0 0,0 1-1 0 0,0-1 1 0 0,1 0 0 0 0,0 0 0 0 0,0-1 0 0 0,5 8 0 0 0,24 20 5 0 0,-20-21 8 0 0,-1 0-1 0 0,0 1 1 0 0,13 20 0 0 0,-15-23-15 0 0,1 1 1 0 0,0-1 0 0 0,0-1 0 0 0,1 0 0 0 0,0 0-1 0 0,0-1 1 0 0,22 10 0 0 0,0 2-3 0 0,143 78 501 0 0,196 75 0 0 0,-19-10-37 0 0,-340-156-711 0 0,62 35 94 0 0,-32-6-4981 0 0</inkml:trace>
+</inkml:ink>
+</file>
+
+<file path=ppt/ink/ink188.xml><?xml version="1.0" encoding="utf-8"?>
+<inkml:ink xmlns:inkml="http://www.w3.org/2003/InkML">
+  <inkml:definitions>
+    <inkml:context xml:id="ctx0">
+      <inkml:inkSource xml:id="inkSrc0">
+        <inkml:traceFormat>
+          <inkml:channel name="X" type="integer" min="-2.14748E9" max="2.14748E9" units="cm"/>
+          <inkml:channel name="Y" type="integer" min="-2.14748E9" max="2.14748E9" units="cm"/>
+          <inkml:channel name="F" type="integer" max="32767" units="dev"/>
+          <inkml:channel name="OA" type="integer" max="360" units="deg"/>
+          <inkml:channel name="OE" type="integer" max="90" units="deg"/>
+        </inkml:traceFormat>
+        <inkml:channelProperties>
+          <inkml:channelProperty channel="X" name="resolution" value="1000" units="1/cm"/>
+          <inkml:channelProperty channel="Y" name="resolution" value="1000" units="1/cm"/>
+          <inkml:channelProperty channel="F" name="resolution" value="0" units="1/dev"/>
+          <inkml:channelProperty channel="OA" name="resolution" value="1000" units="1/deg"/>
+          <inkml:channelProperty channel="OE" name="resolution" value="1000" units="1/deg"/>
+        </inkml:channelProperties>
+      </inkml:inkSource>
+      <inkml:timestamp xml:id="ts0" timeString="2023-05-24T12:28:10.953"/>
+    </inkml:context>
+    <inkml:brush xml:id="br0">
+      <inkml:brushProperty name="width" value="0.1" units="cm"/>
+      <inkml:brushProperty name="height" value="0.1" units="cm"/>
+    </inkml:brush>
+  </inkml:definitions>
+  <inkml:trace contextRef="#ctx0" brushRef="#br0">964 38 6163 0 0,'0'-26'3544'0'0,"0"15"-2577"0"0,-1 14-957 0 0,0-1 0 0 0,0 1 0 0 0,-1 0 0 0 0,1-1-1 0 0,0 1 1 0 0,-1-1 0 0 0,0 1 0 0 0,1-1 0 0 0,-1 0 0 0 0,0 0-1 0 0,0 0 1 0 0,0 0 0 0 0,-1 0 0 0 0,1 0 0 0 0,0 0 0 0 0,-6 2-1 0 0,-3 5 112 0 0,-265 227 1691 0 0,189-155-932 0 0,-79 98 1 0 0,-205 275-92 0 0,369-452-811 0 0,-8 8-1502 0 0,9-10 1452 0 0,1 0 1 0 0,0 0 0 0 0,0 0 0 0 0,-1-1 0 0 0,1 1 0 0 0,0 0 0 0 0,-1 0-1 0 0,1 0 1 0 0,0-1 0 0 0,0 1 0 0 0,-1 0 0 0 0,1-1 0 0 0,0 1 0 0 0,0 0-1 0 0,0 0 1 0 0,-1-1 0 0 0,1 1 0 0 0,0 0 0 0 0,0-1 0 0 0,0 1 0 0 0,0 0 0 0 0,0-1-1 0 0,0 1 1 0 0,0 0 0 0 0,0-1 0 0 0,0 1 0 0 0,0 0 0 0 0,0-1 0 0 0,0 1-1 0 0,0-1 1 0 0,0 1 0 0 0,0 0 0 0 0,0-1 0 0 0,0 1 0 0 0,0 0 0 0 0,0-1 0 0 0,1 1-1 0 0,-1-25-3463 0 0</inkml:trace>
+</inkml:ink>
+</file>
+
+<file path=ppt/ink/ink189.xml><?xml version="1.0" encoding="utf-8"?>
+<inkml:ink xmlns:inkml="http://www.w3.org/2003/InkML">
+  <inkml:definitions>
+    <inkml:context xml:id="ctx0">
+      <inkml:inkSource xml:id="inkSrc0">
+        <inkml:traceFormat>
+          <inkml:channel name="X" type="integer" min="-2.14748E9" max="2.14748E9" units="cm"/>
+          <inkml:channel name="Y" type="integer" min="-2.14748E9" max="2.14748E9" units="cm"/>
+          <inkml:channel name="F" type="integer" max="32767" units="dev"/>
+          <inkml:channel name="OA" type="integer" max="360" units="deg"/>
+          <inkml:channel name="OE" type="integer" max="90" units="deg"/>
+        </inkml:traceFormat>
+        <inkml:channelProperties>
+          <inkml:channelProperty channel="X" name="resolution" value="1000" units="1/cm"/>
+          <inkml:channelProperty channel="Y" name="resolution" value="1000" units="1/cm"/>
+          <inkml:channelProperty channel="F" name="resolution" value="0" units="1/dev"/>
+          <inkml:channelProperty channel="OA" name="resolution" value="1000" units="1/deg"/>
+          <inkml:channelProperty channel="OE" name="resolution" value="1000" units="1/deg"/>
+        </inkml:channelProperties>
+      </inkml:inkSource>
+      <inkml:timestamp xml:id="ts0" timeString="2023-05-24T12:28:11.610"/>
+    </inkml:context>
+    <inkml:brush xml:id="br0">
+      <inkml:brushProperty name="width" value="0.1" units="cm"/>
+      <inkml:brushProperty name="height" value="0.1" units="cm"/>
+    </inkml:brush>
+  </inkml:definitions>
+  <inkml:trace contextRef="#ctx0" brushRef="#br0">0 27 4786 0 0,'0'0'4418'0'0,"1"-4"-3399"0"0,6-19 2396 0 0,-6 52-3783 0 0,17 110 953 0 0,14 176 2925 0 0,-31 75-2619 0 0,-1-257-2958 0 0,0-160-492 0 0,0-7-2731 0 0</inkml:trace>
+</inkml:ink>
+</file>
+
+<file path=ppt/ink/ink19.xml><?xml version="1.0" encoding="utf-8"?>
+<inkml:ink xmlns:inkml="http://www.w3.org/2003/InkML">
+  <inkml:definitions>
+    <inkml:context xml:id="ctx0">
+      <inkml:inkSource xml:id="inkSrc0">
+        <inkml:traceFormat>
+          <inkml:channel name="X" type="integer" min="-2.14748E9" max="2.14748E9" units="cm"/>
+          <inkml:channel name="Y" type="integer" min="-2.14748E9" max="2.14748E9" units="cm"/>
+          <inkml:channel name="F" type="integer" max="32767" units="dev"/>
+          <inkml:channel name="OA" type="integer" max="360" units="deg"/>
+          <inkml:channel name="OE" type="integer" max="90" units="deg"/>
+        </inkml:traceFormat>
+        <inkml:channelProperties>
+          <inkml:channelProperty channel="X" name="resolution" value="1000" units="1/cm"/>
+          <inkml:channelProperty channel="Y" name="resolution" value="1000" units="1/cm"/>
+          <inkml:channelProperty channel="F" name="resolution" value="0" units="1/dev"/>
+          <inkml:channelProperty channel="OA" name="resolution" value="1000" units="1/deg"/>
+          <inkml:channelProperty channel="OE" name="resolution" value="1000" units="1/deg"/>
+        </inkml:channelProperties>
+      </inkml:inkSource>
+      <inkml:timestamp xml:id="ts0" timeString="2023-05-24T12:34:43.070"/>
+    </inkml:context>
+    <inkml:brush xml:id="br0">
+      <inkml:brushProperty name="width" value="0.2" units="cm"/>
+      <inkml:brushProperty name="height" value="0.2" units="cm"/>
+    </inkml:brush>
+  </inkml:definitions>
+  <inkml:trace contextRef="#ctx0" brushRef="#br0">86 160 4434 0 0,'0'0'3244'0'0,"17"-3"-2614"0"0,54-12-369 0 0,-62 12-249 0 0,-1-1-1 0 0,0 0 1 0 0,0-1-1 0 0,-1 0 1 0 0,1 0-1 0 0,-1-1 1 0 0,0 0-1 0 0,-1 0 1 0 0,1 0 0 0 0,-1-1-1 0 0,0 0 1 0 0,-1 0-1 0 0,8-13 1 0 0,-4 8 2 0 0,-8 11-9 0 0,-1 1 0 0 0,1-1 0 0 0,0 0 0 0 0,-1 1 0 0 0,1-1 0 0 0,-1 1 0 0 0,1-1 0 0 0,-1 0 0 0 0,1 1 0 0 0,-1-1 0 0 0,1 0 0 0 0,-1 0 0 0 0,0 1 0 0 0,1-1 0 0 0,-1 0 0 0 0,0 0 0 0 0,0 0 0 0 0,0 0 0 0 0,1 1 0 0 0,-1-1 0 0 0,0 0 0 0 0,0 0 0 0 0,0 0 0 0 0,0 0 0 0 0,-1 1 0 0 0,1-1 0 0 0,0 0 0 0 0,0 0 0 0 0,0 0 0 0 0,-1 1 0 0 0,1-1 0 0 0,0 0 0 0 0,-1 0 0 0 0,1 0 0 0 0,0 1 0 0 0,-1-1 0 0 0,1 0 0 0 0,-1 1 0 0 0,0-1 0 0 0,1 0 0 0 0,-1 1 0 0 0,1-1 0 0 0,-1 1 0 0 0,0-1 0 0 0,1 1 0 0 0,-1-1 0 0 0,0 1 0 0 0,0 0 0 0 0,1-1 0 0 0,-1 1 0 0 0,0 0 0 0 0,0 0 0 0 0,0-1 0 0 0,0 1 0 0 0,1 0 0 0 0,-1 0 0 0 0,-1 0 0 0 0,-9-1 79 0 0,1 0 1 0 0,-1 0-1 0 0,-18 2 1 0 0,14 0-174 0 0,-1-1 80 0 0,1 0-1 0 0,-1 1 1 0 0,0 0-1 0 0,1 2 1 0 0,-1 0-1 0 0,-22 7 1 0 0,34-8 56 0 0,-1 0-1 0 0,1 0 1 0 0,0 0 0 0 0,1 0 0 0 0,-1 1 0 0 0,0-1-1 0 0,1 1 1 0 0,-1 0 0 0 0,1 0 0 0 0,0 0-1 0 0,0 1 1 0 0,0-1 0 0 0,0 1 0 0 0,1 0-1 0 0,-1 0 1 0 0,1-1 0 0 0,0 1 0 0 0,0 1 0 0 0,1-1-1 0 0,-1 0 1 0 0,1 0 0 0 0,0 1 0 0 0,0-1-1 0 0,0 1 1 0 0,1-1 0 0 0,-1 1 0 0 0,1 7-1 0 0,0-6 23 0 0,1 0 0 0 0,-1 0-1 0 0,1 1 1 0 0,1-1-1 0 0,-1 0 1 0 0,1 0-1 0 0,0 0 1 0 0,0 0-1 0 0,0 0 1 0 0,1-1-1 0 0,0 1 1 0 0,0-1-1 0 0,8 10 1 0 0,-4-7-34 0 0,1 0 1 0 0,0 0-1 0 0,0-1 1 0 0,0-1-1 0 0,1 1 1 0 0,0-1-1 0 0,15 7 1 0 0,6 0 1 0 0,0-1 1 0 0,0-2-1 0 0,1-1 0 0 0,53 8 0 0 0,-39-10-589 0 0,63 0 0 0 0,-5-10-3191 0 0,-38-6-790 0 0</inkml:trace>
+</inkml:ink>
+</file>
+
+<file path=ppt/ink/ink190.xml><?xml version="1.0" encoding="utf-8"?>
+<inkml:ink xmlns:inkml="http://www.w3.org/2003/InkML">
+  <inkml:definitions>
+    <inkml:context xml:id="ctx0">
+      <inkml:inkSource xml:id="inkSrc0">
+        <inkml:traceFormat>
+          <inkml:channel name="X" type="integer" min="-2.14748E9" max="2.14748E9" units="cm"/>
+          <inkml:channel name="Y" type="integer" min="-2.14748E9" max="2.14748E9" units="cm"/>
+          <inkml:channel name="F" type="integer" max="32767" units="dev"/>
+          <inkml:channel name="OA" type="integer" max="360" units="deg"/>
+          <inkml:channel name="OE" type="integer" max="90" units="deg"/>
+        </inkml:traceFormat>
+        <inkml:channelProperties>
+          <inkml:channelProperty channel="X" name="resolution" value="1000" units="1/cm"/>
+          <inkml:channelProperty channel="Y" name="resolution" value="1000" units="1/cm"/>
+          <inkml:channelProperty channel="F" name="resolution" value="0" units="1/dev"/>
+          <inkml:channelProperty channel="OA" name="resolution" value="1000" units="1/deg"/>
+          <inkml:channelProperty channel="OE" name="resolution" value="1000" units="1/deg"/>
+        </inkml:channelProperties>
+      </inkml:inkSource>
+      <inkml:timestamp xml:id="ts0" timeString="2023-05-24T12:28:13.150"/>
+    </inkml:context>
+    <inkml:brush xml:id="br0">
+      <inkml:brushProperty name="width" value="0.1" units="cm"/>
+      <inkml:brushProperty name="height" value="0.1" units="cm"/>
+    </inkml:brush>
+  </inkml:definitions>
+  <inkml:trace contextRef="#ctx0" brushRef="#br0">0 1771 1601 0 0,'1'-3'5508'0'0,"9"-19"309"0"0,-7 21-5600 0 0,-1 0 0 0 0,0 0 0 0 0,0-1 0 0 0,0 1 0 0 0,0 0 0 0 0,0-1 0 0 0,0 1 0 0 0,-1-1 0 0 0,1 0 0 0 0,0 1 0 0 0,-1-1 0 0 0,3-3 0 0 0,1-1 131 0 0,30-37-122 0 0,-2-2-1 0 0,-2-2 0 0 0,40-79 0 0 0,-24 41-168 0 0,86-150 4 0 0,189-315 5 0 0,-226 402-164 0 0,186-218 0 0 0,-270 351-143 0 0,26-25-527 0 0,-10 22-4194 0 0</inkml:trace>
+</inkml:ink>
+</file>
+
+<file path=ppt/ink/ink191.xml><?xml version="1.0" encoding="utf-8"?>
+<inkml:ink xmlns:inkml="http://www.w3.org/2003/InkML">
+  <inkml:definitions>
+    <inkml:context xml:id="ctx0">
+      <inkml:inkSource xml:id="inkSrc0">
+        <inkml:traceFormat>
+          <inkml:channel name="X" type="integer" min="-2.14748E9" max="2.14748E9" units="cm"/>
+          <inkml:channel name="Y" type="integer" min="-2.14748E9" max="2.14748E9" units="cm"/>
+          <inkml:channel name="F" type="integer" max="32767" units="dev"/>
+          <inkml:channel name="OA" type="integer" max="360" units="deg"/>
+          <inkml:channel name="OE" type="integer" max="90" units="deg"/>
+        </inkml:traceFormat>
+        <inkml:channelProperties>
+          <inkml:channelProperty channel="X" name="resolution" value="1000" units="1/cm"/>
+          <inkml:channelProperty channel="Y" name="resolution" value="1000" units="1/cm"/>
+          <inkml:channelProperty channel="F" name="resolution" value="0" units="1/dev"/>
+          <inkml:channelProperty channel="OA" name="resolution" value="1000" units="1/deg"/>
+          <inkml:channelProperty channel="OE" name="resolution" value="1000" units="1/deg"/>
+        </inkml:channelProperties>
+      </inkml:inkSource>
+      <inkml:timestamp xml:id="ts0" timeString="2023-05-24T12:28:13.875"/>
+    </inkml:context>
+    <inkml:brush xml:id="br0">
+      <inkml:brushProperty name="width" value="0.1" units="cm"/>
+      <inkml:brushProperty name="height" value="0.1" units="cm"/>
+    </inkml:brush>
+  </inkml:definitions>
+  <inkml:trace contextRef="#ctx0" brushRef="#br0">742 0 6035 0 0,'0'0'3217'0'0,"-195"2"-2352"0"0,94 8 95 0 0,-11 5-96 0 0,3-1 97 0 0,15-1-225 0 0,27 1-528 0 0,18-3-192 0 0,34-1-64 0 0,15-3-576 0 0,12-3-2770 0 0,44-4-255 0 0</inkml:trace>
+</inkml:ink>
+</file>
+
+<file path=ppt/ink/ink192.xml><?xml version="1.0" encoding="utf-8"?>
+<inkml:ink xmlns:inkml="http://www.w3.org/2003/InkML">
+  <inkml:definitions>
+    <inkml:context xml:id="ctx0">
+      <inkml:inkSource xml:id="inkSrc0">
+        <inkml:traceFormat>
+          <inkml:channel name="X" type="integer" min="-2.14748E9" max="2.14748E9" units="cm"/>
+          <inkml:channel name="Y" type="integer" min="-2.14748E9" max="2.14748E9" units="cm"/>
+          <inkml:channel name="F" type="integer" max="32767" units="dev"/>
+          <inkml:channel name="OA" type="integer" max="360" units="deg"/>
+          <inkml:channel name="OE" type="integer" max="90" units="deg"/>
+        </inkml:traceFormat>
+        <inkml:channelProperties>
+          <inkml:channelProperty channel="X" name="resolution" value="1000" units="1/cm"/>
+          <inkml:channelProperty channel="Y" name="resolution" value="1000" units="1/cm"/>
+          <inkml:channelProperty channel="F" name="resolution" value="0" units="1/dev"/>
+          <inkml:channelProperty channel="OA" name="resolution" value="1000" units="1/deg"/>
+          <inkml:channelProperty channel="OE" name="resolution" value="1000" units="1/deg"/>
+        </inkml:channelProperties>
+      </inkml:inkSource>
+      <inkml:timestamp xml:id="ts0" timeString="2023-05-24T12:28:14.358"/>
+    </inkml:context>
+    <inkml:brush xml:id="br0">
+      <inkml:brushProperty name="width" value="0.1" units="cm"/>
+      <inkml:brushProperty name="height" value="0.1" units="cm"/>
+    </inkml:brush>
+  </inkml:definitions>
+  <inkml:trace contextRef="#ctx0" brushRef="#br0">128 0 6771 0 0,'0'0'1681'0'0,"-8"106"576"0"0,-14-46-512 0 0,-5 5-193 0 0,5-1-847 0 0,3-3-529 0 0,4-13 48 0 0,8-7-176 0 0,3-14-80 0 0,0-10 0 0 0,4-5-592 0 0</inkml:trace>
+</inkml:ink>
+</file>
+
+<file path=ppt/ink/ink193.xml><?xml version="1.0" encoding="utf-8"?>
+<inkml:ink xmlns:inkml="http://www.w3.org/2003/InkML">
+  <inkml:definitions>
+    <inkml:context xml:id="ctx0">
+      <inkml:inkSource xml:id="inkSrc0">
+        <inkml:traceFormat>
+          <inkml:channel name="X" type="integer" min="-2.14748E9" max="2.14748E9" units="cm"/>
+          <inkml:channel name="Y" type="integer" min="-2.14748E9" max="2.14748E9" units="cm"/>
+          <inkml:channel name="F" type="integer" max="32767" units="dev"/>
+          <inkml:channel name="OA" type="integer" max="360" units="deg"/>
+          <inkml:channel name="OE" type="integer" max="90" units="deg"/>
+        </inkml:traceFormat>
+        <inkml:channelProperties>
+          <inkml:channelProperty channel="X" name="resolution" value="1000" units="1/cm"/>
+          <inkml:channelProperty channel="Y" name="resolution" value="1000" units="1/cm"/>
+          <inkml:channelProperty channel="F" name="resolution" value="0" units="1/dev"/>
+          <inkml:channelProperty channel="OA" name="resolution" value="1000" units="1/deg"/>
+          <inkml:channelProperty channel="OE" name="resolution" value="1000" units="1/deg"/>
+        </inkml:channelProperties>
+      </inkml:inkSource>
+      <inkml:timestamp xml:id="ts0" timeString="2023-05-24T12:28:15.475"/>
+    </inkml:context>
+    <inkml:brush xml:id="br0">
+      <inkml:brushProperty name="width" value="0.1" units="cm"/>
+      <inkml:brushProperty name="height" value="0.1" units="cm"/>
+    </inkml:brush>
+  </inkml:definitions>
+  <inkml:trace contextRef="#ctx0" brushRef="#br0">902 213 2849 0 0,'0'0'2393'0'0,"30"0"1300"0"0,-30 0-3600 0 0,1 0 0 0 0,0 0 0 0 0,0 0-1 0 0,0 0 1 0 0,0 0 0 0 0,0 0 0 0 0,-1 0 0 0 0,1 0 0 0 0,0 0 0 0 0,0 0 0 0 0,0 0 0 0 0,0-1 0 0 0,-1 1 0 0 0,1 0-1 0 0,0-1 1 0 0,0 1 0 0 0,0 0 0 0 0,-1-1 0 0 0,1 1 0 0 0,0-1 0 0 0,-1 1 0 0 0,1-1 0 0 0,0 0 0 0 0,-1 1 0 0 0,1-1 0 0 0,-1 0-1 0 0,1 1 1 0 0,-1-1 0 0 0,1 0 0 0 0,-1 1 0 0 0,1-1 0 0 0,-1 0 0 0 0,0 0 0 0 0,1 0 0 0 0,-1 1 0 0 0,0-1 0 0 0,0 0 0 0 0,0 0-1 0 0,0 0 1 0 0,0 0 0 0 0,0 0 0 0 0,0 1 0 0 0,0-1 0 0 0,0 0 0 0 0,0 0 0 0 0,0 0 0 0 0,0 0 0 0 0,0 0 0 0 0,-1 1 0 0 0,0-2-1 0 0,1-11-276 0 0,0 12 198 0 0,-1 0 1 0 0,1 0-1 0 0,-1 0 0 0 0,1 0 1 0 0,-1 0-1 0 0,1 0 0 0 0,-1 0 1 0 0,0 0-1 0 0,1 0 0 0 0,-1 0 1 0 0,0 0-1 0 0,0 0 0 0 0,0 0 1 0 0,0 1-1 0 0,0-1 0 0 0,0 0 1 0 0,0 0-1 0 0,0 1 0 0 0,0-1 1 0 0,0 1-1 0 0,0-1 0 0 0,0 1 1 0 0,0 0-1 0 0,0-1 0 0 0,-1 1 1 0 0,1 0-1 0 0,-2 0 1 0 0,-38-6 247 0 0,16 5-253 0 0,0 1 0 0 0,0 1 0 0 0,0 2 0 0 0,0 0 0 0 0,0 1 0 0 0,0 2 0 0 0,-38 13 0 0 0,30-5 12 0 0,1 0-1 0 0,1 3 0 0 0,0 0 0 0 0,-54 41 1 0 0,41-23 118 0 0,1 2 0 0 0,2 2 0 0 0,2 1 0 0 0,1 3 0 0 0,-37 54 0 0 0,54-67-59 0 0,2 1-1 0 0,1 1 1 0 0,2 1-1 0 0,1 0 1 0 0,1 1-1 0 0,2 1 1 0 0,1 0 0 0 0,2 0-1 0 0,-4 39 1 0 0,9-41-65 0 0,1 1 0 0 0,1-1 0 0 0,5 49 0 0 0,-2-72-15 0 0,0 1 1 0 0,1-1 0 0 0,1 0 0 0 0,-1 0 0 0 0,2 0-1 0 0,-1 0 1 0 0,2 0 0 0 0,-1-1 0 0 0,1 1 0 0 0,0-1-1 0 0,1-1 1 0 0,0 1 0 0 0,1-1 0 0 0,13 14 0 0 0,-1-7 1 0 0,0-1 1 0 0,1 0-1 0 0,1-2 0 0 0,0 0 1 0 0,1-2-1 0 0,0 0 1 0 0,0-1-1 0 0,1-2 0 0 0,0 0 1 0 0,33 5-1 0 0,21 0 30 0 0,147 3 0 0 0,-41-13-85 0 0,329-38 0 0 0,-417 22 135 0 0,-2-4 1 0 0,0-5-1 0 0,-1-3 0 0 0,-1-4 0 0 0,109-54 0 0 0,-166 68 6 0 0,-1-2 0 0 0,-1-1 0 0 0,-1-2 0 0 0,-1-1 0 0 0,36-32 0 0 0,-55 43-43 0 0,-1-1 0 0 0,1 0 0 0 0,-2 0 1 0 0,0-1-1 0 0,0 0 0 0 0,-1-1 0 0 0,-1 1 1 0 0,0-2-1 0 0,-1 1 0 0 0,0-1 0 0 0,-2 1 1 0 0,1-2-1 0 0,-2 1 0 0 0,0 0 0 0 0,1-18 0 0 0,-4 21-22 0 0,0 0 0 0 0,-1 0-1 0 0,0 0 1 0 0,-1 0-1 0 0,0 0 1 0 0,-1 0-1 0 0,0 1 1 0 0,-1-1-1 0 0,0 1 1 0 0,-1 0 0 0 0,0 0-1 0 0,-1 0 1 0 0,0 1-1 0 0,-1-1 1 0 0,0 2-1 0 0,-11-13 1 0 0,-13-10-23 0 0,-1 2-1 0 0,-1 1 1 0 0,-44-29 0 0 0,64 48-4 0 0,-124-85-86 0 0,-5 6 0 0 0,-3 6 0 0 0,-265-109 0 0 0,388 180-2474 0 0,40 11-2012 0 0,-11 1 4395 0 0,32 0-4095 0 0</inkml:trace>
+</inkml:ink>
+</file>
+
+<file path=ppt/ink/ink194.xml><?xml version="1.0" encoding="utf-8"?>
+<inkml:ink xmlns:inkml="http://www.w3.org/2003/InkML">
+  <inkml:definitions>
+    <inkml:context xml:id="ctx0">
+      <inkml:inkSource xml:id="inkSrc0">
+        <inkml:traceFormat>
+          <inkml:channel name="X" type="integer" min="-2.14748E9" max="2.14748E9" units="cm"/>
+          <inkml:channel name="Y" type="integer" min="-2.14748E9" max="2.14748E9" units="cm"/>
+          <inkml:channel name="F" type="integer" max="32767" units="dev"/>
+          <inkml:channel name="OA" type="integer" max="360" units="deg"/>
+          <inkml:channel name="OE" type="integer" max="90" units="deg"/>
+        </inkml:traceFormat>
+        <inkml:channelProperties>
+          <inkml:channelProperty channel="X" name="resolution" value="1000" units="1/cm"/>
+          <inkml:channelProperty channel="Y" name="resolution" value="1000" units="1/cm"/>
+          <inkml:channelProperty channel="F" name="resolution" value="0" units="1/dev"/>
+          <inkml:channelProperty channel="OA" name="resolution" value="1000" units="1/deg"/>
+          <inkml:channelProperty channel="OE" name="resolution" value="1000" units="1/deg"/>
+        </inkml:channelProperties>
+      </inkml:inkSource>
+      <inkml:timestamp xml:id="ts0" timeString="2023-05-24T12:28:16.138"/>
+    </inkml:context>
+    <inkml:brush xml:id="br0">
+      <inkml:brushProperty name="width" value="0.1" units="cm"/>
+      <inkml:brushProperty name="height" value="0.1" units="cm"/>
+    </inkml:brush>
+  </inkml:definitions>
+  <inkml:trace contextRef="#ctx0" brushRef="#br0">41 64 11797 0 0,'0'0'4979'0'0,"-7"-46"-4595"0"0,-1 38-304 0 0,1 2-80 0 0,-4 2 16 0 0,3 4-96 0 0</inkml:trace>
+</inkml:ink>
+</file>
+
+<file path=ppt/ink/ink195.xml><?xml version="1.0" encoding="utf-8"?>
+<inkml:ink xmlns:inkml="http://www.w3.org/2003/InkML">
+  <inkml:definitions>
+    <inkml:context xml:id="ctx0">
+      <inkml:inkSource xml:id="inkSrc0">
+        <inkml:traceFormat>
+          <inkml:channel name="X" type="integer" min="-2.14748E9" max="2.14748E9" units="cm"/>
+          <inkml:channel name="Y" type="integer" min="-2.14748E9" max="2.14748E9" units="cm"/>
+          <inkml:channel name="F" type="integer" max="32767" units="dev"/>
+          <inkml:channel name="OA" type="integer" max="360" units="deg"/>
+          <inkml:channel name="OE" type="integer" max="90" units="deg"/>
+        </inkml:traceFormat>
+        <inkml:channelProperties>
+          <inkml:channelProperty channel="X" name="resolution" value="1000" units="1/cm"/>
+          <inkml:channelProperty channel="Y" name="resolution" value="1000" units="1/cm"/>
+          <inkml:channelProperty channel="F" name="resolution" value="0" units="1/dev"/>
+          <inkml:channelProperty channel="OA" name="resolution" value="1000" units="1/deg"/>
+          <inkml:channelProperty channel="OE" name="resolution" value="1000" units="1/deg"/>
+        </inkml:channelProperties>
+      </inkml:inkSource>
+      <inkml:timestamp xml:id="ts0" timeString="2023-05-24T12:28:16.497"/>
+    </inkml:context>
+    <inkml:brush xml:id="br0">
+      <inkml:brushProperty name="width" value="0.1" units="cm"/>
+      <inkml:brushProperty name="height" value="0.1" units="cm"/>
+    </inkml:brush>
+  </inkml:definitions>
+  <inkml:trace contextRef="#ctx0" brushRef="#br0">109 79 16135 0 0,'0'0'433'0'0,"-108"-63"-3427"0"0,108 47-2208 0 0</inkml:trace>
+</inkml:ink>
+</file>
+
+<file path=ppt/ink/ink196.xml><?xml version="1.0" encoding="utf-8"?>
+<inkml:ink xmlns:inkml="http://www.w3.org/2003/InkML">
+  <inkml:definitions>
+    <inkml:context xml:id="ctx0">
+      <inkml:inkSource xml:id="inkSrc0">
+        <inkml:traceFormat>
+          <inkml:channel name="X" type="integer" min="-2.14748E9" max="2.14748E9" units="cm"/>
+          <inkml:channel name="Y" type="integer" min="-2.14748E9" max="2.14748E9" units="cm"/>
+          <inkml:channel name="F" type="integer" max="32767" units="dev"/>
+          <inkml:channel name="OA" type="integer" max="360" units="deg"/>
+          <inkml:channel name="OE" type="integer" max="90" units="deg"/>
+        </inkml:traceFormat>
+        <inkml:channelProperties>
+          <inkml:channelProperty channel="X" name="resolution" value="1000" units="1/cm"/>
+          <inkml:channelProperty channel="Y" name="resolution" value="1000" units="1/cm"/>
+          <inkml:channelProperty channel="F" name="resolution" value="0" units="1/dev"/>
+          <inkml:channelProperty channel="OA" name="resolution" value="1000" units="1/deg"/>
+          <inkml:channelProperty channel="OE" name="resolution" value="1000" units="1/deg"/>
+        </inkml:channelProperties>
+      </inkml:inkSource>
+      <inkml:timestamp xml:id="ts0" timeString="2023-05-24T12:28:17.098"/>
+    </inkml:context>
+    <inkml:brush xml:id="br0">
+      <inkml:brushProperty name="width" value="0.1" units="cm"/>
+      <inkml:brushProperty name="height" value="0.1" units="cm"/>
+    </inkml:brush>
+  </inkml:definitions>
+  <inkml:trace contextRef="#ctx0" brushRef="#br0">28 8 4402 0 0,'0'0'5952'0'0,"-2"-1"-5778"0"0,0 0-1 0 0,0 0 1 0 0,0 0 0 0 0,0 0-1 0 0,0 1 1 0 0,0-1 0 0 0,0 1-1 0 0,0-1 1 0 0,-1 1 0 0 0,-2 0-1 0 0,4 10-71 0 0,1 0-1 0 0,0 0 0 0 0,1 1 1 0 0,0-1-1 0 0,0 0 1 0 0,1 0-1 0 0,1 0 0 0 0,-1 0 1 0 0,2-1-1 0 0,-1 1 0 0 0,1-1 1 0 0,1 0-1 0 0,0 0 1 0 0,0 0-1 0 0,0 0 0 0 0,1-1 1 0 0,1 0-1 0 0,-1 0 0 0 0,12 9 1 0 0,-5-8-38 0 0,-1-1 0 0 0,1-1 0 0 0,0 0 1 0 0,1-1-1 0 0,-1 0 0 0 0,1-1 0 0 0,0-1 0 0 0,1 0 0 0 0,-1-1 1 0 0,1 0-1 0 0,27 0 0 0 0,-11-2-34 0 0,1-1 0 0 0,0-1 0 0 0,-1-2 0 0 0,49-11 0 0 0,-46 5-690 0 0,-1-1 0 0 0,61-28 0 0 0,-75 29-651 0 0,0-1 0 0 0,-1-1 1 0 0,0 0-1 0 0,0-2 0 0 0,28-26 1 0 0,-26 14-3098 0 0</inkml:trace>
+</inkml:ink>
+</file>
+
+<file path=ppt/ink/ink197.xml><?xml version="1.0" encoding="utf-8"?>
+<inkml:ink xmlns:inkml="http://www.w3.org/2003/InkML">
+  <inkml:definitions>
+    <inkml:context xml:id="ctx0">
+      <inkml:inkSource xml:id="inkSrc0">
+        <inkml:traceFormat>
+          <inkml:channel name="X" type="integer" min="-2.14748E9" max="2.14748E9" units="cm"/>
+          <inkml:channel name="Y" type="integer" min="-2.14748E9" max="2.14748E9" units="cm"/>
+          <inkml:channel name="F" type="integer" max="32767" units="dev"/>
+          <inkml:channel name="OA" type="integer" max="360" units="deg"/>
+          <inkml:channel name="OE" type="integer" max="90" units="deg"/>
+        </inkml:traceFormat>
+        <inkml:channelProperties>
+          <inkml:channelProperty channel="X" name="resolution" value="1000" units="1/cm"/>
+          <inkml:channelProperty channel="Y" name="resolution" value="1000" units="1/cm"/>
+          <inkml:channelProperty channel="F" name="resolution" value="0" units="1/dev"/>
+          <inkml:channelProperty channel="OA" name="resolution" value="1000" units="1/deg"/>
+          <inkml:channelProperty channel="OE" name="resolution" value="1000" units="1/deg"/>
+        </inkml:channelProperties>
+      </inkml:inkSource>
+      <inkml:timestamp xml:id="ts0" timeString="2023-05-24T12:28:34.337"/>
+    </inkml:context>
+    <inkml:brush xml:id="br0">
+      <inkml:brushProperty name="width" value="0.2" units="cm"/>
+      <inkml:brushProperty name="height" value="0.2" units="cm"/>
+      <inkml:brushProperty name="color" value="#E71224"/>
+    </inkml:brush>
+  </inkml:definitions>
+  <inkml:trace contextRef="#ctx0" brushRef="#br0">8835 22 1056 0 0,'0'-21'1453'0'0,"0"38"1024"0"0,4 37 904 0 0,-2-44-3382 0 0,0 0 1 0 0,0 1 0 0 0,-1-1 0 0 0,0 1 0 0 0,-1-1 0 0 0,0 1 0 0 0,-3 17-1 0 0,2 35 8 0 0,6-29 172 0 0,1 0 1 0 0,14 39-1 0 0,-12-46-34 0 0,-1 0-1 0 0,-1 1 0 0 0,-1-1 0 0 0,1 38 0 0 0,-6 1062 2417 0 0,-11-966-2552 0 0,-1 1 20 0 0,12-81-19 0 0,2-1 1 0 0,26 154 0 0 0,-2-26 35 0 0,-21-141-21 0 0,17 79 0 0 0,9 9-47 0 0,13 164 1 0 0,-25-143 45 0 0,7 152 21 0 0,-26-314-44 0 0,1 23 10 0 0,-1 1 1 0 0,-2-1-1 0 0,-2 0 1 0 0,-1 0-1 0 0,-18 67 1 0 0,7-65-9 0 0,-1 0 0 0 0,-1-2 0 0 0,-2 0 0 0 0,-2-1 0 0 0,-1-1 0 0 0,-2-1 0 0 0,-1-1 0 0 0,-2-2 0 0 0,-45 41 0 0 0,4-13 2 0 0,-3-2 0 0 0,-3-4 0 0 0,-101 54 0 0 0,92-63-9 0 0,-2-5-1 0 0,-1-3 0 0 0,-2-4 1 0 0,-151 34-1 0 0,-379 38-30 0 0,-472-16 72 0 0,773-82-131 0 0,-785 1-487 0 0,335-58 529 0 0,611 37 21 0 0,-1110-59-217 0 0,913 60-162 0 0,-282-5 356 0 0,406 28 19 0 0,-282 50 0 0 0,290-30 12 0 0,-90-14 129 0 0,306-16-115 0 0,0 2 1 0 0,-1-1-1 0 0,1 0 0 0 0,0 1 0 0 0,0 0 0 0 0,1 1 0 0 0,-1-1 0 0 0,-9 7 0 0 0,8-5 2 0 0,-1 0-1 0 0,1-1 1 0 0,-1 0-1 0 0,0 0 1 0 0,-8 2-1 0 0,-5-2 185 0 0,0-1 0 0 0,-29 1 0 0 0,49-3-158 0 0,1-2-203 0 0,0 1 193 0 0,0-1 0 0 0,0 1-1 0 0,1 0 1 0 0,-1-1 0 0 0,0 1-1 0 0,0 0 1 0 0,1-1 0 0 0,-1 1 0 0 0,1 0-1 0 0,-1 0 1 0 0,1-1 0 0 0,0 1 0 0 0,1-2-1 0 0,17-14-34 0 0,1 0 0 0 0,39-23-1 0 0,16-13 64 0 0,-58 39-35 0 0,-1-1 1 0 0,0 0 0 0 0,22-27 0 0 0,-35 38-4 0 0,1-1 0 0 0,-1 0 0 0 0,0 1 0 0 0,0-1 0 0 0,-1 0 0 0 0,1 0 0 0 0,-1-1 0 0 0,0 1 0 0 0,-1 0 0 0 0,1-1 0 0 0,-1 1 0 0 0,0-1 0 0 0,-1 0 0 0 0,1 1 0 0 0,-1-1 0 0 0,0 0 0 0 0,0 1 1 0 0,-1-1-1 0 0,-1-7 0 0 0,1 11-6 0 0,0 0 0 0 0,0 1 0 0 0,0-1 0 0 0,0 1 0 0 0,0-1 0 0 0,0 1 0 0 0,-1-1 0 0 0,1 1 0 0 0,-1 0 0 0 0,1 0 0 0 0,-1 0 0 0 0,1 0 0 0 0,-1 0 0 0 0,1 0 0 0 0,-1 0 0 0 0,0 0 0 0 0,0 0 0 0 0,1 1 0 0 0,-1-1 0 0 0,0 1 0 0 0,0-1 0 0 0,0 1 0 0 0,0 0 0 0 0,0 0 0 0 0,1 0 0 0 0,-1 0 0 0 0,0 0 0 0 0,-2 0 0 0 0,1 0-7 0 0,1 0 0 0 0,0 0-1 0 0,0 1 1 0 0,-1-1 0 0 0,1 0 0 0 0,0 1-1 0 0,0-1 1 0 0,0 1 0 0 0,0 0 0 0 0,0 0-1 0 0,0 0 1 0 0,0 0 0 0 0,0 0 0 0 0,0 0-1 0 0,0 0 1 0 0,0 1 0 0 0,1-1 0 0 0,-1 1 0 0 0,1-1-1 0 0,-1 1 1 0 0,1-1 0 0 0,-1 1 0 0 0,-1 3-1 0 0,-5 19 12 0 0,2 0 0 0 0,0 0 0 0 0,2 1 0 0 0,1 0 0 0 0,-1 40 0 0 0,4 10 16 0 0,0-74-11 0 0,-1 0 1 0 0,1-1-1 0 0,-1 1 0 0 0,1 0 0 0 0,-1 0 1 0 0,1-1-1 0 0,-1 1 0 0 0,0 0 0 0 0,1-1 1 0 0,-1 1-1 0 0,0 0 0 0 0,1-1 1 0 0,-1 1-1 0 0,0-1 0 0 0,0 1 0 0 0,1-1 1 0 0,-1 1-1 0 0,0-1 0 0 0,0 0 1 0 0,0 0-1 0 0,0 1 0 0 0,0-1 0 0 0,0 0 1 0 0,1 0-1 0 0,-3 0 0 0 0,-29 5 72 0 0,24-4-55 0 0,-7 1-3 0 0,6-1-16 0 0,0 0-1 0 0,-1 1 1 0 0,1 0-1 0 0,0 1 1 0 0,-11 4-1 0 0,18-6-8 0 0,0 0 0 0 0,0 1 1 0 0,-1-1-1 0 0,1 0 0 0 0,0 1 0 0 0,0 0 1 0 0,0 0-1 0 0,1-1 0 0 0,-1 1 0 0 0,0 0 1 0 0,1 0-1 0 0,-1 1 0 0 0,1-1 0 0 0,0 0 0 0 0,-1 0 1 0 0,1 1-1 0 0,0-1 0 0 0,0 1 0 0 0,1-1 1 0 0,-1 1-1 0 0,1-1 0 0 0,-1 1 0 0 0,1 4 1 0 0,-1-3 50 0 0,1 1 1 0 0,0 0 0 0 0,0-1 0 0 0,0 1 0 0 0,1 0 0 0 0,-1-1-1 0 0,1 1 1 0 0,0 0 0 0 0,1-1 0 0 0,-1 0 0 0 0,1 1 0 0 0,0-1 0 0 0,0 0-1 0 0,4 7 1 0 0,0-4 86 0 0,0 0 0 0 0,1-1 0 0 0,-1 0 0 0 0,1 0 0 0 0,0-1-1 0 0,16 10 1 0 0,-1-3-7 0 0,1 0 1 0 0,0-1-1 0 0,1-1 0 0 0,0-1 0 0 0,1-1 0 0 0,49 8 0 0 0,-27-9-149 0 0,-1-3 0 0 0,91-4 0 0 0,-134 1-237 0 0,1-1 1 0 0,-1-1-1 0 0,0 1 1 0 0,0 0-1 0 0,0-1 1 0 0,0 1-1 0 0,1-1 1 0 0,-1 0-1 0 0,0 0 1 0 0,0-1-1 0 0,-1 1 1 0 0,1 0-1 0 0,0-1 1 0 0,0 0-1 0 0,-1 1 1 0 0,1-1-1 0 0,2-3 0 0 0</inkml:trace>
+</inkml:ink>
+</file>
+
+<file path=ppt/ink/ink198.xml><?xml version="1.0" encoding="utf-8"?>
+<inkml:ink xmlns:inkml="http://www.w3.org/2003/InkML">
+  <inkml:definitions>
+    <inkml:context xml:id="ctx0">
+      <inkml:inkSource xml:id="inkSrc0">
+        <inkml:traceFormat>
+          <inkml:channel name="X" type="integer" min="-2.14748E9" max="2.14748E9" units="cm"/>
+          <inkml:channel name="Y" type="integer" min="-2.14748E9" max="2.14748E9" units="cm"/>
+          <inkml:channel name="F" type="integer" max="32767" units="dev"/>
+          <inkml:channel name="OA" type="integer" max="360" units="deg"/>
+          <inkml:channel name="OE" type="integer" max="90" units="deg"/>
+        </inkml:traceFormat>
+        <inkml:channelProperties>
+          <inkml:channelProperty channel="X" name="resolution" value="1000" units="1/cm"/>
+          <inkml:channelProperty channel="Y" name="resolution" value="1000" units="1/cm"/>
+          <inkml:channelProperty channel="F" name="resolution" value="0" units="1/dev"/>
+          <inkml:channelProperty channel="OA" name="resolution" value="1000" units="1/deg"/>
+          <inkml:channelProperty channel="OE" name="resolution" value="1000" units="1/deg"/>
+        </inkml:channelProperties>
+      </inkml:inkSource>
+      <inkml:timestamp xml:id="ts0" timeString="2023-05-24T12:28:36.673"/>
+    </inkml:context>
+    <inkml:brush xml:id="br0">
+      <inkml:brushProperty name="width" value="0.2" units="cm"/>
+      <inkml:brushProperty name="height" value="0.2" units="cm"/>
+      <inkml:brushProperty name="color" value="#E71224"/>
+    </inkml:brush>
+  </inkml:definitions>
+  <inkml:trace contextRef="#ctx0" brushRef="#br0">495 105 1105 0 0,'0'0'915'0'0,"4"-42"3860"0"0,-5 39-4774 0 0,0 1-1 0 0,0-1 1 0 0,0 1-1 0 0,0 0 1 0 0,0-1-1 0 0,0 1 0 0 0,0 0 1 0 0,-1 0-1 0 0,1 0 1 0 0,-1 0-1 0 0,0 0 1 0 0,0 0-1 0 0,1 0 1 0 0,-1 1-1 0 0,0-1 1 0 0,0 1-1 0 0,-1-1 1 0 0,1 1-1 0 0,0 0 1 0 0,0 0-1 0 0,-1 0 1 0 0,1 0-1 0 0,0 0 1 0 0,-1 0-1 0 0,-3 0 1 0 0,-9-3 4 0 0,1 0 1 0 0,-1 1-1 0 0,-17-1 1 0 0,8 2 6 0 0,0 1-1 0 0,0 1 1 0 0,-1 2 0 0 0,1 0-1 0 0,-31 7 1 0 0,41-6-23 0 0,0 1-1 0 0,0 1 1 0 0,1 0-1 0 0,0 1 1 0 0,0 0-1 0 0,0 1 1 0 0,0 1-1 0 0,1 0 1 0 0,1 0-1 0 0,-15 13 1 0 0,22-16 27 0 0,0 0 1 0 0,0 1 0 0 0,0-1-1 0 0,1 1 1 0 0,-1 0 0 0 0,1 0-1 0 0,1 0 1 0 0,-1 0 0 0 0,1 0-1 0 0,-2 8 1 0 0,3-11 7 0 0,0 0 0 0 0,0 0 1 0 0,1 1-1 0 0,-1-1 0 0 0,1 0 0 0 0,0 0 1 0 0,0 0-1 0 0,0 0 0 0 0,0 0 1 0 0,1 0-1 0 0,-1 1 0 0 0,1-1 0 0 0,-1 0 1 0 0,1 0-1 0 0,0 0 0 0 0,1 0 0 0 0,-1-1 1 0 0,0 1-1 0 0,1 0 0 0 0,-1 0 0 0 0,1-1 1 0 0,0 1-1 0 0,0-1 0 0 0,3 3 0 0 0,4 1 8 0 0,0 0-1 0 0,1-1 0 0 0,0 0 0 0 0,1-1 0 0 0,-1 0 0 0 0,1 0 0 0 0,-1-1 0 0 0,18 3 0 0 0,94 8 66 0 0,-112-13-97 0 0,6 0-31 0 0,-1 1 40 0 0,0-1 0 0 0,1 0 0 0 0,-1-2-1 0 0,22-2 1 0 0,-33 2 1 0 0,0 0 0 0 0,0 0 0 0 0,1 0 0 0 0,-1-1-1 0 0,0 0 1 0 0,0 0 0 0 0,0 0 0 0 0,0 0 0 0 0,-1-1 0 0 0,1 1 0 0 0,-1-1 0 0 0,1 0-1 0 0,-1 0 1 0 0,0 0 0 0 0,0 0 0 0 0,0-1 0 0 0,-1 1 0 0 0,1-1 0 0 0,2-6-1 0 0,13-26-63 0 0,-2-1 0 0 0,18-62 0 0 0,-57 183 216 0 0,-11 90 1 0 0,26-114 267 0 0,-3-1-1 0 0,-36 112 1 0 0,41-161-613 0 0,10-30-1339 0 0,12-16-3222 0 0</inkml:trace>
+</inkml:ink>
+</file>
+
+<file path=ppt/ink/ink199.xml><?xml version="1.0" encoding="utf-8"?>
+<inkml:ink xmlns:inkml="http://www.w3.org/2003/InkML">
+  <inkml:definitions>
+    <inkml:context xml:id="ctx0">
+      <inkml:inkSource xml:id="inkSrc0">
+        <inkml:traceFormat>
+          <inkml:channel name="X" type="integer" min="-2.14748E9" max="2.14748E9" units="cm"/>
+          <inkml:channel name="Y" type="integer" min="-2.14748E9" max="2.14748E9" units="cm"/>
+          <inkml:channel name="F" type="integer" max="32767" units="dev"/>
+          <inkml:channel name="OA" type="integer" max="360" units="deg"/>
+          <inkml:channel name="OE" type="integer" max="90" units="deg"/>
+        </inkml:traceFormat>
+        <inkml:channelProperties>
+          <inkml:channelProperty channel="X" name="resolution" value="1000" units="1/cm"/>
+          <inkml:channelProperty channel="Y" name="resolution" value="1000" units="1/cm"/>
+          <inkml:channelProperty channel="F" name="resolution" value="0" units="1/dev"/>
+          <inkml:channelProperty channel="OA" name="resolution" value="1000" units="1/deg"/>
+          <inkml:channelProperty channel="OE" name="resolution" value="1000" units="1/deg"/>
+        </inkml:channelProperties>
+      </inkml:inkSource>
+      <inkml:timestamp xml:id="ts0" timeString="2023-05-24T12:28:37.284"/>
+    </inkml:context>
+    <inkml:brush xml:id="br0">
+      <inkml:brushProperty name="width" value="0.2" units="cm"/>
+      <inkml:brushProperty name="height" value="0.2" units="cm"/>
+      <inkml:brushProperty name="color" value="#E71224"/>
+    </inkml:brush>
+  </inkml:definitions>
+  <inkml:trace contextRef="#ctx0" brushRef="#br0">91 0 4018 0 0,'0'0'2846'0'0,"-12"17"-2184"0"0,-4 7-88 0 0,2 0 0 0 0,-12 26 0 0 0,22-38-487 0 0,0-1 0 0 0,0 0 1 0 0,1 1-1 0 0,1 0 0 0 0,0 0 0 0 0,0 0 1 0 0,1 17-1 0 0,1-29-85 0 0,0 1 1 0 0,0 0-1 0 0,0 0 0 0 0,1 0 1 0 0,-1 0-1 0 0,0-1 0 0 0,1 1 1 0 0,-1 0-1 0 0,1 0 1 0 0,-1-1-1 0 0,1 1 0 0 0,-1 0 1 0 0,1-1-1 0 0,-1 1 0 0 0,1-1 1 0 0,-1 1-1 0 0,1 0 1 0 0,0-1-1 0 0,0 1 0 0 0,-1-1 1 0 0,1 0-1 0 0,0 1 0 0 0,0-1 1 0 0,-1 0-1 0 0,1 1 0 0 0,0-1 1 0 0,0 0-1 0 0,0 0 1 0 0,-1 1-1 0 0,1-1 0 0 0,0 0 1 0 0,1 0-1 0 0,37 0 48 0 0,-26 0-18 0 0,2-1-57 0 0,-1 0-1 0 0,1-1 1 0 0,-1-1 0 0 0,0 0-1 0 0,0-1 1 0 0,0 0 0 0 0,0-1-1 0 0,22-12 1 0 0,-4-1-163 0 0,-1-1 0 0 0,38-31 0 0 0,-54 42 1351 0 0,-11 21-472 0 0,-3-5-995 0 0,1 2 360 0 0,0 0 1 0 0,0 0 0 0 0,1-1 0 0 0,6 13-1 0 0,-8-20-141 0 0,-1 0 0 0 0,1 0 0 0 0,0 0 0 0 0,1 0 0 0 0,-1 0 0 0 0,0 0 0 0 0,1 0 0 0 0,-1 0 0 0 0,1-1 0 0 0,-1 1-1 0 0,1-1 1 0 0,0 1 0 0 0,0-1 0 0 0,0 1 0 0 0,-1-1 0 0 0,1 0 0 0 0,1 0 0 0 0,-1 0 0 0 0,0 0 0 0 0,0 0-1 0 0,0-1 1 0 0,0 1 0 0 0,1-1 0 0 0,2 1 0 0 0</inkml:trace>
+</inkml:ink>
+</file>
+
+<file path=ppt/ink/ink2.xml><?xml version="1.0" encoding="utf-8"?>
+<inkml:ink xmlns:inkml="http://www.w3.org/2003/InkML">
+  <inkml:definitions>
+    <inkml:context xml:id="ctx0">
+      <inkml:inkSource xml:id="inkSrc0">
+        <inkml:traceFormat>
+          <inkml:channel name="X" type="integer" min="-2.14748E9" max="2.14748E9" units="cm"/>
+          <inkml:channel name="Y" type="integer" min="-2.14748E9" max="2.14748E9" units="cm"/>
+          <inkml:channel name="F" type="integer" max="32767" units="dev"/>
+          <inkml:channel name="OA" type="integer" max="360" units="deg"/>
+          <inkml:channel name="OE" type="integer" max="90" units="deg"/>
+        </inkml:traceFormat>
+        <inkml:channelProperties>
+          <inkml:channelProperty channel="X" name="resolution" value="1000" units="1/cm"/>
+          <inkml:channelProperty channel="Y" name="resolution" value="1000" units="1/cm"/>
+          <inkml:channelProperty channel="F" name="resolution" value="0" units="1/dev"/>
+          <inkml:channelProperty channel="OA" name="resolution" value="1000" units="1/deg"/>
+          <inkml:channelProperty channel="OE" name="resolution" value="1000" units="1/deg"/>
+        </inkml:channelProperties>
+      </inkml:inkSource>
+      <inkml:timestamp xml:id="ts0" timeString="2023-05-24T15:11:26.988"/>
+    </inkml:context>
+    <inkml:brush xml:id="br0">
+      <inkml:brushProperty name="width" value="0.1" units="cm"/>
+      <inkml:brushProperty name="height" value="0.1" units="cm"/>
+      <inkml:brushProperty name="color" value="#E71224"/>
+    </inkml:brush>
+  </inkml:definitions>
+  <inkml:trace contextRef="#ctx0" brushRef="#br0">1 8 5026 0 0,'0'0'6950'0'0,"2"0"-6953"0"0,248 15 364 0 0,-67-2 578 0 0,811-3 1198 0 0,-650-33-1821 0 0,29 1-3060 0 0,-196 34-3043 0 0,-134-12 3250 0 0</inkml:trace>
+</inkml:ink>
+</file>
+
+<file path=ppt/ink/ink20.xml><?xml version="1.0" encoding="utf-8"?>
+<inkml:ink xmlns:inkml="http://www.w3.org/2003/InkML">
+  <inkml:definitions>
+    <inkml:context xml:id="ctx0">
+      <inkml:inkSource xml:id="inkSrc0">
+        <inkml:traceFormat>
+          <inkml:channel name="X" type="integer" min="-2.14748E9" max="2.14748E9" units="cm"/>
+          <inkml:channel name="Y" type="integer" min="-2.14748E9" max="2.14748E9" units="cm"/>
+          <inkml:channel name="F" type="integer" max="32767" units="dev"/>
+          <inkml:channel name="OA" type="integer" max="360" units="deg"/>
+          <inkml:channel name="OE" type="integer" max="90" units="deg"/>
+        </inkml:traceFormat>
+        <inkml:channelProperties>
+          <inkml:channelProperty channel="X" name="resolution" value="1000" units="1/cm"/>
+          <inkml:channelProperty channel="Y" name="resolution" value="1000" units="1/cm"/>
+          <inkml:channelProperty channel="F" name="resolution" value="0" units="1/dev"/>
+          <inkml:channelProperty channel="OA" name="resolution" value="1000" units="1/deg"/>
+          <inkml:channelProperty channel="OE" name="resolution" value="1000" units="1/deg"/>
+        </inkml:channelProperties>
+      </inkml:inkSource>
+      <inkml:timestamp xml:id="ts0" timeString="2023-05-24T12:34:43.670"/>
+    </inkml:context>
+    <inkml:brush xml:id="br0">
+      <inkml:brushProperty name="width" value="0.2" units="cm"/>
+      <inkml:brushProperty name="height" value="0.2" units="cm"/>
+    </inkml:brush>
+  </inkml:definitions>
+  <inkml:trace contextRef="#ctx0" brushRef="#br0">296 2 7459 0 0,'0'0'2940'0'0,"-21"0"-2585"0"0,4 0-327 0 0,-4-1 58 0 0,0 0 0 0 0,0 2 0 0 0,0 1 0 0 0,1 0 0 0 0,-1 1 0 0 0,-35 11 0 0 0,52-12-99 0 0,-1 0 0 0 0,1 0-1 0 0,-1 0 1 0 0,1 1 0 0 0,0 0 0 0 0,0 0 0 0 0,0 0 0 0 0,0 0 0 0 0,0 0 0 0 0,1 1-1 0 0,0-1 1 0 0,-1 1 0 0 0,1 0 0 0 0,-3 7 0 0 0,3-4 2 0 0,0-1 0 0 0,1 1 0 0 0,0 0 0 0 0,0 0 0 0 0,1 0 0 0 0,0 0 0 0 0,0 0 0 0 0,1 1 0 0 0,0 7 0 0 0,0-13 9 0 0,1 0 0 0 0,-1 0 0 0 0,1 0 0 0 0,0 0 0 0 0,0-1 0 0 0,0 1 0 0 0,0 0 0 0 0,0 0 0 0 0,0-1 0 0 0,0 1 0 0 0,1 0 1 0 0,-1-1-1 0 0,1 1 0 0 0,-1-1 0 0 0,1 0 0 0 0,-1 1 0 0 0,1-1 0 0 0,0 0 0 0 0,0 0 0 0 0,-1 0 0 0 0,1 0 0 0 0,2 0 0 0 0,55 22 3 0 0,-40-17 11 0 0,11 5 37 0 0,-8-4-4 0 0,0 1 0 0 0,-1 2 0 0 0,38 22 0 0 0,-54-29-38 0 0,0 0-1 0 0,-1 0 1 0 0,1 1-1 0 0,-1 0 1 0 0,0 0 0 0 0,-1 0-1 0 0,1 0 1 0 0,-1 1-1 0 0,1-1 1 0 0,-1 1-1 0 0,-1 0 1 0 0,1 0-1 0 0,-1 0 1 0 0,1 0 0 0 0,-2 0-1 0 0,1 1 1 0 0,0-1-1 0 0,-1 1 1 0 0,0-1-1 0 0,-1 1 1 0 0,1 7 0 0 0,-1-10-2 0 0,-1-1 1 0 0,1 1 0 0 0,-1 0 0 0 0,0 0-1 0 0,0-1 1 0 0,0 1 0 0 0,0-1 0 0 0,-1 1-1 0 0,1-1 1 0 0,-1 1 0 0 0,1-1 0 0 0,-1 0-1 0 0,0 1 1 0 0,0-1 0 0 0,0 0 0 0 0,0 0 0 0 0,0-1-1 0 0,-1 1 1 0 0,1 0 0 0 0,0-1 0 0 0,-1 1-1 0 0,0-1 1 0 0,-4 2 0 0 0,-10 4 43 0 0,0 0-1 0 0,-29 6 1 0 0,29-8-32 0 0,-27 3 304 0 0,12-2-1515 0 0</inkml:trace>
+</inkml:ink>
+</file>
+
+<file path=ppt/ink/ink200.xml><?xml version="1.0" encoding="utf-8"?>
+<inkml:ink xmlns:inkml="http://www.w3.org/2003/InkML">
+  <inkml:definitions>
+    <inkml:context xml:id="ctx0">
+      <inkml:inkSource xml:id="inkSrc0">
+        <inkml:traceFormat>
+          <inkml:channel name="X" type="integer" min="-2.14748E9" max="2.14748E9" units="cm"/>
+          <inkml:channel name="Y" type="integer" min="-2.14748E9" max="2.14748E9" units="cm"/>
+          <inkml:channel name="F" type="integer" max="32767" units="dev"/>
+          <inkml:channel name="OA" type="integer" max="360" units="deg"/>
+          <inkml:channel name="OE" type="integer" max="90" units="deg"/>
+        </inkml:traceFormat>
+        <inkml:channelProperties>
+          <inkml:channelProperty channel="X" name="resolution" value="1000" units="1/cm"/>
+          <inkml:channelProperty channel="Y" name="resolution" value="1000" units="1/cm"/>
+          <inkml:channelProperty channel="F" name="resolution" value="0" units="1/dev"/>
+          <inkml:channelProperty channel="OA" name="resolution" value="1000" units="1/deg"/>
+          <inkml:channelProperty channel="OE" name="resolution" value="1000" units="1/deg"/>
+        </inkml:channelProperties>
+      </inkml:inkSource>
+      <inkml:timestamp xml:id="ts0" timeString="2023-05-24T12:28:37.866"/>
+    </inkml:context>
+    <inkml:brush xml:id="br0">
+      <inkml:brushProperty name="width" value="0.2" units="cm"/>
+      <inkml:brushProperty name="height" value="0.2" units="cm"/>
+      <inkml:brushProperty name="color" value="#E71224"/>
+    </inkml:brush>
+  </inkml:definitions>
+  <inkml:trace contextRef="#ctx0" brushRef="#br0">0 153 3858 0 0,'0'0'3753'0'0,"20"2"-3478"0"0,-5-1-221 0 0,-1 2-31 0 0,1-2-1 0 0,1 0 1 0 0,-1 0-1 0 0,0-2 0 0 0,0 0 1 0 0,0 0-1 0 0,0-2 1 0 0,25-6-1 0 0,-23 2-29 0 0,-5 3-20 0 0,-1-1-1 0 0,1-1 1 0 0,20-12-1 0 0,-30 16 26 0 0,1 0-1 0 0,-1 0 0 0 0,0 0 1 0 0,1 0-1 0 0,-1 0 1 0 0,0-1-1 0 0,0 1 1 0 0,0-1-1 0 0,-1 1 1 0 0,1-1-1 0 0,-1 0 1 0 0,1 0-1 0 0,-1 0 0 0 0,0 0 1 0 0,0 0-1 0 0,0 0 1 0 0,-1 0-1 0 0,1 0 1 0 0,-1 0-1 0 0,1-5 1 0 0,-1 6 44 0 0,0 1 1 0 0,0-1-1 0 0,-1 0 1 0 0,1 1-1 0 0,0-1 1 0 0,-1 1 0 0 0,1-1-1 0 0,-1 1 1 0 0,1-1-1 0 0,-1 1 1 0 0,0-1-1 0 0,0 1 1 0 0,0 0-1 0 0,0-1 1 0 0,0 1 0 0 0,0 0-1 0 0,0 0 1 0 0,0 0-1 0 0,0-1 1 0 0,0 1-1 0 0,-1 0 1 0 0,-2-1-1 0 0,0 0-16 0 0,0 0-1 0 0,0 0 0 0 0,0 1 0 0 0,-1-1 0 0 0,1 1 1 0 0,-1 0-1 0 0,1 1 0 0 0,-7-1 0 0 0,3 0-52 0 0,-1 1-1 0 0,1 0 1 0 0,0 0-1 0 0,0 1 1 0 0,0 0 0 0 0,0 1-1 0 0,0 0 1 0 0,1 0-1 0 0,-16 7 1 0 0,19-7 53 0 0,-1 1-1 0 0,1 0 1 0 0,0 1 0 0 0,0-1 0 0 0,0 1 0 0 0,1 0 0 0 0,-1 0 0 0 0,1 0-1 0 0,0 0 1 0 0,0 0 0 0 0,0 1 0 0 0,1-1 0 0 0,0 1 0 0 0,-1 0-1 0 0,2 0 1 0 0,-3 8 0 0 0,0 4 415 0 0,2-1 0 0 0,0 1 0 0 0,1 30 0 0 0,2-41-397 0 0,0-1 0 0 0,0 1 0 0 0,1 0 0 0 0,0-1 0 0 0,0 0-1 0 0,0 0 1 0 0,0 1 0 0 0,1-1 0 0 0,0 0 0 0 0,0-1-1 0 0,0 1 1 0 0,1-1 0 0 0,-1 1 0 0 0,1-1 0 0 0,0 0 0 0 0,0 0-1 0 0,1-1 1 0 0,-1 1 0 0 0,1-1 0 0 0,0 0 0 0 0,7 4-1 0 0,-1-1-505 0 0,-1-1 0 0 0,1 0-1 0 0,1 0 1 0 0,-1-1-1 0 0,1 0 1 0 0,-1-1-1 0 0,1-1 1 0 0,0 0 0 0 0,17 1-1 0 0,-10-3-2709 0 0</inkml:trace>
+</inkml:ink>
+</file>
+
+<file path=ppt/ink/ink201.xml><?xml version="1.0" encoding="utf-8"?>
+<inkml:ink xmlns:inkml="http://www.w3.org/2003/InkML">
+  <inkml:definitions>
+    <inkml:context xml:id="ctx0">
+      <inkml:inkSource xml:id="inkSrc0">
+        <inkml:traceFormat>
+          <inkml:channel name="X" type="integer" min="-2.14748E9" max="2.14748E9" units="cm"/>
+          <inkml:channel name="Y" type="integer" min="-2.14748E9" max="2.14748E9" units="cm"/>
+          <inkml:channel name="F" type="integer" max="32767" units="dev"/>
+          <inkml:channel name="OA" type="integer" max="360" units="deg"/>
+          <inkml:channel name="OE" type="integer" max="90" units="deg"/>
+        </inkml:traceFormat>
+        <inkml:channelProperties>
+          <inkml:channelProperty channel="X" name="resolution" value="1000" units="1/cm"/>
+          <inkml:channelProperty channel="Y" name="resolution" value="1000" units="1/cm"/>
+          <inkml:channelProperty channel="F" name="resolution" value="0" units="1/dev"/>
+          <inkml:channelProperty channel="OA" name="resolution" value="1000" units="1/deg"/>
+          <inkml:channelProperty channel="OE" name="resolution" value="1000" units="1/deg"/>
+        </inkml:channelProperties>
+      </inkml:inkSource>
+      <inkml:timestamp xml:id="ts0" timeString="2023-05-24T12:28:38.361"/>
+    </inkml:context>
+    <inkml:brush xml:id="br0">
+      <inkml:brushProperty name="width" value="0.2" units="cm"/>
+      <inkml:brushProperty name="height" value="0.2" units="cm"/>
+      <inkml:brushProperty name="color" value="#E71224"/>
+    </inkml:brush>
+  </inkml:definitions>
+  <inkml:trace contextRef="#ctx0" brushRef="#br0">440 4 6371 0 0,'0'0'4383'0'0,"-22"0"-4343"0"0,-12-1-65 0 0,10-1-29 0 0,1 2 0 0 0,-43 4 1 0 0,60-3 42 0 0,0 0 0 0 0,1-1 1 0 0,-1 2-1 0 0,0-1 0 0 0,1 1 0 0 0,-1 0 1 0 0,1 0-1 0 0,0 0 0 0 0,-1 1 1 0 0,1-1-1 0 0,0 1 0 0 0,0 1 1 0 0,1-1-1 0 0,-1 1 0 0 0,1 0 1 0 0,0 0-1 0 0,0 0 0 0 0,0 0 1 0 0,0 1-1 0 0,1 0 0 0 0,0-1 1 0 0,0 1-1 0 0,0 0 0 0 0,0 1 1 0 0,1-1-1 0 0,0 0 0 0 0,0 1 1 0 0,1-1-1 0 0,-1 1 0 0 0,1 0 1 0 0,0 0-1 0 0,0 9 0 0 0,2-12 13 0 0,-1 0 0 0 0,1 0 0 0 0,0 0 0 0 0,0 0 0 0 0,0 0 0 0 0,0-1 0 0 0,1 1 1 0 0,-1 0-1 0 0,1 0 0 0 0,-1-1 0 0 0,1 1 0 0 0,0-1 0 0 0,0 1 0 0 0,0-1 0 0 0,1 0 0 0 0,-1 0 0 0 0,0 0 0 0 0,1 0 0 0 0,0 0 0 0 0,-1-1 0 0 0,1 1 0 0 0,5 1 0 0 0,-5-1 1 0 0,1 0 0 0 0,-1-1 0 0 0,0 2 1 0 0,1-1-1 0 0,-1 0 0 0 0,0 1 0 0 0,0-1 0 0 0,-1 1 0 0 0,1 0 1 0 0,-1 0-1 0 0,1 0 0 0 0,-1 0 0 0 0,0 0 0 0 0,0 1 0 0 0,0-1 1 0 0,0 1-1 0 0,-1-1 0 0 0,2 7 0 0 0,-2-6 8 0 0,0 0 0 0 0,0 0-1 0 0,-1 0 1 0 0,0 0 0 0 0,0 0 0 0 0,0 1-1 0 0,0-1 1 0 0,-1 0 0 0 0,1 0 0 0 0,-1 0-1 0 0,0 0 1 0 0,-1 0 0 0 0,1 0 0 0 0,0 0-1 0 0,-1-1 1 0 0,0 1 0 0 0,0 0 0 0 0,0-1-1 0 0,-1 1 1 0 0,1-1 0 0 0,-1 0 0 0 0,1 0-1 0 0,-7 5 1 0 0,0-2 30 0 0,-1 0 0 0 0,-1 0-1 0 0,1-1 1 0 0,-1 0 0 0 0,0-1 0 0 0,0 0 0 0 0,-18 3-1 0 0,12-4-76 0 0,-1 0-1 0 0,1 0 0 0 0,-33-1 1 0 0,50-2-11 0 0,0 0-1 0 0,-1 0 1 0 0,1 0 0 0 0,0 0 0 0 0,0 0 0 0 0,-1 0 0 0 0,1 0 0 0 0,0 0 0 0 0,0 0 0 0 0,0 0-1 0 0,-1 0 1 0 0,1 0 0 0 0,0 0 0 0 0,0 0 0 0 0,-1 0 0 0 0,1 0 0 0 0,0 0 0 0 0,0-1 0 0 0</inkml:trace>
+</inkml:ink>
+</file>
+
+<file path=ppt/ink/ink202.xml><?xml version="1.0" encoding="utf-8"?>
+<inkml:ink xmlns:inkml="http://www.w3.org/2003/InkML">
+  <inkml:definitions>
+    <inkml:context xml:id="ctx0">
+      <inkml:inkSource xml:id="inkSrc0">
+        <inkml:traceFormat>
+          <inkml:channel name="X" type="integer" min="-2.14748E9" max="2.14748E9" units="cm"/>
+          <inkml:channel name="Y" type="integer" min="-2.14748E9" max="2.14748E9" units="cm"/>
+          <inkml:channel name="F" type="integer" max="32767" units="dev"/>
+          <inkml:channel name="OA" type="integer" max="360" units="deg"/>
+          <inkml:channel name="OE" type="integer" max="90" units="deg"/>
+        </inkml:traceFormat>
+        <inkml:channelProperties>
+          <inkml:channelProperty channel="X" name="resolution" value="1000" units="1/cm"/>
+          <inkml:channelProperty channel="Y" name="resolution" value="1000" units="1/cm"/>
+          <inkml:channelProperty channel="F" name="resolution" value="0" units="1/dev"/>
+          <inkml:channelProperty channel="OA" name="resolution" value="1000" units="1/deg"/>
+          <inkml:channelProperty channel="OE" name="resolution" value="1000" units="1/deg"/>
+        </inkml:channelProperties>
+      </inkml:inkSource>
+      <inkml:timestamp xml:id="ts0" timeString="2023-05-24T12:28:38.765"/>
+    </inkml:context>
+    <inkml:brush xml:id="br0">
+      <inkml:brushProperty name="width" value="0.2" units="cm"/>
+      <inkml:brushProperty name="height" value="0.2" units="cm"/>
+      <inkml:brushProperty name="color" value="#E71224"/>
+    </inkml:brush>
+  </inkml:definitions>
+  <inkml:trace contextRef="#ctx0" brushRef="#br0">143 0 6323 0 0,'0'0'4850'0'0,"15"18"-5298"0"0,-11 11 784 0 0,-4 9 865 0 0,0 10-241 0 0,0 6-496 0 0,-4 2-176 0 0,-19-2-160 0 0,-6-4-32 0 0,-5-8-63 0 0,8-11 15 0 0,3-14-865 0 0,1-13-2528 0 0</inkml:trace>
+</inkml:ink>
+</file>
+
+<file path=ppt/ink/ink203.xml><?xml version="1.0" encoding="utf-8"?>
+<inkml:ink xmlns:inkml="http://www.w3.org/2003/InkML">
+  <inkml:definitions>
+    <inkml:context xml:id="ctx0">
+      <inkml:inkSource xml:id="inkSrc0">
+        <inkml:traceFormat>
+          <inkml:channel name="X" type="integer" min="-2.14748E9" max="2.14748E9" units="cm"/>
+          <inkml:channel name="Y" type="integer" min="-2.14748E9" max="2.14748E9" units="cm"/>
+          <inkml:channel name="F" type="integer" max="32767" units="dev"/>
+          <inkml:channel name="OA" type="integer" max="360" units="deg"/>
+          <inkml:channel name="OE" type="integer" max="90" units="deg"/>
+        </inkml:traceFormat>
+        <inkml:channelProperties>
+          <inkml:channelProperty channel="X" name="resolution" value="1000" units="1/cm"/>
+          <inkml:channelProperty channel="Y" name="resolution" value="1000" units="1/cm"/>
+          <inkml:channelProperty channel="F" name="resolution" value="0" units="1/dev"/>
+          <inkml:channelProperty channel="OA" name="resolution" value="1000" units="1/deg"/>
+          <inkml:channelProperty channel="OE" name="resolution" value="1000" units="1/deg"/>
+        </inkml:channelProperties>
+      </inkml:inkSource>
+      <inkml:timestamp xml:id="ts0" timeString="2023-05-24T12:28:39.111"/>
+    </inkml:context>
+    <inkml:brush xml:id="br0">
+      <inkml:brushProperty name="width" value="0.2" units="cm"/>
+      <inkml:brushProperty name="height" value="0.2" units="cm"/>
+      <inkml:brushProperty name="color" value="#E71224"/>
+    </inkml:brush>
+  </inkml:definitions>
+  <inkml:trace contextRef="#ctx0" brushRef="#br0">1 18 7011 0 0,'0'0'6483'0'0,"210"-18"-5538"0"0,-151 18-609 0 0,-2 0-320 0 0,-9 2-16 0 0,-10 6-384 0 0,-12-4-1745 0 0</inkml:trace>
+</inkml:ink>
+</file>
+
+<file path=ppt/ink/ink204.xml><?xml version="1.0" encoding="utf-8"?>
+<inkml:ink xmlns:inkml="http://www.w3.org/2003/InkML">
+  <inkml:definitions>
+    <inkml:context xml:id="ctx0">
+      <inkml:inkSource xml:id="inkSrc0">
+        <inkml:traceFormat>
+          <inkml:channel name="X" type="integer" min="-2.14748E9" max="2.14748E9" units="cm"/>
+          <inkml:channel name="Y" type="integer" min="-2.14748E9" max="2.14748E9" units="cm"/>
+          <inkml:channel name="F" type="integer" max="32767" units="dev"/>
+          <inkml:channel name="OA" type="integer" max="360" units="deg"/>
+          <inkml:channel name="OE" type="integer" max="90" units="deg"/>
+        </inkml:traceFormat>
+        <inkml:channelProperties>
+          <inkml:channelProperty channel="X" name="resolution" value="1000" units="1/cm"/>
+          <inkml:channelProperty channel="Y" name="resolution" value="1000" units="1/cm"/>
+          <inkml:channelProperty channel="F" name="resolution" value="0" units="1/dev"/>
+          <inkml:channelProperty channel="OA" name="resolution" value="1000" units="1/deg"/>
+          <inkml:channelProperty channel="OE" name="resolution" value="1000" units="1/deg"/>
+        </inkml:channelProperties>
+      </inkml:inkSource>
+      <inkml:timestamp xml:id="ts0" timeString="2023-05-24T12:28:39.454"/>
+    </inkml:context>
+    <inkml:brush xml:id="br0">
+      <inkml:brushProperty name="width" value="0.2" units="cm"/>
+      <inkml:brushProperty name="height" value="0.2" units="cm"/>
+      <inkml:brushProperty name="color" value="#E71224"/>
+    </inkml:brush>
+  </inkml:definitions>
+  <inkml:trace contextRef="#ctx0" brushRef="#br0">19 0 6211 0 0,'0'0'4130'0'0,"-18"102"-3970"0"0,18-82-96 0 0,0-7-64 0 0,0-9-336 0 0</inkml:trace>
+</inkml:ink>
+</file>
+
+<file path=ppt/ink/ink205.xml><?xml version="1.0" encoding="utf-8"?>
+<inkml:ink xmlns:inkml="http://www.w3.org/2003/InkML">
+  <inkml:definitions>
+    <inkml:context xml:id="ctx0">
+      <inkml:inkSource xml:id="inkSrc0">
+        <inkml:traceFormat>
+          <inkml:channel name="X" type="integer" min="-2.14748E9" max="2.14748E9" units="cm"/>
+          <inkml:channel name="Y" type="integer" min="-2.14748E9" max="2.14748E9" units="cm"/>
+          <inkml:channel name="F" type="integer" max="32767" units="dev"/>
+          <inkml:channel name="OA" type="integer" max="360" units="deg"/>
+          <inkml:channel name="OE" type="integer" max="90" units="deg"/>
+        </inkml:traceFormat>
+        <inkml:channelProperties>
+          <inkml:channelProperty channel="X" name="resolution" value="1000" units="1/cm"/>
+          <inkml:channelProperty channel="Y" name="resolution" value="1000" units="1/cm"/>
+          <inkml:channelProperty channel="F" name="resolution" value="0" units="1/dev"/>
+          <inkml:channelProperty channel="OA" name="resolution" value="1000" units="1/deg"/>
+          <inkml:channelProperty channel="OE" name="resolution" value="1000" units="1/deg"/>
+        </inkml:channelProperties>
+      </inkml:inkSource>
+      <inkml:timestamp xml:id="ts0" timeString="2023-05-24T12:28:39.800"/>
+    </inkml:context>
+    <inkml:brush xml:id="br0">
+      <inkml:brushProperty name="width" value="0.2" units="cm"/>
+      <inkml:brushProperty name="height" value="0.2" units="cm"/>
+      <inkml:brushProperty name="color" value="#E71224"/>
+    </inkml:brush>
+  </inkml:definitions>
+  <inkml:trace contextRef="#ctx0" brushRef="#br0">0 1 10613 0 0,'0'0'3073'0'0</inkml:trace>
+</inkml:ink>
+</file>
+
+<file path=ppt/ink/ink206.xml><?xml version="1.0" encoding="utf-8"?>
+<inkml:ink xmlns:inkml="http://www.w3.org/2003/InkML">
+  <inkml:definitions>
+    <inkml:context xml:id="ctx0">
+      <inkml:inkSource xml:id="inkSrc0">
+        <inkml:traceFormat>
+          <inkml:channel name="X" type="integer" min="-2.14748E9" max="2.14748E9" units="cm"/>
+          <inkml:channel name="Y" type="integer" min="-2.14748E9" max="2.14748E9" units="cm"/>
+          <inkml:channel name="F" type="integer" max="32767" units="dev"/>
+          <inkml:channel name="OA" type="integer" max="360" units="deg"/>
+          <inkml:channel name="OE" type="integer" max="90" units="deg"/>
+        </inkml:traceFormat>
+        <inkml:channelProperties>
+          <inkml:channelProperty channel="X" name="resolution" value="1000" units="1/cm"/>
+          <inkml:channelProperty channel="Y" name="resolution" value="1000" units="1/cm"/>
+          <inkml:channelProperty channel="F" name="resolution" value="0" units="1/dev"/>
+          <inkml:channelProperty channel="OA" name="resolution" value="1000" units="1/deg"/>
+          <inkml:channelProperty channel="OE" name="resolution" value="1000" units="1/deg"/>
+        </inkml:channelProperties>
+      </inkml:inkSource>
+      <inkml:timestamp xml:id="ts0" timeString="2023-05-24T12:28:40.144"/>
+    </inkml:context>
+    <inkml:brush xml:id="br0">
+      <inkml:brushProperty name="width" value="0.2" units="cm"/>
+      <inkml:brushProperty name="height" value="0.2" units="cm"/>
+      <inkml:brushProperty name="color" value="#E71224"/>
+    </inkml:brush>
+  </inkml:definitions>
+  <inkml:trace contextRef="#ctx0" brushRef="#br0">84 61 4482 0 0,'0'0'4407'0'0,"-5"0"-4444"0"0,1 1 94 0 0,1 0-1 0 0,-1 1 1 0 0,0-1 0 0 0,1 1-1 0 0,-1-1 1 0 0,1 1 0 0 0,0 0-1 0 0,-1 0 1 0 0,1 0-1 0 0,0 1 1 0 0,0-1 0 0 0,1 1-1 0 0,-1 0 1 0 0,0 0 0 0 0,1 0-1 0 0,0 0 1 0 0,0 0 0 0 0,-1 0-1 0 0,2 0 1 0 0,-1 1 0 0 0,0-1-1 0 0,1 1 1 0 0,-2 4-1 0 0,0 3 218 0 0,1 0 0 0 0,0 0-1 0 0,0 0 1 0 0,1 0 0 0 0,0 0-1 0 0,1 1 1 0 0,1 12-1 0 0,0-22-262 0 0,-1 1 0 0 0,1-1 0 0 0,0 0 0 0 0,0 0 0 0 0,-1 0 0 0 0,1 0 0 0 0,1-1 0 0 0,-1 1 0 0 0,0 0-1 0 0,0 0 1 0 0,1-1 0 0 0,-1 1 0 0 0,1-1 0 0 0,-1 1 0 0 0,1-1 0 0 0,0 1 0 0 0,-1-1 0 0 0,1 0 0 0 0,0 0 0 0 0,0 0-1 0 0,0 0 1 0 0,0 0 0 0 0,0 0 0 0 0,0-1 0 0 0,0 1 0 0 0,0-1 0 0 0,0 1 0 0 0,4-1 0 0 0,9 3 55 0 0,0-2 0 0 0,30 0 0 0 0,-35-1 9 0 0,4 0-69 0 0,1 0-1 0 0,-1-1 1 0 0,0-1-1 0 0,0 0 1 0 0,0-1 0 0 0,22-8-1 0 0,-31 9-48 0 0,-1 0 0 0 0,1 0-1 0 0,-1 0 1 0 0,0-1 0 0 0,0 1-1 0 0,0-1 1 0 0,0 0 0 0 0,0 0-1 0 0,0 0 1 0 0,-1-1 0 0 0,0 0-1 0 0,0 1 1 0 0,0-1 0 0 0,0 0-1 0 0,0 0 1 0 0,-1 0 0 0 0,0-1-1 0 0,0 1 1 0 0,0-1 0 0 0,0 1-1 0 0,-1-1 1 0 0,1 0 0 0 0,0-8-1 0 0,-1 9 63 0 0,-1 0 0 0 0,1 0 0 0 0,-1 0 0 0 0,0-1-1 0 0,0 1 1 0 0,-1 0 0 0 0,1 0 0 0 0,-1 0-1 0 0,0 0 1 0 0,0 0 0 0 0,0 0 0 0 0,0 0-1 0 0,-1 0 1 0 0,1 0 0 0 0,-1 0 0 0 0,0 0-1 0 0,-1 1 1 0 0,1-1 0 0 0,-6-5 0 0 0,1 3 194 0 0,-1 0 0 0 0,1 1 0 0 0,-1-1 1 0 0,-1 2-1 0 0,1-1 0 0 0,-1 1 0 0 0,-14-4 0 0 0,-61-17 986 0 0,25 20-4681 0 0</inkml:trace>
+</inkml:ink>
+</file>
+
+<file path=ppt/ink/ink207.xml><?xml version="1.0" encoding="utf-8"?>
+<inkml:ink xmlns:inkml="http://www.w3.org/2003/InkML">
+  <inkml:definitions>
+    <inkml:context xml:id="ctx0">
+      <inkml:inkSource xml:id="inkSrc0">
+        <inkml:traceFormat>
+          <inkml:channel name="X" type="integer" min="-2.14748E9" max="2.14748E9" units="cm"/>
+          <inkml:channel name="Y" type="integer" min="-2.14748E9" max="2.14748E9" units="cm"/>
+          <inkml:channel name="F" type="integer" max="32767" units="dev"/>
+          <inkml:channel name="OA" type="integer" max="360" units="deg"/>
+          <inkml:channel name="OE" type="integer" max="90" units="deg"/>
+        </inkml:traceFormat>
+        <inkml:channelProperties>
+          <inkml:channelProperty channel="X" name="resolution" value="1000" units="1/cm"/>
+          <inkml:channelProperty channel="Y" name="resolution" value="1000" units="1/cm"/>
+          <inkml:channelProperty channel="F" name="resolution" value="0" units="1/dev"/>
+          <inkml:channelProperty channel="OA" name="resolution" value="1000" units="1/deg"/>
+          <inkml:channelProperty channel="OE" name="resolution" value="1000" units="1/deg"/>
+        </inkml:channelProperties>
+      </inkml:inkSource>
+      <inkml:timestamp xml:id="ts0" timeString="2023-05-24T12:28:40.505"/>
+    </inkml:context>
+    <inkml:brush xml:id="br0">
+      <inkml:brushProperty name="width" value="0.2" units="cm"/>
+      <inkml:brushProperty name="height" value="0.2" units="cm"/>
+      <inkml:brushProperty name="color" value="#E71224"/>
+    </inkml:brush>
+  </inkml:definitions>
+  <inkml:trace contextRef="#ctx0" brushRef="#br0">20 118 5811 0 0,'0'0'6819'0'0,"-4"17"-6531"0"0,-12 51-128 0 0,151-168-832 0 0,-104 72 668 0 0,-21 18 69 0 0,1 0 0 0 0,0 0 0 0 0,1 1 0 0 0,0 0 0 0 0,25-12 1 0 0,-33 19-67 0 0,1 1 1 0 0,-1 0-1 0 0,1 0 1 0 0,0 1-1 0 0,0-1 1 0 0,-1 1-1 0 0,1 0 1 0 0,0 1-1 0 0,0-1 1 0 0,-1 1-1 0 0,1 0 1 0 0,0 0-1 0 0,-1 0 1 0 0,1 1-1 0 0,-1-1 1 0 0,1 1-1 0 0,4 3 1 0 0,9 5-25 0 0,-1 0 1 0 0,25 20-1 0 0,-39-28 25 0 0,10 8-160 0 0,-1 0 0 0 0,0 0 0 0 0,-1 1 0 0 0,0 1 1 0 0,11 14-1 0 0,-18-20-45 0 0,0 1 0 0 0,0 0 0 0 0,-1-1 0 0 0,0 1 0 0 0,0 1 0 0 0,0-1 0 0 0,-1 0 0 0 0,0 1 0 0 0,-1-1 1 0 0,0 1-1 0 0,0-1 0 0 0,0 12 0 0 0</inkml:trace>
+</inkml:ink>
+</file>
+
+<file path=ppt/ink/ink208.xml><?xml version="1.0" encoding="utf-8"?>
+<inkml:ink xmlns:inkml="http://www.w3.org/2003/InkML">
+  <inkml:definitions>
+    <inkml:context xml:id="ctx0">
+      <inkml:inkSource xml:id="inkSrc0">
+        <inkml:traceFormat>
+          <inkml:channel name="X" type="integer" min="-2.14748E9" max="2.14748E9" units="cm"/>
+          <inkml:channel name="Y" type="integer" min="-2.14748E9" max="2.14748E9" units="cm"/>
+          <inkml:channel name="F" type="integer" max="32767" units="dev"/>
+          <inkml:channel name="OA" type="integer" max="360" units="deg"/>
+          <inkml:channel name="OE" type="integer" max="90" units="deg"/>
+        </inkml:traceFormat>
+        <inkml:channelProperties>
+          <inkml:channelProperty channel="X" name="resolution" value="1000" units="1/cm"/>
+          <inkml:channelProperty channel="Y" name="resolution" value="1000" units="1/cm"/>
+          <inkml:channelProperty channel="F" name="resolution" value="0" units="1/dev"/>
+          <inkml:channelProperty channel="OA" name="resolution" value="1000" units="1/deg"/>
+          <inkml:channelProperty channel="OE" name="resolution" value="1000" units="1/deg"/>
+        </inkml:channelProperties>
+      </inkml:inkSource>
+      <inkml:timestamp xml:id="ts0" timeString="2023-05-24T12:28:47.014"/>
+    </inkml:context>
+    <inkml:brush xml:id="br0">
+      <inkml:brushProperty name="width" value="0.2" units="cm"/>
+      <inkml:brushProperty name="height" value="0.2" units="cm"/>
+      <inkml:brushProperty name="color" value="#008C3A"/>
+    </inkml:brush>
+  </inkml:definitions>
+  <inkml:trace contextRef="#ctx0" brushRef="#br0">1 1 96 0 0,'0'0'1601'0'0,"3"0"-1393"0"0,1 0-768 0 0</inkml:trace>
+</inkml:ink>
+</file>
+
+<file path=ppt/ink/ink209.xml><?xml version="1.0" encoding="utf-8"?>
+<inkml:ink xmlns:inkml="http://www.w3.org/2003/InkML">
+  <inkml:definitions>
+    <inkml:context xml:id="ctx0">
+      <inkml:inkSource xml:id="inkSrc0">
+        <inkml:traceFormat>
+          <inkml:channel name="X" type="integer" min="-2.14748E9" max="2.14748E9" units="cm"/>
+          <inkml:channel name="Y" type="integer" min="-2.14748E9" max="2.14748E9" units="cm"/>
+          <inkml:channel name="F" type="integer" max="32767" units="dev"/>
+          <inkml:channel name="OA" type="integer" max="360" units="deg"/>
+          <inkml:channel name="OE" type="integer" max="90" units="deg"/>
+        </inkml:traceFormat>
+        <inkml:channelProperties>
+          <inkml:channelProperty channel="X" name="resolution" value="1000" units="1/cm"/>
+          <inkml:channelProperty channel="Y" name="resolution" value="1000" units="1/cm"/>
+          <inkml:channelProperty channel="F" name="resolution" value="0" units="1/dev"/>
+          <inkml:channelProperty channel="OA" name="resolution" value="1000" units="1/deg"/>
+          <inkml:channelProperty channel="OE" name="resolution" value="1000" units="1/deg"/>
+        </inkml:channelProperties>
+      </inkml:inkSource>
+      <inkml:timestamp xml:id="ts0" timeString="2023-05-24T12:28:49.825"/>
+    </inkml:context>
+    <inkml:brush xml:id="br0">
+      <inkml:brushProperty name="width" value="0.2" units="cm"/>
+      <inkml:brushProperty name="height" value="0.2" units="cm"/>
+      <inkml:brushProperty name="color" value="#008C3A"/>
+    </inkml:brush>
+  </inkml:definitions>
+  <inkml:trace contextRef="#ctx0" brushRef="#br0">1 1567 3105 0 0,'95'-19'10579'0'0,"-89"9"-10081"0"0,108-41-440 0 0,2 6-1 0 0,153-39 0 0 0,-174 56-63 0 0,153-36 37 0 0,33-11 5 0 0,-47 11-191 0 0,386-56 0 0 0,-260 62-501 0 0,283-41 554 0 0,100-9 137 0 0,385-43-251 0 0,-116 95-410 0 0,-425 29 380 0 0,2-4 189 0 0,460-28-156 0 0,388 32-107 0 0,-1051 29 269 0 0,124 19 43 0 0,-76 0 3 0 0,-43-18 37 0 0,326 11-32 0 0,483 6-9 0 0,-446-15 26 0 0,200-29 10 0 0,-65-46-3 0 0,-457 62-111 0 0,-110 5 110 0 0,-240-4 11 0 0,92-20 0 0 0,40-5-22 0 0,498 11-50 0 0,-697 20 54 0 0,-1-1-1 0 0,1 0 0 0 0,-1-1 0 0 0,20-6 0 0 0,-21 5-19 0 0,0 0 0 0 0,0 1 0 0 0,1 1 0 0 0,17-1 0 0 0,-30 3-12 0 0,-1-1-146 0 0,0-1 116 0 0,0 1 1 0 0,0-1-1 0 0,0 1 1 0 0,0-1-1 0 0,-1 1 1 0 0,1 0-1 0 0,-1-1 1 0 0,1 1 0 0 0,-1 0-1 0 0,1-1 1 0 0,-1 1-1 0 0,0 0 1 0 0,0 0-1 0 0,1 0 1 0 0,-1-1-1 0 0,0 1 1 0 0,0 0 0 0 0,0 0-1 0 0,0 0 1 0 0,0 0-1 0 0,-1 1 1 0 0,1-1-1 0 0,0 0 1 0 0,0 0 0 0 0,-1 1-1 0 0,1-1 1 0 0,0 1-1 0 0,-1-1 1 0 0,1 1-1 0 0,0-1 1 0 0,-1 1-1 0 0,1 0 1 0 0,-1 0 0 0 0,-1 0-1 0 0,-9-4-97 0 0,-118-36 251 0 0,-54-21 1168 0 0,85 17-441 0 0,62 25-786 0 0,-1 3 0 0 0,-58-18 0 0 0,201 45-1292 0 0,507 64 1445 0 0,-591-75 489 0 0,-22 12-1120 0 0,-2-1 372 0 0,-1 0-1 0 0,0 0 1 0 0,-1-1 0 0 0,0 1 0 0 0,0-1-1 0 0,-1 0 1 0 0,-14 17 0 0 0,-3 6 59 0 0,-2 3 181 0 0,-1-1 1 0 0,-2-1-1 0 0,-1-2 0 0 0,-2-1 1 0 0,-1-1-1 0 0,-69 49 1 0 0,34-35 435 0 0,-1-3 1 0 0,-139 62-1 0 0,117-67-472 0 0,111-34-707 0 0,23-1-219 0 0,61-2-1703 0 0,-36-7-2029 0 0,-22-3-1430 0 0</inkml:trace>
+</inkml:ink>
+</file>
+
+<file path=ppt/ink/ink21.xml><?xml version="1.0" encoding="utf-8"?>
+<inkml:ink xmlns:inkml="http://www.w3.org/2003/InkML">
+  <inkml:definitions>
+    <inkml:context xml:id="ctx0">
+      <inkml:inkSource xml:id="inkSrc0">
+        <inkml:traceFormat>
+          <inkml:channel name="X" type="integer" min="-2.14748E9" max="2.14748E9" units="cm"/>
+          <inkml:channel name="Y" type="integer" min="-2.14748E9" max="2.14748E9" units="cm"/>
+          <inkml:channel name="F" type="integer" max="32767" units="dev"/>
+          <inkml:channel name="OA" type="integer" max="360" units="deg"/>
+          <inkml:channel name="OE" type="integer" max="90" units="deg"/>
+        </inkml:traceFormat>
+        <inkml:channelProperties>
+          <inkml:channelProperty channel="X" name="resolution" value="1000" units="1/cm"/>
+          <inkml:channelProperty channel="Y" name="resolution" value="1000" units="1/cm"/>
+          <inkml:channelProperty channel="F" name="resolution" value="0" units="1/dev"/>
+          <inkml:channelProperty channel="OA" name="resolution" value="1000" units="1/deg"/>
+          <inkml:channelProperty channel="OE" name="resolution" value="1000" units="1/deg"/>
+        </inkml:channelProperties>
+      </inkml:inkSource>
+      <inkml:timestamp xml:id="ts0" timeString="2023-05-24T12:34:44.079"/>
+    </inkml:context>
+    <inkml:brush xml:id="br0">
+      <inkml:brushProperty name="width" value="0.2" units="cm"/>
+      <inkml:brushProperty name="height" value="0.2" units="cm"/>
+    </inkml:brush>
+  </inkml:definitions>
+  <inkml:trace contextRef="#ctx0" brushRef="#br0">152 0 5571 0 0,'0'1'9609'0'0,"-4"41"-9506"0"0,-1 1-1 0 0,-2-1 1 0 0,-22 70-1 0 0,17-69-7 0 0,-79 241-1043 0 0,88-273 296 0 0</inkml:trace>
+</inkml:ink>
+</file>
+
+<file path=ppt/ink/ink210.xml><?xml version="1.0" encoding="utf-8"?>
+<inkml:ink xmlns:inkml="http://www.w3.org/2003/InkML">
+  <inkml:definitions>
+    <inkml:context xml:id="ctx0">
+      <inkml:inkSource xml:id="inkSrc0">
+        <inkml:traceFormat>
+          <inkml:channel name="X" type="integer" min="-2.14748E9" max="2.14748E9" units="cm"/>
+          <inkml:channel name="Y" type="integer" min="-2.14748E9" max="2.14748E9" units="cm"/>
+          <inkml:channel name="F" type="integer" max="32767" units="dev"/>
+          <inkml:channel name="OA" type="integer" max="360" units="deg"/>
+          <inkml:channel name="OE" type="integer" max="90" units="deg"/>
+        </inkml:traceFormat>
+        <inkml:channelProperties>
+          <inkml:channelProperty channel="X" name="resolution" value="1000" units="1/cm"/>
+          <inkml:channelProperty channel="Y" name="resolution" value="1000" units="1/cm"/>
+          <inkml:channelProperty channel="F" name="resolution" value="0" units="1/dev"/>
+          <inkml:channelProperty channel="OA" name="resolution" value="1000" units="1/deg"/>
+          <inkml:channelProperty channel="OE" name="resolution" value="1000" units="1/deg"/>
+        </inkml:channelProperties>
+      </inkml:inkSource>
+      <inkml:timestamp xml:id="ts0" timeString="2023-05-24T12:28:51.331"/>
+    </inkml:context>
+    <inkml:brush xml:id="br0">
+      <inkml:brushProperty name="width" value="0.2" units="cm"/>
+      <inkml:brushProperty name="height" value="0.2" units="cm"/>
+      <inkml:brushProperty name="color" value="#008C3A"/>
+    </inkml:brush>
+  </inkml:definitions>
+  <inkml:trace contextRef="#ctx0" brushRef="#br0">472 120 3954 0 0,'0'-9'6566'0'0,"0"-13"-6180"0"0,0 19-396 0 0,-1-1-1 0 0,0 1 1 0 0,0 0 0 0 0,0 0-1 0 0,-1 0 1 0 0,1 0-1 0 0,-1 0 1 0 0,1 0-1 0 0,-1 1 1 0 0,0-1-1 0 0,0 0 1 0 0,0 1-1 0 0,-1 0 1 0 0,1-1 0 0 0,0 1-1 0 0,-1 0 1 0 0,0 0-1 0 0,1 0 1 0 0,-1 1-1 0 0,0-1 1 0 0,0 0-1 0 0,0 1 1 0 0,0 0-1 0 0,0 0 1 0 0,-5-1 0 0 0,-10-4-119 0 0,0 1 0 0 0,0 0 0 0 0,-23-2 0 0 0,22 5 118 0 0,0 1 0 0 0,-1 0 0 0 0,1 1 0 0 0,0 1 0 0 0,0 1 0 0 0,0 1-1 0 0,0 0 1 0 0,-32 11 0 0 0,44-12 0 0 0,1 0 0 0 0,0 1 0 0 0,-1 0 0 0 0,1 0 0 0 0,0 0 0 0 0,1 1 0 0 0,-1 0-1 0 0,1 0 1 0 0,-1 0 0 0 0,1 1 0 0 0,1-1 0 0 0,-1 1 0 0 0,0 0 0 0 0,1 1 0 0 0,0-1 0 0 0,1 1 0 0 0,-1 0-1 0 0,1 0 1 0 0,0 0 0 0 0,1 0 0 0 0,-1 1 0 0 0,1-1 0 0 0,0 1 0 0 0,1-1 0 0 0,-1 1 0 0 0,2 0 0 0 0,-1 12-1 0 0,1-16 9 0 0,0 0 0 0 0,0 0 0 0 0,1 1 1 0 0,-1-1-1 0 0,1 0 0 0 0,0 0 0 0 0,0 0 0 0 0,0 0 0 0 0,0 0 0 0 0,1 0 0 0 0,-1 0 0 0 0,1-1 0 0 0,0 1 0 0 0,0 0 0 0 0,0-1 0 0 0,0 1 0 0 0,0-1 0 0 0,0 0 0 0 0,1 0 0 0 0,-1 0 0 0 0,1 0 0 0 0,0 0 0 0 0,-1 0 0 0 0,1-1 0 0 0,0 1 0 0 0,0-1 0 0 0,0 0 0 0 0,0 0 0 0 0,0 0 0 0 0,0 0 0 0 0,5 0 0 0 0,12 2 68 0 0,0 0 0 0 0,0-1-1 0 0,1-2 1 0 0,20-1 0 0 0,-12 1-24 0 0,-19 0-12 0 0,0 0 0 0 0,1-1 0 0 0,-1 0 0 0 0,0-1 0 0 0,0 0 0 0 0,0 0 0 0 0,0-1-1 0 0,-1-1 1 0 0,1 1 0 0 0,-1-1 0 0 0,15-9 0 0 0,-19 9-11 0 0,0 0-1 0 0,-1 0 0 0 0,1 0 1 0 0,-1 0-1 0 0,0-1 0 0 0,-1 1 0 0 0,1-1 1 0 0,-1 0-1 0 0,0 0 0 0 0,0 0 1 0 0,0-1-1 0 0,-1 1 0 0 0,0-1 1 0 0,0 0-1 0 0,0 1 0 0 0,-1-1 1 0 0,1 0-1 0 0,-1 0 0 0 0,-1 0 1 0 0,1 0-1 0 0,-1-7 0 0 0,0 4-62 0 0,1 23-115 0 0,6 55-19 0 0,-4-56 146 0 0,0 0 0 0 0,1-1-1 0 0,1 0 1 0 0,0 0 0 0 0,1 0 0 0 0,0-1-1 0 0,1 0 1 0 0,0 0 0 0 0,1 0 0 0 0,0-1-1 0 0,0 0 1 0 0,18 15 0 0 0</inkml:trace>
+</inkml:ink>
+</file>
+
+<file path=ppt/ink/ink211.xml><?xml version="1.0" encoding="utf-8"?>
+<inkml:ink xmlns:inkml="http://www.w3.org/2003/InkML">
+  <inkml:definitions>
+    <inkml:context xml:id="ctx0">
+      <inkml:inkSource xml:id="inkSrc0">
+        <inkml:traceFormat>
+          <inkml:channel name="X" type="integer" min="-2.14748E9" max="2.14748E9" units="cm"/>
+          <inkml:channel name="Y" type="integer" min="-2.14748E9" max="2.14748E9" units="cm"/>
+          <inkml:channel name="F" type="integer" max="32767" units="dev"/>
+          <inkml:channel name="OA" type="integer" max="360" units="deg"/>
+          <inkml:channel name="OE" type="integer" max="90" units="deg"/>
+        </inkml:traceFormat>
+        <inkml:channelProperties>
+          <inkml:channelProperty channel="X" name="resolution" value="1000" units="1/cm"/>
+          <inkml:channelProperty channel="Y" name="resolution" value="1000" units="1/cm"/>
+          <inkml:channelProperty channel="F" name="resolution" value="0" units="1/dev"/>
+          <inkml:channelProperty channel="OA" name="resolution" value="1000" units="1/deg"/>
+          <inkml:channelProperty channel="OE" name="resolution" value="1000" units="1/deg"/>
+        </inkml:channelProperties>
+      </inkml:inkSource>
+      <inkml:timestamp xml:id="ts0" timeString="2023-05-24T12:28:51.881"/>
+    </inkml:context>
+    <inkml:brush xml:id="br0">
+      <inkml:brushProperty name="width" value="0.2" units="cm"/>
+      <inkml:brushProperty name="height" value="0.2" units="cm"/>
+      <inkml:brushProperty name="color" value="#008C3A"/>
+    </inkml:brush>
+  </inkml:definitions>
+  <inkml:trace contextRef="#ctx0" brushRef="#br0">0 125 7267 0 0,'0'0'3282'0'0,"7"15"-2613"0"0,21 50-290 0 0,-26-62-344 0 0,-1 0-1 0 0,1 0 0 0 0,-1 1 0 0 0,0-1 1 0 0,0 0-1 0 0,0 1 0 0 0,-1-1 1 0 0,1 1-1 0 0,-1-1 0 0 0,0 7 0 0 0,0 0 432 0 0,0-49-442 0 0,0 35-29 0 0,0-1-1 0 0,0 1 0 0 0,0-1 0 0 0,0 1 0 0 0,1-1 1 0 0,0 1-1 0 0,0 0 0 0 0,0 0 0 0 0,1-1 1 0 0,-1 1-1 0 0,1 0 0 0 0,0 0 0 0 0,0 0 0 0 0,0 0 1 0 0,1 1-1 0 0,-1-1 0 0 0,1 1 0 0 0,0-1 1 0 0,0 1-1 0 0,0 0 0 0 0,1 0 0 0 0,-1 0 0 0 0,6-3 1 0 0,21-21-178 0 0,-14 12 171 0 0,0 1 0 0 0,1 1 0 0 0,31-19 0 0 0,-41 29-18 0 0,0 0 1 0 0,0 0-1 0 0,1 0 0 0 0,-1 1 0 0 0,1 0 0 0 0,-1 0 1 0 0,1 1-1 0 0,0 0 0 0 0,0 0 0 0 0,-1 1 0 0 0,1 0 0 0 0,0 0 1 0 0,0 1-1 0 0,8 2 0 0 0,-2 0 8 0 0,-1 1-1 0 0,0 1 1 0 0,0 0-1 0 0,0 0 1 0 0,-1 2 0 0 0,0-1-1 0 0,0 2 1 0 0,0 0-1 0 0,-1 0 1 0 0,18 17 0 0 0,-24-20 23 0 0,0-1 1 0 0,0 1 0 0 0,0 1-1 0 0,-1-1 1 0 0,0 1 0 0 0,0-1 0 0 0,-1 1-1 0 0,1 0 1 0 0,-1 1 0 0 0,0-1-1 0 0,-1 0 1 0 0,0 1 0 0 0,0 0 0 0 0,0-1-1 0 0,-1 1 1 0 0,0 0 0 0 0,0 0-1 0 0,0 0 1 0 0,-1 0 0 0 0,0-1-1 0 0,-1 1 1 0 0,0 0 0 0 0,-2 11 0 0 0,2-15-78 0 0,0-1 0 0 0,0 0 1 0 0,0 0-1 0 0,0 0 0 0 0,-1 0 0 0 0,1 0 1 0 0,0 0-1 0 0,-1 0 0 0 0,0 0 1 0 0,1-1-1 0 0,-1 1 0 0 0,0-1 1 0 0,0 1-1 0 0,-2 1 0 0 0,-22 6-3948 0 0</inkml:trace>
+</inkml:ink>
+</file>
+
+<file path=ppt/ink/ink212.xml><?xml version="1.0" encoding="utf-8"?>
+<inkml:ink xmlns:inkml="http://www.w3.org/2003/InkML">
+  <inkml:definitions>
+    <inkml:context xml:id="ctx0">
+      <inkml:inkSource xml:id="inkSrc0">
+        <inkml:traceFormat>
+          <inkml:channel name="X" type="integer" min="-2.14748E9" max="2.14748E9" units="cm"/>
+          <inkml:channel name="Y" type="integer" min="-2.14748E9" max="2.14748E9" units="cm"/>
+          <inkml:channel name="F" type="integer" max="32767" units="dev"/>
+          <inkml:channel name="OA" type="integer" max="360" units="deg"/>
+          <inkml:channel name="OE" type="integer" max="90" units="deg"/>
+        </inkml:traceFormat>
+        <inkml:channelProperties>
+          <inkml:channelProperty channel="X" name="resolution" value="1000" units="1/cm"/>
+          <inkml:channelProperty channel="Y" name="resolution" value="1000" units="1/cm"/>
+          <inkml:channelProperty channel="F" name="resolution" value="0" units="1/dev"/>
+          <inkml:channelProperty channel="OA" name="resolution" value="1000" units="1/deg"/>
+          <inkml:channelProperty channel="OE" name="resolution" value="1000" units="1/deg"/>
+        </inkml:channelProperties>
+      </inkml:inkSource>
+      <inkml:timestamp xml:id="ts0" timeString="2023-05-24T12:28:52.428"/>
+    </inkml:context>
+    <inkml:brush xml:id="br0">
+      <inkml:brushProperty name="width" value="0.2" units="cm"/>
+      <inkml:brushProperty name="height" value="0.2" units="cm"/>
+      <inkml:brushProperty name="color" value="#008C3A"/>
+    </inkml:brush>
+  </inkml:definitions>
+  <inkml:trace contextRef="#ctx0" brushRef="#br0">483 3 3778 0 0,'0'0'2881'0'0,"-37"0"-2251"0"0,-117 0-73 0 0,134-2-305 0 0,-1 2-1 0 0,1 0 1 0 0,-1 2-1 0 0,0 0 1 0 0,1 1 0 0 0,-33 10-1 0 0,48-12-214 0 0,-1 1-1 0 0,0-1 1 0 0,1 1 0 0 0,-1 1 0 0 0,1-1-1 0 0,0 1 1 0 0,0 0 0 0 0,-8 6-1 0 0,11-7-29 0 0,0 0-1 0 0,0 0 0 0 0,1 1 0 0 0,-1-1 1 0 0,1 0-1 0 0,-1 0 0 0 0,1 1 0 0 0,0-1 1 0 0,0 1-1 0 0,0-1 0 0 0,0 1 0 0 0,1-1 1 0 0,-1 1-1 0 0,0 0 0 0 0,1-1 0 0 0,0 1 1 0 0,0 0-1 0 0,0 0 0 0 0,0-1 0 0 0,1 4 1 0 0,-1-3-7 0 0,1-1 0 0 0,0 0 0 0 0,0 0 1 0 0,0 1-1 0 0,0-1 0 0 0,0 0 0 0 0,0 0 1 0 0,0 0-1 0 0,1 0 0 0 0,-1 0 0 0 0,1-1 0 0 0,-1 1 1 0 0,1 0-1 0 0,0-1 0 0 0,0 1 0 0 0,0-1 1 0 0,0 0-1 0 0,4 3 0 0 0,46 20 90 0 0,-36-18-46 0 0,44 17 63 0 0,-39-15-46 0 0,0 0 0 0 0,0 1 0 0 0,-1 0 0 0 0,0 2 0 0 0,-1 1 0 0 0,20 15 0 0 0,-35-24-1 0 0,-1 0 0 0 0,0 1 0 0 0,0-1 0 0 0,0 1 0 0 0,0 0 0 0 0,-1 0 0 0 0,1 0-1 0 0,-1 1 1 0 0,0-1 0 0 0,0 0 0 0 0,-1 1 0 0 0,1-1 0 0 0,-1 1 0 0 0,0 0 0 0 0,0-1 0 0 0,-1 1 0 0 0,1 0 0 0 0,-1 0 0 0 0,0-1 0 0 0,0 1 0 0 0,-1 0 0 0 0,1 0 0 0 0,-1-1 0 0 0,0 1 0 0 0,0 0-1 0 0,-1-1 1 0 0,1 1 0 0 0,-1-1 0 0 0,0 0 0 0 0,-1 0 0 0 0,-3 7 0 0 0,-5-1 59 0 0,0-1 0 0 0,0 0 0 0 0,-1-1 0 0 0,0 0 0 0 0,0-1 0 0 0,-1 0 1 0 0,0-1-1 0 0,-26 9 0 0 0,-5-1 67 0 0,-68 12-1 0 0,99-23-166 0 0,-2 0 22 0 0,0 0 0 0 0,-30 0 0 0 0</inkml:trace>
+</inkml:ink>
+</file>
+
+<file path=ppt/ink/ink213.xml><?xml version="1.0" encoding="utf-8"?>
+<inkml:ink xmlns:inkml="http://www.w3.org/2003/InkML">
+  <inkml:definitions>
+    <inkml:context xml:id="ctx0">
+      <inkml:inkSource xml:id="inkSrc0">
+        <inkml:traceFormat>
+          <inkml:channel name="X" type="integer" min="-2.14748E9" max="2.14748E9" units="cm"/>
+          <inkml:channel name="Y" type="integer" min="-2.14748E9" max="2.14748E9" units="cm"/>
+          <inkml:channel name="F" type="integer" max="32767" units="dev"/>
+          <inkml:channel name="OA" type="integer" max="360" units="deg"/>
+          <inkml:channel name="OE" type="integer" max="90" units="deg"/>
+        </inkml:traceFormat>
+        <inkml:channelProperties>
+          <inkml:channelProperty channel="X" name="resolution" value="1000" units="1/cm"/>
+          <inkml:channelProperty channel="Y" name="resolution" value="1000" units="1/cm"/>
+          <inkml:channelProperty channel="F" name="resolution" value="0" units="1/dev"/>
+          <inkml:channelProperty channel="OA" name="resolution" value="1000" units="1/deg"/>
+          <inkml:channelProperty channel="OE" name="resolution" value="1000" units="1/deg"/>
+        </inkml:channelProperties>
+      </inkml:inkSource>
+      <inkml:timestamp xml:id="ts0" timeString="2023-05-24T12:28:53.152"/>
+    </inkml:context>
+    <inkml:brush xml:id="br0">
+      <inkml:brushProperty name="width" value="0.2" units="cm"/>
+      <inkml:brushProperty name="height" value="0.2" units="cm"/>
+      <inkml:brushProperty name="color" value="#008C3A"/>
+    </inkml:brush>
+  </inkml:definitions>
+  <inkml:trace contextRef="#ctx0" brushRef="#br0">76 66 4594 0 0,'0'0'4093'0'0,"-6"19"-3288"0"0,-55 166 1228 0 0,59-177-1993 0 0,0 0 0 0 0,0 0 0 0 0,1 0 0 0 0,0 1 0 0 0,0-1 0 0 0,2 11 0 0 0,22-24 158 0 0,-9-1-153 0 0,0-1-1 0 0,0 0 1 0 0,0-2 0 0 0,18-14 0 0 0,-17 12-29 0 0,1 0 0 0 0,28-13 0 0 0,-42 23-30 0 0,1 0 0 0 0,-1 0 1 0 0,1 0-1 0 0,-1 1 0 0 0,1 0 0 0 0,-1-1 0 0 0,1 1 0 0 0,0 0 1 0 0,-1 0-1 0 0,1 0 0 0 0,0 1 0 0 0,-1-1 0 0 0,1 1 1 0 0,-1-1-1 0 0,1 1 0 0 0,-1 0 0 0 0,1 0 0 0 0,-1 0 0 0 0,0 0 1 0 0,1 0-1 0 0,2 3 0 0 0,6 4-14 0 0,0 0 1 0 0,0 1-1 0 0,10 12 0 0 0,-14-13 36 0 0,1-1 0 0 0,-1 0-1 0 0,1 0 1 0 0,12 7 0 0 0,-15-12 9 0 0,0 0 0 0 0,1 0 1 0 0,-1 0-1 0 0,0 0 0 0 0,1-1 1 0 0,-1 0-1 0 0,0 0 0 0 0,1-1 0 0 0,-1 1 1 0 0,1-1-1 0 0,-1-1 0 0 0,1 1 1 0 0,9-2-1 0 0,-5-1 10 0 0,0 0 1 0 0,-1 0-1 0 0,1-1 1 0 0,-1 0-1 0 0,0-1 1 0 0,0 0-1 0 0,8-6 1 0 0,1-3-13 0 0,0 0 1 0 0,-1-1-1 0 0,-1-1 1 0 0,-1-1 0 0 0,0 0-1 0 0,12-19 1 0 0,-21 26 49 0 0,0 0 1 0 0,-1-1-1 0 0,0 1 1 0 0,0-1-1 0 0,-1 0 1 0 0,-1 0 0 0 0,0-1-1 0 0,-1 1 1 0 0,0-1-1 0 0,0 1 1 0 0,-1-1-1 0 0,-1 1 1 0 0,-1-19-1 0 0,1 29-147 0 0</inkml:trace>
+</inkml:ink>
+</file>
+
+<file path=ppt/ink/ink214.xml><?xml version="1.0" encoding="utf-8"?>
+<inkml:ink xmlns:inkml="http://www.w3.org/2003/InkML">
+  <inkml:definitions>
+    <inkml:context xml:id="ctx0">
+      <inkml:inkSource xml:id="inkSrc0">
+        <inkml:traceFormat>
+          <inkml:channel name="X" type="integer" min="-2.14748E9" max="2.14748E9" units="cm"/>
+          <inkml:channel name="Y" type="integer" min="-2.14748E9" max="2.14748E9" units="cm"/>
+          <inkml:channel name="F" type="integer" max="32767" units="dev"/>
+          <inkml:channel name="OA" type="integer" max="360" units="deg"/>
+          <inkml:channel name="OE" type="integer" max="90" units="deg"/>
+        </inkml:traceFormat>
+        <inkml:channelProperties>
+          <inkml:channelProperty channel="X" name="resolution" value="1000" units="1/cm"/>
+          <inkml:channelProperty channel="Y" name="resolution" value="1000" units="1/cm"/>
+          <inkml:channelProperty channel="F" name="resolution" value="0" units="1/dev"/>
+          <inkml:channelProperty channel="OA" name="resolution" value="1000" units="1/deg"/>
+          <inkml:channelProperty channel="OE" name="resolution" value="1000" units="1/deg"/>
+        </inkml:channelProperties>
+      </inkml:inkSource>
+      <inkml:timestamp xml:id="ts0" timeString="2023-05-24T12:28:53.658"/>
+    </inkml:context>
+    <inkml:brush xml:id="br0">
+      <inkml:brushProperty name="width" value="0.2" units="cm"/>
+      <inkml:brushProperty name="height" value="0.2" units="cm"/>
+      <inkml:brushProperty name="color" value="#008C3A"/>
+    </inkml:brush>
+  </inkml:definitions>
+  <inkml:trace contextRef="#ctx0" brushRef="#br0">1 213 4002 0 0,'0'0'5109'0'0,"37"-4"-4570"0"0,121-17-179 0 0,-147 20-347 0 0,0-1 1 0 0,0-1-1 0 0,0 1 0 0 0,0-2 1 0 0,0 0-1 0 0,-1 0 0 0 0,0-1 1 0 0,1 0-1 0 0,-2-1 1 0 0,1 0-1 0 0,17-15 0 0 0,-12 9-56 0 0,-11 10-39 0 0,0-1-1 0 0,0 0 1 0 0,0 1-1 0 0,0-2 0 0 0,0 1 1 0 0,-1 0-1 0 0,1-1 1 0 0,-1 0-1 0 0,0 0 1 0 0,0 0-1 0 0,-1 0 0 0 0,1 0 1 0 0,-1 0-1 0 0,0-1 1 0 0,0 1-1 0 0,0-1 0 0 0,-1 0 1 0 0,1 1-1 0 0,-1-1 1 0 0,0-7-1 0 0,-1 11 63 0 0,0 0 0 0 0,0 0 0 0 0,-1 1 0 0 0,1-1 0 0 0,0 0-1 0 0,-1 0 1 0 0,1 1 0 0 0,-1-1 0 0 0,1 0 0 0 0,-1 1 0 0 0,1-1 0 0 0,-1 1 0 0 0,0-1 0 0 0,1 1-1 0 0,-1-1 1 0 0,0 1 0 0 0,1-1 0 0 0,-1 1 0 0 0,0-1 0 0 0,0 1 0 0 0,1 0 0 0 0,-1-1-1 0 0,0 1 1 0 0,0 0 0 0 0,0 0 0 0 0,1 0 0 0 0,-1 0 0 0 0,-2 0 0 0 0,-32-4-214 0 0,24 4 197 0 0,-11-2-21 0 0,-3-1 234 0 0,0 2-1 0 0,0 0 1 0 0,0 2 0 0 0,-41 6-1 0 0,61-7-97 0 0,0 1 0 0 0,1 0 0 0 0,-1 1 0 0 0,0-1 0 0 0,1 1-1 0 0,-1 0 1 0 0,1 0 0 0 0,0 0 0 0 0,0 1 0 0 0,0-1 0 0 0,0 1 0 0 0,0 0-1 0 0,0 0 1 0 0,1 1 0 0 0,-1-1 0 0 0,1 1 0 0 0,0-1 0 0 0,0 1 0 0 0,0 0-1 0 0,1 0 1 0 0,-1 1 0 0 0,1-1 0 0 0,0 0 0 0 0,0 1 0 0 0,1-1 0 0 0,-1 1-1 0 0,1 0 1 0 0,0-1 0 0 0,0 1 0 0 0,0 8 0 0 0,1-7-47 0 0,-1-1 1 0 0,1 1-1 0 0,0-1 1 0 0,0 1-1 0 0,1 0 0 0 0,0-1 1 0 0,0 1-1 0 0,0-1 1 0 0,1 0-1 0 0,-1 1 1 0 0,1-1-1 0 0,0 0 0 0 0,1 0 1 0 0,-1 0-1 0 0,1 0 1 0 0,0 0-1 0 0,1-1 1 0 0,-1 1-1 0 0,1-1 0 0 0,0 0 1 0 0,0 0-1 0 0,0 0 1 0 0,0-1-1 0 0,1 1 0 0 0,-1-1 1 0 0,8 3-1 0 0,13 12-96 0 0,2-2 0 0 0,0-2 0 0 0,0 0-1 0 0,54 18 1 0 0,-65-28-1212 0 0,0 0 0 0 0,1-1 0 0 0,22 2 0 0 0,-5-4-3085 0 0</inkml:trace>
+</inkml:ink>
+</file>
+
+<file path=ppt/ink/ink215.xml><?xml version="1.0" encoding="utf-8"?>
+<inkml:ink xmlns:inkml="http://www.w3.org/2003/InkML">
+  <inkml:definitions>
+    <inkml:context xml:id="ctx0">
+      <inkml:inkSource xml:id="inkSrc0">
+        <inkml:traceFormat>
+          <inkml:channel name="X" type="integer" min="-2.14748E9" max="2.14748E9" units="cm"/>
+          <inkml:channel name="Y" type="integer" min="-2.14748E9" max="2.14748E9" units="cm"/>
+          <inkml:channel name="F" type="integer" max="32767" units="dev"/>
+          <inkml:channel name="OA" type="integer" max="360" units="deg"/>
+          <inkml:channel name="OE" type="integer" max="90" units="deg"/>
+        </inkml:traceFormat>
+        <inkml:channelProperties>
+          <inkml:channelProperty channel="X" name="resolution" value="1000" units="1/cm"/>
+          <inkml:channelProperty channel="Y" name="resolution" value="1000" units="1/cm"/>
+          <inkml:channelProperty channel="F" name="resolution" value="0" units="1/dev"/>
+          <inkml:channelProperty channel="OA" name="resolution" value="1000" units="1/deg"/>
+          <inkml:channelProperty channel="OE" name="resolution" value="1000" units="1/deg"/>
+        </inkml:channelProperties>
+      </inkml:inkSource>
+      <inkml:timestamp xml:id="ts0" timeString="2023-05-24T12:28:54.092"/>
+    </inkml:context>
+    <inkml:brush xml:id="br0">
+      <inkml:brushProperty name="width" value="0.2" units="cm"/>
+      <inkml:brushProperty name="height" value="0.2" units="cm"/>
+      <inkml:brushProperty name="color" value="#008C3A"/>
+    </inkml:brush>
+  </inkml:definitions>
+  <inkml:trace contextRef="#ctx0" brushRef="#br0">1 334 4002 0 0,'0'0'4797'0'0,"6"14"-4336"0"0,27 47 2902 0 0,-29-73-2693 0 0,-3-26-1168 0 0,-1 36 712 0 0,0-8-225 0 0,-2 0 0 0 0,1 0 1 0 0,-1 0-1 0 0,-1 1 0 0 0,-7-18 1 0 0,6 16 0 0 0,0 0 1 0 0,1-1 0 0 0,-4-22-1 0 0,6 25 7 0 0,0-1 0 0 0,1 0 0 0 0,0 1 1 0 0,1-1-1 0 0,0 0 0 0 0,0 0 0 0 0,4-12 0 0 0,-3 17 6 0 0,0 1-1 0 0,0-1 1 0 0,0 1-1 0 0,1-1 1 0 0,0 1 0 0 0,0 0-1 0 0,0 0 1 0 0,0 1 0 0 0,0-1-1 0 0,1 1 1 0 0,0-1-1 0 0,-1 1 1 0 0,1 0 0 0 0,1 1-1 0 0,-1-1 1 0 0,5-2 0 0 0,12-4 9 0 0,0 0 1 0 0,0 1 0 0 0,1 1 0 0 0,0 2 0 0 0,0 0 0 0 0,41-4-1 0 0,141 4-422 0 0,-146 5-147 0 0</inkml:trace>
+</inkml:ink>
+</file>
+
+<file path=ppt/ink/ink216.xml><?xml version="1.0" encoding="utf-8"?>
+<inkml:ink xmlns:inkml="http://www.w3.org/2003/InkML">
+  <inkml:definitions>
+    <inkml:context xml:id="ctx0">
+      <inkml:inkSource xml:id="inkSrc0">
+        <inkml:traceFormat>
+          <inkml:channel name="X" type="integer" min="-2.14748E9" max="2.14748E9" units="cm"/>
+          <inkml:channel name="Y" type="integer" min="-2.14748E9" max="2.14748E9" units="cm"/>
+          <inkml:channel name="F" type="integer" max="32767" units="dev"/>
+          <inkml:channel name="OA" type="integer" max="360" units="deg"/>
+          <inkml:channel name="OE" type="integer" max="90" units="deg"/>
+        </inkml:traceFormat>
+        <inkml:channelProperties>
+          <inkml:channelProperty channel="X" name="resolution" value="1000" units="1/cm"/>
+          <inkml:channelProperty channel="Y" name="resolution" value="1000" units="1/cm"/>
+          <inkml:channelProperty channel="F" name="resolution" value="0" units="1/dev"/>
+          <inkml:channelProperty channel="OA" name="resolution" value="1000" units="1/deg"/>
+          <inkml:channelProperty channel="OE" name="resolution" value="1000" units="1/deg"/>
+        </inkml:channelProperties>
+      </inkml:inkSource>
+      <inkml:timestamp xml:id="ts0" timeString="2023-05-24T12:31:07.882"/>
+    </inkml:context>
+    <inkml:brush xml:id="br0">
+      <inkml:brushProperty name="width" value="0.2" units="cm"/>
+      <inkml:brushProperty name="height" value="0.2" units="cm"/>
+      <inkml:brushProperty name="color" value="#FFC114"/>
+    </inkml:brush>
+  </inkml:definitions>
+  <inkml:trace contextRef="#ctx0" brushRef="#br0">93 37 32 0 0,'-2'-30'7702'0'0,"77"27"-7766"0"0,-40 1 29 0 0,-1 1-1 0 0,48 5 0 0 0,-69-1-51 0 0,-1 0 0 0 0,1 1 0 0 0,-1 0 0 0 0,0 1 0 0 0,0 0 0 0 0,-1 1 0 0 0,1 0 0 0 0,-1 1 0 0 0,17 14 0 0 0,-10-6-74 0 0,-1 0 0 0 0,-1 1 0 0 0,-1 1 0 0 0,23 31 0 0 0,-32-37 157 0 0,-1 0-1 0 0,0 0 1 0 0,0 1-1 0 0,-1-1 1 0 0,-1 1 0 0 0,0 0-1 0 0,0 0 1 0 0,-2 1-1 0 0,2 21 1 0 0,7 35 13 0 0,-7-46-8 0 0,-1 0 1 0 0,0 0-1 0 0,-3 36 0 0 0,0-14 0 0 0,2 43 3 0 0,-3 95 8 0 0,-1-168-20 0 0,0-1 1 0 0,-1 0 0 0 0,-11 27 0 0 0,-5 19 6 0 0,10-26 15 0 0,-1-1 0 0 0,-17 35 0 0 0,15-39 10 0 0,1 0-1 0 0,-13 54 0 0 0,16-12 3 0 0,-3 14 39 0 0,4-52-69 0 0,2 0 1 0 0,1 1-1 0 0,1-1 0 0 0,2 36 0 0 0,2-61-2 0 0,-1 2 6 0 0,1 1 0 0 0,0-1-1 0 0,0 1 1 0 0,1-1 0 0 0,1 1-1 0 0,0-1 1 0 0,0 0-1 0 0,1 1 1 0 0,0-1 0 0 0,1-1-1 0 0,5 12 1 0 0,38 68-83 0 0,-32-58 200 0 0,0-2 1 0 0,2 0-1 0 0,35 45 0 0 0,-46-66-88 0 0,1-1 1 0 0,0 0-1 0 0,1 0 0 0 0,0 0 0 0 0,0-1 0 0 0,0 0 1 0 0,1-1-1 0 0,0 0 0 0 0,0 0 0 0 0,0-1 1 0 0,0 0-1 0 0,1-1 0 0 0,0 0 0 0 0,0 0 0 0 0,0-1 1 0 0,15 1-1 0 0,-5-1 35 0 0,121 13 11 0 0,-44 5-9 0 0,-111-23 887 0 0,-14 2-394 0 0,-52 3-1590 0 0,42 0 508 0 0,9-2-14 0 0,19-1 465 0 0,0 1 0 0 0,0 0 0 0 0,0 0 0 0 0,1 1 0 0 0,-1 1 0 0 0,0-1 0 0 0,0 1 0 0 0,1 1 0 0 0,-13 5 0 0 0,17-4 55 0 0,1 0 1 0 0,-1 0-1 0 0,1 1 1 0 0,0-1-1 0 0,1 1 0 0 0,-1 0 1 0 0,1 0-1 0 0,-5 11 1 0 0,-20 26 50 0 0,7-21-28 0 0,1 1-1 0 0,1 1 1 0 0,1 1 0 0 0,-15 27-1 0 0,25-38 17 0 0,2 1-1 0 0,0 0 0 0 0,0 0 0 0 0,2 1 0 0 0,-1-1 1 0 0,2 1-1 0 0,0 0 0 0 0,1 0 0 0 0,-1 29 0 0 0,1 89 38 0 0,5 152-11 0 0,2-263-52 0 0,1 0 1 0 0,1 0-1 0 0,1-1 1 0 0,1 0-1 0 0,1 0 1 0 0,1-1-1 0 0,23 34 0 0 0,-9-14-23 0 0,-5-5 51 0 0,31 75 0 0 0,-44-92-21 0 0,-1 0 0 0 0,-1 1 0 0 0,-1 0 0 0 0,-1 0 0 0 0,0 0 0 0 0,-1 25 0 0 0,0 22 17 0 0,0-29-12 0 0,-2-1-1 0 0,-7 63 1 0 0,5-90-10 0 0,0 1-1 0 0,0 0 1 0 0,-1-1 0 0 0,0 1-1 0 0,0-1 1 0 0,-1 0 0 0 0,-1 0 0 0 0,0 0-1 0 0,0-1 1 0 0,0 1 0 0 0,-1-1-1 0 0,0 0 1 0 0,-1-1 0 0 0,-12 12-1 0 0,-34 21 292 0 0,-1-3-1 0 0,-2-2 0 0 0,-86 39 0 0 0,113-62-379 0 0,0-2-1 0 0,-1 0 1 0 0,0-2 0 0 0,-1-2-1 0 0,0-1 1 0 0,1-1 0 0 0,-2-1 0 0 0,-39-2-1 0 0,66-4-892 0 0</inkml:trace>
+</inkml:ink>
+</file>
+
+<file path=ppt/ink/ink217.xml><?xml version="1.0" encoding="utf-8"?>
+<inkml:ink xmlns:inkml="http://www.w3.org/2003/InkML">
+  <inkml:definitions>
+    <inkml:context xml:id="ctx0">
+      <inkml:inkSource xml:id="inkSrc0">
+        <inkml:traceFormat>
+          <inkml:channel name="X" type="integer" min="-2.14748E9" max="2.14748E9" units="cm"/>
+          <inkml:channel name="Y" type="integer" min="-2.14748E9" max="2.14748E9" units="cm"/>
+          <inkml:channel name="F" type="integer" max="32767" units="dev"/>
+          <inkml:channel name="OA" type="integer" max="360" units="deg"/>
+          <inkml:channel name="OE" type="integer" max="90" units="deg"/>
+        </inkml:traceFormat>
+        <inkml:channelProperties>
+          <inkml:channelProperty channel="X" name="resolution" value="1000" units="1/cm"/>
+          <inkml:channelProperty channel="Y" name="resolution" value="1000" units="1/cm"/>
+          <inkml:channelProperty channel="F" name="resolution" value="0" units="1/dev"/>
+          <inkml:channelProperty channel="OA" name="resolution" value="1000" units="1/deg"/>
+          <inkml:channelProperty channel="OE" name="resolution" value="1000" units="1/deg"/>
+        </inkml:channelProperties>
+      </inkml:inkSource>
+      <inkml:timestamp xml:id="ts0" timeString="2023-05-24T12:31:09.202"/>
+    </inkml:context>
+    <inkml:brush xml:id="br0">
+      <inkml:brushProperty name="width" value="0.2" units="cm"/>
+      <inkml:brushProperty name="height" value="0.2" units="cm"/>
+      <inkml:brushProperty name="color" value="#FFC114"/>
+    </inkml:brush>
+  </inkml:definitions>
+  <inkml:trace contextRef="#ctx0" brushRef="#br0">1 1 3169 0 0,'0'6'932'0'0,"1"35"2282"0"0,-1-33-3149 0 0,1-1-1 0 0,1 1 0 0 0,-1-1 0 0 0,1 1 0 0 0,6 13 0 0 0,41 107 986 0 0,14 30-566 0 0,-56-141-344 0 0,11 26-175 0 0,-17-42 93 0 0,-1 1-1 0 0,1-1 1 0 0,0 1 0 0 0,0-1-1 0 0,-1 0 1 0 0,1 1-1 0 0,0-1 1 0 0,0 0 0 0 0,0 0-1 0 0,1 0 1 0 0,-1 1-1 0 0,0-1 1 0 0,0 0 0 0 0,0-1-1 0 0,1 1 1 0 0,-1 0-1 0 0,1 0 1 0 0,-1-1 0 0 0,0 1-1 0 0,3 0 1 0 0,-2-2 67 0 0,0 0 0 0 0,0-1 0 0 0,0 1 0 0 0,0-1 0 0 0,0 0 0 0 0,0 1 0 0 0,0-1 0 0 0,-1 0 0 0 0,1 0 0 0 0,-1 0 0 0 0,1 0 0 0 0,-1-1 0 0 0,0 1 0 0 0,0 0 0 0 0,2-5 0 0 0,3-4 145 0 0,-2 4-258 0 0,41-68 37 0 0,65-81-1 0 0,-93 135-126 0 0,2 0-1 0 0,0 2 1 0 0,1 0-1 0 0,1 1 1 0 0,0 1-1 0 0,1 0 1 0 0,1 2-1 0 0,29-14 1 0 0,-44 26-717 0 0,0 0 0 0 0,0 1 1 0 0,0 0-1 0 0,1 0 0 0 0,-1 1 1 0 0,1 0-1 0 0,9 1 1 0 0,-16-1 454 0 0,13 0-2816 0 0</inkml:trace>
+</inkml:ink>
+</file>
+
+<file path=ppt/ink/ink218.xml><?xml version="1.0" encoding="utf-8"?>
+<inkml:ink xmlns:inkml="http://www.w3.org/2003/InkML">
+  <inkml:definitions>
+    <inkml:context xml:id="ctx0">
+      <inkml:inkSource xml:id="inkSrc0">
+        <inkml:traceFormat>
+          <inkml:channel name="X" type="integer" min="-2.14748E9" max="2.14748E9" units="cm"/>
+          <inkml:channel name="Y" type="integer" min="-2.14748E9" max="2.14748E9" units="cm"/>
+          <inkml:channel name="F" type="integer" max="32767" units="dev"/>
+          <inkml:channel name="OA" type="integer" max="360" units="deg"/>
+          <inkml:channel name="OE" type="integer" max="90" units="deg"/>
+        </inkml:traceFormat>
+        <inkml:channelProperties>
+          <inkml:channelProperty channel="X" name="resolution" value="1000" units="1/cm"/>
+          <inkml:channelProperty channel="Y" name="resolution" value="1000" units="1/cm"/>
+          <inkml:channelProperty channel="F" name="resolution" value="0" units="1/dev"/>
+          <inkml:channelProperty channel="OA" name="resolution" value="1000" units="1/deg"/>
+          <inkml:channelProperty channel="OE" name="resolution" value="1000" units="1/deg"/>
+        </inkml:channelProperties>
+      </inkml:inkSource>
+      <inkml:timestamp xml:id="ts0" timeString="2023-05-24T12:31:09.722"/>
+    </inkml:context>
+    <inkml:brush xml:id="br0">
+      <inkml:brushProperty name="width" value="0.2" units="cm"/>
+      <inkml:brushProperty name="height" value="0.2" units="cm"/>
+      <inkml:brushProperty name="color" value="#FFC114"/>
+    </inkml:brush>
+  </inkml:definitions>
+  <inkml:trace contextRef="#ctx0" brushRef="#br0">0 199 2385 0 0,'0'0'2607'0'0,"33"4"-2442"0"0,105 12-80 0 0,-127-15-133 0 0,0 0-1 0 0,1-1 1 0 0,-1-1-1 0 0,0 0 1 0 0,0 0-1 0 0,0-1 1 0 0,0 0-1 0 0,0-1 1 0 0,-1 0-1 0 0,1-1 1 0 0,13-7-1 0 0,-19 8 27 0 0,1 0 0 0 0,-1 0 0 0 0,0-1 0 0 0,-1 0 0 0 0,1 1 0 0 0,-1-2 0 0 0,1 1 0 0 0,-1-1 0 0 0,0 1 0 0 0,-1-1 0 0 0,1 0 0 0 0,-1 0 0 0 0,0-1-1 0 0,-1 1 1 0 0,1-1 0 0 0,-1 1 0 0 0,3-12 0 0 0,-3-43 4960 0 0,-2 35-3473 0 0,-1 24-1461 0 0,1 0-1 0 0,0 1 1 0 0,-1-1 0 0 0,1 0-1 0 0,-1 0 1 0 0,1 0-1 0 0,-1 0 1 0 0,1 1 0 0 0,-1-1-1 0 0,0 0 1 0 0,1 1-1 0 0,-1-1 1 0 0,0 0 0 0 0,1 1-1 0 0,-1-1 1 0 0,0 1-1 0 0,0-1 1 0 0,0 1 0 0 0,0 0-1 0 0,1-1 1 0 0,-1 1-1 0 0,0 0 1 0 0,0-1 0 0 0,0 1-1 0 0,0 0 1 0 0,0 0-1 0 0,0 0 1 0 0,0 0 0 0 0,0 0-1 0 0,-1 0 1 0 0,-38-1-59 0 0,31 1 68 0 0,3 1-29 0 0,0-1 1 0 0,0 1-1 0 0,1 1 1 0 0,-1-1-1 0 0,0 1 0 0 0,1-1 1 0 0,-1 2-1 0 0,1-1 1 0 0,0 0-1 0 0,0 1 1 0 0,0 0-1 0 0,0 1 1 0 0,0-1-1 0 0,1 1 1 0 0,-1 0-1 0 0,1 0 1 0 0,0 0-1 0 0,0 0 1 0 0,1 1-1 0 0,-1-1 1 0 0,1 1-1 0 0,0 0 1 0 0,0 0-1 0 0,1 1 1 0 0,-1-1-1 0 0,-2 9 1 0 0,-1 6-4 0 0,0-1 0 0 0,1 1 1 0 0,1 0-1 0 0,0 0 0 0 0,2 0 1 0 0,0 30-1 0 0,2-41 23 0 0,1 0 0 0 0,0-1 0 0 0,1 1 0 0 0,0 0-1 0 0,0-1 1 0 0,1 1 0 0 0,0-1 0 0 0,0 1 0 0 0,1-1 0 0 0,0 0 0 0 0,0-1 0 0 0,1 1-1 0 0,0-1 1 0 0,0 0 0 0 0,1 0 0 0 0,0 0 0 0 0,0-1 0 0 0,1 0 0 0 0,0 0 0 0 0,0-1-1 0 0,0 0 1 0 0,1 0 0 0 0,-1 0 0 0 0,1-1 0 0 0,0-1 0 0 0,0 1 0 0 0,1-1 0 0 0,-1 0 0 0 0,1-1-1 0 0,0 0 1 0 0,-1 0 0 0 0,11 0 0 0 0,-7-1-258 0 0,0 1-1 0 0,1-2 1 0 0,-1 0-1 0 0,1 0 1 0 0,-1-1-1 0 0,0-1 1 0 0,21-4-1 0 0,20-22-3013 0 0</inkml:trace>
+</inkml:ink>
+</file>
+
+<file path=ppt/ink/ink219.xml><?xml version="1.0" encoding="utf-8"?>
+<inkml:ink xmlns:inkml="http://www.w3.org/2003/InkML">
+  <inkml:definitions>
+    <inkml:context xml:id="ctx0">
+      <inkml:inkSource xml:id="inkSrc0">
+        <inkml:traceFormat>
+          <inkml:channel name="X" type="integer" min="-2.14748E9" max="2.14748E9" units="cm"/>
+          <inkml:channel name="Y" type="integer" min="-2.14748E9" max="2.14748E9" units="cm"/>
+          <inkml:channel name="F" type="integer" max="32767" units="dev"/>
+          <inkml:channel name="OA" type="integer" max="360" units="deg"/>
+          <inkml:channel name="OE" type="integer" max="90" units="deg"/>
+        </inkml:traceFormat>
+        <inkml:channelProperties>
+          <inkml:channelProperty channel="X" name="resolution" value="1000" units="1/cm"/>
+          <inkml:channelProperty channel="Y" name="resolution" value="1000" units="1/cm"/>
+          <inkml:channelProperty channel="F" name="resolution" value="0" units="1/dev"/>
+          <inkml:channelProperty channel="OA" name="resolution" value="1000" units="1/deg"/>
+          <inkml:channelProperty channel="OE" name="resolution" value="1000" units="1/deg"/>
+        </inkml:channelProperties>
+      </inkml:inkSource>
+      <inkml:timestamp xml:id="ts0" timeString="2023-05-24T12:31:10.158"/>
+    </inkml:context>
+    <inkml:brush xml:id="br0">
+      <inkml:brushProperty name="width" value="0.2" units="cm"/>
+      <inkml:brushProperty name="height" value="0.2" units="cm"/>
+      <inkml:brushProperty name="color" value="#FFC114"/>
+    </inkml:brush>
+  </inkml:definitions>
+  <inkml:trace contextRef="#ctx0" brushRef="#br0">64 377 6115 0 0,'0'0'2652'0'0,"3"7"-2554"0"0,5 18 236 0 0,-25-42 520 0 0,7 3-691 0 0,0-1-1 0 0,-14-27 1 0 0,22 36-174 0 0,0 1 0 0 0,0-1 0 0 0,0 0 0 0 0,0 0 1 0 0,1 0-1 0 0,0 0 0 0 0,0 0 0 0 0,1-1 0 0 0,-1 1 0 0 0,2 0 1 0 0,-1 0-1 0 0,0 0 0 0 0,1 0 0 0 0,0 0 0 0 0,1 0 0 0 0,0 0 0 0 0,-1 0 1 0 0,2 0-1 0 0,-1 0 0 0 0,1 1 0 0 0,0-1 0 0 0,0 1 0 0 0,0 0 1 0 0,1 0-1 0 0,0 0 0 0 0,0 0 0 0 0,0 1 0 0 0,0-1 0 0 0,1 1 1 0 0,7-5-1 0 0,14-6 27 0 0,1 1-1 0 0,1 2 1 0 0,0 0 0 0 0,46-11 0 0 0,123-19-1671 0 0,-91 22-2945 0 0,-81 15 1163 0 0</inkml:trace>
+</inkml:ink>
+</file>
+
+<file path=ppt/ink/ink22.xml><?xml version="1.0" encoding="utf-8"?>
+<inkml:ink xmlns:inkml="http://www.w3.org/2003/InkML">
+  <inkml:definitions>
+    <inkml:context xml:id="ctx0">
+      <inkml:inkSource xml:id="inkSrc0">
+        <inkml:traceFormat>
+          <inkml:channel name="X" type="integer" min="-2.14748E9" max="2.14748E9" units="cm"/>
+          <inkml:channel name="Y" type="integer" min="-2.14748E9" max="2.14748E9" units="cm"/>
+          <inkml:channel name="F" type="integer" max="32767" units="dev"/>
+          <inkml:channel name="OA" type="integer" max="360" units="deg"/>
+          <inkml:channel name="OE" type="integer" max="90" units="deg"/>
+        </inkml:traceFormat>
+        <inkml:channelProperties>
+          <inkml:channelProperty channel="X" name="resolution" value="1000" units="1/cm"/>
+          <inkml:channelProperty channel="Y" name="resolution" value="1000" units="1/cm"/>
+          <inkml:channelProperty channel="F" name="resolution" value="0" units="1/dev"/>
+          <inkml:channelProperty channel="OA" name="resolution" value="1000" units="1/deg"/>
+          <inkml:channelProperty channel="OE" name="resolution" value="1000" units="1/deg"/>
+        </inkml:channelProperties>
+      </inkml:inkSource>
+      <inkml:timestamp xml:id="ts0" timeString="2023-05-24T12:34:44.408"/>
+    </inkml:context>
+    <inkml:brush xml:id="br0">
+      <inkml:brushProperty name="width" value="0.2" units="cm"/>
+      <inkml:brushProperty name="height" value="0.2" units="cm"/>
+    </inkml:brush>
+  </inkml:definitions>
+  <inkml:trace contextRef="#ctx0" brushRef="#br0">1 1 6691 0 0,'0'0'4066'0'0,"194"10"-2689"0"0,-138 1-753 0 0,-7 3-496 0 0,-15-1-96 0 0,-12-3-128 0 0,-7-7-624 0 0</inkml:trace>
+</inkml:ink>
+</file>
+
+<file path=ppt/ink/ink220.xml><?xml version="1.0" encoding="utf-8"?>
+<inkml:ink xmlns:inkml="http://www.w3.org/2003/InkML">
+  <inkml:definitions>
+    <inkml:context xml:id="ctx0">
+      <inkml:inkSource xml:id="inkSrc0">
+        <inkml:traceFormat>
+          <inkml:channel name="X" type="integer" min="-2.14748E9" max="2.14748E9" units="cm"/>
+          <inkml:channel name="Y" type="integer" min="-2.14748E9" max="2.14748E9" units="cm"/>
+          <inkml:channel name="F" type="integer" max="32767" units="dev"/>
+          <inkml:channel name="OA" type="integer" max="360" units="deg"/>
+          <inkml:channel name="OE" type="integer" max="90" units="deg"/>
+        </inkml:traceFormat>
+        <inkml:channelProperties>
+          <inkml:channelProperty channel="X" name="resolution" value="1000" units="1/cm"/>
+          <inkml:channelProperty channel="Y" name="resolution" value="1000" units="1/cm"/>
+          <inkml:channelProperty channel="F" name="resolution" value="0" units="1/dev"/>
+          <inkml:channelProperty channel="OA" name="resolution" value="1000" units="1/deg"/>
+          <inkml:channelProperty channel="OE" name="resolution" value="1000" units="1/deg"/>
+        </inkml:channelProperties>
+      </inkml:inkSource>
+      <inkml:timestamp xml:id="ts0" timeString="2023-05-24T12:31:10.675"/>
+    </inkml:context>
+    <inkml:brush xml:id="br0">
+      <inkml:brushProperty name="width" value="0.2" units="cm"/>
+      <inkml:brushProperty name="height" value="0.2" units="cm"/>
+      <inkml:brushProperty name="color" value="#FFC114"/>
+    </inkml:brush>
+  </inkml:definitions>
+  <inkml:trace contextRef="#ctx0" brushRef="#br0">268 14 4882 0 0,'0'0'3706'0'0,"16"18"-3170"0"0,49 56-394 0 0,-62-71-123 0 0,0 0 0 0 0,0 0 0 0 0,0 0 0 0 0,0 0 1 0 0,0-1-1 0 0,1 0 0 0 0,-1 1 0 0 0,1-1 1 0 0,-1 0-1 0 0,1-1 0 0 0,0 1 0 0 0,0-1 0 0 0,7 2 1 0 0,-9-2-40 0 0,1-1 0 0 0,0 0 1 0 0,0 0-1 0 0,0-1 1 0 0,-1 1-1 0 0,1 0 1 0 0,0-1-1 0 0,0 0 0 0 0,-1 1 1 0 0,1-1-1 0 0,0 0 1 0 0,-1-1-1 0 0,1 1 0 0 0,-1 0 1 0 0,4-3-1 0 0,2-3-151 0 0,1-1 0 0 0,-1-1 1 0 0,0 1-1 0 0,-1-1 0 0 0,0 0 0 0 0,11-21 0 0 0,-10 17 8 0 0,-6 11 151 0 0,20-27 52 0 0,-21 29-40 0 0,-1-1 0 0 0,0 1 1 0 0,0 0-1 0 0,0 0 0 0 0,1 0 1 0 0,-1-1-1 0 0,0 1 0 0 0,0 0 1 0 0,0 0-1 0 0,1 0 0 0 0,-1 0 1 0 0,0 0-1 0 0,0 0 0 0 0,1-1 0 0 0,-1 1 1 0 0,0 0-1 0 0,0 0 0 0 0,1 0 1 0 0,-1 0-1 0 0,0 0 0 0 0,1 0 1 0 0,-1 0-1 0 0,0 0 0 0 0,0 0 1 0 0,1 0-1 0 0,-1 0 0 0 0,0 0 1 0 0,0 1-1 0 0,1-1 0 0 0,-1 0 1 0 0,0 0-1 0 0,0 0 0 0 0,1 0 1 0 0,-1 0-1 0 0,0 0 0 0 0,1 1 0 0 0,2 19-145 0 0,-2 10 613 0 0,-1-6 67 0 0,0 1 1 0 0,-6 33-1 0 0,5-49-450 0 0,-1-1 1 0 0,0 0-1 0 0,-1 0 1 0 0,0 0-1 0 0,0 0 1 0 0,-1-1-1 0 0,0 1 1 0 0,0-1-1 0 0,0 0 1 0 0,-11 12-1 0 0,-6 3 98 0 0,-1-2-1 0 0,-1-1 1 0 0,0 0 0 0 0,-1-2-1 0 0,-2 0 1 0 0,1-2-1 0 0,-35 15 1 0 0,18-12-94 0 0,-1-1 0 0 0,-1-3 0 0 0,-90 19 0 0 0,111-31-4112 0 0</inkml:trace>
+</inkml:ink>
+</file>
+
+<file path=ppt/ink/ink221.xml><?xml version="1.0" encoding="utf-8"?>
+<inkml:ink xmlns:inkml="http://www.w3.org/2003/InkML">
+  <inkml:definitions>
+    <inkml:context xml:id="ctx0">
+      <inkml:inkSource xml:id="inkSrc0">
+        <inkml:traceFormat>
+          <inkml:channel name="X" type="integer" min="-2.14748E9" max="2.14748E9" units="cm"/>
+          <inkml:channel name="Y" type="integer" min="-2.14748E9" max="2.14748E9" units="cm"/>
+          <inkml:channel name="F" type="integer" max="32767" units="dev"/>
+          <inkml:channel name="OA" type="integer" max="360" units="deg"/>
+          <inkml:channel name="OE" type="integer" max="90" units="deg"/>
+        </inkml:traceFormat>
+        <inkml:channelProperties>
+          <inkml:channelProperty channel="X" name="resolution" value="1000" units="1/cm"/>
+          <inkml:channelProperty channel="Y" name="resolution" value="1000" units="1/cm"/>
+          <inkml:channelProperty channel="F" name="resolution" value="0" units="1/dev"/>
+          <inkml:channelProperty channel="OA" name="resolution" value="1000" units="1/deg"/>
+          <inkml:channelProperty channel="OE" name="resolution" value="1000" units="1/deg"/>
+        </inkml:channelProperties>
+      </inkml:inkSource>
+      <inkml:timestamp xml:id="ts0" timeString="2023-05-24T12:31:11.424"/>
+    </inkml:context>
+    <inkml:brush xml:id="br0">
+      <inkml:brushProperty name="width" value="0.2" units="cm"/>
+      <inkml:brushProperty name="height" value="0.2" units="cm"/>
+      <inkml:brushProperty name="color" value="#FFC114"/>
+    </inkml:brush>
+  </inkml:definitions>
+  <inkml:trace contextRef="#ctx0" brushRef="#br0">244 1 3634 0 0,'0'0'2574'0'0,"-13"19"-1392"0"0,-42 64-427 0 0,50-73-640 0 0,1-1-1 0 0,-1 1 1 0 0,2 0-1 0 0,-1 0 1 0 0,1 0-1 0 0,1 0 1 0 0,0 1-1 0 0,0-1 1 0 0,1 1-1 0 0,0 0 1 0 0,1-1-1 0 0,1 16 0 0 0,-1 22 234 0 0,-4-1-65 0 0,-3 0 0 0 0,-22 83 1 0 0,-42 85-249 0 0,55-170 32 0 0,0 21-962 0 0,15-37-3620 0 0</inkml:trace>
+</inkml:ink>
+</file>
+
+<file path=ppt/ink/ink222.xml><?xml version="1.0" encoding="utf-8"?>
+<inkml:ink xmlns:inkml="http://www.w3.org/2003/InkML">
+  <inkml:definitions>
+    <inkml:context xml:id="ctx0">
+      <inkml:inkSource xml:id="inkSrc0">
+        <inkml:traceFormat>
+          <inkml:channel name="X" type="integer" min="-2.14748E9" max="2.14748E9" units="cm"/>
+          <inkml:channel name="Y" type="integer" min="-2.14748E9" max="2.14748E9" units="cm"/>
+          <inkml:channel name="F" type="integer" max="32767" units="dev"/>
+          <inkml:channel name="OA" type="integer" max="360" units="deg"/>
+          <inkml:channel name="OE" type="integer" max="90" units="deg"/>
+        </inkml:traceFormat>
+        <inkml:channelProperties>
+          <inkml:channelProperty channel="X" name="resolution" value="1000" units="1/cm"/>
+          <inkml:channelProperty channel="Y" name="resolution" value="1000" units="1/cm"/>
+          <inkml:channelProperty channel="F" name="resolution" value="0" units="1/dev"/>
+          <inkml:channelProperty channel="OA" name="resolution" value="1000" units="1/deg"/>
+          <inkml:channelProperty channel="OE" name="resolution" value="1000" units="1/deg"/>
+        </inkml:channelProperties>
+      </inkml:inkSource>
+      <inkml:timestamp xml:id="ts0" timeString="2023-05-24T12:31:11.926"/>
+    </inkml:context>
+    <inkml:brush xml:id="br0">
+      <inkml:brushProperty name="width" value="0.2" units="cm"/>
+      <inkml:brushProperty name="height" value="0.2" units="cm"/>
+      <inkml:brushProperty name="color" value="#FFC114"/>
+    </inkml:brush>
+  </inkml:definitions>
+  <inkml:trace contextRef="#ctx0" brushRef="#br0">154 1 2993 0 0,'0'0'3634'0'0,"-23"12"-2986"0"0,-72 40 158 0 0,93-50-740 0 0,-1-1 0 0 0,1 1 0 0 0,0-1 1 0 0,-1 1-1 0 0,1 0 0 0 0,0 0 0 0 0,0 0 0 0 0,0 0 0 0 0,0 1 0 0 0,1-1 1 0 0,-1 0-1 0 0,1 1 0 0 0,-1 0 0 0 0,1-1 0 0 0,0 1 0 0 0,0-1 0 0 0,0 1 0 0 0,0 0 1 0 0,0 0-1 0 0,1 0 0 0 0,-1 0 0 0 0,1-1 0 0 0,0 1 0 0 0,0 0 0 0 0,0 0 1 0 0,0 0-1 0 0,0 0 0 0 0,2 4 0 0 0,-1 8 345 0 0,-1-13-391 0 0,0-1 0 0 0,1 0-1 0 0,-1 1 1 0 0,0-1 0 0 0,1 1 0 0 0,-1-1 0 0 0,1 0-1 0 0,0 0 1 0 0,-1 1 0 0 0,1-1 0 0 0,0 0-1 0 0,0 0 1 0 0,0 0 0 0 0,-1 0 0 0 0,1 0 0 0 0,0 0-1 0 0,1 0 1 0 0,-1 0 0 0 0,0 0 0 0 0,0 0-1 0 0,0-1 1 0 0,0 1 0 0 0,1 0 0 0 0,-1-1 0 0 0,0 1-1 0 0,1-1 1 0 0,-1 1 0 0 0,0-1 0 0 0,1 0-1 0 0,-1 0 1 0 0,1 1 0 0 0,1-1 0 0 0,54 0 186 0 0,-47 0-115 0 0,-1-1-71 0 0,0 0 1 0 0,-1-1-1 0 0,1 1 1 0 0,0-2-1 0 0,-1 1 1 0 0,1-1 0 0 0,-1-1-1 0 0,0 0 1 0 0,0 0-1 0 0,0 0 1 0 0,0-1-1 0 0,11-10 1 0 0,-18 15-27 0 0,-1-1 0 0 0,1 1 0 0 0,-1-1 0 0 0,1 1 0 0 0,-1-1 0 0 0,1 1 0 0 0,0-1 0 0 0,-1 1 0 0 0,1-1 0 0 0,0 1 0 0 0,-1 0 0 0 0,1-1 0 0 0,0 1 0 0 0,0 0 0 0 0,-1 0 0 0 0,1-1 0 0 0,0 1 0 0 0,0 0 0 0 0,-1 0 0 0 0,1 0 0 0 0,0 0 0 0 0,0 0 0 0 0,0 0 0 0 0,-1 0 0 0 0,1 0 0 0 0,0 1 0 0 0,0-1 0 0 0,-1 0 0 0 0,1 0 0 0 0,0 1 0 0 0,-1-1 0 0 0,1 0 0 0 0,0 1 0 0 0,0-1 0 0 0,-1 1 0 0 0,1-1 0 0 0,-1 1 0 0 0,2 0 0 0 0,13 32-618 0 0,-7-13 540 0 0,0-4 136 0 0,1 0 0 0 0,1-1 1 0 0,0 0-1 0 0,16 18 0 0 0,-22-28-216 0 0,1 0-1 0 0,0-1 0 0 0,0 1 0 0 0,1-1 1 0 0,-1 0-1 0 0,1 0 0 0 0,0-1 1 0 0,0 1-1 0 0,1-1 0 0 0,-1-1 1 0 0,0 1-1 0 0,1-1 0 0 0,0 0 1 0 0,8 1-1 0 0,23-1-2901 0 0</inkml:trace>
+</inkml:ink>
+</file>
+
+<file path=ppt/ink/ink223.xml><?xml version="1.0" encoding="utf-8"?>
+<inkml:ink xmlns:inkml="http://www.w3.org/2003/InkML">
+  <inkml:definitions>
+    <inkml:context xml:id="ctx0">
+      <inkml:inkSource xml:id="inkSrc0">
+        <inkml:traceFormat>
+          <inkml:channel name="X" type="integer" min="-2.14748E9" max="2.14748E9" units="cm"/>
+          <inkml:channel name="Y" type="integer" min="-2.14748E9" max="2.14748E9" units="cm"/>
+          <inkml:channel name="F" type="integer" max="32767" units="dev"/>
+          <inkml:channel name="OA" type="integer" max="360" units="deg"/>
+          <inkml:channel name="OE" type="integer" max="90" units="deg"/>
+        </inkml:traceFormat>
+        <inkml:channelProperties>
+          <inkml:channelProperty channel="X" name="resolution" value="1000" units="1/cm"/>
+          <inkml:channelProperty channel="Y" name="resolution" value="1000" units="1/cm"/>
+          <inkml:channelProperty channel="F" name="resolution" value="0" units="1/dev"/>
+          <inkml:channelProperty channel="OA" name="resolution" value="1000" units="1/deg"/>
+          <inkml:channelProperty channel="OE" name="resolution" value="1000" units="1/deg"/>
+        </inkml:channelProperties>
+      </inkml:inkSource>
+      <inkml:timestamp xml:id="ts0" timeString="2023-05-24T12:31:12.279"/>
+    </inkml:context>
+    <inkml:brush xml:id="br0">
+      <inkml:brushProperty name="width" value="0.2" units="cm"/>
+      <inkml:brushProperty name="height" value="0.2" units="cm"/>
+      <inkml:brushProperty name="color" value="#FFC114"/>
+    </inkml:brush>
+  </inkml:definitions>
+  <inkml:trace contextRef="#ctx0" brushRef="#br0">0 414 3153 0 0,'0'0'3613'0'0,"18"-8"-3384"0"0,-8 4-226 0 0,0 0-13 0 0,1 0-1 0 0,-1-1 1 0 0,-1 0-1 0 0,1 0 1 0 0,0-1-1 0 0,-1 0 1 0 0,0-1-1 0 0,-1 0 1 0 0,0 0-1 0 0,0-1 1 0 0,9-11-1 0 0,-14 13 126 0 0,-1 0-1 0 0,0-1 0 0 0,0 1 1 0 0,-1 0-1 0 0,0-1 0 0 0,0 1 0 0 0,0-1 1 0 0,-1 1-1 0 0,0-1 0 0 0,0 0 0 0 0,-1 1 1 0 0,0-1-1 0 0,0 1 0 0 0,-1-1 0 0 0,1 1 1 0 0,-1 0-1 0 0,-1 0 0 0 0,1 0 0 0 0,-1 0 1 0 0,0 0-1 0 0,0 0 0 0 0,-8-9 0 0 0,3 4 267 0 0,0 0 1 0 0,0 0-1 0 0,1-1 0 0 0,-7-16 0 0 0,13 26-350 0 0,0 1 0 0 0,0-1-1 0 0,0 0 1 0 0,1 1 0 0 0,-1-1 0 0 0,0 0 0 0 0,1 0 0 0 0,-1 0 0 0 0,1 0-1 0 0,0 0 1 0 0,-1 0 0 0 0,1 0 0 0 0,0 0 0 0 0,0 0 0 0 0,0 1 0 0 0,1-1-1 0 0,-1 0 1 0 0,0 0 0 0 0,1 0 0 0 0,-1 0 0 0 0,1 0 0 0 0,0 0 0 0 0,0 1-1 0 0,0-1 1 0 0,-1 0 0 0 0,2 0 0 0 0,-1 1 0 0 0,0-1 0 0 0,0 1 0 0 0,0-1-1 0 0,1 1 1 0 0,-1 0 0 0 0,1-1 0 0 0,-1 1 0 0 0,1 0 0 0 0,-1 0 0 0 0,1 0-1 0 0,0 0 1 0 0,-1 0 0 0 0,1 0 0 0 0,3 0 0 0 0,34-7-168 0 0,1 1 1 0 0,0 2-1 0 0,0 2 1 0 0,0 2-1 0 0,49 5 1 0 0,-4-2-1086 0 0,-15-2-987 0 0,-17 0-752 0 0</inkml:trace>
+</inkml:ink>
+</file>
+
+<file path=ppt/ink/ink224.xml><?xml version="1.0" encoding="utf-8"?>
+<inkml:ink xmlns:inkml="http://www.w3.org/2003/InkML">
+  <inkml:definitions>
+    <inkml:context xml:id="ctx0">
+      <inkml:inkSource xml:id="inkSrc0">
+        <inkml:traceFormat>
+          <inkml:channel name="X" type="integer" min="-2.14748E9" max="2.14748E9" units="cm"/>
+          <inkml:channel name="Y" type="integer" min="-2.14748E9" max="2.14748E9" units="cm"/>
+          <inkml:channel name="F" type="integer" max="32767" units="dev"/>
+          <inkml:channel name="OA" type="integer" max="360" units="deg"/>
+          <inkml:channel name="OE" type="integer" max="90" units="deg"/>
+        </inkml:traceFormat>
+        <inkml:channelProperties>
+          <inkml:channelProperty channel="X" name="resolution" value="1000" units="1/cm"/>
+          <inkml:channelProperty channel="Y" name="resolution" value="1000" units="1/cm"/>
+          <inkml:channelProperty channel="F" name="resolution" value="0" units="1/dev"/>
+          <inkml:channelProperty channel="OA" name="resolution" value="1000" units="1/deg"/>
+          <inkml:channelProperty channel="OE" name="resolution" value="1000" units="1/deg"/>
+        </inkml:channelProperties>
+      </inkml:inkSource>
+      <inkml:timestamp xml:id="ts0" timeString="2023-05-24T12:31:12.859"/>
+    </inkml:context>
+    <inkml:brush xml:id="br0">
+      <inkml:brushProperty name="width" value="0.2" units="cm"/>
+      <inkml:brushProperty name="height" value="0.2" units="cm"/>
+      <inkml:brushProperty name="color" value="#FFC114"/>
+    </inkml:brush>
+  </inkml:definitions>
+  <inkml:trace contextRef="#ctx0" brushRef="#br0">749 149 5122 0 0,'0'0'3903'0'0,"10"-10"-3726"0"0,33-33-148 0 0,-42 41-37 0 0,0 1 1 0 0,1 0-1 0 0,-1-1 0 0 0,0 1 1 0 0,0-1-1 0 0,0 1 0 0 0,0-1 1 0 0,0 1-1 0 0,-1-1 0 0 0,1 0 1 0 0,0 1-1 0 0,-1-1 0 0 0,1 0 1 0 0,-1 1-1 0 0,0-1 1 0 0,1 0-1 0 0,-1 0 0 0 0,0 0 1 0 0,0 1-1 0 0,0-1 0 0 0,0 0 1 0 0,-1 0-1 0 0,1 1 0 0 0,0-1 1 0 0,-1 0-1 0 0,1 0 0 0 0,-1 1 1 0 0,0-1-1 0 0,1 0 0 0 0,-1 1 1 0 0,0-1-1 0 0,0 1 1 0 0,0-1-1 0 0,0 1 0 0 0,0-1 1 0 0,-1 1-1 0 0,1 0 0 0 0,0 0 1 0 0,-1-1-1 0 0,1 1 0 0 0,-1 0 1 0 0,-2-1-1 0 0,-3-2-37 0 0,0 0 1 0 0,0 1-1 0 0,0 0 1 0 0,0 0-1 0 0,-1 1 0 0 0,0 0 1 0 0,-8-1-1 0 0,7 1 68 0 0,1 1-1 0 0,0 1 1 0 0,0-1-1 0 0,-1 1 1 0 0,1 1-1 0 0,0 0 1 0 0,-1 0 0 0 0,1 0-1 0 0,0 1 1 0 0,0 0-1 0 0,0 1 1 0 0,0 0-1 0 0,1 0 1 0 0,-1 0-1 0 0,-12 9 1 0 0,14-7 58 0 0,0 0-1 0 0,1 0 1 0 0,0 0 0 0 0,0 1-1 0 0,0 0 1 0 0,1 0 0 0 0,0 0 0 0 0,0 0-1 0 0,1 1 1 0 0,-1 0 0 0 0,1-1-1 0 0,1 1 1 0 0,-1 0 0 0 0,1 0 0 0 0,1 1-1 0 0,-1-1 1 0 0,1 0 0 0 0,0 10-1 0 0,0-9-8 0 0,0 1 0 0 0,1-1 0 0 0,0 0 0 0 0,1 0 0 0 0,-1 0 0 0 0,1 0-1 0 0,1 0 1 0 0,0 0 0 0 0,0 0 0 0 0,1 0 0 0 0,4 9 0 0 0,-4-12-58 0 0,0 0 0 0 0,1-1-1 0 0,-1 1 1 0 0,1-1 0 0 0,0 0 0 0 0,0 0 0 0 0,1-1 0 0 0,-1 1 0 0 0,1-1 0 0 0,0 0 0 0 0,0 0 0 0 0,0-1-1 0 0,0 0 1 0 0,0 1 0 0 0,0-1 0 0 0,1-1 0 0 0,6 2 0 0 0,0 0 40 0 0,0-1-1 0 0,1 0 1 0 0,-1-1 0 0 0,0 0-1 0 0,0-1 1 0 0,0 0 0 0 0,14-2-1 0 0,-17-3 22 0 0,-6 4-100 0 0,-2 13-163 0 0,0 31 424 0 0,0-19 184 0 0,-1-1-1 0 0,-6 46 1 0 0,4-61-393 0 0,1 0 0 0 0,-2-1 1 0 0,1 1-1 0 0,-1-1 0 0 0,0 1 0 0 0,0-1 0 0 0,-1 0 1 0 0,0 0-1 0 0,-1-1 0 0 0,1 1 0 0 0,-1-1 0 0 0,-11 10 1 0 0,2-4-22 0 0,0-1 0 0 0,-1-1 0 0 0,0-1 0 0 0,-1 0 0 0 0,0-1 0 0 0,0 0 0 0 0,0-2 0 0 0,-1 0 0 0 0,-31 7 0 0 0,-16-1-591 0 0,-82 6 0 0 0,132-16 406 0 0,-178 10-2820 0 0,110-10-2344 0 0</inkml:trace>
+</inkml:ink>
+</file>
+
+<file path=ppt/ink/ink225.xml><?xml version="1.0" encoding="utf-8"?>
+<inkml:ink xmlns:inkml="http://www.w3.org/2003/InkML">
+  <inkml:definitions>
+    <inkml:context xml:id="ctx0">
+      <inkml:inkSource xml:id="inkSrc0">
+        <inkml:traceFormat>
+          <inkml:channel name="X" type="integer" min="-2.14748E9" max="2.14748E9" units="cm"/>
+          <inkml:channel name="Y" type="integer" min="-2.14748E9" max="2.14748E9" units="cm"/>
+          <inkml:channel name="F" type="integer" max="32767" units="dev"/>
+          <inkml:channel name="OA" type="integer" max="360" units="deg"/>
+          <inkml:channel name="OE" type="integer" max="90" units="deg"/>
+        </inkml:traceFormat>
+        <inkml:channelProperties>
+          <inkml:channelProperty channel="X" name="resolution" value="1000" units="1/cm"/>
+          <inkml:channelProperty channel="Y" name="resolution" value="1000" units="1/cm"/>
+          <inkml:channelProperty channel="F" name="resolution" value="0" units="1/dev"/>
+          <inkml:channelProperty channel="OA" name="resolution" value="1000" units="1/deg"/>
+          <inkml:channelProperty channel="OE" name="resolution" value="1000" units="1/deg"/>
+        </inkml:channelProperties>
+      </inkml:inkSource>
+      <inkml:timestamp xml:id="ts0" timeString="2023-05-24T12:31:13.377"/>
+    </inkml:context>
+    <inkml:brush xml:id="br0">
+      <inkml:brushProperty name="width" value="0.2" units="cm"/>
+      <inkml:brushProperty name="height" value="0.2" units="cm"/>
+      <inkml:brushProperty name="color" value="#FFC114"/>
+    </inkml:brush>
+  </inkml:definitions>
+  <inkml:trace contextRef="#ctx0" brushRef="#br0">0 245 5571 0 0,'0'0'3780'0'0,"43"-6"-3564"0"0,142-23-301 0 0,-161 24-105 0 0,-1-1-1 0 0,1-1 1 0 0,-1 0 0 0 0,-1-2 0 0 0,1-1 0 0 0,28-17 0 0 0,-10 5 83 0 0,-14 8 65 0 0,-9 6 66 0 0,-1-1 1 0 0,25-18 0 0 0,-41 27 15 0 0,-1 0 0 0 0,1-1 1 0 0,0 1-1 0 0,0 0 0 0 0,-1-1 0 0 0,1 1 1 0 0,-1 0-1 0 0,1-1 0 0 0,0 1 1 0 0,-1-1-1 0 0,1 1 0 0 0,-1-1 0 0 0,1 0 1 0 0,-1 1-1 0 0,1-1 0 0 0,-1 1 1 0 0,0-1-1 0 0,1 0 0 0 0,-1 1 0 0 0,0-1 1 0 0,1 0-1 0 0,-1 0 0 0 0,0 1 1 0 0,0-1-1 0 0,0 0 0 0 0,0 1 0 0 0,0-1 1 0 0,0 0-1 0 0,0 0 0 0 0,0 1 1 0 0,0-1-1 0 0,0 0 0 0 0,0 0 0 0 0,0 1 1 0 0,0-1-1 0 0,0 0 0 0 0,-1 0 1 0 0,1 1-1 0 0,0-1 0 0 0,-1 0 0 0 0,1 1 1 0 0,0-1-1 0 0,-1 0 0 0 0,1 1 1 0 0,-1-1-1 0 0,1 1 0 0 0,-1-1 0 0 0,1 1 1 0 0,-1-1-1 0 0,0 0 0 0 0,-33-12 846 0 0,9 8-682 0 0,-1 1 0 0 0,1 1 1 0 0,-1 1-1 0 0,0 1 0 0 0,1 2 1 0 0,-1 1-1 0 0,-34 6 0 0 0,48-6-209 0 0,1 1 0 0 0,-1 1-1 0 0,1-1 1 0 0,0 2 0 0 0,0 0-1 0 0,1 0 1 0 0,-1 1 0 0 0,1 0 0 0 0,1 1-1 0 0,-1 0 1 0 0,1 0 0 0 0,0 1-1 0 0,0 1 1 0 0,1-1 0 0 0,1 1 0 0 0,-1 1-1 0 0,1-1 1 0 0,-6 13 0 0 0,7-11 19 0 0,1 2 1 0 0,1-1-1 0 0,0 1 0 0 0,0-1 1 0 0,1 1-1 0 0,1 0 1 0 0,0 0-1 0 0,1 0 0 0 0,0 27 1 0 0,1-36-10 0 0,1 1 1 0 0,-1 0-1 0 0,1 0 1 0 0,0 0 0 0 0,1-1-1 0 0,-1 1 1 0 0,1 0-1 0 0,-1-1 1 0 0,1 0-1 0 0,1 1 1 0 0,-1-1-1 0 0,1 0 1 0 0,4 6-1 0 0,1-2 28 0 0,-1 0 0 0 0,1 0 0 0 0,0-1-1 0 0,1 0 1 0 0,16 10 0 0 0,9 2-366 0 0,2-1-1 0 0,54 18 1 0 0,-72-29-104 0 0,86 35-5075 0 0,-65-22 2198 0 0</inkml:trace>
+</inkml:ink>
+</file>
+
+<file path=ppt/ink/ink226.xml><?xml version="1.0" encoding="utf-8"?>
+<inkml:ink xmlns:inkml="http://www.w3.org/2003/InkML">
+  <inkml:definitions>
+    <inkml:context xml:id="ctx0">
+      <inkml:inkSource xml:id="inkSrc0">
+        <inkml:traceFormat>
+          <inkml:channel name="X" type="integer" min="-2.14748E9" max="2.14748E9" units="cm"/>
+          <inkml:channel name="Y" type="integer" min="-2.14748E9" max="2.14748E9" units="cm"/>
+          <inkml:channel name="F" type="integer" max="32767" units="dev"/>
+          <inkml:channel name="OA" type="integer" max="360" units="deg"/>
+          <inkml:channel name="OE" type="integer" max="90" units="deg"/>
+        </inkml:traceFormat>
+        <inkml:channelProperties>
+          <inkml:channelProperty channel="X" name="resolution" value="1000" units="1/cm"/>
+          <inkml:channelProperty channel="Y" name="resolution" value="1000" units="1/cm"/>
+          <inkml:channelProperty channel="F" name="resolution" value="0" units="1/dev"/>
+          <inkml:channelProperty channel="OA" name="resolution" value="1000" units="1/deg"/>
+          <inkml:channelProperty channel="OE" name="resolution" value="1000" units="1/deg"/>
+        </inkml:channelProperties>
+      </inkml:inkSource>
+      <inkml:timestamp xml:id="ts0" timeString="2023-05-24T12:31:14.571"/>
+    </inkml:context>
+    <inkml:brush xml:id="br0">
+      <inkml:brushProperty name="width" value="0.2" units="cm"/>
+      <inkml:brushProperty name="height" value="0.2" units="cm"/>
+      <inkml:brushProperty name="color" value="#FFC114"/>
+    </inkml:brush>
+  </inkml:definitions>
+  <inkml:trace contextRef="#ctx0" brushRef="#br0">12 1 1745 0 0,'-11'4'6928'0'0,"11"-3"-6935"0"0,0 1-1 0 0,1-1 0 0 0,0 0 1 0 0,-1 0-1 0 0,1 1 1 0 0,0-1-1 0 0,0 0 0 0 0,0 0 1 0 0,0 0-1 0 0,-1 0 0 0 0,1 0 1 0 0,1 0-1 0 0,-1 0 0 0 0,0 0 1 0 0,0-1-1 0 0,0 1 1 0 0,0 0-1 0 0,1-1 0 0 0,1 2 1 0 0,34 13 23 0 0,-25-10 24 0 0,58 24-415 0 0,1-4 1 0 0,2-2-1 0 0,75 13 0 0 0,-93-29-2989 0 0</inkml:trace>
+</inkml:ink>
+</file>
+
+<file path=ppt/ink/ink227.xml><?xml version="1.0" encoding="utf-8"?>
+<inkml:ink xmlns:inkml="http://www.w3.org/2003/InkML">
+  <inkml:definitions>
+    <inkml:context xml:id="ctx0">
+      <inkml:inkSource xml:id="inkSrc0">
+        <inkml:traceFormat>
+          <inkml:channel name="X" type="integer" min="-2.14748E9" max="2.14748E9" units="cm"/>
+          <inkml:channel name="Y" type="integer" min="-2.14748E9" max="2.14748E9" units="cm"/>
+          <inkml:channel name="F" type="integer" max="32767" units="dev"/>
+          <inkml:channel name="OA" type="integer" max="360" units="deg"/>
+          <inkml:channel name="OE" type="integer" max="90" units="deg"/>
+        </inkml:traceFormat>
+        <inkml:channelProperties>
+          <inkml:channelProperty channel="X" name="resolution" value="1000" units="1/cm"/>
+          <inkml:channelProperty channel="Y" name="resolution" value="1000" units="1/cm"/>
+          <inkml:channelProperty channel="F" name="resolution" value="0" units="1/dev"/>
+          <inkml:channelProperty channel="OA" name="resolution" value="1000" units="1/deg"/>
+          <inkml:channelProperty channel="OE" name="resolution" value="1000" units="1/deg"/>
+        </inkml:channelProperties>
+      </inkml:inkSource>
+      <inkml:timestamp xml:id="ts0" timeString="2023-05-24T12:31:15.403"/>
+    </inkml:context>
+    <inkml:brush xml:id="br0">
+      <inkml:brushProperty name="width" value="0.2" units="cm"/>
+      <inkml:brushProperty name="height" value="0.2" units="cm"/>
+      <inkml:brushProperty name="color" value="#FFC114"/>
+    </inkml:brush>
+  </inkml:definitions>
+  <inkml:trace contextRef="#ctx0" brushRef="#br0">0 0 3041 0 0,'0'0'3778'0'0,"4"14"-2609"0"0,22-9 159 0 0,-3-1-575 0 0,3 0-17 0 0,4-2 192 0 0,7-2-591 0 0,8 0-305 0 0,8 0 32 0 0,10 0-16 0 0,5 0-64 0 0,6 2 16 0 0,1 2-497 0 0,-15 0-1920 0 0,-7-2-1184 0 0</inkml:trace>
+</inkml:ink>
+</file>
+
+<file path=ppt/ink/ink228.xml><?xml version="1.0" encoding="utf-8"?>
+<inkml:ink xmlns:inkml="http://www.w3.org/2003/InkML">
+  <inkml:definitions>
+    <inkml:context xml:id="ctx0">
+      <inkml:inkSource xml:id="inkSrc0">
+        <inkml:traceFormat>
+          <inkml:channel name="X" type="integer" min="-2.14748E9" max="2.14748E9" units="cm"/>
+          <inkml:channel name="Y" type="integer" min="-2.14748E9" max="2.14748E9" units="cm"/>
+          <inkml:channel name="F" type="integer" max="32767" units="dev"/>
+          <inkml:channel name="OA" type="integer" max="360" units="deg"/>
+          <inkml:channel name="OE" type="integer" max="90" units="deg"/>
+        </inkml:traceFormat>
+        <inkml:channelProperties>
+          <inkml:channelProperty channel="X" name="resolution" value="1000" units="1/cm"/>
+          <inkml:channelProperty channel="Y" name="resolution" value="1000" units="1/cm"/>
+          <inkml:channelProperty channel="F" name="resolution" value="0" units="1/dev"/>
+          <inkml:channelProperty channel="OA" name="resolution" value="1000" units="1/deg"/>
+          <inkml:channelProperty channel="OE" name="resolution" value="1000" units="1/deg"/>
+        </inkml:channelProperties>
+      </inkml:inkSource>
+      <inkml:timestamp xml:id="ts0" timeString="2023-05-24T12:31:21.296"/>
+    </inkml:context>
+    <inkml:brush xml:id="br0">
+      <inkml:brushProperty name="width" value="0.2" units="cm"/>
+      <inkml:brushProperty name="height" value="0.2" units="cm"/>
+      <inkml:brushProperty name="color" value="#FFC114"/>
+    </inkml:brush>
+  </inkml:definitions>
+  <inkml:trace contextRef="#ctx0" brushRef="#br0">502 24 1985 0 0,'-5'-4'7006'0'0,"-25"-11"-6505"0"0,6 12-525 0 0,0 2 0 0 0,0 0 0 0 0,-1 2-1 0 0,1 1 1 0 0,0 0 0 0 0,0 2 0 0 0,0 1-1 0 0,0 1 1 0 0,1 1 0 0 0,0 0 0 0 0,-30 16 0 0 0,48-20 10 0 0,0 0 1 0 0,0 0 0 0 0,0 0 0 0 0,1 1-1 0 0,-1 0 1 0 0,1-1 0 0 0,0 2 0 0 0,0-1-1 0 0,1 0 1 0 0,-1 1 0 0 0,1 0 0 0 0,0 0-1 0 0,0 0 1 0 0,0 0 0 0 0,1 0 0 0 0,0 0-1 0 0,0 1 1 0 0,0-1 0 0 0,0 1 0 0 0,1 0-1 0 0,0-1 1 0 0,1 1 0 0 0,-1 0 0 0 0,1 0-1 0 0,0-1 1 0 0,0 1 0 0 0,2 9 0 0 0,0-13-8 0 0,0 1 1 0 0,1 0 0 0 0,-1-1-1 0 0,1 1 1 0 0,0-1-1 0 0,-1 0 1 0 0,1 0 0 0 0,0 0-1 0 0,0 0 1 0 0,0 0 0 0 0,1-1-1 0 0,-1 1 1 0 0,6 1 0 0 0,7 4-39 0 0,30 18-85 0 0,42 32 1 0 0,-74-47 125 0 0,0 0-1 0 0,-1 1 1 0 0,-1 1-1 0 0,0 0 0 0 0,-1 1 1 0 0,0 0-1 0 0,11 18 1 0 0,-18-24 5 0 0,-1 0 0 0 0,0 0 0 0 0,0 1 0 0 0,0-1 0 0 0,-1 1 0 0 0,0 0 0 0 0,-1 0 0 0 0,1 13 0 0 0,-1-19 15 0 0,-1 1 0 0 0,0 0-1 0 0,0 0 1 0 0,0 0-1 0 0,0 0 1 0 0,0 0 0 0 0,-1 0-1 0 0,0 0 1 0 0,1 0-1 0 0,-1-1 1 0 0,0 1 0 0 0,0 0-1 0 0,0 0 1 0 0,-1-1-1 0 0,1 1 1 0 0,-1-1 0 0 0,1 1-1 0 0,-1-1 1 0 0,0 0-1 0 0,0 1 1 0 0,0-1 0 0 0,0 0-1 0 0,0 0 1 0 0,-1-1-1 0 0,-2 3 1 0 0,-6 0 23 0 0,1 0-1 0 0,-1-1 1 0 0,0 0-1 0 0,1 0 1 0 0,-1-1-1 0 0,-20 0 1 0 0,-70-2 123 0 0,76-1-161 0 0,15 1-244 0 0,0 0 0 0 0,0-1-1 0 0,0-1 1 0 0,0 1 0 0 0,0-2 0 0 0,0 1 0 0 0,0-1 0 0 0,0-1 0 0 0,1 0-1 0 0,0 0 1 0 0,0-1 0 0 0,-10-6 0 0 0,1-8-2315 0 0</inkml:trace>
+</inkml:ink>
+</file>
+
+<file path=ppt/ink/ink229.xml><?xml version="1.0" encoding="utf-8"?>
+<inkml:ink xmlns:inkml="http://www.w3.org/2003/InkML">
+  <inkml:definitions>
+    <inkml:context xml:id="ctx0">
+      <inkml:inkSource xml:id="inkSrc0">
+        <inkml:traceFormat>
+          <inkml:channel name="X" type="integer" min="-2.14748E9" max="2.14748E9" units="cm"/>
+          <inkml:channel name="Y" type="integer" min="-2.14748E9" max="2.14748E9" units="cm"/>
+          <inkml:channel name="F" type="integer" max="32767" units="dev"/>
+          <inkml:channel name="OA" type="integer" max="360" units="deg"/>
+          <inkml:channel name="OE" type="integer" max="90" units="deg"/>
+        </inkml:traceFormat>
+        <inkml:channelProperties>
+          <inkml:channelProperty channel="X" name="resolution" value="1000" units="1/cm"/>
+          <inkml:channelProperty channel="Y" name="resolution" value="1000" units="1/cm"/>
+          <inkml:channelProperty channel="F" name="resolution" value="0" units="1/dev"/>
+          <inkml:channelProperty channel="OA" name="resolution" value="1000" units="1/deg"/>
+          <inkml:channelProperty channel="OE" name="resolution" value="1000" units="1/deg"/>
+        </inkml:channelProperties>
+      </inkml:inkSource>
+      <inkml:timestamp xml:id="ts0" timeString="2023-05-24T12:31:22.058"/>
+    </inkml:context>
+    <inkml:brush xml:id="br0">
+      <inkml:brushProperty name="width" value="0.2" units="cm"/>
+      <inkml:brushProperty name="height" value="0.2" units="cm"/>
+      <inkml:brushProperty name="color" value="#FFC114"/>
+    </inkml:brush>
+  </inkml:definitions>
+  <inkml:trace contextRef="#ctx0" brushRef="#br0">75 274 4786 0 0,'0'0'1761'0'0,"0"23"-715"0"0,3 194 349 0 0,-3-204-1342 0 0,0 1 1 0 0,-1 0-1 0 0,-1-1 1 0 0,-1 1-1 0 0,0-1 0 0 0,0 0 1 0 0,-1 0-1 0 0,-9 18 0 0 0,-3-94 662 0 0,6 22-703 0 0,1-1-1 0 0,3 0 1 0 0,1 0 0 0 0,3 0-1 0 0,2-52 1 0 0,2 84-11 0 0,-1 0 0 0 0,2 0 0 0 0,0 0 0 0 0,0 1 0 0 0,0-1 0 0 0,1 1 0 0 0,1-1 0 0 0,0 1 1 0 0,0 1-1 0 0,10-13 0 0 0,9-9 20 0 0,39-39 0 0 0,-51 57-11 0 0,-5 6-14 0 0,0 0 1 0 0,0 0-1 0 0,1 1 0 0 0,-1 0 1 0 0,1 0-1 0 0,1 1 1 0 0,-1 0-1 0 0,0 0 1 0 0,1 1-1 0 0,0 1 0 0 0,0-1 1 0 0,0 1-1 0 0,0 0 1 0 0,0 1-1 0 0,0 0 1 0 0,1 1-1 0 0,-1 0 0 0 0,18 2 1 0 0,-13 0-24 0 0,0 1 0 0 0,0 0 0 0 0,0 0 0 0 0,-1 1 0 0 0,1 1 0 0 0,-1 1 0 0 0,0 0 0 0 0,-1 0 0 0 0,1 1 0 0 0,-1 1 0 0 0,18 15 0 0 0,-27-21 28 0 0,0 1 1 0 0,0 0-1 0 0,0 0 1 0 0,0 0-1 0 0,-1 0 1 0 0,1 0 0 0 0,-1 0-1 0 0,0 1 1 0 0,0-1-1 0 0,0 1 1 0 0,-1 0 0 0 0,1-1-1 0 0,-1 1 1 0 0,0 0-1 0 0,0 0 1 0 0,0 0 0 0 0,0 0-1 0 0,-1 0 1 0 0,0 0-1 0 0,0 0 1 0 0,0 0-1 0 0,0 0 1 0 0,0 0 0 0 0,-1 0-1 0 0,0 0 1 0 0,0 0-1 0 0,0 0 1 0 0,0-1 0 0 0,-1 1-1 0 0,1 0 1 0 0,-1 0-1 0 0,0-1 1 0 0,0 0 0 0 0,0 1-1 0 0,-1-1 1 0 0,1 0-1 0 0,-1 0 1 0 0,1 0-1 0 0,-1 0 1 0 0,0 0 0 0 0,-5 2-1 0 0,-8 5-81 0 0,-1-2-1 0 0,-1 1 0 0 0,1-2 1 0 0,-1-1-1 0 0,-1 0 0 0 0,1-1 1 0 0,-32 4-1 0 0,13-4-1701 0 0,-49-2-1 0 0,51-3-1021 0 0</inkml:trace>
+</inkml:ink>
+</file>
+
+<file path=ppt/ink/ink23.xml><?xml version="1.0" encoding="utf-8"?>
 <inkml:ink xmlns:inkml="http://www.w3.org/2003/InkML">
   <inkml:definitions>
     <inkml:context xml:id="ctx0">
@@ -1589,7 +4772,7 @@
 </inkml:ink>
 </file>
 
-<file path=ppt/ink/ink140.xml><?xml version="1.0" encoding="utf-8"?>
+<file path=ppt/ink/ink230.xml><?xml version="1.0" encoding="utf-8"?>
 <inkml:ink xmlns:inkml="http://www.w3.org/2003/InkML">
   <inkml:definitions>
     <inkml:context xml:id="ctx0">
@@ -1609,19 +4792,19 @@
           <inkml:channelProperty channel="OE" name="resolution" value="1000" units="1/deg"/>
         </inkml:channelProperties>
       </inkml:inkSource>
-      <inkml:timestamp xml:id="ts0" timeString="2023-05-24T12:15:19.940"/>
+      <inkml:timestamp xml:id="ts0" timeString="2023-05-24T12:31:22.607"/>
     </inkml:context>
     <inkml:brush xml:id="br0">
       <inkml:brushProperty name="width" value="0.2" units="cm"/>
       <inkml:brushProperty name="height" value="0.2" units="cm"/>
-      <inkml:brushProperty name="color" value="#E71224"/>
+      <inkml:brushProperty name="color" value="#FFC114"/>
     </inkml:brush>
   </inkml:definitions>
-  <inkml:trace contextRef="#ctx0" brushRef="#br0">293 1 4946 0 0,'-5'5'3602'0'0,"-15"12"-2917"0"0,-1 0 0 0 0,0-1 0 0 0,-2-1 1 0 0,1-2-1 0 0,-30 14 0 0 0,20-11-554 0 0,-58 41 0 0 0,89-57-95 0 0,1 0 0 0 0,-1 1 1 0 0,1-1-1 0 0,-1 1 1 0 0,1-1-1 0 0,0 0 1 0 0,-1 1-1 0 0,1-1 1 0 0,0 1-1 0 0,-1-1 1 0 0,1 1-1 0 0,0-1 0 0 0,0 1 1 0 0,-1-1-1 0 0,1 1 1 0 0,0-1-1 0 0,0 1 1 0 0,0-1-1 0 0,0 1 1 0 0,-1-1-1 0 0,1 1 0 0 0,0 0 1 0 0,0-1-1 0 0,0 1 1 0 0,0-1-1 0 0,0 1 1 0 0,1-1-1 0 0,-1 1 1 0 0,0 0-1 0 0,0-1 1 0 0,0 1-1 0 0,0-1 0 0 0,1 1 1 0 0,-1-1-1 0 0,0 1 1 0 0,0-1-1 0 0,1 1 1 0 0,-1-1-1 0 0,0 1 1 0 0,1-1-1 0 0,0 1 0 0 0,22 17-330 0 0,-17-14 456 0 0,55 36-162 0 0,1-3 0 0 0,2-3 0 0 0,93 36 0 0 0,-151-68 124 0 0</inkml:trace>
+  <inkml:trace contextRef="#ctx0" brushRef="#br0">202 232 1185 0 0,'0'0'992'0'0,"21"-17"-389"0"0,10-8-282 0 0,63-56 3016 0 0,-92 80-3190 0 0,-1 0 1 0 0,0 0-1 0 0,0 0 0 0 0,0 0 1 0 0,0 0-1 0 0,-1-1 1 0 0,1 1-1 0 0,0 0 1 0 0,0-1-1 0 0,-1 1 1 0 0,1 0-1 0 0,-1-1 1 0 0,1 1-1 0 0,-1-1 0 0 0,0 1 1 0 0,1-1-1 0 0,-1 1 1 0 0,0-1-1 0 0,0 1 1 0 0,0-1-1 0 0,0 1 1 0 0,0-1-1 0 0,-1 0 0 0 0,1 1 1 0 0,0 0-1 0 0,-1-1 1 0 0,1 1-1 0 0,-1-1 1 0 0,1 1-1 0 0,-1-1 1 0 0,0 1-1 0 0,1 0 1 0 0,-2-2-1 0 0,-1 0-163 0 0,1-1 1 0 0,-1 1-1 0 0,0 0 1 0 0,0 0-1 0 0,0 0 1 0 0,0 0-1 0 0,0 1 1 0 0,-1-1-1 0 0,1 1 0 0 0,-7-3 1 0 0,-1 0-5 0 0,-1 0-1 0 0,0 1 1 0 0,0 1 0 0 0,0 0 0 0 0,-1 0 0 0 0,1 2-1 0 0,-1-1 1 0 0,1 2 0 0 0,-1-1 0 0 0,1 2 0 0 0,-1 0-1 0 0,1 0 1 0 0,-1 1 0 0 0,-16 5 0 0 0,22-5 2 0 0,1 1 0 0 0,0-1 1 0 0,-1 1-1 0 0,1 0 0 0 0,1 1 1 0 0,-1 0-1 0 0,0 0 0 0 0,1 0 1 0 0,0 0-1 0 0,0 1 0 0 0,0 0 1 0 0,0 0-1 0 0,1 0 0 0 0,0 1 1 0 0,0-1-1 0 0,0 1 0 0 0,1 0 1 0 0,0 0-1 0 0,0 0 0 0 0,0 1 1 0 0,1-1-1 0 0,0 1 0 0 0,0-1 1 0 0,1 1-1 0 0,0 0 0 0 0,0 0 1 0 0,0 9-1 0 0,0-10 64 0 0,1 1 0 0 0,0 0-1 0 0,0-1 1 0 0,1 1 0 0 0,0-1 0 0 0,0 1 0 0 0,0-1-1 0 0,4 9 1 0 0,-3-11 21 0 0,0 0-1 0 0,1 0 1 0 0,-1 0 0 0 0,1 0-1 0 0,0-1 1 0 0,0 1-1 0 0,0-1 1 0 0,1 0 0 0 0,-1 0-1 0 0,1 0 1 0 0,0-1-1 0 0,6 4 1 0 0,10 5 15 0 0,0-1 0 0 0,0-2 0 0 0,1 0 0 0 0,-1-1 1 0 0,2-1-1 0 0,35 5 0 0 0,-20-6-385 0 0,1-1 0 0 0,76-5 1 0 0,-107 1-113 0 0,1-1 1 0 0,-1 0-1 0 0,0 0 1 0 0,1-1 0 0 0,7-2-1 0 0,22-20-3691 0 0</inkml:trace>
 </inkml:ink>
 </file>
 
-<file path=ppt/ink/ink141.xml><?xml version="1.0" encoding="utf-8"?>
+<file path=ppt/ink/ink231.xml><?xml version="1.0" encoding="utf-8"?>
 <inkml:ink xmlns:inkml="http://www.w3.org/2003/InkML">
   <inkml:definitions>
     <inkml:context xml:id="ctx0">
@@ -1641,19 +4824,19 @@
           <inkml:channelProperty channel="OE" name="resolution" value="1000" units="1/deg"/>
         </inkml:channelProperties>
       </inkml:inkSource>
-      <inkml:timestamp xml:id="ts0" timeString="2023-05-24T12:15:21.454"/>
+      <inkml:timestamp xml:id="ts0" timeString="2023-05-24T12:31:23.030"/>
     </inkml:context>
     <inkml:brush xml:id="br0">
       <inkml:brushProperty name="width" value="0.2" units="cm"/>
       <inkml:brushProperty name="height" value="0.2" units="cm"/>
-      <inkml:brushProperty name="color" value="#E71224"/>
+      <inkml:brushProperty name="color" value="#FFC114"/>
     </inkml:brush>
   </inkml:definitions>
-  <inkml:trace contextRef="#ctx0" brushRef="#br0">610 0 1056 0 0,'-5'0'5794'0'0,"-21"0"-5638"0"0,17 2-150 0 0,1-1 0 0 0,0 2 0 0 0,0-1 0 0 0,0 1 0 0 0,1 0 0 0 0,-1 1 0 0 0,1 0 1 0 0,0 0-1 0 0,-10 8 0 0 0,-17 8 440 0 0,-7 0-347 0 0,1 0-55 0 0,-42 28 0 0 0,68-37-51 0 0,0-1 0 0 0,0 2 0 0 0,1 0 0 0 0,1 0 0 0 0,0 1 0 0 0,-13 18 1 0 0,4 4 327 0 0,2 0 0 0 0,1 2 0 0 0,2 1 0 0 0,2 0 0 0 0,-12 46 0 0 0,1-7 90 0 0,13-37-252 0 0,1 1 1 0 0,3 1 0 0 0,-6 72 0 0 0,7 128 367 0 0,7-209-354 0 0,1-22-161 0 0,0 0 0 0 0,1 0 0 0 0,0 0 0 0 0,0 0 0 0 0,1 0 0 0 0,1 0 0 0 0,0-1 0 0 0,0 1 0 0 0,1-1 1 0 0,8 12-1 0 0,8 10 18 0 0,41 48 0 0 0,-54-69-18 0 0,-5-8-35 0 0,12 14-363 0 0,-8-17-1008 0 0,-4-43-4798 0 0</inkml:trace>
+  <inkml:trace contextRef="#ctx0" brushRef="#br0">146 1 2897 0 0,'0'0'3746'0'0,"-142"32"-2962"0"0,138-7-47 0 0,4 4-209 0 0,0 0 352 0 0,8 4-223 0 0,29-2-257 0 0,12-1-256 0 0,7-3-16 0 0,4-7-16 0 0,0-11-64 0 0,-8-7-624 0 0,-14-2-1457 0 0,-9 0-1569 0 0</inkml:trace>
 </inkml:ink>
 </file>
 
-<file path=ppt/ink/ink142.xml><?xml version="1.0" encoding="utf-8"?>
+<file path=ppt/ink/ink232.xml><?xml version="1.0" encoding="utf-8"?>
 <inkml:ink xmlns:inkml="http://www.w3.org/2003/InkML">
   <inkml:definitions>
     <inkml:context xml:id="ctx0">
@@ -1673,19 +4856,19 @@
           <inkml:channelProperty channel="OE" name="resolution" value="1000" units="1/deg"/>
         </inkml:channelProperties>
       </inkml:inkSource>
-      <inkml:timestamp xml:id="ts0" timeString="2023-05-24T12:15:23.708"/>
+      <inkml:timestamp xml:id="ts0" timeString="2023-05-24T12:31:23.358"/>
     </inkml:context>
     <inkml:brush xml:id="br0">
       <inkml:brushProperty name="width" value="0.2" units="cm"/>
       <inkml:brushProperty name="height" value="0.2" units="cm"/>
-      <inkml:brushProperty name="color" value="#E71224"/>
+      <inkml:brushProperty name="color" value="#FFC114"/>
     </inkml:brush>
   </inkml:definitions>
-  <inkml:trace contextRef="#ctx0" brushRef="#br0">0 39 608 0 0,'5'1'6592'0'0,"25"1"-6447"0"0,51-21 300 0 0,-61 13-470 0 0,1 1-1 0 0,0 1 0 0 0,-1 1 1 0 0,28-1-1 0 0,-43 3-2 0 0,0 1 1 0 0,0 0-1 0 0,0 0 0 0 0,0 1 1 0 0,0 0-1 0 0,0-1 0 0 0,0 2 0 0 0,0-1 1 0 0,0 0-1 0 0,-1 1 0 0 0,1 0 1 0 0,0 0-1 0 0,-1 1 0 0 0,1-1 0 0 0,-1 1 1 0 0,0 0-1 0 0,0 0 0 0 0,0 0 1 0 0,0 1-1 0 0,-1-1 0 0 0,0 1 1 0 0,1 0-1 0 0,-1 0 0 0 0,0 0 0 0 0,-1 1 1 0 0,1-1-1 0 0,-1 1 0 0 0,0-1 1 0 0,0 1-1 0 0,2 7 0 0 0,0-2 25 0 0,0 1 0 0 0,-1 0 0 0 0,-1 1 0 0 0,2 11 0 0 0,-3-20 5 0 0,-1 0 0 0 0,1 0-1 0 0,-1 0 1 0 0,0 1-1 0 0,0-1 1 0 0,0 0-1 0 0,0 0 1 0 0,-1 0 0 0 0,1 0-1 0 0,-1 0 1 0 0,0 0-1 0 0,0 0 1 0 0,0 0 0 0 0,0 0-1 0 0,0 0 1 0 0,-1 0-1 0 0,1-1 1 0 0,-1 1 0 0 0,0 0-1 0 0,-2 2 1 0 0,-15 7 27 0 0,1-2 0 0 0,-2 0 1 0 0,1 0-1 0 0,-1-2 1 0 0,-1-1-1 0 0,-27 7 0 0 0,44-13 553 0 0,4-1-592 0 0,0 0 0 0 0,0 1 1 0 0,-1-1-1 0 0,1 1 0 0 0,0-1 1 0 0,0 0-1 0 0,0 1 0 0 0,0-1 0 0 0,-1 1 1 0 0,1-1-1 0 0,0 1 0 0 0,0-1 1 0 0,0 1-1 0 0,0-1 0 0 0,0 0 0 0 0,0 1 1 0 0,0-1-1 0 0,1 1 0 0 0,-1-1 0 0 0,0 1 1 0 0,0-1-1 0 0,0 1 0 0 0,0-1 1 0 0,0 0-1 0 0,1 1 0 0 0,-1-1 0 0 0,0 1 1 0 0,0-1-1 0 0,1 0 0 0 0,-1 1 1 0 0,0-1-1 0 0,1 0 0 0 0,-1 1 0 0 0,0-1 1 0 0,1 0-1 0 0,-1 1 0 0 0,1-1 1 0 0,-1 0-1 0 0,0 0 0 0 0,1 0 0 0 0,-1 1 1 0 0,1-1-1 0 0,-1 0 0 0 0,1 0 1 0 0,-1 0-1 0 0,1 0 0 0 0,22 9 115 0 0,-22-9-129 0 0,14 5 45 0 0,78 29-54 0 0,-85-31 21 0 0,0 1 0 0 0,-1 0 0 0 0,0 1 0 0 0,1-1 0 0 0,-1 1 0 0 0,-1 1 1 0 0,1-1-1 0 0,-1 1 0 0 0,6 7 0 0 0,-10-10 59 0 0,0 0 0 0 0,0 0 0 0 0,-1 0 0 0 0,1 0-1 0 0,-1 0 1 0 0,0 0 0 0 0,0 0 0 0 0,0 1 0 0 0,0-1 0 0 0,0 0 0 0 0,-1 1 0 0 0,1-1 0 0 0,-1 0 0 0 0,0 1 0 0 0,0-1-1 0 0,-1 0 1 0 0,1 1 0 0 0,0-1 0 0 0,-1 0 0 0 0,0 1 0 0 0,0-1 0 0 0,0 0 0 0 0,0 0 0 0 0,-1 0 0 0 0,1 0 0 0 0,-1 0-1 0 0,0 0 1 0 0,1 0 0 0 0,-1 0 0 0 0,-1-1 0 0 0,1 1 0 0 0,0-1 0 0 0,-1 1 0 0 0,1-1 0 0 0,-5 3 0 0 0,-25 13 175 0 0,0-3 0 0 0,-1 0 0 0 0,0-2 0 0 0,-41 10 0 0 0,68-23-127 0 0,0 1 0 0 0,0-1 1 0 0,0 0-1 0 0,0-1 0 0 0,0 1 1 0 0,0-1-1 0 0,0 0 0 0 0,0-1 1 0 0,-11-3-1 0 0,10 2-1164 0 0,-1 1 0 0 0,0 0 0 0 0,0 1 0 0 0,-15-2 0 0 0</inkml:trace>
+  <inkml:trace contextRef="#ctx0" brushRef="#br0">1 0 4866 0 0,'0'0'897'0'0</inkml:trace>
 </inkml:ink>
 </file>
 
-<file path=ppt/ink/ink143.xml><?xml version="1.0" encoding="utf-8"?>
+<file path=ppt/ink/ink233.xml><?xml version="1.0" encoding="utf-8"?>
 <inkml:ink xmlns:inkml="http://www.w3.org/2003/InkML">
   <inkml:definitions>
     <inkml:context xml:id="ctx0">
@@ -1705,19 +4888,19 @@
           <inkml:channelProperty channel="OE" name="resolution" value="1000" units="1/deg"/>
         </inkml:channelProperties>
       </inkml:inkSource>
-      <inkml:timestamp xml:id="ts0" timeString="2023-05-24T12:15:24.709"/>
+      <inkml:timestamp xml:id="ts0" timeString="2023-05-24T12:31:23.701"/>
     </inkml:context>
     <inkml:brush xml:id="br0">
       <inkml:brushProperty name="width" value="0.2" units="cm"/>
       <inkml:brushProperty name="height" value="0.2" units="cm"/>
-      <inkml:brushProperty name="color" value="#E71224"/>
+      <inkml:brushProperty name="color" value="#FFC114"/>
     </inkml:brush>
   </inkml:definitions>
-  <inkml:trace contextRef="#ctx0" brushRef="#br0">55 1 3025 0 0,'0'0'3602'0'0,"24"12"-2786"0"0,-9-6-664 0 0,1 2-1 0 0,-1-1 0 0 0,0 2 0 0 0,-1 0 0 0 0,0 1 0 0 0,0 0 0 0 0,-1 1 0 0 0,16 17 1 0 0,-22-20-155 0 0,-1 0 0 0 0,0 0 0 0 0,0 0 0 0 0,0 1 1 0 0,-1 0-1 0 0,-1 0 0 0 0,1 1 0 0 0,-2-1 0 0 0,1 1 0 0 0,-1 0 1 0 0,-1 0-1 0 0,1 0 0 0 0,-2 0 0 0 0,1 0 0 0 0,-1 11 1 0 0,-1-9 5 0 0,0 11-1 0 0,0-1 0 0 0,-1 1 0 0 0,-2 0 0 0 0,-8 38 0 0 0,10-55 7 0 0,-1 0 1 0 0,0-1-1 0 0,-1 1 0 0 0,0 0 0 0 0,0-1 1 0 0,0 0-1 0 0,0 1 0 0 0,-1-1 1 0 0,1-1-1 0 0,-2 1 0 0 0,1 0 0 0 0,0-1 1 0 0,-1 0-1 0 0,0 0 0 0 0,0 0 0 0 0,0-1 1 0 0,0 0-1 0 0,0 1 0 0 0,-1-2 1 0 0,1 1-1 0 0,-1-1 0 0 0,-9 3 0 0 0,-7-1-36 0 0,1-1 0 0 0,0 0 0 0 0,-1-2 0 0 0,-30-1-1 0 0,20-1-254 0 0,31 1 236 0 0,4-2 55 0 0,0 0 0 0 0,0-1 0 0 0,1 1-1 0 0,-1 1 1 0 0,0-1 0 0 0,1 0 0 0 0,-1 1 0 0 0,1 0-1 0 0,6-2 1 0 0,17-2-38 0 0,0 1 0 0 0,0 2 0 0 0,0 0 0 0 0,0 2 0 0 0,36 4 0 0 0,-48-3 62 0 0,-4 0-24 0 0,0 0 1 0 0,0 1-1 0 0,0 0 0 0 0,0 1 1 0 0,0 0-1 0 0,0 0 0 0 0,-1 1 1 0 0,0 1-1 0 0,0 0 0 0 0,0 0 1 0 0,0 1-1 0 0,-1 0 0 0 0,13 11 1 0 0,-13-2 51 0 0</inkml:trace>
+  <inkml:trace contextRef="#ctx0" brushRef="#br0">0 0 9140 0 0,'0'0'1713'0'0</inkml:trace>
 </inkml:ink>
 </file>
 
-<file path=ppt/ink/ink144.xml><?xml version="1.0" encoding="utf-8"?>
+<file path=ppt/ink/ink234.xml><?xml version="1.0" encoding="utf-8"?>
 <inkml:ink xmlns:inkml="http://www.w3.org/2003/InkML">
   <inkml:definitions>
     <inkml:context xml:id="ctx0">
@@ -1737,19 +4920,19 @@
           <inkml:channelProperty channel="OE" name="resolution" value="1000" units="1/deg"/>
         </inkml:channelProperties>
       </inkml:inkSource>
-      <inkml:timestamp xml:id="ts0" timeString="2023-05-24T12:15:25.257"/>
+      <inkml:timestamp xml:id="ts0" timeString="2023-05-24T12:31:24.046"/>
     </inkml:context>
     <inkml:brush xml:id="br0">
       <inkml:brushProperty name="width" value="0.2" units="cm"/>
       <inkml:brushProperty name="height" value="0.2" units="cm"/>
-      <inkml:brushProperty name="color" value="#E71224"/>
+      <inkml:brushProperty name="color" value="#FFC114"/>
     </inkml:brush>
   </inkml:definitions>
-  <inkml:trace contextRef="#ctx0" brushRef="#br0">98 1 4690 0 0,'0'0'2801'0'0,"0"23"-1947"0"0,0-9-691 0 0,1 35 789 0 0,-2-1 1 0 0,-3 0-1 0 0,-11 58 1 0 0,-3-14-676 0 0,-19 73-1109 0 0,13-114-6057 0 0</inkml:trace>
+  <inkml:trace contextRef="#ctx0" brushRef="#br0">311 44 2913 0 0,'0'0'4706'0'0,"-12"-7"-4207"0"0,6 2-465 0 0,0 1 0 0 0,0 0-1 0 0,0 1 1 0 0,-1 0 0 0 0,1-1-1 0 0,-1 2 1 0 0,1-1-1 0 0,-1 1 1 0 0,0 0 0 0 0,0 1-1 0 0,0 0 1 0 0,0 0 0 0 0,0 0-1 0 0,-1 1 1 0 0,1 0 0 0 0,0 0-1 0 0,0 1 1 0 0,0 0 0 0 0,0 0-1 0 0,0 1 1 0 0,0 0-1 0 0,-9 3 1 0 0,5 1-28 0 0,0 0-1 0 0,1 0 1 0 0,0 1-1 0 0,0 0 1 0 0,0 1 0 0 0,1 0-1 0 0,1 1 1 0 0,-15 16-1 0 0,20-20 51 0 0,-1-1-1 0 0,1 1 0 0 0,0 0 1 0 0,0 0-1 0 0,0 0 0 0 0,1 0 0 0 0,0 1 1 0 0,0-1-1 0 0,0 1 0 0 0,1-1 1 0 0,0 1-1 0 0,0-1 0 0 0,0 1 1 0 0,1 0-1 0 0,-1 0 0 0 0,1-1 1 0 0,1 1-1 0 0,-1 0 0 0 0,1 0 1 0 0,0-1-1 0 0,2 7 0 0 0,-2-10-43 0 0,0 0-1 0 0,0-1 1 0 0,0 1-1 0 0,0 0 1 0 0,1-1-1 0 0,-1 1 1 0 0,0-1-1 0 0,1 0 1 0 0,-1 1-1 0 0,1-1 1 0 0,-1 0-1 0 0,1 0 1 0 0,0 0-1 0 0,0 0 0 0 0,-1 0 1 0 0,1 0-1 0 0,0-1 1 0 0,0 1-1 0 0,0 0 1 0 0,0-1-1 0 0,0 0 1 0 0,2 1-1 0 0,49 2 208 0 0,-42-4-139 0 0,7 0-8 0 0,0-1-1 0 0,-1-1 0 0 0,1 0 0 0 0,-1-2 1 0 0,0 0-1 0 0,0-1 0 0 0,-1 0 1 0 0,0-2-1 0 0,0 0 0 0 0,23-15 1 0 0,-38 22-85 0 0,0 1 0 0 0,0-1 0 0 0,0 0 0 0 0,0 1 0 0 0,0-1 0 0 0,1 1 0 0 0,-1-1 0 0 0,0 1 0 0 0,0-1 1 0 0,0 1-1 0 0,1 0 0 0 0,-1 0 0 0 0,0 0 0 0 0,1 0 0 0 0,-1 0 0 0 0,0 0 0 0 0,0 0 0 0 0,1 0 0 0 0,-1 0 1 0 0,0 0-1 0 0,0 1 0 0 0,1-1 0 0 0,-1 0 0 0 0,0 1 0 0 0,0-1 0 0 0,0 1 0 0 0,0 0 0 0 0,0-1 0 0 0,1 1 1 0 0,-1 0-1 0 0,0 0 0 0 0,0 0 0 0 0,-1-1 0 0 0,1 1 0 0 0,0 0 0 0 0,0 0 0 0 0,0 0 0 0 0,-1 1 0 0 0,2 0 1 0 0,1 6-69 0 0,1 0 0 0 0,-1 0 0 0 0,0 1 0 0 0,-1-1 0 0 0,2 10 0 0 0,5 16 226 0 0,-4-21-306 0 0,-1-2 231 0 0,1 0-1 0 0,0 0 1 0 0,0-1 0 0 0,9 13 0 0 0,-12-21-275 0 0,0 1 0 0 0,0-1 0 0 0,0 0 1 0 0,0 1-1 0 0,1-1 0 0 0,-1 0 1 0 0,0-1-1 0 0,1 1 0 0 0,0 0 0 0 0,-1-1 1 0 0,1 1-1 0 0,0-1 0 0 0,0 0 0 0 0,0 0 1 0 0,0 0-1 0 0,0 0 0 0 0,0-1 0 0 0,0 1 1 0 0,0-1-1 0 0,0 0 0 0 0,4 0 1 0 0,16-1-3617 0 0</inkml:trace>
 </inkml:ink>
 </file>
 
-<file path=ppt/ink/ink145.xml><?xml version="1.0" encoding="utf-8"?>
+<file path=ppt/ink/ink235.xml><?xml version="1.0" encoding="utf-8"?>
 <inkml:ink xmlns:inkml="http://www.w3.org/2003/InkML">
   <inkml:definitions>
     <inkml:context xml:id="ctx0">
@@ -1769,19 +4952,19 @@
           <inkml:channelProperty channel="OE" name="resolution" value="1000" units="1/deg"/>
         </inkml:channelProperties>
       </inkml:inkSource>
-      <inkml:timestamp xml:id="ts0" timeString="2023-05-24T12:15:25.806"/>
+      <inkml:timestamp xml:id="ts0" timeString="2023-05-24T12:31:24.389"/>
     </inkml:context>
     <inkml:brush xml:id="br0">
       <inkml:brushProperty name="width" value="0.2" units="cm"/>
       <inkml:brushProperty name="height" value="0.2" units="cm"/>
-      <inkml:brushProperty name="color" value="#E71224"/>
+      <inkml:brushProperty name="color" value="#FFC114"/>
     </inkml:brush>
   </inkml:definitions>
-  <inkml:trace contextRef="#ctx0" brushRef="#br0">346 1 3057 0 0,'0'0'3928'0'0,"-7"5"-2765"0"0,-36 20 640 0 0,-82 36 0 0 0,-14 7-925 0 0,137-67-868 0 0,0 0 0 0 0,0 1 0 0 0,0-1 0 0 0,0 0 0 0 0,0 1 0 0 0,1-1 0 0 0,-1 1 0 0 0,0-1 0 0 0,1 1 0 0 0,-1 0 1 0 0,1 0-1 0 0,-1-1 0 0 0,1 1 0 0 0,0 0 0 0 0,0 0 0 0 0,0 0 0 0 0,0 1 0 0 0,0-1 0 0 0,1 0 0 0 0,-1 0 0 0 0,0 0 0 0 0,1 1 0 0 0,-1 2 0 0 0,23 2-48 0 0,7-2 146 0 0,154 35 28 0 0,-163-34-160 0 0,-1 1-1 0 0,0 0 0 0 0,0 2 0 0 0,-1 0 0 0 0,0 1 0 0 0,-1 0 0 0 0,18 15 1 0 0,-28-18-200 0 0,2 1-880 0 0</inkml:trace>
+  <inkml:trace contextRef="#ctx0" brushRef="#br0">1 1 9284 0 0,'0'0'3298'0'0,"5"19"-2890"0"0,4 15-343 0 0,70 294 2709 0 0,-71-272-2376 0 0,0 109 1 0 0,-8-70-3414 0 0,-1-18-4735 0 0</inkml:trace>
 </inkml:ink>
 </file>
 
-<file path=ppt/ink/ink146.xml><?xml version="1.0" encoding="utf-8"?>
+<file path=ppt/ink/ink236.xml><?xml version="1.0" encoding="utf-8"?>
 <inkml:ink xmlns:inkml="http://www.w3.org/2003/InkML">
   <inkml:definitions>
     <inkml:context xml:id="ctx0">
@@ -1801,19 +4984,19 @@
           <inkml:channelProperty channel="OE" name="resolution" value="1000" units="1/deg"/>
         </inkml:channelProperties>
       </inkml:inkSource>
-      <inkml:timestamp xml:id="ts0" timeString="2023-05-24T12:15:27.117"/>
+      <inkml:timestamp xml:id="ts0" timeString="2023-05-24T12:31:24.733"/>
     </inkml:context>
     <inkml:brush xml:id="br0">
       <inkml:brushProperty name="width" value="0.2" units="cm"/>
       <inkml:brushProperty name="height" value="0.2" units="cm"/>
-      <inkml:brushProperty name="color" value="#E71224"/>
+      <inkml:brushProperty name="color" value="#FFC114"/>
     </inkml:brush>
   </inkml:definitions>
-  <inkml:trace contextRef="#ctx0" brushRef="#br0">129 1 3826 0 0,'0'0'3228'0'0,"5"18"-1198"0"0,83 48-1840 0 0,-29-24 177 0 0,-1 3 0 0 0,-2 3-1 0 0,95 105 1 0 0,-142-142-361 0 0,-1 1-1 0 0,-1-1 1 0 0,0 2 0 0 0,-1-1-1 0 0,0 1 1 0 0,0 0 0 0 0,-2 0-1 0 0,0 0 1 0 0,3 14 0 0 0,-5-18 23 0 0,-1-1 0 0 0,0 1 1 0 0,-1-1-1 0 0,0 1 0 0 0,0-1 1 0 0,-1 1-1 0 0,0-1 0 0 0,0 1 0 0 0,-1-1 1 0 0,0 0-1 0 0,0 0 0 0 0,-1 0 1 0 0,0 0-1 0 0,-1 0 0 0 0,0 0 1 0 0,-5 8-1 0 0,-14 11 85 0 0,0-2 0 0 0,-2-1 0 0 0,0 0 1 0 0,-2-2-1 0 0,-42 27 0 0 0,-16 15 308 0 0,-28 38 299 0 0,101-91-683 0 0,2 2 1 0 0,-1-1 0 0 0,2 2-1 0 0,0-1 1 0 0,0 1-1 0 0,2 0 1 0 0,-9 21 0 0 0,15-33-71 0 0,0 0 1 0 0,1-1 0 0 0,-1 1-1 0 0,0-1 1 0 0,0 1 0 0 0,0-1 0 0 0,0 0-1 0 0,0 1 1 0 0,-1-1 0 0 0,1 0-1 0 0,0 0 1 0 0,-1 0 0 0 0,1 0-1 0 0,-1 0 1 0 0,1 0 0 0 0,-1 0-1 0 0,1 0 1 0 0,-1-1 0 0 0,0 1-1 0 0,1-1 1 0 0,-1 1 0 0 0,0-1-1 0 0,-3 1 1 0 0,1-1-690 0 0,-1 1-1 0 0,0-1 1 0 0,0-1-1 0 0,1 1 1 0 0,-1-1 0 0 0,0 1-1 0 0,-9-4 1 0 0,-12-8-4204 0 0</inkml:trace>
+  <inkml:trace contextRef="#ctx0" brushRef="#br0">0 1 8836 0 0,'0'0'304'0'0,"23"57"-864"0"0,7-57-1825 0 0</inkml:trace>
 </inkml:ink>
 </file>
 
-<file path=ppt/ink/ink147.xml><?xml version="1.0" encoding="utf-8"?>
+<file path=ppt/ink/ink237.xml><?xml version="1.0" encoding="utf-8"?>
 <inkml:ink xmlns:inkml="http://www.w3.org/2003/InkML">
   <inkml:definitions>
     <inkml:context xml:id="ctx0">
@@ -1833,19 +5016,19 @@
           <inkml:channelProperty channel="OE" name="resolution" value="1000" units="1/deg"/>
         </inkml:channelProperties>
       </inkml:inkSource>
-      <inkml:timestamp xml:id="ts0" timeString="2023-05-24T12:15:28.537"/>
+      <inkml:timestamp xml:id="ts0" timeString="2023-05-24T12:31:25.092"/>
     </inkml:context>
     <inkml:brush xml:id="br0">
       <inkml:brushProperty name="width" value="0.2" units="cm"/>
       <inkml:brushProperty name="height" value="0.2" units="cm"/>
-      <inkml:brushProperty name="color" value="#E71224"/>
+      <inkml:brushProperty name="color" value="#FFC114"/>
     </inkml:brush>
   </inkml:definitions>
-  <inkml:trace contextRef="#ctx0" brushRef="#br0">1 16 1441 0 0,'10'-15'9850'0'0,"-9"15"-9809"0"0,-1-1 1 0 0,0 1-1 0 0,0 0 0 0 0,0 0 1 0 0,1 0-1 0 0,-1 0 0 0 0,0 0 1 0 0,0 0-1 0 0,0 0 0 0 0,1 0 1 0 0,-1 0-1 0 0,0 0 0 0 0,0 0 1 0 0,0 0-1 0 0,1 0 0 0 0,-1 0 1 0 0,0 0-1 0 0,0 0 0 0 0,0 1 1 0 0,1-1 82 0 0,0 0-83 0 0,-1 371-190 0 0,0-371 145 0 0,1 1 1 0 0,0 0-1 0 0,0 0 1 0 0,0 0-1 0 0,0 0 1 0 0,0-1 0 0 0,0 1-1 0 0,1 0 1 0 0,-1-1-1 0 0,0 1 1 0 0,0-1 0 0 0,0 1-1 0 0,1-1 1 0 0,-1 0-1 0 0,0 0 1 0 0,0 1-1 0 0,1-1 1 0 0,-1 0 0 0 0,0 0-1 0 0,1 0 1 0 0,-1 0-1 0 0,0 0 1 0 0,2-1 0 0 0,35-2-116 0 0,-29-1 64 0 0,0 0-1 0 0,0-1 1 0 0,0 0-1 0 0,-1 0 0 0 0,0-1 1 0 0,0 0-1 0 0,0-1 1 0 0,11-13-1 0 0,51-65-612 0 0,-59 70 667 0 0,-10 13-7 0 0,0 0 1 0 0,0 0-1 0 0,0 0 0 0 0,0 1 1 0 0,0-1-1 0 0,1 0 1 0 0,-1 0-1 0 0,1 1 0 0 0,-1-1 1 0 0,1 1-1 0 0,0 0 1 0 0,0-1-1 0 0,-1 1 0 0 0,1 0 1 0 0,0 0-1 0 0,0 0 1 0 0,0 0-1 0 0,0 0 0 0 0,0 1 1 0 0,1-1-1 0 0,-1 1 1 0 0,0-1-1 0 0,0 1 0 0 0,0 0 1 0 0,0 0-1 0 0,1 0 1 0 0,-1 0-1 0 0,4 0 0 0 0,-3 1-15 0 0,1-1 0 0 0,-1 1 0 0 0,1-1 0 0 0,-1 1-1 0 0,1 0 1 0 0,-1 0 0 0 0,0 1 0 0 0,1-1 0 0 0,-1 1-1 0 0,0-1 1 0 0,0 1 0 0 0,0 0 0 0 0,0 0-1 0 0,-1 1 1 0 0,1-1 0 0 0,4 5 0 0 0,37 53-27 0 0,-12-15 6 0 0,-19-31 25 0 0,1 0 1 0 0,1 0-1 0 0,0-2 0 0 0,0 1 0 0 0,2-2 0 0 0,26 14 0 0 0,-37-21 86 0 0,-1-1-1 0 0,1-1 1 0 0,0 1-1 0 0,1-1 1 0 0,-1 0-1 0 0,0 0 0 0 0,1-1 1 0 0,-1 0-1 0 0,1 0 1 0 0,-1 0-1 0 0,1-1 0 0 0,-1 0 1 0 0,1 0-1 0 0,-1-1 1 0 0,1 0-1 0 0,-1 0 0 0 0,1-1 1 0 0,-1 1-1 0 0,0-1 1 0 0,1-1-1 0 0,-1 1 0 0 0,0-1 1 0 0,7-5-1 0 0,1-3 79 0 0,0 0 0 0 0,-1-2 0 0 0,0 0-1 0 0,-1 0 1 0 0,18-26 0 0 0,46-84-115 0 0,-47 71 168 0 0,-20 36 288 0 0,-1 0 0 0 0,0-1 1 0 0,7-23-1 0 0,-3 0-2100 0 0</inkml:trace>
+  <inkml:trace contextRef="#ctx0" brushRef="#br0">0 0 8916 0 0,'0'0'640'0'0</inkml:trace>
 </inkml:ink>
 </file>
 
-<file path=ppt/ink/ink148.xml><?xml version="1.0" encoding="utf-8"?>
+<file path=ppt/ink/ink238.xml><?xml version="1.0" encoding="utf-8"?>
 <inkml:ink xmlns:inkml="http://www.w3.org/2003/InkML">
   <inkml:definitions>
     <inkml:context xml:id="ctx0">
@@ -1865,19 +5048,19 @@
           <inkml:channelProperty channel="OE" name="resolution" value="1000" units="1/deg"/>
         </inkml:channelProperties>
       </inkml:inkSource>
-      <inkml:timestamp xml:id="ts0" timeString="2023-05-24T12:15:29.040"/>
+      <inkml:timestamp xml:id="ts0" timeString="2023-05-24T12:31:25.473"/>
     </inkml:context>
     <inkml:brush xml:id="br0">
       <inkml:brushProperty name="width" value="0.2" units="cm"/>
       <inkml:brushProperty name="height" value="0.2" units="cm"/>
-      <inkml:brushProperty name="color" value="#E71224"/>
+      <inkml:brushProperty name="color" value="#FFC114"/>
     </inkml:brush>
   </inkml:definitions>
-  <inkml:trace contextRef="#ctx0" brushRef="#br0">64 106 4226 0 0,'0'0'3223'0'0,"-9"14"-3525"0"0,2-4 373 0 0,1-1 1 0 0,0 1-1 0 0,0 1 0 0 0,1-1 0 0 0,0 1 0 0 0,1 0 0 0 0,0 0 0 0 0,1 1 1 0 0,0-1-1 0 0,1 0 0 0 0,1 1 0 0 0,-1 0 0 0 0,2-1 0 0 0,0 1 0 0 0,0 0 1 0 0,1 0-1 0 0,2 12 0 0 0,-1-20-23 0 0,-1 0-1 0 0,1 0 1 0 0,1 0 0 0 0,-1 0-1 0 0,0 0 1 0 0,1-1 0 0 0,0 1-1 0 0,0 0 1 0 0,0-1 0 0 0,0 0-1 0 0,0 0 1 0 0,1 0 0 0 0,-1 0-1 0 0,1-1 1 0 0,0 1 0 0 0,0-1-1 0 0,0 0 1 0 0,0 0 0 0 0,0 0-1 0 0,1-1 1 0 0,-1 0 0 0 0,5 2-1 0 0,9 1-1 0 0,1 0-1 0 0,-1-2 0 0 0,1 0 1 0 0,19 0-1 0 0,-23-2-11 0 0,0 0 0 0 0,1-1 0 0 0,-1 0 0 0 0,0-2 0 0 0,0 1 0 0 0,-1-2-1 0 0,22-7 1 0 0,-30 8-24 0 0,-1 1 0 0 0,1-1 0 0 0,-1 0-1 0 0,0-1 1 0 0,0 1 0 0 0,0-1 0 0 0,0 0-1 0 0,-1 0 1 0 0,0-1 0 0 0,1 1 0 0 0,-2-1-1 0 0,1 0 1 0 0,0 0 0 0 0,-1 0-1 0 0,0 0 1 0 0,0-1 0 0 0,-1 1 0 0 0,1-1-1 0 0,-1 0 1 0 0,-1 0 0 0 0,2-7 0 0 0,0 1-28 0 0,-1 1 0 0 0,-1-1 0 0 0,0 0-1 0 0,-1 1 1 0 0,0-1 0 0 0,-4-22 0 0 0,3 27 18 0 0,0 1 0 0 0,-1 0-1 0 0,0 0 1 0 0,-1-1 0 0 0,0 1-1 0 0,1 1 1 0 0,-2-1 0 0 0,1 0 0 0 0,-1 1-1 0 0,0-1 1 0 0,0 1 0 0 0,0 0-1 0 0,-8-6 1 0 0,-3-2 27 0 0,-1 1 1 0 0,-1 0-1 0 0,0 1 0 0 0,-22-10 1 0 0,30 16 16 0 0,0 1 1 0 0,0 1-1 0 0,0 0 1 0 0,0 0 0 0 0,-1 1-1 0 0,0 0 1 0 0,1 0-1 0 0,-1 1 1 0 0,0 0-1 0 0,-17 2 1 0 0,26 0-215 0 0,1 1 0 0 0,-1-1 1 0 0,1 1-1 0 0,0-1 0 0 0,-1 1 0 0 0,1-1 0 0 0,0 1 1 0 0,0-1-1 0 0,0 1 0 0 0,0 0 0 0 0,0-1 1 0 0,0 1-1 0 0,1-1 0 0 0,-1 1 0 0 0,0-1 1 0 0,1 1-1 0 0,-1-1 0 0 0,1 1 0 0 0,0-1 0 0 0,-1 0 1 0 0,2 3-1 0 0,29 8-1975 0 0,14-2-1123 0 0</inkml:trace>
+  <inkml:trace contextRef="#ctx0" brushRef="#br0">1 1 3762 0 0,'0'0'3585'0'0,"25"5"-2643"0"0,116 20-219 0 0,164 33 198 0 0,-298-56-835 0 0,9 1 34 0 0,-1 1 1 0 0,1 1-1 0 0,27 12 0 0 0,-40-16-118 0 0,0 1 0 0 0,-1-1-1 0 0,1 1 1 0 0,-1-1 0 0 0,0 1-1 0 0,1 0 1 0 0,-1 0 0 0 0,0 0 0 0 0,0 1-1 0 0,0-1 1 0 0,0 0 0 0 0,1 5-1 0 0,-2-6-8 0 0,0 1-1 0 0,-1 0 1 0 0,1-1 0 0 0,-1 1-1 0 0,0 0 1 0 0,0 0-1 0 0,0-1 1 0 0,0 1-1 0 0,0 0 1 0 0,0 0 0 0 0,0-1-1 0 0,0 1 1 0 0,-1 0-1 0 0,1 0 1 0 0,-1-1-1 0 0,1 1 1 0 0,-1 0 0 0 0,0-1-1 0 0,1 1 1 0 0,-1-1-1 0 0,0 1 1 0 0,-2 2-1 0 0,-4 3 6 0 0,-1 0-1 0 0,0 0 1 0 0,0 0-1 0 0,0-1 0 0 0,-1-1 1 0 0,0 1-1 0 0,0-1 1 0 0,0-1-1 0 0,-18 6 0 0 0,-15 10 53 0 0,27-12-37 0 0,-5 2 86 0 0,0 1-1 0 0,1 1 1 0 0,-24 19 0 0 0,39-27-14 0 0,-1 0 0 0 0,1 0 1 0 0,0 0-1 0 0,0 0 0 0 0,0 1 0 0 0,1 0 1 0 0,0 0-1 0 0,0 0 0 0 0,0 0 1 0 0,0 0-1 0 0,1 0 0 0 0,0 1 0 0 0,0 0 1 0 0,1-1-1 0 0,-1 1 0 0 0,1 0 0 0 0,0-1 1 0 0,0 8-1 0 0,2-11-78 0 0,-1-1 0 0 0,0 1 0 0 0,1-1 0 0 0,-1 0 0 0 0,1 1 0 0 0,0-1 0 0 0,-1 0 0 0 0,1 0 0 0 0,0 1 0 0 0,0-1 0 0 0,0 0 0 0 0,0 0 0 0 0,0 0 0 0 0,0 0 0 0 0,0 0 0 0 0,0 0 1 0 0,0-1-1 0 0,0 1 0 0 0,1 0 0 0 0,-1 0 0 0 0,0-1 0 0 0,0 1 0 0 0,1-1 0 0 0,-1 1 0 0 0,0-1 0 0 0,1 1 0 0 0,-1-1 0 0 0,1 0 0 0 0,-1 0 0 0 0,1 0 0 0 0,-1 0 0 0 0,3 0 0 0 0,58-2 162 0 0,-55 2-156 0 0,10-2-646 0 0,-1-1 1 0 0,-1-1 0 0 0,1-1-1 0 0,24-9 1 0 0,16-9-3997 0 0</inkml:trace>
 </inkml:ink>
 </file>
 
-<file path=ppt/ink/ink149.xml><?xml version="1.0" encoding="utf-8"?>
+<file path=ppt/ink/ink239.xml><?xml version="1.0" encoding="utf-8"?>
 <inkml:ink xmlns:inkml="http://www.w3.org/2003/InkML">
   <inkml:definitions>
     <inkml:context xml:id="ctx0">
@@ -1897,19 +5080,19 @@
           <inkml:channelProperty channel="OE" name="resolution" value="1000" units="1/deg"/>
         </inkml:channelProperties>
       </inkml:inkSource>
-      <inkml:timestamp xml:id="ts0" timeString="2023-05-24T12:15:29.404"/>
+      <inkml:timestamp xml:id="ts0" timeString="2023-05-24T12:31:25.848"/>
     </inkml:context>
     <inkml:brush xml:id="br0">
       <inkml:brushProperty name="width" value="0.2" units="cm"/>
       <inkml:brushProperty name="height" value="0.2" units="cm"/>
-      <inkml:brushProperty name="color" value="#E71224"/>
+      <inkml:brushProperty name="color" value="#FFC114"/>
     </inkml:brush>
   </inkml:definitions>
-  <inkml:trace contextRef="#ctx0" brushRef="#br0">2 278 3506 0 0,'0'0'3844'0'0,"0"7"-3526"0"0,-2 11-61 0 0,2-11 854 0 0,3-24 116 0 0,-1 1-1129 0 0,1 1-1 0 0,1-1 1 0 0,0 1-1 0 0,1 0 1 0 0,1 0-1 0 0,0 0 1 0 0,1 1-1 0 0,0 0 1 0 0,1 1-1 0 0,13-17 1 0 0,-13 21-18 0 0,0 0-1 0 0,1 0 1 0 0,0 1 0 0 0,1 0-1 0 0,0 1 1 0 0,0 0 0 0 0,0 0-1 0 0,1 1 1 0 0,0 1-1 0 0,0 0 1 0 0,1 0 0 0 0,-1 1-1 0 0,24-5 1 0 0,5 3-315 0 0,0 1 0 0 0,56 0-1 0 0,-18 4-4200 0 0,-70 1 3631 0 0</inkml:trace>
+  <inkml:trace contextRef="#ctx0" brushRef="#br0">1 243 5875 0 0,'0'0'4893'0'0,"34"-1"-3757"0"0,109-3-458 0 0,-131 3-692 0 0,0 1 1 0 0,0-2-1 0 0,0 1 0 0 0,0-2 1 0 0,0 0-1 0 0,0 0 0 0 0,-1-1 1 0 0,1 0-1 0 0,-1-1 1 0 0,0-1-1 0 0,0 1 0 0 0,-1-2 1 0 0,0 1-1 0 0,0-2 0 0 0,0 1 1 0 0,-1-1-1 0 0,0-1 1 0 0,8-10-1 0 0,-14 17-40 0 0,-1 0 0 0 0,0 0 0 0 0,0 0 0 0 0,-1-1 0 0 0,1 1 0 0 0,0-1 0 0 0,-1 1 0 0 0,1-1 0 0 0,-1 0 1 0 0,0 0-1 0 0,0 1 0 0 0,0-1 0 0 0,0 0 0 0 0,-1 0 0 0 0,1 0 0 0 0,-1 0 0 0 0,1 0 0 0 0,-1 0 0 0 0,0 0 0 0 0,0 0 0 0 0,-1 0 0 0 0,1 0 0 0 0,-1 0 0 0 0,-1-5 0 0 0,0 5 11 0 0,0-1 0 0 0,0 1 0 0 0,-1 0 0 0 0,1 0-1 0 0,-1 0 1 0 0,0 1 0 0 0,0-1 0 0 0,0 1 0 0 0,0-1 0 0 0,0 1-1 0 0,0 0 1 0 0,-1 0 0 0 0,1 0 0 0 0,-1 1 0 0 0,1-1 0 0 0,-1 1-1 0 0,0 0 1 0 0,-4-1 0 0 0,-17-4 34 0 0,-1 1-1 0 0,1 2 1 0 0,-31-1 0 0 0,44 3 88 0 0,0 1 1 0 0,0 0-1 0 0,0 1 1 0 0,0 1-1 0 0,1 0 1 0 0,-1 0-1 0 0,1 1 1 0 0,-1 1-1 0 0,-11 5 1 0 0,17-5 12 0 0,1 0 1 0 0,-1 0 0 0 0,2 1 0 0 0,-1-1 0 0 0,0 1-1 0 0,1 0 1 0 0,0 1 0 0 0,0-1 0 0 0,0 1 0 0 0,1-1-1 0 0,0 1 1 0 0,0 0 0 0 0,0 1 0 0 0,1-1-1 0 0,0 0 1 0 0,0 1 0 0 0,0-1 0 0 0,1 1 0 0 0,0-1-1 0 0,0 11 1 0 0,0-7 27 0 0,1-1 0 0 0,0 1 0 0 0,0 0-1 0 0,1 0 1 0 0,0 0 0 0 0,1 0 0 0 0,0-1 0 0 0,1 1-1 0 0,0-1 1 0 0,0 1 0 0 0,1-1 0 0 0,0 0 0 0 0,7 11-1 0 0,0-6-52 0 0,0-1-1 0 0,1 0 0 0 0,0-1 0 0 0,1 0 0 0 0,0-1 0 0 0,27 18 1 0 0,-31-24-365 0 0,1 1-1 0 0,-1-1 1 0 0,1-1 0 0 0,0 0 0 0 0,0 0 0 0 0,1-1 0 0 0,-1 0 0 0 0,1-1 0 0 0,-1 0-1 0 0,1-1 1 0 0,0 0 0 0 0,12 0 0 0 0,1-5-3224 0 0</inkml:trace>
 </inkml:ink>
 </file>
 
-<file path=ppt/ink/ink15.xml><?xml version="1.0" encoding="utf-8"?>
+<file path=ppt/ink/ink24.xml><?xml version="1.0" encoding="utf-8"?>
 <inkml:ink xmlns:inkml="http://www.w3.org/2003/InkML">
   <inkml:definitions>
     <inkml:context xml:id="ctx0">
@@ -1940,7 +5123,7 @@
 </inkml:ink>
 </file>
 
-<file path=ppt/ink/ink150.xml><?xml version="1.0" encoding="utf-8"?>
+<file path=ppt/ink/ink240.xml><?xml version="1.0" encoding="utf-8"?>
 <inkml:ink xmlns:inkml="http://www.w3.org/2003/InkML">
   <inkml:definitions>
     <inkml:context xml:id="ctx0">
@@ -1960,19 +5143,19 @@
           <inkml:channelProperty channel="OE" name="resolution" value="1000" units="1/deg"/>
         </inkml:channelProperties>
       </inkml:inkSource>
-      <inkml:timestamp xml:id="ts0" timeString="2023-05-24T12:15:30.028"/>
+      <inkml:timestamp xml:id="ts0" timeString="2023-05-24T12:31:26.472"/>
     </inkml:context>
     <inkml:brush xml:id="br0">
       <inkml:brushProperty name="width" value="0.2" units="cm"/>
       <inkml:brushProperty name="height" value="0.2" units="cm"/>
-      <inkml:brushProperty name="color" value="#E71224"/>
+      <inkml:brushProperty name="color" value="#FFC114"/>
     </inkml:brush>
   </inkml:definitions>
-  <inkml:trace contextRef="#ctx0" brushRef="#br0">375 477 3169 0 0,'0'0'3549'0'0,"-15"-3"-3293"0"0,-11-3-228 0 0,0 1 1 0 0,0 2-1 0 0,0 0 0 0 0,0 2 0 0 0,0 1 1 0 0,-29 3-1 0 0,47-2-6 0 0,-1 1 1 0 0,1 0-1 0 0,0 0 0 0 0,0 1 1 0 0,0 0-1 0 0,1 0 0 0 0,-1 1 1 0 0,1 0-1 0 0,-1 0 0 0 0,-11 9 1 0 0,15-8 54 0 0,-1-1 0 0 0,1 1 0 0 0,0 0 0 0 0,0 0 0 0 0,0 1 1 0 0,1-1-1 0 0,0 1 0 0 0,0 0 0 0 0,0 0 0 0 0,1 0 0 0 0,0 0 1 0 0,0 0-1 0 0,1 0 0 0 0,-1 0 0 0 0,1 1 0 0 0,0 6 0 0 0,0-7 122 0 0,0 0-1 0 0,1 0 1 0 0,0 0-1 0 0,0 0 0 0 0,1 0 1 0 0,-1 0-1 0 0,1 0 1 0 0,0 0-1 0 0,1 0 1 0 0,0-1-1 0 0,-1 1 0 0 0,5 7 1 0 0,-3-9-130 0 0,0-1 0 0 0,0 1 0 0 0,0 0 0 0 0,1-1 0 0 0,-1 0 0 0 0,1 0 0 0 0,0 0 0 0 0,0 0 0 0 0,0 0 0 0 0,0-1 0 0 0,0 0 0 0 0,1 0 1 0 0,-1 0-1 0 0,1 0 0 0 0,8 1 0 0 0,-1 1-24 0 0,1-1 1 0 0,0-1 0 0 0,0 0-1 0 0,0 0 1 0 0,0-1 0 0 0,0-1-1 0 0,0 0 1 0 0,0-1-1 0 0,0 0 1 0 0,17-5 0 0 0,-20 3-31 0 0,-1 0 1 0 0,0 0-1 0 0,0-1 0 0 0,0 0 1 0 0,-1-1-1 0 0,1 0 1 0 0,-1 0-1 0 0,0-1 1 0 0,-1 0-1 0 0,1 0 1 0 0,-1-1-1 0 0,0 0 0 0 0,-1 0 1 0 0,9-12-1 0 0,-7 6-143 0 0,-1 0 0 0 0,0 0 0 0 0,0-1 0 0 0,-1 0 0 0 0,-1 0 0 0 0,-1 0 0 0 0,0-1 0 0 0,-1 0 0 0 0,2-18 0 0 0,-1-18-341 0 0,-3-71-1 0 0,-2 59 574 0 0,-1 15 851 0 0,-3 0 0 0 0,-18-87 0 0 0,17 111 539 0 0,8 35-1410 0 0,11 39-432 0 0,1-15 375 0 0,-1-1 0 0 0,-2 2 1 0 0,-1 0-1 0 0,-2 0 0 0 0,-2 1 1 0 0,-1 0-1 0 0,-1 0 0 0 0,-3 61 0 0 0,-1-47 23 0 0,1-15-50 0 0,-1 0 1 0 0,-2 1-1 0 0,-8 43 0 0 0,6-53-1076 0 0</inkml:trace>
+  <inkml:trace contextRef="#ctx0" brushRef="#br0">81 831 4386 0 0,'0'0'3642'0'0,"-13"9"-3530"0"0,-39 32 381 0 0,50-40-443 0 0,1 0 0 0 0,0-1 0 0 0,0 1 0 0 0,0 0-1 0 0,0 0 1 0 0,0 0 0 0 0,0 0 0 0 0,0 0 0 0 0,1 0 0 0 0,-1 0 0 0 0,0 0-1 0 0,1 1 1 0 0,-1-1 0 0 0,0 0 0 0 0,1 0 0 0 0,0 1 0 0 0,-1-1-1 0 0,1 0 1 0 0,0 1 0 0 0,-1-1 0 0 0,1 0 0 0 0,0 1 0 0 0,0-1-1 0 0,0 0 1 0 0,0 1 0 0 0,0-1 0 0 0,1 0 0 0 0,-1 1 0 0 0,0-1-1 0 0,1 0 1 0 0,-1 0 0 0 0,1 1 0 0 0,-1-1 0 0 0,1 0 0 0 0,-1 0 0 0 0,1 0-1 0 0,0 1 1 0 0,0-1 0 0 0,-1 0 0 0 0,1 0 0 0 0,0 0 0 0 0,0 0-1 0 0,0 0 1 0 0,0-1 0 0 0,0 1 0 0 0,1 0 0 0 0,-1 0 0 0 0,1 0-1 0 0,4 2 32 0 0,1 1 0 0 0,-1-2-1 0 0,0 1 1 0 0,1-1 0 0 0,0 0-1 0 0,11 2 1 0 0,-7-2-47 0 0,1-1 0 0 0,-1-1 0 0 0,1 0 0 0 0,0 0 0 0 0,-1-1 0 0 0,1-1-1 0 0,-1 0 1 0 0,1 0 0 0 0,-1-1 0 0 0,0-1 0 0 0,0 0 0 0 0,0 0 0 0 0,17-11 0 0 0,-13 6-226 0 0,0-2 1 0 0,-1 1-1 0 0,-1-2 1 0 0,1 0-1 0 0,-2-1 1 0 0,0 0-1 0 0,0-1 1 0 0,13-21-1 0 0,-11 11 115 0 0,0 0 0 0 0,-2-1-1 0 0,-1 0 1 0 0,-1-1 0 0 0,-1 0-1 0 0,-1-1 1 0 0,-2 0-1 0 0,0 0 1 0 0,-2-1 0 0 0,-1 1-1 0 0,-1-1 1 0 0,-2-31 0 0 0,0-96 1355 0 0,0-97 5346 0 0,-4 239-6152 0 0,0 28-1019 0 0,5 160-245 0 0,-8 362-1342 0 0,7-534 2090 0 0,-2 26-502 0 0,1 0-1 0 0,6 54 1 0 0,-4-74 312 0 0,1 0 0 0 0,1 0 0 0 0,-1 0 0 0 0,1 0 0 0 0,1 0 0 0 0,0-1 0 0 0,0 1 0 0 0,1-1 0 0 0,0 0 0 0 0,0 0 0 0 0,1-1 0 0 0,10 11 0 0 0,13 9-2386 0 0,-5-10-1521 0 0</inkml:trace>
 </inkml:ink>
 </file>
 
-<file path=ppt/ink/ink151.xml><?xml version="1.0" encoding="utf-8"?>
+<file path=ppt/ink/ink241.xml><?xml version="1.0" encoding="utf-8"?>
 <inkml:ink xmlns:inkml="http://www.w3.org/2003/InkML">
   <inkml:definitions>
     <inkml:context xml:id="ctx0">
@@ -1992,275 +5175,19 @@
           <inkml:channelProperty channel="OE" name="resolution" value="1000" units="1/deg"/>
         </inkml:channelProperties>
       </inkml:inkSource>
-      <inkml:timestamp xml:id="ts0" timeString="2023-05-24T12:15:30.498"/>
+      <inkml:timestamp xml:id="ts0" timeString="2023-05-24T12:31:29.536"/>
     </inkml:context>
     <inkml:brush xml:id="br0">
       <inkml:brushProperty name="width" value="0.2" units="cm"/>
       <inkml:brushProperty name="height" value="0.2" units="cm"/>
-      <inkml:brushProperty name="color" value="#E71224"/>
+      <inkml:brushProperty name="color" value="#FFC114"/>
     </inkml:brush>
   </inkml:definitions>
-  <inkml:trace contextRef="#ctx0" brushRef="#br0">693 0 6627 0 0,'0'0'2521'0'0,"-34"13"-2305"0"0,-242 86-120 0 0,262-94-117 0 0,3-1 42 0 0,-1 1-1 0 0,1 0 0 0 0,0 0 1 0 0,-12 9-1 0 0,21-13 19 0 0,0 1 0 0 0,0-1 0 0 0,0 1 0 0 0,0 0 0 0 0,0-1 0 0 0,0 1 0 0 0,1 0 0 0 0,-1 0 0 0 0,1 0 0 0 0,-1 0 0 0 0,1 1 0 0 0,0-1 0 0 0,0 0 0 0 0,0 1 0 0 0,0-1 0 0 0,0 0-1 0 0,1 1 1 0 0,-1-1 0 0 0,1 1 0 0 0,-1-1 0 0 0,1 1 0 0 0,0 0 0 0 0,0-1 0 0 0,0 1 0 0 0,1 4 0 0 0,0-5 33 0 0,0 1 0 0 0,0-1 0 0 0,1 1-1 0 0,-1-1 1 0 0,1 1 0 0 0,-1-1 0 0 0,1 0 0 0 0,0 0-1 0 0,0 0 1 0 0,-1 0 0 0 0,2 0 0 0 0,-1 0-1 0 0,0 0 1 0 0,0-1 0 0 0,1 1 0 0 0,-1-1 0 0 0,4 2-1 0 0,55 22 759 0 0,-37-17-492 0 0,13 7-54 0 0,-1 1-1 0 0,66 40 1 0 0,-99-54-288 0 0,0 0-1 0 0,-1 0 1 0 0,1 0-1 0 0,-1 0 1 0 0,1 0-1 0 0,-1 1 1 0 0,0-1-1 0 0,0 1 1 0 0,0-1-1 0 0,0 1 1 0 0,-1 0-1 0 0,1 0 1 0 0,-1-1-1 0 0,1 1 1 0 0,-1 0-1 0 0,0 1 1 0 0,1 3 0 0 0,-2-5 2 0 0,0 1-1 0 0,-1-1 1 0 0,1 0 0 0 0,-1 0 0 0 0,1 0 0 0 0,-1 0 0 0 0,1 0 0 0 0,-1 0 0 0 0,0 0 0 0 0,0-1 0 0 0,0 1 0 0 0,0 0 0 0 0,-1 0 0 0 0,1-1 0 0 0,0 1 0 0 0,-1-1 0 0 0,1 1 0 0 0,-1-1 0 0 0,1 1 0 0 0,-1-1 0 0 0,0 0 0 0 0,0 0 0 0 0,1 0 0 0 0,-1 0 0 0 0,0 0 0 0 0,0 0 0 0 0,0-1 0 0 0,0 1 0 0 0,-3 0 0 0 0,-53 15-711 0 0,-1-2 1 0 0,0-4 0 0 0,0-1 0 0 0,-73 0-1 0 0,-9 2-3732 0 0,84-3 1769 0 0</inkml:trace>
+  <inkml:trace contextRef="#ctx0" brushRef="#br0">398 19 2801 0 0,'0'0'2129'0'0,"-43"-2"2604"0"0,-21-7-4746 0 0,-1 3-1 0 0,-114 4 1 0 0,147 7-60 0 0,32-5 26 0 0,-1 1 1 0 0,0-1-1 0 0,0 1 0 0 0,0-1 1 0 0,0 0-1 0 0,1 1 1 0 0,-1 0-1 0 0,0-1 0 0 0,0 1 1 0 0,1 0-1 0 0,-1-1 1 0 0,1 1-1 0 0,-1 0 0 0 0,1-1 1 0 0,-1 1-1 0 0,1 0 1 0 0,-1 0-1 0 0,1 0 0 0 0,-1 0 1 0 0,1-1-1 0 0,0 1 1 0 0,0 0-1 0 0,-1 0 0 0 0,1 0 1 0 0,0 0-1 0 0,0 0 1 0 0,0 0-1 0 0,0 1 0 0 0,0-1-28 0 0,1-1-1 0 0,-1 1 0 0 0,0-1 1 0 0,0 1-1 0 0,1 0 0 0 0,-1-1 1 0 0,0 1-1 0 0,1-1 0 0 0,-1 1 1 0 0,1-1-1 0 0,-1 0 0 0 0,1 1 1 0 0,-1-1-1 0 0,1 1 0 0 0,-1-1 0 0 0,1 0 1 0 0,-1 1-1 0 0,1-1 0 0 0,0 0 1 0 0,-1 1-1 0 0,1-1 0 0 0,-1 0 1 0 0,1 0-1 0 0,0 0 0 0 0,-1 0 1 0 0,1 0-1 0 0,0 0 0 0 0,-1 0 1 0 0,1 0-1 0 0,0 0 0 0 0,-1 0 1 0 0,1 0-1 0 0,0 0 0 0 0,-1 0 1 0 0,1 0-1 0 0,0-1 0 0 0,5 1-573 0 0,32 1-3700 0 0</inkml:trace>
 </inkml:ink>
 </file>
 
-<file path=ppt/ink/ink152.xml><?xml version="1.0" encoding="utf-8"?>
-<inkml:ink xmlns:inkml="http://www.w3.org/2003/InkML">
-  <inkml:definitions>
-    <inkml:context xml:id="ctx0">
-      <inkml:inkSource xml:id="inkSrc0">
-        <inkml:traceFormat>
-          <inkml:channel name="X" type="integer" min="-2.14748E9" max="2.14748E9" units="cm"/>
-          <inkml:channel name="Y" type="integer" min="-2.14748E9" max="2.14748E9" units="cm"/>
-          <inkml:channel name="F" type="integer" max="32767" units="dev"/>
-          <inkml:channel name="OA" type="integer" max="360" units="deg"/>
-          <inkml:channel name="OE" type="integer" max="90" units="deg"/>
-        </inkml:traceFormat>
-        <inkml:channelProperties>
-          <inkml:channelProperty channel="X" name="resolution" value="1000" units="1/cm"/>
-          <inkml:channelProperty channel="Y" name="resolution" value="1000" units="1/cm"/>
-          <inkml:channelProperty channel="F" name="resolution" value="0" units="1/dev"/>
-          <inkml:channelProperty channel="OA" name="resolution" value="1000" units="1/deg"/>
-          <inkml:channelProperty channel="OE" name="resolution" value="1000" units="1/deg"/>
-        </inkml:channelProperties>
-      </inkml:inkSource>
-      <inkml:timestamp xml:id="ts0" timeString="2023-05-24T12:15:31.556"/>
-    </inkml:context>
-    <inkml:brush xml:id="br0">
-      <inkml:brushProperty name="width" value="0.2" units="cm"/>
-      <inkml:brushProperty name="height" value="0.2" units="cm"/>
-      <inkml:brushProperty name="color" value="#E71224"/>
-    </inkml:brush>
-  </inkml:definitions>
-  <inkml:trace contextRef="#ctx0" brushRef="#br0">12 303 2097 0 0,'0'0'3081'0'0,"-11"3"-594"0"0,20-14-1273 0 0,24-3 2488 0 0,-8 5-2663 0 0,174-118 1225 0 0,-63 37-2123 0 0,-42 37 84 0 0,-94 53-240 0 0,1-1 0 0 0,0 1 0 0 0,0 0 0 0 0,0 0 0 0 0,0 0 0 0 0,-1-1 0 0 0,1 1 0 0 0,0 0 0 0 0,0 0 0 0 0,0 0 0 0 0,0 0 0 0 0,-1 1 0 0 0,1-1 0 0 0,0 0 0 0 0,0 0 0 0 0,0 0 0 0 0,0 1 0 0 0,-1-1 0 0 0,1 0 0 0 0,0 1 0 0 0,0-1 0 0 0,-1 1 0 0 0,1-1 0 0 0,0 1 0 0 0,-1-1 0 0 0,1 1 0 0 0,0-1 0 0 0,-1 1 0 0 0,1 0 0 0 0,-1-1 0 0 0,1 1 0 0 0,-1 0 0 0 0,1-1 0 0 0,-1 1 0 0 0,1 0 0 0 0,-1 0 0 0 0,1 1 0 0 0,11 34-24 0 0,-11-33 37 0 0,31 173 88 0 0,-32-174-86 0 0,1-1 1 0 0,-1 1 0 0 0,0-1-1 0 0,1 1 1 0 0,-1-1 0 0 0,1 1-1 0 0,-1-1 1 0 0,1 0 0 0 0,0 1-1 0 0,0-1 1 0 0,0 0 0 0 0,-1 0-1 0 0,1 1 1 0 0,0-1 0 0 0,1 0-1 0 0,-1 0 1 0 0,0 0 0 0 0,0 0-1 0 0,0 0 1 0 0,0-1 0 0 0,1 1-1 0 0,-1 0 1 0 0,3 1 0 0 0,-2-2 0 0 0,1 0 0 0 0,-1 1 1 0 0,1-1-1 0 0,-1 0 0 0 0,1 0 1 0 0,-1-1-1 0 0,1 1 0 0 0,-1-1 1 0 0,1 1-1 0 0,-1-1 0 0 0,0 0 1 0 0,1 1-1 0 0,2-3 0 0 0,6-3-18 0 0,1 0 0 0 0,-1-1 0 0 0,-1-1 0 0 0,14-11 0 0 0,28-33-43 0 0,-42 40 54 0 0,0 1 0 0 0,1 0 0 0 0,0 1 0 0 0,0 0 0 0 0,1 0 0 0 0,0 1 0 0 0,1 1 0 0 0,0 0 0 0 0,21-9 0 0 0,-9 13-54 0 0,0 1 0 0 0,0 1 0 0 0,0 1 0 0 0,1 2 1 0 0,-1 0-1 0 0,32 6 0 0 0,-45-5 55 0 0,-1 0 0 0 0,0 1 0 0 0,0 0 0 0 0,0 1 0 0 0,-1 0-1 0 0,1 0 1 0 0,-1 1 0 0 0,0 0 0 0 0,10 8 0 0 0,-16-10-2 0 0,0 1-1 0 0,0-1 1 0 0,0 1-1 0 0,0 0 1 0 0,0 0-1 0 0,-1 0 1 0 0,0 1-1 0 0,0-1 1 0 0,0 1-1 0 0,0 0 1 0 0,-1 0-1 0 0,0-1 1 0 0,0 2-1 0 0,0-1 1 0 0,-1 0-1 0 0,1 0 1 0 0,-1 1-1 0 0,-1-1 1 0 0,1 0-1 0 0,-1 7 1 0 0,0-7 4 0 0,-4 56 16 0 0,3-57-34 0 0,0 0 0 0 0,0 0 0 0 0,-1 0 0 0 0,0 0 0 0 0,1 0 1 0 0,-1-1-1 0 0,-1 1 0 0 0,1-1 0 0 0,0 0 0 0 0,-1 1 0 0 0,0-1 0 0 0,-4 4 0 0 0,-3 1-283 0 0,-15 13-511 0 0</inkml:trace>
-</inkml:ink>
-</file>
-
-<file path=ppt/ink/ink153.xml><?xml version="1.0" encoding="utf-8"?>
-<inkml:ink xmlns:inkml="http://www.w3.org/2003/InkML">
-  <inkml:definitions>
-    <inkml:context xml:id="ctx0">
-      <inkml:inkSource xml:id="inkSrc0">
-        <inkml:traceFormat>
-          <inkml:channel name="X" type="integer" min="-2.14748E9" max="2.14748E9" units="cm"/>
-          <inkml:channel name="Y" type="integer" min="-2.14748E9" max="2.14748E9" units="cm"/>
-          <inkml:channel name="F" type="integer" max="32767" units="dev"/>
-          <inkml:channel name="OA" type="integer" max="360" units="deg"/>
-          <inkml:channel name="OE" type="integer" max="90" units="deg"/>
-        </inkml:traceFormat>
-        <inkml:channelProperties>
-          <inkml:channelProperty channel="X" name="resolution" value="1000" units="1/cm"/>
-          <inkml:channelProperty channel="Y" name="resolution" value="1000" units="1/cm"/>
-          <inkml:channelProperty channel="F" name="resolution" value="0" units="1/dev"/>
-          <inkml:channelProperty channel="OA" name="resolution" value="1000" units="1/deg"/>
-          <inkml:channelProperty channel="OE" name="resolution" value="1000" units="1/deg"/>
-        </inkml:channelProperties>
-      </inkml:inkSource>
-      <inkml:timestamp xml:id="ts0" timeString="2023-05-24T12:15:32.072"/>
-    </inkml:context>
-    <inkml:brush xml:id="br0">
-      <inkml:brushProperty name="width" value="0.2" units="cm"/>
-      <inkml:brushProperty name="height" value="0.2" units="cm"/>
-      <inkml:brushProperty name="color" value="#E71224"/>
-    </inkml:brush>
-  </inkml:definitions>
-  <inkml:trace contextRef="#ctx0" brushRef="#br0">354 28 4610 0 0,'0'0'2038'0'0,"0"0"-2008"0"0,1 0 0 0 0,-1-1-1 0 0,0 1 1 0 0,0-1-1 0 0,0 1 1 0 0,0 0-1 0 0,0-1 1 0 0,0 1 0 0 0,0-1-1 0 0,0 1 1 0 0,0 0-1 0 0,0-1 1 0 0,0 1 0 0 0,0-1-1 0 0,0 1 1 0 0,0 0-1 0 0,0-1 1 0 0,0 1-1 0 0,0-1 1 0 0,-1 1 0 0 0,1 0-1 0 0,0-1 1 0 0,0 1-1 0 0,0 0 1 0 0,-1-1 0 0 0,1 1-1 0 0,0 0 1 0 0,0-1-1 0 0,-1 1 1 0 0,1 0-1 0 0,0 0 1 0 0,-1-1 0 0 0,0 1-1 0 0,-17-5 112 0 0,-1 1 1 0 0,0 1-1 0 0,1 1 0 0 0,-1 1 0 0 0,0 0 1 0 0,-1 1-1 0 0,-20 4 0 0 0,19-3-110 0 0,13 0 75 0 0,0 0 1 0 0,1 0 0 0 0,-1 1-1 0 0,1 0 1 0 0,0 1 0 0 0,0-1-1 0 0,-1 1 1 0 0,2 1 0 0 0,-1-1-1 0 0,0 1 1 0 0,1 1 0 0 0,-1-1-1 0 0,1 1 1 0 0,1 0 0 0 0,-1 0 0 0 0,-5 7-1 0 0,7-8-24 0 0,0 1 0 0 0,1-1 0 0 0,0 1-1 0 0,0 0 1 0 0,0 0 0 0 0,1 0 0 0 0,-1 0 0 0 0,1 0-1 0 0,0 1 1 0 0,1-1 0 0 0,-1 1 0 0 0,1-1 0 0 0,0 1-1 0 0,0 0 1 0 0,1-1 0 0 0,0 1 0 0 0,0 0 0 0 0,0-1-1 0 0,1 1 1 0 0,-1 0 0 0 0,2-1 0 0 0,1 9 0 0 0,-1-12-72 0 0,0 1 0 0 0,-1-1 0 0 0,1 0 0 0 0,0 0 0 0 0,1 0 0 0 0,-1 0 0 0 0,0 0 0 0 0,1 0 0 0 0,-1 0 0 0 0,1-1 0 0 0,-1 0 0 0 0,1 1 0 0 0,0-1 0 0 0,-1 0 0 0 0,1 0 0 0 0,0 0 0 0 0,0-1 0 0 0,0 1 0 0 0,0 0 0 0 0,0-1 0 0 0,0 0 0 0 0,0 0 0 0 0,3 0 0 0 0,5 0 49 0 0,1 0 0 0 0,0 0 1 0 0,0-1-1 0 0,18-4 0 0 0,-17 0-61 0 0,0 0-1 0 0,0-1 1 0 0,0-1 0 0 0,0 0 0 0 0,-1-1-1 0 0,-1 0 1 0 0,1-1 0 0 0,12-12 0 0 0,19-13-552 0 0,-42 33 540 0 0,0 1 1 0 0,0-1-1 0 0,0 1 0 0 0,0-1 0 0 0,1 1 0 0 0,-1 0 0 0 0,0 0 0 0 0,0-1 0 0 0,0 1 0 0 0,1 0 0 0 0,-1 0 0 0 0,0 0 0 0 0,0 1 0 0 0,0-1 1 0 0,1 0-1 0 0,-1 0 0 0 0,0 1 0 0 0,0-1 0 0 0,0 0 0 0 0,0 1 0 0 0,0-1 0 0 0,0 1 0 0 0,0 0 0 0 0,0-1 0 0 0,0 1 0 0 0,0 0 0 0 0,0 0 0 0 0,0-1 1 0 0,0 1-1 0 0,0 0 0 0 0,0 0 0 0 0,-1 0 0 0 0,1 0 0 0 0,0 2 0 0 0,32 47-284 0 0,-20-29 350 0 0,-11-18-77 0 0,74 94 353 0 0,-69-89-468 0 0,0-1 1 0 0,0 0 0 0 0,0 0 0 0 0,1-1 0 0 0,0 0 0 0 0,0-1 0 0 0,1 1 0 0 0,-1-2 0 0 0,1 1 0 0 0,11 3-1 0 0,-3-7-2885 0 0</inkml:trace>
-</inkml:ink>
-</file>
-
-<file path=ppt/ink/ink154.xml><?xml version="1.0" encoding="utf-8"?>
-<inkml:ink xmlns:inkml="http://www.w3.org/2003/InkML">
-  <inkml:definitions>
-    <inkml:context xml:id="ctx0">
-      <inkml:inkSource xml:id="inkSrc0">
-        <inkml:traceFormat>
-          <inkml:channel name="X" type="integer" min="-2.14748E9" max="2.14748E9" units="cm"/>
-          <inkml:channel name="Y" type="integer" min="-2.14748E9" max="2.14748E9" units="cm"/>
-          <inkml:channel name="F" type="integer" max="32767" units="dev"/>
-          <inkml:channel name="OA" type="integer" max="360" units="deg"/>
-          <inkml:channel name="OE" type="integer" max="90" units="deg"/>
-        </inkml:traceFormat>
-        <inkml:channelProperties>
-          <inkml:channelProperty channel="X" name="resolution" value="1000" units="1/cm"/>
-          <inkml:channelProperty channel="Y" name="resolution" value="1000" units="1/cm"/>
-          <inkml:channelProperty channel="F" name="resolution" value="0" units="1/dev"/>
-          <inkml:channelProperty channel="OA" name="resolution" value="1000" units="1/deg"/>
-          <inkml:channelProperty channel="OE" name="resolution" value="1000" units="1/deg"/>
-        </inkml:channelProperties>
-      </inkml:inkSource>
-      <inkml:timestamp xml:id="ts0" timeString="2023-05-24T12:15:32.429"/>
-    </inkml:context>
-    <inkml:brush xml:id="br0">
-      <inkml:brushProperty name="width" value="0.2" units="cm"/>
-      <inkml:brushProperty name="height" value="0.2" units="cm"/>
-      <inkml:brushProperty name="color" value="#E71224"/>
-    </inkml:brush>
-  </inkml:definitions>
-  <inkml:trace contextRef="#ctx0" brushRef="#br0">1 0 6275 0 0,'0'0'5106'0'0,"101"102"-4337"0"0,-70-68-49 0 0,-8-6-144 0 0,-7-2-512 0 0,-5-8-32 0 0,-3-6-272 0 0,4-2-176 0 0,-4-2-705 0 0</inkml:trace>
-</inkml:ink>
-</file>
-
-<file path=ppt/ink/ink155.xml><?xml version="1.0" encoding="utf-8"?>
-<inkml:ink xmlns:inkml="http://www.w3.org/2003/InkML">
-  <inkml:definitions>
-    <inkml:context xml:id="ctx0">
-      <inkml:inkSource xml:id="inkSrc0">
-        <inkml:traceFormat>
-          <inkml:channel name="X" type="integer" min="-2.14748E9" max="2.14748E9" units="cm"/>
-          <inkml:channel name="Y" type="integer" min="-2.14748E9" max="2.14748E9" units="cm"/>
-          <inkml:channel name="F" type="integer" max="32767" units="dev"/>
-          <inkml:channel name="OA" type="integer" max="360" units="deg"/>
-          <inkml:channel name="OE" type="integer" max="90" units="deg"/>
-        </inkml:traceFormat>
-        <inkml:channelProperties>
-          <inkml:channelProperty channel="X" name="resolution" value="1000" units="1/cm"/>
-          <inkml:channelProperty channel="Y" name="resolution" value="1000" units="1/cm"/>
-          <inkml:channelProperty channel="F" name="resolution" value="0" units="1/dev"/>
-          <inkml:channelProperty channel="OA" name="resolution" value="1000" units="1/deg"/>
-          <inkml:channelProperty channel="OE" name="resolution" value="1000" units="1/deg"/>
-        </inkml:channelProperties>
-      </inkml:inkSource>
-      <inkml:timestamp xml:id="ts0" timeString="2023-05-24T12:15:32.771"/>
-    </inkml:context>
-    <inkml:brush xml:id="br0">
-      <inkml:brushProperty name="width" value="0.2" units="cm"/>
-      <inkml:brushProperty name="height" value="0.2" units="cm"/>
-      <inkml:brushProperty name="color" value="#E71224"/>
-    </inkml:brush>
-  </inkml:definitions>
-  <inkml:trace contextRef="#ctx0" brushRef="#br0">658 0 10117 0 0,'0'0'2483'0'0,"-35"20"-2360"0"0,-110 67-80 0 0,113-66-25 0 0,1 1 0 0 0,-51 47 0 0 0,37-29 77 0 0,-5 3 143 0 0,-17 12 173 0 0,-81 88-1 0 0,147-142-414 0 0,-1 1-14 0 0,0 0-1 0 0,0 0 1 0 0,0 0-1 0 0,1 0 1 0 0,-1 0 0 0 0,1 0-1 0 0,-1 0 1 0 0,1 1 0 0 0,0-1-1 0 0,0 1 1 0 0,0-1-1 0 0,0 1 1 0 0,0-1 0 0 0,0 6-1 0 0,6-6-1109 0 0,5-3 345 0 0,0 0 0 0 0,-1 0 0 0 0,1-1 0 0 0,0 0 1 0 0,-1-1-1 0 0,14-5 0 0 0,35-20-5279 0 0</inkml:trace>
-</inkml:ink>
-</file>
-
-<file path=ppt/ink/ink156.xml><?xml version="1.0" encoding="utf-8"?>
-<inkml:ink xmlns:inkml="http://www.w3.org/2003/InkML">
-  <inkml:definitions>
-    <inkml:context xml:id="ctx0">
-      <inkml:inkSource xml:id="inkSrc0">
-        <inkml:traceFormat>
-          <inkml:channel name="X" type="integer" min="-2.14748E9" max="2.14748E9" units="cm"/>
-          <inkml:channel name="Y" type="integer" min="-2.14748E9" max="2.14748E9" units="cm"/>
-          <inkml:channel name="F" type="integer" max="32767" units="dev"/>
-          <inkml:channel name="OA" type="integer" max="360" units="deg"/>
-          <inkml:channel name="OE" type="integer" max="90" units="deg"/>
-        </inkml:traceFormat>
-        <inkml:channelProperties>
-          <inkml:channelProperty channel="X" name="resolution" value="1000" units="1/cm"/>
-          <inkml:channelProperty channel="Y" name="resolution" value="1000" units="1/cm"/>
-          <inkml:channelProperty channel="F" name="resolution" value="0" units="1/dev"/>
-          <inkml:channelProperty channel="OA" name="resolution" value="1000" units="1/deg"/>
-          <inkml:channelProperty channel="OE" name="resolution" value="1000" units="1/deg"/>
-        </inkml:channelProperties>
-      </inkml:inkSource>
-      <inkml:timestamp xml:id="ts0" timeString="2023-05-24T12:17:11.018"/>
-    </inkml:context>
-    <inkml:brush xml:id="br0">
-      <inkml:brushProperty name="width" value="0.2" units="cm"/>
-      <inkml:brushProperty name="height" value="0.2" units="cm"/>
-      <inkml:brushProperty name="color" value="#E71224"/>
-    </inkml:brush>
-  </inkml:definitions>
-  <inkml:trace contextRef="#ctx0" brushRef="#br0">133 9 4514 0 0,'-1'-8'5568'0'0,"-12"37"-5533"0"0,-2 0-1 0 0,-21 31 1 0 0,19-33 53 0 0,1 1 0 0 0,-14 34 0 0 0,26-43 130 0 0,3-8-1009 0 0</inkml:trace>
-</inkml:ink>
-</file>
-
-<file path=ppt/ink/ink157.xml><?xml version="1.0" encoding="utf-8"?>
-<inkml:ink xmlns:inkml="http://www.w3.org/2003/InkML">
-  <inkml:definitions>
-    <inkml:context xml:id="ctx0">
-      <inkml:inkSource xml:id="inkSrc0">
-        <inkml:traceFormat>
-          <inkml:channel name="X" type="integer" min="-2.14748E9" max="2.14748E9" units="cm"/>
-          <inkml:channel name="Y" type="integer" min="-2.14748E9" max="2.14748E9" units="cm"/>
-          <inkml:channel name="F" type="integer" max="32767" units="dev"/>
-          <inkml:channel name="OA" type="integer" max="360" units="deg"/>
-          <inkml:channel name="OE" type="integer" max="90" units="deg"/>
-        </inkml:traceFormat>
-        <inkml:channelProperties>
-          <inkml:channelProperty channel="X" name="resolution" value="1000" units="1/cm"/>
-          <inkml:channelProperty channel="Y" name="resolution" value="1000" units="1/cm"/>
-          <inkml:channelProperty channel="F" name="resolution" value="0" units="1/dev"/>
-          <inkml:channelProperty channel="OA" name="resolution" value="1000" units="1/deg"/>
-          <inkml:channelProperty channel="OE" name="resolution" value="1000" units="1/deg"/>
-        </inkml:channelProperties>
-      </inkml:inkSource>
-      <inkml:timestamp xml:id="ts0" timeString="2023-05-24T12:17:11.452"/>
-    </inkml:context>
-    <inkml:brush xml:id="br0">
-      <inkml:brushProperty name="width" value="0.2" units="cm"/>
-      <inkml:brushProperty name="height" value="0.2" units="cm"/>
-      <inkml:brushProperty name="color" value="#E71224"/>
-    </inkml:brush>
-  </inkml:definitions>
-  <inkml:trace contextRef="#ctx0" brushRef="#br0">0 1 1585 0 0,'0'0'4882'0'0,"0"34"-3986"0"0,0-28 129 0 0,0 4 31 0 0,0 2-271 0 0,0 0-497 0 0,0 2-144 0 0,0 0-96 0 0,0 2 32 0 0,0-6 64 0 0,0 0-112 0 0,0-4-960 0 0</inkml:trace>
-</inkml:ink>
-</file>
-
-<file path=ppt/ink/ink158.xml><?xml version="1.0" encoding="utf-8"?>
-<inkml:ink xmlns:inkml="http://www.w3.org/2003/InkML">
-  <inkml:definitions>
-    <inkml:context xml:id="ctx0">
-      <inkml:inkSource xml:id="inkSrc0">
-        <inkml:traceFormat>
-          <inkml:channel name="X" type="integer" min="-2.14748E9" max="2.14748E9" units="cm"/>
-          <inkml:channel name="Y" type="integer" min="-2.14748E9" max="2.14748E9" units="cm"/>
-          <inkml:channel name="F" type="integer" max="32767" units="dev"/>
-          <inkml:channel name="OA" type="integer" max="360" units="deg"/>
-          <inkml:channel name="OE" type="integer" max="90" units="deg"/>
-        </inkml:traceFormat>
-        <inkml:channelProperties>
-          <inkml:channelProperty channel="X" name="resolution" value="1000" units="1/cm"/>
-          <inkml:channelProperty channel="Y" name="resolution" value="1000" units="1/cm"/>
-          <inkml:channelProperty channel="F" name="resolution" value="0" units="1/dev"/>
-          <inkml:channelProperty channel="OA" name="resolution" value="1000" units="1/deg"/>
-          <inkml:channelProperty channel="OE" name="resolution" value="1000" units="1/deg"/>
-        </inkml:channelProperties>
-      </inkml:inkSource>
-      <inkml:timestamp xml:id="ts0" timeString="2023-05-24T12:17:12.781"/>
-    </inkml:context>
-    <inkml:brush xml:id="br0">
-      <inkml:brushProperty name="width" value="0.2" units="cm"/>
-      <inkml:brushProperty name="height" value="0.2" units="cm"/>
-      <inkml:brushProperty name="color" value="#E71224"/>
-    </inkml:brush>
-  </inkml:definitions>
-  <inkml:trace contextRef="#ctx0" brushRef="#br0">19 24 3442 0 0,'23'-24'11373'0'0,"-22"58"-11400"0"0,-2 48 34 0 0,1-76-6 0 0,-1-1 0 0 0,-1 1 0 0 0,1 0 0 0 0,-1-1 0 0 0,0 1 0 0 0,0-1 0 0 0,0 1 0 0 0,-1-1 0 0 0,0 0 0 0 0,0 0 0 0 0,-6 8 0 0 0,-3 1-1118 0 0</inkml:trace>
-</inkml:ink>
-</file>
-
-<file path=ppt/ink/ink159.xml><?xml version="1.0" encoding="utf-8"?>
-<inkml:ink xmlns:inkml="http://www.w3.org/2003/InkML">
-  <inkml:definitions>
-    <inkml:context xml:id="ctx0">
-      <inkml:inkSource xml:id="inkSrc0">
-        <inkml:traceFormat>
-          <inkml:channel name="X" type="integer" min="-2.14748E9" max="2.14748E9" units="cm"/>
-          <inkml:channel name="Y" type="integer" min="-2.14748E9" max="2.14748E9" units="cm"/>
-          <inkml:channel name="F" type="integer" max="32767" units="dev"/>
-          <inkml:channel name="OA" type="integer" max="360" units="deg"/>
-          <inkml:channel name="OE" type="integer" max="90" units="deg"/>
-        </inkml:traceFormat>
-        <inkml:channelProperties>
-          <inkml:channelProperty channel="X" name="resolution" value="1000" units="1/cm"/>
-          <inkml:channelProperty channel="Y" name="resolution" value="1000" units="1/cm"/>
-          <inkml:channelProperty channel="F" name="resolution" value="0" units="1/dev"/>
-          <inkml:channelProperty channel="OA" name="resolution" value="1000" units="1/deg"/>
-          <inkml:channelProperty channel="OE" name="resolution" value="1000" units="1/deg"/>
-        </inkml:channelProperties>
-      </inkml:inkSource>
-      <inkml:timestamp xml:id="ts0" timeString="2023-05-24T12:17:13.189"/>
-    </inkml:context>
-    <inkml:brush xml:id="br0">
-      <inkml:brushProperty name="width" value="0.2" units="cm"/>
-      <inkml:brushProperty name="height" value="0.2" units="cm"/>
-      <inkml:brushProperty name="color" value="#E71224"/>
-    </inkml:brush>
-  </inkml:definitions>
-  <inkml:trace contextRef="#ctx0" brushRef="#br0">82 1 5635 0 0,'0'0'6098'0'0,"0"92"-5457"0"0,-3-63 79 0 0,-17 1 208 0 0,5 0-415 0 0,3-2-305 0 0,4-4-80 0 0,0-8-112 0 0,1-2-32 0 0,-1-6-785 0 0</inkml:trace>
-</inkml:ink>
-</file>
-
-<file path=ppt/ink/ink16.xml><?xml version="1.0" encoding="utf-8"?>
+<file path=ppt/ink/ink25.xml><?xml version="1.0" encoding="utf-8"?>
 <inkml:ink xmlns:inkml="http://www.w3.org/2003/InkML">
   <inkml:definitions>
     <inkml:context xml:id="ctx0">
@@ -2291,327 +5218,7 @@
 </inkml:ink>
 </file>
 
-<file path=ppt/ink/ink160.xml><?xml version="1.0" encoding="utf-8"?>
-<inkml:ink xmlns:inkml="http://www.w3.org/2003/InkML">
-  <inkml:definitions>
-    <inkml:context xml:id="ctx0">
-      <inkml:inkSource xml:id="inkSrc0">
-        <inkml:traceFormat>
-          <inkml:channel name="X" type="integer" min="-2.14748E9" max="2.14748E9" units="cm"/>
-          <inkml:channel name="Y" type="integer" min="-2.14748E9" max="2.14748E9" units="cm"/>
-          <inkml:channel name="F" type="integer" max="32767" units="dev"/>
-          <inkml:channel name="OA" type="integer" max="360" units="deg"/>
-          <inkml:channel name="OE" type="integer" max="90" units="deg"/>
-        </inkml:traceFormat>
-        <inkml:channelProperties>
-          <inkml:channelProperty channel="X" name="resolution" value="1000" units="1/cm"/>
-          <inkml:channelProperty channel="Y" name="resolution" value="1000" units="1/cm"/>
-          <inkml:channelProperty channel="F" name="resolution" value="0" units="1/dev"/>
-          <inkml:channelProperty channel="OA" name="resolution" value="1000" units="1/deg"/>
-          <inkml:channelProperty channel="OE" name="resolution" value="1000" units="1/deg"/>
-        </inkml:channelProperties>
-      </inkml:inkSource>
-      <inkml:timestamp xml:id="ts0" timeString="2023-05-24T12:26:53.297"/>
-    </inkml:context>
-    <inkml:brush xml:id="br0">
-      <inkml:brushProperty name="width" value="0.2" units="cm"/>
-      <inkml:brushProperty name="height" value="0.2" units="cm"/>
-      <inkml:brushProperty name="color" value="#E71224"/>
-    </inkml:brush>
-  </inkml:definitions>
-  <inkml:trace contextRef="#ctx0" brushRef="#br0">16 1054 2913 0 0,'-15'-2'7644'0'0,"15"-6"-7546"0"0,1 1 0 0 0,1-1 1 0 0,-1 0-1 0 0,1 1 0 0 0,0-1 1 0 0,1 1-1 0 0,0 0 0 0 0,0 0 0 0 0,1 0 1 0 0,0 0-1 0 0,4-6 0 0 0,12-15-202 0 0,29-30 1 0 0,-31 37 203 0 0,27-28-132 0 0,2 1-1 0 0,2 3 1 0 0,2 2 0 0 0,2 2-1 0 0,74-43 1 0 0,-24 26-62 0 0,2 5 1 0 0,127-46-1 0 0,461-186-2635 0 0,-668 274 2748 0 0,-6 2-14 0 0,2 1-1 0 0,28-9 0 0 0,-48 17-217 0 0</inkml:trace>
-</inkml:ink>
-</file>
-
-<file path=ppt/ink/ink161.xml><?xml version="1.0" encoding="utf-8"?>
-<inkml:ink xmlns:inkml="http://www.w3.org/2003/InkML">
-  <inkml:definitions>
-    <inkml:context xml:id="ctx0">
-      <inkml:inkSource xml:id="inkSrc0">
-        <inkml:traceFormat>
-          <inkml:channel name="X" type="integer" min="-2.14748E9" max="2.14748E9" units="cm"/>
-          <inkml:channel name="Y" type="integer" min="-2.14748E9" max="2.14748E9" units="cm"/>
-          <inkml:channel name="F" type="integer" max="32767" units="dev"/>
-          <inkml:channel name="OA" type="integer" max="360" units="deg"/>
-          <inkml:channel name="OE" type="integer" max="90" units="deg"/>
-        </inkml:traceFormat>
-        <inkml:channelProperties>
-          <inkml:channelProperty channel="X" name="resolution" value="1000" units="1/cm"/>
-          <inkml:channelProperty channel="Y" name="resolution" value="1000" units="1/cm"/>
-          <inkml:channelProperty channel="F" name="resolution" value="0" units="1/dev"/>
-          <inkml:channelProperty channel="OA" name="resolution" value="1000" units="1/deg"/>
-          <inkml:channelProperty channel="OE" name="resolution" value="1000" units="1/deg"/>
-        </inkml:channelProperties>
-      </inkml:inkSource>
-      <inkml:timestamp xml:id="ts0" timeString="2023-05-24T12:26:54.131"/>
-    </inkml:context>
-    <inkml:brush xml:id="br0">
-      <inkml:brushProperty name="width" value="0.2" units="cm"/>
-      <inkml:brushProperty name="height" value="0.2" units="cm"/>
-      <inkml:brushProperty name="color" value="#E71224"/>
-    </inkml:brush>
-  </inkml:definitions>
-  <inkml:trace contextRef="#ctx0" brushRef="#br0">602 8 3137 0 0,'0'0'2225'0'0,"-40"-4"2890"0"0,-39 0-4526 0 0,-117 9 1 0 0,166-2-581 0 0,1 1 0 0 0,1 1 0 0 0,-1 1 0 0 0,1 2 0 0 0,0 1 0 0 0,0 1 0 0 0,-35 18 0 0 0,44-9-86 0 0,19-19 70 0 0,-1 1 0 0 0,1-1 1 0 0,0 0-1 0 0,-1 1 0 0 0,1-1 0 0 0,0 1 0 0 0,-1-1 0 0 0,1 0 1 0 0,0 1-1 0 0,0-1 0 0 0,-1 1 0 0 0,1-1 0 0 0,0 1 0 0 0,0-1 1 0 0,0 1-1 0 0,0-1 0 0 0,0 1 0 0 0,-1-1 0 0 0,1 1 0 0 0,0-1 1 0 0,0 1-1 0 0,0-1 0 0 0,0 1 0 0 0,1-1 0 0 0,-1 1 0 0 0,0-1 1 0 0,0 0-1 0 0,0 1 0 0 0,0-1 0 0 0,0 1 0 0 0,1-1 0 0 0,-1 1 1 0 0,0-1-1 0 0,0 1 0 0 0,1-1 0 0 0,-1 0 0 0 0,0 1 0 0 0,1-1 1 0 0,-1 1-1 0 0,0-1 0 0 0,1 0 0 0 0,-1 0 0 0 0,0 1 0 0 0,1-1 1 0 0,-1 0-1 0 0,1 1 0 0 0,-1-1 0 0 0,1 0 0 0 0,-1 0 0 0 0,1 0 1 0 0,-1 1-1 0 0,27 3 28 0 0,-1-1 0 0 0,0-1 0 0 0,1-1 1 0 0,37-4-1 0 0,4 1 4 0 0,97-9 124 0 0,5-1-125 0 0,-169 12-42 0 0,1 1 1 0 0,-1-1 0 0 0,1 0-1 0 0,-1 1 1 0 0,1-1-1 0 0,-1 1 1 0 0,0-1-1 0 0,1 1 1 0 0,-1 0-1 0 0,0 0 1 0 0,1 0-1 0 0,-1-1 1 0 0,0 1-1 0 0,0 0 1 0 0,0 1-1 0 0,0-1 1 0 0,0 0-1 0 0,0 0 1 0 0,0 0-1 0 0,2 3 1 0 0,14 32-57 0 0,-13-24 53 0 0,2 2 32 0 0,-2 1-1 0 0,0 1 1 0 0,0-1-1 0 0,-1 1 1 0 0,-1-1-1 0 0,-1 1 1 0 0,-1 22-1 0 0,3 26 125 0 0,-3-63-139 0 0,1 1 1 0 0,-1-1-1 0 0,0 0 0 0 0,0 1 1 0 0,1-1-1 0 0,-1 0 0 0 0,0 0 0 0 0,1 1 1 0 0,0-1-1 0 0,-1 0 0 0 0,1 0 0 0 0,0 0 1 0 0,-1 0-1 0 0,1 0 0 0 0,0 0 0 0 0,0 0 1 0 0,0 0-1 0 0,0 0 0 0 0,0 0 0 0 0,0 0 1 0 0,0-1-1 0 0,0 1 0 0 0,0 0 1 0 0,0-1-1 0 0,2 1 0 0 0,-1 0-187 0 0,-1-1 0 0 0,0 0 0 0 0,1 0 0 0 0,-1 0 0 0 0,0 0 0 0 0,1 0 0 0 0,-1 0 0 0 0,0 0 0 0 0,1 0 0 0 0,-1-1 0 0 0,0 1 0 0 0,1 0 0 0 0,-1-1 0 0 0,0 1 0 0 0,1-1 0 0 0,-1 0 0 0 0,2 0 0 0 0,18-19-3613 0 0</inkml:trace>
-</inkml:ink>
-</file>
-
-<file path=ppt/ink/ink162.xml><?xml version="1.0" encoding="utf-8"?>
-<inkml:ink xmlns:inkml="http://www.w3.org/2003/InkML">
-  <inkml:definitions>
-    <inkml:context xml:id="ctx0">
-      <inkml:inkSource xml:id="inkSrc0">
-        <inkml:traceFormat>
-          <inkml:channel name="X" type="integer" min="-2.14748E9" max="2.14748E9" units="cm"/>
-          <inkml:channel name="Y" type="integer" min="-2.14748E9" max="2.14748E9" units="cm"/>
-          <inkml:channel name="F" type="integer" max="32767" units="dev"/>
-          <inkml:channel name="OA" type="integer" max="360" units="deg"/>
-          <inkml:channel name="OE" type="integer" max="90" units="deg"/>
-        </inkml:traceFormat>
-        <inkml:channelProperties>
-          <inkml:channelProperty channel="X" name="resolution" value="1000" units="1/cm"/>
-          <inkml:channelProperty channel="Y" name="resolution" value="1000" units="1/cm"/>
-          <inkml:channelProperty channel="F" name="resolution" value="0" units="1/dev"/>
-          <inkml:channelProperty channel="OA" name="resolution" value="1000" units="1/deg"/>
-          <inkml:channelProperty channel="OE" name="resolution" value="1000" units="1/deg"/>
-        </inkml:channelProperties>
-      </inkml:inkSource>
-      <inkml:timestamp xml:id="ts0" timeString="2023-05-24T12:26:54.957"/>
-    </inkml:context>
-    <inkml:brush xml:id="br0">
-      <inkml:brushProperty name="width" value="0.2" units="cm"/>
-      <inkml:brushProperty name="height" value="0.2" units="cm"/>
-      <inkml:brushProperty name="color" value="#E71224"/>
-    </inkml:brush>
-  </inkml:definitions>
-  <inkml:trace contextRef="#ctx0" brushRef="#br0">1 876 6051 0 0,'0'0'5485'0'0,"1"-13"-3884"0"0,3-2-1483 0 0,0 0 1 0 0,2 1 0 0 0,0 0 0 0 0,0 0-1 0 0,1 0 1 0 0,1 1 0 0 0,0 0-1 0 0,15-17 1 0 0,0-4-21 0 0,102-148 946 0 0,255-283 1 0 0,-347 426-1186 0 0</inkml:trace>
-</inkml:ink>
-</file>
-
-<file path=ppt/ink/ink163.xml><?xml version="1.0" encoding="utf-8"?>
-<inkml:ink xmlns:inkml="http://www.w3.org/2003/InkML">
-  <inkml:definitions>
-    <inkml:context xml:id="ctx0">
-      <inkml:inkSource xml:id="inkSrc0">
-        <inkml:traceFormat>
-          <inkml:channel name="X" type="integer" min="-2.14748E9" max="2.14748E9" units="cm"/>
-          <inkml:channel name="Y" type="integer" min="-2.14748E9" max="2.14748E9" units="cm"/>
-          <inkml:channel name="F" type="integer" max="32767" units="dev"/>
-          <inkml:channel name="OA" type="integer" max="360" units="deg"/>
-          <inkml:channel name="OE" type="integer" max="90" units="deg"/>
-        </inkml:traceFormat>
-        <inkml:channelProperties>
-          <inkml:channelProperty channel="X" name="resolution" value="1000" units="1/cm"/>
-          <inkml:channelProperty channel="Y" name="resolution" value="1000" units="1/cm"/>
-          <inkml:channelProperty channel="F" name="resolution" value="0" units="1/dev"/>
-          <inkml:channelProperty channel="OA" name="resolution" value="1000" units="1/deg"/>
-          <inkml:channelProperty channel="OE" name="resolution" value="1000" units="1/deg"/>
-        </inkml:channelProperties>
-      </inkml:inkSource>
-      <inkml:timestamp xml:id="ts0" timeString="2023-05-24T12:26:55.692"/>
-    </inkml:context>
-    <inkml:brush xml:id="br0">
-      <inkml:brushProperty name="width" value="0.2" units="cm"/>
-      <inkml:brushProperty name="height" value="0.2" units="cm"/>
-      <inkml:brushProperty name="color" value="#E71224"/>
-    </inkml:brush>
-  </inkml:definitions>
-  <inkml:trace contextRef="#ctx0" brushRef="#br0">503 6 4002 0 0,'0'0'4837'0'0,"-21"-5"-3653"0"0,-28 4-1067 0 0,1 3 0 0 0,-1 2-1 0 0,0 3 1 0 0,1 1 0 0 0,0 3 0 0 0,1 1-1 0 0,-56 23 1 0 0,73-18-155 0 0,29-16 24 0 0,0 0 0 0 0,0-1 0 0 0,1 1 0 0 0,-1 0 1 0 0,0 0-1 0 0,0-1 0 0 0,1 1 0 0 0,-1 0 1 0 0,1 0-1 0 0,-1 0 0 0 0,1 0 0 0 0,-1 0 1 0 0,1 0-1 0 0,0 0 0 0 0,-1 0 0 0 0,1 0 1 0 0,0 0-1 0 0,0 0 0 0 0,0 0 0 0 0,-1 0 1 0 0,1 0-1 0 0,0 0 0 0 0,0 0 0 0 0,1 0 1 0 0,-1 0-1 0 0,0 0 0 0 0,0 0 0 0 0,1 2 0 0 0,8-1-42 0 0,26 0 120 0 0,-1-1-1 0 0,1-2 0 0 0,-1-1 0 0 0,0-2 0 0 0,0-2 0 0 0,0-1 0 0 0,-1-1 1 0 0,38-15-1 0 0,-66 21-73 0 0,-1 1 0 0 0,1-1 0 0 0,-1 1 0 0 0,1 0 0 0 0,0 0 0 0 0,0 1 0 0 0,0-1 1 0 0,-1 1-1 0 0,1 0 0 0 0,0 1 0 0 0,0-1 0 0 0,0 1 0 0 0,0 0 0 0 0,-1 0 0 0 0,1 0 0 0 0,0 1 0 0 0,-1-1 1 0 0,1 1-1 0 0,5 4 0 0 0,5 3-68 0 0,0 1 0 0 0,-1 1 0 0 0,25 25 1 0 0,-14-13 116 0 0,121 119-44 0 0,-58-54-1 0 0,-84-84-32 0 0,-1-2 1 0 0,-1 1 0 0 0,0-1 0 0 0,1 0 0 0 0,-1 0 0 0 0,1 0 0 0 0,-1 0 0 0 0,1 0 0 0 0,0-1 0 0 0,0 1 0 0 0,0-1 0 0 0,5 2 0 0 0</inkml:trace>
-</inkml:ink>
-</file>
-
-<file path=ppt/ink/ink164.xml><?xml version="1.0" encoding="utf-8"?>
-<inkml:ink xmlns:inkml="http://www.w3.org/2003/InkML">
-  <inkml:definitions>
-    <inkml:context xml:id="ctx0">
-      <inkml:inkSource xml:id="inkSrc0">
-        <inkml:traceFormat>
-          <inkml:channel name="X" type="integer" min="-2.14748E9" max="2.14748E9" units="cm"/>
-          <inkml:channel name="Y" type="integer" min="-2.14748E9" max="2.14748E9" units="cm"/>
-          <inkml:channel name="F" type="integer" max="32767" units="dev"/>
-          <inkml:channel name="OA" type="integer" max="360" units="deg"/>
-          <inkml:channel name="OE" type="integer" max="90" units="deg"/>
-        </inkml:traceFormat>
-        <inkml:channelProperties>
-          <inkml:channelProperty channel="X" name="resolution" value="1000" units="1/cm"/>
-          <inkml:channelProperty channel="Y" name="resolution" value="1000" units="1/cm"/>
-          <inkml:channelProperty channel="F" name="resolution" value="0" units="1/dev"/>
-          <inkml:channelProperty channel="OA" name="resolution" value="1000" units="1/deg"/>
-          <inkml:channelProperty channel="OE" name="resolution" value="1000" units="1/deg"/>
-        </inkml:channelProperties>
-      </inkml:inkSource>
-      <inkml:timestamp xml:id="ts0" timeString="2023-05-24T12:26:56.772"/>
-    </inkml:context>
-    <inkml:brush xml:id="br0">
-      <inkml:brushProperty name="width" value="0.2" units="cm"/>
-      <inkml:brushProperty name="height" value="0.2" units="cm"/>
-      <inkml:brushProperty name="color" value="#E71224"/>
-    </inkml:brush>
-  </inkml:definitions>
-  <inkml:trace contextRef="#ctx0" brushRef="#br0">331 1869 3682 0 0,'0'-9'7468'0'0,"0"-11"-5657"0"0,3 14-1712 0 0,0 1 0 0 0,0-1 0 0 0,1 1-1 0 0,-1 0 1 0 0,1 1 0 0 0,0-1 0 0 0,0 1 0 0 0,1-1 0 0 0,0 1 0 0 0,9-6 0 0 0,6-7-75 0 0,56-53-17 0 0,-29 28-47 0 0,76-87 0 0 0,-110 113 38 0 0,-1-1-1 0 0,-1 0 1 0 0,0-1 0 0 0,-1-1 0 0 0,-1 0-1 0 0,-1 0 1 0 0,0 0 0 0 0,-1-1-1 0 0,6-33 1 0 0,-9 30 164 0 0,-1-1 0 0 0,-1 0 1 0 0,0 1-1 0 0,-2-1 0 0 0,-1 0 0 0 0,-1 0 0 0 0,-1 0 0 0 0,-1 1 1 0 0,-1 0-1 0 0,-1-1 0 0 0,-1 2 0 0 0,-1-1 0 0 0,-17-34 0 0 0,-40-64 341 0 0,-79-205 0 0 0,142 322-502 0 0,-18-52 40 0 0,-2 1-1 0 0,-31-56 0 0 0,43 94-53 0 0,-1 0 0 0 0,-1 0 1 0 0,0 1-1 0 0,-2 1 0 0 0,1 0 1 0 0,-2 1-1 0 0,0 0 0 0 0,0 2 1 0 0,-33-22-1 0 0,-3 8-1177 0 0,-87-35 1 0 0,119 54 462 0 0,-3 1-1335 0 0</inkml:trace>
-</inkml:ink>
-</file>
-
-<file path=ppt/ink/ink165.xml><?xml version="1.0" encoding="utf-8"?>
-<inkml:ink xmlns:inkml="http://www.w3.org/2003/InkML">
-  <inkml:definitions>
-    <inkml:context xml:id="ctx0">
-      <inkml:inkSource xml:id="inkSrc0">
-        <inkml:traceFormat>
-          <inkml:channel name="X" type="integer" min="-2.14748E9" max="2.14748E9" units="cm"/>
-          <inkml:channel name="Y" type="integer" min="-2.14748E9" max="2.14748E9" units="cm"/>
-          <inkml:channel name="F" type="integer" max="32767" units="dev"/>
-          <inkml:channel name="OA" type="integer" max="360" units="deg"/>
-          <inkml:channel name="OE" type="integer" max="90" units="deg"/>
-        </inkml:traceFormat>
-        <inkml:channelProperties>
-          <inkml:channelProperty channel="X" name="resolution" value="1000" units="1/cm"/>
-          <inkml:channelProperty channel="Y" name="resolution" value="1000" units="1/cm"/>
-          <inkml:channelProperty channel="F" name="resolution" value="0" units="1/dev"/>
-          <inkml:channelProperty channel="OA" name="resolution" value="1000" units="1/deg"/>
-          <inkml:channelProperty channel="OE" name="resolution" value="1000" units="1/deg"/>
-        </inkml:channelProperties>
-      </inkml:inkSource>
-      <inkml:timestamp xml:id="ts0" timeString="2023-05-24T12:26:57.594"/>
-    </inkml:context>
-    <inkml:brush xml:id="br0">
-      <inkml:brushProperty name="width" value="0.2" units="cm"/>
-      <inkml:brushProperty name="height" value="0.2" units="cm"/>
-      <inkml:brushProperty name="color" value="#E71224"/>
-    </inkml:brush>
-  </inkml:definitions>
-  <inkml:trace contextRef="#ctx0" brushRef="#br0">88 1 4482 0 0,'0'0'2033'0'0,"0"25"-832"0"0,-2-13-938 0 0,0-1 1 0 0,-1 0-1 0 0,0 0 1 0 0,0-1-1 0 0,-1 1 1 0 0,-1-1-1 0 0,-7 14 1 0 0,-10 24 354 0 0,15-27-384 0 0,1 0 0 0 0,1 0 0 0 0,0 0 0 0 0,2 1 0 0 0,1-1 0 0 0,0 35 296 0 0,1-62-310 0 0,1-1 0 0 0,0 1 0 0 0,0 0 0 0 0,1 0 0 0 0,-1-1 0 0 0,1 1 0 0 0,1 0 0 0 0,-1 0 0 0 0,1 0 0 0 0,0 0 0 0 0,1 0 0 0 0,3-6 0 0 0,6-20-188 0 0,15-89-165 0 0,-12 44 66 0 0,-14 75 59 0 0,-1 1 1 0 0,0-1-1 0 0,1 0 0 0 0,0 1 0 0 0,-1-1 0 0 0,1 1 0 0 0,0-1 0 0 0,-1 1 0 0 0,1 0 1 0 0,0-1-1 0 0,0 1 0 0 0,0 0 0 0 0,0-1 0 0 0,1 1 0 0 0,-1 0 0 0 0,0 0 1 0 0,0 0-1 0 0,1 0 0 0 0,-1 0 0 0 0,1 0 0 0 0,-1 0 0 0 0,0 1 0 0 0,1-1 0 0 0,0 1 1 0 0,-1-1-1 0 0,1 1 0 0 0,-1-1 0 0 0,1 1 0 0 0,0 0 0 0 0,-1 0 0 0 0,1-1 1 0 0,0 1-1 0 0,-1 1 0 0 0,1-1 0 0 0,0 0 0 0 0,-1 0 0 0 0,1 0 0 0 0,-1 1 1 0 0,1-1-1 0 0,1 2 0 0 0,11 2-86 0 0,-2 1 0 0 0,1 1 1 0 0,-1 0-1 0 0,14 8 1 0 0,-4-2 32 0 0,17 8 40 0 0,0-2-1 0 0,2-2 0 0 0,0-2 1 0 0,0-1-1 0 0,2-2 0 0 0,-1-2 1 0 0,1-2-1 0 0,68 2 0 0 0,-102-9-105 0 0,-6 1-57 0 0,0-1-1 0 0,0 0 0 0 0,0 0 0 0 0,0 1 0 0 0,0-2 0 0 0,0 1 0 0 0,1 0 1 0 0,-1-1-1 0 0,0 1 0 0 0,0-1 0 0 0,0 0 0 0 0,-1 0 0 0 0,1 0 0 0 0,0 0 1 0 0,0-1-1 0 0,0 1 0 0 0,-1-1 0 0 0,1 0 0 0 0,-1 1 0 0 0,1-1 0 0 0,1-3 1 0 0,4-23-3866 0 0</inkml:trace>
-</inkml:ink>
-</file>
-
-<file path=ppt/ink/ink166.xml><?xml version="1.0" encoding="utf-8"?>
-<inkml:ink xmlns:inkml="http://www.w3.org/2003/InkML">
-  <inkml:definitions>
-    <inkml:context xml:id="ctx0">
-      <inkml:inkSource xml:id="inkSrc0">
-        <inkml:traceFormat>
-          <inkml:channel name="X" type="integer" min="-2.14748E9" max="2.14748E9" units="cm"/>
-          <inkml:channel name="Y" type="integer" min="-2.14748E9" max="2.14748E9" units="cm"/>
-          <inkml:channel name="F" type="integer" max="32767" units="dev"/>
-          <inkml:channel name="OA" type="integer" max="360" units="deg"/>
-          <inkml:channel name="OE" type="integer" max="90" units="deg"/>
-        </inkml:traceFormat>
-        <inkml:channelProperties>
-          <inkml:channelProperty channel="X" name="resolution" value="1000" units="1/cm"/>
-          <inkml:channelProperty channel="Y" name="resolution" value="1000" units="1/cm"/>
-          <inkml:channelProperty channel="F" name="resolution" value="0" units="1/dev"/>
-          <inkml:channelProperty channel="OA" name="resolution" value="1000" units="1/deg"/>
-          <inkml:channelProperty channel="OE" name="resolution" value="1000" units="1/deg"/>
-        </inkml:channelProperties>
-      </inkml:inkSource>
-      <inkml:timestamp xml:id="ts0" timeString="2023-05-24T12:27:08.228"/>
-    </inkml:context>
-    <inkml:brush xml:id="br0">
-      <inkml:brushProperty name="width" value="0.2" units="cm"/>
-      <inkml:brushProperty name="height" value="0.2" units="cm"/>
-      <inkml:brushProperty name="color" value="#E71224"/>
-    </inkml:brush>
-  </inkml:definitions>
-  <inkml:trace contextRef="#ctx0" brushRef="#br0">3380 802 416 0 0,'0'-20'8373'0'0,"0"-4"-7440"0"0,-1 12-945 0 0,-1 1-1 0 0,0 0 1 0 0,0 0 0 0 0,-1 0 0 0 0,-1 1 0 0 0,0-1 0 0 0,0 1-1 0 0,-1 0 1 0 0,-1 0 0 0 0,1 0 0 0 0,-2 1 0 0 0,1 0 0 0 0,-1 0-1 0 0,-10-10 1 0 0,-5-4-164 0 0,0 2-1 0 0,-2 0 1 0 0,-51-34-1 0 0,-1 11 199 0 0,-157-66 0 0 0,30 17 54 0 0,137 63-145 0 0,-1 2 1 0 0,-1 3-1 0 0,-2 3 0 0 0,-113-20 0 0 0,-295-19 119 0 0,448 59-30 0 0,-789-15-180 0 0,317 71 157 0 0,161-10 142 0 0,316-45-110 0 0,25 0-64 0 0,1 0 0 0 0,0 0 0 0 0,0 0-1 0 0,0 0 1 0 0,-1 0 0 0 0,1 0 0 0 0,0 0 0 0 0,0 0 0 0 0,0 0 0 0 0,0 0 0 0 0,1 1-1 0 0,-1-1 1 0 0,0 0 0 0 0,0 1 0 0 0,0-1 0 0 0,1 1 0 0 0,1-1 0 0 0,48-24-2169 0 0,12-5-1979 0 0</inkml:trace>
-</inkml:ink>
-</file>
-
-<file path=ppt/ink/ink167.xml><?xml version="1.0" encoding="utf-8"?>
-<inkml:ink xmlns:inkml="http://www.w3.org/2003/InkML">
-  <inkml:definitions>
-    <inkml:context xml:id="ctx0">
-      <inkml:inkSource xml:id="inkSrc0">
-        <inkml:traceFormat>
-          <inkml:channel name="X" type="integer" min="-2.14748E9" max="2.14748E9" units="cm"/>
-          <inkml:channel name="Y" type="integer" min="-2.14748E9" max="2.14748E9" units="cm"/>
-          <inkml:channel name="F" type="integer" max="32767" units="dev"/>
-          <inkml:channel name="OA" type="integer" max="360" units="deg"/>
-          <inkml:channel name="OE" type="integer" max="90" units="deg"/>
-        </inkml:traceFormat>
-        <inkml:channelProperties>
-          <inkml:channelProperty channel="X" name="resolution" value="1000" units="1/cm"/>
-          <inkml:channelProperty channel="Y" name="resolution" value="1000" units="1/cm"/>
-          <inkml:channelProperty channel="F" name="resolution" value="0" units="1/dev"/>
-          <inkml:channelProperty channel="OA" name="resolution" value="1000" units="1/deg"/>
-          <inkml:channelProperty channel="OE" name="resolution" value="1000" units="1/deg"/>
-        </inkml:channelProperties>
-      </inkml:inkSource>
-      <inkml:timestamp xml:id="ts0" timeString="2023-05-24T12:27:09.408"/>
-    </inkml:context>
-    <inkml:brush xml:id="br0">
-      <inkml:brushProperty name="width" value="0.2" units="cm"/>
-      <inkml:brushProperty name="height" value="0.2" units="cm"/>
-      <inkml:brushProperty name="color" value="#E71224"/>
-    </inkml:brush>
-  </inkml:definitions>
-  <inkml:trace contextRef="#ctx0" brushRef="#br0">4139 1086 2513 0 0,'0'0'1315'0'0,"-1"-7"59"0"0,-1-29 60 0 0,1 11-845 0 0,-1 0-1 0 0,-1 1 1 0 0,-1-1-1 0 0,0 1 1 0 0,-12-32-1 0 0,9 38-579 0 0,-1 1-1 0 0,-1 0 1 0 0,0 0-1 0 0,-1 1 1 0 0,-1 0-1 0 0,-1 1 1 0 0,0 0-1 0 0,0 1 1 0 0,-2 0-1 0 0,-18-15 1 0 0,-18-8-22 0 0,-2 1 1 0 0,-98-50 0 0 0,-124-38 150 0 0,201 93-90 0 0,-102-40-95 0 0,-2 8 0 0 0,-4 7-1 0 0,-1 9 1 0 0,-3 8 0 0 0,-1 7 0 0 0,-300-11-1 0 0,126 32-275 0 0,-428 42 1 0 0,137 10-33 0 0</inkml:trace>
-</inkml:ink>
-</file>
-
-<file path=ppt/ink/ink168.xml><?xml version="1.0" encoding="utf-8"?>
-<inkml:ink xmlns:inkml="http://www.w3.org/2003/InkML">
-  <inkml:definitions>
-    <inkml:context xml:id="ctx0">
-      <inkml:inkSource xml:id="inkSrc0">
-        <inkml:traceFormat>
-          <inkml:channel name="X" type="integer" min="-2.14748E9" max="2.14748E9" units="cm"/>
-          <inkml:channel name="Y" type="integer" min="-2.14748E9" max="2.14748E9" units="cm"/>
-          <inkml:channel name="F" type="integer" max="32767" units="dev"/>
-          <inkml:channel name="OA" type="integer" max="360" units="deg"/>
-          <inkml:channel name="OE" type="integer" max="90" units="deg"/>
-        </inkml:traceFormat>
-        <inkml:channelProperties>
-          <inkml:channelProperty channel="X" name="resolution" value="1000" units="1/cm"/>
-          <inkml:channelProperty channel="Y" name="resolution" value="1000" units="1/cm"/>
-          <inkml:channelProperty channel="F" name="resolution" value="0" units="1/dev"/>
-          <inkml:channelProperty channel="OA" name="resolution" value="1000" units="1/deg"/>
-          <inkml:channelProperty channel="OE" name="resolution" value="1000" units="1/deg"/>
-        </inkml:channelProperties>
-      </inkml:inkSource>
-      <inkml:timestamp xml:id="ts0" timeString="2023-05-24T12:27:10.699"/>
-    </inkml:context>
-    <inkml:brush xml:id="br0">
-      <inkml:brushProperty name="width" value="0.2" units="cm"/>
-      <inkml:brushProperty name="height" value="0.2" units="cm"/>
-      <inkml:brushProperty name="color" value="#E71224"/>
-    </inkml:brush>
-  </inkml:definitions>
-  <inkml:trace contextRef="#ctx0" brushRef="#br0">5572 1513 4434 0 0,'0'0'2719'0'0,"5"-13"-1804"0"0,5-10-494 0 0,-2 0 1 0 0,0 0-1 0 0,-2-1 1 0 0,-1 0-1 0 0,0 0 1 0 0,0-30-1 0 0,-4 4 681 0 0,1 32-989 0 0,-1 0 0 0 0,-1 0 0 0 0,-1 1 0 0 0,0-1 0 0 0,-2 0 0 0 0,0 0 0 0 0,0 1 0 0 0,-10-26 0 0 0,-5 7-106 0 0,-1 1 1 0 0,-2 2 0 0 0,-1 0-1 0 0,-1 1 1 0 0,-48-50 0 0 0,27 40 9 0 0,-1 1 1 0 0,-2 3-1 0 0,-58-37 1 0 0,-38-9 28 0 0,-267-114 0 0 0,410 198-46 0 0,-119-53-8 0 0,-265-109-90 0 0,307 135 61 0 0,0 3 0 0 0,-2 4 0 0 0,-93-11 0 0 0,-54 13-71 0 0,-239 12 0 0 0,271 8 71 0 0,-455 20 166 0 0,305-6-98 0 0,-682-11 134 0 0,923-6-662 0 0,-204 27-1 0 0,152 2-345 0 0,-95 13-656 0 0,242-40 356 0 0,13-4 343 0 0,26-6-349 0 0,-11 3 180 0 0,49-16-2779 0 0</inkml:trace>
-</inkml:ink>
-</file>
-
-<file path=ppt/ink/ink169.xml><?xml version="1.0" encoding="utf-8"?>
-<inkml:ink xmlns:inkml="http://www.w3.org/2003/InkML">
-  <inkml:definitions>
-    <inkml:context xml:id="ctx0">
-      <inkml:inkSource xml:id="inkSrc0">
-        <inkml:traceFormat>
-          <inkml:channel name="X" type="integer" min="-2.14748E9" max="2.14748E9" units="cm"/>
-          <inkml:channel name="Y" type="integer" min="-2.14748E9" max="2.14748E9" units="cm"/>
-          <inkml:channel name="F" type="integer" max="32767" units="dev"/>
-          <inkml:channel name="OA" type="integer" max="360" units="deg"/>
-          <inkml:channel name="OE" type="integer" max="90" units="deg"/>
-        </inkml:traceFormat>
-        <inkml:channelProperties>
-          <inkml:channelProperty channel="X" name="resolution" value="1000" units="1/cm"/>
-          <inkml:channelProperty channel="Y" name="resolution" value="1000" units="1/cm"/>
-          <inkml:channelProperty channel="F" name="resolution" value="0" units="1/dev"/>
-          <inkml:channelProperty channel="OA" name="resolution" value="1000" units="1/deg"/>
-          <inkml:channelProperty channel="OE" name="resolution" value="1000" units="1/deg"/>
-        </inkml:channelProperties>
-      </inkml:inkSource>
-      <inkml:timestamp xml:id="ts0" timeString="2023-05-24T12:27:12.141"/>
-    </inkml:context>
-    <inkml:brush xml:id="br0">
-      <inkml:brushProperty name="width" value="0.2" units="cm"/>
-      <inkml:brushProperty name="height" value="0.2" units="cm"/>
-      <inkml:brushProperty name="color" value="#E71224"/>
-    </inkml:brush>
-  </inkml:definitions>
-  <inkml:trace contextRef="#ctx0" brushRef="#br0">144 499 3410 0 0,'0'0'1840'0'0,"-26"-8"668"0"0,21 5-1974 0 0,-15-12 1186 0 0,20 15-1701 0 0,0 0 0 0 0,-1-1 0 0 0,1 1 1 0 0,0 0-1 0 0,-1 0 0 0 0,1 0 0 0 0,0-1 1 0 0,0 1-1 0 0,-1 0 0 0 0,1 0 0 0 0,0-1 0 0 0,-1 1 1 0 0,1 0-1 0 0,0 0 0 0 0,0-1 0 0 0,0 1 0 0 0,-1 0 1 0 0,1-1-1 0 0,0 1 0 0 0,0 0 0 0 0,0-1 1 0 0,0 1-1 0 0,0 0 0 0 0,0-1 0 0 0,0 1 0 0 0,0 0 1 0 0,0-1-1 0 0,0 1 0 0 0,0 0 0 0 0,0-1 0 0 0,0 1 1 0 0,0-1-1 0 0,0 1 0 0 0,0 0 0 0 0,0-1 1 0 0,0 1-1 0 0,0 0 0 0 0,0-1 0 0 0,0 1 0 0 0,1 0 1 0 0,-1-1-1 0 0,0 1 0 0 0,0 0 0 0 0,0 0 0 0 0,1-1 1 0 0,20-9 45 0 0,1 0 0 0 0,44-12 1 0 0,-5 3 92 0 0,18-10-64 0 0,290-111 143 0 0,-284 103-184 0 0,-2-4-1 0 0,95-62 1 0 0,-167 96-4 0 0,-8 6-16 0 0,0-1 0 0 0,0 1 1 0 0,0-1-1 0 0,-1 0 0 0 0,1 1 1 0 0,-1-1-1 0 0,1 0 1 0 0,-1 0-1 0 0,0-1 0 0 0,1 1 1 0 0,-1 0-1 0 0,0-1 0 0 0,-1 0 1 0 0,1 1-1 0 0,0-1 1 0 0,1-5 372 0 0,-13 17-982 0 0,-40 24 643 0 0,-1-3 0 0 0,-85 36 0 0 0,74-37-41 0 0,-54 25-20 0 0,-191 97 37 0 0,242-115-38 0 0,2 3 0 0 0,-91 73 0 0 0,142-102-19 0 0,1 0 0 0 0,1 0-1 0 0,0 1 1 0 0,0 1 0 0 0,-9 14 0 0 0,16-23-28 0 0,1 1-1 0 0,0 0 1 0 0,0 0 0 0 0,0 0 0 0 0,0 0 0 0 0,1 0-1 0 0,-1 0 1 0 0,1 1 0 0 0,0-1 0 0 0,1 0-1 0 0,-1 1 1 0 0,1-1 0 0 0,0 0 0 0 0,0 1-1 0 0,0-1 1 0 0,0 0 0 0 0,1 1 0 0 0,0-1-1 0 0,0 0 1 0 0,0 1 0 0 0,0-1 0 0 0,3 4 0 0 0,7 22-37 0 0,-10-24 79 0 0,1-1 0 0 0,0 0 0 0 0,0 1-1 0 0,0-1 1 0 0,1 0 0 0 0,0 0 0 0 0,0-1 0 0 0,5 8 0 0 0,24 20 5 0 0,-20-21 8 0 0,-1 0-1 0 0,0 1 1 0 0,13 20 0 0 0,-15-23-15 0 0,1 1 1 0 0,0-1 0 0 0,0-1 0 0 0,1 0 0 0 0,0 0-1 0 0,0-1 1 0 0,22 10 0 0 0,0 2-3 0 0,143 78 501 0 0,196 75 0 0 0,-19-10-37 0 0,-340-156-711 0 0,62 35 94 0 0,-32-6-4981 0 0</inkml:trace>
-</inkml:ink>
-</file>
-
-<file path=ppt/ink/ink17.xml><?xml version="1.0" encoding="utf-8"?>
+<file path=ppt/ink/ink26.xml><?xml version="1.0" encoding="utf-8"?>
 <inkml:ink xmlns:inkml="http://www.w3.org/2003/InkML">
   <inkml:definitions>
     <inkml:context xml:id="ctx0">
@@ -2642,7 +5249,7 @@
 </inkml:ink>
 </file>
 
-<file path=ppt/ink/ink170.xml><?xml version="1.0" encoding="utf-8"?>
+<file path=ppt/ink/ink27.xml><?xml version="1.0" encoding="utf-8"?>
 <inkml:ink xmlns:inkml="http://www.w3.org/2003/InkML">
   <inkml:definitions>
     <inkml:context xml:id="ctx0">
@@ -2662,18 +5269,19 @@
           <inkml:channelProperty channel="OE" name="resolution" value="1000" units="1/deg"/>
         </inkml:channelProperties>
       </inkml:inkSource>
-      <inkml:timestamp xml:id="ts0" timeString="2023-05-24T12:28:10.953"/>
+      <inkml:timestamp xml:id="ts0" timeString="2023-05-24T15:15:37.993"/>
     </inkml:context>
     <inkml:brush xml:id="br0">
       <inkml:brushProperty name="width" value="0.1" units="cm"/>
       <inkml:brushProperty name="height" value="0.1" units="cm"/>
+      <inkml:brushProperty name="color" value="#E71224"/>
     </inkml:brush>
   </inkml:definitions>
-  <inkml:trace contextRef="#ctx0" brushRef="#br0">964 38 6163 0 0,'0'-26'3544'0'0,"0"15"-2577"0"0,-1 14-957 0 0,0-1 0 0 0,0 1 0 0 0,-1 0 0 0 0,1-1-1 0 0,0 1 1 0 0,-1-1 0 0 0,0 1 0 0 0,1-1 0 0 0,-1 0 0 0 0,0 0-1 0 0,0 0 1 0 0,0 0 0 0 0,-1 0 0 0 0,1 0 0 0 0,0 0 0 0 0,-6 2-1 0 0,-3 5 112 0 0,-265 227 1691 0 0,189-155-932 0 0,-79 98 1 0 0,-205 275-92 0 0,369-452-811 0 0,-8 8-1502 0 0,9-10 1452 0 0,1 0 1 0 0,0 0 0 0 0,0 0 0 0 0,-1-1 0 0 0,1 1 0 0 0,0 0 0 0 0,-1 0-1 0 0,1 0 1 0 0,0-1 0 0 0,0 1 0 0 0,-1 0 0 0 0,1-1 0 0 0,0 1 0 0 0,0 0-1 0 0,0 0 1 0 0,-1-1 0 0 0,1 1 0 0 0,0 0 0 0 0,0-1 0 0 0,0 1 0 0 0,0 0 0 0 0,0-1-1 0 0,0 1 1 0 0,0 0 0 0 0,0-1 0 0 0,0 1 0 0 0,0 0 0 0 0,0-1 0 0 0,0 1-1 0 0,0-1 1 0 0,0 1 0 0 0,0 0 0 0 0,0-1 0 0 0,0 1 0 0 0,0 0 0 0 0,0-1 0 0 0,1 1-1 0 0,-1-25-3463 0 0</inkml:trace>
+  <inkml:trace contextRef="#ctx0" brushRef="#br0">1418 0 3217 0 0,'-14'0'4837'0'0,"-2"0"-4175"0"0,-32 1-642 0 0,-72 10-1 0 0,76-3 20 0 0,0 2 0 0 0,1 2 0 0 0,-65 26 0 0 0,69-21 105 0 0,0 3 0 0 0,1 1-1 0 0,1 1 1 0 0,-35 29 0 0 0,-127 120-263 0 0,175-149 137 0 0,12-13 25 0 0,1 1 0 0 0,0 0 0 0 0,1 0 0 0 0,0 1 0 0 0,1 0 0 0 0,0 1 0 0 0,0 0 0 0 0,2 0 0 0 0,-1 1 0 0 0,-5 15 0 0 0,-19 76 193 0 0,19-56-147 0 0,-2 0-1 0 0,-29 61 0 0 0,26-75-30 0 0,2 1 0 0 0,1 0 0 0 0,1 1-1 0 0,3 0 1 0 0,0 1 0 0 0,3 1-1 0 0,-7 71 1 0 0,8-61 31 0 0,-1-1 0 0 0,-2-1 1 0 0,-2 1-1 0 0,-2-2 0 0 0,-23 51 0 0 0,-18 57 94 0 0,45-120-162 0 0,-3 5-11 0 0,2 0 0 0 0,2 1 1 0 0,1 0-1 0 0,2 1 0 0 0,-1 45 0 0 0,5 20-13 0 0,-1-38 16 0 0,4-1-1 0 0,9 77 1 0 0,0-98 1 0 0,1-1 1 0 0,2 0-1 0 0,33 77 1 0 0,75 119-8 0 0,-108-215-3 0 0,59 97 6 0 0,-46-82-2 0 0,-1 2 1 0 0,-2 1-1 0 0,-2 1 0 0 0,18 56 0 0 0,-30-63 58 0 0,-1 1 0 0 0,-2 0 0 0 0,-2 1-1 0 0,-2-1 1 0 0,-4 76 0 0 0,0-103-19 0 0,0 0 1 0 0,-1 0-1 0 0,0-1 1 0 0,0 1-1 0 0,-2 0 1 0 0,1-1-1 0 0,-1 0 1 0 0,-1 0-1 0 0,-12 17 1 0 0,-6 6 87 0 0,-37 38-1 0 0,50-62-90 0 0,0 0 0 0 0,-1 0 0 0 0,0-1 0 0 0,0-1 0 0 0,0 0 0 0 0,-1-1 0 0 0,0 0 0 0 0,-1-1 0 0 0,1 0-1 0 0,-1-1 1 0 0,-24 3 0 0 0,20-3-61 0 0,0 1 0 0 0,0 0 0 0 0,0 1 0 0 0,1 1 0 0 0,0 0 0 0 0,-19 13 0 0 0,36-20 14 0 0,0 0-1 0 0,0 0 1 0 0,-1 0-1 0 0,1 0 1 0 0,0 0-1 0 0,0 0 0 0 0,0 0 1 0 0,0 1-1 0 0,0-1 1 0 0,-1 0-1 0 0,1 0 0 0 0,0 0 1 0 0,0 0-1 0 0,0 0 1 0 0,0 1-1 0 0,0-1 1 0 0,0 0-1 0 0,0 0 0 0 0,-1 0 1 0 0,1 0-1 0 0,0 1 1 0 0,0-1-1 0 0,0 0 0 0 0,0 0 1 0 0,0 0-1 0 0,0 0 1 0 0,0 1-1 0 0,0-1 1 0 0,0 0-1 0 0,0 0 0 0 0,0 0 1 0 0,0 1-1 0 0,0-1 1 0 0,0 0-1 0 0,0 0 0 0 0,0 0 1 0 0,0 0-1 0 0,0 1 1 0 0,0-1-1 0 0,1 0 0 0 0,-1 0 1 0 0,0 0-1 0 0,0 0 1 0 0,0 1-1 0 0,0-1 1 0 0,12 6-58 0 0,22 2 81 0 0,-27-7-17 0 0,12 5-18 0 0,0 0 1 0 0,0 1-1 0 0,0 1 0 0 0,-1 1 1 0 0,-1 1-1 0 0,1 0 1 0 0,-1 1-1 0 0,-1 1 1 0 0,0 1-1 0 0,21 21 0 0 0,-18-14 10 0 0,0 2 0 0 0,-2 0 0 0 0,0 0-1 0 0,-1 2 1 0 0,-2 0 0 0 0,0 1-1 0 0,9 26 1 0 0,-12-17 15 0 0,-2 0 1 0 0,-2 0-1 0 0,-1 1 0 0 0,-2-1 0 0 0,1 41 1 0 0,-1-10 15 0 0,9 333 41 0 0,-15-385-66 0 0,0 0 0 0 0,-1 0 0 0 0,0 0 0 0 0,-1 0 0 0 0,0-1 0 0 0,-1 0 1 0 0,-1 0-1 0 0,0 0 0 0 0,0 0 0 0 0,-10 11 0 0 0,-20 43 8 0 0,20-32-10 0 0,2 1-1 0 0,2 0 1 0 0,1 1-1 0 0,1 0 1 0 0,2 0-1 0 0,2 1 1 0 0,2 0-1 0 0,-1 39 1 0 0,5-74 1 0 0,0 28 1 0 0,6 51 1 0 0,-4-69-2 0 0,0-1 0 0 0,2 1 1 0 0,-1-1-1 0 0,1 0 0 0 0,1 0 0 0 0,0-1 1 0 0,9 16-1 0 0,8 8 28 0 0,2 0 0 0 0,0-1-1 0 0,3-1 1 0 0,0-1 0 0 0,2-2 0 0 0,1-1 0 0 0,2-1-1 0 0,0-2 1 0 0,2-1 0 0 0,0-2 0 0 0,2-1 0 0 0,0-2-1 0 0,1-1 1 0 0,1-2 0 0 0,1-1 0 0 0,0-3 0 0 0,1-1-1 0 0,58 9 1 0 0,108 10 406 0 0,283 81-1 0 0,-482-109-459 0 0,23 6-432 0 0,-29-7 403 0 0,0-1 0 0 0,0 0 1 0 0,0 0-1 0 0,0 1 0 0 0,0-1 0 0 0,0 1 1 0 0,-1-1-1 0 0,1 1 0 0 0,0-1 0 0 0,0 1 1 0 0,0-1-1 0 0,-1 1 0 0 0,1 0 0 0 0,0-1 1 0 0,-1 1-1 0 0,1 0 0 0 0,0 0 1 0 0,-1-1-1 0 0,1 1 0 0 0,-1 0 0 0 0,1 2 1 0 0,-39 2-7457 0 0</inkml:trace>
 </inkml:ink>
 </file>
 
-<file path=ppt/ink/ink171.xml><?xml version="1.0" encoding="utf-8"?>
+<file path=ppt/ink/ink28.xml><?xml version="1.0" encoding="utf-8"?>
 <inkml:ink xmlns:inkml="http://www.w3.org/2003/InkML">
   <inkml:definitions>
     <inkml:context xml:id="ctx0">
@@ -2693,18 +5301,19 @@
           <inkml:channelProperty channel="OE" name="resolution" value="1000" units="1/deg"/>
         </inkml:channelProperties>
       </inkml:inkSource>
-      <inkml:timestamp xml:id="ts0" timeString="2023-05-24T12:28:11.610"/>
+      <inkml:timestamp xml:id="ts0" timeString="2023-05-24T15:15:53.598"/>
     </inkml:context>
     <inkml:brush xml:id="br0">
       <inkml:brushProperty name="width" value="0.1" units="cm"/>
       <inkml:brushProperty name="height" value="0.1" units="cm"/>
+      <inkml:brushProperty name="color" value="#E71224"/>
     </inkml:brush>
   </inkml:definitions>
-  <inkml:trace contextRef="#ctx0" brushRef="#br0">0 27 4786 0 0,'0'0'4418'0'0,"1"-4"-3399"0"0,6-19 2396 0 0,-6 52-3783 0 0,17 110 953 0 0,14 176 2925 0 0,-31 75-2619 0 0,-1-257-2958 0 0,0-160-492 0 0,0-7-2731 0 0</inkml:trace>
+  <inkml:trace contextRef="#ctx0" brushRef="#br0">1166 114 1249 0 0,'0'0'789'0'0,"-30"-6"5686"0"0,18 3-7051 0 0,-23-6 564 0 0,0 1-1 0 0,-1 2 1 0 0,0 2-1 0 0,-49-1 1 0 0,-50-6 469 0 0,18-5-296 0 0,-135-23 1593 0 0,243 37-1719 0 0,5 1-75 0 0,1 0 0 0 0,0 0 0 0 0,0 1 0 0 0,0-1 0 0 0,-1 1 0 0 0,1 0 0 0 0,0 0 0 0 0,-1 0 0 0 0,1 0 0 0 0,-5 1 0 0 0,6 1 13 0 0,1-1 1 0 0,-1 0-1 0 0,0 1 0 0 0,0-1 1 0 0,1 1-1 0 0,-1 0 0 0 0,1-1 1 0 0,-1 1-1 0 0,1 0 0 0 0,0 0 0 0 0,0 0 1 0 0,0 0-1 0 0,0 0 0 0 0,0 0 1 0 0,0 0-1 0 0,0 1 0 0 0,0 2 1 0 0,-21 55-3 0 0,8-27 12 0 0,2 2 0 0 0,1-1 0 0 0,1 1 0 0 0,2 1 1 0 0,2 0-1 0 0,-3 47 0 0 0,-4 491 6 0 0,10-69-688 0 0,-4 16 665 0 0,2-328 31 0 0,6-131 6 0 0,1-34 1 0 0,1 0 1 0 0,1 1-1 0 0,17 53 1 0 0,-12-49 3 0 0,-2 0 0 0 0,5 42 0 0 0,1 672-1024 0 0,-15-468 1010 0 0,-4-167 9 0 0,-30 175 0 0 0,19-175-6 0 0,-42 145 22 0 0,41-199-14 0 0,3 1 1 0 0,2 1-1 0 0,4 0 0 0 0,-4 77 0 0 0,13-132-7 0 0,-1 73-8 0 0,4-1-1 0 0,16 100 0 0 0,-3-71 27 0 0,4 125 0 0 0,-15 109 37 0 0,-5-302-37 0 0,-2-15 95 0 0,-1 1 0 0 0,-1-1 1 0 0,-1 0-1 0 0,-14 43 0 0 0,10-39 132 0 0,1 0 1 0 0,-8 55-1 0 0,15 120 120 0 0,3-131-345 0 0,-7 72-1 0 0,-2-99 208 0 0,-19 67 0 0 0,17-77 20 0 0,1-1 0 0 0,1 2 0 0 0,-4 65 0 0 0,4-10 155 0 0,9-88-397 0 0,1 0 1 0 0,-1 0 0 0 0,0 0-1 0 0,0-1 1 0 0,1 1-1 0 0,-1-1 1 0 0,1 1 0 0 0,-1-1-1 0 0,1 0 1 0 0,0 0 0 0 0,-1 0-1 0 0,1-1 1 0 0,0 1-1 0 0,5 0 1 0 0,-1 1 24 0 0,68 20 185 0 0,1-3 0 0 0,1-4 0 0 0,0-3 0 0 0,153 4 0 0 0,818-21-181 0 0,-893-6-1 0 0,-5 1-881 0 0,-150 10 804 0 0,1 0 0 0 0,-1 0-1 0 0,0 0 1 0 0,0 0 0 0 0,1 0 0 0 0,-1 0 0 0 0,0 0-1 0 0,0 0 1 0 0,1 0 0 0 0,-1 0 0 0 0,0 1 0 0 0,0-1 0 0 0,1 0-1 0 0,-1 0 1 0 0,0 0 0 0 0,0 0 0 0 0,1 1 0 0 0,-1-1-1 0 0,0 0 1 0 0,0 0 0 0 0,0 0 0 0 0,0 1 0 0 0,1-1 0 0 0,-1 0-1 0 0,0 0 1 0 0,0 1 0 0 0,0-1 0 0 0,0 0 0 0 0,0 0 0 0 0,0 1-1 0 0,0-1 1 0 0,0 0 0 0 0,0 0 0 0 0,0 1 0 0 0,1-1-1 0 0,-1 0 1 0 0,-1 1 0 0 0,1-1 0 0 0,0 0 0 0 0,0 0 0 0 0,0 1-1 0 0,0-1 1 0 0,0 0 0 0 0,0 0 0 0 0,0 1 0 0 0,0-1-1 0 0,0 0 1 0 0,0 0 0 0 0,-1 1 0 0 0,1-1 0 0 0,0 0 0 0 0,0 0-1 0 0,0 1 1 0 0,0-1 0 0 0,-1 0 0 0 0,1 0 0 0 0,0 0-1 0 0,0 0 1 0 0,-1 1 0 0 0,1-1 0 0 0,0 0 0 0 0,0 0 0 0 0,-1 0-1 0 0,-18 16-2298 0 0,-24 0-1881 0 0</inkml:trace>
 </inkml:ink>
 </file>
 
-<file path=ppt/ink/ink172.xml><?xml version="1.0" encoding="utf-8"?>
+<file path=ppt/ink/ink29.xml><?xml version="1.0" encoding="utf-8"?>
 <inkml:ink xmlns:inkml="http://www.w3.org/2003/InkML">
   <inkml:definitions>
     <inkml:context xml:id="ctx0">
@@ -2724,18 +5333,19 @@
           <inkml:channelProperty channel="OE" name="resolution" value="1000" units="1/deg"/>
         </inkml:channelProperties>
       </inkml:inkSource>
-      <inkml:timestamp xml:id="ts0" timeString="2023-05-24T12:28:13.150"/>
+      <inkml:timestamp xml:id="ts0" timeString="2023-05-24T15:18:27.335"/>
     </inkml:context>
     <inkml:brush xml:id="br0">
       <inkml:brushProperty name="width" value="0.1" units="cm"/>
       <inkml:brushProperty name="height" value="0.1" units="cm"/>
+      <inkml:brushProperty name="color" value="#E71224"/>
     </inkml:brush>
   </inkml:definitions>
-  <inkml:trace contextRef="#ctx0" brushRef="#br0">0 1771 1601 0 0,'1'-3'5508'0'0,"9"-19"309"0"0,-7 21-5600 0 0,-1 0 0 0 0,0 0 0 0 0,0-1 0 0 0,0 1 0 0 0,0 0 0 0 0,0-1 0 0 0,0 1 0 0 0,-1-1 0 0 0,1 0 0 0 0,0 1 0 0 0,-1-1 0 0 0,3-3 0 0 0,1-1 131 0 0,30-37-122 0 0,-2-2-1 0 0,-2-2 0 0 0,40-79 0 0 0,-24 41-168 0 0,86-150 4 0 0,189-315 5 0 0,-226 402-164 0 0,186-218 0 0 0,-270 351-143 0 0,26-25-527 0 0,-10 22-4194 0 0</inkml:trace>
+  <inkml:trace contextRef="#ctx0" brushRef="#br0">21 26 5458 0 0,'0'0'1564'0'0,"-20"-19"733"0"0,20 18-2309 0 0,0 1 0 0 0,0 0 0 0 0,0 0 0 0 0,0 0 0 0 0,0-1 0 0 0,0 1 0 0 0,0 0 0 0 0,0 0 0 0 0,0-1 0 0 0,0 1 0 0 0,0 0 0 0 0,0 0 0 0 0,0 0 1 0 0,0-1-1 0 0,1 1 0 0 0,-1 0 0 0 0,0 0 0 0 0,0 0 0 0 0,0 0 0 0 0,0-1 0 0 0,0 1 0 0 0,0 0 0 0 0,1 0 0 0 0,-1 0 0 0 0,0 0 0 0 0,0-1 0 0 0,0 1 0 0 0,1 0 0 0 0,-1 0 0 0 0,0 0 0 0 0,0 0 0 0 0,0 0 0 0 0,1 0 0 0 0,-1 0 0 0 0,0 0 0 0 0,0 0 1 0 0,0 0-1 0 0,1 0 0 0 0,-1 0 0 0 0,0 0 0 0 0,0 0 0 0 0,0 0 0 0 0,1 0 0 0 0,-1 0 0 0 0,0 0 0 0 0,0 0 0 0 0,1 0 0 0 0,-1 0 0 0 0,0 0 0 0 0,18 0 184 0 0,-13 0-194 0 0,64 4 125 0 0,0 2-1 0 0,78 19 1 0 0,-78-12-76 0 0,1-2 0 0 0,84 1 0 0 0,-122-12 30 0 0,0-1 0 0 0,-1-1 0 0 0,1-2 0 0 0,-1-1 0 0 0,52-15 0 0 0,-68 15-119 0 0,2 0 0 0 0,-1 1 1 0 0,0 1-1 0 0,1 0 0 0 0,0 1 1 0 0,-1 1-1 0 0,24 1 0 0 0,-38 0 55 0 0,0 1 0 0 0,0-1 0 0 0,0 1 0 0 0,0-1 0 0 0,-1 1 0 0 0,1 0 0 0 0,0 0 0 0 0,0 0 0 0 0,0 0 0 0 0,-1 0 0 0 0,1 0 0 0 0,0 0 0 0 0,-1 0 0 0 0,1 1 0 0 0,-1-1 0 0 0,1 0 0 0 0,-1 1 1 0 0,0 0-1 0 0,0-1 0 0 0,0 1 0 0 0,0 0 0 0 0,0-1 0 0 0,0 1 0 0 0,0 0 0 0 0,0 0 0 0 0,-1 0 0 0 0,1 0 0 0 0,-1 0 0 0 0,1 0 0 0 0,-1 3 0 0 0,2 8 20 0 0,-1 1 1 0 0,-1-1 0 0 0,-1 22-1 0 0,0-12-19 0 0,26 546 350 0 0,-12-462 22 0 0,4 0-1 0 0,5-2 1 0 0,57 161-1 0 0,-41-166-368 0 0,-22-63 24 0 0,-2 1 1 0 0,-1 1-1 0 0,12 67 1 0 0,-13 26 1654 0 0,-9 207 0 0 0,-5-176-935 0 0,-5-23 107 0 0,-32-165-531 0 0,-317-147-602 0 0,304 151 200 0 0,-1 2 1 0 0,-88-20 0 0 0,99 28 113 0 0,15 7-107 0 0,-1 1 1 0 0,0 1-1 0 0,0 1 1 0 0,-37 4-1 0 0,-4-1 87 0 0,-13-2 444 0 0,81 0-66 0 0,9-2-1003 0 0,-4 2 625 0 0,27-3 73 0 0,0-1 0 0 0,0-1 0 0 0,0-2 0 0 0,-1 0 0 0 0,51-22 1 0 0,-96 65-10779 0 0,14-15 5915 0 0</inkml:trace>
 </inkml:ink>
 </file>
 
-<file path=ppt/ink/ink173.xml><?xml version="1.0" encoding="utf-8"?>
+<file path=ppt/ink/ink3.xml><?xml version="1.0" encoding="utf-8"?>
 <inkml:ink xmlns:inkml="http://www.w3.org/2003/InkML">
   <inkml:definitions>
     <inkml:context xml:id="ctx0">
@@ -2755,18 +5365,19 @@
           <inkml:channelProperty channel="OE" name="resolution" value="1000" units="1/deg"/>
         </inkml:channelProperties>
       </inkml:inkSource>
-      <inkml:timestamp xml:id="ts0" timeString="2023-05-24T12:28:13.875"/>
+      <inkml:timestamp xml:id="ts0" timeString="2023-05-24T15:11:27.917"/>
     </inkml:context>
     <inkml:brush xml:id="br0">
       <inkml:brushProperty name="width" value="0.1" units="cm"/>
       <inkml:brushProperty name="height" value="0.1" units="cm"/>
+      <inkml:brushProperty name="color" value="#E71224"/>
     </inkml:brush>
   </inkml:definitions>
-  <inkml:trace contextRef="#ctx0" brushRef="#br0">742 0 6035 0 0,'0'0'3217'0'0,"-195"2"-2352"0"0,94 8 95 0 0,-11 5-96 0 0,3-1 97 0 0,15-1-225 0 0,27 1-528 0 0,18-3-192 0 0,34-1-64 0 0,15-3-576 0 0,12-3-2770 0 0,44-4-255 0 0</inkml:trace>
+  <inkml:trace contextRef="#ctx0" brushRef="#br0">0 24 4130 0 0,'0'0'2353'0'0,"14"0"-1553"0"0,6 0 305 0 0,1 0 79 0 0,17 0-63 0 0,3-7-257 0 0,14-2-191 0 0,11 2-401 0 0,16 7-224 0 0,14 0-64 0 0,25 3-16 0 0,16 18 32 0 0,11 10-64 0 0,0-3-417 0 0,-7-3-2032 0 0,-17-11-3810 0 0</inkml:trace>
 </inkml:ink>
 </file>
 
-<file path=ppt/ink/ink174.xml><?xml version="1.0" encoding="utf-8"?>
+<file path=ppt/ink/ink30.xml><?xml version="1.0" encoding="utf-8"?>
 <inkml:ink xmlns:inkml="http://www.w3.org/2003/InkML">
   <inkml:definitions>
     <inkml:context xml:id="ctx0">
@@ -2786,18 +5397,19 @@
           <inkml:channelProperty channel="OE" name="resolution" value="1000" units="1/deg"/>
         </inkml:channelProperties>
       </inkml:inkSource>
-      <inkml:timestamp xml:id="ts0" timeString="2023-05-24T12:28:14.358"/>
+      <inkml:timestamp xml:id="ts0" timeString="2023-05-24T15:18:31.814"/>
     </inkml:context>
     <inkml:brush xml:id="br0">
       <inkml:brushProperty name="width" value="0.1" units="cm"/>
       <inkml:brushProperty name="height" value="0.1" units="cm"/>
+      <inkml:brushProperty name="color" value="#E71224"/>
     </inkml:brush>
   </inkml:definitions>
-  <inkml:trace contextRef="#ctx0" brushRef="#br0">128 0 6771 0 0,'0'0'1681'0'0,"-8"106"576"0"0,-14-46-512 0 0,-5 5-193 0 0,5-1-847 0 0,3-3-529 0 0,4-13 48 0 0,8-7-176 0 0,3-14-80 0 0,0-10 0 0 0,4-5-592 0 0</inkml:trace>
+  <inkml:trace contextRef="#ctx0" brushRef="#br0">5 3021 176 0 0,'-5'-6'10942'0'0,"6"5"-10826"0"0,10-9-106 0 0,0 1 0 0 0,1 0 0 0 0,0 0 0 0 0,1 1 0 0 0,27-12-1 0 0,3-4-14 0 0,277-190 24 0 0,34-19-62 0 0,-239 167 5 0 0,273-164 49 0 0,-156 93-889 0 0,443-189 1 0 0,-398 191 582 0 0,-150 70-255 0 0,149-55-1 0 0,112-6 681 0 0,205-79 50 0 0,-508 173-190 0 0,139-34 0 0 0,91 1-26 0 0,-20 4 46 0 0,85-61-10 0 0,-151 41-5 0 0,6 10 18 0 0,161-54 43 0 0,-275 80-30 0 0,137-69-1 0 0,-217 92 28 0 0,-23 11-58 0 0,1 1-1 0 0,0 1 0 0 0,1 1 1 0 0,-1 0-1 0 0,2 2 0 0 0,22-5 1 0 0,-21 8 3 0 0,-15 2 27 0 0,1 1 0 0 0,0-2-1 0 0,0 1 1 0 0,-1-1 0 0 0,1 0-1 0 0,-1 0 1 0 0,0-1 0 0 0,1 0-1 0 0,-1 0 1 0 0,0-1 0 0 0,-1 0-1 0 0,1 0 1 0 0,11-10 0 0 0,-16 13 79 0 0,8-2 473 0 0,-11 3-561 0 0,1 0-1 0 0,0 0 1 0 0,0 0 0 0 0,0 0 0 0 0,0 0 0 0 0,0 0-1 0 0,0 0 1 0 0,0 0 0 0 0,0 0 0 0 0,-1 0-1 0 0,1 0 1 0 0,0 0 0 0 0,0 0 0 0 0,0 0 0 0 0,0 0-1 0 0,0 0 1 0 0,0 0 0 0 0,0 0 0 0 0,-1 0-1 0 0,1 0 1 0 0,0 0 0 0 0,0-1 0 0 0,0 1 0 0 0,0 0-1 0 0,0 0 1 0 0,0 0 0 0 0,0 0 0 0 0,0 0-1 0 0,0 0 1 0 0,0 0 0 0 0,-1 0 0 0 0,1 0 0 0 0,0 0-1 0 0,0 0 1 0 0,0-1 0 0 0,0 1 0 0 0,0 0-1 0 0,0 0 1 0 0,0 0 0 0 0,0 0 0 0 0,0 0 0 0 0,0 0-1 0 0,0 0 1 0 0,0-1 0 0 0,0 1 0 0 0,0 0-1 0 0,0 0 1 0 0,0 0 0 0 0,0 0 0 0 0,0 0 0 0 0,0 0-1 0 0,0 0 1 0 0,0 0 0 0 0,0-1 0 0 0,0 1-1 0 0,0 0 1 0 0,0 0 0 0 0,0 0 0 0 0,1 0 0 0 0,-1 0-1 0 0,0 0 1 0 0,-76-15 583 0 0,-41-6 201 0 0,-129-42-1 0 0,168 41-823 0 0,123 20-917 0 0,47 1 948 0 0,-10 0 92 0 0,150 15 0 0 0,-223-13-38 0 0,0 0 1 0 0,0-1-1 0 0,0 0 0 0 0,-1-1 1 0 0,1 0-1 0 0,0 0 0 0 0,-1-1 1 0 0,1 0-1 0 0,-1 0 0 0 0,1-1 1 0 0,-1 0-1 0 0,0-1 0 0 0,8-4 1 0 0,0 1-96 0 0,-15 6 18 0 0,-1 1 0 0 0,1 0 1 0 0,-1 0-1 0 0,1 0 1 0 0,-1 0-1 0 0,1-1 1 0 0,0 1-1 0 0,-1 0 1 0 0,1 0-1 0 0,-1 0 1 0 0,1 0-1 0 0,-1 0 0 0 0,1 0 1 0 0,0 0-1 0 0,-1 1 1 0 0,1-1-1 0 0,-1 0 1 0 0,1 0-1 0 0,-1 0 1 0 0,1 0-1 0 0,-1 1 1 0 0,1-1-1 0 0,-1 0 1 0 0,1 1-1 0 0,-1-1 0 0 0,1 0 1 0 0,-1 1-1 0 0,1-1 1 0 0,-1 0-1 0 0,0 1 1 0 0,1-1-1 0 0,-1 1 1 0 0,0-1-1 0 0,1 1 1 0 0,-1-1-1 0 0,0 1 0 0 0,0-1 1 0 0,1 1-1 0 0,5 33 152 0 0,-6-26-17 0 0,0 1 0 0 0,0-1 0 0 0,-1 0 0 0 0,0 1 0 0 0,-1-1 0 0 0,-4 13 0 0 0,-4-6 68 0 0,0-1 0 0 0,-2 0 0 0 0,1-1-1 0 0,-2 0 1 0 0,0-1 0 0 0,0 0 0 0 0,-19 12 0 0 0,5-3 157 0 0,-65 58 860 0 0,-130 144 1 0 0,218-217-1340 0 0,0 0-692 0 0</inkml:trace>
 </inkml:ink>
 </file>
 
-<file path=ppt/ink/ink175.xml><?xml version="1.0" encoding="utf-8"?>
+<file path=ppt/ink/ink31.xml><?xml version="1.0" encoding="utf-8"?>
 <inkml:ink xmlns:inkml="http://www.w3.org/2003/InkML">
   <inkml:definitions>
     <inkml:context xml:id="ctx0">
@@ -2817,18 +5429,19 @@
           <inkml:channelProperty channel="OE" name="resolution" value="1000" units="1/deg"/>
         </inkml:channelProperties>
       </inkml:inkSource>
-      <inkml:timestamp xml:id="ts0" timeString="2023-05-24T12:28:15.475"/>
+      <inkml:timestamp xml:id="ts0" timeString="2023-05-24T15:18:37.932"/>
     </inkml:context>
     <inkml:brush xml:id="br0">
       <inkml:brushProperty name="width" value="0.1" units="cm"/>
       <inkml:brushProperty name="height" value="0.1" units="cm"/>
+      <inkml:brushProperty name="color" value="#E71224"/>
     </inkml:brush>
   </inkml:definitions>
-  <inkml:trace contextRef="#ctx0" brushRef="#br0">902 213 2849 0 0,'0'0'2393'0'0,"30"0"1300"0"0,-30 0-3600 0 0,1 0 0 0 0,0 0 0 0 0,0 0-1 0 0,0 0 1 0 0,0 0 0 0 0,0 0 0 0 0,-1 0 0 0 0,1 0 0 0 0,0 0 0 0 0,0 0 0 0 0,0 0 0 0 0,0-1 0 0 0,-1 1 0 0 0,1 0-1 0 0,0-1 1 0 0,0 1 0 0 0,0 0 0 0 0,-1-1 0 0 0,1 1 0 0 0,0-1 0 0 0,-1 1 0 0 0,1-1 0 0 0,0 0 0 0 0,-1 1 0 0 0,1-1 0 0 0,-1 0-1 0 0,1 1 1 0 0,-1-1 0 0 0,1 0 0 0 0,-1 1 0 0 0,1-1 0 0 0,-1 0 0 0 0,0 0 0 0 0,1 0 0 0 0,-1 1 0 0 0,0-1 0 0 0,0 0 0 0 0,0 0-1 0 0,0 0 1 0 0,0 0 0 0 0,0 0 0 0 0,0 1 0 0 0,0-1 0 0 0,0 0 0 0 0,0 0 0 0 0,0 0 0 0 0,0 0 0 0 0,0 0 0 0 0,-1 1 0 0 0,0-2-1 0 0,1-11-276 0 0,0 12 198 0 0,-1 0 1 0 0,1 0-1 0 0,-1 0 0 0 0,1 0 1 0 0,-1 0-1 0 0,1 0 0 0 0,-1 0 1 0 0,0 0-1 0 0,1 0 0 0 0,-1 0 1 0 0,0 0-1 0 0,0 0 0 0 0,0 0 1 0 0,0 1-1 0 0,0-1 0 0 0,0 0 1 0 0,0 0-1 0 0,0 1 0 0 0,0-1 1 0 0,0 1-1 0 0,0-1 0 0 0,0 1 1 0 0,0 0-1 0 0,0-1 0 0 0,-1 1 1 0 0,1 0-1 0 0,-2 0 1 0 0,-38-6 247 0 0,16 5-253 0 0,0 1 0 0 0,0 1 0 0 0,0 2 0 0 0,0 0 0 0 0,0 1 0 0 0,0 2 0 0 0,-38 13 0 0 0,30-5 12 0 0,1 0-1 0 0,1 3 0 0 0,0 0 0 0 0,-54 41 1 0 0,41-23 118 0 0,1 2 0 0 0,2 2 0 0 0,2 1 0 0 0,1 3 0 0 0,-37 54 0 0 0,54-67-59 0 0,2 1-1 0 0,1 1 1 0 0,2 1-1 0 0,1 0 1 0 0,1 1-1 0 0,2 1 1 0 0,1 0 0 0 0,2 0-1 0 0,-4 39 1 0 0,9-41-65 0 0,1 1 0 0 0,1-1 0 0 0,5 49 0 0 0,-2-72-15 0 0,0 1 1 0 0,1-1 0 0 0,1 0 0 0 0,-1 0 0 0 0,2 0-1 0 0,-1 0 1 0 0,2 0 0 0 0,-1-1 0 0 0,1 1 0 0 0,0-1-1 0 0,1-1 1 0 0,0 1 0 0 0,1-1 0 0 0,13 14 0 0 0,-1-7 1 0 0,0-1 1 0 0,1 0-1 0 0,1-2 0 0 0,0 0 1 0 0,1-2-1 0 0,0 0 1 0 0,0-1-1 0 0,1-2 0 0 0,0 0 1 0 0,33 5-1 0 0,21 0 30 0 0,147 3 0 0 0,-41-13-85 0 0,329-38 0 0 0,-417 22 135 0 0,-2-4 1 0 0,0-5-1 0 0,-1-3 0 0 0,-1-4 0 0 0,109-54 0 0 0,-166 68 6 0 0,-1-2 0 0 0,-1-1 0 0 0,-1-2 0 0 0,-1-1 0 0 0,36-32 0 0 0,-55 43-43 0 0,-1-1 0 0 0,1 0 0 0 0,-2 0 1 0 0,0-1-1 0 0,0 0 0 0 0,-1-1 0 0 0,-1 1 1 0 0,0-2-1 0 0,-1 1 0 0 0,0-1 0 0 0,-2 1 1 0 0,1-2-1 0 0,-2 1 0 0 0,0 0 0 0 0,1-18 0 0 0,-4 21-22 0 0,0 0 0 0 0,-1 0-1 0 0,0 0 1 0 0,-1 0-1 0 0,0 0 1 0 0,-1 0-1 0 0,0 1 1 0 0,-1-1-1 0 0,0 1 1 0 0,-1 0 0 0 0,0 0-1 0 0,-1 0 1 0 0,0 1-1 0 0,-1-1 1 0 0,0 2-1 0 0,-11-13 1 0 0,-13-10-23 0 0,-1 2-1 0 0,-1 1 1 0 0,-44-29 0 0 0,64 48-4 0 0,-124-85-86 0 0,-5 6 0 0 0,-3 6 0 0 0,-265-109 0 0 0,388 180-2474 0 0,40 11-2012 0 0,-11 1 4395 0 0,32 0-4095 0 0</inkml:trace>
+  <inkml:trace contextRef="#ctx0" brushRef="#br0">5 164 4866 0 0,'0'0'1099'0'0,"-5"-21"1796"0"0,44 10-2017 0 0,1 2 0 0 0,75-6 0 0 0,-42 6-567 0 0,261-24 1052 0 0,-32 4-586 0 0,186-6-710 0 0,-226 40-51 0 0,202-5 195 0 0,28-7-153 0 0,-425 12-66 0 0,89 17 0 0 0,-93-11 99 0 0,120 6 0 0 0,243 4 866 0 0,-102-5-911 0 0,-316-15-853 0 0,-12 2-333 0 0,-16 1-1235 0 0,-24-2-1779 0 0,-7-2-403 0 0</inkml:trace>
 </inkml:ink>
 </file>
 
-<file path=ppt/ink/ink176.xml><?xml version="1.0" encoding="utf-8"?>
+<file path=ppt/ink/ink32.xml><?xml version="1.0" encoding="utf-8"?>
 <inkml:ink xmlns:inkml="http://www.w3.org/2003/InkML">
   <inkml:definitions>
     <inkml:context xml:id="ctx0">
@@ -2848,18 +5461,19 @@
           <inkml:channelProperty channel="OE" name="resolution" value="1000" units="1/deg"/>
         </inkml:channelProperties>
       </inkml:inkSource>
-      <inkml:timestamp xml:id="ts0" timeString="2023-05-24T12:28:16.138"/>
+      <inkml:timestamp xml:id="ts0" timeString="2023-05-24T15:18:43.445"/>
     </inkml:context>
     <inkml:brush xml:id="br0">
       <inkml:brushProperty name="width" value="0.1" units="cm"/>
       <inkml:brushProperty name="height" value="0.1" units="cm"/>
+      <inkml:brushProperty name="color" value="#E71224"/>
     </inkml:brush>
   </inkml:definitions>
-  <inkml:trace contextRef="#ctx0" brushRef="#br0">41 64 11797 0 0,'0'0'4979'0'0,"-7"-46"-4595"0"0,-1 38-304 0 0,1 2-80 0 0,-4 2 16 0 0,3 4-96 0 0</inkml:trace>
+  <inkml:trace contextRef="#ctx0" brushRef="#br0">244 1 4146 0 0,'0'0'4693'0'0,"23"0"-1342"0"0,300 27-3064 0 0,-77-1 101 0 0,104-20 601 0 0,-341-7-931 0 0,1 0-1 0 0,-1-1 0 0 0,1-1 0 0 0,15-5 1 0 0,-17 4-108 0 0,0 2 0 0 0,0-1 0 0 0,0 1 0 0 0,1 0 0 0 0,15-1 0 0 0,-21 3 39 0 0,-1 1 0 0 0,1-1 0 0 0,0 1 0 0 0,-1 0 0 0 0,1-1 1 0 0,-1 1-1 0 0,1 0 0 0 0,-1 1 0 0 0,1-1 0 0 0,-1 0 0 0 0,0 1 0 0 0,1-1 0 0 0,-1 1 0 0 0,0 0 0 0 0,0-1 0 0 0,0 1 1 0 0,0 0-1 0 0,-1 1 0 0 0,1-1 0 0 0,0 0 0 0 0,-1 0 0 0 0,0 1 0 0 0,1-1 0 0 0,-1 0 0 0 0,0 1 0 0 0,0 0 0 0 0,1 3 1 0 0,1 5-21 0 0,-1 0 0 0 0,1 0 0 0 0,-2-1 0 0 0,1 1 0 0 0,-1 16 0 0 0,-7 118 695 0 0,-7 1-1 0 0,-6-2 1 0 0,-50 196 0 0 0,46-233-550 0 0,5 2 0 0 0,5 0 0 0 0,2 164 0 0 0,10-238 78 0 0,1 0 1 0 0,2 0-1 0 0,2 0 1 0 0,1 0 0 0 0,15 56-1 0 0,-8-52-75 0 0,-2 2-1 0 0,-2-1 1 0 0,-1 1-1 0 0,-2 1 1 0 0,-2 63-1 0 0,-2-100-131 0 0,-2 0 0 0 0,1 0 0 0 0,0 0 0 0 0,-1 0 0 0 0,0 0 1 0 0,0 0-1 0 0,-1 0 0 0 0,0 0 0 0 0,1 0 0 0 0,-1-1 0 0 0,-1 1 0 0 0,1 0 0 0 0,-1-1 0 0 0,0 0 0 0 0,0 0 0 0 0,0 0 0 0 0,-7 7 0 0 0,3-3 25 0 0,-36 50 19 0 0,30-40-33 0 0,0 0-1 0 0,0-2 0 0 0,-17 16 1 0 0,23-26 0 0 0,0 0 1 0 0,-1 0-1 0 0,0-1 0 0 0,0 0 1 0 0,0-1-1 0 0,0 0 0 0 0,-1 0 1 0 0,1-1-1 0 0,-1 0 1 0 0,-14 3-1 0 0,-23 0 75 0 0,0-1 0 0 0,-1-3 0 0 0,-61-4 1 0 0,23 0-8 0 0,-2 1-53 0 0,-115 4-9 0 0,174 0-59 0 0,1 1 0 0 0,0 1 1 0 0,0 1-1 0 0,0 1 0 0 0,-33 14 0 0 0,-111 63-3099 0 0,170-83 2924 0 0,-1-1-1 0 0,0 1 1 0 0,1 0-1 0 0,-1-1 1 0 0,1 1-1 0 0,-1-1 1 0 0,0 1-1 0 0,1-1 1 0 0,-1 0-1 0 0,0 0 1 0 0,1 0-1 0 0,-1 0 1 0 0,0 0-1 0 0,1 0 1 0 0,-1 0-1 0 0,0-1 1 0 0,1 1-1 0 0,-1-1 1 0 0,-2 0-1 0 0,0-12-2694 0 0</inkml:trace>
 </inkml:ink>
 </file>
 
-<file path=ppt/ink/ink177.xml><?xml version="1.0" encoding="utf-8"?>
+<file path=ppt/ink/ink33.xml><?xml version="1.0" encoding="utf-8"?>
 <inkml:ink xmlns:inkml="http://www.w3.org/2003/InkML">
   <inkml:definitions>
     <inkml:context xml:id="ctx0">
@@ -2879,18 +5493,19 @@
           <inkml:channelProperty channel="OE" name="resolution" value="1000" units="1/deg"/>
         </inkml:channelProperties>
       </inkml:inkSource>
-      <inkml:timestamp xml:id="ts0" timeString="2023-05-24T12:28:16.497"/>
+      <inkml:timestamp xml:id="ts0" timeString="2023-05-24T15:18:52.339"/>
     </inkml:context>
     <inkml:brush xml:id="br0">
       <inkml:brushProperty name="width" value="0.1" units="cm"/>
       <inkml:brushProperty name="height" value="0.1" units="cm"/>
+      <inkml:brushProperty name="color" value="#E71224"/>
     </inkml:brush>
   </inkml:definitions>
-  <inkml:trace contextRef="#ctx0" brushRef="#br0">109 79 16135 0 0,'0'0'433'0'0,"-108"-63"-3427"0"0,108 47-2208 0 0</inkml:trace>
+  <inkml:trace contextRef="#ctx0" brushRef="#br0">487 11 800 0 0,'0'0'7769'0'0,"-25"0"-6699"0"0,-387-10-203 0 0,412 47-1048 0 0,0-24 177 0 0,-1 1 0 0 0,-1 0 0 0 0,0 0 0 0 0,-1-1 0 0 0,0 1 0 0 0,-1-1 0 0 0,-7 16 0 0 0,4-6 9 0 0,2 0 1 0 0,1 0 0 0 0,0 0-1 0 0,2 1 1 0 0,1-1 0 0 0,0 1-1 0 0,2-1 1 0 0,6 36-1 0 0,1-20 2 0 0,19 56-1 0 0,1-3 21 0 0,-25-80-10 0 0,4 15 52 0 0,0 0-1 0 0,-1 1 1 0 0,-2 0-1 0 0,-1-1 1 0 0,-1 1-1 0 0,-4 56 1 0 0,-8-55-98 0 0,8-25 33 0 0,1 0-1 0 0,-1-1 1 0 0,1 1-1 0 0,0 0 1 0 0,0 0 0 0 0,0 0-1 0 0,0 8 1 0 0,1-9-4 0 0,-1-1 0 0 0,1 0 0 0 0,0 0 0 0 0,0 0 0 0 0,1 1 0 0 0,-1-1 0 0 0,0 0 0 0 0,1 0 0 0 0,-1 0 0 0 0,1 0 0 0 0,0 0 0 0 0,0 0 0 0 0,0 0 0 0 0,0 0 0 0 0,0 0 0 0 0,0 0 0 0 0,0 0 0 0 0,3 2 0 0 0,0-2 7 0 0,0 1 1 0 0,0-1-1 0 0,0-1 0 0 0,0 1 1 0 0,1-1-1 0 0,-1 1 0 0 0,0-1 1 0 0,6 0-1 0 0,-1 2 17 0 0,339 66 2144 0 0,-5-2-1745 0 0,-296-57-2459 0 0</inkml:trace>
 </inkml:ink>
 </file>
 
-<file path=ppt/ink/ink178.xml><?xml version="1.0" encoding="utf-8"?>
+<file path=ppt/ink/ink34.xml><?xml version="1.0" encoding="utf-8"?>
 <inkml:ink xmlns:inkml="http://www.w3.org/2003/InkML">
   <inkml:definitions>
     <inkml:context xml:id="ctx0">
@@ -2910,18 +5525,19 @@
           <inkml:channelProperty channel="OE" name="resolution" value="1000" units="1/deg"/>
         </inkml:channelProperties>
       </inkml:inkSource>
-      <inkml:timestamp xml:id="ts0" timeString="2023-05-24T12:28:17.098"/>
+      <inkml:timestamp xml:id="ts0" timeString="2023-05-24T15:18:55.947"/>
     </inkml:context>
     <inkml:brush xml:id="br0">
       <inkml:brushProperty name="width" value="0.1" units="cm"/>
       <inkml:brushProperty name="height" value="0.1" units="cm"/>
+      <inkml:brushProperty name="color" value="#E71224"/>
     </inkml:brush>
   </inkml:definitions>
-  <inkml:trace contextRef="#ctx0" brushRef="#br0">28 8 4402 0 0,'0'0'5952'0'0,"-2"-1"-5778"0"0,0 0-1 0 0,0 0 1 0 0,0 0 0 0 0,0 0-1 0 0,0 1 1 0 0,0-1 0 0 0,0 1-1 0 0,0-1 1 0 0,-1 1 0 0 0,-2 0-1 0 0,4 10-71 0 0,1 0-1 0 0,0 0 0 0 0,1 1 1 0 0,0-1-1 0 0,0 0 1 0 0,1 0-1 0 0,1 0 0 0 0,-1 0 1 0 0,2-1-1 0 0,-1 1 0 0 0,1-1 1 0 0,1 0-1 0 0,0 0 1 0 0,0 0-1 0 0,0 0 0 0 0,1-1 1 0 0,1 0-1 0 0,-1 0 0 0 0,12 9 1 0 0,-5-8-38 0 0,-1-1 0 0 0,1-1 0 0 0,0 0 1 0 0,1-1-1 0 0,-1 0 0 0 0,1-1 0 0 0,0-1 0 0 0,1 0 0 0 0,-1-1 1 0 0,1 0-1 0 0,27 0 0 0 0,-11-2-34 0 0,1-1 0 0 0,0-1 0 0 0,-1-2 0 0 0,49-11 0 0 0,-46 5-690 0 0,-1-1 0 0 0,61-28 0 0 0,-75 29-651 0 0,0-1 0 0 0,-1-1 1 0 0,0 0-1 0 0,0-2 0 0 0,28-26 1 0 0,-26 14-3098 0 0</inkml:trace>
+  <inkml:trace contextRef="#ctx0" brushRef="#br0">1 31 2257 0 0,'0'0'2999'0'0,"21"-9"-758"0"0,192 14-1057 0 0,90-2-69 0 0,-296-3-1198 0 0,-5 0 6 0 0,0 0 1 0 0,-1 1-1 0 0,1-1 1 0 0,0 0-1 0 0,0 0 1 0 0,0 0-1 0 0,-1-1 1 0 0,1 1-1 0 0,0 0 1 0 0,0-1 0 0 0,-1 1-1 0 0,1-1 1 0 0,0 1-1 0 0,-1-1 1 0 0,1 0-1 0 0,0 0 1 0 0,-1 0-1 0 0,1 0 1 0 0,-1 0-1 0 0,0 0 1 0 0,1 0-1 0 0,-1 0 1 0 0,0 0-1 0 0,2-3 1 0 0,-1-9-3531 0 0</inkml:trace>
 </inkml:ink>
 </file>
 
-<file path=ppt/ink/ink179.xml><?xml version="1.0" encoding="utf-8"?>
+<file path=ppt/ink/ink35.xml><?xml version="1.0" encoding="utf-8"?>
 <inkml:ink xmlns:inkml="http://www.w3.org/2003/InkML">
   <inkml:definitions>
     <inkml:context xml:id="ctx0">
@@ -2941,19 +5557,19 @@
           <inkml:channelProperty channel="OE" name="resolution" value="1000" units="1/deg"/>
         </inkml:channelProperties>
       </inkml:inkSource>
-      <inkml:timestamp xml:id="ts0" timeString="2023-05-24T12:28:34.337"/>
+      <inkml:timestamp xml:id="ts0" timeString="2023-05-24T15:18:58.415"/>
     </inkml:context>
     <inkml:brush xml:id="br0">
-      <inkml:brushProperty name="width" value="0.2" units="cm"/>
-      <inkml:brushProperty name="height" value="0.2" units="cm"/>
+      <inkml:brushProperty name="width" value="0.1" units="cm"/>
+      <inkml:brushProperty name="height" value="0.1" units="cm"/>
       <inkml:brushProperty name="color" value="#E71224"/>
     </inkml:brush>
   </inkml:definitions>
-  <inkml:trace contextRef="#ctx0" brushRef="#br0">8835 22 1056 0 0,'0'-21'1453'0'0,"0"38"1024"0"0,4 37 904 0 0,-2-44-3382 0 0,0 0 1 0 0,0 1 0 0 0,-1-1 0 0 0,0 1 0 0 0,-1-1 0 0 0,0 1 0 0 0,-3 17-1 0 0,2 35 8 0 0,6-29 172 0 0,1 0 1 0 0,14 39-1 0 0,-12-46-34 0 0,-1 0-1 0 0,-1 1 0 0 0,-1-1 0 0 0,1 38 0 0 0,-6 1062 2417 0 0,-11-966-2552 0 0,-1 1 20 0 0,12-81-19 0 0,2-1 1 0 0,26 154 0 0 0,-2-26 35 0 0,-21-141-21 0 0,17 79 0 0 0,9 9-47 0 0,13 164 1 0 0,-25-143 45 0 0,7 152 21 0 0,-26-314-44 0 0,1 23 10 0 0,-1 1 1 0 0,-2-1-1 0 0,-2 0 1 0 0,-1 0-1 0 0,-18 67 1 0 0,7-65-9 0 0,-1 0 0 0 0,-1-2 0 0 0,-2 0 0 0 0,-2-1 0 0 0,-1-1 0 0 0,-2-1 0 0 0,-1-1 0 0 0,-2-2 0 0 0,-45 41 0 0 0,4-13 2 0 0,-3-2 0 0 0,-3-4 0 0 0,-101 54 0 0 0,92-63-9 0 0,-2-5-1 0 0,-1-3 0 0 0,-2-4 1 0 0,-151 34-1 0 0,-379 38-30 0 0,-472-16 72 0 0,773-82-131 0 0,-785 1-487 0 0,335-58 529 0 0,611 37 21 0 0,-1110-59-217 0 0,913 60-162 0 0,-282-5 356 0 0,406 28 19 0 0,-282 50 0 0 0,290-30 12 0 0,-90-14 129 0 0,306-16-115 0 0,0 2 1 0 0,-1-1-1 0 0,1 0 0 0 0,0 1 0 0 0,0 0 0 0 0,1 1 0 0 0,-1-1 0 0 0,-9 7 0 0 0,8-5 2 0 0,-1 0-1 0 0,1-1 1 0 0,-1 0-1 0 0,0 0 1 0 0,-8 2-1 0 0,-5-2 185 0 0,0-1 0 0 0,-29 1 0 0 0,49-3-158 0 0,1-2-203 0 0,0 1 193 0 0,0-1 0 0 0,0 1-1 0 0,1 0 1 0 0,-1-1 0 0 0,0 1-1 0 0,0 0 1 0 0,1-1 0 0 0,-1 1 0 0 0,1 0-1 0 0,-1 0 1 0 0,1-1 0 0 0,0 1 0 0 0,1-2-1 0 0,17-14-34 0 0,1 0 0 0 0,39-23-1 0 0,16-13 64 0 0,-58 39-35 0 0,-1-1 1 0 0,0 0 0 0 0,22-27 0 0 0,-35 38-4 0 0,1-1 0 0 0,-1 0 0 0 0,0 1 0 0 0,0-1 0 0 0,-1 0 0 0 0,1 0 0 0 0,-1-1 0 0 0,0 1 0 0 0,-1 0 0 0 0,1-1 0 0 0,-1 1 0 0 0,0-1 0 0 0,-1 0 0 0 0,1 1 0 0 0,-1-1 0 0 0,0 0 0 0 0,0 1 1 0 0,-1-1-1 0 0,-1-7 0 0 0,1 11-6 0 0,0 0 0 0 0,0 1 0 0 0,0-1 0 0 0,0 1 0 0 0,0-1 0 0 0,0 1 0 0 0,-1-1 0 0 0,1 1 0 0 0,-1 0 0 0 0,1 0 0 0 0,-1 0 0 0 0,1 0 0 0 0,-1 0 0 0 0,1 0 0 0 0,-1 0 0 0 0,0 0 0 0 0,0 0 0 0 0,1 1 0 0 0,-1-1 0 0 0,0 1 0 0 0,0-1 0 0 0,0 1 0 0 0,0 0 0 0 0,0 0 0 0 0,1 0 0 0 0,-1 0 0 0 0,0 0 0 0 0,-2 0 0 0 0,1 0-7 0 0,1 0 0 0 0,0 0-1 0 0,0 1 1 0 0,-1-1 0 0 0,1 0 0 0 0,0 1-1 0 0,0-1 1 0 0,0 1 0 0 0,0 0 0 0 0,0 0-1 0 0,0 0 1 0 0,0 0 0 0 0,0 0 0 0 0,0 0-1 0 0,0 0 1 0 0,0 1 0 0 0,1-1 0 0 0,-1 1 0 0 0,1-1-1 0 0,-1 1 1 0 0,1-1 0 0 0,-1 1 0 0 0,-1 3-1 0 0,-5 19 12 0 0,2 0 0 0 0,0 0 0 0 0,2 1 0 0 0,1 0 0 0 0,-1 40 0 0 0,4 10 16 0 0,0-74-11 0 0,-1 0 1 0 0,1-1-1 0 0,-1 1 0 0 0,1 0 0 0 0,-1 0 1 0 0,1-1-1 0 0,-1 1 0 0 0,0 0 0 0 0,1-1 1 0 0,-1 1-1 0 0,0 0 0 0 0,1-1 1 0 0,-1 1-1 0 0,0-1 0 0 0,0 1 0 0 0,1-1 1 0 0,-1 1-1 0 0,0-1 0 0 0,0 0 1 0 0,0 0-1 0 0,0 1 0 0 0,0-1 0 0 0,0 0 1 0 0,1 0-1 0 0,-3 0 0 0 0,-29 5 72 0 0,24-4-55 0 0,-7 1-3 0 0,6-1-16 0 0,0 0-1 0 0,-1 1 1 0 0,1 0-1 0 0,0 1 1 0 0,-11 4-1 0 0,18-6-8 0 0,0 0 0 0 0,0 1 1 0 0,-1-1-1 0 0,1 0 0 0 0,0 1 0 0 0,0 0 1 0 0,0 0-1 0 0,1-1 0 0 0,-1 1 0 0 0,0 0 1 0 0,1 0-1 0 0,-1 1 0 0 0,1-1 0 0 0,0 0 0 0 0,-1 0 1 0 0,1 1-1 0 0,0-1 0 0 0,0 1 0 0 0,1-1 1 0 0,-1 1-1 0 0,1-1 0 0 0,-1 1 0 0 0,1 4 1 0 0,-1-3 50 0 0,1 1 1 0 0,0 0 0 0 0,0-1 0 0 0,0 1 0 0 0,1 0 0 0 0,-1-1-1 0 0,1 1 1 0 0,0 0 0 0 0,1-1 0 0 0,-1 0 0 0 0,1 1 0 0 0,0-1 0 0 0,0 0-1 0 0,4 7 1 0 0,0-4 86 0 0,0 0 0 0 0,1-1 0 0 0,-1 0 0 0 0,1 0 0 0 0,0-1-1 0 0,16 10 1 0 0,-1-3-7 0 0,1 0 1 0 0,0-1-1 0 0,1-1 0 0 0,0-1 0 0 0,1-1 0 0 0,49 8 0 0 0,-27-9-149 0 0,-1-3 0 0 0,91-4 0 0 0,-134 1-237 0 0,1-1 1 0 0,-1-1-1 0 0,0 1 1 0 0,0 0-1 0 0,0-1 1 0 0,0 1-1 0 0,1-1 1 0 0,-1 0-1 0 0,0 0 1 0 0,0-1-1 0 0,-1 1 1 0 0,1 0-1 0 0,0-1 1 0 0,0 0-1 0 0,-1 1 1 0 0,1-1-1 0 0,2-3 0 0 0</inkml:trace>
+  <inkml:trace contextRef="#ctx0" brushRef="#br0">468 1 2001 0 0,'3'0'7594'0'0,"27"0"-7673"0"0,158 44 1551 0 0,-71-14-1140 0 0,-4-3 812 0 0,-86 0-1389 0 0,-21-22 272 0 0,-1 0-1 0 0,1 0 1 0 0,-2 0 0 0 0,1 1 0 0 0,0 0 0 0 0,-1 0-1 0 0,0 0 1 0 0,-1 0 0 0 0,1 1 0 0 0,-1 0-1 0 0,0-1 1 0 0,-1 1 0 0 0,0 0 0 0 0,0 0 0 0 0,0 0-1 0 0,-1 1 1 0 0,0-1 0 0 0,0 0 0 0 0,-1 10 0 0 0,0 7 90 0 0,-1-1 1 0 0,-2 1-1 0 0,0-1 1 0 0,-11 42-1 0 0,2-13 374 0 0,-6 67 1 0 0,1-3-45 0 0,16-113-435 0 0,1 0-1 0 0,0-1 1 0 0,-1 1-1 0 0,1 0 1 0 0,-1 0-1 0 0,0-1 1 0 0,0 1 0 0 0,0 0-1 0 0,-1-1 1 0 0,1 1-1 0 0,0-1 1 0 0,-1 1-1 0 0,0-1 1 0 0,1 0 0 0 0,-1 0-1 0 0,0 0 1 0 0,-4 4-1 0 0,-1-3 1 0 0,-1-1 1 0 0,1 1-1 0 0,-1-1 0 0 0,1-1 0 0 0,-1 1 1 0 0,0-1-1 0 0,-15-1 0 0 0,-67-4 124 0 0,34 1-148 0 0,-388 2 900 0 0,319 3-3746 0 0,1-2-4745 0 0</inkml:trace>
 </inkml:ink>
 </file>
 
-<file path=ppt/ink/ink18.xml><?xml version="1.0" encoding="utf-8"?>
+<file path=ppt/ink/ink36.xml><?xml version="1.0" encoding="utf-8"?>
 <inkml:ink xmlns:inkml="http://www.w3.org/2003/InkML">
   <inkml:definitions>
     <inkml:context xml:id="ctx0">
@@ -2985,327 +5601,7 @@
 </inkml:ink>
 </file>
 
-<file path=ppt/ink/ink180.xml><?xml version="1.0" encoding="utf-8"?>
-<inkml:ink xmlns:inkml="http://www.w3.org/2003/InkML">
-  <inkml:definitions>
-    <inkml:context xml:id="ctx0">
-      <inkml:inkSource xml:id="inkSrc0">
-        <inkml:traceFormat>
-          <inkml:channel name="X" type="integer" min="-2.14748E9" max="2.14748E9" units="cm"/>
-          <inkml:channel name="Y" type="integer" min="-2.14748E9" max="2.14748E9" units="cm"/>
-          <inkml:channel name="F" type="integer" max="32767" units="dev"/>
-          <inkml:channel name="OA" type="integer" max="360" units="deg"/>
-          <inkml:channel name="OE" type="integer" max="90" units="deg"/>
-        </inkml:traceFormat>
-        <inkml:channelProperties>
-          <inkml:channelProperty channel="X" name="resolution" value="1000" units="1/cm"/>
-          <inkml:channelProperty channel="Y" name="resolution" value="1000" units="1/cm"/>
-          <inkml:channelProperty channel="F" name="resolution" value="0" units="1/dev"/>
-          <inkml:channelProperty channel="OA" name="resolution" value="1000" units="1/deg"/>
-          <inkml:channelProperty channel="OE" name="resolution" value="1000" units="1/deg"/>
-        </inkml:channelProperties>
-      </inkml:inkSource>
-      <inkml:timestamp xml:id="ts0" timeString="2023-05-24T12:28:36.673"/>
-    </inkml:context>
-    <inkml:brush xml:id="br0">
-      <inkml:brushProperty name="width" value="0.2" units="cm"/>
-      <inkml:brushProperty name="height" value="0.2" units="cm"/>
-      <inkml:brushProperty name="color" value="#E71224"/>
-    </inkml:brush>
-  </inkml:definitions>
-  <inkml:trace contextRef="#ctx0" brushRef="#br0">495 105 1105 0 0,'0'0'915'0'0,"4"-42"3860"0"0,-5 39-4774 0 0,0 1-1 0 0,0-1 1 0 0,0 1-1 0 0,0 0 1 0 0,0-1-1 0 0,0 1 0 0 0,0 0 1 0 0,-1 0-1 0 0,1 0 1 0 0,-1 0-1 0 0,0 0 1 0 0,0 0-1 0 0,1 0 1 0 0,-1 1-1 0 0,0-1 1 0 0,0 1-1 0 0,-1-1 1 0 0,1 1-1 0 0,0 0 1 0 0,0 0-1 0 0,-1 0 1 0 0,1 0-1 0 0,0 0 1 0 0,-1 0-1 0 0,-3 0 1 0 0,-9-3 4 0 0,1 0 1 0 0,-1 1-1 0 0,-17-1 1 0 0,8 2 6 0 0,0 1-1 0 0,0 1 1 0 0,-1 2 0 0 0,1 0-1 0 0,-31 7 1 0 0,41-6-23 0 0,0 1-1 0 0,0 1 1 0 0,1 0-1 0 0,0 1 1 0 0,0 0-1 0 0,0 1 1 0 0,0 1-1 0 0,1 0 1 0 0,1 0-1 0 0,-15 13 1 0 0,22-16 27 0 0,0 0 1 0 0,0 1 0 0 0,0-1-1 0 0,1 1 1 0 0,-1 0 0 0 0,1 0-1 0 0,1 0 1 0 0,-1 0 0 0 0,1 0-1 0 0,-2 8 1 0 0,3-11 7 0 0,0 0 0 0 0,0 0 1 0 0,1 1-1 0 0,-1-1 0 0 0,1 0 0 0 0,0 0 1 0 0,0 0-1 0 0,0 0 0 0 0,0 0 1 0 0,1 0-1 0 0,-1 1 0 0 0,1-1 0 0 0,-1 0 1 0 0,1 0-1 0 0,0 0 0 0 0,1 0 0 0 0,-1-1 1 0 0,0 1-1 0 0,1 0 0 0 0,-1 0 0 0 0,1-1 1 0 0,0 1-1 0 0,0-1 0 0 0,3 3 0 0 0,4 1 8 0 0,0 0-1 0 0,1-1 0 0 0,0 0 0 0 0,1-1 0 0 0,-1 0 0 0 0,1 0 0 0 0,-1-1 0 0 0,18 3 0 0 0,94 8 66 0 0,-112-13-97 0 0,6 0-31 0 0,-1 1 40 0 0,0-1 0 0 0,1 0 0 0 0,-1-2-1 0 0,22-2 1 0 0,-33 2 1 0 0,0 0 0 0 0,0 0 0 0 0,1 0 0 0 0,-1-1-1 0 0,0 0 1 0 0,0 0 0 0 0,0 0 0 0 0,0 0 0 0 0,-1-1 0 0 0,1 1 0 0 0,-1-1 0 0 0,1 0-1 0 0,-1 0 1 0 0,0 0 0 0 0,0 0 0 0 0,0-1 0 0 0,-1 1 0 0 0,1-1 0 0 0,2-6-1 0 0,13-26-63 0 0,-2-1 0 0 0,18-62 0 0 0,-57 183 216 0 0,-11 90 1 0 0,26-114 267 0 0,-3-1-1 0 0,-36 112 1 0 0,41-161-613 0 0,10-30-1339 0 0,12-16-3222 0 0</inkml:trace>
-</inkml:ink>
-</file>
-
-<file path=ppt/ink/ink181.xml><?xml version="1.0" encoding="utf-8"?>
-<inkml:ink xmlns:inkml="http://www.w3.org/2003/InkML">
-  <inkml:definitions>
-    <inkml:context xml:id="ctx0">
-      <inkml:inkSource xml:id="inkSrc0">
-        <inkml:traceFormat>
-          <inkml:channel name="X" type="integer" min="-2.14748E9" max="2.14748E9" units="cm"/>
-          <inkml:channel name="Y" type="integer" min="-2.14748E9" max="2.14748E9" units="cm"/>
-          <inkml:channel name="F" type="integer" max="32767" units="dev"/>
-          <inkml:channel name="OA" type="integer" max="360" units="deg"/>
-          <inkml:channel name="OE" type="integer" max="90" units="deg"/>
-        </inkml:traceFormat>
-        <inkml:channelProperties>
-          <inkml:channelProperty channel="X" name="resolution" value="1000" units="1/cm"/>
-          <inkml:channelProperty channel="Y" name="resolution" value="1000" units="1/cm"/>
-          <inkml:channelProperty channel="F" name="resolution" value="0" units="1/dev"/>
-          <inkml:channelProperty channel="OA" name="resolution" value="1000" units="1/deg"/>
-          <inkml:channelProperty channel="OE" name="resolution" value="1000" units="1/deg"/>
-        </inkml:channelProperties>
-      </inkml:inkSource>
-      <inkml:timestamp xml:id="ts0" timeString="2023-05-24T12:28:37.284"/>
-    </inkml:context>
-    <inkml:brush xml:id="br0">
-      <inkml:brushProperty name="width" value="0.2" units="cm"/>
-      <inkml:brushProperty name="height" value="0.2" units="cm"/>
-      <inkml:brushProperty name="color" value="#E71224"/>
-    </inkml:brush>
-  </inkml:definitions>
-  <inkml:trace contextRef="#ctx0" brushRef="#br0">91 0 4018 0 0,'0'0'2846'0'0,"-12"17"-2184"0"0,-4 7-88 0 0,2 0 0 0 0,-12 26 0 0 0,22-38-487 0 0,0-1 0 0 0,0 0 1 0 0,1 1-1 0 0,1 0 0 0 0,0 0 0 0 0,0 0 1 0 0,1 17-1 0 0,1-29-85 0 0,0 1 1 0 0,0 0-1 0 0,0 0 0 0 0,1 0 1 0 0,-1 0-1 0 0,0-1 0 0 0,1 1 1 0 0,-1 0-1 0 0,1 0 1 0 0,-1-1-1 0 0,1 1 0 0 0,-1 0 1 0 0,1-1-1 0 0,-1 1 0 0 0,1-1 1 0 0,-1 1-1 0 0,1 0 1 0 0,0-1-1 0 0,0 1 0 0 0,-1-1 1 0 0,1 0-1 0 0,0 1 0 0 0,0-1 1 0 0,-1 0-1 0 0,1 1 0 0 0,0-1 1 0 0,0 0-1 0 0,0 0 1 0 0,-1 1-1 0 0,1-1 0 0 0,0 0 1 0 0,1 0-1 0 0,37 0 48 0 0,-26 0-18 0 0,2-1-57 0 0,-1 0-1 0 0,1-1 1 0 0,-1-1 0 0 0,0 0-1 0 0,0-1 1 0 0,0 0 0 0 0,0-1-1 0 0,22-12 1 0 0,-4-1-163 0 0,-1-1 0 0 0,38-31 0 0 0,-54 42 1351 0 0,-11 21-472 0 0,-3-5-995 0 0,1 2 360 0 0,0 0 1 0 0,0 0 0 0 0,1-1 0 0 0,6 13-1 0 0,-8-20-141 0 0,-1 0 0 0 0,1 0 0 0 0,0 0 0 0 0,1 0 0 0 0,-1 0 0 0 0,0 0 0 0 0,1 0 0 0 0,-1 0 0 0 0,1-1 0 0 0,-1 1-1 0 0,1-1 1 0 0,0 1 0 0 0,0-1 0 0 0,0 1 0 0 0,-1-1 0 0 0,1 0 0 0 0,1 0 0 0 0,-1 0 0 0 0,0 0 0 0 0,0 0-1 0 0,0-1 1 0 0,0 1 0 0 0,1-1 0 0 0,2 1 0 0 0</inkml:trace>
-</inkml:ink>
-</file>
-
-<file path=ppt/ink/ink182.xml><?xml version="1.0" encoding="utf-8"?>
-<inkml:ink xmlns:inkml="http://www.w3.org/2003/InkML">
-  <inkml:definitions>
-    <inkml:context xml:id="ctx0">
-      <inkml:inkSource xml:id="inkSrc0">
-        <inkml:traceFormat>
-          <inkml:channel name="X" type="integer" min="-2.14748E9" max="2.14748E9" units="cm"/>
-          <inkml:channel name="Y" type="integer" min="-2.14748E9" max="2.14748E9" units="cm"/>
-          <inkml:channel name="F" type="integer" max="32767" units="dev"/>
-          <inkml:channel name="OA" type="integer" max="360" units="deg"/>
-          <inkml:channel name="OE" type="integer" max="90" units="deg"/>
-        </inkml:traceFormat>
-        <inkml:channelProperties>
-          <inkml:channelProperty channel="X" name="resolution" value="1000" units="1/cm"/>
-          <inkml:channelProperty channel="Y" name="resolution" value="1000" units="1/cm"/>
-          <inkml:channelProperty channel="F" name="resolution" value="0" units="1/dev"/>
-          <inkml:channelProperty channel="OA" name="resolution" value="1000" units="1/deg"/>
-          <inkml:channelProperty channel="OE" name="resolution" value="1000" units="1/deg"/>
-        </inkml:channelProperties>
-      </inkml:inkSource>
-      <inkml:timestamp xml:id="ts0" timeString="2023-05-24T12:28:37.866"/>
-    </inkml:context>
-    <inkml:brush xml:id="br0">
-      <inkml:brushProperty name="width" value="0.2" units="cm"/>
-      <inkml:brushProperty name="height" value="0.2" units="cm"/>
-      <inkml:brushProperty name="color" value="#E71224"/>
-    </inkml:brush>
-  </inkml:definitions>
-  <inkml:trace contextRef="#ctx0" brushRef="#br0">0 153 3858 0 0,'0'0'3753'0'0,"20"2"-3478"0"0,-5-1-221 0 0,-1 2-31 0 0,1-2-1 0 0,1 0 1 0 0,-1 0-1 0 0,0-2 0 0 0,0 0 1 0 0,0 0-1 0 0,0-2 1 0 0,25-6-1 0 0,-23 2-29 0 0,-5 3-20 0 0,-1-1-1 0 0,1-1 1 0 0,20-12-1 0 0,-30 16 26 0 0,1 0-1 0 0,-1 0 0 0 0,0 0 1 0 0,1 0-1 0 0,-1 0 1 0 0,0-1-1 0 0,0 1 1 0 0,0-1-1 0 0,-1 1 1 0 0,1-1-1 0 0,-1 0 1 0 0,1 0-1 0 0,-1 0 0 0 0,0 0 1 0 0,0 0-1 0 0,0 0 1 0 0,-1 0-1 0 0,1 0 1 0 0,-1 0-1 0 0,1-5 1 0 0,-1 6 44 0 0,0 1 1 0 0,0-1-1 0 0,-1 0 1 0 0,1 1-1 0 0,0-1 1 0 0,-1 1 0 0 0,1-1-1 0 0,-1 1 1 0 0,1-1-1 0 0,-1 1 1 0 0,0-1-1 0 0,0 1 1 0 0,0 0-1 0 0,0-1 1 0 0,0 1 0 0 0,0 0-1 0 0,0 0 1 0 0,0 0-1 0 0,0-1 1 0 0,0 1-1 0 0,-1 0 1 0 0,-2-1-1 0 0,0 0-16 0 0,0 0-1 0 0,0 0 0 0 0,0 1 0 0 0,-1-1 0 0 0,1 1 1 0 0,-1 0-1 0 0,1 1 0 0 0,-7-1 0 0 0,3 0-52 0 0,-1 1-1 0 0,1 0 1 0 0,0 0-1 0 0,0 1 1 0 0,0 0 0 0 0,0 1-1 0 0,0 0 1 0 0,1 0-1 0 0,-16 7 1 0 0,19-7 53 0 0,-1 1-1 0 0,1 0 1 0 0,0 1 0 0 0,0-1 0 0 0,0 1 0 0 0,1 0 0 0 0,-1 0 0 0 0,1 0-1 0 0,0 0 1 0 0,0 0 0 0 0,0 1 0 0 0,1-1 0 0 0,0 1 0 0 0,-1 0-1 0 0,2 0 1 0 0,-3 8 0 0 0,0 4 415 0 0,2-1 0 0 0,0 1 0 0 0,1 30 0 0 0,2-41-397 0 0,0-1 0 0 0,0 1 0 0 0,1 0 0 0 0,0-1 0 0 0,0 0-1 0 0,0 0 1 0 0,0 1 0 0 0,1-1 0 0 0,0 0 0 0 0,0-1-1 0 0,0 1 1 0 0,1-1 0 0 0,-1 1 0 0 0,1-1 0 0 0,0 0 0 0 0,0 0-1 0 0,1-1 1 0 0,-1 1 0 0 0,1-1 0 0 0,0 0 0 0 0,7 4-1 0 0,-1-1-505 0 0,-1-1 0 0 0,1 0-1 0 0,1 0 1 0 0,-1-1-1 0 0,1 0 1 0 0,-1-1-1 0 0,1-1 1 0 0,0 0 0 0 0,17 1-1 0 0,-10-3-2709 0 0</inkml:trace>
-</inkml:ink>
-</file>
-
-<file path=ppt/ink/ink183.xml><?xml version="1.0" encoding="utf-8"?>
-<inkml:ink xmlns:inkml="http://www.w3.org/2003/InkML">
-  <inkml:definitions>
-    <inkml:context xml:id="ctx0">
-      <inkml:inkSource xml:id="inkSrc0">
-        <inkml:traceFormat>
-          <inkml:channel name="X" type="integer" min="-2.14748E9" max="2.14748E9" units="cm"/>
-          <inkml:channel name="Y" type="integer" min="-2.14748E9" max="2.14748E9" units="cm"/>
-          <inkml:channel name="F" type="integer" max="32767" units="dev"/>
-          <inkml:channel name="OA" type="integer" max="360" units="deg"/>
-          <inkml:channel name="OE" type="integer" max="90" units="deg"/>
-        </inkml:traceFormat>
-        <inkml:channelProperties>
-          <inkml:channelProperty channel="X" name="resolution" value="1000" units="1/cm"/>
-          <inkml:channelProperty channel="Y" name="resolution" value="1000" units="1/cm"/>
-          <inkml:channelProperty channel="F" name="resolution" value="0" units="1/dev"/>
-          <inkml:channelProperty channel="OA" name="resolution" value="1000" units="1/deg"/>
-          <inkml:channelProperty channel="OE" name="resolution" value="1000" units="1/deg"/>
-        </inkml:channelProperties>
-      </inkml:inkSource>
-      <inkml:timestamp xml:id="ts0" timeString="2023-05-24T12:28:38.361"/>
-    </inkml:context>
-    <inkml:brush xml:id="br0">
-      <inkml:brushProperty name="width" value="0.2" units="cm"/>
-      <inkml:brushProperty name="height" value="0.2" units="cm"/>
-      <inkml:brushProperty name="color" value="#E71224"/>
-    </inkml:brush>
-  </inkml:definitions>
-  <inkml:trace contextRef="#ctx0" brushRef="#br0">440 4 6371 0 0,'0'0'4383'0'0,"-22"0"-4343"0"0,-12-1-65 0 0,10-1-29 0 0,1 2 0 0 0,-43 4 1 0 0,60-3 42 0 0,0 0 0 0 0,1-1 1 0 0,-1 2-1 0 0,0-1 0 0 0,1 1 0 0 0,-1 0 1 0 0,1 0-1 0 0,0 0 0 0 0,-1 1 1 0 0,1-1-1 0 0,0 1 0 0 0,0 1 1 0 0,1-1-1 0 0,-1 1 0 0 0,1 0 1 0 0,0 0-1 0 0,0 0 0 0 0,0 0 1 0 0,0 1-1 0 0,1 0 0 0 0,0-1 1 0 0,0 1-1 0 0,0 0 0 0 0,0 1 1 0 0,1-1-1 0 0,0 0 0 0 0,0 1 1 0 0,1-1-1 0 0,-1 1 0 0 0,1 0 1 0 0,0 0-1 0 0,0 9 0 0 0,2-12 13 0 0,-1 0 0 0 0,1 0 0 0 0,0 0 0 0 0,0 0 0 0 0,0 0 0 0 0,0-1 0 0 0,1 1 1 0 0,-1 0-1 0 0,1 0 0 0 0,-1-1 0 0 0,1 1 0 0 0,0-1 0 0 0,0 1 0 0 0,0-1 0 0 0,1 0 0 0 0,-1 0 0 0 0,0 0 0 0 0,1 0 0 0 0,0 0 0 0 0,-1-1 0 0 0,1 1 0 0 0,5 1 0 0 0,-5-1 1 0 0,1 0 0 0 0,-1-1 0 0 0,0 2 1 0 0,1-1-1 0 0,-1 0 0 0 0,0 1 0 0 0,0-1 0 0 0,-1 1 0 0 0,1 0 1 0 0,-1 0-1 0 0,1 0 0 0 0,-1 0 0 0 0,0 0 0 0 0,0 1 0 0 0,0-1 1 0 0,0 1-1 0 0,-1-1 0 0 0,2 7 0 0 0,-2-6 8 0 0,0 0 0 0 0,0 0-1 0 0,-1 0 1 0 0,0 0 0 0 0,0 0 0 0 0,0 1-1 0 0,0-1 1 0 0,-1 0 0 0 0,1 0 0 0 0,-1 0-1 0 0,0 0 1 0 0,-1 0 0 0 0,1 0 0 0 0,0 0-1 0 0,-1-1 1 0 0,0 1 0 0 0,0 0 0 0 0,0-1-1 0 0,-1 1 1 0 0,1-1 0 0 0,-1 0 0 0 0,1 0-1 0 0,-7 5 1 0 0,0-2 30 0 0,-1 0 0 0 0,-1 0-1 0 0,1-1 1 0 0,-1 0 0 0 0,0-1 0 0 0,0 0 0 0 0,-18 3-1 0 0,12-4-76 0 0,-1 0-1 0 0,1 0 0 0 0,-33-1 1 0 0,50-2-11 0 0,0 0-1 0 0,-1 0 1 0 0,1 0 0 0 0,0 0 0 0 0,0 0 0 0 0,-1 0 0 0 0,1 0 0 0 0,0 0 0 0 0,0 0 0 0 0,0 0-1 0 0,-1 0 1 0 0,1 0 0 0 0,0 0 0 0 0,0 0 0 0 0,-1 0 0 0 0,1 0 0 0 0,0 0 0 0 0,0-1 0 0 0</inkml:trace>
-</inkml:ink>
-</file>
-
-<file path=ppt/ink/ink184.xml><?xml version="1.0" encoding="utf-8"?>
-<inkml:ink xmlns:inkml="http://www.w3.org/2003/InkML">
-  <inkml:definitions>
-    <inkml:context xml:id="ctx0">
-      <inkml:inkSource xml:id="inkSrc0">
-        <inkml:traceFormat>
-          <inkml:channel name="X" type="integer" min="-2.14748E9" max="2.14748E9" units="cm"/>
-          <inkml:channel name="Y" type="integer" min="-2.14748E9" max="2.14748E9" units="cm"/>
-          <inkml:channel name="F" type="integer" max="32767" units="dev"/>
-          <inkml:channel name="OA" type="integer" max="360" units="deg"/>
-          <inkml:channel name="OE" type="integer" max="90" units="deg"/>
-        </inkml:traceFormat>
-        <inkml:channelProperties>
-          <inkml:channelProperty channel="X" name="resolution" value="1000" units="1/cm"/>
-          <inkml:channelProperty channel="Y" name="resolution" value="1000" units="1/cm"/>
-          <inkml:channelProperty channel="F" name="resolution" value="0" units="1/dev"/>
-          <inkml:channelProperty channel="OA" name="resolution" value="1000" units="1/deg"/>
-          <inkml:channelProperty channel="OE" name="resolution" value="1000" units="1/deg"/>
-        </inkml:channelProperties>
-      </inkml:inkSource>
-      <inkml:timestamp xml:id="ts0" timeString="2023-05-24T12:28:38.765"/>
-    </inkml:context>
-    <inkml:brush xml:id="br0">
-      <inkml:brushProperty name="width" value="0.2" units="cm"/>
-      <inkml:brushProperty name="height" value="0.2" units="cm"/>
-      <inkml:brushProperty name="color" value="#E71224"/>
-    </inkml:brush>
-  </inkml:definitions>
-  <inkml:trace contextRef="#ctx0" brushRef="#br0">143 0 6323 0 0,'0'0'4850'0'0,"15"18"-5298"0"0,-11 11 784 0 0,-4 9 865 0 0,0 10-241 0 0,0 6-496 0 0,-4 2-176 0 0,-19-2-160 0 0,-6-4-32 0 0,-5-8-63 0 0,8-11 15 0 0,3-14-865 0 0,1-13-2528 0 0</inkml:trace>
-</inkml:ink>
-</file>
-
-<file path=ppt/ink/ink185.xml><?xml version="1.0" encoding="utf-8"?>
-<inkml:ink xmlns:inkml="http://www.w3.org/2003/InkML">
-  <inkml:definitions>
-    <inkml:context xml:id="ctx0">
-      <inkml:inkSource xml:id="inkSrc0">
-        <inkml:traceFormat>
-          <inkml:channel name="X" type="integer" min="-2.14748E9" max="2.14748E9" units="cm"/>
-          <inkml:channel name="Y" type="integer" min="-2.14748E9" max="2.14748E9" units="cm"/>
-          <inkml:channel name="F" type="integer" max="32767" units="dev"/>
-          <inkml:channel name="OA" type="integer" max="360" units="deg"/>
-          <inkml:channel name="OE" type="integer" max="90" units="deg"/>
-        </inkml:traceFormat>
-        <inkml:channelProperties>
-          <inkml:channelProperty channel="X" name="resolution" value="1000" units="1/cm"/>
-          <inkml:channelProperty channel="Y" name="resolution" value="1000" units="1/cm"/>
-          <inkml:channelProperty channel="F" name="resolution" value="0" units="1/dev"/>
-          <inkml:channelProperty channel="OA" name="resolution" value="1000" units="1/deg"/>
-          <inkml:channelProperty channel="OE" name="resolution" value="1000" units="1/deg"/>
-        </inkml:channelProperties>
-      </inkml:inkSource>
-      <inkml:timestamp xml:id="ts0" timeString="2023-05-24T12:28:39.111"/>
-    </inkml:context>
-    <inkml:brush xml:id="br0">
-      <inkml:brushProperty name="width" value="0.2" units="cm"/>
-      <inkml:brushProperty name="height" value="0.2" units="cm"/>
-      <inkml:brushProperty name="color" value="#E71224"/>
-    </inkml:brush>
-  </inkml:definitions>
-  <inkml:trace contextRef="#ctx0" brushRef="#br0">1 18 7011 0 0,'0'0'6483'0'0,"210"-18"-5538"0"0,-151 18-609 0 0,-2 0-320 0 0,-9 2-16 0 0,-10 6-384 0 0,-12-4-1745 0 0</inkml:trace>
-</inkml:ink>
-</file>
-
-<file path=ppt/ink/ink186.xml><?xml version="1.0" encoding="utf-8"?>
-<inkml:ink xmlns:inkml="http://www.w3.org/2003/InkML">
-  <inkml:definitions>
-    <inkml:context xml:id="ctx0">
-      <inkml:inkSource xml:id="inkSrc0">
-        <inkml:traceFormat>
-          <inkml:channel name="X" type="integer" min="-2.14748E9" max="2.14748E9" units="cm"/>
-          <inkml:channel name="Y" type="integer" min="-2.14748E9" max="2.14748E9" units="cm"/>
-          <inkml:channel name="F" type="integer" max="32767" units="dev"/>
-          <inkml:channel name="OA" type="integer" max="360" units="deg"/>
-          <inkml:channel name="OE" type="integer" max="90" units="deg"/>
-        </inkml:traceFormat>
-        <inkml:channelProperties>
-          <inkml:channelProperty channel="X" name="resolution" value="1000" units="1/cm"/>
-          <inkml:channelProperty channel="Y" name="resolution" value="1000" units="1/cm"/>
-          <inkml:channelProperty channel="F" name="resolution" value="0" units="1/dev"/>
-          <inkml:channelProperty channel="OA" name="resolution" value="1000" units="1/deg"/>
-          <inkml:channelProperty channel="OE" name="resolution" value="1000" units="1/deg"/>
-        </inkml:channelProperties>
-      </inkml:inkSource>
-      <inkml:timestamp xml:id="ts0" timeString="2023-05-24T12:28:39.454"/>
-    </inkml:context>
-    <inkml:brush xml:id="br0">
-      <inkml:brushProperty name="width" value="0.2" units="cm"/>
-      <inkml:brushProperty name="height" value="0.2" units="cm"/>
-      <inkml:brushProperty name="color" value="#E71224"/>
-    </inkml:brush>
-  </inkml:definitions>
-  <inkml:trace contextRef="#ctx0" brushRef="#br0">19 0 6211 0 0,'0'0'4130'0'0,"-18"102"-3970"0"0,18-82-96 0 0,0-7-64 0 0,0-9-336 0 0</inkml:trace>
-</inkml:ink>
-</file>
-
-<file path=ppt/ink/ink187.xml><?xml version="1.0" encoding="utf-8"?>
-<inkml:ink xmlns:inkml="http://www.w3.org/2003/InkML">
-  <inkml:definitions>
-    <inkml:context xml:id="ctx0">
-      <inkml:inkSource xml:id="inkSrc0">
-        <inkml:traceFormat>
-          <inkml:channel name="X" type="integer" min="-2.14748E9" max="2.14748E9" units="cm"/>
-          <inkml:channel name="Y" type="integer" min="-2.14748E9" max="2.14748E9" units="cm"/>
-          <inkml:channel name="F" type="integer" max="32767" units="dev"/>
-          <inkml:channel name="OA" type="integer" max="360" units="deg"/>
-          <inkml:channel name="OE" type="integer" max="90" units="deg"/>
-        </inkml:traceFormat>
-        <inkml:channelProperties>
-          <inkml:channelProperty channel="X" name="resolution" value="1000" units="1/cm"/>
-          <inkml:channelProperty channel="Y" name="resolution" value="1000" units="1/cm"/>
-          <inkml:channelProperty channel="F" name="resolution" value="0" units="1/dev"/>
-          <inkml:channelProperty channel="OA" name="resolution" value="1000" units="1/deg"/>
-          <inkml:channelProperty channel="OE" name="resolution" value="1000" units="1/deg"/>
-        </inkml:channelProperties>
-      </inkml:inkSource>
-      <inkml:timestamp xml:id="ts0" timeString="2023-05-24T12:28:39.800"/>
-    </inkml:context>
-    <inkml:brush xml:id="br0">
-      <inkml:brushProperty name="width" value="0.2" units="cm"/>
-      <inkml:brushProperty name="height" value="0.2" units="cm"/>
-      <inkml:brushProperty name="color" value="#E71224"/>
-    </inkml:brush>
-  </inkml:definitions>
-  <inkml:trace contextRef="#ctx0" brushRef="#br0">0 1 10613 0 0,'0'0'3073'0'0</inkml:trace>
-</inkml:ink>
-</file>
-
-<file path=ppt/ink/ink188.xml><?xml version="1.0" encoding="utf-8"?>
-<inkml:ink xmlns:inkml="http://www.w3.org/2003/InkML">
-  <inkml:definitions>
-    <inkml:context xml:id="ctx0">
-      <inkml:inkSource xml:id="inkSrc0">
-        <inkml:traceFormat>
-          <inkml:channel name="X" type="integer" min="-2.14748E9" max="2.14748E9" units="cm"/>
-          <inkml:channel name="Y" type="integer" min="-2.14748E9" max="2.14748E9" units="cm"/>
-          <inkml:channel name="F" type="integer" max="32767" units="dev"/>
-          <inkml:channel name="OA" type="integer" max="360" units="deg"/>
-          <inkml:channel name="OE" type="integer" max="90" units="deg"/>
-        </inkml:traceFormat>
-        <inkml:channelProperties>
-          <inkml:channelProperty channel="X" name="resolution" value="1000" units="1/cm"/>
-          <inkml:channelProperty channel="Y" name="resolution" value="1000" units="1/cm"/>
-          <inkml:channelProperty channel="F" name="resolution" value="0" units="1/dev"/>
-          <inkml:channelProperty channel="OA" name="resolution" value="1000" units="1/deg"/>
-          <inkml:channelProperty channel="OE" name="resolution" value="1000" units="1/deg"/>
-        </inkml:channelProperties>
-      </inkml:inkSource>
-      <inkml:timestamp xml:id="ts0" timeString="2023-05-24T12:28:40.144"/>
-    </inkml:context>
-    <inkml:brush xml:id="br0">
-      <inkml:brushProperty name="width" value="0.2" units="cm"/>
-      <inkml:brushProperty name="height" value="0.2" units="cm"/>
-      <inkml:brushProperty name="color" value="#E71224"/>
-    </inkml:brush>
-  </inkml:definitions>
-  <inkml:trace contextRef="#ctx0" brushRef="#br0">84 61 4482 0 0,'0'0'4407'0'0,"-5"0"-4444"0"0,1 1 94 0 0,1 0-1 0 0,-1 1 1 0 0,0-1 0 0 0,1 1-1 0 0,-1-1 1 0 0,1 1 0 0 0,0 0-1 0 0,-1 0 1 0 0,1 0-1 0 0,0 1 1 0 0,0-1 0 0 0,1 1-1 0 0,-1 0 1 0 0,0 0 0 0 0,1 0-1 0 0,0 0 1 0 0,0 0 0 0 0,-1 0-1 0 0,2 0 1 0 0,-1 1 0 0 0,0-1-1 0 0,1 1 1 0 0,-2 4-1 0 0,0 3 218 0 0,1 0 0 0 0,0 0-1 0 0,0 0 1 0 0,1 0 0 0 0,0 0-1 0 0,1 1 1 0 0,1 12-1 0 0,0-22-262 0 0,-1 1 0 0 0,1-1 0 0 0,0 0 0 0 0,0 0 0 0 0,-1 0 0 0 0,1 0 0 0 0,1-1 0 0 0,-1 1 0 0 0,0 0-1 0 0,0 0 1 0 0,1-1 0 0 0,-1 1 0 0 0,1-1 0 0 0,-1 1 0 0 0,1-1 0 0 0,0 1 0 0 0,-1-1 0 0 0,1 0 0 0 0,0 0 0 0 0,0 0-1 0 0,0 0 1 0 0,0 0 0 0 0,0 0 0 0 0,0-1 0 0 0,0 1 0 0 0,0-1 0 0 0,0 1 0 0 0,4-1 0 0 0,9 3 55 0 0,0-2 0 0 0,30 0 0 0 0,-35-1 9 0 0,4 0-69 0 0,1 0-1 0 0,-1-1 1 0 0,0-1-1 0 0,0 0 1 0 0,0-1 0 0 0,22-8-1 0 0,-31 9-48 0 0,-1 0 0 0 0,1 0-1 0 0,-1 0 1 0 0,0-1 0 0 0,0 1-1 0 0,0-1 1 0 0,0 0 0 0 0,0 0-1 0 0,0 0 1 0 0,-1-1 0 0 0,0 0-1 0 0,0 1 1 0 0,0-1 0 0 0,0 0-1 0 0,0 0 1 0 0,-1 0 0 0 0,0-1-1 0 0,0 1 1 0 0,0-1 0 0 0,0 1-1 0 0,-1-1 1 0 0,1 0 0 0 0,0-8-1 0 0,-1 9 63 0 0,-1 0 0 0 0,1 0 0 0 0,-1 0 0 0 0,0-1-1 0 0,0 1 1 0 0,-1 0 0 0 0,1 0 0 0 0,-1 0-1 0 0,0 0 1 0 0,0 0 0 0 0,0 0 0 0 0,0 0-1 0 0,-1 0 1 0 0,1 0 0 0 0,-1 0 0 0 0,0 0-1 0 0,-1 1 1 0 0,1-1 0 0 0,-6-5 0 0 0,1 3 194 0 0,-1 0 0 0 0,1 1 0 0 0,-1-1 1 0 0,-1 2-1 0 0,1-1 0 0 0,-1 1 0 0 0,-14-4 0 0 0,-61-17 986 0 0,25 20-4681 0 0</inkml:trace>
-</inkml:ink>
-</file>
-
-<file path=ppt/ink/ink189.xml><?xml version="1.0" encoding="utf-8"?>
-<inkml:ink xmlns:inkml="http://www.w3.org/2003/InkML">
-  <inkml:definitions>
-    <inkml:context xml:id="ctx0">
-      <inkml:inkSource xml:id="inkSrc0">
-        <inkml:traceFormat>
-          <inkml:channel name="X" type="integer" min="-2.14748E9" max="2.14748E9" units="cm"/>
-          <inkml:channel name="Y" type="integer" min="-2.14748E9" max="2.14748E9" units="cm"/>
-          <inkml:channel name="F" type="integer" max="32767" units="dev"/>
-          <inkml:channel name="OA" type="integer" max="360" units="deg"/>
-          <inkml:channel name="OE" type="integer" max="90" units="deg"/>
-        </inkml:traceFormat>
-        <inkml:channelProperties>
-          <inkml:channelProperty channel="X" name="resolution" value="1000" units="1/cm"/>
-          <inkml:channelProperty channel="Y" name="resolution" value="1000" units="1/cm"/>
-          <inkml:channelProperty channel="F" name="resolution" value="0" units="1/dev"/>
-          <inkml:channelProperty channel="OA" name="resolution" value="1000" units="1/deg"/>
-          <inkml:channelProperty channel="OE" name="resolution" value="1000" units="1/deg"/>
-        </inkml:channelProperties>
-      </inkml:inkSource>
-      <inkml:timestamp xml:id="ts0" timeString="2023-05-24T12:28:40.505"/>
-    </inkml:context>
-    <inkml:brush xml:id="br0">
-      <inkml:brushProperty name="width" value="0.2" units="cm"/>
-      <inkml:brushProperty name="height" value="0.2" units="cm"/>
-      <inkml:brushProperty name="color" value="#E71224"/>
-    </inkml:brush>
-  </inkml:definitions>
-  <inkml:trace contextRef="#ctx0" brushRef="#br0">20 118 5811 0 0,'0'0'6819'0'0,"-4"17"-6531"0"0,-12 51-128 0 0,151-168-832 0 0,-104 72 668 0 0,-21 18 69 0 0,1 0 0 0 0,0 0 0 0 0,1 1 0 0 0,0 0 0 0 0,25-12 1 0 0,-33 19-67 0 0,1 1 1 0 0,-1 0-1 0 0,1 0 1 0 0,0 1-1 0 0,0-1 1 0 0,-1 1-1 0 0,1 0 1 0 0,0 1-1 0 0,0-1 1 0 0,-1 1-1 0 0,1 0 1 0 0,0 0-1 0 0,-1 0 1 0 0,1 1-1 0 0,-1-1 1 0 0,1 1-1 0 0,4 3 1 0 0,9 5-25 0 0,-1 0 1 0 0,25 20-1 0 0,-39-28 25 0 0,10 8-160 0 0,-1 0 0 0 0,0 0 0 0 0,-1 1 0 0 0,0 1 1 0 0,11 14-1 0 0,-18-20-45 0 0,0 1 0 0 0,0 0 0 0 0,-1-1 0 0 0,0 1 0 0 0,0 1 0 0 0,0-1 0 0 0,-1 0 0 0 0,0 1 0 0 0,-1-1 1 0 0,0 1-1 0 0,0-1 0 0 0,0 12 0 0 0</inkml:trace>
-</inkml:ink>
-</file>
-
-<file path=ppt/ink/ink19.xml><?xml version="1.0" encoding="utf-8"?>
+<file path=ppt/ink/ink37.xml><?xml version="1.0" encoding="utf-8"?>
 <inkml:ink xmlns:inkml="http://www.w3.org/2003/InkML">
   <inkml:definitions>
     <inkml:context xml:id="ctx0">
@@ -3337,358 +5633,7 @@
 </inkml:ink>
 </file>
 
-<file path=ppt/ink/ink190.xml><?xml version="1.0" encoding="utf-8"?>
-<inkml:ink xmlns:inkml="http://www.w3.org/2003/InkML">
-  <inkml:definitions>
-    <inkml:context xml:id="ctx0">
-      <inkml:inkSource xml:id="inkSrc0">
-        <inkml:traceFormat>
-          <inkml:channel name="X" type="integer" min="-2.14748E9" max="2.14748E9" units="cm"/>
-          <inkml:channel name="Y" type="integer" min="-2.14748E9" max="2.14748E9" units="cm"/>
-          <inkml:channel name="F" type="integer" max="32767" units="dev"/>
-          <inkml:channel name="OA" type="integer" max="360" units="deg"/>
-          <inkml:channel name="OE" type="integer" max="90" units="deg"/>
-        </inkml:traceFormat>
-        <inkml:channelProperties>
-          <inkml:channelProperty channel="X" name="resolution" value="1000" units="1/cm"/>
-          <inkml:channelProperty channel="Y" name="resolution" value="1000" units="1/cm"/>
-          <inkml:channelProperty channel="F" name="resolution" value="0" units="1/dev"/>
-          <inkml:channelProperty channel="OA" name="resolution" value="1000" units="1/deg"/>
-          <inkml:channelProperty channel="OE" name="resolution" value="1000" units="1/deg"/>
-        </inkml:channelProperties>
-      </inkml:inkSource>
-      <inkml:timestamp xml:id="ts0" timeString="2023-05-24T12:28:47.014"/>
-    </inkml:context>
-    <inkml:brush xml:id="br0">
-      <inkml:brushProperty name="width" value="0.2" units="cm"/>
-      <inkml:brushProperty name="height" value="0.2" units="cm"/>
-      <inkml:brushProperty name="color" value="#008C3A"/>
-    </inkml:brush>
-  </inkml:definitions>
-  <inkml:trace contextRef="#ctx0" brushRef="#br0">1 1 96 0 0,'0'0'1601'0'0,"3"0"-1393"0"0,1 0-768 0 0</inkml:trace>
-</inkml:ink>
-</file>
-
-<file path=ppt/ink/ink191.xml><?xml version="1.0" encoding="utf-8"?>
-<inkml:ink xmlns:inkml="http://www.w3.org/2003/InkML">
-  <inkml:definitions>
-    <inkml:context xml:id="ctx0">
-      <inkml:inkSource xml:id="inkSrc0">
-        <inkml:traceFormat>
-          <inkml:channel name="X" type="integer" min="-2.14748E9" max="2.14748E9" units="cm"/>
-          <inkml:channel name="Y" type="integer" min="-2.14748E9" max="2.14748E9" units="cm"/>
-          <inkml:channel name="F" type="integer" max="32767" units="dev"/>
-          <inkml:channel name="OA" type="integer" max="360" units="deg"/>
-          <inkml:channel name="OE" type="integer" max="90" units="deg"/>
-        </inkml:traceFormat>
-        <inkml:channelProperties>
-          <inkml:channelProperty channel="X" name="resolution" value="1000" units="1/cm"/>
-          <inkml:channelProperty channel="Y" name="resolution" value="1000" units="1/cm"/>
-          <inkml:channelProperty channel="F" name="resolution" value="0" units="1/dev"/>
-          <inkml:channelProperty channel="OA" name="resolution" value="1000" units="1/deg"/>
-          <inkml:channelProperty channel="OE" name="resolution" value="1000" units="1/deg"/>
-        </inkml:channelProperties>
-      </inkml:inkSource>
-      <inkml:timestamp xml:id="ts0" timeString="2023-05-24T12:28:49.825"/>
-    </inkml:context>
-    <inkml:brush xml:id="br0">
-      <inkml:brushProperty name="width" value="0.2" units="cm"/>
-      <inkml:brushProperty name="height" value="0.2" units="cm"/>
-      <inkml:brushProperty name="color" value="#008C3A"/>
-    </inkml:brush>
-  </inkml:definitions>
-  <inkml:trace contextRef="#ctx0" brushRef="#br0">1 1567 3105 0 0,'95'-19'10579'0'0,"-89"9"-10081"0"0,108-41-440 0 0,2 6-1 0 0,153-39 0 0 0,-174 56-63 0 0,153-36 37 0 0,33-11 5 0 0,-47 11-191 0 0,386-56 0 0 0,-260 62-501 0 0,283-41 554 0 0,100-9 137 0 0,385-43-251 0 0,-116 95-410 0 0,-425 29 380 0 0,2-4 189 0 0,460-28-156 0 0,388 32-107 0 0,-1051 29 269 0 0,124 19 43 0 0,-76 0 3 0 0,-43-18 37 0 0,326 11-32 0 0,483 6-9 0 0,-446-15 26 0 0,200-29 10 0 0,-65-46-3 0 0,-457 62-111 0 0,-110 5 110 0 0,-240-4 11 0 0,92-20 0 0 0,40-5-22 0 0,498 11-50 0 0,-697 20 54 0 0,-1-1-1 0 0,1 0 0 0 0,-1-1 0 0 0,20-6 0 0 0,-21 5-19 0 0,0 0 0 0 0,0 1 0 0 0,1 1 0 0 0,17-1 0 0 0,-30 3-12 0 0,-1-1-146 0 0,0-1 116 0 0,0 1 1 0 0,0-1-1 0 0,0 1 1 0 0,0-1-1 0 0,-1 1 1 0 0,1 0-1 0 0,-1-1 1 0 0,1 1 0 0 0,-1 0-1 0 0,1-1 1 0 0,-1 1-1 0 0,0 0 1 0 0,0 0-1 0 0,1 0 1 0 0,-1-1-1 0 0,0 1 1 0 0,0 0 0 0 0,0 0-1 0 0,0 0 1 0 0,0 0-1 0 0,-1 1 1 0 0,1-1-1 0 0,0 0 1 0 0,0 0 0 0 0,-1 1-1 0 0,1-1 1 0 0,0 1-1 0 0,-1-1 1 0 0,1 1-1 0 0,0-1 1 0 0,-1 1-1 0 0,1 0 1 0 0,-1 0 0 0 0,-1 0-1 0 0,-9-4-97 0 0,-118-36 251 0 0,-54-21 1168 0 0,85 17-441 0 0,62 25-786 0 0,-1 3 0 0 0,-58-18 0 0 0,201 45-1292 0 0,507 64 1445 0 0,-591-75 489 0 0,-22 12-1120 0 0,-2-1 372 0 0,-1 0-1 0 0,0 0 1 0 0,-1-1 0 0 0,0 1 0 0 0,0-1-1 0 0,-1 0 1 0 0,-14 17 0 0 0,-3 6 59 0 0,-2 3 181 0 0,-1-1 1 0 0,-2-1-1 0 0,-1-2 0 0 0,-2-1 1 0 0,-1-1-1 0 0,-69 49 1 0 0,34-35 435 0 0,-1-3 1 0 0,-139 62-1 0 0,117-67-472 0 0,111-34-707 0 0,23-1-219 0 0,61-2-1703 0 0,-36-7-2029 0 0,-22-3-1430 0 0</inkml:trace>
-</inkml:ink>
-</file>
-
-<file path=ppt/ink/ink192.xml><?xml version="1.0" encoding="utf-8"?>
-<inkml:ink xmlns:inkml="http://www.w3.org/2003/InkML">
-  <inkml:definitions>
-    <inkml:context xml:id="ctx0">
-      <inkml:inkSource xml:id="inkSrc0">
-        <inkml:traceFormat>
-          <inkml:channel name="X" type="integer" min="-2.14748E9" max="2.14748E9" units="cm"/>
-          <inkml:channel name="Y" type="integer" min="-2.14748E9" max="2.14748E9" units="cm"/>
-          <inkml:channel name="F" type="integer" max="32767" units="dev"/>
-          <inkml:channel name="OA" type="integer" max="360" units="deg"/>
-          <inkml:channel name="OE" type="integer" max="90" units="deg"/>
-        </inkml:traceFormat>
-        <inkml:channelProperties>
-          <inkml:channelProperty channel="X" name="resolution" value="1000" units="1/cm"/>
-          <inkml:channelProperty channel="Y" name="resolution" value="1000" units="1/cm"/>
-          <inkml:channelProperty channel="F" name="resolution" value="0" units="1/dev"/>
-          <inkml:channelProperty channel="OA" name="resolution" value="1000" units="1/deg"/>
-          <inkml:channelProperty channel="OE" name="resolution" value="1000" units="1/deg"/>
-        </inkml:channelProperties>
-      </inkml:inkSource>
-      <inkml:timestamp xml:id="ts0" timeString="2023-05-24T12:28:51.331"/>
-    </inkml:context>
-    <inkml:brush xml:id="br0">
-      <inkml:brushProperty name="width" value="0.2" units="cm"/>
-      <inkml:brushProperty name="height" value="0.2" units="cm"/>
-      <inkml:brushProperty name="color" value="#008C3A"/>
-    </inkml:brush>
-  </inkml:definitions>
-  <inkml:trace contextRef="#ctx0" brushRef="#br0">472 120 3954 0 0,'0'-9'6566'0'0,"0"-13"-6180"0"0,0 19-396 0 0,-1-1-1 0 0,0 1 1 0 0,0 0 0 0 0,0 0-1 0 0,-1 0 1 0 0,1 0-1 0 0,-1 0 1 0 0,1 0-1 0 0,-1 1 1 0 0,0-1-1 0 0,0 0 1 0 0,0 1-1 0 0,-1 0 1 0 0,1-1 0 0 0,0 1-1 0 0,-1 0 1 0 0,0 0-1 0 0,1 0 1 0 0,-1 1-1 0 0,0-1 1 0 0,0 0-1 0 0,0 1 1 0 0,0 0-1 0 0,0 0 1 0 0,-5-1 0 0 0,-10-4-119 0 0,0 1 0 0 0,0 0 0 0 0,-23-2 0 0 0,22 5 118 0 0,0 1 0 0 0,-1 0 0 0 0,1 1 0 0 0,0 1 0 0 0,0 1 0 0 0,0 1-1 0 0,0 0 1 0 0,-32 11 0 0 0,44-12 0 0 0,1 0 0 0 0,0 1 0 0 0,-1 0 0 0 0,1 0 0 0 0,0 0 0 0 0,1 1 0 0 0,-1 0-1 0 0,1 0 1 0 0,-1 0 0 0 0,1 1 0 0 0,1-1 0 0 0,-1 1 0 0 0,0 0 0 0 0,1 1 0 0 0,0-1 0 0 0,1 1 0 0 0,-1 0-1 0 0,1 0 1 0 0,0 0 0 0 0,1 0 0 0 0,-1 1 0 0 0,1-1 0 0 0,0 1 0 0 0,1-1 0 0 0,-1 1 0 0 0,2 0 0 0 0,-1 12-1 0 0,1-16 9 0 0,0 0 0 0 0,0 0 0 0 0,1 1 1 0 0,-1-1-1 0 0,1 0 0 0 0,0 0 0 0 0,0 0 0 0 0,0 0 0 0 0,0 0 0 0 0,1 0 0 0 0,-1 0 0 0 0,1-1 0 0 0,0 1 0 0 0,0 0 0 0 0,0-1 0 0 0,0 1 0 0 0,0-1 0 0 0,0 0 0 0 0,1 0 0 0 0,-1 0 0 0 0,1 0 0 0 0,0 0 0 0 0,-1 0 0 0 0,1-1 0 0 0,0 1 0 0 0,0-1 0 0 0,0 0 0 0 0,0 0 0 0 0,0 0 0 0 0,0 0 0 0 0,5 0 0 0 0,12 2 68 0 0,0 0 0 0 0,0-1-1 0 0,1-2 1 0 0,20-1 0 0 0,-12 1-24 0 0,-19 0-12 0 0,0 0 0 0 0,1-1 0 0 0,-1 0 0 0 0,0-1 0 0 0,0 0 0 0 0,0 0 0 0 0,0-1-1 0 0,-1-1 1 0 0,1 1 0 0 0,-1-1 0 0 0,15-9 0 0 0,-19 9-11 0 0,0 0-1 0 0,-1 0 0 0 0,1 0 1 0 0,-1 0-1 0 0,0-1 0 0 0,-1 1 0 0 0,1-1 1 0 0,-1 0-1 0 0,0 0 0 0 0,0 0 1 0 0,0-1-1 0 0,-1 1 0 0 0,0-1 1 0 0,0 0-1 0 0,0 1 0 0 0,-1-1 1 0 0,1 0-1 0 0,-1 0 0 0 0,-1 0 1 0 0,1 0-1 0 0,-1-7 0 0 0,0 4-62 0 0,1 23-115 0 0,6 55-19 0 0,-4-56 146 0 0,0 0 0 0 0,1-1-1 0 0,1 0 1 0 0,0 0 0 0 0,1 0 0 0 0,0-1-1 0 0,1 0 1 0 0,0 0 0 0 0,1 0 0 0 0,0-1-1 0 0,0 0 1 0 0,18 15 0 0 0</inkml:trace>
-</inkml:ink>
-</file>
-
-<file path=ppt/ink/ink193.xml><?xml version="1.0" encoding="utf-8"?>
-<inkml:ink xmlns:inkml="http://www.w3.org/2003/InkML">
-  <inkml:definitions>
-    <inkml:context xml:id="ctx0">
-      <inkml:inkSource xml:id="inkSrc0">
-        <inkml:traceFormat>
-          <inkml:channel name="X" type="integer" min="-2.14748E9" max="2.14748E9" units="cm"/>
-          <inkml:channel name="Y" type="integer" min="-2.14748E9" max="2.14748E9" units="cm"/>
-          <inkml:channel name="F" type="integer" max="32767" units="dev"/>
-          <inkml:channel name="OA" type="integer" max="360" units="deg"/>
-          <inkml:channel name="OE" type="integer" max="90" units="deg"/>
-        </inkml:traceFormat>
-        <inkml:channelProperties>
-          <inkml:channelProperty channel="X" name="resolution" value="1000" units="1/cm"/>
-          <inkml:channelProperty channel="Y" name="resolution" value="1000" units="1/cm"/>
-          <inkml:channelProperty channel="F" name="resolution" value="0" units="1/dev"/>
-          <inkml:channelProperty channel="OA" name="resolution" value="1000" units="1/deg"/>
-          <inkml:channelProperty channel="OE" name="resolution" value="1000" units="1/deg"/>
-        </inkml:channelProperties>
-      </inkml:inkSource>
-      <inkml:timestamp xml:id="ts0" timeString="2023-05-24T12:28:51.881"/>
-    </inkml:context>
-    <inkml:brush xml:id="br0">
-      <inkml:brushProperty name="width" value="0.2" units="cm"/>
-      <inkml:brushProperty name="height" value="0.2" units="cm"/>
-      <inkml:brushProperty name="color" value="#008C3A"/>
-    </inkml:brush>
-  </inkml:definitions>
-  <inkml:trace contextRef="#ctx0" brushRef="#br0">0 125 7267 0 0,'0'0'3282'0'0,"7"15"-2613"0"0,21 50-290 0 0,-26-62-344 0 0,-1 0-1 0 0,1 0 0 0 0,-1 1 0 0 0,0-1 1 0 0,0 0-1 0 0,0 1 0 0 0,-1-1 1 0 0,1 1-1 0 0,-1-1 0 0 0,0 7 0 0 0,0 0 432 0 0,0-49-442 0 0,0 35-29 0 0,0-1-1 0 0,0 1 0 0 0,0-1 0 0 0,0 1 0 0 0,1-1 1 0 0,0 1-1 0 0,0 0 0 0 0,0 0 0 0 0,1-1 1 0 0,-1 1-1 0 0,1 0 0 0 0,0 0 0 0 0,0 0 0 0 0,0 0 1 0 0,1 1-1 0 0,-1-1 0 0 0,1 1 0 0 0,0-1 1 0 0,0 1-1 0 0,0 0 0 0 0,1 0 0 0 0,-1 0 0 0 0,6-3 1 0 0,21-21-178 0 0,-14 12 171 0 0,0 1 0 0 0,1 1 0 0 0,31-19 0 0 0,-41 29-18 0 0,0 0 1 0 0,0 0-1 0 0,1 0 0 0 0,-1 1 0 0 0,1 0 0 0 0,-1 0 1 0 0,1 1-1 0 0,0 0 0 0 0,0 0 0 0 0,-1 1 0 0 0,1 0 0 0 0,0 0 1 0 0,0 1-1 0 0,8 2 0 0 0,-2 0 8 0 0,-1 1-1 0 0,0 1 1 0 0,0 0-1 0 0,0 0 1 0 0,-1 2 0 0 0,0-1-1 0 0,0 2 1 0 0,0 0-1 0 0,-1 0 1 0 0,18 17 0 0 0,-24-20 23 0 0,0-1 1 0 0,0 1 0 0 0,0 1-1 0 0,-1-1 1 0 0,0 1 0 0 0,0-1 0 0 0,-1 1-1 0 0,1 0 1 0 0,-1 1 0 0 0,0-1-1 0 0,-1 0 1 0 0,0 1 0 0 0,0 0 0 0 0,0-1-1 0 0,-1 1 1 0 0,0 0 0 0 0,0 0-1 0 0,0 0 1 0 0,-1 0 0 0 0,0-1-1 0 0,-1 1 1 0 0,0 0 0 0 0,-2 11 0 0 0,2-15-78 0 0,0-1 0 0 0,0 0 1 0 0,0 0-1 0 0,0 0 0 0 0,-1 0 0 0 0,1 0 1 0 0,0 0-1 0 0,-1 0 0 0 0,0 0 1 0 0,1-1-1 0 0,-1 1 0 0 0,0-1 1 0 0,0 1-1 0 0,-2 1 0 0 0,-22 6-3948 0 0</inkml:trace>
-</inkml:ink>
-</file>
-
-<file path=ppt/ink/ink194.xml><?xml version="1.0" encoding="utf-8"?>
-<inkml:ink xmlns:inkml="http://www.w3.org/2003/InkML">
-  <inkml:definitions>
-    <inkml:context xml:id="ctx0">
-      <inkml:inkSource xml:id="inkSrc0">
-        <inkml:traceFormat>
-          <inkml:channel name="X" type="integer" min="-2.14748E9" max="2.14748E9" units="cm"/>
-          <inkml:channel name="Y" type="integer" min="-2.14748E9" max="2.14748E9" units="cm"/>
-          <inkml:channel name="F" type="integer" max="32767" units="dev"/>
-          <inkml:channel name="OA" type="integer" max="360" units="deg"/>
-          <inkml:channel name="OE" type="integer" max="90" units="deg"/>
-        </inkml:traceFormat>
-        <inkml:channelProperties>
-          <inkml:channelProperty channel="X" name="resolution" value="1000" units="1/cm"/>
-          <inkml:channelProperty channel="Y" name="resolution" value="1000" units="1/cm"/>
-          <inkml:channelProperty channel="F" name="resolution" value="0" units="1/dev"/>
-          <inkml:channelProperty channel="OA" name="resolution" value="1000" units="1/deg"/>
-          <inkml:channelProperty channel="OE" name="resolution" value="1000" units="1/deg"/>
-        </inkml:channelProperties>
-      </inkml:inkSource>
-      <inkml:timestamp xml:id="ts0" timeString="2023-05-24T12:28:52.428"/>
-    </inkml:context>
-    <inkml:brush xml:id="br0">
-      <inkml:brushProperty name="width" value="0.2" units="cm"/>
-      <inkml:brushProperty name="height" value="0.2" units="cm"/>
-      <inkml:brushProperty name="color" value="#008C3A"/>
-    </inkml:brush>
-  </inkml:definitions>
-  <inkml:trace contextRef="#ctx0" brushRef="#br0">483 3 3778 0 0,'0'0'2881'0'0,"-37"0"-2251"0"0,-117 0-73 0 0,134-2-305 0 0,-1 2-1 0 0,1 0 1 0 0,-1 2-1 0 0,0 0 1 0 0,1 1 0 0 0,-33 10-1 0 0,48-12-214 0 0,-1 1-1 0 0,0-1 1 0 0,1 1 0 0 0,-1 1 0 0 0,1-1-1 0 0,0 1 1 0 0,0 0 0 0 0,-8 6-1 0 0,11-7-29 0 0,0 0-1 0 0,0 0 0 0 0,1 1 0 0 0,-1-1 1 0 0,1 0-1 0 0,-1 0 0 0 0,1 1 0 0 0,0-1 1 0 0,0 1-1 0 0,0-1 0 0 0,0 1 0 0 0,1-1 1 0 0,-1 1-1 0 0,0 0 0 0 0,1-1 0 0 0,0 1 1 0 0,0 0-1 0 0,0 0 0 0 0,0-1 0 0 0,1 4 1 0 0,-1-3-7 0 0,1-1 0 0 0,0 0 0 0 0,0 0 1 0 0,0 1-1 0 0,0-1 0 0 0,0 0 0 0 0,0 0 1 0 0,0 0-1 0 0,1 0 0 0 0,-1 0 0 0 0,1-1 0 0 0,-1 1 1 0 0,1 0-1 0 0,0-1 0 0 0,0 1 0 0 0,0-1 1 0 0,0 0-1 0 0,4 3 0 0 0,46 20 90 0 0,-36-18-46 0 0,44 17 63 0 0,-39-15-46 0 0,0 0 0 0 0,0 1 0 0 0,-1 0 0 0 0,0 2 0 0 0,-1 1 0 0 0,20 15 0 0 0,-35-24-1 0 0,-1 0 0 0 0,0 1 0 0 0,0-1 0 0 0,0 1 0 0 0,0 0 0 0 0,-1 0 0 0 0,1 0-1 0 0,-1 1 1 0 0,0-1 0 0 0,0 0 0 0 0,-1 1 0 0 0,1-1 0 0 0,-1 1 0 0 0,0 0 0 0 0,0-1 0 0 0,-1 1 0 0 0,1 0 0 0 0,-1 0 0 0 0,0-1 0 0 0,0 1 0 0 0,-1 0 0 0 0,1 0 0 0 0,-1-1 0 0 0,0 1 0 0 0,0 0-1 0 0,-1-1 1 0 0,1 1 0 0 0,-1-1 0 0 0,0 0 0 0 0,-1 0 0 0 0,-3 7 0 0 0,-5-1 59 0 0,0-1 0 0 0,0 0 0 0 0,-1-1 0 0 0,0 0 0 0 0,0-1 0 0 0,-1 0 1 0 0,0-1-1 0 0,-26 9 0 0 0,-5-1 67 0 0,-68 12-1 0 0,99-23-166 0 0,-2 0 22 0 0,0 0 0 0 0,-30 0 0 0 0</inkml:trace>
-</inkml:ink>
-</file>
-
-<file path=ppt/ink/ink195.xml><?xml version="1.0" encoding="utf-8"?>
-<inkml:ink xmlns:inkml="http://www.w3.org/2003/InkML">
-  <inkml:definitions>
-    <inkml:context xml:id="ctx0">
-      <inkml:inkSource xml:id="inkSrc0">
-        <inkml:traceFormat>
-          <inkml:channel name="X" type="integer" min="-2.14748E9" max="2.14748E9" units="cm"/>
-          <inkml:channel name="Y" type="integer" min="-2.14748E9" max="2.14748E9" units="cm"/>
-          <inkml:channel name="F" type="integer" max="32767" units="dev"/>
-          <inkml:channel name="OA" type="integer" max="360" units="deg"/>
-          <inkml:channel name="OE" type="integer" max="90" units="deg"/>
-        </inkml:traceFormat>
-        <inkml:channelProperties>
-          <inkml:channelProperty channel="X" name="resolution" value="1000" units="1/cm"/>
-          <inkml:channelProperty channel="Y" name="resolution" value="1000" units="1/cm"/>
-          <inkml:channelProperty channel="F" name="resolution" value="0" units="1/dev"/>
-          <inkml:channelProperty channel="OA" name="resolution" value="1000" units="1/deg"/>
-          <inkml:channelProperty channel="OE" name="resolution" value="1000" units="1/deg"/>
-        </inkml:channelProperties>
-      </inkml:inkSource>
-      <inkml:timestamp xml:id="ts0" timeString="2023-05-24T12:28:53.152"/>
-    </inkml:context>
-    <inkml:brush xml:id="br0">
-      <inkml:brushProperty name="width" value="0.2" units="cm"/>
-      <inkml:brushProperty name="height" value="0.2" units="cm"/>
-      <inkml:brushProperty name="color" value="#008C3A"/>
-    </inkml:brush>
-  </inkml:definitions>
-  <inkml:trace contextRef="#ctx0" brushRef="#br0">76 66 4594 0 0,'0'0'4093'0'0,"-6"19"-3288"0"0,-55 166 1228 0 0,59-177-1993 0 0,0 0 0 0 0,0 0 0 0 0,1 0 0 0 0,0 1 0 0 0,0-1 0 0 0,2 11 0 0 0,22-24 158 0 0,-9-1-153 0 0,0-1-1 0 0,0 0 1 0 0,0-2 0 0 0,18-14 0 0 0,-17 12-29 0 0,1 0 0 0 0,28-13 0 0 0,-42 23-30 0 0,1 0 0 0 0,-1 0 1 0 0,1 0-1 0 0,-1 1 0 0 0,1 0 0 0 0,-1-1 0 0 0,1 1 0 0 0,0 0 1 0 0,-1 0-1 0 0,1 0 0 0 0,0 1 0 0 0,-1-1 0 0 0,1 1 1 0 0,-1-1-1 0 0,1 1 0 0 0,-1 0 0 0 0,1 0 0 0 0,-1 0 0 0 0,0 0 1 0 0,1 0-1 0 0,2 3 0 0 0,6 4-14 0 0,0 0 1 0 0,0 1-1 0 0,10 12 0 0 0,-14-13 36 0 0,1-1 0 0 0,-1 0-1 0 0,1 0 1 0 0,12 7 0 0 0,-15-12 9 0 0,0 0 0 0 0,1 0 1 0 0,-1 0-1 0 0,0 0 0 0 0,1-1 1 0 0,-1 0-1 0 0,0 0 0 0 0,1-1 0 0 0,-1 1 1 0 0,1-1-1 0 0,-1-1 0 0 0,1 1 1 0 0,9-2-1 0 0,-5-1 10 0 0,0 0 1 0 0,-1 0-1 0 0,1-1 1 0 0,-1 0-1 0 0,0-1 1 0 0,0 0-1 0 0,8-6 1 0 0,1-3-13 0 0,0 0 1 0 0,-1-1-1 0 0,-1-1 1 0 0,-1-1 0 0 0,0 0-1 0 0,12-19 1 0 0,-21 26 49 0 0,0 0 1 0 0,-1-1-1 0 0,0 1 1 0 0,0-1-1 0 0,-1 0 1 0 0,-1 0 0 0 0,0-1-1 0 0,-1 1 1 0 0,0-1-1 0 0,0 1 1 0 0,-1-1-1 0 0,-1 1 1 0 0,-1-19-1 0 0,1 29-147 0 0</inkml:trace>
-</inkml:ink>
-</file>
-
-<file path=ppt/ink/ink196.xml><?xml version="1.0" encoding="utf-8"?>
-<inkml:ink xmlns:inkml="http://www.w3.org/2003/InkML">
-  <inkml:definitions>
-    <inkml:context xml:id="ctx0">
-      <inkml:inkSource xml:id="inkSrc0">
-        <inkml:traceFormat>
-          <inkml:channel name="X" type="integer" min="-2.14748E9" max="2.14748E9" units="cm"/>
-          <inkml:channel name="Y" type="integer" min="-2.14748E9" max="2.14748E9" units="cm"/>
-          <inkml:channel name="F" type="integer" max="32767" units="dev"/>
-          <inkml:channel name="OA" type="integer" max="360" units="deg"/>
-          <inkml:channel name="OE" type="integer" max="90" units="deg"/>
-        </inkml:traceFormat>
-        <inkml:channelProperties>
-          <inkml:channelProperty channel="X" name="resolution" value="1000" units="1/cm"/>
-          <inkml:channelProperty channel="Y" name="resolution" value="1000" units="1/cm"/>
-          <inkml:channelProperty channel="F" name="resolution" value="0" units="1/dev"/>
-          <inkml:channelProperty channel="OA" name="resolution" value="1000" units="1/deg"/>
-          <inkml:channelProperty channel="OE" name="resolution" value="1000" units="1/deg"/>
-        </inkml:channelProperties>
-      </inkml:inkSource>
-      <inkml:timestamp xml:id="ts0" timeString="2023-05-24T12:28:53.658"/>
-    </inkml:context>
-    <inkml:brush xml:id="br0">
-      <inkml:brushProperty name="width" value="0.2" units="cm"/>
-      <inkml:brushProperty name="height" value="0.2" units="cm"/>
-      <inkml:brushProperty name="color" value="#008C3A"/>
-    </inkml:brush>
-  </inkml:definitions>
-  <inkml:trace contextRef="#ctx0" brushRef="#br0">1 213 4002 0 0,'0'0'5109'0'0,"37"-4"-4570"0"0,121-17-179 0 0,-147 20-347 0 0,0-1 1 0 0,0-1-1 0 0,0 1 0 0 0,0-2 1 0 0,0 0-1 0 0,-1 0 0 0 0,0-1 1 0 0,1 0-1 0 0,-2-1 1 0 0,1 0-1 0 0,17-15 0 0 0,-12 9-56 0 0,-11 10-39 0 0,0-1-1 0 0,0 0 1 0 0,0 1-1 0 0,0-2 0 0 0,0 1 1 0 0,-1 0-1 0 0,1-1 1 0 0,-1 0-1 0 0,0 0 1 0 0,0 0-1 0 0,-1 0 0 0 0,1 0 1 0 0,-1 0-1 0 0,0-1 1 0 0,0 1-1 0 0,0-1 0 0 0,-1 0 1 0 0,1 1-1 0 0,-1-1 1 0 0,0-7-1 0 0,-1 11 63 0 0,0 0 0 0 0,0 0 0 0 0,-1 1 0 0 0,1-1 0 0 0,0 0-1 0 0,-1 0 1 0 0,1 1 0 0 0,-1-1 0 0 0,1 0 0 0 0,-1 1 0 0 0,1-1 0 0 0,-1 1 0 0 0,0-1 0 0 0,1 1-1 0 0,-1-1 1 0 0,0 1 0 0 0,1-1 0 0 0,-1 1 0 0 0,0-1 0 0 0,0 1 0 0 0,1 0 0 0 0,-1-1-1 0 0,0 1 1 0 0,0 0 0 0 0,0 0 0 0 0,1 0 0 0 0,-1 0 0 0 0,-2 0 0 0 0,-32-4-214 0 0,24 4 197 0 0,-11-2-21 0 0,-3-1 234 0 0,0 2-1 0 0,0 0 1 0 0,0 2 0 0 0,-41 6-1 0 0,61-7-97 0 0,0 1 0 0 0,1 0 0 0 0,-1 1 0 0 0,0-1 0 0 0,1 1-1 0 0,-1 0 1 0 0,1 0 0 0 0,0 0 0 0 0,0 1 0 0 0,0-1 0 0 0,0 1 0 0 0,0 0-1 0 0,0 0 1 0 0,1 1 0 0 0,-1-1 0 0 0,1 1 0 0 0,0-1 0 0 0,0 1 0 0 0,0 0-1 0 0,1 0 1 0 0,-1 1 0 0 0,1-1 0 0 0,0 0 0 0 0,0 1 0 0 0,1-1 0 0 0,-1 1-1 0 0,1 0 1 0 0,0-1 0 0 0,0 1 0 0 0,0 8 0 0 0,1-7-47 0 0,-1-1 1 0 0,1 1-1 0 0,0-1 1 0 0,0 1-1 0 0,1 0 0 0 0,0-1 1 0 0,0 1-1 0 0,0-1 1 0 0,1 0-1 0 0,-1 1 1 0 0,1-1-1 0 0,0 0 0 0 0,1 0 1 0 0,-1 0-1 0 0,1 0 1 0 0,0 0-1 0 0,1-1 1 0 0,-1 1-1 0 0,1-1 0 0 0,0 0 1 0 0,0 0-1 0 0,0 0 1 0 0,0-1-1 0 0,1 1 0 0 0,-1-1 1 0 0,8 3-1 0 0,13 12-96 0 0,2-2 0 0 0,0-2 0 0 0,0 0-1 0 0,54 18 1 0 0,-65-28-1212 0 0,0 0 0 0 0,1-1 0 0 0,22 2 0 0 0,-5-4-3085 0 0</inkml:trace>
-</inkml:ink>
-</file>
-
-<file path=ppt/ink/ink197.xml><?xml version="1.0" encoding="utf-8"?>
-<inkml:ink xmlns:inkml="http://www.w3.org/2003/InkML">
-  <inkml:definitions>
-    <inkml:context xml:id="ctx0">
-      <inkml:inkSource xml:id="inkSrc0">
-        <inkml:traceFormat>
-          <inkml:channel name="X" type="integer" min="-2.14748E9" max="2.14748E9" units="cm"/>
-          <inkml:channel name="Y" type="integer" min="-2.14748E9" max="2.14748E9" units="cm"/>
-          <inkml:channel name="F" type="integer" max="32767" units="dev"/>
-          <inkml:channel name="OA" type="integer" max="360" units="deg"/>
-          <inkml:channel name="OE" type="integer" max="90" units="deg"/>
-        </inkml:traceFormat>
-        <inkml:channelProperties>
-          <inkml:channelProperty channel="X" name="resolution" value="1000" units="1/cm"/>
-          <inkml:channelProperty channel="Y" name="resolution" value="1000" units="1/cm"/>
-          <inkml:channelProperty channel="F" name="resolution" value="0" units="1/dev"/>
-          <inkml:channelProperty channel="OA" name="resolution" value="1000" units="1/deg"/>
-          <inkml:channelProperty channel="OE" name="resolution" value="1000" units="1/deg"/>
-        </inkml:channelProperties>
-      </inkml:inkSource>
-      <inkml:timestamp xml:id="ts0" timeString="2023-05-24T12:28:54.092"/>
-    </inkml:context>
-    <inkml:brush xml:id="br0">
-      <inkml:brushProperty name="width" value="0.2" units="cm"/>
-      <inkml:brushProperty name="height" value="0.2" units="cm"/>
-      <inkml:brushProperty name="color" value="#008C3A"/>
-    </inkml:brush>
-  </inkml:definitions>
-  <inkml:trace contextRef="#ctx0" brushRef="#br0">1 334 4002 0 0,'0'0'4797'0'0,"6"14"-4336"0"0,27 47 2902 0 0,-29-73-2693 0 0,-3-26-1168 0 0,-1 36 712 0 0,0-8-225 0 0,-2 0 0 0 0,1 0 1 0 0,-1 0-1 0 0,-1 1 0 0 0,-7-18 1 0 0,6 16 0 0 0,0 0 1 0 0,1-1 0 0 0,-4-22-1 0 0,6 25 7 0 0,0-1 0 0 0,1 0 0 0 0,0 1 1 0 0,1-1-1 0 0,0 0 0 0 0,0 0 0 0 0,4-12 0 0 0,-3 17 6 0 0,0 1-1 0 0,0-1 1 0 0,0 1-1 0 0,1-1 1 0 0,0 1 0 0 0,0 0-1 0 0,0 0 1 0 0,0 1 0 0 0,0-1-1 0 0,1 1 1 0 0,0-1-1 0 0,-1 1 1 0 0,1 0 0 0 0,1 1-1 0 0,-1-1 1 0 0,5-2 0 0 0,12-4 9 0 0,0 0 1 0 0,0 1 0 0 0,1 1 0 0 0,0 2 0 0 0,0 0 0 0 0,41-4-1 0 0,141 4-422 0 0,-146 5-147 0 0</inkml:trace>
-</inkml:ink>
-</file>
-
-<file path=ppt/ink/ink198.xml><?xml version="1.0" encoding="utf-8"?>
-<inkml:ink xmlns:inkml="http://www.w3.org/2003/InkML">
-  <inkml:definitions>
-    <inkml:context xml:id="ctx0">
-      <inkml:inkSource xml:id="inkSrc0">
-        <inkml:traceFormat>
-          <inkml:channel name="X" type="integer" min="-2.14748E9" max="2.14748E9" units="cm"/>
-          <inkml:channel name="Y" type="integer" min="-2.14748E9" max="2.14748E9" units="cm"/>
-          <inkml:channel name="F" type="integer" max="32767" units="dev"/>
-          <inkml:channel name="OA" type="integer" max="360" units="deg"/>
-          <inkml:channel name="OE" type="integer" max="90" units="deg"/>
-        </inkml:traceFormat>
-        <inkml:channelProperties>
-          <inkml:channelProperty channel="X" name="resolution" value="1000" units="1/cm"/>
-          <inkml:channelProperty channel="Y" name="resolution" value="1000" units="1/cm"/>
-          <inkml:channelProperty channel="F" name="resolution" value="0" units="1/dev"/>
-          <inkml:channelProperty channel="OA" name="resolution" value="1000" units="1/deg"/>
-          <inkml:channelProperty channel="OE" name="resolution" value="1000" units="1/deg"/>
-        </inkml:channelProperties>
-      </inkml:inkSource>
-      <inkml:timestamp xml:id="ts0" timeString="2023-05-24T12:31:07.882"/>
-    </inkml:context>
-    <inkml:brush xml:id="br0">
-      <inkml:brushProperty name="width" value="0.2" units="cm"/>
-      <inkml:brushProperty name="height" value="0.2" units="cm"/>
-      <inkml:brushProperty name="color" value="#FFC114"/>
-    </inkml:brush>
-  </inkml:definitions>
-  <inkml:trace contextRef="#ctx0" brushRef="#br0">93 37 32 0 0,'-2'-30'7702'0'0,"77"27"-7766"0"0,-40 1 29 0 0,-1 1-1 0 0,48 5 0 0 0,-69-1-51 0 0,-1 0 0 0 0,1 1 0 0 0,-1 0 0 0 0,0 1 0 0 0,0 0 0 0 0,-1 1 0 0 0,1 0 0 0 0,-1 1 0 0 0,17 14 0 0 0,-10-6-74 0 0,-1 0 0 0 0,-1 1 0 0 0,-1 1 0 0 0,23 31 0 0 0,-32-37 157 0 0,-1 0-1 0 0,0 0 1 0 0,0 1-1 0 0,-1-1 1 0 0,-1 1 0 0 0,0 0-1 0 0,0 0 1 0 0,-2 1-1 0 0,2 21 1 0 0,7 35 13 0 0,-7-46-8 0 0,-1 0 1 0 0,0 0-1 0 0,-3 36 0 0 0,0-14 0 0 0,2 43 3 0 0,-3 95 8 0 0,-1-168-20 0 0,0-1 1 0 0,-1 0 0 0 0,-11 27 0 0 0,-5 19 6 0 0,10-26 15 0 0,-1-1 0 0 0,-17 35 0 0 0,15-39 10 0 0,1 0-1 0 0,-13 54 0 0 0,16-12 3 0 0,-3 14 39 0 0,4-52-69 0 0,2 0 1 0 0,1 1-1 0 0,1-1 0 0 0,2 36 0 0 0,2-61-2 0 0,-1 2 6 0 0,1 1 0 0 0,0-1-1 0 0,0 1 1 0 0,1-1 0 0 0,1 1-1 0 0,0-1 1 0 0,0 0-1 0 0,1 1 1 0 0,0-1 0 0 0,1-1-1 0 0,5 12 1 0 0,38 68-83 0 0,-32-58 200 0 0,0-2 1 0 0,2 0-1 0 0,35 45 0 0 0,-46-66-88 0 0,1-1 1 0 0,0 0-1 0 0,1 0 0 0 0,0 0 0 0 0,0-1 0 0 0,0 0 1 0 0,1-1-1 0 0,0 0 0 0 0,0 0 0 0 0,0-1 1 0 0,0 0-1 0 0,1-1 0 0 0,0 0 0 0 0,0 0 0 0 0,0-1 1 0 0,15 1-1 0 0,-5-1 35 0 0,121 13 11 0 0,-44 5-9 0 0,-111-23 887 0 0,-14 2-394 0 0,-52 3-1590 0 0,42 0 508 0 0,9-2-14 0 0,19-1 465 0 0,0 1 0 0 0,0 0 0 0 0,0 0 0 0 0,1 1 0 0 0,-1 1 0 0 0,0-1 0 0 0,0 1 0 0 0,1 1 0 0 0,-13 5 0 0 0,17-4 55 0 0,1 0 1 0 0,-1 0-1 0 0,1 1 1 0 0,0-1-1 0 0,1 1 0 0 0,-1 0 1 0 0,1 0-1 0 0,-5 11 1 0 0,-20 26 50 0 0,7-21-28 0 0,1 1-1 0 0,1 1 1 0 0,1 1 0 0 0,-15 27-1 0 0,25-38 17 0 0,2 1-1 0 0,0 0 0 0 0,0 0 0 0 0,2 1 0 0 0,-1-1 1 0 0,2 1-1 0 0,0 0 0 0 0,1 0 0 0 0,-1 29 0 0 0,1 89 38 0 0,5 152-11 0 0,2-263-52 0 0,1 0 1 0 0,1 0-1 0 0,1-1 1 0 0,1 0-1 0 0,1 0 1 0 0,1-1-1 0 0,23 34 0 0 0,-9-14-23 0 0,-5-5 51 0 0,31 75 0 0 0,-44-92-21 0 0,-1 0 0 0 0,-1 1 0 0 0,-1 0 0 0 0,-1 0 0 0 0,0 0 0 0 0,-1 25 0 0 0,0 22 17 0 0,0-29-12 0 0,-2-1-1 0 0,-7 63 1 0 0,5-90-10 0 0,0 1-1 0 0,0 0 1 0 0,-1-1 0 0 0,0 1-1 0 0,0-1 1 0 0,-1 0 0 0 0,-1 0 0 0 0,0 0-1 0 0,0-1 1 0 0,0 1 0 0 0,-1-1-1 0 0,0 0 1 0 0,-1-1 0 0 0,-12 12-1 0 0,-34 21 292 0 0,-1-3-1 0 0,-2-2 0 0 0,-86 39 0 0 0,113-62-379 0 0,0-2-1 0 0,-1 0 1 0 0,0-2 0 0 0,-1-2-1 0 0,0-1 1 0 0,1-1 0 0 0,-2-1 0 0 0,-39-2-1 0 0,66-4-892 0 0</inkml:trace>
-</inkml:ink>
-</file>
-
-<file path=ppt/ink/ink199.xml><?xml version="1.0" encoding="utf-8"?>
-<inkml:ink xmlns:inkml="http://www.w3.org/2003/InkML">
-  <inkml:definitions>
-    <inkml:context xml:id="ctx0">
-      <inkml:inkSource xml:id="inkSrc0">
-        <inkml:traceFormat>
-          <inkml:channel name="X" type="integer" min="-2.14748E9" max="2.14748E9" units="cm"/>
-          <inkml:channel name="Y" type="integer" min="-2.14748E9" max="2.14748E9" units="cm"/>
-          <inkml:channel name="F" type="integer" max="32767" units="dev"/>
-          <inkml:channel name="OA" type="integer" max="360" units="deg"/>
-          <inkml:channel name="OE" type="integer" max="90" units="deg"/>
-        </inkml:traceFormat>
-        <inkml:channelProperties>
-          <inkml:channelProperty channel="X" name="resolution" value="1000" units="1/cm"/>
-          <inkml:channelProperty channel="Y" name="resolution" value="1000" units="1/cm"/>
-          <inkml:channelProperty channel="F" name="resolution" value="0" units="1/dev"/>
-          <inkml:channelProperty channel="OA" name="resolution" value="1000" units="1/deg"/>
-          <inkml:channelProperty channel="OE" name="resolution" value="1000" units="1/deg"/>
-        </inkml:channelProperties>
-      </inkml:inkSource>
-      <inkml:timestamp xml:id="ts0" timeString="2023-05-24T12:31:09.202"/>
-    </inkml:context>
-    <inkml:brush xml:id="br0">
-      <inkml:brushProperty name="width" value="0.2" units="cm"/>
-      <inkml:brushProperty name="height" value="0.2" units="cm"/>
-      <inkml:brushProperty name="color" value="#FFC114"/>
-    </inkml:brush>
-  </inkml:definitions>
-  <inkml:trace contextRef="#ctx0" brushRef="#br0">1 1 3169 0 0,'0'6'932'0'0,"1"35"2282"0"0,-1-33-3149 0 0,1-1-1 0 0,1 1 0 0 0,-1-1 0 0 0,1 1 0 0 0,6 13 0 0 0,41 107 986 0 0,14 30-566 0 0,-56-141-344 0 0,11 26-175 0 0,-17-42 93 0 0,-1 1-1 0 0,1-1 1 0 0,0 1 0 0 0,0-1-1 0 0,-1 0 1 0 0,1 1-1 0 0,0-1 1 0 0,0 0 0 0 0,0 0-1 0 0,1 0 1 0 0,-1 1-1 0 0,0-1 1 0 0,0 0 0 0 0,0-1-1 0 0,1 1 1 0 0,-1 0-1 0 0,1 0 1 0 0,-1-1 0 0 0,0 1-1 0 0,3 0 1 0 0,-2-2 67 0 0,0 0 0 0 0,0-1 0 0 0,0 1 0 0 0,0-1 0 0 0,0 0 0 0 0,0 1 0 0 0,0-1 0 0 0,-1 0 0 0 0,1 0 0 0 0,-1 0 0 0 0,1 0 0 0 0,-1-1 0 0 0,0 1 0 0 0,0 0 0 0 0,2-5 0 0 0,3-4 145 0 0,-2 4-258 0 0,41-68 37 0 0,65-81-1 0 0,-93 135-126 0 0,2 0-1 0 0,0 2 1 0 0,1 0-1 0 0,1 1 1 0 0,0 1-1 0 0,1 0 1 0 0,1 2-1 0 0,29-14 1 0 0,-44 26-717 0 0,0 0 0 0 0,0 1 1 0 0,0 0-1 0 0,1 0 0 0 0,-1 1 1 0 0,1 0-1 0 0,9 1 1 0 0,-16-1 454 0 0,13 0-2816 0 0</inkml:trace>
-</inkml:ink>
-</file>
-
-<file path=ppt/ink/ink2.xml><?xml version="1.0" encoding="utf-8"?>
-<inkml:ink xmlns:inkml="http://www.w3.org/2003/InkML">
-  <inkml:definitions>
-    <inkml:context xml:id="ctx0">
-      <inkml:inkSource xml:id="inkSrc0">
-        <inkml:traceFormat>
-          <inkml:channel name="X" type="integer" min="-2.14748E9" max="2.14748E9" units="cm"/>
-          <inkml:channel name="Y" type="integer" min="-2.14748E9" max="2.14748E9" units="cm"/>
-          <inkml:channel name="F" type="integer" max="32767" units="dev"/>
-          <inkml:channel name="OA" type="integer" max="360" units="deg"/>
-          <inkml:channel name="OE" type="integer" max="90" units="deg"/>
-        </inkml:traceFormat>
-        <inkml:channelProperties>
-          <inkml:channelProperty channel="X" name="resolution" value="1000" units="1/cm"/>
-          <inkml:channelProperty channel="Y" name="resolution" value="1000" units="1/cm"/>
-          <inkml:channelProperty channel="F" name="resolution" value="0" units="1/dev"/>
-          <inkml:channelProperty channel="OA" name="resolution" value="1000" units="1/deg"/>
-          <inkml:channelProperty channel="OE" name="resolution" value="1000" units="1/deg"/>
-        </inkml:channelProperties>
-      </inkml:inkSource>
-      <inkml:timestamp xml:id="ts0" timeString="2023-05-24T12:34:37.760"/>
-    </inkml:context>
-    <inkml:brush xml:id="br0">
-      <inkml:brushProperty name="width" value="0.2" units="cm"/>
-      <inkml:brushProperty name="height" value="0.2" units="cm"/>
-    </inkml:brush>
-  </inkml:definitions>
-  <inkml:trace contextRef="#ctx0" brushRef="#br0">377 0 3217 0 0,'0'0'2599'0'0,"-40"0"1859"0"0,5 3-4405 0 0,0 1-1 0 0,0 2 1 0 0,-65 20 0 0 0,-5 0 350 0 0,78-20 271 0 0,67-27-439 0 0,-36 19-255 0 0,0 0-1 0 0,0 1 0 0 0,1-1 0 0 0,-1 1 1 0 0,1 0-1 0 0,-1 0 0 0 0,1 0 0 0 0,-1 1 0 0 0,1-1 1 0 0,0 1-1 0 0,-1 1 0 0 0,5-1 0 0 0,56 11-23 0 0,-53-6 17 0 0,-1 0 0 0 0,1 1 0 0 0,-1 0 0 0 0,-1 1 0 0 0,1 1 0 0 0,-1-1 0 0 0,0 1 0 0 0,-1 1 0 0 0,0 0 0 0 0,13 16 0 0 0,-11-11 36 0 0,0 2 0 0 0,-1-1-1 0 0,0 1 1 0 0,-2 1 0 0 0,0 0 0 0 0,9 26 0 0 0,-10-25 42 0 0,1 16-1033 0 0</inkml:trace>
-</inkml:ink>
-</file>
-
-<file path=ppt/ink/ink20.xml><?xml version="1.0" encoding="utf-8"?>
+<file path=ppt/ink/ink38.xml><?xml version="1.0" encoding="utf-8"?>
 <inkml:ink xmlns:inkml="http://www.w3.org/2003/InkML">
   <inkml:definitions>
     <inkml:context xml:id="ctx0">
@@ -3720,327 +5665,7 @@
 </inkml:ink>
 </file>
 
-<file path=ppt/ink/ink200.xml><?xml version="1.0" encoding="utf-8"?>
-<inkml:ink xmlns:inkml="http://www.w3.org/2003/InkML">
-  <inkml:definitions>
-    <inkml:context xml:id="ctx0">
-      <inkml:inkSource xml:id="inkSrc0">
-        <inkml:traceFormat>
-          <inkml:channel name="X" type="integer" min="-2.14748E9" max="2.14748E9" units="cm"/>
-          <inkml:channel name="Y" type="integer" min="-2.14748E9" max="2.14748E9" units="cm"/>
-          <inkml:channel name="F" type="integer" max="32767" units="dev"/>
-          <inkml:channel name="OA" type="integer" max="360" units="deg"/>
-          <inkml:channel name="OE" type="integer" max="90" units="deg"/>
-        </inkml:traceFormat>
-        <inkml:channelProperties>
-          <inkml:channelProperty channel="X" name="resolution" value="1000" units="1/cm"/>
-          <inkml:channelProperty channel="Y" name="resolution" value="1000" units="1/cm"/>
-          <inkml:channelProperty channel="F" name="resolution" value="0" units="1/dev"/>
-          <inkml:channelProperty channel="OA" name="resolution" value="1000" units="1/deg"/>
-          <inkml:channelProperty channel="OE" name="resolution" value="1000" units="1/deg"/>
-        </inkml:channelProperties>
-      </inkml:inkSource>
-      <inkml:timestamp xml:id="ts0" timeString="2023-05-24T12:31:09.722"/>
-    </inkml:context>
-    <inkml:brush xml:id="br0">
-      <inkml:brushProperty name="width" value="0.2" units="cm"/>
-      <inkml:brushProperty name="height" value="0.2" units="cm"/>
-      <inkml:brushProperty name="color" value="#FFC114"/>
-    </inkml:brush>
-  </inkml:definitions>
-  <inkml:trace contextRef="#ctx0" brushRef="#br0">0 199 2385 0 0,'0'0'2607'0'0,"33"4"-2442"0"0,105 12-80 0 0,-127-15-133 0 0,0 0-1 0 0,1-1 1 0 0,-1-1-1 0 0,0 0 1 0 0,0 0-1 0 0,0-1 1 0 0,0 0-1 0 0,0-1 1 0 0,-1 0-1 0 0,1-1 1 0 0,13-7-1 0 0,-19 8 27 0 0,1 0 0 0 0,-1 0 0 0 0,0-1 0 0 0,-1 0 0 0 0,1 1 0 0 0,-1-2 0 0 0,1 1 0 0 0,-1-1 0 0 0,0 1 0 0 0,-1-1 0 0 0,1 0 0 0 0,-1 0 0 0 0,0-1-1 0 0,-1 1 1 0 0,1-1 0 0 0,-1 1 0 0 0,3-12 0 0 0,-3-43 4960 0 0,-2 35-3473 0 0,-1 24-1461 0 0,1 0-1 0 0,0 1 1 0 0,-1-1 0 0 0,1 0-1 0 0,-1 0 1 0 0,1 0-1 0 0,-1 0 1 0 0,1 1 0 0 0,-1-1-1 0 0,0 0 1 0 0,1 1-1 0 0,-1-1 1 0 0,0 0 0 0 0,1 1-1 0 0,-1-1 1 0 0,0 1-1 0 0,0-1 1 0 0,0 1 0 0 0,0 0-1 0 0,1-1 1 0 0,-1 1-1 0 0,0 0 1 0 0,0-1 0 0 0,0 1-1 0 0,0 0 1 0 0,0 0-1 0 0,0 0 1 0 0,0 0 0 0 0,0 0-1 0 0,-1 0 1 0 0,-38-1-59 0 0,31 1 68 0 0,3 1-29 0 0,0-1 1 0 0,0 1-1 0 0,1 1 1 0 0,-1-1-1 0 0,0 1 0 0 0,1-1 1 0 0,-1 2-1 0 0,1-1 1 0 0,0 0-1 0 0,0 1 1 0 0,0 0-1 0 0,0 1 1 0 0,0-1-1 0 0,1 1 1 0 0,-1 0-1 0 0,1 0 1 0 0,0 0-1 0 0,0 0 1 0 0,1 1-1 0 0,-1-1 1 0 0,1 1-1 0 0,0 0 1 0 0,0 0-1 0 0,1 1 1 0 0,-1-1-1 0 0,-2 9 1 0 0,-1 6-4 0 0,0-1 0 0 0,1 1 1 0 0,1 0-1 0 0,0 0 0 0 0,2 0 1 0 0,0 30-1 0 0,2-41 23 0 0,1 0 0 0 0,0-1 0 0 0,1 1 0 0 0,0 0-1 0 0,0-1 1 0 0,1 1 0 0 0,0-1 0 0 0,0 1 0 0 0,1-1 0 0 0,0 0 0 0 0,0-1 0 0 0,1 1-1 0 0,0-1 1 0 0,0 0 0 0 0,1 0 0 0 0,0 0 0 0 0,0-1 0 0 0,1 0 0 0 0,0 0 0 0 0,0-1-1 0 0,0 0 1 0 0,1 0 0 0 0,-1 0 0 0 0,1-1 0 0 0,0-1 0 0 0,0 1 0 0 0,1-1 0 0 0,-1 0 0 0 0,1-1-1 0 0,0 0 1 0 0,-1 0 0 0 0,11 0 0 0 0,-7-1-258 0 0,0 1-1 0 0,1-2 1 0 0,-1 0-1 0 0,1 0 1 0 0,-1-1-1 0 0,0-1 1 0 0,21-4-1 0 0,20-22-3013 0 0</inkml:trace>
-</inkml:ink>
-</file>
-
-<file path=ppt/ink/ink201.xml><?xml version="1.0" encoding="utf-8"?>
-<inkml:ink xmlns:inkml="http://www.w3.org/2003/InkML">
-  <inkml:definitions>
-    <inkml:context xml:id="ctx0">
-      <inkml:inkSource xml:id="inkSrc0">
-        <inkml:traceFormat>
-          <inkml:channel name="X" type="integer" min="-2.14748E9" max="2.14748E9" units="cm"/>
-          <inkml:channel name="Y" type="integer" min="-2.14748E9" max="2.14748E9" units="cm"/>
-          <inkml:channel name="F" type="integer" max="32767" units="dev"/>
-          <inkml:channel name="OA" type="integer" max="360" units="deg"/>
-          <inkml:channel name="OE" type="integer" max="90" units="deg"/>
-        </inkml:traceFormat>
-        <inkml:channelProperties>
-          <inkml:channelProperty channel="X" name="resolution" value="1000" units="1/cm"/>
-          <inkml:channelProperty channel="Y" name="resolution" value="1000" units="1/cm"/>
-          <inkml:channelProperty channel="F" name="resolution" value="0" units="1/dev"/>
-          <inkml:channelProperty channel="OA" name="resolution" value="1000" units="1/deg"/>
-          <inkml:channelProperty channel="OE" name="resolution" value="1000" units="1/deg"/>
-        </inkml:channelProperties>
-      </inkml:inkSource>
-      <inkml:timestamp xml:id="ts0" timeString="2023-05-24T12:31:10.158"/>
-    </inkml:context>
-    <inkml:brush xml:id="br0">
-      <inkml:brushProperty name="width" value="0.2" units="cm"/>
-      <inkml:brushProperty name="height" value="0.2" units="cm"/>
-      <inkml:brushProperty name="color" value="#FFC114"/>
-    </inkml:brush>
-  </inkml:definitions>
-  <inkml:trace contextRef="#ctx0" brushRef="#br0">64 377 6115 0 0,'0'0'2652'0'0,"3"7"-2554"0"0,5 18 236 0 0,-25-42 520 0 0,7 3-691 0 0,0-1-1 0 0,-14-27 1 0 0,22 36-174 0 0,0 1 0 0 0,0-1 0 0 0,0 0 0 0 0,0 0 1 0 0,1 0-1 0 0,0 0 0 0 0,0 0 0 0 0,1-1 0 0 0,-1 1 0 0 0,2 0 1 0 0,-1 0-1 0 0,0 0 0 0 0,1 0 0 0 0,0 0 0 0 0,1 0 0 0 0,0 0 0 0 0,-1 0 1 0 0,2 0-1 0 0,-1 0 0 0 0,1 1 0 0 0,0-1 0 0 0,0 1 0 0 0,0 0 1 0 0,1 0-1 0 0,0 0 0 0 0,0 0 0 0 0,0 1 0 0 0,0-1 0 0 0,1 1 1 0 0,7-5-1 0 0,14-6 27 0 0,1 1-1 0 0,1 2 1 0 0,0 0 0 0 0,46-11 0 0 0,123-19-1671 0 0,-91 22-2945 0 0,-81 15 1163 0 0</inkml:trace>
-</inkml:ink>
-</file>
-
-<file path=ppt/ink/ink202.xml><?xml version="1.0" encoding="utf-8"?>
-<inkml:ink xmlns:inkml="http://www.w3.org/2003/InkML">
-  <inkml:definitions>
-    <inkml:context xml:id="ctx0">
-      <inkml:inkSource xml:id="inkSrc0">
-        <inkml:traceFormat>
-          <inkml:channel name="X" type="integer" min="-2.14748E9" max="2.14748E9" units="cm"/>
-          <inkml:channel name="Y" type="integer" min="-2.14748E9" max="2.14748E9" units="cm"/>
-          <inkml:channel name="F" type="integer" max="32767" units="dev"/>
-          <inkml:channel name="OA" type="integer" max="360" units="deg"/>
-          <inkml:channel name="OE" type="integer" max="90" units="deg"/>
-        </inkml:traceFormat>
-        <inkml:channelProperties>
-          <inkml:channelProperty channel="X" name="resolution" value="1000" units="1/cm"/>
-          <inkml:channelProperty channel="Y" name="resolution" value="1000" units="1/cm"/>
-          <inkml:channelProperty channel="F" name="resolution" value="0" units="1/dev"/>
-          <inkml:channelProperty channel="OA" name="resolution" value="1000" units="1/deg"/>
-          <inkml:channelProperty channel="OE" name="resolution" value="1000" units="1/deg"/>
-        </inkml:channelProperties>
-      </inkml:inkSource>
-      <inkml:timestamp xml:id="ts0" timeString="2023-05-24T12:31:10.675"/>
-    </inkml:context>
-    <inkml:brush xml:id="br0">
-      <inkml:brushProperty name="width" value="0.2" units="cm"/>
-      <inkml:brushProperty name="height" value="0.2" units="cm"/>
-      <inkml:brushProperty name="color" value="#FFC114"/>
-    </inkml:brush>
-  </inkml:definitions>
-  <inkml:trace contextRef="#ctx0" brushRef="#br0">268 14 4882 0 0,'0'0'3706'0'0,"16"18"-3170"0"0,49 56-394 0 0,-62-71-123 0 0,0 0 0 0 0,0 0 0 0 0,0 0 0 0 0,0 0 1 0 0,0-1-1 0 0,1 0 0 0 0,-1 1 0 0 0,1-1 1 0 0,-1 0-1 0 0,1-1 0 0 0,0 1 0 0 0,0-1 0 0 0,7 2 1 0 0,-9-2-40 0 0,1-1 0 0 0,0 0 1 0 0,0 0-1 0 0,0-1 1 0 0,-1 1-1 0 0,1 0 1 0 0,0-1-1 0 0,0 0 0 0 0,-1 1 1 0 0,1-1-1 0 0,0 0 1 0 0,-1-1-1 0 0,1 1 0 0 0,-1 0 1 0 0,4-3-1 0 0,2-3-151 0 0,1-1 0 0 0,-1-1 1 0 0,0 1-1 0 0,-1-1 0 0 0,0 0 0 0 0,11-21 0 0 0,-10 17 8 0 0,-6 11 151 0 0,20-27 52 0 0,-21 29-40 0 0,-1-1 0 0 0,0 1 1 0 0,0 0-1 0 0,0 0 0 0 0,1 0 1 0 0,-1-1-1 0 0,0 1 0 0 0,0 0 1 0 0,0 0-1 0 0,1 0 0 0 0,-1 0 1 0 0,0 0-1 0 0,0 0 0 0 0,1-1 0 0 0,-1 1 1 0 0,0 0-1 0 0,0 0 0 0 0,1 0 1 0 0,-1 0-1 0 0,0 0 0 0 0,1 0 1 0 0,-1 0-1 0 0,0 0 0 0 0,0 0 1 0 0,1 0-1 0 0,-1 0 0 0 0,0 0 1 0 0,0 1-1 0 0,1-1 0 0 0,-1 0 1 0 0,0 0-1 0 0,0 0 0 0 0,1 0 1 0 0,-1 0-1 0 0,0 0 0 0 0,1 1 0 0 0,2 19-145 0 0,-2 10 613 0 0,-1-6 67 0 0,0 1 1 0 0,-6 33-1 0 0,5-49-450 0 0,-1-1 1 0 0,0 0-1 0 0,-1 0 1 0 0,0 0-1 0 0,0 0 1 0 0,-1-1-1 0 0,0 1 1 0 0,0-1-1 0 0,0 0 1 0 0,-11 12-1 0 0,-6 3 98 0 0,-1-2-1 0 0,-1-1 1 0 0,0 0 0 0 0,-1-2-1 0 0,-2 0 1 0 0,1-2-1 0 0,-35 15 1 0 0,18-12-94 0 0,-1-1 0 0 0,-1-3 0 0 0,-90 19 0 0 0,111-31-4112 0 0</inkml:trace>
-</inkml:ink>
-</file>
-
-<file path=ppt/ink/ink203.xml><?xml version="1.0" encoding="utf-8"?>
-<inkml:ink xmlns:inkml="http://www.w3.org/2003/InkML">
-  <inkml:definitions>
-    <inkml:context xml:id="ctx0">
-      <inkml:inkSource xml:id="inkSrc0">
-        <inkml:traceFormat>
-          <inkml:channel name="X" type="integer" min="-2.14748E9" max="2.14748E9" units="cm"/>
-          <inkml:channel name="Y" type="integer" min="-2.14748E9" max="2.14748E9" units="cm"/>
-          <inkml:channel name="F" type="integer" max="32767" units="dev"/>
-          <inkml:channel name="OA" type="integer" max="360" units="deg"/>
-          <inkml:channel name="OE" type="integer" max="90" units="deg"/>
-        </inkml:traceFormat>
-        <inkml:channelProperties>
-          <inkml:channelProperty channel="X" name="resolution" value="1000" units="1/cm"/>
-          <inkml:channelProperty channel="Y" name="resolution" value="1000" units="1/cm"/>
-          <inkml:channelProperty channel="F" name="resolution" value="0" units="1/dev"/>
-          <inkml:channelProperty channel="OA" name="resolution" value="1000" units="1/deg"/>
-          <inkml:channelProperty channel="OE" name="resolution" value="1000" units="1/deg"/>
-        </inkml:channelProperties>
-      </inkml:inkSource>
-      <inkml:timestamp xml:id="ts0" timeString="2023-05-24T12:31:11.424"/>
-    </inkml:context>
-    <inkml:brush xml:id="br0">
-      <inkml:brushProperty name="width" value="0.2" units="cm"/>
-      <inkml:brushProperty name="height" value="0.2" units="cm"/>
-      <inkml:brushProperty name="color" value="#FFC114"/>
-    </inkml:brush>
-  </inkml:definitions>
-  <inkml:trace contextRef="#ctx0" brushRef="#br0">244 1 3634 0 0,'0'0'2574'0'0,"-13"19"-1392"0"0,-42 64-427 0 0,50-73-640 0 0,1-1-1 0 0,-1 1 1 0 0,2 0-1 0 0,-1 0 1 0 0,1 0-1 0 0,1 0 1 0 0,0 1-1 0 0,0-1 1 0 0,1 1-1 0 0,0 0 1 0 0,1-1-1 0 0,1 16 0 0 0,-1 22 234 0 0,-4-1-65 0 0,-3 0 0 0 0,-22 83 1 0 0,-42 85-249 0 0,55-170 32 0 0,0 21-962 0 0,15-37-3620 0 0</inkml:trace>
-</inkml:ink>
-</file>
-
-<file path=ppt/ink/ink204.xml><?xml version="1.0" encoding="utf-8"?>
-<inkml:ink xmlns:inkml="http://www.w3.org/2003/InkML">
-  <inkml:definitions>
-    <inkml:context xml:id="ctx0">
-      <inkml:inkSource xml:id="inkSrc0">
-        <inkml:traceFormat>
-          <inkml:channel name="X" type="integer" min="-2.14748E9" max="2.14748E9" units="cm"/>
-          <inkml:channel name="Y" type="integer" min="-2.14748E9" max="2.14748E9" units="cm"/>
-          <inkml:channel name="F" type="integer" max="32767" units="dev"/>
-          <inkml:channel name="OA" type="integer" max="360" units="deg"/>
-          <inkml:channel name="OE" type="integer" max="90" units="deg"/>
-        </inkml:traceFormat>
-        <inkml:channelProperties>
-          <inkml:channelProperty channel="X" name="resolution" value="1000" units="1/cm"/>
-          <inkml:channelProperty channel="Y" name="resolution" value="1000" units="1/cm"/>
-          <inkml:channelProperty channel="F" name="resolution" value="0" units="1/dev"/>
-          <inkml:channelProperty channel="OA" name="resolution" value="1000" units="1/deg"/>
-          <inkml:channelProperty channel="OE" name="resolution" value="1000" units="1/deg"/>
-        </inkml:channelProperties>
-      </inkml:inkSource>
-      <inkml:timestamp xml:id="ts0" timeString="2023-05-24T12:31:11.926"/>
-    </inkml:context>
-    <inkml:brush xml:id="br0">
-      <inkml:brushProperty name="width" value="0.2" units="cm"/>
-      <inkml:brushProperty name="height" value="0.2" units="cm"/>
-      <inkml:brushProperty name="color" value="#FFC114"/>
-    </inkml:brush>
-  </inkml:definitions>
-  <inkml:trace contextRef="#ctx0" brushRef="#br0">154 1 2993 0 0,'0'0'3634'0'0,"-23"12"-2986"0"0,-72 40 158 0 0,93-50-740 0 0,-1-1 0 0 0,1 1 0 0 0,0-1 1 0 0,-1 1-1 0 0,1 0 0 0 0,0 0 0 0 0,0 0 0 0 0,0 0 0 0 0,0 1 0 0 0,1-1 1 0 0,-1 0-1 0 0,1 1 0 0 0,-1 0 0 0 0,1-1 0 0 0,0 1 0 0 0,0-1 0 0 0,0 1 0 0 0,0 0 1 0 0,0 0-1 0 0,1 0 0 0 0,-1 0 0 0 0,1-1 0 0 0,0 1 0 0 0,0 0 0 0 0,0 0 1 0 0,0 0-1 0 0,0 0 0 0 0,2 4 0 0 0,-1 8 345 0 0,-1-13-391 0 0,0-1 0 0 0,1 0-1 0 0,-1 1 1 0 0,0-1 0 0 0,1 1 0 0 0,-1-1 0 0 0,1 0-1 0 0,0 0 1 0 0,-1 1 0 0 0,1-1 0 0 0,0 0-1 0 0,0 0 1 0 0,0 0 0 0 0,-1 0 0 0 0,1 0 0 0 0,0 0-1 0 0,1 0 1 0 0,-1 0 0 0 0,0 0 0 0 0,0 0-1 0 0,0-1 1 0 0,0 1 0 0 0,1 0 0 0 0,-1-1 0 0 0,0 1-1 0 0,1-1 1 0 0,-1 1 0 0 0,0-1 0 0 0,1 0-1 0 0,-1 0 1 0 0,1 1 0 0 0,1-1 0 0 0,54 0 186 0 0,-47 0-115 0 0,-1-1-71 0 0,0 0 1 0 0,-1-1-1 0 0,1 1 1 0 0,0-2-1 0 0,-1 1 1 0 0,1-1 0 0 0,-1-1-1 0 0,0 0 1 0 0,0 0-1 0 0,0 0 1 0 0,0-1-1 0 0,11-10 1 0 0,-18 15-27 0 0,-1-1 0 0 0,1 1 0 0 0,-1-1 0 0 0,1 1 0 0 0,-1-1 0 0 0,1 1 0 0 0,0-1 0 0 0,-1 1 0 0 0,1-1 0 0 0,0 1 0 0 0,-1 0 0 0 0,1-1 0 0 0,0 1 0 0 0,0 0 0 0 0,-1 0 0 0 0,1-1 0 0 0,0 1 0 0 0,0 0 0 0 0,-1 0 0 0 0,1 0 0 0 0,0 0 0 0 0,0 0 0 0 0,0 0 0 0 0,-1 0 0 0 0,1 0 0 0 0,0 1 0 0 0,0-1 0 0 0,-1 0 0 0 0,1 0 0 0 0,0 1 0 0 0,-1-1 0 0 0,1 0 0 0 0,0 1 0 0 0,0-1 0 0 0,-1 1 0 0 0,1-1 0 0 0,-1 1 0 0 0,2 0 0 0 0,13 32-618 0 0,-7-13 540 0 0,0-4 136 0 0,1 0 0 0 0,1-1 1 0 0,0 0-1 0 0,16 18 0 0 0,-22-28-216 0 0,1 0-1 0 0,0-1 0 0 0,0 1 0 0 0,1-1 1 0 0,-1 0-1 0 0,1 0 0 0 0,0-1 1 0 0,0 1-1 0 0,1-1 0 0 0,-1-1 1 0 0,0 1-1 0 0,1-1 0 0 0,0 0 1 0 0,8 1-1 0 0,23-1-2901 0 0</inkml:trace>
-</inkml:ink>
-</file>
-
-<file path=ppt/ink/ink205.xml><?xml version="1.0" encoding="utf-8"?>
-<inkml:ink xmlns:inkml="http://www.w3.org/2003/InkML">
-  <inkml:definitions>
-    <inkml:context xml:id="ctx0">
-      <inkml:inkSource xml:id="inkSrc0">
-        <inkml:traceFormat>
-          <inkml:channel name="X" type="integer" min="-2.14748E9" max="2.14748E9" units="cm"/>
-          <inkml:channel name="Y" type="integer" min="-2.14748E9" max="2.14748E9" units="cm"/>
-          <inkml:channel name="F" type="integer" max="32767" units="dev"/>
-          <inkml:channel name="OA" type="integer" max="360" units="deg"/>
-          <inkml:channel name="OE" type="integer" max="90" units="deg"/>
-        </inkml:traceFormat>
-        <inkml:channelProperties>
-          <inkml:channelProperty channel="X" name="resolution" value="1000" units="1/cm"/>
-          <inkml:channelProperty channel="Y" name="resolution" value="1000" units="1/cm"/>
-          <inkml:channelProperty channel="F" name="resolution" value="0" units="1/dev"/>
-          <inkml:channelProperty channel="OA" name="resolution" value="1000" units="1/deg"/>
-          <inkml:channelProperty channel="OE" name="resolution" value="1000" units="1/deg"/>
-        </inkml:channelProperties>
-      </inkml:inkSource>
-      <inkml:timestamp xml:id="ts0" timeString="2023-05-24T12:31:12.279"/>
-    </inkml:context>
-    <inkml:brush xml:id="br0">
-      <inkml:brushProperty name="width" value="0.2" units="cm"/>
-      <inkml:brushProperty name="height" value="0.2" units="cm"/>
-      <inkml:brushProperty name="color" value="#FFC114"/>
-    </inkml:brush>
-  </inkml:definitions>
-  <inkml:trace contextRef="#ctx0" brushRef="#br0">0 414 3153 0 0,'0'0'3613'0'0,"18"-8"-3384"0"0,-8 4-226 0 0,0 0-13 0 0,1 0-1 0 0,-1-1 1 0 0,-1 0-1 0 0,1 0 1 0 0,0-1-1 0 0,-1 0 1 0 0,0-1-1 0 0,-1 0 1 0 0,0 0-1 0 0,0-1 1 0 0,9-11-1 0 0,-14 13 126 0 0,-1 0-1 0 0,0-1 0 0 0,0 1 1 0 0,-1 0-1 0 0,0-1 0 0 0,0 1 0 0 0,0-1 1 0 0,-1 1-1 0 0,0-1 0 0 0,0 0 0 0 0,-1 1 1 0 0,0-1-1 0 0,0 1 0 0 0,-1-1 0 0 0,1 1 1 0 0,-1 0-1 0 0,-1 0 0 0 0,1 0 0 0 0,-1 0 1 0 0,0 0-1 0 0,0 0 0 0 0,-8-9 0 0 0,3 4 267 0 0,0 0 1 0 0,0 0-1 0 0,1-1 0 0 0,-7-16 0 0 0,13 26-350 0 0,0 1 0 0 0,0-1-1 0 0,0 0 1 0 0,1 1 0 0 0,-1-1 0 0 0,0 0 0 0 0,1 0 0 0 0,-1 0 0 0 0,1 0-1 0 0,0 0 1 0 0,-1 0 0 0 0,1 0 0 0 0,0 0 0 0 0,0 0 0 0 0,0 1 0 0 0,1-1-1 0 0,-1 0 1 0 0,0 0 0 0 0,1 0 0 0 0,-1 0 0 0 0,1 0 0 0 0,0 0 0 0 0,0 1-1 0 0,0-1 1 0 0,-1 0 0 0 0,2 0 0 0 0,-1 1 0 0 0,0-1 0 0 0,0 1 0 0 0,0-1-1 0 0,1 1 1 0 0,-1 0 0 0 0,1-1 0 0 0,-1 1 0 0 0,1 0 0 0 0,-1 0 0 0 0,1 0-1 0 0,0 0 1 0 0,-1 0 0 0 0,1 0 0 0 0,3 0 0 0 0,34-7-168 0 0,1 1 1 0 0,0 2-1 0 0,0 2 1 0 0,0 2-1 0 0,49 5 1 0 0,-4-2-1086 0 0,-15-2-987 0 0,-17 0-752 0 0</inkml:trace>
-</inkml:ink>
-</file>
-
-<file path=ppt/ink/ink206.xml><?xml version="1.0" encoding="utf-8"?>
-<inkml:ink xmlns:inkml="http://www.w3.org/2003/InkML">
-  <inkml:definitions>
-    <inkml:context xml:id="ctx0">
-      <inkml:inkSource xml:id="inkSrc0">
-        <inkml:traceFormat>
-          <inkml:channel name="X" type="integer" min="-2.14748E9" max="2.14748E9" units="cm"/>
-          <inkml:channel name="Y" type="integer" min="-2.14748E9" max="2.14748E9" units="cm"/>
-          <inkml:channel name="F" type="integer" max="32767" units="dev"/>
-          <inkml:channel name="OA" type="integer" max="360" units="deg"/>
-          <inkml:channel name="OE" type="integer" max="90" units="deg"/>
-        </inkml:traceFormat>
-        <inkml:channelProperties>
-          <inkml:channelProperty channel="X" name="resolution" value="1000" units="1/cm"/>
-          <inkml:channelProperty channel="Y" name="resolution" value="1000" units="1/cm"/>
-          <inkml:channelProperty channel="F" name="resolution" value="0" units="1/dev"/>
-          <inkml:channelProperty channel="OA" name="resolution" value="1000" units="1/deg"/>
-          <inkml:channelProperty channel="OE" name="resolution" value="1000" units="1/deg"/>
-        </inkml:channelProperties>
-      </inkml:inkSource>
-      <inkml:timestamp xml:id="ts0" timeString="2023-05-24T12:31:12.859"/>
-    </inkml:context>
-    <inkml:brush xml:id="br0">
-      <inkml:brushProperty name="width" value="0.2" units="cm"/>
-      <inkml:brushProperty name="height" value="0.2" units="cm"/>
-      <inkml:brushProperty name="color" value="#FFC114"/>
-    </inkml:brush>
-  </inkml:definitions>
-  <inkml:trace contextRef="#ctx0" brushRef="#br0">749 149 5122 0 0,'0'0'3903'0'0,"10"-10"-3726"0"0,33-33-148 0 0,-42 41-37 0 0,0 1 1 0 0,1 0-1 0 0,-1-1 0 0 0,0 1 1 0 0,0-1-1 0 0,0 1 0 0 0,0-1 1 0 0,0 1-1 0 0,-1-1 0 0 0,1 0 1 0 0,0 1-1 0 0,-1-1 0 0 0,1 0 1 0 0,-1 1-1 0 0,0-1 1 0 0,1 0-1 0 0,-1 0 0 0 0,0 0 1 0 0,0 1-1 0 0,0-1 0 0 0,0 0 1 0 0,-1 0-1 0 0,1 1 0 0 0,0-1 1 0 0,-1 0-1 0 0,1 0 0 0 0,-1 1 1 0 0,0-1-1 0 0,1 0 0 0 0,-1 1 1 0 0,0-1-1 0 0,0 1 1 0 0,0-1-1 0 0,0 1 0 0 0,0-1 1 0 0,-1 1-1 0 0,1 0 0 0 0,0 0 1 0 0,-1-1-1 0 0,1 1 0 0 0,-1 0 1 0 0,-2-1-1 0 0,-3-2-37 0 0,0 0 1 0 0,0 1-1 0 0,0 0 1 0 0,0 0-1 0 0,-1 1 0 0 0,0 0 1 0 0,-8-1-1 0 0,7 1 68 0 0,1 1-1 0 0,0 1 1 0 0,0-1-1 0 0,-1 1 1 0 0,1 1-1 0 0,0 0 1 0 0,-1 0 0 0 0,1 0-1 0 0,0 1 1 0 0,0 0-1 0 0,0 1 1 0 0,0 0-1 0 0,1 0 1 0 0,-1 0-1 0 0,-12 9 1 0 0,14-7 58 0 0,0 0-1 0 0,1 0 1 0 0,0 0 0 0 0,0 1-1 0 0,0 0 1 0 0,1 0 0 0 0,0 0 0 0 0,0 0-1 0 0,1 1 1 0 0,-1 0 0 0 0,1-1-1 0 0,1 1 1 0 0,-1 0 0 0 0,1 0 0 0 0,1 1-1 0 0,-1-1 1 0 0,1 0 0 0 0,0 10-1 0 0,0-9-8 0 0,0 1 0 0 0,1-1 0 0 0,0 0 0 0 0,1 0 0 0 0,-1 0 0 0 0,1 0-1 0 0,1 0 1 0 0,0 0 0 0 0,0 0 0 0 0,1 0 0 0 0,4 9 0 0 0,-4-12-58 0 0,0 0 0 0 0,1-1-1 0 0,-1 1 1 0 0,1-1 0 0 0,0 0 0 0 0,0 0 0 0 0,1-1 0 0 0,-1 1 0 0 0,1-1 0 0 0,0 0 0 0 0,0 0 0 0 0,0-1-1 0 0,0 0 1 0 0,0 1 0 0 0,0-1 0 0 0,1-1 0 0 0,6 2 0 0 0,0 0 40 0 0,0-1-1 0 0,1 0 1 0 0,-1-1 0 0 0,0 0-1 0 0,0-1 1 0 0,0 0 0 0 0,14-2-1 0 0,-17-3 22 0 0,-6 4-100 0 0,-2 13-163 0 0,0 31 424 0 0,0-19 184 0 0,-1-1-1 0 0,-6 46 1 0 0,4-61-393 0 0,1 0 0 0 0,-2-1 1 0 0,1 1-1 0 0,-1-1 0 0 0,0 1 0 0 0,0-1 0 0 0,-1 0 1 0 0,0 0-1 0 0,-1-1 0 0 0,1 1 0 0 0,-1-1 0 0 0,-11 10 1 0 0,2-4-22 0 0,0-1 0 0 0,-1-1 0 0 0,0-1 0 0 0,-1 0 0 0 0,0-1 0 0 0,0 0 0 0 0,0-2 0 0 0,-1 0 0 0 0,-31 7 0 0 0,-16-1-591 0 0,-82 6 0 0 0,132-16 406 0 0,-178 10-2820 0 0,110-10-2344 0 0</inkml:trace>
-</inkml:ink>
-</file>
-
-<file path=ppt/ink/ink207.xml><?xml version="1.0" encoding="utf-8"?>
-<inkml:ink xmlns:inkml="http://www.w3.org/2003/InkML">
-  <inkml:definitions>
-    <inkml:context xml:id="ctx0">
-      <inkml:inkSource xml:id="inkSrc0">
-        <inkml:traceFormat>
-          <inkml:channel name="X" type="integer" min="-2.14748E9" max="2.14748E9" units="cm"/>
-          <inkml:channel name="Y" type="integer" min="-2.14748E9" max="2.14748E9" units="cm"/>
-          <inkml:channel name="F" type="integer" max="32767" units="dev"/>
-          <inkml:channel name="OA" type="integer" max="360" units="deg"/>
-          <inkml:channel name="OE" type="integer" max="90" units="deg"/>
-        </inkml:traceFormat>
-        <inkml:channelProperties>
-          <inkml:channelProperty channel="X" name="resolution" value="1000" units="1/cm"/>
-          <inkml:channelProperty channel="Y" name="resolution" value="1000" units="1/cm"/>
-          <inkml:channelProperty channel="F" name="resolution" value="0" units="1/dev"/>
-          <inkml:channelProperty channel="OA" name="resolution" value="1000" units="1/deg"/>
-          <inkml:channelProperty channel="OE" name="resolution" value="1000" units="1/deg"/>
-        </inkml:channelProperties>
-      </inkml:inkSource>
-      <inkml:timestamp xml:id="ts0" timeString="2023-05-24T12:31:13.377"/>
-    </inkml:context>
-    <inkml:brush xml:id="br0">
-      <inkml:brushProperty name="width" value="0.2" units="cm"/>
-      <inkml:brushProperty name="height" value="0.2" units="cm"/>
-      <inkml:brushProperty name="color" value="#FFC114"/>
-    </inkml:brush>
-  </inkml:definitions>
-  <inkml:trace contextRef="#ctx0" brushRef="#br0">0 245 5571 0 0,'0'0'3780'0'0,"43"-6"-3564"0"0,142-23-301 0 0,-161 24-105 0 0,-1-1-1 0 0,1-1 1 0 0,-1 0 0 0 0,-1-2 0 0 0,1-1 0 0 0,28-17 0 0 0,-10 5 83 0 0,-14 8 65 0 0,-9 6 66 0 0,-1-1 1 0 0,25-18 0 0 0,-41 27 15 0 0,-1 0 0 0 0,1-1 1 0 0,0 1-1 0 0,0 0 0 0 0,-1-1 0 0 0,1 1 1 0 0,-1 0-1 0 0,1-1 0 0 0,0 1 1 0 0,-1-1-1 0 0,1 1 0 0 0,-1-1 0 0 0,1 0 1 0 0,-1 1-1 0 0,1-1 0 0 0,-1 1 1 0 0,0-1-1 0 0,1 0 0 0 0,-1 1 0 0 0,0-1 1 0 0,1 0-1 0 0,-1 0 0 0 0,0 1 1 0 0,0-1-1 0 0,0 0 0 0 0,0 1 0 0 0,0-1 1 0 0,0 0-1 0 0,0 0 0 0 0,0 1 1 0 0,0-1-1 0 0,0 0 0 0 0,0 0 0 0 0,0 1 1 0 0,0-1-1 0 0,0 0 0 0 0,-1 0 1 0 0,1 1-1 0 0,0-1 0 0 0,-1 0 0 0 0,1 1 1 0 0,0-1-1 0 0,-1 0 0 0 0,1 1 1 0 0,-1-1-1 0 0,1 1 0 0 0,-1-1 0 0 0,1 1 1 0 0,-1-1-1 0 0,0 0 0 0 0,-33-12 846 0 0,9 8-682 0 0,-1 1 0 0 0,1 1 1 0 0,-1 1-1 0 0,0 1 0 0 0,1 2 1 0 0,-1 1-1 0 0,-34 6 0 0 0,48-6-209 0 0,1 1 0 0 0,-1 1-1 0 0,1-1 1 0 0,0 2 0 0 0,0 0-1 0 0,1 0 1 0 0,-1 1 0 0 0,1 0 0 0 0,1 1-1 0 0,-1 0 1 0 0,1 0 0 0 0,0 1-1 0 0,0 1 1 0 0,1-1 0 0 0,1 1 0 0 0,-1 1-1 0 0,1-1 1 0 0,-6 13 0 0 0,7-11 19 0 0,1 2 1 0 0,1-1-1 0 0,0 1 0 0 0,0-1 1 0 0,1 1-1 0 0,1 0 1 0 0,0 0-1 0 0,1 0 0 0 0,0 27 1 0 0,1-36-10 0 0,1 1 1 0 0,-1 0-1 0 0,1 0 1 0 0,0 0 0 0 0,1-1-1 0 0,-1 1 1 0 0,1 0-1 0 0,-1-1 1 0 0,1 0-1 0 0,1 1 1 0 0,-1-1-1 0 0,1 0 1 0 0,4 6-1 0 0,1-2 28 0 0,-1 0 0 0 0,1 0 0 0 0,0-1-1 0 0,1 0 1 0 0,16 10 0 0 0,9 2-366 0 0,2-1-1 0 0,54 18 1 0 0,-72-29-104 0 0,86 35-5075 0 0,-65-22 2198 0 0</inkml:trace>
-</inkml:ink>
-</file>
-
-<file path=ppt/ink/ink208.xml><?xml version="1.0" encoding="utf-8"?>
-<inkml:ink xmlns:inkml="http://www.w3.org/2003/InkML">
-  <inkml:definitions>
-    <inkml:context xml:id="ctx0">
-      <inkml:inkSource xml:id="inkSrc0">
-        <inkml:traceFormat>
-          <inkml:channel name="X" type="integer" min="-2.14748E9" max="2.14748E9" units="cm"/>
-          <inkml:channel name="Y" type="integer" min="-2.14748E9" max="2.14748E9" units="cm"/>
-          <inkml:channel name="F" type="integer" max="32767" units="dev"/>
-          <inkml:channel name="OA" type="integer" max="360" units="deg"/>
-          <inkml:channel name="OE" type="integer" max="90" units="deg"/>
-        </inkml:traceFormat>
-        <inkml:channelProperties>
-          <inkml:channelProperty channel="X" name="resolution" value="1000" units="1/cm"/>
-          <inkml:channelProperty channel="Y" name="resolution" value="1000" units="1/cm"/>
-          <inkml:channelProperty channel="F" name="resolution" value="0" units="1/dev"/>
-          <inkml:channelProperty channel="OA" name="resolution" value="1000" units="1/deg"/>
-          <inkml:channelProperty channel="OE" name="resolution" value="1000" units="1/deg"/>
-        </inkml:channelProperties>
-      </inkml:inkSource>
-      <inkml:timestamp xml:id="ts0" timeString="2023-05-24T12:31:14.571"/>
-    </inkml:context>
-    <inkml:brush xml:id="br0">
-      <inkml:brushProperty name="width" value="0.2" units="cm"/>
-      <inkml:brushProperty name="height" value="0.2" units="cm"/>
-      <inkml:brushProperty name="color" value="#FFC114"/>
-    </inkml:brush>
-  </inkml:definitions>
-  <inkml:trace contextRef="#ctx0" brushRef="#br0">12 1 1745 0 0,'-11'4'6928'0'0,"11"-3"-6935"0"0,0 1-1 0 0,1-1 0 0 0,0 0 1 0 0,-1 0-1 0 0,1 1 1 0 0,0-1-1 0 0,0 0 0 0 0,0 0 1 0 0,0 0-1 0 0,-1 0 0 0 0,1 0 1 0 0,1 0-1 0 0,-1 0 0 0 0,0 0 1 0 0,0-1-1 0 0,0 1 1 0 0,0 0-1 0 0,1-1 0 0 0,1 2 1 0 0,34 13 23 0 0,-25-10 24 0 0,58 24-415 0 0,1-4 1 0 0,2-2-1 0 0,75 13 0 0 0,-93-29-2989 0 0</inkml:trace>
-</inkml:ink>
-</file>
-
-<file path=ppt/ink/ink209.xml><?xml version="1.0" encoding="utf-8"?>
-<inkml:ink xmlns:inkml="http://www.w3.org/2003/InkML">
-  <inkml:definitions>
-    <inkml:context xml:id="ctx0">
-      <inkml:inkSource xml:id="inkSrc0">
-        <inkml:traceFormat>
-          <inkml:channel name="X" type="integer" min="-2.14748E9" max="2.14748E9" units="cm"/>
-          <inkml:channel name="Y" type="integer" min="-2.14748E9" max="2.14748E9" units="cm"/>
-          <inkml:channel name="F" type="integer" max="32767" units="dev"/>
-          <inkml:channel name="OA" type="integer" max="360" units="deg"/>
-          <inkml:channel name="OE" type="integer" max="90" units="deg"/>
-        </inkml:traceFormat>
-        <inkml:channelProperties>
-          <inkml:channelProperty channel="X" name="resolution" value="1000" units="1/cm"/>
-          <inkml:channelProperty channel="Y" name="resolution" value="1000" units="1/cm"/>
-          <inkml:channelProperty channel="F" name="resolution" value="0" units="1/dev"/>
-          <inkml:channelProperty channel="OA" name="resolution" value="1000" units="1/deg"/>
-          <inkml:channelProperty channel="OE" name="resolution" value="1000" units="1/deg"/>
-        </inkml:channelProperties>
-      </inkml:inkSource>
-      <inkml:timestamp xml:id="ts0" timeString="2023-05-24T12:31:15.403"/>
-    </inkml:context>
-    <inkml:brush xml:id="br0">
-      <inkml:brushProperty name="width" value="0.2" units="cm"/>
-      <inkml:brushProperty name="height" value="0.2" units="cm"/>
-      <inkml:brushProperty name="color" value="#FFC114"/>
-    </inkml:brush>
-  </inkml:definitions>
-  <inkml:trace contextRef="#ctx0" brushRef="#br0">0 0 3041 0 0,'0'0'3778'0'0,"4"14"-2609"0"0,22-9 159 0 0,-3-1-575 0 0,3 0-17 0 0,4-2 192 0 0,7-2-591 0 0,8 0-305 0 0,8 0 32 0 0,10 0-16 0 0,5 0-64 0 0,6 2 16 0 0,1 2-497 0 0,-15 0-1920 0 0,-7-2-1184 0 0</inkml:trace>
-</inkml:ink>
-</file>
-
-<file path=ppt/ink/ink21.xml><?xml version="1.0" encoding="utf-8"?>
+<file path=ppt/ink/ink39.xml><?xml version="1.0" encoding="utf-8"?>
 <inkml:ink xmlns:inkml="http://www.w3.org/2003/InkML">
   <inkml:definitions>
     <inkml:context xml:id="ctx0">
@@ -4072,7 +5697,7 @@
 </inkml:ink>
 </file>
 
-<file path=ppt/ink/ink210.xml><?xml version="1.0" encoding="utf-8"?>
+<file path=ppt/ink/ink4.xml><?xml version="1.0" encoding="utf-8"?>
 <inkml:ink xmlns:inkml="http://www.w3.org/2003/InkML">
   <inkml:definitions>
     <inkml:context xml:id="ctx0">
@@ -4092,307 +5717,19 @@
           <inkml:channelProperty channel="OE" name="resolution" value="1000" units="1/deg"/>
         </inkml:channelProperties>
       </inkml:inkSource>
-      <inkml:timestamp xml:id="ts0" timeString="2023-05-24T12:31:21.296"/>
+      <inkml:timestamp xml:id="ts0" timeString="2023-05-24T15:11:28.566"/>
     </inkml:context>
     <inkml:brush xml:id="br0">
-      <inkml:brushProperty name="width" value="0.2" units="cm"/>
-      <inkml:brushProperty name="height" value="0.2" units="cm"/>
-      <inkml:brushProperty name="color" value="#FFC114"/>
+      <inkml:brushProperty name="width" value="0.1" units="cm"/>
+      <inkml:brushProperty name="height" value="0.1" units="cm"/>
+      <inkml:brushProperty name="color" value="#E71224"/>
     </inkml:brush>
   </inkml:definitions>
-  <inkml:trace contextRef="#ctx0" brushRef="#br0">502 24 1985 0 0,'-5'-4'7006'0'0,"-25"-11"-6505"0"0,6 12-525 0 0,0 2 0 0 0,0 0 0 0 0,-1 2-1 0 0,1 1 1 0 0,0 0 0 0 0,0 2 0 0 0,0 1-1 0 0,0 1 1 0 0,1 1 0 0 0,0 0 0 0 0,-30 16 0 0 0,48-20 10 0 0,0 0 1 0 0,0 0 0 0 0,0 0 0 0 0,1 1-1 0 0,-1 0 1 0 0,1-1 0 0 0,0 2 0 0 0,0-1-1 0 0,1 0 1 0 0,-1 1 0 0 0,1 0 0 0 0,0 0-1 0 0,0 0 1 0 0,0 0 0 0 0,1 0 0 0 0,0 0-1 0 0,0 1 1 0 0,0-1 0 0 0,0 1 0 0 0,1 0-1 0 0,0-1 1 0 0,1 1 0 0 0,-1 0 0 0 0,1 0-1 0 0,0-1 1 0 0,0 1 0 0 0,2 9 0 0 0,0-13-8 0 0,0 1 1 0 0,1 0 0 0 0,-1-1-1 0 0,1 1 1 0 0,0-1-1 0 0,-1 0 1 0 0,1 0 0 0 0,0 0-1 0 0,0 0 1 0 0,0 0 0 0 0,1-1-1 0 0,-1 1 1 0 0,6 1 0 0 0,7 4-39 0 0,30 18-85 0 0,42 32 1 0 0,-74-47 125 0 0,0 0-1 0 0,-1 1 1 0 0,-1 1-1 0 0,0 0 0 0 0,-1 1 1 0 0,0 0-1 0 0,11 18 1 0 0,-18-24 5 0 0,-1 0 0 0 0,0 0 0 0 0,0 1 0 0 0,0-1 0 0 0,-1 1 0 0 0,0 0 0 0 0,-1 0 0 0 0,1 13 0 0 0,-1-19 15 0 0,-1 1 0 0 0,0 0-1 0 0,0 0 1 0 0,0 0-1 0 0,0 0 1 0 0,0 0 0 0 0,-1 0-1 0 0,0 0 1 0 0,1 0-1 0 0,-1-1 1 0 0,0 1 0 0 0,0 0-1 0 0,0 0 1 0 0,-1-1-1 0 0,1 1 1 0 0,-1-1 0 0 0,1 1-1 0 0,-1-1 1 0 0,0 0-1 0 0,0 1 1 0 0,0-1 0 0 0,0 0-1 0 0,0 0 1 0 0,-1-1-1 0 0,-2 3 1 0 0,-6 0 23 0 0,1 0-1 0 0,-1-1 1 0 0,0 0-1 0 0,1 0 1 0 0,-1-1-1 0 0,-20 0 1 0 0,-70-2 123 0 0,76-1-161 0 0,15 1-244 0 0,0 0 0 0 0,0-1-1 0 0,0-1 1 0 0,0 1 0 0 0,0-2 0 0 0,0 1 0 0 0,0-1 0 0 0,0-1 0 0 0,1 0-1 0 0,0 0 1 0 0,0-1 0 0 0,-10-6 0 0 0,1-8-2315 0 0</inkml:trace>
+  <inkml:trace contextRef="#ctx0" brushRef="#br0">1 0 6275 0 0,'0'0'3263'0'0,"10"3"-2642"0"0,32 7 674 0 0,1-1 0 0 0,71 3-1 0 0,106-4 206 0 0,-88-5-982 0 0,1381 14 66 0 0,-1471-17-1103 0 0,63-4-783 0 0,-41-9-4638 0 0</inkml:trace>
 </inkml:ink>
 </file>
 
-<file path=ppt/ink/ink211.xml><?xml version="1.0" encoding="utf-8"?>
-<inkml:ink xmlns:inkml="http://www.w3.org/2003/InkML">
-  <inkml:definitions>
-    <inkml:context xml:id="ctx0">
-      <inkml:inkSource xml:id="inkSrc0">
-        <inkml:traceFormat>
-          <inkml:channel name="X" type="integer" min="-2.14748E9" max="2.14748E9" units="cm"/>
-          <inkml:channel name="Y" type="integer" min="-2.14748E9" max="2.14748E9" units="cm"/>
-          <inkml:channel name="F" type="integer" max="32767" units="dev"/>
-          <inkml:channel name="OA" type="integer" max="360" units="deg"/>
-          <inkml:channel name="OE" type="integer" max="90" units="deg"/>
-        </inkml:traceFormat>
-        <inkml:channelProperties>
-          <inkml:channelProperty channel="X" name="resolution" value="1000" units="1/cm"/>
-          <inkml:channelProperty channel="Y" name="resolution" value="1000" units="1/cm"/>
-          <inkml:channelProperty channel="F" name="resolution" value="0" units="1/dev"/>
-          <inkml:channelProperty channel="OA" name="resolution" value="1000" units="1/deg"/>
-          <inkml:channelProperty channel="OE" name="resolution" value="1000" units="1/deg"/>
-        </inkml:channelProperties>
-      </inkml:inkSource>
-      <inkml:timestamp xml:id="ts0" timeString="2023-05-24T12:31:22.058"/>
-    </inkml:context>
-    <inkml:brush xml:id="br0">
-      <inkml:brushProperty name="width" value="0.2" units="cm"/>
-      <inkml:brushProperty name="height" value="0.2" units="cm"/>
-      <inkml:brushProperty name="color" value="#FFC114"/>
-    </inkml:brush>
-  </inkml:definitions>
-  <inkml:trace contextRef="#ctx0" brushRef="#br0">75 274 4786 0 0,'0'0'1761'0'0,"0"23"-715"0"0,3 194 349 0 0,-3-204-1342 0 0,0 1 1 0 0,-1 0-1 0 0,-1-1 1 0 0,-1 1-1 0 0,0-1 0 0 0,0 0 1 0 0,-1 0-1 0 0,-9 18 0 0 0,-3-94 662 0 0,6 22-703 0 0,1-1-1 0 0,3 0 1 0 0,1 0 0 0 0,3 0-1 0 0,2-52 1 0 0,2 84-11 0 0,-1 0 0 0 0,2 0 0 0 0,0 0 0 0 0,0 1 0 0 0,0-1 0 0 0,1 1 0 0 0,1-1 0 0 0,0 1 1 0 0,0 1-1 0 0,10-13 0 0 0,9-9 20 0 0,39-39 0 0 0,-51 57-11 0 0,-5 6-14 0 0,0 0 1 0 0,0 0-1 0 0,1 1 0 0 0,-1 0 1 0 0,1 0-1 0 0,1 1 1 0 0,-1 0-1 0 0,0 0 1 0 0,1 1-1 0 0,0 1 0 0 0,0-1 1 0 0,0 1-1 0 0,0 0 1 0 0,0 1-1 0 0,0 0 1 0 0,1 1-1 0 0,-1 0 0 0 0,18 2 1 0 0,-13 0-24 0 0,0 1 0 0 0,0 0 0 0 0,0 0 0 0 0,-1 1 0 0 0,1 1 0 0 0,-1 1 0 0 0,0 0 0 0 0,-1 0 0 0 0,1 1 0 0 0,-1 1 0 0 0,18 15 0 0 0,-27-21 28 0 0,0 1 1 0 0,0 0-1 0 0,0 0 1 0 0,0 0-1 0 0,-1 0 1 0 0,1 0 0 0 0,-1 0-1 0 0,0 1 1 0 0,0-1-1 0 0,0 1 1 0 0,-1 0 0 0 0,1-1-1 0 0,-1 1 1 0 0,0 0-1 0 0,0 0 1 0 0,0 0 0 0 0,0 0-1 0 0,-1 0 1 0 0,0 0-1 0 0,0 0 1 0 0,0 0-1 0 0,0 0 1 0 0,0 0 0 0 0,-1 0-1 0 0,0 0 1 0 0,0 0-1 0 0,0 0 1 0 0,0-1 0 0 0,-1 1-1 0 0,1 0 1 0 0,-1 0-1 0 0,0-1 1 0 0,0 0 0 0 0,0 1-1 0 0,-1-1 1 0 0,1 0-1 0 0,-1 0 1 0 0,1 0-1 0 0,-1 0 1 0 0,0 0 0 0 0,-5 2-1 0 0,-8 5-81 0 0,-1-2-1 0 0,-1 1 0 0 0,1-2 1 0 0,-1-1-1 0 0,-1 0 0 0 0,1-1 1 0 0,-32 4-1 0 0,13-4-1701 0 0,-49-2-1 0 0,51-3-1021 0 0</inkml:trace>
-</inkml:ink>
-</file>
-
-<file path=ppt/ink/ink212.xml><?xml version="1.0" encoding="utf-8"?>
-<inkml:ink xmlns:inkml="http://www.w3.org/2003/InkML">
-  <inkml:definitions>
-    <inkml:context xml:id="ctx0">
-      <inkml:inkSource xml:id="inkSrc0">
-        <inkml:traceFormat>
-          <inkml:channel name="X" type="integer" min="-2.14748E9" max="2.14748E9" units="cm"/>
-          <inkml:channel name="Y" type="integer" min="-2.14748E9" max="2.14748E9" units="cm"/>
-          <inkml:channel name="F" type="integer" max="32767" units="dev"/>
-          <inkml:channel name="OA" type="integer" max="360" units="deg"/>
-          <inkml:channel name="OE" type="integer" max="90" units="deg"/>
-        </inkml:traceFormat>
-        <inkml:channelProperties>
-          <inkml:channelProperty channel="X" name="resolution" value="1000" units="1/cm"/>
-          <inkml:channelProperty channel="Y" name="resolution" value="1000" units="1/cm"/>
-          <inkml:channelProperty channel="F" name="resolution" value="0" units="1/dev"/>
-          <inkml:channelProperty channel="OA" name="resolution" value="1000" units="1/deg"/>
-          <inkml:channelProperty channel="OE" name="resolution" value="1000" units="1/deg"/>
-        </inkml:channelProperties>
-      </inkml:inkSource>
-      <inkml:timestamp xml:id="ts0" timeString="2023-05-24T12:31:22.607"/>
-    </inkml:context>
-    <inkml:brush xml:id="br0">
-      <inkml:brushProperty name="width" value="0.2" units="cm"/>
-      <inkml:brushProperty name="height" value="0.2" units="cm"/>
-      <inkml:brushProperty name="color" value="#FFC114"/>
-    </inkml:brush>
-  </inkml:definitions>
-  <inkml:trace contextRef="#ctx0" brushRef="#br0">202 232 1185 0 0,'0'0'992'0'0,"21"-17"-389"0"0,10-8-282 0 0,63-56 3016 0 0,-92 80-3190 0 0,-1 0 1 0 0,0 0-1 0 0,0 0 0 0 0,0 0 1 0 0,0 0-1 0 0,-1-1 1 0 0,1 1-1 0 0,0 0 1 0 0,0-1-1 0 0,-1 1 1 0 0,1 0-1 0 0,-1-1 1 0 0,1 1-1 0 0,-1-1 0 0 0,0 1 1 0 0,1-1-1 0 0,-1 1 1 0 0,0-1-1 0 0,0 1 1 0 0,0-1-1 0 0,0 1 1 0 0,0-1-1 0 0,-1 0 0 0 0,1 1 1 0 0,0 0-1 0 0,-1-1 1 0 0,1 1-1 0 0,-1-1 1 0 0,1 1-1 0 0,-1-1 1 0 0,0 1-1 0 0,1 0 1 0 0,-2-2-1 0 0,-1 0-163 0 0,1-1 1 0 0,-1 1-1 0 0,0 0 1 0 0,0 0-1 0 0,0 0 1 0 0,0 0-1 0 0,0 1 1 0 0,-1-1-1 0 0,1 1 0 0 0,-7-3 1 0 0,-1 0-5 0 0,-1 0-1 0 0,0 1 1 0 0,0 1 0 0 0,0 0 0 0 0,-1 0 0 0 0,1 2-1 0 0,-1-1 1 0 0,1 2 0 0 0,-1-1 0 0 0,1 2 0 0 0,-1 0-1 0 0,1 0 1 0 0,-1 1 0 0 0,-16 5 0 0 0,22-5 2 0 0,1 1 0 0 0,0-1 1 0 0,-1 1-1 0 0,1 0 0 0 0,1 1 1 0 0,-1 0-1 0 0,0 0 0 0 0,1 0 1 0 0,0 0-1 0 0,0 1 0 0 0,0 0 1 0 0,0 0-1 0 0,1 0 0 0 0,0 1 1 0 0,0-1-1 0 0,0 1 0 0 0,1 0 1 0 0,0 0-1 0 0,0 0 0 0 0,0 1 1 0 0,1-1-1 0 0,0 1 0 0 0,0-1 1 0 0,1 1-1 0 0,0 0 0 0 0,0 0 1 0 0,0 9-1 0 0,0-10 64 0 0,1 1 0 0 0,0 0-1 0 0,0-1 1 0 0,1 1 0 0 0,0-1 0 0 0,0 1 0 0 0,0-1-1 0 0,4 9 1 0 0,-3-11 21 0 0,0 0-1 0 0,1 0 1 0 0,-1 0 0 0 0,1 0-1 0 0,0-1 1 0 0,0 1-1 0 0,0-1 1 0 0,1 0 0 0 0,-1 0-1 0 0,1 0 1 0 0,0-1-1 0 0,6 4 1 0 0,10 5 15 0 0,0-1 0 0 0,0-2 0 0 0,1 0 0 0 0,-1-1 1 0 0,2-1-1 0 0,35 5 0 0 0,-20-6-385 0 0,1-1 0 0 0,76-5 1 0 0,-107 1-113 0 0,1-1 1 0 0,-1 0-1 0 0,0 0 1 0 0,1-1 0 0 0,7-2-1 0 0,22-20-3691 0 0</inkml:trace>
-</inkml:ink>
-</file>
-
-<file path=ppt/ink/ink213.xml><?xml version="1.0" encoding="utf-8"?>
-<inkml:ink xmlns:inkml="http://www.w3.org/2003/InkML">
-  <inkml:definitions>
-    <inkml:context xml:id="ctx0">
-      <inkml:inkSource xml:id="inkSrc0">
-        <inkml:traceFormat>
-          <inkml:channel name="X" type="integer" min="-2.14748E9" max="2.14748E9" units="cm"/>
-          <inkml:channel name="Y" type="integer" min="-2.14748E9" max="2.14748E9" units="cm"/>
-          <inkml:channel name="F" type="integer" max="32767" units="dev"/>
-          <inkml:channel name="OA" type="integer" max="360" units="deg"/>
-          <inkml:channel name="OE" type="integer" max="90" units="deg"/>
-        </inkml:traceFormat>
-        <inkml:channelProperties>
-          <inkml:channelProperty channel="X" name="resolution" value="1000" units="1/cm"/>
-          <inkml:channelProperty channel="Y" name="resolution" value="1000" units="1/cm"/>
-          <inkml:channelProperty channel="F" name="resolution" value="0" units="1/dev"/>
-          <inkml:channelProperty channel="OA" name="resolution" value="1000" units="1/deg"/>
-          <inkml:channelProperty channel="OE" name="resolution" value="1000" units="1/deg"/>
-        </inkml:channelProperties>
-      </inkml:inkSource>
-      <inkml:timestamp xml:id="ts0" timeString="2023-05-24T12:31:23.030"/>
-    </inkml:context>
-    <inkml:brush xml:id="br0">
-      <inkml:brushProperty name="width" value="0.2" units="cm"/>
-      <inkml:brushProperty name="height" value="0.2" units="cm"/>
-      <inkml:brushProperty name="color" value="#FFC114"/>
-    </inkml:brush>
-  </inkml:definitions>
-  <inkml:trace contextRef="#ctx0" brushRef="#br0">146 1 2897 0 0,'0'0'3746'0'0,"-142"32"-2962"0"0,138-7-47 0 0,4 4-209 0 0,0 0 352 0 0,8 4-223 0 0,29-2-257 0 0,12-1-256 0 0,7-3-16 0 0,4-7-16 0 0,0-11-64 0 0,-8-7-624 0 0,-14-2-1457 0 0,-9 0-1569 0 0</inkml:trace>
-</inkml:ink>
-</file>
-
-<file path=ppt/ink/ink214.xml><?xml version="1.0" encoding="utf-8"?>
-<inkml:ink xmlns:inkml="http://www.w3.org/2003/InkML">
-  <inkml:definitions>
-    <inkml:context xml:id="ctx0">
-      <inkml:inkSource xml:id="inkSrc0">
-        <inkml:traceFormat>
-          <inkml:channel name="X" type="integer" min="-2.14748E9" max="2.14748E9" units="cm"/>
-          <inkml:channel name="Y" type="integer" min="-2.14748E9" max="2.14748E9" units="cm"/>
-          <inkml:channel name="F" type="integer" max="32767" units="dev"/>
-          <inkml:channel name="OA" type="integer" max="360" units="deg"/>
-          <inkml:channel name="OE" type="integer" max="90" units="deg"/>
-        </inkml:traceFormat>
-        <inkml:channelProperties>
-          <inkml:channelProperty channel="X" name="resolution" value="1000" units="1/cm"/>
-          <inkml:channelProperty channel="Y" name="resolution" value="1000" units="1/cm"/>
-          <inkml:channelProperty channel="F" name="resolution" value="0" units="1/dev"/>
-          <inkml:channelProperty channel="OA" name="resolution" value="1000" units="1/deg"/>
-          <inkml:channelProperty channel="OE" name="resolution" value="1000" units="1/deg"/>
-        </inkml:channelProperties>
-      </inkml:inkSource>
-      <inkml:timestamp xml:id="ts0" timeString="2023-05-24T12:31:23.358"/>
-    </inkml:context>
-    <inkml:brush xml:id="br0">
-      <inkml:brushProperty name="width" value="0.2" units="cm"/>
-      <inkml:brushProperty name="height" value="0.2" units="cm"/>
-      <inkml:brushProperty name="color" value="#FFC114"/>
-    </inkml:brush>
-  </inkml:definitions>
-  <inkml:trace contextRef="#ctx0" brushRef="#br0">1 0 4866 0 0,'0'0'897'0'0</inkml:trace>
-</inkml:ink>
-</file>
-
-<file path=ppt/ink/ink215.xml><?xml version="1.0" encoding="utf-8"?>
-<inkml:ink xmlns:inkml="http://www.w3.org/2003/InkML">
-  <inkml:definitions>
-    <inkml:context xml:id="ctx0">
-      <inkml:inkSource xml:id="inkSrc0">
-        <inkml:traceFormat>
-          <inkml:channel name="X" type="integer" min="-2.14748E9" max="2.14748E9" units="cm"/>
-          <inkml:channel name="Y" type="integer" min="-2.14748E9" max="2.14748E9" units="cm"/>
-          <inkml:channel name="F" type="integer" max="32767" units="dev"/>
-          <inkml:channel name="OA" type="integer" max="360" units="deg"/>
-          <inkml:channel name="OE" type="integer" max="90" units="deg"/>
-        </inkml:traceFormat>
-        <inkml:channelProperties>
-          <inkml:channelProperty channel="X" name="resolution" value="1000" units="1/cm"/>
-          <inkml:channelProperty channel="Y" name="resolution" value="1000" units="1/cm"/>
-          <inkml:channelProperty channel="F" name="resolution" value="0" units="1/dev"/>
-          <inkml:channelProperty channel="OA" name="resolution" value="1000" units="1/deg"/>
-          <inkml:channelProperty channel="OE" name="resolution" value="1000" units="1/deg"/>
-        </inkml:channelProperties>
-      </inkml:inkSource>
-      <inkml:timestamp xml:id="ts0" timeString="2023-05-24T12:31:23.701"/>
-    </inkml:context>
-    <inkml:brush xml:id="br0">
-      <inkml:brushProperty name="width" value="0.2" units="cm"/>
-      <inkml:brushProperty name="height" value="0.2" units="cm"/>
-      <inkml:brushProperty name="color" value="#FFC114"/>
-    </inkml:brush>
-  </inkml:definitions>
-  <inkml:trace contextRef="#ctx0" brushRef="#br0">0 0 9140 0 0,'0'0'1713'0'0</inkml:trace>
-</inkml:ink>
-</file>
-
-<file path=ppt/ink/ink216.xml><?xml version="1.0" encoding="utf-8"?>
-<inkml:ink xmlns:inkml="http://www.w3.org/2003/InkML">
-  <inkml:definitions>
-    <inkml:context xml:id="ctx0">
-      <inkml:inkSource xml:id="inkSrc0">
-        <inkml:traceFormat>
-          <inkml:channel name="X" type="integer" min="-2.14748E9" max="2.14748E9" units="cm"/>
-          <inkml:channel name="Y" type="integer" min="-2.14748E9" max="2.14748E9" units="cm"/>
-          <inkml:channel name="F" type="integer" max="32767" units="dev"/>
-          <inkml:channel name="OA" type="integer" max="360" units="deg"/>
-          <inkml:channel name="OE" type="integer" max="90" units="deg"/>
-        </inkml:traceFormat>
-        <inkml:channelProperties>
-          <inkml:channelProperty channel="X" name="resolution" value="1000" units="1/cm"/>
-          <inkml:channelProperty channel="Y" name="resolution" value="1000" units="1/cm"/>
-          <inkml:channelProperty channel="F" name="resolution" value="0" units="1/dev"/>
-          <inkml:channelProperty channel="OA" name="resolution" value="1000" units="1/deg"/>
-          <inkml:channelProperty channel="OE" name="resolution" value="1000" units="1/deg"/>
-        </inkml:channelProperties>
-      </inkml:inkSource>
-      <inkml:timestamp xml:id="ts0" timeString="2023-05-24T12:31:24.046"/>
-    </inkml:context>
-    <inkml:brush xml:id="br0">
-      <inkml:brushProperty name="width" value="0.2" units="cm"/>
-      <inkml:brushProperty name="height" value="0.2" units="cm"/>
-      <inkml:brushProperty name="color" value="#FFC114"/>
-    </inkml:brush>
-  </inkml:definitions>
-  <inkml:trace contextRef="#ctx0" brushRef="#br0">311 44 2913 0 0,'0'0'4706'0'0,"-12"-7"-4207"0"0,6 2-465 0 0,0 1 0 0 0,0 0-1 0 0,0 1 1 0 0,-1 0 0 0 0,1-1-1 0 0,-1 2 1 0 0,1-1-1 0 0,-1 1 1 0 0,0 0 0 0 0,0 1-1 0 0,0 0 1 0 0,0 0 0 0 0,0 0-1 0 0,-1 1 1 0 0,1 0 0 0 0,0 0-1 0 0,0 1 1 0 0,0 0 0 0 0,0 0-1 0 0,0 1 1 0 0,0 0-1 0 0,-9 3 1 0 0,5 1-28 0 0,0 0-1 0 0,1 0 1 0 0,0 1-1 0 0,0 0 1 0 0,0 1 0 0 0,1 0-1 0 0,1 1 1 0 0,-15 16-1 0 0,20-20 51 0 0,-1-1-1 0 0,1 1 0 0 0,0 0 1 0 0,0 0-1 0 0,0 0 0 0 0,1 0 0 0 0,0 1 1 0 0,0-1-1 0 0,0 1 0 0 0,1-1 1 0 0,0 1-1 0 0,0-1 0 0 0,0 1 1 0 0,1 0-1 0 0,-1 0 0 0 0,1-1 1 0 0,1 1-1 0 0,-1 0 0 0 0,1 0 1 0 0,0-1-1 0 0,2 7 0 0 0,-2-10-43 0 0,0 0-1 0 0,0-1 1 0 0,0 1-1 0 0,0 0 1 0 0,1-1-1 0 0,-1 1 1 0 0,0-1-1 0 0,1 0 1 0 0,-1 1-1 0 0,1-1 1 0 0,-1 0-1 0 0,1 0 1 0 0,0 0-1 0 0,0 0 0 0 0,-1 0 1 0 0,1 0-1 0 0,0-1 1 0 0,0 1-1 0 0,0 0 1 0 0,0-1-1 0 0,0 0 1 0 0,2 1-1 0 0,49 2 208 0 0,-42-4-139 0 0,7 0-8 0 0,0-1-1 0 0,-1-1 0 0 0,1 0 0 0 0,-1-2 1 0 0,0 0-1 0 0,0-1 0 0 0,-1 0 1 0 0,0-2-1 0 0,0 0 0 0 0,23-15 1 0 0,-38 22-85 0 0,0 1 0 0 0,0-1 0 0 0,0 0 0 0 0,0 1 0 0 0,0-1 0 0 0,1 1 0 0 0,-1-1 0 0 0,0 1 0 0 0,0-1 1 0 0,0 1-1 0 0,1 0 0 0 0,-1 0 0 0 0,0 0 0 0 0,1 0 0 0 0,-1 0 0 0 0,0 0 0 0 0,0 0 0 0 0,1 0 0 0 0,-1 0 1 0 0,0 0-1 0 0,0 1 0 0 0,1-1 0 0 0,-1 0 0 0 0,0 1 0 0 0,0-1 0 0 0,0 1 0 0 0,0 0 0 0 0,0-1 0 0 0,1 1 1 0 0,-1 0-1 0 0,0 0 0 0 0,0 0 0 0 0,-1-1 0 0 0,1 1 0 0 0,0 0 0 0 0,0 0 0 0 0,0 0 0 0 0,-1 1 0 0 0,2 0 1 0 0,1 6-69 0 0,1 0 0 0 0,-1 0 0 0 0,0 1 0 0 0,-1-1 0 0 0,2 10 0 0 0,5 16 226 0 0,-4-21-306 0 0,-1-2 231 0 0,1 0-1 0 0,0 0 1 0 0,0-1 0 0 0,9 13 0 0 0,-12-21-275 0 0,0 1 0 0 0,0-1 0 0 0,0 0 1 0 0,0 1-1 0 0,1-1 0 0 0,-1 0 1 0 0,0-1-1 0 0,1 1 0 0 0,0 0 0 0 0,-1-1 1 0 0,1 1-1 0 0,0-1 0 0 0,0 0 0 0 0,0 0 1 0 0,0 0-1 0 0,0 0 0 0 0,0-1 0 0 0,0 1 1 0 0,0-1-1 0 0,0 0 0 0 0,4 0 1 0 0,16-1-3617 0 0</inkml:trace>
-</inkml:ink>
-</file>
-
-<file path=ppt/ink/ink217.xml><?xml version="1.0" encoding="utf-8"?>
-<inkml:ink xmlns:inkml="http://www.w3.org/2003/InkML">
-  <inkml:definitions>
-    <inkml:context xml:id="ctx0">
-      <inkml:inkSource xml:id="inkSrc0">
-        <inkml:traceFormat>
-          <inkml:channel name="X" type="integer" min="-2.14748E9" max="2.14748E9" units="cm"/>
-          <inkml:channel name="Y" type="integer" min="-2.14748E9" max="2.14748E9" units="cm"/>
-          <inkml:channel name="F" type="integer" max="32767" units="dev"/>
-          <inkml:channel name="OA" type="integer" max="360" units="deg"/>
-          <inkml:channel name="OE" type="integer" max="90" units="deg"/>
-        </inkml:traceFormat>
-        <inkml:channelProperties>
-          <inkml:channelProperty channel="X" name="resolution" value="1000" units="1/cm"/>
-          <inkml:channelProperty channel="Y" name="resolution" value="1000" units="1/cm"/>
-          <inkml:channelProperty channel="F" name="resolution" value="0" units="1/dev"/>
-          <inkml:channelProperty channel="OA" name="resolution" value="1000" units="1/deg"/>
-          <inkml:channelProperty channel="OE" name="resolution" value="1000" units="1/deg"/>
-        </inkml:channelProperties>
-      </inkml:inkSource>
-      <inkml:timestamp xml:id="ts0" timeString="2023-05-24T12:31:24.389"/>
-    </inkml:context>
-    <inkml:brush xml:id="br0">
-      <inkml:brushProperty name="width" value="0.2" units="cm"/>
-      <inkml:brushProperty name="height" value="0.2" units="cm"/>
-      <inkml:brushProperty name="color" value="#FFC114"/>
-    </inkml:brush>
-  </inkml:definitions>
-  <inkml:trace contextRef="#ctx0" brushRef="#br0">1 1 9284 0 0,'0'0'3298'0'0,"5"19"-2890"0"0,4 15-343 0 0,70 294 2709 0 0,-71-272-2376 0 0,0 109 1 0 0,-8-70-3414 0 0,-1-18-4735 0 0</inkml:trace>
-</inkml:ink>
-</file>
-
-<file path=ppt/ink/ink218.xml><?xml version="1.0" encoding="utf-8"?>
-<inkml:ink xmlns:inkml="http://www.w3.org/2003/InkML">
-  <inkml:definitions>
-    <inkml:context xml:id="ctx0">
-      <inkml:inkSource xml:id="inkSrc0">
-        <inkml:traceFormat>
-          <inkml:channel name="X" type="integer" min="-2.14748E9" max="2.14748E9" units="cm"/>
-          <inkml:channel name="Y" type="integer" min="-2.14748E9" max="2.14748E9" units="cm"/>
-          <inkml:channel name="F" type="integer" max="32767" units="dev"/>
-          <inkml:channel name="OA" type="integer" max="360" units="deg"/>
-          <inkml:channel name="OE" type="integer" max="90" units="deg"/>
-        </inkml:traceFormat>
-        <inkml:channelProperties>
-          <inkml:channelProperty channel="X" name="resolution" value="1000" units="1/cm"/>
-          <inkml:channelProperty channel="Y" name="resolution" value="1000" units="1/cm"/>
-          <inkml:channelProperty channel="F" name="resolution" value="0" units="1/dev"/>
-          <inkml:channelProperty channel="OA" name="resolution" value="1000" units="1/deg"/>
-          <inkml:channelProperty channel="OE" name="resolution" value="1000" units="1/deg"/>
-        </inkml:channelProperties>
-      </inkml:inkSource>
-      <inkml:timestamp xml:id="ts0" timeString="2023-05-24T12:31:24.733"/>
-    </inkml:context>
-    <inkml:brush xml:id="br0">
-      <inkml:brushProperty name="width" value="0.2" units="cm"/>
-      <inkml:brushProperty name="height" value="0.2" units="cm"/>
-      <inkml:brushProperty name="color" value="#FFC114"/>
-    </inkml:brush>
-  </inkml:definitions>
-  <inkml:trace contextRef="#ctx0" brushRef="#br0">0 1 8836 0 0,'0'0'304'0'0,"23"57"-864"0"0,7-57-1825 0 0</inkml:trace>
-</inkml:ink>
-</file>
-
-<file path=ppt/ink/ink219.xml><?xml version="1.0" encoding="utf-8"?>
-<inkml:ink xmlns:inkml="http://www.w3.org/2003/InkML">
-  <inkml:definitions>
-    <inkml:context xml:id="ctx0">
-      <inkml:inkSource xml:id="inkSrc0">
-        <inkml:traceFormat>
-          <inkml:channel name="X" type="integer" min="-2.14748E9" max="2.14748E9" units="cm"/>
-          <inkml:channel name="Y" type="integer" min="-2.14748E9" max="2.14748E9" units="cm"/>
-          <inkml:channel name="F" type="integer" max="32767" units="dev"/>
-          <inkml:channel name="OA" type="integer" max="360" units="deg"/>
-          <inkml:channel name="OE" type="integer" max="90" units="deg"/>
-        </inkml:traceFormat>
-        <inkml:channelProperties>
-          <inkml:channelProperty channel="X" name="resolution" value="1000" units="1/cm"/>
-          <inkml:channelProperty channel="Y" name="resolution" value="1000" units="1/cm"/>
-          <inkml:channelProperty channel="F" name="resolution" value="0" units="1/dev"/>
-          <inkml:channelProperty channel="OA" name="resolution" value="1000" units="1/deg"/>
-          <inkml:channelProperty channel="OE" name="resolution" value="1000" units="1/deg"/>
-        </inkml:channelProperties>
-      </inkml:inkSource>
-      <inkml:timestamp xml:id="ts0" timeString="2023-05-24T12:31:25.092"/>
-    </inkml:context>
-    <inkml:brush xml:id="br0">
-      <inkml:brushProperty name="width" value="0.2" units="cm"/>
-      <inkml:brushProperty name="height" value="0.2" units="cm"/>
-      <inkml:brushProperty name="color" value="#FFC114"/>
-    </inkml:brush>
-  </inkml:definitions>
-  <inkml:trace contextRef="#ctx0" brushRef="#br0">0 0 8916 0 0,'0'0'640'0'0</inkml:trace>
-</inkml:ink>
-</file>
-
-<file path=ppt/ink/ink22.xml><?xml version="1.0" encoding="utf-8"?>
+<file path=ppt/ink/ink40.xml><?xml version="1.0" encoding="utf-8"?>
 <inkml:ink xmlns:inkml="http://www.w3.org/2003/InkML">
   <inkml:definitions>
     <inkml:context xml:id="ctx0">
@@ -4424,135 +5761,7 @@
 </inkml:ink>
 </file>
 
-<file path=ppt/ink/ink220.xml><?xml version="1.0" encoding="utf-8"?>
-<inkml:ink xmlns:inkml="http://www.w3.org/2003/InkML">
-  <inkml:definitions>
-    <inkml:context xml:id="ctx0">
-      <inkml:inkSource xml:id="inkSrc0">
-        <inkml:traceFormat>
-          <inkml:channel name="X" type="integer" min="-2.14748E9" max="2.14748E9" units="cm"/>
-          <inkml:channel name="Y" type="integer" min="-2.14748E9" max="2.14748E9" units="cm"/>
-          <inkml:channel name="F" type="integer" max="32767" units="dev"/>
-          <inkml:channel name="OA" type="integer" max="360" units="deg"/>
-          <inkml:channel name="OE" type="integer" max="90" units="deg"/>
-        </inkml:traceFormat>
-        <inkml:channelProperties>
-          <inkml:channelProperty channel="X" name="resolution" value="1000" units="1/cm"/>
-          <inkml:channelProperty channel="Y" name="resolution" value="1000" units="1/cm"/>
-          <inkml:channelProperty channel="F" name="resolution" value="0" units="1/dev"/>
-          <inkml:channelProperty channel="OA" name="resolution" value="1000" units="1/deg"/>
-          <inkml:channelProperty channel="OE" name="resolution" value="1000" units="1/deg"/>
-        </inkml:channelProperties>
-      </inkml:inkSource>
-      <inkml:timestamp xml:id="ts0" timeString="2023-05-24T12:31:25.473"/>
-    </inkml:context>
-    <inkml:brush xml:id="br0">
-      <inkml:brushProperty name="width" value="0.2" units="cm"/>
-      <inkml:brushProperty name="height" value="0.2" units="cm"/>
-      <inkml:brushProperty name="color" value="#FFC114"/>
-    </inkml:brush>
-  </inkml:definitions>
-  <inkml:trace contextRef="#ctx0" brushRef="#br0">1 1 3762 0 0,'0'0'3585'0'0,"25"5"-2643"0"0,116 20-219 0 0,164 33 198 0 0,-298-56-835 0 0,9 1 34 0 0,-1 1 1 0 0,1 1-1 0 0,27 12 0 0 0,-40-16-118 0 0,0 1 0 0 0,-1-1-1 0 0,1 1 1 0 0,-1-1 0 0 0,0 1-1 0 0,1 0 1 0 0,-1 0 0 0 0,0 0 0 0 0,0 1-1 0 0,0-1 1 0 0,0 0 0 0 0,1 5-1 0 0,-2-6-8 0 0,0 1-1 0 0,-1 0 1 0 0,1-1 0 0 0,-1 1-1 0 0,0 0 1 0 0,0 0-1 0 0,0-1 1 0 0,0 1-1 0 0,0 0 1 0 0,0 0 0 0 0,0-1-1 0 0,0 1 1 0 0,-1 0-1 0 0,1 0 1 0 0,-1-1-1 0 0,1 1 1 0 0,-1 0 0 0 0,0-1-1 0 0,1 1 1 0 0,-1-1-1 0 0,0 1 1 0 0,-2 2-1 0 0,-4 3 6 0 0,-1 0-1 0 0,0 0 1 0 0,0 0-1 0 0,0-1 0 0 0,-1-1 1 0 0,0 1-1 0 0,0-1 1 0 0,0-1-1 0 0,-18 6 0 0 0,-15 10 53 0 0,27-12-37 0 0,-5 2 86 0 0,0 1-1 0 0,1 1 1 0 0,-24 19 0 0 0,39-27-14 0 0,-1 0 0 0 0,1 0 1 0 0,0 0-1 0 0,0 0 0 0 0,0 1 0 0 0,1 0 1 0 0,0 0-1 0 0,0 0 0 0 0,0 0 1 0 0,0 0-1 0 0,1 0 0 0 0,0 1 0 0 0,0 0 1 0 0,1-1-1 0 0,-1 1 0 0 0,1 0 0 0 0,0-1 1 0 0,0 8-1 0 0,2-11-78 0 0,-1-1 0 0 0,0 1 0 0 0,1-1 0 0 0,-1 0 0 0 0,1 1 0 0 0,0-1 0 0 0,-1 0 0 0 0,1 0 0 0 0,0 1 0 0 0,0-1 0 0 0,0 0 0 0 0,0 0 0 0 0,0 0 0 0 0,0 0 0 0 0,0 0 0 0 0,0 0 1 0 0,0-1-1 0 0,0 1 0 0 0,1 0 0 0 0,-1 0 0 0 0,0-1 0 0 0,0 1 0 0 0,1-1 0 0 0,-1 1 0 0 0,0-1 0 0 0,1 1 0 0 0,-1-1 0 0 0,1 0 0 0 0,-1 0 0 0 0,1 0 0 0 0,-1 0 0 0 0,3 0 0 0 0,58-2 162 0 0,-55 2-156 0 0,10-2-646 0 0,-1-1 1 0 0,-1-1 0 0 0,1-1-1 0 0,24-9 1 0 0,16-9-3997 0 0</inkml:trace>
-</inkml:ink>
-</file>
-
-<file path=ppt/ink/ink221.xml><?xml version="1.0" encoding="utf-8"?>
-<inkml:ink xmlns:inkml="http://www.w3.org/2003/InkML">
-  <inkml:definitions>
-    <inkml:context xml:id="ctx0">
-      <inkml:inkSource xml:id="inkSrc0">
-        <inkml:traceFormat>
-          <inkml:channel name="X" type="integer" min="-2.14748E9" max="2.14748E9" units="cm"/>
-          <inkml:channel name="Y" type="integer" min="-2.14748E9" max="2.14748E9" units="cm"/>
-          <inkml:channel name="F" type="integer" max="32767" units="dev"/>
-          <inkml:channel name="OA" type="integer" max="360" units="deg"/>
-          <inkml:channel name="OE" type="integer" max="90" units="deg"/>
-        </inkml:traceFormat>
-        <inkml:channelProperties>
-          <inkml:channelProperty channel="X" name="resolution" value="1000" units="1/cm"/>
-          <inkml:channelProperty channel="Y" name="resolution" value="1000" units="1/cm"/>
-          <inkml:channelProperty channel="F" name="resolution" value="0" units="1/dev"/>
-          <inkml:channelProperty channel="OA" name="resolution" value="1000" units="1/deg"/>
-          <inkml:channelProperty channel="OE" name="resolution" value="1000" units="1/deg"/>
-        </inkml:channelProperties>
-      </inkml:inkSource>
-      <inkml:timestamp xml:id="ts0" timeString="2023-05-24T12:31:25.848"/>
-    </inkml:context>
-    <inkml:brush xml:id="br0">
-      <inkml:brushProperty name="width" value="0.2" units="cm"/>
-      <inkml:brushProperty name="height" value="0.2" units="cm"/>
-      <inkml:brushProperty name="color" value="#FFC114"/>
-    </inkml:brush>
-  </inkml:definitions>
-  <inkml:trace contextRef="#ctx0" brushRef="#br0">1 243 5875 0 0,'0'0'4893'0'0,"34"-1"-3757"0"0,109-3-458 0 0,-131 3-692 0 0,0 1 1 0 0,0-2-1 0 0,0 1 0 0 0,0-2 1 0 0,0 0-1 0 0,0 0 0 0 0,-1-1 1 0 0,1 0-1 0 0,-1-1 1 0 0,0-1-1 0 0,0 1 0 0 0,-1-2 1 0 0,0 1-1 0 0,0-2 0 0 0,0 1 1 0 0,-1-1-1 0 0,0-1 1 0 0,8-10-1 0 0,-14 17-40 0 0,-1 0 0 0 0,0 0 0 0 0,0 0 0 0 0,-1-1 0 0 0,1 1 0 0 0,0-1 0 0 0,-1 1 0 0 0,1-1 0 0 0,-1 0 1 0 0,0 0-1 0 0,0 1 0 0 0,0-1 0 0 0,0 0 0 0 0,-1 0 0 0 0,1 0 0 0 0,-1 0 0 0 0,1 0 0 0 0,-1 0 0 0 0,0 0 0 0 0,0 0 0 0 0,-1 0 0 0 0,1 0 0 0 0,-1 0 0 0 0,-1-5 0 0 0,0 5 11 0 0,0-1 0 0 0,0 1 0 0 0,-1 0 0 0 0,1 0-1 0 0,-1 0 1 0 0,0 1 0 0 0,0-1 0 0 0,0 1 0 0 0,0-1 0 0 0,0 1-1 0 0,0 0 1 0 0,-1 0 0 0 0,1 0 0 0 0,-1 1 0 0 0,1-1 0 0 0,-1 1-1 0 0,0 0 1 0 0,-4-1 0 0 0,-17-4 34 0 0,-1 1-1 0 0,1 2 1 0 0,-31-1 0 0 0,44 3 88 0 0,0 1 1 0 0,0 0-1 0 0,0 1 1 0 0,0 1-1 0 0,1 0 1 0 0,-1 0-1 0 0,1 1 1 0 0,-1 1-1 0 0,-11 5 1 0 0,17-5 12 0 0,1 0 1 0 0,-1 0 0 0 0,2 1 0 0 0,-1-1 0 0 0,0 1-1 0 0,1 0 1 0 0,0 1 0 0 0,0-1 0 0 0,0 1 0 0 0,1-1-1 0 0,0 1 1 0 0,0 0 0 0 0,0 1 0 0 0,1-1-1 0 0,0 0 1 0 0,0 1 0 0 0,0-1 0 0 0,1 1 0 0 0,0-1-1 0 0,0 11 1 0 0,0-7 27 0 0,1-1 0 0 0,0 1 0 0 0,0 0-1 0 0,1 0 1 0 0,0 0 0 0 0,1 0 0 0 0,0-1 0 0 0,1 1-1 0 0,0-1 1 0 0,0 1 0 0 0,1-1 0 0 0,0 0 0 0 0,7 11-1 0 0,0-6-52 0 0,0-1-1 0 0,1 0 0 0 0,0-1 0 0 0,1 0 0 0 0,0-1 0 0 0,27 18 1 0 0,-31-24-365 0 0,1 1-1 0 0,-1-1 1 0 0,1-1 0 0 0,0 0 0 0 0,0 0 0 0 0,1-1 0 0 0,-1 0 0 0 0,1-1 0 0 0,-1 0-1 0 0,1-1 1 0 0,0 0 0 0 0,12 0 0 0 0,1-5-3224 0 0</inkml:trace>
-</inkml:ink>
-</file>
-
-<file path=ppt/ink/ink222.xml><?xml version="1.0" encoding="utf-8"?>
-<inkml:ink xmlns:inkml="http://www.w3.org/2003/InkML">
-  <inkml:definitions>
-    <inkml:context xml:id="ctx0">
-      <inkml:inkSource xml:id="inkSrc0">
-        <inkml:traceFormat>
-          <inkml:channel name="X" type="integer" min="-2.14748E9" max="2.14748E9" units="cm"/>
-          <inkml:channel name="Y" type="integer" min="-2.14748E9" max="2.14748E9" units="cm"/>
-          <inkml:channel name="F" type="integer" max="32767" units="dev"/>
-          <inkml:channel name="OA" type="integer" max="360" units="deg"/>
-          <inkml:channel name="OE" type="integer" max="90" units="deg"/>
-        </inkml:traceFormat>
-        <inkml:channelProperties>
-          <inkml:channelProperty channel="X" name="resolution" value="1000" units="1/cm"/>
-          <inkml:channelProperty channel="Y" name="resolution" value="1000" units="1/cm"/>
-          <inkml:channelProperty channel="F" name="resolution" value="0" units="1/dev"/>
-          <inkml:channelProperty channel="OA" name="resolution" value="1000" units="1/deg"/>
-          <inkml:channelProperty channel="OE" name="resolution" value="1000" units="1/deg"/>
-        </inkml:channelProperties>
-      </inkml:inkSource>
-      <inkml:timestamp xml:id="ts0" timeString="2023-05-24T12:31:26.472"/>
-    </inkml:context>
-    <inkml:brush xml:id="br0">
-      <inkml:brushProperty name="width" value="0.2" units="cm"/>
-      <inkml:brushProperty name="height" value="0.2" units="cm"/>
-      <inkml:brushProperty name="color" value="#FFC114"/>
-    </inkml:brush>
-  </inkml:definitions>
-  <inkml:trace contextRef="#ctx0" brushRef="#br0">81 831 4386 0 0,'0'0'3642'0'0,"-13"9"-3530"0"0,-39 32 381 0 0,50-40-443 0 0,1 0 0 0 0,0-1 0 0 0,0 1 0 0 0,0 0-1 0 0,0 0 1 0 0,0 0 0 0 0,0 0 0 0 0,0 0 0 0 0,1 0 0 0 0,-1 0 0 0 0,0 0-1 0 0,1 1 1 0 0,-1-1 0 0 0,0 0 0 0 0,1 0 0 0 0,0 1 0 0 0,-1-1-1 0 0,1 0 1 0 0,0 1 0 0 0,-1-1 0 0 0,1 0 0 0 0,0 1 0 0 0,0-1-1 0 0,0 0 1 0 0,0 1 0 0 0,0-1 0 0 0,1 0 0 0 0,-1 1 0 0 0,0-1-1 0 0,1 0 1 0 0,-1 0 0 0 0,1 1 0 0 0,-1-1 0 0 0,1 0 0 0 0,-1 0 0 0 0,1 0-1 0 0,0 1 1 0 0,0-1 0 0 0,-1 0 0 0 0,1 0 0 0 0,0 0 0 0 0,0 0-1 0 0,0 0 1 0 0,0-1 0 0 0,0 1 0 0 0,1 0 0 0 0,-1 0 0 0 0,1 0-1 0 0,4 2 32 0 0,1 1 0 0 0,-1-2-1 0 0,0 1 1 0 0,1-1 0 0 0,0 0-1 0 0,11 2 1 0 0,-7-2-47 0 0,1-1 0 0 0,-1-1 0 0 0,1 0 0 0 0,0 0 0 0 0,-1-1 0 0 0,1-1-1 0 0,-1 0 1 0 0,1 0 0 0 0,-1-1 0 0 0,0-1 0 0 0,0 0 0 0 0,0 0 0 0 0,17-11 0 0 0,-13 6-226 0 0,0-2 1 0 0,-1 1-1 0 0,-1-2 1 0 0,1 0-1 0 0,-2-1 1 0 0,0 0-1 0 0,0-1 1 0 0,13-21-1 0 0,-11 11 115 0 0,0 0 0 0 0,-2-1-1 0 0,-1 0 1 0 0,-1-1 0 0 0,-1 0-1 0 0,-1-1 1 0 0,-2 0-1 0 0,0 0 1 0 0,-2-1 0 0 0,-1 1-1 0 0,-1-1 1 0 0,-2-31 0 0 0,0-96 1355 0 0,0-97 5346 0 0,-4 239-6152 0 0,0 28-1019 0 0,5 160-245 0 0,-8 362-1342 0 0,7-534 2090 0 0,-2 26-502 0 0,1 0-1 0 0,6 54 1 0 0,-4-74 312 0 0,1 0 0 0 0,1 0 0 0 0,-1 0 0 0 0,1 0 0 0 0,1 0 0 0 0,0-1 0 0 0,0 1 0 0 0,1-1 0 0 0,0 0 0 0 0,0 0 0 0 0,1-1 0 0 0,10 11 0 0 0,13 9-2386 0 0,-5-10-1521 0 0</inkml:trace>
-</inkml:ink>
-</file>
-
-<file path=ppt/ink/ink223.xml><?xml version="1.0" encoding="utf-8"?>
-<inkml:ink xmlns:inkml="http://www.w3.org/2003/InkML">
-  <inkml:definitions>
-    <inkml:context xml:id="ctx0">
-      <inkml:inkSource xml:id="inkSrc0">
-        <inkml:traceFormat>
-          <inkml:channel name="X" type="integer" min="-2.14748E9" max="2.14748E9" units="cm"/>
-          <inkml:channel name="Y" type="integer" min="-2.14748E9" max="2.14748E9" units="cm"/>
-          <inkml:channel name="F" type="integer" max="32767" units="dev"/>
-          <inkml:channel name="OA" type="integer" max="360" units="deg"/>
-          <inkml:channel name="OE" type="integer" max="90" units="deg"/>
-        </inkml:traceFormat>
-        <inkml:channelProperties>
-          <inkml:channelProperty channel="X" name="resolution" value="1000" units="1/cm"/>
-          <inkml:channelProperty channel="Y" name="resolution" value="1000" units="1/cm"/>
-          <inkml:channelProperty channel="F" name="resolution" value="0" units="1/dev"/>
-          <inkml:channelProperty channel="OA" name="resolution" value="1000" units="1/deg"/>
-          <inkml:channelProperty channel="OE" name="resolution" value="1000" units="1/deg"/>
-        </inkml:channelProperties>
-      </inkml:inkSource>
-      <inkml:timestamp xml:id="ts0" timeString="2023-05-24T12:31:29.536"/>
-    </inkml:context>
-    <inkml:brush xml:id="br0">
-      <inkml:brushProperty name="width" value="0.2" units="cm"/>
-      <inkml:brushProperty name="height" value="0.2" units="cm"/>
-      <inkml:brushProperty name="color" value="#FFC114"/>
-    </inkml:brush>
-  </inkml:definitions>
-  <inkml:trace contextRef="#ctx0" brushRef="#br0">398 19 2801 0 0,'0'0'2129'0'0,"-43"-2"2604"0"0,-21-7-4746 0 0,-1 3-1 0 0,-114 4 1 0 0,147 7-60 0 0,32-5 26 0 0,-1 1 1 0 0,0-1-1 0 0,0 1 0 0 0,0-1 1 0 0,0 0-1 0 0,1 1 1 0 0,-1 0-1 0 0,0-1 0 0 0,0 1 1 0 0,1 0-1 0 0,-1-1 1 0 0,1 1-1 0 0,-1 0 0 0 0,1-1 1 0 0,-1 1-1 0 0,1 0 1 0 0,-1 0-1 0 0,1 0 0 0 0,-1 0 1 0 0,1-1-1 0 0,0 1 1 0 0,0 0-1 0 0,-1 0 0 0 0,1 0 1 0 0,0 0-1 0 0,0 0 1 0 0,0 0-1 0 0,0 1 0 0 0,0-1-28 0 0,1-1-1 0 0,-1 1 0 0 0,0-1 1 0 0,0 1-1 0 0,1 0 0 0 0,-1-1 1 0 0,0 1-1 0 0,1-1 0 0 0,-1 1 1 0 0,1-1-1 0 0,-1 0 0 0 0,1 1 1 0 0,-1-1-1 0 0,1 1 0 0 0,-1-1 0 0 0,1 0 1 0 0,-1 1-1 0 0,1-1 0 0 0,0 0 1 0 0,-1 1-1 0 0,1-1 0 0 0,-1 0 1 0 0,1 0-1 0 0,0 0 0 0 0,-1 0 1 0 0,1 0-1 0 0,0 0 0 0 0,-1 0 1 0 0,1 0-1 0 0,0 0 0 0 0,-1 0 1 0 0,1 0-1 0 0,0 0 0 0 0,-1 0 1 0 0,1 0-1 0 0,0-1 0 0 0,5 1-573 0 0,32 1-3700 0 0</inkml:trace>
-</inkml:ink>
-</file>
-
-<file path=ppt/ink/ink23.xml><?xml version="1.0" encoding="utf-8"?>
+<file path=ppt/ink/ink41.xml><?xml version="1.0" encoding="utf-8"?>
 <inkml:ink xmlns:inkml="http://www.w3.org/2003/InkML">
   <inkml:definitions>
     <inkml:context xml:id="ctx0">
@@ -4584,7 +5793,7 @@
 </inkml:ink>
 </file>
 
-<file path=ppt/ink/ink24.xml><?xml version="1.0" encoding="utf-8"?>
+<file path=ppt/ink/ink42.xml><?xml version="1.0" encoding="utf-8"?>
 <inkml:ink xmlns:inkml="http://www.w3.org/2003/InkML">
   <inkml:definitions>
     <inkml:context xml:id="ctx0">
@@ -4616,7 +5825,7 @@
 </inkml:ink>
 </file>
 
-<file path=ppt/ink/ink25.xml><?xml version="1.0" encoding="utf-8"?>
+<file path=ppt/ink/ink43.xml><?xml version="1.0" encoding="utf-8"?>
 <inkml:ink xmlns:inkml="http://www.w3.org/2003/InkML">
   <inkml:definitions>
     <inkml:context xml:id="ctx0">
@@ -4648,7 +5857,7 @@
 </inkml:ink>
 </file>
 
-<file path=ppt/ink/ink26.xml><?xml version="1.0" encoding="utf-8"?>
+<file path=ppt/ink/ink44.xml><?xml version="1.0" encoding="utf-8"?>
 <inkml:ink xmlns:inkml="http://www.w3.org/2003/InkML">
   <inkml:definitions>
     <inkml:context xml:id="ctx0">
@@ -4680,7 +5889,7 @@
 </inkml:ink>
 </file>
 
-<file path=ppt/ink/ink27.xml><?xml version="1.0" encoding="utf-8"?>
+<file path=ppt/ink/ink45.xml><?xml version="1.0" encoding="utf-8"?>
 <inkml:ink xmlns:inkml="http://www.w3.org/2003/InkML">
   <inkml:definitions>
     <inkml:context xml:id="ctx0">
@@ -4712,7 +5921,7 @@
 </inkml:ink>
 </file>
 
-<file path=ppt/ink/ink28.xml><?xml version="1.0" encoding="utf-8"?>
+<file path=ppt/ink/ink46.xml><?xml version="1.0" encoding="utf-8"?>
 <inkml:ink xmlns:inkml="http://www.w3.org/2003/InkML">
   <inkml:definitions>
     <inkml:context xml:id="ctx0">
@@ -4744,7 +5953,7 @@
 </inkml:ink>
 </file>
 
-<file path=ppt/ink/ink29.xml><?xml version="1.0" encoding="utf-8"?>
+<file path=ppt/ink/ink47.xml><?xml version="1.0" encoding="utf-8"?>
 <inkml:ink xmlns:inkml="http://www.w3.org/2003/InkML">
   <inkml:definitions>
     <inkml:context xml:id="ctx0">
@@ -4776,38 +5985,7 @@
 </inkml:ink>
 </file>
 
-<file path=ppt/ink/ink3.xml><?xml version="1.0" encoding="utf-8"?>
-<inkml:ink xmlns:inkml="http://www.w3.org/2003/InkML">
-  <inkml:definitions>
-    <inkml:context xml:id="ctx0">
-      <inkml:inkSource xml:id="inkSrc0">
-        <inkml:traceFormat>
-          <inkml:channel name="X" type="integer" min="-2.14748E9" max="2.14748E9" units="cm"/>
-          <inkml:channel name="Y" type="integer" min="-2.14748E9" max="2.14748E9" units="cm"/>
-          <inkml:channel name="F" type="integer" max="32767" units="dev"/>
-          <inkml:channel name="OA" type="integer" max="360" units="deg"/>
-          <inkml:channel name="OE" type="integer" max="90" units="deg"/>
-        </inkml:traceFormat>
-        <inkml:channelProperties>
-          <inkml:channelProperty channel="X" name="resolution" value="1000" units="1/cm"/>
-          <inkml:channelProperty channel="Y" name="resolution" value="1000" units="1/cm"/>
-          <inkml:channelProperty channel="F" name="resolution" value="0" units="1/dev"/>
-          <inkml:channelProperty channel="OA" name="resolution" value="1000" units="1/deg"/>
-          <inkml:channelProperty channel="OE" name="resolution" value="1000" units="1/deg"/>
-        </inkml:channelProperties>
-      </inkml:inkSource>
-      <inkml:timestamp xml:id="ts0" timeString="2023-05-24T12:34:39.935"/>
-    </inkml:context>
-    <inkml:brush xml:id="br0">
-      <inkml:brushProperty name="width" value="0.2" units="cm"/>
-      <inkml:brushProperty name="height" value="0.2" units="cm"/>
-    </inkml:brush>
-  </inkml:definitions>
-  <inkml:trace contextRef="#ctx0" brushRef="#br0">0 4 7860 0 0,'0'0'1952'0'0,"0"-1"-1952"0"0,0-1 193 0 0</inkml:trace>
-</inkml:ink>
-</file>
-
-<file path=ppt/ink/ink30.xml><?xml version="1.0" encoding="utf-8"?>
+<file path=ppt/ink/ink48.xml><?xml version="1.0" encoding="utf-8"?>
 <inkml:ink xmlns:inkml="http://www.w3.org/2003/InkML">
   <inkml:definitions>
     <inkml:context xml:id="ctx0">
@@ -4839,7 +6017,7 @@
 </inkml:ink>
 </file>
 
-<file path=ppt/ink/ink31.xml><?xml version="1.0" encoding="utf-8"?>
+<file path=ppt/ink/ink49.xml><?xml version="1.0" encoding="utf-8"?>
 <inkml:ink xmlns:inkml="http://www.w3.org/2003/InkML">
   <inkml:definitions>
     <inkml:context xml:id="ctx0">
@@ -4871,7 +6049,39 @@
 </inkml:ink>
 </file>
 
-<file path=ppt/ink/ink32.xml><?xml version="1.0" encoding="utf-8"?>
+<file path=ppt/ink/ink5.xml><?xml version="1.0" encoding="utf-8"?>
+<inkml:ink xmlns:inkml="http://www.w3.org/2003/InkML">
+  <inkml:definitions>
+    <inkml:context xml:id="ctx0">
+      <inkml:inkSource xml:id="inkSrc0">
+        <inkml:traceFormat>
+          <inkml:channel name="X" type="integer" min="-2.14748E9" max="2.14748E9" units="cm"/>
+          <inkml:channel name="Y" type="integer" min="-2.14748E9" max="2.14748E9" units="cm"/>
+          <inkml:channel name="F" type="integer" max="32767" units="dev"/>
+          <inkml:channel name="OA" type="integer" max="360" units="deg"/>
+          <inkml:channel name="OE" type="integer" max="90" units="deg"/>
+        </inkml:traceFormat>
+        <inkml:channelProperties>
+          <inkml:channelProperty channel="X" name="resolution" value="1000" units="1/cm"/>
+          <inkml:channelProperty channel="Y" name="resolution" value="1000" units="1/cm"/>
+          <inkml:channelProperty channel="F" name="resolution" value="0" units="1/dev"/>
+          <inkml:channelProperty channel="OA" name="resolution" value="1000" units="1/deg"/>
+          <inkml:channelProperty channel="OE" name="resolution" value="1000" units="1/deg"/>
+        </inkml:channelProperties>
+      </inkml:inkSource>
+      <inkml:timestamp xml:id="ts0" timeString="2023-05-24T15:11:33.389"/>
+    </inkml:context>
+    <inkml:brush xml:id="br0">
+      <inkml:brushProperty name="width" value="0.1" units="cm"/>
+      <inkml:brushProperty name="height" value="0.1" units="cm"/>
+      <inkml:brushProperty name="color" value="#E71224"/>
+    </inkml:brush>
+  </inkml:definitions>
+  <inkml:trace contextRef="#ctx0" brushRef="#br0">0 34 304 0 0,'1'-2'301'0'0,"1"1"0"0"0,-1-1 1 0 0,1 0-1 0 0,-1 1 0 0 0,1-1 0 0 0,0 1 0 0 0,-1 0 0 0 0,1-1 0 0 0,0 1 0 0 0,0 0 0 0 0,0 0 1 0 0,0 0-1 0 0,0 0 0 0 0,0 0 0 0 0,0 1 0 0 0,0-1 0 0 0,0 1 0 0 0,4-1 0 0 0,1 0 601 0 0,1 1-1 0 0,-1 0 1 0 0,1 1 0 0 0,-1 0-1 0 0,8 1 1 0 0,56 12-881 0 0,129 20 86 0 0,-49-12-119 0 0,-77-10 8 0 0,130 5 1 0 0,443-36 78 0 0,-233 1-81 0 0,246-18 22 0 0,256-4-66 0 0,-278 68 20 0 0,-99 3 39 0 0,-182-16-10 0 0,433 69-41 0 0,26-16 91 0 0,-533-51-40 0 0,1163 20-23 0 0,-1118-36 12 0 0,527 30 18 0 0,13 0-16 0 0,301-63 35 0 0,-650-4-8 0 0,415-32-16 0 0,-5-31 151 0 0,-690 68 418 0 0,282 0 1 0 0,350 39-1811 0 0,-909-11-1993 0 0,-53-15-3516 0 0</inkml:trace>
+</inkml:ink>
+</file>
+
+<file path=ppt/ink/ink50.xml><?xml version="1.0" encoding="utf-8"?>
 <inkml:ink xmlns:inkml="http://www.w3.org/2003/InkML">
   <inkml:definitions>
     <inkml:context xml:id="ctx0">
@@ -4903,7 +6113,7 @@
 </inkml:ink>
 </file>
 
-<file path=ppt/ink/ink33.xml><?xml version="1.0" encoding="utf-8"?>
+<file path=ppt/ink/ink51.xml><?xml version="1.0" encoding="utf-8"?>
 <inkml:ink xmlns:inkml="http://www.w3.org/2003/InkML">
   <inkml:definitions>
     <inkml:context xml:id="ctx0">
@@ -4935,7 +6145,7 @@
 </inkml:ink>
 </file>
 
-<file path=ppt/ink/ink34.xml><?xml version="1.0" encoding="utf-8"?>
+<file path=ppt/ink/ink52.xml><?xml version="1.0" encoding="utf-8"?>
 <inkml:ink xmlns:inkml="http://www.w3.org/2003/InkML">
   <inkml:definitions>
     <inkml:context xml:id="ctx0">
@@ -4967,7 +6177,7 @@
 </inkml:ink>
 </file>
 
-<file path=ppt/ink/ink35.xml><?xml version="1.0" encoding="utf-8"?>
+<file path=ppt/ink/ink53.xml><?xml version="1.0" encoding="utf-8"?>
 <inkml:ink xmlns:inkml="http://www.w3.org/2003/InkML">
   <inkml:definitions>
     <inkml:context xml:id="ctx0">
@@ -4999,7 +6209,7 @@
 </inkml:ink>
 </file>
 
-<file path=ppt/ink/ink36.xml><?xml version="1.0" encoding="utf-8"?>
+<file path=ppt/ink/ink54.xml><?xml version="1.0" encoding="utf-8"?>
 <inkml:ink xmlns:inkml="http://www.w3.org/2003/InkML">
   <inkml:definitions>
     <inkml:context xml:id="ctx0">
@@ -5031,7 +6241,7 @@
 </inkml:ink>
 </file>
 
-<file path=ppt/ink/ink37.xml><?xml version="1.0" encoding="utf-8"?>
+<file path=ppt/ink/ink55.xml><?xml version="1.0" encoding="utf-8"?>
 <inkml:ink xmlns:inkml="http://www.w3.org/2003/InkML">
   <inkml:definitions>
     <inkml:context xml:id="ctx0">
@@ -5063,7 +6273,7 @@
 </inkml:ink>
 </file>
 
-<file path=ppt/ink/ink38.xml><?xml version="1.0" encoding="utf-8"?>
+<file path=ppt/ink/ink56.xml><?xml version="1.0" encoding="utf-8"?>
 <inkml:ink xmlns:inkml="http://www.w3.org/2003/InkML">
   <inkml:definitions>
     <inkml:context xml:id="ctx0">
@@ -5095,7 +6305,7 @@
 </inkml:ink>
 </file>
 
-<file path=ppt/ink/ink39.xml><?xml version="1.0" encoding="utf-8"?>
+<file path=ppt/ink/ink57.xml><?xml version="1.0" encoding="utf-8"?>
 <inkml:ink xmlns:inkml="http://www.w3.org/2003/InkML">
   <inkml:definitions>
     <inkml:context xml:id="ctx0">
@@ -5127,38 +6337,7 @@
 </inkml:ink>
 </file>
 
-<file path=ppt/ink/ink4.xml><?xml version="1.0" encoding="utf-8"?>
-<inkml:ink xmlns:inkml="http://www.w3.org/2003/InkML">
-  <inkml:definitions>
-    <inkml:context xml:id="ctx0">
-      <inkml:inkSource xml:id="inkSrc0">
-        <inkml:traceFormat>
-          <inkml:channel name="X" type="integer" min="-2.14748E9" max="2.14748E9" units="cm"/>
-          <inkml:channel name="Y" type="integer" min="-2.14748E9" max="2.14748E9" units="cm"/>
-          <inkml:channel name="F" type="integer" max="32767" units="dev"/>
-          <inkml:channel name="OA" type="integer" max="360" units="deg"/>
-          <inkml:channel name="OE" type="integer" max="90" units="deg"/>
-        </inkml:traceFormat>
-        <inkml:channelProperties>
-          <inkml:channelProperty channel="X" name="resolution" value="1000" units="1/cm"/>
-          <inkml:channelProperty channel="Y" name="resolution" value="1000" units="1/cm"/>
-          <inkml:channelProperty channel="F" name="resolution" value="0" units="1/dev"/>
-          <inkml:channelProperty channel="OA" name="resolution" value="1000" units="1/deg"/>
-          <inkml:channelProperty channel="OE" name="resolution" value="1000" units="1/deg"/>
-        </inkml:channelProperties>
-      </inkml:inkSource>
-      <inkml:timestamp xml:id="ts0" timeString="2023-05-24T12:34:39.541"/>
-    </inkml:context>
-    <inkml:brush xml:id="br0">
-      <inkml:brushProperty name="width" value="0.2" units="cm"/>
-      <inkml:brushProperty name="height" value="0.2" units="cm"/>
-    </inkml:brush>
-  </inkml:definitions>
-  <inkml:trace contextRef="#ctx0" brushRef="#br0">88 9 2609 0 0,'0'-9'4480'0'0,"0"40"-4702"0"0,1-19 245 0 0,0 1 0 0 0,-1-1 0 0 0,0 1-1 0 0,-2-1 1 0 0,1 0 0 0 0,-1 1 0 0 0,-1-1 0 0 0,0 0-1 0 0,-1 0 1 0 0,-7 16 0 0 0,5-17-297 0 0,-7 11 563 0 0,2 0-1 0 0,-11 30 0 0 0,11-1-1224 0 0,11-45 379 0 0,0-1-1 0 0,0 0 1 0 0,1 0 0 0 0,-1 0 0 0 0,1 1 0 0 0,0-1 0 0 0,4 9 0 0 0</inkml:trace>
-</inkml:ink>
-</file>
-
-<file path=ppt/ink/ink40.xml><?xml version="1.0" encoding="utf-8"?>
+<file path=ppt/ink/ink58.xml><?xml version="1.0" encoding="utf-8"?>
 <inkml:ink xmlns:inkml="http://www.w3.org/2003/InkML">
   <inkml:definitions>
     <inkml:context xml:id="ctx0">
@@ -5190,7 +6369,7 @@
 </inkml:ink>
 </file>
 
-<file path=ppt/ink/ink41.xml><?xml version="1.0" encoding="utf-8"?>
+<file path=ppt/ink/ink59.xml><?xml version="1.0" encoding="utf-8"?>
 <inkml:ink xmlns:inkml="http://www.w3.org/2003/InkML">
   <inkml:definitions>
     <inkml:context xml:id="ctx0">
@@ -5222,7 +6401,39 @@
 </inkml:ink>
 </file>
 
-<file path=ppt/ink/ink42.xml><?xml version="1.0" encoding="utf-8"?>
+<file path=ppt/ink/ink6.xml><?xml version="1.0" encoding="utf-8"?>
+<inkml:ink xmlns:inkml="http://www.w3.org/2003/InkML">
+  <inkml:definitions>
+    <inkml:context xml:id="ctx0">
+      <inkml:inkSource xml:id="inkSrc0">
+        <inkml:traceFormat>
+          <inkml:channel name="X" type="integer" min="-2.14748E9" max="2.14748E9" units="cm"/>
+          <inkml:channel name="Y" type="integer" min="-2.14748E9" max="2.14748E9" units="cm"/>
+          <inkml:channel name="F" type="integer" max="32767" units="dev"/>
+          <inkml:channel name="OA" type="integer" max="360" units="deg"/>
+          <inkml:channel name="OE" type="integer" max="90" units="deg"/>
+        </inkml:traceFormat>
+        <inkml:channelProperties>
+          <inkml:channelProperty channel="X" name="resolution" value="1000" units="1/cm"/>
+          <inkml:channelProperty channel="Y" name="resolution" value="1000" units="1/cm"/>
+          <inkml:channelProperty channel="F" name="resolution" value="0" units="1/dev"/>
+          <inkml:channelProperty channel="OA" name="resolution" value="1000" units="1/deg"/>
+          <inkml:channelProperty channel="OE" name="resolution" value="1000" units="1/deg"/>
+        </inkml:channelProperties>
+      </inkml:inkSource>
+      <inkml:timestamp xml:id="ts0" timeString="2023-05-24T15:12:02.940"/>
+    </inkml:context>
+    <inkml:brush xml:id="br0">
+      <inkml:brushProperty name="width" value="0.1" units="cm"/>
+      <inkml:brushProperty name="height" value="0.1" units="cm"/>
+      <inkml:brushProperty name="color" value="#E71224"/>
+    </inkml:brush>
+  </inkml:definitions>
+  <inkml:trace contextRef="#ctx0" brushRef="#br0">64 129 9716 0 0,'-11'-14'1729'0'0,"1"9"640"0"0,-6 2-1104 0 0,5 0-673 0 0,6 3-16 0 0,-1 0-95 0 0,1 0-817 0 0,5-38-6836 0 0,0-27 2354 0 0</inkml:trace>
+</inkml:ink>
+</file>
+
+<file path=ppt/ink/ink60.xml><?xml version="1.0" encoding="utf-8"?>
 <inkml:ink xmlns:inkml="http://www.w3.org/2003/InkML">
   <inkml:definitions>
     <inkml:context xml:id="ctx0">
@@ -5254,7 +6465,7 @@
 </inkml:ink>
 </file>
 
-<file path=ppt/ink/ink43.xml><?xml version="1.0" encoding="utf-8"?>
+<file path=ppt/ink/ink61.xml><?xml version="1.0" encoding="utf-8"?>
 <inkml:ink xmlns:inkml="http://www.w3.org/2003/InkML">
   <inkml:definitions>
     <inkml:context xml:id="ctx0">
@@ -5286,7 +6497,7 @@
 </inkml:ink>
 </file>
 
-<file path=ppt/ink/ink44.xml><?xml version="1.0" encoding="utf-8"?>
+<file path=ppt/ink/ink62.xml><?xml version="1.0" encoding="utf-8"?>
 <inkml:ink xmlns:inkml="http://www.w3.org/2003/InkML">
   <inkml:definitions>
     <inkml:context xml:id="ctx0">
@@ -5318,7 +6529,7 @@
 </inkml:ink>
 </file>
 
-<file path=ppt/ink/ink45.xml><?xml version="1.0" encoding="utf-8"?>
+<file path=ppt/ink/ink63.xml><?xml version="1.0" encoding="utf-8"?>
 <inkml:ink xmlns:inkml="http://www.w3.org/2003/InkML">
   <inkml:definitions>
     <inkml:context xml:id="ctx0">
@@ -5350,7 +6561,7 @@
 </inkml:ink>
 </file>
 
-<file path=ppt/ink/ink46.xml><?xml version="1.0" encoding="utf-8"?>
+<file path=ppt/ink/ink64.xml><?xml version="1.0" encoding="utf-8"?>
 <inkml:ink xmlns:inkml="http://www.w3.org/2003/InkML">
   <inkml:definitions>
     <inkml:context xml:id="ctx0">
@@ -5382,7 +6593,7 @@
 </inkml:ink>
 </file>
 
-<file path=ppt/ink/ink47.xml><?xml version="1.0" encoding="utf-8"?>
+<file path=ppt/ink/ink65.xml><?xml version="1.0" encoding="utf-8"?>
 <inkml:ink xmlns:inkml="http://www.w3.org/2003/InkML">
   <inkml:definitions>
     <inkml:context xml:id="ctx0">
@@ -5414,7 +6625,7 @@
 </inkml:ink>
 </file>
 
-<file path=ppt/ink/ink48.xml><?xml version="1.0" encoding="utf-8"?>
+<file path=ppt/ink/ink66.xml><?xml version="1.0" encoding="utf-8"?>
 <inkml:ink xmlns:inkml="http://www.w3.org/2003/InkML">
   <inkml:definitions>
     <inkml:context xml:id="ctx0">
@@ -5446,7 +6657,7 @@
 </inkml:ink>
 </file>
 
-<file path=ppt/ink/ink49.xml><?xml version="1.0" encoding="utf-8"?>
+<file path=ppt/ink/ink67.xml><?xml version="1.0" encoding="utf-8"?>
 <inkml:ink xmlns:inkml="http://www.w3.org/2003/InkML">
   <inkml:definitions>
     <inkml:context xml:id="ctx0">
@@ -5478,38 +6689,7 @@
 </inkml:ink>
 </file>
 
-<file path=ppt/ink/ink5.xml><?xml version="1.0" encoding="utf-8"?>
-<inkml:ink xmlns:inkml="http://www.w3.org/2003/InkML">
-  <inkml:definitions>
-    <inkml:context xml:id="ctx0">
-      <inkml:inkSource xml:id="inkSrc0">
-        <inkml:traceFormat>
-          <inkml:channel name="X" type="integer" min="-2.14748E9" max="2.14748E9" units="cm"/>
-          <inkml:channel name="Y" type="integer" min="-2.14748E9" max="2.14748E9" units="cm"/>
-          <inkml:channel name="F" type="integer" max="32767" units="dev"/>
-          <inkml:channel name="OA" type="integer" max="360" units="deg"/>
-          <inkml:channel name="OE" type="integer" max="90" units="deg"/>
-        </inkml:traceFormat>
-        <inkml:channelProperties>
-          <inkml:channelProperty channel="X" name="resolution" value="1000" units="1/cm"/>
-          <inkml:channelProperty channel="Y" name="resolution" value="1000" units="1/cm"/>
-          <inkml:channelProperty channel="F" name="resolution" value="0" units="1/dev"/>
-          <inkml:channelProperty channel="OA" name="resolution" value="1000" units="1/deg"/>
-          <inkml:channelProperty channel="OE" name="resolution" value="1000" units="1/deg"/>
-        </inkml:channelProperties>
-      </inkml:inkSource>
-      <inkml:timestamp xml:id="ts0" timeString="2023-05-24T12:34:40.694"/>
-    </inkml:context>
-    <inkml:brush xml:id="br0">
-      <inkml:brushProperty name="width" value="0.2" units="cm"/>
-      <inkml:brushProperty name="height" value="0.2" units="cm"/>
-    </inkml:brush>
-  </inkml:definitions>
-  <inkml:trace contextRef="#ctx0" brushRef="#br0">29 36 3954 0 0,'0'0'1875'0'0,"-1"15"-1490"0"0,1-11-352 0 0,0 10 176 0 0,-1 0-1 0 0,0 0 0 0 0,-1-1 0 0 0,-1 1 0 0 0,0-1 1 0 0,-1 1-1 0 0,-10 24 0 0 0,77-71 683 0 0,-52 27-891 0 0,30-21 4 0 0,1 3 1 0 0,1 1-1 0 0,1 2 0 0 0,87-28 0 0 0,-127 48-31 0 0,0-1 0 0 0,0 1 0 0 0,0 1-1 0 0,0-1 1 0 0,0 1 0 0 0,1-1-1 0 0,-1 1 1 0 0,0 0 0 0 0,0 1 0 0 0,7 0-1 0 0,-10 0 18 0 0,0 0-1 0 0,1 0 1 0 0,-1 0 0 0 0,0 0-1 0 0,0 0 1 0 0,0 0-1 0 0,1 1 1 0 0,-1-1-1 0 0,0 0 1 0 0,-1 0-1 0 0,1 1 1 0 0,0-1 0 0 0,0 1-1 0 0,-1-1 1 0 0,1 1-1 0 0,-1-1 1 0 0,1 1-1 0 0,-1-1 1 0 0,1 1 0 0 0,-1 0-1 0 0,0-1 1 0 0,0 1-1 0 0,0-1 1 0 0,0 1-1 0 0,0 0 1 0 0,0-1 0 0 0,-1 2-1 0 0,-2 240-160 0 0</inkml:trace>
-</inkml:ink>
-</file>
-
-<file path=ppt/ink/ink50.xml><?xml version="1.0" encoding="utf-8"?>
+<file path=ppt/ink/ink68.xml><?xml version="1.0" encoding="utf-8"?>
 <inkml:ink xmlns:inkml="http://www.w3.org/2003/InkML">
   <inkml:definitions>
     <inkml:context xml:id="ctx0">
@@ -5541,7 +6721,7 @@
 </inkml:ink>
 </file>
 
-<file path=ppt/ink/ink51.xml><?xml version="1.0" encoding="utf-8"?>
+<file path=ppt/ink/ink69.xml><?xml version="1.0" encoding="utf-8"?>
 <inkml:ink xmlns:inkml="http://www.w3.org/2003/InkML">
   <inkml:definitions>
     <inkml:context xml:id="ctx0">
@@ -5573,7 +6753,39 @@
 </inkml:ink>
 </file>
 
-<file path=ppt/ink/ink52.xml><?xml version="1.0" encoding="utf-8"?>
+<file path=ppt/ink/ink7.xml><?xml version="1.0" encoding="utf-8"?>
+<inkml:ink xmlns:inkml="http://www.w3.org/2003/InkML">
+  <inkml:definitions>
+    <inkml:context xml:id="ctx0">
+      <inkml:inkSource xml:id="inkSrc0">
+        <inkml:traceFormat>
+          <inkml:channel name="X" type="integer" min="-2.14748E9" max="2.14748E9" units="cm"/>
+          <inkml:channel name="Y" type="integer" min="-2.14748E9" max="2.14748E9" units="cm"/>
+          <inkml:channel name="F" type="integer" max="32767" units="dev"/>
+          <inkml:channel name="OA" type="integer" max="360" units="deg"/>
+          <inkml:channel name="OE" type="integer" max="90" units="deg"/>
+        </inkml:traceFormat>
+        <inkml:channelProperties>
+          <inkml:channelProperty channel="X" name="resolution" value="1000" units="1/cm"/>
+          <inkml:channelProperty channel="Y" name="resolution" value="1000" units="1/cm"/>
+          <inkml:channelProperty channel="F" name="resolution" value="0" units="1/dev"/>
+          <inkml:channelProperty channel="OA" name="resolution" value="1000" units="1/deg"/>
+          <inkml:channelProperty channel="OE" name="resolution" value="1000" units="1/deg"/>
+        </inkml:channelProperties>
+      </inkml:inkSource>
+      <inkml:timestamp xml:id="ts0" timeString="2023-05-24T15:12:12.840"/>
+    </inkml:context>
+    <inkml:brush xml:id="br0">
+      <inkml:brushProperty name="width" value="0.1" units="cm"/>
+      <inkml:brushProperty name="height" value="0.1" units="cm"/>
+      <inkml:brushProperty name="color" value="#E71224"/>
+    </inkml:brush>
+  </inkml:definitions>
+  <inkml:trace contextRef="#ctx0" brushRef="#br0">16 32 4050 0 0,'-1'-1'84'0'0,"0"1"-1"0"0,0-1 1 0 0,0 1 0 0 0,0-1 0 0 0,0 1 0 0 0,0-1-1 0 0,1 0 1 0 0,-1 0 0 0 0,0 1 0 0 0,0-1 0 0 0,1 0-1 0 0,-1 0 1 0 0,0 0 0 0 0,1 0 0 0 0,-1 0 0 0 0,1 0 0 0 0,-1 0-1 0 0,1 0 1 0 0,0 0 0 0 0,-1 0 0 0 0,1 0 0 0 0,0 0-1 0 0,0 0 1 0 0,0 0 0 0 0,0 0 0 0 0,0 0 0 0 0,0 0-1 0 0,0 0 1 0 0,0-1 0 0 0,0 1 0 0 0,0 0 0 0 0,0 0-1 0 0,1-1 1 0 0,35 9 949 0 0,30 3-355 0 0,0-2 1 0 0,131-3 0 0 0,-102-5-522 0 0,137 3 380 0 0,854 38 500 0 0,-911-28-977 0 0,1-9 1 0 0,0-7 0 0 0,180-26-1 0 0,-228 16-97 0 0,140 2 0 0 0,-255 12-26 0 0,-1 1 0 0 0,1-1 0 0 0,-1 2 1 0 0,0 0-1 0 0,0 0 0 0 0,0 1 0 0 0,-1 0 0 0 0,13 7 0 0 0,21 8-524 0 0,-37-17-279 0 0</inkml:trace>
+</inkml:ink>
+</file>
+
+<file path=ppt/ink/ink70.xml><?xml version="1.0" encoding="utf-8"?>
 <inkml:ink xmlns:inkml="http://www.w3.org/2003/InkML">
   <inkml:definitions>
     <inkml:context xml:id="ctx0">
@@ -5605,7 +6817,7 @@
 </inkml:ink>
 </file>
 
-<file path=ppt/ink/ink53.xml><?xml version="1.0" encoding="utf-8"?>
+<file path=ppt/ink/ink71.xml><?xml version="1.0" encoding="utf-8"?>
 <inkml:ink xmlns:inkml="http://www.w3.org/2003/InkML">
   <inkml:definitions>
     <inkml:context xml:id="ctx0">
@@ -5637,7 +6849,7 @@
 </inkml:ink>
 </file>
 
-<file path=ppt/ink/ink54.xml><?xml version="1.0" encoding="utf-8"?>
+<file path=ppt/ink/ink72.xml><?xml version="1.0" encoding="utf-8"?>
 <inkml:ink xmlns:inkml="http://www.w3.org/2003/InkML">
   <inkml:definitions>
     <inkml:context xml:id="ctx0">
@@ -5669,7 +6881,7 @@
 </inkml:ink>
 </file>
 
-<file path=ppt/ink/ink55.xml><?xml version="1.0" encoding="utf-8"?>
+<file path=ppt/ink/ink73.xml><?xml version="1.0" encoding="utf-8"?>
 <inkml:ink xmlns:inkml="http://www.w3.org/2003/InkML">
   <inkml:definitions>
     <inkml:context xml:id="ctx0">
@@ -5701,7 +6913,7 @@
 </inkml:ink>
 </file>
 
-<file path=ppt/ink/ink56.xml><?xml version="1.0" encoding="utf-8"?>
+<file path=ppt/ink/ink74.xml><?xml version="1.0" encoding="utf-8"?>
 <inkml:ink xmlns:inkml="http://www.w3.org/2003/InkML">
   <inkml:definitions>
     <inkml:context xml:id="ctx0">
@@ -5733,7 +6945,7 @@
 </inkml:ink>
 </file>
 
-<file path=ppt/ink/ink57.xml><?xml version="1.0" encoding="utf-8"?>
+<file path=ppt/ink/ink75.xml><?xml version="1.0" encoding="utf-8"?>
 <inkml:ink xmlns:inkml="http://www.w3.org/2003/InkML">
   <inkml:definitions>
     <inkml:context xml:id="ctx0">
@@ -5765,7 +6977,7 @@
 </inkml:ink>
 </file>
 
-<file path=ppt/ink/ink58.xml><?xml version="1.0" encoding="utf-8"?>
+<file path=ppt/ink/ink76.xml><?xml version="1.0" encoding="utf-8"?>
 <inkml:ink xmlns:inkml="http://www.w3.org/2003/InkML">
   <inkml:definitions>
     <inkml:context xml:id="ctx0">
@@ -5797,7 +7009,7 @@
 </inkml:ink>
 </file>
 
-<file path=ppt/ink/ink59.xml><?xml version="1.0" encoding="utf-8"?>
+<file path=ppt/ink/ink77.xml><?xml version="1.0" encoding="utf-8"?>
 <inkml:ink xmlns:inkml="http://www.w3.org/2003/InkML">
   <inkml:definitions>
     <inkml:context xml:id="ctx0">
@@ -5829,38 +7041,7 @@
 </inkml:ink>
 </file>
 
-<file path=ppt/ink/ink6.xml><?xml version="1.0" encoding="utf-8"?>
-<inkml:ink xmlns:inkml="http://www.w3.org/2003/InkML">
-  <inkml:definitions>
-    <inkml:context xml:id="ctx0">
-      <inkml:inkSource xml:id="inkSrc0">
-        <inkml:traceFormat>
-          <inkml:channel name="X" type="integer" min="-2.14748E9" max="2.14748E9" units="cm"/>
-          <inkml:channel name="Y" type="integer" min="-2.14748E9" max="2.14748E9" units="cm"/>
-          <inkml:channel name="F" type="integer" max="32767" units="dev"/>
-          <inkml:channel name="OA" type="integer" max="360" units="deg"/>
-          <inkml:channel name="OE" type="integer" max="90" units="deg"/>
-        </inkml:traceFormat>
-        <inkml:channelProperties>
-          <inkml:channelProperty channel="X" name="resolution" value="1000" units="1/cm"/>
-          <inkml:channelProperty channel="Y" name="resolution" value="1000" units="1/cm"/>
-          <inkml:channelProperty channel="F" name="resolution" value="0" units="1/dev"/>
-          <inkml:channelProperty channel="OA" name="resolution" value="1000" units="1/deg"/>
-          <inkml:channelProperty channel="OE" name="resolution" value="1000" units="1/deg"/>
-        </inkml:channelProperties>
-      </inkml:inkSource>
-      <inkml:timestamp xml:id="ts0" timeString="2023-05-24T12:34:41.147"/>
-    </inkml:context>
-    <inkml:brush xml:id="br0">
-      <inkml:brushProperty name="width" value="0.2" units="cm"/>
-      <inkml:brushProperty name="height" value="0.2" units="cm"/>
-    </inkml:brush>
-  </inkml:definitions>
-  <inkml:trace contextRef="#ctx0" brushRef="#br0">114 1 2657 0 0,'0'3'3420'0'0,"0"26"-2528"0"0,-1 0-1 0 0,-1-1 0 0 0,-1 1 0 0 0,-2 0 0 0 0,-12 41 0 0 0,-69 158-934 0 0</inkml:trace>
-</inkml:ink>
-</file>
-
-<file path=ppt/ink/ink60.xml><?xml version="1.0" encoding="utf-8"?>
+<file path=ppt/ink/ink78.xml><?xml version="1.0" encoding="utf-8"?>
 <inkml:ink xmlns:inkml="http://www.w3.org/2003/InkML">
   <inkml:definitions>
     <inkml:context xml:id="ctx0">
@@ -5892,7 +7073,7 @@
 </inkml:ink>
 </file>
 
-<file path=ppt/ink/ink61.xml><?xml version="1.0" encoding="utf-8"?>
+<file path=ppt/ink/ink79.xml><?xml version="1.0" encoding="utf-8"?>
 <inkml:ink xmlns:inkml="http://www.w3.org/2003/InkML">
   <inkml:definitions>
     <inkml:context xml:id="ctx0">
@@ -5924,7 +7105,39 @@
 </inkml:ink>
 </file>
 
-<file path=ppt/ink/ink62.xml><?xml version="1.0" encoding="utf-8"?>
+<file path=ppt/ink/ink8.xml><?xml version="1.0" encoding="utf-8"?>
+<inkml:ink xmlns:inkml="http://www.w3.org/2003/InkML">
+  <inkml:definitions>
+    <inkml:context xml:id="ctx0">
+      <inkml:inkSource xml:id="inkSrc0">
+        <inkml:traceFormat>
+          <inkml:channel name="X" type="integer" min="-2.14748E9" max="2.14748E9" units="cm"/>
+          <inkml:channel name="Y" type="integer" min="-2.14748E9" max="2.14748E9" units="cm"/>
+          <inkml:channel name="F" type="integer" max="32767" units="dev"/>
+          <inkml:channel name="OA" type="integer" max="360" units="deg"/>
+          <inkml:channel name="OE" type="integer" max="90" units="deg"/>
+        </inkml:traceFormat>
+        <inkml:channelProperties>
+          <inkml:channelProperty channel="X" name="resolution" value="1000" units="1/cm"/>
+          <inkml:channelProperty channel="Y" name="resolution" value="1000" units="1/cm"/>
+          <inkml:channelProperty channel="F" name="resolution" value="0" units="1/dev"/>
+          <inkml:channelProperty channel="OA" name="resolution" value="1000" units="1/deg"/>
+          <inkml:channelProperty channel="OE" name="resolution" value="1000" units="1/deg"/>
+        </inkml:channelProperties>
+      </inkml:inkSource>
+      <inkml:timestamp xml:id="ts0" timeString="2023-05-24T15:12:19.094"/>
+    </inkml:context>
+    <inkml:brush xml:id="br0">
+      <inkml:brushProperty name="width" value="0.1" units="cm"/>
+      <inkml:brushProperty name="height" value="0.1" units="cm"/>
+      <inkml:brushProperty name="color" value="#E71224"/>
+    </inkml:brush>
+  </inkml:definitions>
+  <inkml:trace contextRef="#ctx0" brushRef="#br0">344 48 544 0 0,'-41'-2'48'0'0,"0"0"-32"0"0,6 1 16 0 0,8-3 192 0 0,3 0 385 0 0,3 1-17 0 0,4-2 112 0 0,-4 3-272 0 0,7-2-271 0 0,-3 1-113 0 0,3-1 16 0 0,-6 1 32 0 0,-4-3-112 0 0,-4 1-529 0 0</inkml:trace>
+</inkml:ink>
+</file>
+
+<file path=ppt/ink/ink80.xml><?xml version="1.0" encoding="utf-8"?>
 <inkml:ink xmlns:inkml="http://www.w3.org/2003/InkML">
   <inkml:definitions>
     <inkml:context xml:id="ctx0">
@@ -5956,7 +7169,7 @@
 </inkml:ink>
 </file>
 
-<file path=ppt/ink/ink63.xml><?xml version="1.0" encoding="utf-8"?>
+<file path=ppt/ink/ink81.xml><?xml version="1.0" encoding="utf-8"?>
 <inkml:ink xmlns:inkml="http://www.w3.org/2003/InkML">
   <inkml:definitions>
     <inkml:context xml:id="ctx0">
@@ -5988,7 +7201,7 @@
 </inkml:ink>
 </file>
 
-<file path=ppt/ink/ink64.xml><?xml version="1.0" encoding="utf-8"?>
+<file path=ppt/ink/ink82.xml><?xml version="1.0" encoding="utf-8"?>
 <inkml:ink xmlns:inkml="http://www.w3.org/2003/InkML">
   <inkml:definitions>
     <inkml:context xml:id="ctx0">
@@ -6020,7 +7233,7 @@
 </inkml:ink>
 </file>
 
-<file path=ppt/ink/ink65.xml><?xml version="1.0" encoding="utf-8"?>
+<file path=ppt/ink/ink83.xml><?xml version="1.0" encoding="utf-8"?>
 <inkml:ink xmlns:inkml="http://www.w3.org/2003/InkML">
   <inkml:definitions>
     <inkml:context xml:id="ctx0">
@@ -6052,7 +7265,7 @@
 </inkml:ink>
 </file>
 
-<file path=ppt/ink/ink66.xml><?xml version="1.0" encoding="utf-8"?>
+<file path=ppt/ink/ink84.xml><?xml version="1.0" encoding="utf-8"?>
 <inkml:ink xmlns:inkml="http://www.w3.org/2003/InkML">
   <inkml:definitions>
     <inkml:context xml:id="ctx0">
@@ -6084,7 +7297,7 @@
 </inkml:ink>
 </file>
 
-<file path=ppt/ink/ink67.xml><?xml version="1.0" encoding="utf-8"?>
+<file path=ppt/ink/ink85.xml><?xml version="1.0" encoding="utf-8"?>
 <inkml:ink xmlns:inkml="http://www.w3.org/2003/InkML">
   <inkml:definitions>
     <inkml:context xml:id="ctx0">
@@ -6116,7 +7329,7 @@
 </inkml:ink>
 </file>
 
-<file path=ppt/ink/ink68.xml><?xml version="1.0" encoding="utf-8"?>
+<file path=ppt/ink/ink86.xml><?xml version="1.0" encoding="utf-8"?>
 <inkml:ink xmlns:inkml="http://www.w3.org/2003/InkML">
   <inkml:definitions>
     <inkml:context xml:id="ctx0">
@@ -6148,7 +7361,7 @@
 </inkml:ink>
 </file>
 
-<file path=ppt/ink/ink69.xml><?xml version="1.0" encoding="utf-8"?>
+<file path=ppt/ink/ink87.xml><?xml version="1.0" encoding="utf-8"?>
 <inkml:ink xmlns:inkml="http://www.w3.org/2003/InkML">
   <inkml:definitions>
     <inkml:context xml:id="ctx0">
@@ -6180,38 +7393,7 @@
 </inkml:ink>
 </file>
 
-<file path=ppt/ink/ink7.xml><?xml version="1.0" encoding="utf-8"?>
-<inkml:ink xmlns:inkml="http://www.w3.org/2003/InkML">
-  <inkml:definitions>
-    <inkml:context xml:id="ctx0">
-      <inkml:inkSource xml:id="inkSrc0">
-        <inkml:traceFormat>
-          <inkml:channel name="X" type="integer" min="-2.14748E9" max="2.14748E9" units="cm"/>
-          <inkml:channel name="Y" type="integer" min="-2.14748E9" max="2.14748E9" units="cm"/>
-          <inkml:channel name="F" type="integer" max="32767" units="dev"/>
-          <inkml:channel name="OA" type="integer" max="360" units="deg"/>
-          <inkml:channel name="OE" type="integer" max="90" units="deg"/>
-        </inkml:traceFormat>
-        <inkml:channelProperties>
-          <inkml:channelProperty channel="X" name="resolution" value="1000" units="1/cm"/>
-          <inkml:channelProperty channel="Y" name="resolution" value="1000" units="1/cm"/>
-          <inkml:channelProperty channel="F" name="resolution" value="0" units="1/dev"/>
-          <inkml:channelProperty channel="OA" name="resolution" value="1000" units="1/deg"/>
-          <inkml:channelProperty channel="OE" name="resolution" value="1000" units="1/deg"/>
-        </inkml:channelProperties>
-      </inkml:inkSource>
-      <inkml:timestamp xml:id="ts0" timeString="2023-05-24T12:34:41.536"/>
-    </inkml:context>
-    <inkml:brush xml:id="br0">
-      <inkml:brushProperty name="width" value="0.2" units="cm"/>
-      <inkml:brushProperty name="height" value="0.2" units="cm"/>
-    </inkml:brush>
-  </inkml:definitions>
-  <inkml:trace contextRef="#ctx0" brushRef="#br0">1 0 4178 0 0,'0'0'2590'0'0,"16"4"-1317"0"0,55 10-101 0 0,1-4 0 0 0,97 3 0 0 0,-119-13-2515 0 0,-1-3 1 0 0,61-10-1 0 0,-74 8-912 0 0,1 0-858 0 0</inkml:trace>
-</inkml:ink>
-</file>
-
-<file path=ppt/ink/ink70.xml><?xml version="1.0" encoding="utf-8"?>
+<file path=ppt/ink/ink88.xml><?xml version="1.0" encoding="utf-8"?>
 <inkml:ink xmlns:inkml="http://www.w3.org/2003/InkML">
   <inkml:definitions>
     <inkml:context xml:id="ctx0">
@@ -6243,7 +7425,7 @@
 </inkml:ink>
 </file>
 
-<file path=ppt/ink/ink71.xml><?xml version="1.0" encoding="utf-8"?>
+<file path=ppt/ink/ink89.xml><?xml version="1.0" encoding="utf-8"?>
 <inkml:ink xmlns:inkml="http://www.w3.org/2003/InkML">
   <inkml:definitions>
     <inkml:context xml:id="ctx0">
@@ -6275,7 +7457,39 @@
 </inkml:ink>
 </file>
 
-<file path=ppt/ink/ink72.xml><?xml version="1.0" encoding="utf-8"?>
+<file path=ppt/ink/ink9.xml><?xml version="1.0" encoding="utf-8"?>
+<inkml:ink xmlns:inkml="http://www.w3.org/2003/InkML">
+  <inkml:definitions>
+    <inkml:context xml:id="ctx0">
+      <inkml:inkSource xml:id="inkSrc0">
+        <inkml:traceFormat>
+          <inkml:channel name="X" type="integer" min="-2.14748E9" max="2.14748E9" units="cm"/>
+          <inkml:channel name="Y" type="integer" min="-2.14748E9" max="2.14748E9" units="cm"/>
+          <inkml:channel name="F" type="integer" max="32767" units="dev"/>
+          <inkml:channel name="OA" type="integer" max="360" units="deg"/>
+          <inkml:channel name="OE" type="integer" max="90" units="deg"/>
+        </inkml:traceFormat>
+        <inkml:channelProperties>
+          <inkml:channelProperty channel="X" name="resolution" value="1000" units="1/cm"/>
+          <inkml:channelProperty channel="Y" name="resolution" value="1000" units="1/cm"/>
+          <inkml:channelProperty channel="F" name="resolution" value="0" units="1/dev"/>
+          <inkml:channelProperty channel="OA" name="resolution" value="1000" units="1/deg"/>
+          <inkml:channelProperty channel="OE" name="resolution" value="1000" units="1/deg"/>
+        </inkml:channelProperties>
+      </inkml:inkSource>
+      <inkml:timestamp xml:id="ts0" timeString="2023-05-24T15:12:19.882"/>
+    </inkml:context>
+    <inkml:brush xml:id="br0">
+      <inkml:brushProperty name="width" value="0.1" units="cm"/>
+      <inkml:brushProperty name="height" value="0.1" units="cm"/>
+      <inkml:brushProperty name="color" value="#E71224"/>
+    </inkml:brush>
+  </inkml:definitions>
+  <inkml:trace contextRef="#ctx0" brushRef="#br0">0 1 2833 0 0,'3'2'4775'0'0,"17"12"-4494"0"0,49 3 691 0 0,0-3 0 0 0,1-3 0 0 0,125 4 0 0 0,-90-9-554 0 0,1035 138 484 0 0,-704-106-804 0 0,2-37-354 0 0,78 3-67 0 0,-171 30 257 0 0,79 3-9 0 0,248-65-795 0 0,-595 22 875 0 0,366-48 68 0 0,-424 52-112 0 0,0 1 0 0 0,1 0 1 0 0,-1 1-1 0 0,0 1 0 0 0,1 1 1 0 0,-1 1-1 0 0,0 1 0 0 0,0 0 1 0 0,-1 1-1 0 0,20 9 1 0 0,-12-6-127 0 0,-10-3-661 0 0,1 0 0 0 0,0-2 0 0 0,0 0-1 0 0,0 0 1 0 0,34-1 0 0 0</inkml:trace>
+</inkml:ink>
+</file>
+
+<file path=ppt/ink/ink90.xml><?xml version="1.0" encoding="utf-8"?>
 <inkml:ink xmlns:inkml="http://www.w3.org/2003/InkML">
   <inkml:definitions>
     <inkml:context xml:id="ctx0">
@@ -6307,7 +7521,7 @@
 </inkml:ink>
 </file>
 
-<file path=ppt/ink/ink73.xml><?xml version="1.0" encoding="utf-8"?>
+<file path=ppt/ink/ink91.xml><?xml version="1.0" encoding="utf-8"?>
 <inkml:ink xmlns:inkml="http://www.w3.org/2003/InkML">
   <inkml:definitions>
     <inkml:context xml:id="ctx0">
@@ -6339,7 +7553,7 @@
 </inkml:ink>
 </file>
 
-<file path=ppt/ink/ink74.xml><?xml version="1.0" encoding="utf-8"?>
+<file path=ppt/ink/ink92.xml><?xml version="1.0" encoding="utf-8"?>
 <inkml:ink xmlns:inkml="http://www.w3.org/2003/InkML">
   <inkml:definitions>
     <inkml:context xml:id="ctx0">
@@ -6371,7 +7585,7 @@
 </inkml:ink>
 </file>
 
-<file path=ppt/ink/ink75.xml><?xml version="1.0" encoding="utf-8"?>
+<file path=ppt/ink/ink93.xml><?xml version="1.0" encoding="utf-8"?>
 <inkml:ink xmlns:inkml="http://www.w3.org/2003/InkML">
   <inkml:definitions>
     <inkml:context xml:id="ctx0">
@@ -6403,7 +7617,7 @@
 </inkml:ink>
 </file>
 
-<file path=ppt/ink/ink76.xml><?xml version="1.0" encoding="utf-8"?>
+<file path=ppt/ink/ink94.xml><?xml version="1.0" encoding="utf-8"?>
 <inkml:ink xmlns:inkml="http://www.w3.org/2003/InkML">
   <inkml:definitions>
     <inkml:context xml:id="ctx0">
@@ -6435,7 +7649,7 @@
 </inkml:ink>
 </file>
 
-<file path=ppt/ink/ink77.xml><?xml version="1.0" encoding="utf-8"?>
+<file path=ppt/ink/ink95.xml><?xml version="1.0" encoding="utf-8"?>
 <inkml:ink xmlns:inkml="http://www.w3.org/2003/InkML">
   <inkml:definitions>
     <inkml:context xml:id="ctx0">
@@ -6467,7 +7681,7 @@
 </inkml:ink>
 </file>
 
-<file path=ppt/ink/ink78.xml><?xml version="1.0" encoding="utf-8"?>
+<file path=ppt/ink/ink96.xml><?xml version="1.0" encoding="utf-8"?>
 <inkml:ink xmlns:inkml="http://www.w3.org/2003/InkML">
   <inkml:definitions>
     <inkml:context xml:id="ctx0">
@@ -6499,7 +7713,7 @@
 </inkml:ink>
 </file>
 
-<file path=ppt/ink/ink79.xml><?xml version="1.0" encoding="utf-8"?>
+<file path=ppt/ink/ink97.xml><?xml version="1.0" encoding="utf-8"?>
 <inkml:ink xmlns:inkml="http://www.w3.org/2003/InkML">
   <inkml:definitions>
     <inkml:context xml:id="ctx0">
@@ -6531,38 +7745,7 @@
 </inkml:ink>
 </file>
 
-<file path=ppt/ink/ink8.xml><?xml version="1.0" encoding="utf-8"?>
-<inkml:ink xmlns:inkml="http://www.w3.org/2003/InkML">
-  <inkml:definitions>
-    <inkml:context xml:id="ctx0">
-      <inkml:inkSource xml:id="inkSrc0">
-        <inkml:traceFormat>
-          <inkml:channel name="X" type="integer" min="-2.14748E9" max="2.14748E9" units="cm"/>
-          <inkml:channel name="Y" type="integer" min="-2.14748E9" max="2.14748E9" units="cm"/>
-          <inkml:channel name="F" type="integer" max="32767" units="dev"/>
-          <inkml:channel name="OA" type="integer" max="360" units="deg"/>
-          <inkml:channel name="OE" type="integer" max="90" units="deg"/>
-        </inkml:traceFormat>
-        <inkml:channelProperties>
-          <inkml:channelProperty channel="X" name="resolution" value="1000" units="1/cm"/>
-          <inkml:channelProperty channel="Y" name="resolution" value="1000" units="1/cm"/>
-          <inkml:channelProperty channel="F" name="resolution" value="0" units="1/dev"/>
-          <inkml:channelProperty channel="OA" name="resolution" value="1000" units="1/deg"/>
-          <inkml:channelProperty channel="OE" name="resolution" value="1000" units="1/deg"/>
-        </inkml:channelProperties>
-      </inkml:inkSource>
-      <inkml:timestamp xml:id="ts0" timeString="2023-05-24T12:34:42.005"/>
-    </inkml:context>
-    <inkml:brush xml:id="br0">
-      <inkml:brushProperty name="width" value="0.2" units="cm"/>
-      <inkml:brushProperty name="height" value="0.2" units="cm"/>
-    </inkml:brush>
-  </inkml:definitions>
-  <inkml:trace contextRef="#ctx0" brushRef="#br0">110 185 3217 0 0,'0'0'2410'0'0,"18"-11"-2293"0"0,58-39-85 0 0,-74 48-40 0 0,0 1 1 0 0,0-1-1 0 0,-1 1 1 0 0,1-1-1 0 0,0 0 1 0 0,-1 1-1 0 0,1-1 1 0 0,-1 0-1 0 0,1 0 1 0 0,-1 0-1 0 0,0 0 1 0 0,0-1-1 0 0,0 1 0 0 0,0 0 1 0 0,-1 0-1 0 0,1-1 1 0 0,0 1-1 0 0,-1 0 1 0 0,0-1-1 0 0,1 1 1 0 0,-1 0-1 0 0,0-1 1 0 0,0 1-1 0 0,0 0 1 0 0,-1-1-1 0 0,0-4 1 0 0,0-5-222 0 0,1 10 195 0 0,-1 1 1 0 0,1-1-1 0 0,0 1 0 0 0,0-1 1 0 0,-1 1-1 0 0,1-1 1 0 0,-1 1-1 0 0,1-1 1 0 0,-1 1-1 0 0,0-1 0 0 0,0 1 1 0 0,1 0-1 0 0,-1 0 1 0 0,0-1-1 0 0,0 1 1 0 0,0 0-1 0 0,-1 0 0 0 0,1 0 1 0 0,0 0-1 0 0,0 0 1 0 0,0 0-1 0 0,-2-1 1 0 0,-2 0 2 0 0,0-1 0 0 0,-1 1 0 0 0,1 0 0 0 0,0 0 0 0 0,-1 1 0 0 0,-7-2 0 0 0,-3 1 179 0 0,0 0 1 0 0,0 1-1 0 0,-29 2 1 0 0,42 0-100 0 0,0-1 1 0 0,0 1-1 0 0,0-1 0 0 0,1 1 0 0 0,-1 0 1 0 0,0 0-1 0 0,0 1 0 0 0,1-1 0 0 0,-1 0 1 0 0,1 1-1 0 0,-1 0 0 0 0,1-1 1 0 0,-1 1-1 0 0,1 0 0 0 0,0 0 0 0 0,0 0 1 0 0,0 1-1 0 0,0-1 0 0 0,1 0 1 0 0,-1 1-1 0 0,0-1 0 0 0,1 1 0 0 0,0 0 1 0 0,0-1-1 0 0,0 1 0 0 0,0 0 1 0 0,-1 5-1 0 0,-1 6 403 0 0,1 0 0 0 0,0 0 0 0 0,1 1-1 0 0,1 19 1 0 0,0-20-209 0 0,0-10-202 0 0,0 1 0 0 0,1-1 1 0 0,0 1-1 0 0,-1-1 0 0 0,1 0 0 0 0,1 1 1 0 0,-1-1-1 0 0,1 0 0 0 0,-1 0 1 0 0,1 0-1 0 0,0 0 0 0 0,1 0 1 0 0,-1 0-1 0 0,1-1 0 0 0,5 7 0 0 0,-2-5 8 0 0,0 1-1 0 0,1-1 0 0 0,-1 0 1 0 0,1 0-1 0 0,1-1 0 0 0,-1 0 1 0 0,0 0-1 0 0,9 2 0 0 0,4 1-324 0 0,1-1-1 0 0,-1-2 0 0 0,1 0 0 0 0,0 0 0 0 0,42-1 0 0 0,-22-4-2345 0 0,-6-3-1388 0 0</inkml:trace>
-</inkml:ink>
-</file>
-
-<file path=ppt/ink/ink80.xml><?xml version="1.0" encoding="utf-8"?>
+<file path=ppt/ink/ink98.xml><?xml version="1.0" encoding="utf-8"?>
 <inkml:ink xmlns:inkml="http://www.w3.org/2003/InkML">
   <inkml:definitions>
     <inkml:context xml:id="ctx0">
@@ -6594,7 +7777,7 @@
 </inkml:ink>
 </file>
 
-<file path=ppt/ink/ink81.xml><?xml version="1.0" encoding="utf-8"?>
+<file path=ppt/ink/ink99.xml><?xml version="1.0" encoding="utf-8"?>
 <inkml:ink xmlns:inkml="http://www.w3.org/2003/InkML">
   <inkml:definitions>
     <inkml:context xml:id="ctx0">
@@ -6623,613 +7806,6 @@
     </inkml:brush>
   </inkml:definitions>
   <inkml:trace contextRef="#ctx0" brushRef="#br0">256 57 5090 0 0,'0'0'3466'0'0,"-8"-9"-3375"0"0,5 6-90 0 0,1-1 36 0 0,-1 1 0 0 0,1 0 1 0 0,-1 0-1 0 0,0-1 0 0 0,0 2 0 0 0,0-1 0 0 0,-1 0 0 0 0,1 1 1 0 0,0-1-1 0 0,-1 1 0 0 0,0 0 0 0 0,0 0 0 0 0,0 1 0 0 0,1-1 1 0 0,-1 1-1 0 0,-1 0 0 0 0,1 0 0 0 0,0 0 0 0 0,0 0 0 0 0,0 1 0 0 0,-7 0 1 0 0,5-1 41 0 0,-1 1 0 0 0,1 1 0 0 0,-1-1 0 0 0,1 1 0 0 0,-1 0 0 0 0,1 1 0 0 0,-1 0 0 0 0,1 0 0 0 0,0 0 0 0 0,0 0 0 0 0,0 1 0 0 0,0 0 0 0 0,0 1 0 0 0,1-1 0 0 0,-1 1 0 0 0,1 0 0 0 0,0 0 0 0 0,0 1 1 0 0,1-1-1 0 0,-1 1 0 0 0,1 0 0 0 0,0 1 0 0 0,0-1 0 0 0,1 1 0 0 0,-1-1 0 0 0,1 1 0 0 0,0 0 0 0 0,1 0 0 0 0,0 0 0 0 0,0 1 0 0 0,0-1 0 0 0,1 1 0 0 0,0-1 0 0 0,-1 10 0 0 0,2-13-61 0 0,1-1 0 0 0,-1 1 0 0 0,1-1-1 0 0,0 1 1 0 0,-1-1 0 0 0,1 1 0 0 0,0-1 0 0 0,1 0 0 0 0,-1 1-1 0 0,0-1 1 0 0,1 0 0 0 0,-1 0 0 0 0,1 0 0 0 0,-1 0-1 0 0,1 0 1 0 0,0 0 0 0 0,0 0 0 0 0,0-1 0 0 0,0 1-1 0 0,0-1 1 0 0,1 0 0 0 0,-1 1 0 0 0,0-1 0 0 0,1 0-1 0 0,-1 0 1 0 0,3 0 0 0 0,12 5 195 0 0,0-1 1 0 0,33 6-1 0 0,-24-6 104 0 0,-10-2-228 0 0,1 0 1 0 0,-1-1-1 0 0,18 1 0 0 0,-29-3-73 0 0,1 0 1 0 0,-1-1-1 0 0,0 0 1 0 0,1 1-1 0 0,-1-2 1 0 0,0 1-1 0 0,1-1 1 0 0,-1 0-1 0 0,0 0 1 0 0,0 0-1 0 0,0 0 1 0 0,9-7-1 0 0,-2-1-254 0 0,-8 6 161 0 0,0 1-1 0 0,0-1 1 0 0,0 1-1 0 0,0 0 1 0 0,0 1-1 0 0,1-1 0 0 0,-1 1 1 0 0,1 0-1 0 0,0 0 1 0 0,-1 0-1 0 0,11-2 1 0 0,-11 7 37 0 0,0 0 1 0 0,0 1 0 0 0,0 0-1 0 0,-1-1 1 0 0,1 1 0 0 0,-1 0 0 0 0,0 1-1 0 0,0-1 1 0 0,-1 0 0 0 0,1 1-1 0 0,1 5 1 0 0,0-3 41 0 0,15 24-1411 0 0</inkml:trace>
-</inkml:ink>
-</file>
-
-<file path=ppt/ink/ink82.xml><?xml version="1.0" encoding="utf-8"?>
-<inkml:ink xmlns:inkml="http://www.w3.org/2003/InkML">
-  <inkml:definitions>
-    <inkml:context xml:id="ctx0">
-      <inkml:inkSource xml:id="inkSrc0">
-        <inkml:traceFormat>
-          <inkml:channel name="X" type="integer" min="-2.14748E9" max="2.14748E9" units="cm"/>
-          <inkml:channel name="Y" type="integer" min="-2.14748E9" max="2.14748E9" units="cm"/>
-          <inkml:channel name="F" type="integer" max="32767" units="dev"/>
-          <inkml:channel name="OA" type="integer" max="360" units="deg"/>
-          <inkml:channel name="OE" type="integer" max="90" units="deg"/>
-        </inkml:traceFormat>
-        <inkml:channelProperties>
-          <inkml:channelProperty channel="X" name="resolution" value="1000" units="1/cm"/>
-          <inkml:channelProperty channel="Y" name="resolution" value="1000" units="1/cm"/>
-          <inkml:channelProperty channel="F" name="resolution" value="0" units="1/dev"/>
-          <inkml:channelProperty channel="OA" name="resolution" value="1000" units="1/deg"/>
-          <inkml:channelProperty channel="OE" name="resolution" value="1000" units="1/deg"/>
-        </inkml:channelProperties>
-      </inkml:inkSource>
-      <inkml:timestamp xml:id="ts0" timeString="2023-05-24T12:52:34.152"/>
-    </inkml:context>
-    <inkml:brush xml:id="br0">
-      <inkml:brushProperty name="width" value="0.2" units="cm"/>
-      <inkml:brushProperty name="height" value="0.2" units="cm"/>
-      <inkml:brushProperty name="color" value="#008C3A"/>
-    </inkml:brush>
-  </inkml:definitions>
-  <inkml:trace contextRef="#ctx0" brushRef="#br0">46 0 6035 0 0,'13'9'7505'0'0,"-12"-7"-7353"0"0,1 35 342 0 0,-1 1 1 0 0,-2 0 0 0 0,-1 0-1 0 0,-2 0 1 0 0,-2-1-1 0 0,-11 40 1 0 0,6-27-366 0 0,3-1 0 0 0,-4 84 0 0 0,10-112-313 0 0,2 35 14 0 0,0-55-24 0 0,0 1 0 0 0,0-1 0 0 0,1 0 0 0 0,-1 1 0 0 0,0-1 0 0 0,0 0 0 0 0,1 0 0 0 0,-1 1 0 0 0,1-1 0 0 0,-1 0 0 0 0,1 0 0 0 0,-1 0 0 0 0,1 1 0 0 0,0-1 0 0 0,0 0 0 0 0,-1 0 0 0 0,1 0 0 0 0,0 0 0 0 0,0 0 0 0 0,0 0 0 0 0,0-1 0 0 0,0 1 0 0 0,0 0 0 0 0,1 0-1 0 0,-1-1 1 0 0,0 1 0 0 0,0-1 0 0 0,0 1 0 0 0,1-1 0 0 0,-1 1 0 0 0,2-1 0 0 0</inkml:trace>
-</inkml:ink>
-</file>
-
-<file path=ppt/ink/ink83.xml><?xml version="1.0" encoding="utf-8"?>
-<inkml:ink xmlns:inkml="http://www.w3.org/2003/InkML">
-  <inkml:definitions>
-    <inkml:context xml:id="ctx0">
-      <inkml:inkSource xml:id="inkSrc0">
-        <inkml:traceFormat>
-          <inkml:channel name="X" type="integer" min="-2.14748E9" max="2.14748E9" units="cm"/>
-          <inkml:channel name="Y" type="integer" min="-2.14748E9" max="2.14748E9" units="cm"/>
-          <inkml:channel name="F" type="integer" max="32767" units="dev"/>
-          <inkml:channel name="OA" type="integer" max="360" units="deg"/>
-          <inkml:channel name="OE" type="integer" max="90" units="deg"/>
-        </inkml:traceFormat>
-        <inkml:channelProperties>
-          <inkml:channelProperty channel="X" name="resolution" value="1000" units="1/cm"/>
-          <inkml:channelProperty channel="Y" name="resolution" value="1000" units="1/cm"/>
-          <inkml:channelProperty channel="F" name="resolution" value="0" units="1/dev"/>
-          <inkml:channelProperty channel="OA" name="resolution" value="1000" units="1/deg"/>
-          <inkml:channelProperty channel="OE" name="resolution" value="1000" units="1/deg"/>
-        </inkml:channelProperties>
-      </inkml:inkSource>
-      <inkml:timestamp xml:id="ts0" timeString="2023-05-24T12:52:34.558"/>
-    </inkml:context>
-    <inkml:brush xml:id="br0">
-      <inkml:brushProperty name="width" value="0.2" units="cm"/>
-      <inkml:brushProperty name="height" value="0.2" units="cm"/>
-      <inkml:brushProperty name="color" value="#008C3A"/>
-    </inkml:brush>
-  </inkml:definitions>
-  <inkml:trace contextRef="#ctx0" brushRef="#br0">0 24 10789 0 0,'0'0'3361'0'0,"210"-18"-3280"0"0,-114 15 47 0 0,11 1 32 0 0,0 2 48 0 0,-4 0-272 0 0,-10 0 112 0 0,-18 7-64 0 0,-16 5-224 0 0,-21-1-257 0 0,-21-1-1087 0 0</inkml:trace>
-</inkml:ink>
-</file>
-
-<file path=ppt/ink/ink84.xml><?xml version="1.0" encoding="utf-8"?>
-<inkml:ink xmlns:inkml="http://www.w3.org/2003/InkML">
-  <inkml:definitions>
-    <inkml:context xml:id="ctx0">
-      <inkml:inkSource xml:id="inkSrc0">
-        <inkml:traceFormat>
-          <inkml:channel name="X" type="integer" min="-2.14748E9" max="2.14748E9" units="cm"/>
-          <inkml:channel name="Y" type="integer" min="-2.14748E9" max="2.14748E9" units="cm"/>
-          <inkml:channel name="F" type="integer" max="32767" units="dev"/>
-          <inkml:channel name="OA" type="integer" max="360" units="deg"/>
-          <inkml:channel name="OE" type="integer" max="90" units="deg"/>
-        </inkml:traceFormat>
-        <inkml:channelProperties>
-          <inkml:channelProperty channel="X" name="resolution" value="1000" units="1/cm"/>
-          <inkml:channelProperty channel="Y" name="resolution" value="1000" units="1/cm"/>
-          <inkml:channelProperty channel="F" name="resolution" value="0" units="1/dev"/>
-          <inkml:channelProperty channel="OA" name="resolution" value="1000" units="1/deg"/>
-          <inkml:channelProperty channel="OE" name="resolution" value="1000" units="1/deg"/>
-        </inkml:channelProperties>
-      </inkml:inkSource>
-      <inkml:timestamp xml:id="ts0" timeString="2023-05-24T12:52:36.947"/>
-    </inkml:context>
-    <inkml:brush xml:id="br0">
-      <inkml:brushProperty name="width" value="0.2" units="cm"/>
-      <inkml:brushProperty name="height" value="0.2" units="cm"/>
-      <inkml:brushProperty name="color" value="#008C3A"/>
-    </inkml:brush>
-  </inkml:definitions>
-  <inkml:trace contextRef="#ctx0" brushRef="#br0">5 11 1056 0 0,'-3'-10'7772'0'0,"1"89"-7719"0"0,3 90 285 0 0,1-149-306 0 0,0-1 0 0 0,2 1 1 0 0,0-1-1 0 0,0 0 0 0 0,2-1 0 0 0,12 27 0 0 0,-15-38-15 0 0,1-1-1 0 0,0 0 0 0 0,1 0 0 0 0,0-1 0 0 0,-1 0 1 0 0,2 1-1 0 0,-1-2 0 0 0,1 1 0 0 0,-1 0 0 0 0,1-1 1 0 0,0 0-1 0 0,1-1 0 0 0,-1 1 0 0 0,1-1 1 0 0,10 3-1 0 0,-12-4 0 0 0,0 0 0 0 0,0-1 0 0 0,0 0 0 0 0,0 0 0 0 0,0 0 0 0 0,0-1 0 0 0,1 1 0 0 0,-1-1 0 0 0,0 0 0 0 0,0-1 0 0 0,0 0 0 0 0,1 1 0 0 0,-1-1-1 0 0,0-1 1 0 0,0 1 0 0 0,0-1 0 0 0,-1 0 0 0 0,1 0 0 0 0,0 0 0 0 0,-1-1 0 0 0,1 0 0 0 0,4-4 0 0 0,0-1 10 0 0,-2 0-1 0 0,1-1 0 0 0,-1 0 1 0 0,0-1-1 0 0,-1 1 1 0 0,0-1-1 0 0,-1-1 0 0 0,0 1 1 0 0,0-1-1 0 0,3-13 0 0 0,-2 4-5 0 0,-2 0-1 0 0,0 0 1 0 0,-1-1-1 0 0,0-39 0 0 0,-3 60-29 0 0,0 0-1 0 0,0-1 0 0 0,0 1 0 0 0,1-1 0 0 0,-1 1 1 0 0,0-1-1 0 0,0 1 0 0 0,0-1 0 0 0,0 1 0 0 0,1 0 1 0 0,-1-1-1 0 0,0 1 0 0 0,0-1 0 0 0,1 1 0 0 0,-1 0 1 0 0,0-1-1 0 0,1 1 0 0 0,-1 0 0 0 0,0 0 0 0 0,1-1 0 0 0,-1 1 1 0 0,1 0-1 0 0,-1 0 0 0 0,0-1 0 0 0,1 1 0 0 0,-1 0 1 0 0,1 0-1 0 0,-1 0 0 0 0,1 0 0 0 0,-1 0 0 0 0,1-1 1 0 0,-1 1-1 0 0,0 0 0 0 0,1 0 0 0 0,-1 0 0 0 0,1 0 1 0 0,-1 1-1 0 0,1-1 0 0 0,-1 0 0 0 0,1 0 0 0 0,-1 0 0 0 0,1 0 1 0 0,-1 0-1 0 0,0 0 0 0 0,1 1 0 0 0,-1-1 0 0 0,1 0 1 0 0,-1 0-1 0 0,0 1 0 0 0,1-1 0 0 0,-1 0 0 0 0,0 1 1 0 0,1-1-1 0 0,-1 0 0 0 0,0 1 0 0 0,1-1 0 0 0,-1 1 0 0 0,25 19-189 0 0,7 24 154 0 0,-5-5 167 0 0,59 63 1 0 0,-77-92-77 0 0,2 0 0 0 0,-1-1 0 0 0,1 0 0 0 0,0-1 0 0 0,1-1 0 0 0,0 1 0 0 0,0-2 0 0 0,1 0 0 0 0,-1 0-1 0 0,25 6 1 0 0,-30-10 69 0 0,-1-1-1 0 0,1 0 0 0 0,-1-1 0 0 0,1 1 0 0 0,0-1 1 0 0,-1 0-1 0 0,1-1 0 0 0,0 0 0 0 0,-1 0 0 0 0,1 0 1 0 0,-1-1-1 0 0,1 0 0 0 0,-1 0 0 0 0,0 0 1 0 0,0-1-1 0 0,0 0 0 0 0,0 0 0 0 0,0-1 0 0 0,-1 1 1 0 0,1-1-1 0 0,-1-1 0 0 0,0 1 0 0 0,8-10 0 0 0,-6 5-76 0 0,-1 0 0 0 0,0 1-1 0 0,0-2 1 0 0,-1 1-1 0 0,0-1 1 0 0,-1 0-1 0 0,0 0 1 0 0,0 0 0 0 0,-1 0-1 0 0,-1-1 1 0 0,0 1-1 0 0,0-1 1 0 0,-1 1-1 0 0,0-12 1 0 0,0 11-50 0 0,-1 0 0 0 0,0-1 0 0 0,0 1-1 0 0,-2 0 1 0 0,1 0 0 0 0,-1 0 0 0 0,-1 1 0 0 0,0-1 0 0 0,0 0 0 0 0,-1 1 0 0 0,-5-11-1 0 0,-3-4-843 0 0</inkml:trace>
-</inkml:ink>
-</file>
-
-<file path=ppt/ink/ink85.xml><?xml version="1.0" encoding="utf-8"?>
-<inkml:ink xmlns:inkml="http://www.w3.org/2003/InkML">
-  <inkml:definitions>
-    <inkml:context xml:id="ctx0">
-      <inkml:inkSource xml:id="inkSrc0">
-        <inkml:traceFormat>
-          <inkml:channel name="X" type="integer" min="-2.14748E9" max="2.14748E9" units="cm"/>
-          <inkml:channel name="Y" type="integer" min="-2.14748E9" max="2.14748E9" units="cm"/>
-          <inkml:channel name="F" type="integer" max="32767" units="dev"/>
-          <inkml:channel name="OA" type="integer" max="360" units="deg"/>
-          <inkml:channel name="OE" type="integer" max="90" units="deg"/>
-        </inkml:traceFormat>
-        <inkml:channelProperties>
-          <inkml:channelProperty channel="X" name="resolution" value="1000" units="1/cm"/>
-          <inkml:channelProperty channel="Y" name="resolution" value="1000" units="1/cm"/>
-          <inkml:channelProperty channel="F" name="resolution" value="0" units="1/dev"/>
-          <inkml:channelProperty channel="OA" name="resolution" value="1000" units="1/deg"/>
-          <inkml:channelProperty channel="OE" name="resolution" value="1000" units="1/deg"/>
-        </inkml:channelProperties>
-      </inkml:inkSource>
-      <inkml:timestamp xml:id="ts0" timeString="2023-05-24T12:52:37.579"/>
-    </inkml:context>
-    <inkml:brush xml:id="br0">
-      <inkml:brushProperty name="width" value="0.2" units="cm"/>
-      <inkml:brushProperty name="height" value="0.2" units="cm"/>
-      <inkml:brushProperty name="color" value="#008C3A"/>
-    </inkml:brush>
-  </inkml:definitions>
-  <inkml:trace contextRef="#ctx0" brushRef="#br0">338 68 2273 0 0,'0'0'2137'0'0,"-28"-10"-1654"0"0,-89-30-267 0 0,103 36-114 0 0,0-1-1 0 0,0 2 1 0 0,-18-3 0 0 0,27 6-35 0 0,0 0 1 0 0,-1 0 0 0 0,1 1-1 0 0,0 0 1 0 0,-1 0 0 0 0,-7 2-1 0 0,9-1 31 0 0,0 0-1 0 0,0 0 0 0 0,0 0 1 0 0,1 1-1 0 0,-1-1 0 0 0,1 1 1 0 0,0 0-1 0 0,0 0 0 0 0,0 0 1 0 0,0 0-1 0 0,0 0 0 0 0,1 1 1 0 0,0-1-1 0 0,-1 1 0 0 0,1 0 0 0 0,0 0 1 0 0,1 0-1 0 0,-1 0 0 0 0,-1 8 1 0 0,-1 1 165 0 0,1 1 0 0 0,0-1 1 0 0,1 1-1 0 0,-1 26 0 0 0,2-37-230 0 0,1 1 0 0 0,0 0 0 0 0,1 0 0 0 0,-1-1 0 0 0,0 1 0 0 0,1 0 0 0 0,0-1 0 0 0,0 1-1 0 0,0 0 1 0 0,0-1 0 0 0,1 0 0 0 0,-1 1 0 0 0,1-1 0 0 0,0 0 0 0 0,4 6 0 0 0,-3-7-18 0 0,0 1 0 0 0,1-1 0 0 0,-1 0 0 0 0,1 0 0 0 0,-1 0 0 0 0,1 0 0 0 0,0-1 0 0 0,-1 0 0 0 0,1 1 0 0 0,0-1 0 0 0,0-1 0 0 0,0 1 0 0 0,0 0 1 0 0,6-1-1 0 0,3 1 1 0 0,-1-1 0 0 0,1-1 0 0 0,-1 1 0 0 0,0-2 0 0 0,1 0 0 0 0,-1 0 0 0 0,0-2 0 0 0,0 1 0 0 0,0-1 0 0 0,-1-1 0 0 0,1 0 0 0 0,-1-1 0 0 0,0 0 0 0 0,-1 0 0 0 0,0-1 0 0 0,0-1 0 0 0,0 0 0 0 0,-1 0 0 0 0,0-1 0 0 0,0 0 0 0 0,-1 0 0 0 0,7-11 0 0 0,-15 19-9 0 0,1 0 0 0 0,-1 0 0 0 0,1-1 0 0 0,0 1 0 0 0,-1 1 0 0 0,1-1 1 0 0,0 0-1 0 0,0 0 0 0 0,0 0 0 0 0,0 0 0 0 0,0 0 0 0 0,0 1 0 0 0,0-1 0 0 0,0 0 1 0 0,0 1-1 0 0,0-1 0 0 0,0 1 0 0 0,0-1 0 0 0,0 1 0 0 0,0-1 0 0 0,0 1 0 0 0,1 0 0 0 0,-1 0 1 0 0,0 0-1 0 0,0 0 0 0 0,0-1 0 0 0,1 2 0 0 0,-1-1 0 0 0,0 0 0 0 0,2 0 0 0 0,0 2-26 0 0,-1 0 0 0 0,1 1-1 0 0,-1-1 1 0 0,1 0-1 0 0,-1 1 1 0 0,0-1 0 0 0,0 1-1 0 0,0 0 1 0 0,3 6-1 0 0,12 17-220 0 0,31 54 774 0 0,-44-73-843 0 0,0 1 0 0 0,-1 0 0 0 0,0-1 1 0 0,0 1-1 0 0,-1 1 0 0 0,0-1 0 0 0,0 0 0 0 0,0 12 0 0 0</inkml:trace>
-</inkml:ink>
-</file>
-
-<file path=ppt/ink/ink86.xml><?xml version="1.0" encoding="utf-8"?>
-<inkml:ink xmlns:inkml="http://www.w3.org/2003/InkML">
-  <inkml:definitions>
-    <inkml:context xml:id="ctx0">
-      <inkml:inkSource xml:id="inkSrc0">
-        <inkml:traceFormat>
-          <inkml:channel name="X" type="integer" min="-2.14748E9" max="2.14748E9" units="cm"/>
-          <inkml:channel name="Y" type="integer" min="-2.14748E9" max="2.14748E9" units="cm"/>
-          <inkml:channel name="F" type="integer" max="32767" units="dev"/>
-          <inkml:channel name="OA" type="integer" max="360" units="deg"/>
-          <inkml:channel name="OE" type="integer" max="90" units="deg"/>
-        </inkml:traceFormat>
-        <inkml:channelProperties>
-          <inkml:channelProperty channel="X" name="resolution" value="1000" units="1/cm"/>
-          <inkml:channelProperty channel="Y" name="resolution" value="1000" units="1/cm"/>
-          <inkml:channelProperty channel="F" name="resolution" value="0" units="1/dev"/>
-          <inkml:channelProperty channel="OA" name="resolution" value="1000" units="1/deg"/>
-          <inkml:channelProperty channel="OE" name="resolution" value="1000" units="1/deg"/>
-        </inkml:channelProperties>
-      </inkml:inkSource>
-      <inkml:timestamp xml:id="ts0" timeString="2023-05-24T12:52:38.211"/>
-    </inkml:context>
-    <inkml:brush xml:id="br0">
-      <inkml:brushProperty name="width" value="0.2" units="cm"/>
-      <inkml:brushProperty name="height" value="0.2" units="cm"/>
-      <inkml:brushProperty name="color" value="#008C3A"/>
-    </inkml:brush>
-  </inkml:definitions>
-  <inkml:trace contextRef="#ctx0" brushRef="#br0">32 0 4914 0 0,'0'0'3450'0'0,"-1"7"-3418"0"0,-12 55 585 0 0,8-44 6 0 0,1 0 1 0 0,1 1-1 0 0,-2 27 1 0 0,4-40-499 0 0,1 1 0 0 0,1-1 0 0 0,-1 1 0 0 0,1-1 0 0 0,0 1 0 0 0,1-1 0 0 0,0 0 0 0 0,0 1 1 0 0,0-1-1 0 0,0 0 0 0 0,1 0 0 0 0,5 8 0 0 0,-3-8-56 0 0,0 0-1 0 0,1-1 1 0 0,-1 0 0 0 0,1 0 0 0 0,0 0-1 0 0,0-1 1 0 0,1 0 0 0 0,-1 0 0 0 0,1-1-1 0 0,12 5 1 0 0,3 0-17 0 0,0-2 0 0 0,1 0-1 0 0,0-2 1 0 0,-1 0 0 0 0,2-2 0 0 0,-1 0-1 0 0,0-2 1 0 0,0 0 0 0 0,44-7 0 0 0,-60 6-116 0 0,-1 0 1 0 0,1-1 0 0 0,0 1 0 0 0,-1-1 0 0 0,1-1 0 0 0,-1 1 0 0 0,0-1-1 0 0,0 0 1 0 0,0-1 0 0 0,0 1 0 0 0,-1-1 0 0 0,1 0 0 0 0,-1-1 0 0 0,0 1 0 0 0,0-1-1 0 0,-1 0 1 0 0,1 0 0 0 0,-1-1 0 0 0,0 1 0 0 0,0-1 0 0 0,-1 0 0 0 0,0 0-1 0 0,0 0 1 0 0,0 0 0 0 0,-1-1 0 0 0,0 1 0 0 0,0-1 0 0 0,-1 1 0 0 0,2-14-1 0 0,-3-34 1022 0 0,0 77-555 0 0,2-7-334 0 0,0-1 1 0 0,1 0-1 0 0,0 1 1 0 0,2-1-1 0 0,0 0 0 0 0,0-1 1 0 0,1 1-1 0 0,1-1 1 0 0,11 17-1 0 0,-9-16 44 0 0,-1-1 0 0 0,-1 1 1 0 0,0 1-1 0 0,-1 0 0 0 0,-1 0 0 0 0,0 0 0 0 0,-1 0 1 0 0,2 25-1 0 0,-5-33-66 0 0,0 0 0 0 0,-1-1 0 0 0,0 1 1 0 0,0 0-1 0 0,-1-1 0 0 0,0 1 0 0 0,0-1 0 0 0,-1 1 1 0 0,0-1-1 0 0,0 1 0 0 0,-1-1 0 0 0,0 0 1 0 0,0 0-1 0 0,0 0 0 0 0,-1-1 0 0 0,0 1 0 0 0,-1-1 1 0 0,1 0-1 0 0,-1 0 0 0 0,0 0 0 0 0,-1-1 0 0 0,-11 10 1 0 0,2-4 24 0 0,0 0 1 0 0,0 0 0 0 0,-1-1 0 0 0,0-1-1 0 0,-1-1 1 0 0,0 0 0 0 0,0-2-1 0 0,-1 0 1 0 0,1 0 0 0 0,-28 3 0 0 0,7-3-534 0 0,-60 1 0 0 0,4-7-4163 0 0,59 0 1750 0 0</inkml:trace>
-</inkml:ink>
-</file>
-
-<file path=ppt/ink/ink87.xml><?xml version="1.0" encoding="utf-8"?>
-<inkml:ink xmlns:inkml="http://www.w3.org/2003/InkML">
-  <inkml:definitions>
-    <inkml:context xml:id="ctx0">
-      <inkml:inkSource xml:id="inkSrc0">
-        <inkml:traceFormat>
-          <inkml:channel name="X" type="integer" min="-2.14748E9" max="2.14748E9" units="cm"/>
-          <inkml:channel name="Y" type="integer" min="-2.14748E9" max="2.14748E9" units="cm"/>
-          <inkml:channel name="F" type="integer" max="32767" units="dev"/>
-          <inkml:channel name="OA" type="integer" max="360" units="deg"/>
-          <inkml:channel name="OE" type="integer" max="90" units="deg"/>
-        </inkml:traceFormat>
-        <inkml:channelProperties>
-          <inkml:channelProperty channel="X" name="resolution" value="1000" units="1/cm"/>
-          <inkml:channelProperty channel="Y" name="resolution" value="1000" units="1/cm"/>
-          <inkml:channelProperty channel="F" name="resolution" value="0" units="1/dev"/>
-          <inkml:channelProperty channel="OA" name="resolution" value="1000" units="1/deg"/>
-          <inkml:channelProperty channel="OE" name="resolution" value="1000" units="1/deg"/>
-        </inkml:channelProperties>
-      </inkml:inkSource>
-      <inkml:timestamp xml:id="ts0" timeString="2023-05-24T12:52:39.297"/>
-    </inkml:context>
-    <inkml:brush xml:id="br0">
-      <inkml:brushProperty name="width" value="0.2" units="cm"/>
-      <inkml:brushProperty name="height" value="0.2" units="cm"/>
-      <inkml:brushProperty name="color" value="#008C3A"/>
-    </inkml:brush>
-  </inkml:definitions>
-  <inkml:trace contextRef="#ctx0" brushRef="#br0">127 1 4146 0 0,'0'0'8753'0'0,"-4"26"-7768"0"0,-7 56 248 0 0,-40 143-1 0 0,5-27-992 0 0,34-111-1451 0 0,10-58-2440 0 0</inkml:trace>
-</inkml:ink>
-</file>
-
-<file path=ppt/ink/ink88.xml><?xml version="1.0" encoding="utf-8"?>
-<inkml:ink xmlns:inkml="http://www.w3.org/2003/InkML">
-  <inkml:definitions>
-    <inkml:context xml:id="ctx0">
-      <inkml:inkSource xml:id="inkSrc0">
-        <inkml:traceFormat>
-          <inkml:channel name="X" type="integer" min="-2.14748E9" max="2.14748E9" units="cm"/>
-          <inkml:channel name="Y" type="integer" min="-2.14748E9" max="2.14748E9" units="cm"/>
-          <inkml:channel name="F" type="integer" max="32767" units="dev"/>
-          <inkml:channel name="OA" type="integer" max="360" units="deg"/>
-          <inkml:channel name="OE" type="integer" max="90" units="deg"/>
-        </inkml:traceFormat>
-        <inkml:channelProperties>
-          <inkml:channelProperty channel="X" name="resolution" value="1000" units="1/cm"/>
-          <inkml:channelProperty channel="Y" name="resolution" value="1000" units="1/cm"/>
-          <inkml:channelProperty channel="F" name="resolution" value="0" units="1/dev"/>
-          <inkml:channelProperty channel="OA" name="resolution" value="1000" units="1/deg"/>
-          <inkml:channelProperty channel="OE" name="resolution" value="1000" units="1/deg"/>
-        </inkml:channelProperties>
-      </inkml:inkSource>
-      <inkml:timestamp xml:id="ts0" timeString="2023-05-24T12:52:39.634"/>
-    </inkml:context>
-    <inkml:brush xml:id="br0">
-      <inkml:brushProperty name="width" value="0.2" units="cm"/>
-      <inkml:brushProperty name="height" value="0.2" units="cm"/>
-      <inkml:brushProperty name="color" value="#008C3A"/>
-    </inkml:brush>
-  </inkml:definitions>
-  <inkml:trace contextRef="#ctx0" brushRef="#br0">0 0 4962 0 0,'0'0'4642'0'0,"176"0"-3265"0"0,-104 0-64 0 0,4 6-513 0 0,3 1-416 0 0,3-2-336 0 0,-9-1 16 0 0,-5-3-144 0 0,1-1-1649 0 0,-14 0-1808 0 0,-17 0-689 0 0</inkml:trace>
-</inkml:ink>
-</file>
-
-<file path=ppt/ink/ink89.xml><?xml version="1.0" encoding="utf-8"?>
-<inkml:ink xmlns:inkml="http://www.w3.org/2003/InkML">
-  <inkml:definitions>
-    <inkml:context xml:id="ctx0">
-      <inkml:inkSource xml:id="inkSrc0">
-        <inkml:traceFormat>
-          <inkml:channel name="X" type="integer" min="-2.14748E9" max="2.14748E9" units="cm"/>
-          <inkml:channel name="Y" type="integer" min="-2.14748E9" max="2.14748E9" units="cm"/>
-          <inkml:channel name="F" type="integer" max="32767" units="dev"/>
-          <inkml:channel name="OA" type="integer" max="360" units="deg"/>
-          <inkml:channel name="OE" type="integer" max="90" units="deg"/>
-        </inkml:traceFormat>
-        <inkml:channelProperties>
-          <inkml:channelProperty channel="X" name="resolution" value="1000" units="1/cm"/>
-          <inkml:channelProperty channel="Y" name="resolution" value="1000" units="1/cm"/>
-          <inkml:channelProperty channel="F" name="resolution" value="0" units="1/dev"/>
-          <inkml:channelProperty channel="OA" name="resolution" value="1000" units="1/deg"/>
-          <inkml:channelProperty channel="OE" name="resolution" value="1000" units="1/deg"/>
-        </inkml:channelProperties>
-      </inkml:inkSource>
-      <inkml:timestamp xml:id="ts0" timeString="2023-05-24T12:52:40.121"/>
-    </inkml:context>
-    <inkml:brush xml:id="br0">
-      <inkml:brushProperty name="width" value="0.2" units="cm"/>
-      <inkml:brushProperty name="height" value="0.2" units="cm"/>
-      <inkml:brushProperty name="color" value="#008C3A"/>
-    </inkml:brush>
-  </inkml:definitions>
-  <inkml:trace contextRef="#ctx0" brushRef="#br0">96 164 5154 0 0,'0'0'3367'0'0,"-9"5"-3257"0"0,2-2 13 0 0,2 1 1 0 0,-1 0-1 0 0,0-1 0 0 0,1 2 1 0 0,0-1-1 0 0,0 1 1 0 0,0-1-1 0 0,0 1 1 0 0,1 1-1 0 0,0-1 1 0 0,0 1-1 0 0,1-1 0 0 0,-1 1 1 0 0,1 0-1 0 0,0 0 1 0 0,1 1-1 0 0,-1-1 1 0 0,1 1-1 0 0,1-1 1 0 0,-1 1-1 0 0,0 7 1 0 0,2-10-51 0 0,-1-1 0 0 0,1 1 0 0 0,0 0 0 0 0,0 0 0 0 0,1 0 1 0 0,-1-1-1 0 0,1 1 0 0 0,-1 0 0 0 0,1-1 0 0 0,1 1 1 0 0,-1 0-1 0 0,0-1 0 0 0,1 1 0 0 0,0-1 0 0 0,0 0 1 0 0,0 1-1 0 0,0-1 0 0 0,3 3 0 0 0,-1-2-28 0 0,1 0 0 0 0,-1-1 1 0 0,1 0-1 0 0,-1 1 0 0 0,1-2 0 0 0,0 1 0 0 0,0-1 1 0 0,0 1-1 0 0,1-1 0 0 0,-1-1 0 0 0,7 2 0 0 0,12 1 12 0 0,-1-1 0 0 0,1-1 0 0 0,0-2 0 0 0,41-3 0 0 0,-48 2-142 0 0,1-2 1 0 0,-1 0 0 0 0,0-1 0 0 0,0 0 0 0 0,-1-2 0 0 0,0 0 0 0 0,0 0 0 0 0,0-2 0 0 0,16-9 0 0 0,-25 12-47 0 0,1 0 0 0 0,-1-1-1 0 0,0 1 1 0 0,0-1 0 0 0,0 0-1 0 0,-1-1 1 0 0,0 0 0 0 0,0 0 0 0 0,-1 0-1 0 0,0-1 1 0 0,0 0 0 0 0,0 1-1 0 0,-1-2 1 0 0,-1 1 0 0 0,1 0 0 0 0,-1-1-1 0 0,-1 0 1 0 0,3-16 0 0 0,-4 18 172 0 0,0 0 0 0 0,0 0 0 0 0,-1 1 0 0 0,0-1 0 0 0,-1 0 0 0 0,0 0 1 0 0,0 0-1 0 0,0 0 0 0 0,-1 1 0 0 0,0-1 0 0 0,0 1 0 0 0,0-1 0 0 0,-1 1 0 0 0,0 0 0 0 0,-8-12 1 0 0,6 12 156 0 0,-1 0 1 0 0,0 0 0 0 0,0 1-1 0 0,-1 0 1 0 0,0 0-1 0 0,1 1 1 0 0,-2 0 0 0 0,1 0-1 0 0,0 0 1 0 0,-1 1 0 0 0,0 0-1 0 0,1 0 1 0 0,-12-1 0 0 0,0 0 30 0 0,1 0 1 0 0,-1 2 0 0 0,0 0-1 0 0,-30 1 1 0 0,42 1-225 0 0,0 0 1 0 0,1 1-1 0 0,-1-1 1 0 0,0 2-1 0 0,1-1 1 0 0,-1 1-1 0 0,1 0 0 0 0,0 0 1 0 0,-1 0-1 0 0,1 1 1 0 0,0 0-1 0 0,0 1 0 0 0,1-1 1 0 0,-1 1-1 0 0,1 0 1 0 0,-6 5-1 0 0,-2 13-139 0 0,11-20-265 0 0,2-2 299 0 0,0 1 1 0 0,0-1-1 0 0,-1 1 0 0 0,1-1 1 0 0,0 1-1 0 0,0 0 0 0 0,-1-1 1 0 0,1 1-1 0 0,0-1 0 0 0,0 1 1 0 0,0-1-1 0 0,0 1 0 0 0,0 0 0 0 0,0-1 1 0 0,0 1-1 0 0,0-1 0 0 0,0 1 1 0 0,0 0-1 0 0,0-1 0 0 0,1 1 1 0 0,-1-1-1 0 0,0 1 0 0 0,0-1 1 0 0,0 1-1 0 0,1 0 0 0 0,-1-1 0 0 0,0 1 1 0 0,1-1-1 0 0,-1 1 0 0 0,0-1 1 0 0,3 2-400 0 0,20 0-3260 0 0</inkml:trace>
-</inkml:ink>
-</file>
-
-<file path=ppt/ink/ink9.xml><?xml version="1.0" encoding="utf-8"?>
-<inkml:ink xmlns:inkml="http://www.w3.org/2003/InkML">
-  <inkml:definitions>
-    <inkml:context xml:id="ctx0">
-      <inkml:inkSource xml:id="inkSrc0">
-        <inkml:traceFormat>
-          <inkml:channel name="X" type="integer" min="-2.14748E9" max="2.14748E9" units="cm"/>
-          <inkml:channel name="Y" type="integer" min="-2.14748E9" max="2.14748E9" units="cm"/>
-          <inkml:channel name="F" type="integer" max="32767" units="dev"/>
-          <inkml:channel name="OA" type="integer" max="360" units="deg"/>
-          <inkml:channel name="OE" type="integer" max="90" units="deg"/>
-        </inkml:traceFormat>
-        <inkml:channelProperties>
-          <inkml:channelProperty channel="X" name="resolution" value="1000" units="1/cm"/>
-          <inkml:channelProperty channel="Y" name="resolution" value="1000" units="1/cm"/>
-          <inkml:channelProperty channel="F" name="resolution" value="0" units="1/dev"/>
-          <inkml:channelProperty channel="OA" name="resolution" value="1000" units="1/deg"/>
-          <inkml:channelProperty channel="OE" name="resolution" value="1000" units="1/deg"/>
-        </inkml:channelProperties>
-      </inkml:inkSource>
-      <inkml:timestamp xml:id="ts0" timeString="2023-05-24T12:34:42.545"/>
-    </inkml:context>
-    <inkml:brush xml:id="br0">
-      <inkml:brushProperty name="width" value="0.2" units="cm"/>
-      <inkml:brushProperty name="height" value="0.2" units="cm"/>
-    </inkml:brush>
-  </inkml:definitions>
-  <inkml:trace contextRef="#ctx0" brushRef="#br0">35 265 4738 0 0,'0'0'2022'0'0,"-19"30"-498"0"0,18-30-1430 0 0,0 0 0 0 0,0-1 1 0 0,1 1-1 0 0,-1-1 0 0 0,0 1 0 0 0,0-1 1 0 0,0 1-1 0 0,1-1 0 0 0,-1 1 0 0 0,0-1 1 0 0,1 0-1 0 0,-1 1 0 0 0,0-1 0 0 0,1 0 1 0 0,-1 0-1 0 0,1 1 0 0 0,-1-1 0 0 0,1 0 1 0 0,0 0-1 0 0,-1 0 0 0 0,1 0 0 0 0,0 1 0 0 0,-1-1 1 0 0,1 0-1 0 0,0 0 0 0 0,0 0 0 0 0,0 0 1 0 0,0 0-1 0 0,0 0 0 0 0,0-1 0 0 0,0-40-500 0 0,0 32 620 0 0,0 3-202 0 0,0 1-1 0 0,1 0 0 0 0,-1 0 1 0 0,1 0-1 0 0,1 0 1 0 0,-1 0-1 0 0,1 0 1 0 0,0 0-1 0 0,0 0 1 0 0,1 1-1 0 0,0-1 1 0 0,0 1-1 0 0,6-9 1 0 0,-2 6 59 0 0,1 0-1 0 0,1 0 1 0 0,-1 0 0 0 0,1 1 0 0 0,0 1 0 0 0,19-11-1 0 0,-10 7 79 0 0,1 1 0 0 0,0 1 1 0 0,0 1-1 0 0,1 0 0 0 0,0 2 0 0 0,0 0 0 0 0,24-2 0 0 0,18 1-215 0 0,65 4-1 0 0,-113 2-24 0 0,21 5-1599 0 0,-12 5-2380 0 0</inkml:trace>
-</inkml:ink>
-</file>
-
-<file path=ppt/ink/ink90.xml><?xml version="1.0" encoding="utf-8"?>
-<inkml:ink xmlns:inkml="http://www.w3.org/2003/InkML">
-  <inkml:definitions>
-    <inkml:context xml:id="ctx0">
-      <inkml:inkSource xml:id="inkSrc0">
-        <inkml:traceFormat>
-          <inkml:channel name="X" type="integer" min="-2.14748E9" max="2.14748E9" units="cm"/>
-          <inkml:channel name="Y" type="integer" min="-2.14748E9" max="2.14748E9" units="cm"/>
-          <inkml:channel name="F" type="integer" max="32767" units="dev"/>
-          <inkml:channel name="OA" type="integer" max="360" units="deg"/>
-          <inkml:channel name="OE" type="integer" max="90" units="deg"/>
-        </inkml:traceFormat>
-        <inkml:channelProperties>
-          <inkml:channelProperty channel="X" name="resolution" value="1000" units="1/cm"/>
-          <inkml:channelProperty channel="Y" name="resolution" value="1000" units="1/cm"/>
-          <inkml:channelProperty channel="F" name="resolution" value="0" units="1/dev"/>
-          <inkml:channelProperty channel="OA" name="resolution" value="1000" units="1/deg"/>
-          <inkml:channelProperty channel="OE" name="resolution" value="1000" units="1/deg"/>
-        </inkml:channelProperties>
-      </inkml:inkSource>
-      <inkml:timestamp xml:id="ts0" timeString="2023-05-24T12:52:41.008"/>
-    </inkml:context>
-    <inkml:brush xml:id="br0">
-      <inkml:brushProperty name="width" value="0.2" units="cm"/>
-      <inkml:brushProperty name="height" value="0.2" units="cm"/>
-      <inkml:brushProperty name="color" value="#008C3A"/>
-    </inkml:brush>
-  </inkml:definitions>
-  <inkml:trace contextRef="#ctx0" brushRef="#br0">131 1 5362 0 0,'0'3'6251'0'0,"4"14"-6136"0"0,2 1 238 0 0,-1 0 1 0 0,0 1-1 0 0,-2-1 1 0 0,0 1-1 0 0,-1 0 0 0 0,-1 0 1 0 0,0 0-1 0 0,-2 0 0 0 0,0 0 1 0 0,-6 26-1 0 0,0-18-89 0 0,-1-1-1 0 0,-1 1 0 0 0,-1-2 1 0 0,-2 0-1 0 0,-15 26 1 0 0,-27 62 286 0 0,49-99-468 0 0,0 0 1 0 0,1 0-1 0 0,1 0 1 0 0,0 1-1 0 0,1-1 1 0 0,0 22-1 0 0,1-29-66 0 0,1-1 1 0 0,0 1-1 0 0,1 0 1 0 0,0-1-1 0 0,0 1 0 0 0,0-1 1 0 0,1 1-1 0 0,2 6 1 0 0,-3-11-106 0 0,1 0 0 0 0,-1 0 1 0 0,1 0-1 0 0,-1 0 1 0 0,1 0-1 0 0,0 0 0 0 0,0 0 1 0 0,0-1-1 0 0,0 1 1 0 0,0-1-1 0 0,0 0 0 0 0,0 1 1 0 0,0-1-1 0 0,1 0 1 0 0,-1 0-1 0 0,0-1 0 0 0,1 1 1 0 0,-1 0-1 0 0,1-1 0 0 0,-1 1 1 0 0,1-1-1 0 0,-1 0 1 0 0,1 0-1 0 0,2 0 0 0 0,-2 0-238 0 0,14-2-2423 0 0</inkml:trace>
-</inkml:ink>
-</file>
-
-<file path=ppt/ink/ink91.xml><?xml version="1.0" encoding="utf-8"?>
-<inkml:ink xmlns:inkml="http://www.w3.org/2003/InkML">
-  <inkml:definitions>
-    <inkml:context xml:id="ctx0">
-      <inkml:inkSource xml:id="inkSrc0">
-        <inkml:traceFormat>
-          <inkml:channel name="X" type="integer" min="-2.14748E9" max="2.14748E9" units="cm"/>
-          <inkml:channel name="Y" type="integer" min="-2.14748E9" max="2.14748E9" units="cm"/>
-          <inkml:channel name="F" type="integer" max="32767" units="dev"/>
-          <inkml:channel name="OA" type="integer" max="360" units="deg"/>
-          <inkml:channel name="OE" type="integer" max="90" units="deg"/>
-        </inkml:traceFormat>
-        <inkml:channelProperties>
-          <inkml:channelProperty channel="X" name="resolution" value="1000" units="1/cm"/>
-          <inkml:channelProperty channel="Y" name="resolution" value="1000" units="1/cm"/>
-          <inkml:channelProperty channel="F" name="resolution" value="0" units="1/dev"/>
-          <inkml:channelProperty channel="OA" name="resolution" value="1000" units="1/deg"/>
-          <inkml:channelProperty channel="OE" name="resolution" value="1000" units="1/deg"/>
-        </inkml:channelProperties>
-      </inkml:inkSource>
-      <inkml:timestamp xml:id="ts0" timeString="2023-05-24T12:52:41.651"/>
-    </inkml:context>
-    <inkml:brush xml:id="br0">
-      <inkml:brushProperty name="width" value="0.2" units="cm"/>
-      <inkml:brushProperty name="height" value="0.2" units="cm"/>
-      <inkml:brushProperty name="color" value="#008C3A"/>
-    </inkml:brush>
-  </inkml:definitions>
-  <inkml:trace contextRef="#ctx0" brushRef="#br0">1 298 3298 0 0,'0'0'3430'0'0,"30"1"-3149"0"0,98 0-151 0 0,-119-1-93 0 0,1 0 0 0 0,-1-1 0 0 0,1 0 0 0 0,-1 0 0 0 0,1-1 0 0 0,-1-1 0 0 0,0 0-1 0 0,0 0 1 0 0,0 0 0 0 0,11-7 0 0 0,4-2 326 0 0,-7 4-289 0 0,1 0 1 0 0,-1-1 0 0 0,-1-1-1 0 0,0-1 1 0 0,-1 0 0 0 0,0-1 0 0 0,0 0-1 0 0,-1-2 1 0 0,-1 1 0 0 0,14-19-1 0 0,-25 29-75 0 0,0-1-1 0 0,0 1 0 0 0,-1-1 1 0 0,1 1-1 0 0,-1-1 1 0 0,0 0-1 0 0,0 0 0 0 0,0 0 1 0 0,0 1-1 0 0,-1-1 0 0 0,1 0 1 0 0,-1-7-1 0 0,0 9-3 0 0,-1 0 1 0 0,1 0-1 0 0,0 0 0 0 0,-1 0 1 0 0,1 0-1 0 0,-1 0 0 0 0,0 0 1 0 0,0 0-1 0 0,0 0 0 0 0,0 1 0 0 0,0-1 1 0 0,0 0-1 0 0,0 1 0 0 0,0-1 1 0 0,-1 0-1 0 0,1 1 0 0 0,-1 0 1 0 0,1-1-1 0 0,-1 1 0 0 0,1 0 0 0 0,-1 0 1 0 0,0-1-1 0 0,0 1 0 0 0,-3-1 1 0 0,-12-4-1 0 0,0 1 1 0 0,-1 1 0 0 0,1 1-1 0 0,-1 0 1 0 0,0 1-1 0 0,-34 1 1 0 0,42 1 34 0 0,0 1 0 0 0,0 0 0 0 0,0 0 0 0 0,0 1 0 0 0,1 0 0 0 0,-1 1 0 0 0,1 0 0 0 0,-1 0 0 0 0,1 1 0 0 0,0 1 0 0 0,0-1 0 0 0,1 1 0 0 0,-16 12 0 0 0,17-11 53 0 0,0 2-1 0 0,0-1 1 0 0,1 1-1 0 0,0 0 1 0 0,0 0 0 0 0,0 1-1 0 0,1 0 1 0 0,1 0-1 0 0,0 0 1 0 0,0 1-1 0 0,0-1 1 0 0,1 1 0 0 0,1 0-1 0 0,0-1 1 0 0,0 1-1 0 0,1 1 1 0 0,0-1 0 0 0,1 0-1 0 0,0 0 1 0 0,2 18-1 0 0,-1-24-41 0 0,0 0-1 0 0,0 0 1 0 0,0 0-1 0 0,0 0 0 0 0,0-1 1 0 0,1 1-1 0 0,0 0 1 0 0,0-1-1 0 0,0 1 0 0 0,0-1 1 0 0,0 0-1 0 0,1 0 1 0 0,-1 0-1 0 0,5 4 1 0 0,1 0-11 0 0,-1-1 1 0 0,1 0 0 0 0,1-1-1 0 0,-1 1 1 0 0,15 5 0 0 0,3 0-9 0 0,1-2 1 0 0,0-1-1 0 0,33 6 1 0 0,-24-7-566 0 0,-1-2 0 0 0,1-2 1 0 0,0-1-1 0 0,71-5 0 0 0,-70-7-2159 0 0,-11-7-916 0 0</inkml:trace>
-</inkml:ink>
-</file>
-
-<file path=ppt/ink/ink92.xml><?xml version="1.0" encoding="utf-8"?>
-<inkml:ink xmlns:inkml="http://www.w3.org/2003/InkML">
-  <inkml:definitions>
-    <inkml:context xml:id="ctx0">
-      <inkml:inkSource xml:id="inkSrc0">
-        <inkml:traceFormat>
-          <inkml:channel name="X" type="integer" min="-2.14748E9" max="2.14748E9" units="cm"/>
-          <inkml:channel name="Y" type="integer" min="-2.14748E9" max="2.14748E9" units="cm"/>
-          <inkml:channel name="F" type="integer" max="32767" units="dev"/>
-          <inkml:channel name="OA" type="integer" max="360" units="deg"/>
-          <inkml:channel name="OE" type="integer" max="90" units="deg"/>
-        </inkml:traceFormat>
-        <inkml:channelProperties>
-          <inkml:channelProperty channel="X" name="resolution" value="1000" units="1/cm"/>
-          <inkml:channelProperty channel="Y" name="resolution" value="1000" units="1/cm"/>
-          <inkml:channelProperty channel="F" name="resolution" value="0" units="1/dev"/>
-          <inkml:channelProperty channel="OA" name="resolution" value="1000" units="1/deg"/>
-          <inkml:channelProperty channel="OE" name="resolution" value="1000" units="1/deg"/>
-        </inkml:channelProperties>
-      </inkml:inkSource>
-      <inkml:timestamp xml:id="ts0" timeString="2023-05-24T12:52:42.266"/>
-    </inkml:context>
-    <inkml:brush xml:id="br0">
-      <inkml:brushProperty name="width" value="0.2" units="cm"/>
-      <inkml:brushProperty name="height" value="0.2" units="cm"/>
-      <inkml:brushProperty name="color" value="#008C3A"/>
-    </inkml:brush>
-  </inkml:definitions>
-  <inkml:trace contextRef="#ctx0" brushRef="#br0">327 70 5635 0 0,'0'0'4009'0'0,"-6"-5"-3790"0"0,-5-3-222 0 0,0 0-1 0 0,-1 1 1 0 0,0 1-1 0 0,0 0 1 0 0,-1 0-1 0 0,1 1 1 0 0,-1 1 0 0 0,0 0-1 0 0,0 1 1 0 0,-1 1-1 0 0,1-1 1 0 0,-1 2-1 0 0,1 0 1 0 0,-1 1-1 0 0,1 0 1 0 0,-15 3-1 0 0,24-2 7 0 0,0 0-1 0 0,0 0 0 0 0,-1 0 0 0 0,1 1 1 0 0,0 0-1 0 0,0 0 0 0 0,1 0 0 0 0,-1 0 1 0 0,0 1-1 0 0,1-1 0 0 0,-1 1 0 0 0,1 0 1 0 0,0 0-1 0 0,0 0 0 0 0,0 1 0 0 0,0-1 1 0 0,0 1-1 0 0,1-1 0 0 0,0 1 0 0 0,-4 7 0 0 0,4-6 94 0 0,0 0-1 0 0,-1 1 1 0 0,2-1-1 0 0,-1 1 1 0 0,1-1-1 0 0,0 1 1 0 0,0 0-1 0 0,0-1 0 0 0,1 1 1 0 0,0 0-1 0 0,0 0 1 0 0,0 0-1 0 0,1-1 1 0 0,0 1-1 0 0,2 8 1 0 0,-1-11-67 0 0,0-1 0 0 0,0 1 1 0 0,0-1-1 0 0,0 0 0 0 0,0 0 1 0 0,1 0-1 0 0,-1 0 1 0 0,1 0-1 0 0,-1 0 0 0 0,1-1 1 0 0,0 1-1 0 0,0-1 1 0 0,-1 0-1 0 0,1 0 0 0 0,0 0 1 0 0,0 0-1 0 0,0 0 1 0 0,0-1-1 0 0,0 1 0 0 0,0-1 1 0 0,1 0-1 0 0,4 0 0 0 0,3 0 21 0 0,0 0-1 0 0,0 0 0 0 0,0-1 0 0 0,0 0 0 0 0,13-4 1 0 0,-14 1-135 0 0,0-1 0 0 0,-1 0 1 0 0,0-1-1 0 0,0 0 1 0 0,-1 0-1 0 0,1-1 1 0 0,10-11-1 0 0,-7 7 39 0 0,-11 10 63 0 0,0 0 1 0 0,0 1 0 0 0,0-1 0 0 0,0 0 0 0 0,0 1-1 0 0,0-1 1 0 0,0 1 0 0 0,0-1 0 0 0,0 1 0 0 0,0-1-1 0 0,0 1 1 0 0,0 0 0 0 0,0 0 0 0 0,1-1 0 0 0,-1 1-1 0 0,0 0 1 0 0,0 0 0 0 0,0 0 0 0 0,0 0-1 0 0,0 0 1 0 0,1 1 0 0 0,-1-1 0 0 0,0 0 0 0 0,0 0-1 0 0,0 1 1 0 0,0-1 0 0 0,0 1 0 0 0,0-1 0 0 0,0 1-1 0 0,0-1 1 0 0,2 2 0 0 0,26 30-277 0 0,-19-21 271 0 0,10 13-62 0 0,-11-12-75 0 0,2 0 0 0 0,-1 0 0 0 0,1-1 0 0 0,1 0 0 0 0,0-1 0 0 0,15 10 0 0 0</inkml:trace>
-</inkml:ink>
-</file>
-
-<file path=ppt/ink/ink93.xml><?xml version="1.0" encoding="utf-8"?>
-<inkml:ink xmlns:inkml="http://www.w3.org/2003/InkML">
-  <inkml:definitions>
-    <inkml:context xml:id="ctx0">
-      <inkml:inkSource xml:id="inkSrc0">
-        <inkml:traceFormat>
-          <inkml:channel name="X" type="integer" min="-2.14748E9" max="2.14748E9" units="cm"/>
-          <inkml:channel name="Y" type="integer" min="-2.14748E9" max="2.14748E9" units="cm"/>
-          <inkml:channel name="F" type="integer" max="32767" units="dev"/>
-          <inkml:channel name="OA" type="integer" max="360" units="deg"/>
-          <inkml:channel name="OE" type="integer" max="90" units="deg"/>
-        </inkml:traceFormat>
-        <inkml:channelProperties>
-          <inkml:channelProperty channel="X" name="resolution" value="1000" units="1/cm"/>
-          <inkml:channelProperty channel="Y" name="resolution" value="1000" units="1/cm"/>
-          <inkml:channelProperty channel="F" name="resolution" value="0" units="1/dev"/>
-          <inkml:channelProperty channel="OA" name="resolution" value="1000" units="1/deg"/>
-          <inkml:channelProperty channel="OE" name="resolution" value="1000" units="1/deg"/>
-        </inkml:channelProperties>
-      </inkml:inkSource>
-      <inkml:timestamp xml:id="ts0" timeString="2023-05-24T12:52:42.798"/>
-    </inkml:context>
-    <inkml:brush xml:id="br0">
-      <inkml:brushProperty name="width" value="0.2" units="cm"/>
-      <inkml:brushProperty name="height" value="0.2" units="cm"/>
-      <inkml:brushProperty name="color" value="#008C3A"/>
-    </inkml:brush>
-  </inkml:definitions>
-  <inkml:trace contextRef="#ctx0" brushRef="#br0">0 193 4690 0 0,'0'0'5085'0'0,"5"16"-4674"0"0,3 15-283 0 0,-5-13 152 0 0,2-1 0 0 0,11 31 0 0 0,-12-145 1620 0 0,-5 59-1808 0 0,0 25-90 0 0,1 1 0 0 0,0-1 0 0 0,1 1 0 0 0,0-1-1 0 0,4-17 1 0 0,-4 26 18 0 0,1 0 0 0 0,-1 1 0 0 0,1-1 0 0 0,0 0 0 0 0,0 0 0 0 0,0 1-1 0 0,1-1 1 0 0,-1 1 0 0 0,1 0 0 0 0,0 0 0 0 0,0 0 0 0 0,0 0-1 0 0,0 0 1 0 0,1 1 0 0 0,-1-1 0 0 0,1 1 0 0 0,-1 0 0 0 0,1 0 0 0 0,0 0-1 0 0,5-1 1 0 0,12-4 159 0 0,1 1-1 0 0,0 0 1 0 0,0 2-1 0 0,42-3 0 0 0,96 6-308 0 0,-84 3 83 0 0,-62-1 446 0 0</inkml:trace>
-</inkml:ink>
-</file>
-
-<file path=ppt/ink/ink94.xml><?xml version="1.0" encoding="utf-8"?>
-<inkml:ink xmlns:inkml="http://www.w3.org/2003/InkML">
-  <inkml:definitions>
-    <inkml:context xml:id="ctx0">
-      <inkml:inkSource xml:id="inkSrc0">
-        <inkml:traceFormat>
-          <inkml:channel name="X" type="integer" min="-2.14748E9" max="2.14748E9" units="cm"/>
-          <inkml:channel name="Y" type="integer" min="-2.14748E9" max="2.14748E9" units="cm"/>
-          <inkml:channel name="F" type="integer" max="32767" units="dev"/>
-          <inkml:channel name="OA" type="integer" max="360" units="deg"/>
-          <inkml:channel name="OE" type="integer" max="90" units="deg"/>
-        </inkml:traceFormat>
-        <inkml:channelProperties>
-          <inkml:channelProperty channel="X" name="resolution" value="1000" units="1/cm"/>
-          <inkml:channelProperty channel="Y" name="resolution" value="1000" units="1/cm"/>
-          <inkml:channelProperty channel="F" name="resolution" value="0" units="1/dev"/>
-          <inkml:channelProperty channel="OA" name="resolution" value="1000" units="1/deg"/>
-          <inkml:channelProperty channel="OE" name="resolution" value="1000" units="1/deg"/>
-        </inkml:channelProperties>
-      </inkml:inkSource>
-      <inkml:timestamp xml:id="ts0" timeString="2023-05-24T12:52:43.702"/>
-    </inkml:context>
-    <inkml:brush xml:id="br0">
-      <inkml:brushProperty name="width" value="0.2" units="cm"/>
-      <inkml:brushProperty name="height" value="0.2" units="cm"/>
-      <inkml:brushProperty name="color" value="#008C3A"/>
-    </inkml:brush>
-  </inkml:definitions>
-  <inkml:trace contextRef="#ctx0" brushRef="#br0">1 29 5491 0 0,'0'0'3945'0'0,"1"20"-2355"0"0,5 164 1254 0 0,-6-98-2537 0 0,0-85-237 0 0,1-42 338 0 0,2 30-473 0 0,0-1 1 0 0,1 0 0 0 0,1 1-1 0 0,0 0 1 0 0,0 0-1 0 0,1 0 1 0 0,0 1 0 0 0,14-17-1 0 0,3-2-289 0 0,43-41-1 0 0,-58 63 364 0 0,-1 1 0 0 0,2-1 1 0 0,-1 2-1 0 0,0-1 0 0 0,1 1 0 0 0,0 1 0 0 0,0 0 1 0 0,1 0-1 0 0,-1 1 0 0 0,1 0 0 0 0,0 0 0 0 0,0 1 0 0 0,0 0 1 0 0,0 1-1 0 0,0 0 0 0 0,0 1 0 0 0,0 0 0 0 0,0 1 1 0 0,0 0-1 0 0,0 0 0 0 0,0 1 0 0 0,0 0 0 0 0,-1 1 0 0 0,1 0 1 0 0,0 0-1 0 0,-1 1 0 0 0,17 11 0 0 0,-14-9 66 0 0,0 1 0 0 0,-1 0 0 0 0,-1 1-1 0 0,1 0 1 0 0,-1 1 0 0 0,-1 0 0 0 0,1 1-1 0 0,-2 0 1 0 0,1 0 0 0 0,-1 1 0 0 0,-1 0 0 0 0,0 0-1 0 0,-1 1 1 0 0,0 0 0 0 0,0 0 0 0 0,-1 0 0 0 0,-1 1-1 0 0,0 0 1 0 0,-1 0 0 0 0,3 25 0 0 0,-6 68-251 0 0,0-106 15 0 0,0 1 1 0 0,0 0-1 0 0,-1 0 1 0 0,1-1-1 0 0,-1 1 1 0 0,-17 8-3853 0 0,17-9 3853 0 0,0 0-1 0 0,0 0 1 0 0,0 0-1 0 0,1-1 1 0 0,-1 1-1 0 0,0 0 1 0 0,0-1-1 0 0,0 1 1 0 0,1 0-1 0 0,-1-1 1 0 0,-7-10-2248 0 0,8-1 378 0 0</inkml:trace>
-</inkml:ink>
-</file>
-
-<file path=ppt/ink/ink95.xml><?xml version="1.0" encoding="utf-8"?>
-<inkml:ink xmlns:inkml="http://www.w3.org/2003/InkML">
-  <inkml:definitions>
-    <inkml:context xml:id="ctx0">
-      <inkml:inkSource xml:id="inkSrc0">
-        <inkml:traceFormat>
-          <inkml:channel name="X" type="integer" min="-2.14748E9" max="2.14748E9" units="cm"/>
-          <inkml:channel name="Y" type="integer" min="-2.14748E9" max="2.14748E9" units="cm"/>
-          <inkml:channel name="F" type="integer" max="32767" units="dev"/>
-          <inkml:channel name="OA" type="integer" max="360" units="deg"/>
-          <inkml:channel name="OE" type="integer" max="90" units="deg"/>
-        </inkml:traceFormat>
-        <inkml:channelProperties>
-          <inkml:channelProperty channel="X" name="resolution" value="1000" units="1/cm"/>
-          <inkml:channelProperty channel="Y" name="resolution" value="1000" units="1/cm"/>
-          <inkml:channelProperty channel="F" name="resolution" value="0" units="1/dev"/>
-          <inkml:channelProperty channel="OA" name="resolution" value="1000" units="1/deg"/>
-          <inkml:channelProperty channel="OE" name="resolution" value="1000" units="1/deg"/>
-        </inkml:channelProperties>
-      </inkml:inkSource>
-      <inkml:timestamp xml:id="ts0" timeString="2023-05-24T12:52:44.441"/>
-    </inkml:context>
-    <inkml:brush xml:id="br0">
-      <inkml:brushProperty name="width" value="0.2" units="cm"/>
-      <inkml:brushProperty name="height" value="0.2" units="cm"/>
-      <inkml:brushProperty name="color" value="#008C3A"/>
-    </inkml:brush>
-  </inkml:definitions>
-  <inkml:trace contextRef="#ctx0" brushRef="#br0">1 1 4850 0 0,'0'0'3276'0'0,"33"20"-1784"0"0,111 70-209 0 0,-54-35 434 0 0,-3 4 0 0 0,111 97 1 0 0,-178-138-1586 0 0,-1 1 0 0 0,-1 1 1 0 0,0 0-1 0 0,-2 1 0 0 0,27 44 0 0 0,-35-48-98 0 0,0-1-1 0 0,-1 1 1 0 0,-1 1-1 0 0,-1-1 1 0 0,0 1-1 0 0,-1 0 1 0 0,-1 0-1 0 0,-1 0 1 0 0,0 29-1 0 0,-2-44-19 0 0,0 21 160 0 0,-6 49 0 0 0,5-64-159 0 0,-1-1 0 0 0,-1 1 0 0 0,1-1 0 0 0,-1 0 0 0 0,-1 0 0 0 0,0 0 0 0 0,0 0 0 0 0,0 0 0 0 0,-7 7 0 0 0,-12 12 16 0 0,-2-2 0 0 0,0 0 0 0 0,-2-2 0 0 0,-1-1-1 0 0,0-1 1 0 0,-34 18 0 0 0,13-8-88 0 0,-44 39 0 0 0,90-68 40 0 0,1 0 1 0 0,0-1-1 0 0,0 1 0 0 0,0 0 1 0 0,0 1-1 0 0,0-1 1 0 0,0 0-1 0 0,0 0 0 0 0,1 1 1 0 0,-1-1-1 0 0,1 1 0 0 0,0 0 1 0 0,0-1-1 0 0,0 1 1 0 0,0 0-1 0 0,0-1 0 0 0,1 1 1 0 0,-1 0-1 0 0,1 0 1 0 0,-1 0-1 0 0,1 5 0 0 0</inkml:trace>
-</inkml:ink>
-</file>
-
-<file path=ppt/ink/ink96.xml><?xml version="1.0" encoding="utf-8"?>
-<inkml:ink xmlns:inkml="http://www.w3.org/2003/InkML">
-  <inkml:definitions>
-    <inkml:context xml:id="ctx0">
-      <inkml:inkSource xml:id="inkSrc0">
-        <inkml:traceFormat>
-          <inkml:channel name="X" type="integer" min="-2.14748E9" max="2.14748E9" units="cm"/>
-          <inkml:channel name="Y" type="integer" min="-2.14748E9" max="2.14748E9" units="cm"/>
-          <inkml:channel name="F" type="integer" max="32767" units="dev"/>
-          <inkml:channel name="OA" type="integer" max="360" units="deg"/>
-          <inkml:channel name="OE" type="integer" max="90" units="deg"/>
-        </inkml:traceFormat>
-        <inkml:channelProperties>
-          <inkml:channelProperty channel="X" name="resolution" value="1000" units="1/cm"/>
-          <inkml:channelProperty channel="Y" name="resolution" value="1000" units="1/cm"/>
-          <inkml:channelProperty channel="F" name="resolution" value="0" units="1/dev"/>
-          <inkml:channelProperty channel="OA" name="resolution" value="1000" units="1/deg"/>
-          <inkml:channelProperty channel="OE" name="resolution" value="1000" units="1/deg"/>
-        </inkml:channelProperties>
-      </inkml:inkSource>
-      <inkml:timestamp xml:id="ts0" timeString="2023-05-24T14:12:47.738"/>
-    </inkml:context>
-    <inkml:brush xml:id="br0">
-      <inkml:brushProperty name="width" value="0.2" units="cm"/>
-      <inkml:brushProperty name="height" value="0.2" units="cm"/>
-      <inkml:brushProperty name="color" value="#33CCFF"/>
-    </inkml:brush>
-  </inkml:definitions>
-  <inkml:trace contextRef="#ctx0" brushRef="#br0">0 28 1169 0 0,'0'-27'7803'0'0,"2"35"-7660"0"0,0 0-1 0 0,0 1 0 0 0,1-1 1 0 0,0 0-1 0 0,1 0 1 0 0,-1-1-1 0 0,2 1 1 0 0,-1-1-1 0 0,1 0 0 0 0,7 8 1 0 0,15 29 270 0 0,-26-41-411 0 0,74 138 1014 0 0,-62-120-767 0 0,1-1 0 0 0,1-1 1 0 0,0 0-1 0 0,28 25 1 0 0,206 169 1148 0 0,-207-181-1237 0 0,1-2 0 0 0,2-1 0 0 0,1-3 0 0 0,58 24 0 0 0,-73-40-29 0 0,1-1-1 0 0,0-2 1 0 0,1-1-1 0 0,51 3 1 0 0,-51-7-163 0 0,0 2 1 0 0,1 1 0 0 0,-2 2 0 0 0,41 13 0 0 0,-73-19 53 0 0,1-1 0 0 0,-1 1 0 0 0,1-1 0 0 0,0 0 0 0 0,-1 1-1 0 0,1-1 1 0 0,-1 0 0 0 0,1 0 0 0 0,0 0 0 0 0,-1 1 0 0 0,1-1 0 0 0,0 0 0 0 0,-1 0-1 0 0,1 0 1 0 0,0 0 0 0 0,-1 0 0 0 0,1 0 0 0 0,0 0 0 0 0,-1 0 0 0 0,1 0-1 0 0,0-1 1 0 0,-1 1 0 0 0,1 0 0 0 0,-1 0 0 0 0,1-1 0 0 0,0 1 0 0 0,-1 0-1 0 0,1 0 1 0 0,-1-1 0 0 0,1 1 0 0 0,-1-1 0 0 0,1 1 0 0 0,-1-1 0 0 0,1 1-1 0 0,-1-1 1 0 0,1 1 0 0 0,-1-1 0 0 0,0 1 0 0 0,1-1 0 0 0,-1 1 0 0 0,0-1-1 0 0,1 0 1 0 0,-1 1 0 0 0,0-1 0 0 0,0 1 0 0 0,0-1 0 0 0,0 0 0 0 0,1 1-1 0 0,-1-2 1 0 0,6-13-187 0 0,-2 3 180 0 0,-1 0-1 0 0,0 0 0 0 0,0-1 1 0 0,-1 1-1 0 0,-1-1 0 0 0,0 1 1 0 0,0-1-1 0 0,-2 0 0 0 0,-1-16 1 0 0,0-10-2 0 0,1 21-2 0 0,-1 1-1 0 0,0-1 0 0 0,-2 0 0 0 0,0 1 0 0 0,-1 0 1 0 0,-8-18-1 0 0,-10-39 84 0 0,136 157-1018 0 0,-95-69 908 0 0,-1 1 0 0 0,-1 0 0 0 0,20 25 0 0 0,-30-33 10 0 0,-1 1 1 0 0,0 0-1 0 0,0 0 1 0 0,0 0-1 0 0,-1 1 1 0 0,0 0-1 0 0,-1-1 1 0 0,0 1-1 0 0,0 0 1 0 0,2 16-1 0 0,6 35-4 0 0,-7-43-28 0 0,-1 0 1 0 0,-1 0 0 0 0,1 19 0 0 0,-86-7-754 0 0,-10 8 924 0 0,-2-4 0 0 0,-1-5 0 0 0,-2-3 0 0 0,-188 21 0 0 0</inkml:trace>
-</inkml:ink>
-</file>
-
-<file path=ppt/ink/ink97.xml><?xml version="1.0" encoding="utf-8"?>
-<inkml:ink xmlns:inkml="http://www.w3.org/2003/InkML">
-  <inkml:definitions>
-    <inkml:context xml:id="ctx0">
-      <inkml:inkSource xml:id="inkSrc0">
-        <inkml:traceFormat>
-          <inkml:channel name="X" type="integer" min="-2.14748E9" max="2.14748E9" units="cm"/>
-          <inkml:channel name="Y" type="integer" min="-2.14748E9" max="2.14748E9" units="cm"/>
-          <inkml:channel name="F" type="integer" max="32767" units="dev"/>
-          <inkml:channel name="OA" type="integer" max="360" units="deg"/>
-          <inkml:channel name="OE" type="integer" max="90" units="deg"/>
-        </inkml:traceFormat>
-        <inkml:channelProperties>
-          <inkml:channelProperty channel="X" name="resolution" value="1000" units="1/cm"/>
-          <inkml:channelProperty channel="Y" name="resolution" value="1000" units="1/cm"/>
-          <inkml:channelProperty channel="F" name="resolution" value="0" units="1/dev"/>
-          <inkml:channelProperty channel="OA" name="resolution" value="1000" units="1/deg"/>
-          <inkml:channelProperty channel="OE" name="resolution" value="1000" units="1/deg"/>
-        </inkml:channelProperties>
-      </inkml:inkSource>
-      <inkml:timestamp xml:id="ts0" timeString="2023-05-24T14:12:49.124"/>
-    </inkml:context>
-    <inkml:brush xml:id="br0">
-      <inkml:brushProperty name="width" value="0.2" units="cm"/>
-      <inkml:brushProperty name="height" value="0.2" units="cm"/>
-      <inkml:brushProperty name="color" value="#33CCFF"/>
-    </inkml:brush>
-  </inkml:definitions>
-  <inkml:trace contextRef="#ctx0" brushRef="#br0">450 97 3137 0 0,'0'0'2047'0'0,"-1"-48"2072"0"0,-2 46-4121 0 0,0-1-1 0 0,1 0 1 0 0,-1 1-1 0 0,-1 0 1 0 0,1-1-1 0 0,0 1 1 0 0,0 0 0 0 0,-1 1-1 0 0,1-1 1 0 0,-1 1-1 0 0,0-1 1 0 0,-6 0 0 0 0,-2-2 6 0 0,0-1-26 0 0,0 2 0 0 0,0 0 0 0 0,0 1 0 0 0,0 0 0 0 0,0 0 0 0 0,0 1 0 0 0,-1 1 0 0 0,1 0 0 0 0,-23 4 0 0 0,17-1 3 0 0,0 0 1 0 0,0 2-1 0 0,0 0 0 0 0,1 1 0 0 0,-32 16 0 0 0,41-17 72 0 0,0 0 0 0 0,1 1 1 0 0,0-1-1 0 0,0 1 0 0 0,0 0 0 0 0,1 1 1 0 0,0 0-1 0 0,0 0 0 0 0,1 0 0 0 0,0 1 1 0 0,0 0-1 0 0,0 0 0 0 0,1 0 0 0 0,1 0 1 0 0,-1 0-1 0 0,1 1 0 0 0,1 0 1 0 0,0 0-1 0 0,0 0 0 0 0,0 0 0 0 0,1 0 1 0 0,1 0-1 0 0,-1 0 0 0 0,2 0 0 0 0,-1 0 1 0 0,1 0-1 0 0,0 0 0 0 0,5 14 0 0 0,-4-16-41 0 0,1 0-1 0 0,0-1 0 0 0,0 1 1 0 0,1-1-1 0 0,0 1 0 0 0,0-1 0 0 0,1 0 1 0 0,-1 0-1 0 0,1-1 0 0 0,0 1 1 0 0,1-1-1 0 0,-1 0 0 0 0,1-1 0 0 0,0 1 1 0 0,1-1-1 0 0,-1-1 0 0 0,1 1 1 0 0,7 2-1 0 0,6 4 7 0 0,0-2 1 0 0,1 0-1 0 0,0-2 1 0 0,42 8-1 0 0,-39-10 12 0 0,0-1 0 0 0,0-1-1 0 0,-1-1 1 0 0,45-5 0 0 0,-55 2-6 0 0,0-1 0 0 0,0 0-1 0 0,0-1 1 0 0,0-1 0 0 0,-1 0 0 0 0,0 0 0 0 0,0-1 0 0 0,0-1-1 0 0,-1 0 1 0 0,12-9 0 0 0,11-13 399 0 0,33-35 0 0 0,-63 60-202 0 0,-4 4-226 0 0,0 1 0 0 0,0-1 0 0 0,0 0 0 0 0,0 0 0 0 0,0 1 0 0 0,0-1 0 0 0,0 0 0 0 0,0 0-1 0 0,0 0 1 0 0,0 1 0 0 0,1-1 0 0 0,-1 0 0 0 0,0 0 0 0 0,0 0 0 0 0,0 1 0 0 0,0-1 0 0 0,0 0 0 0 0,1 0-1 0 0,-1 0 1 0 0,0 0 0 0 0,0 1 0 0 0,0-1 0 0 0,0 0 0 0 0,1 0 0 0 0,-1 0 0 0 0,0 0 0 0 0,0 0 0 0 0,0 0 0 0 0,1 0-1 0 0,-1 0 1 0 0,0 1 0 0 0,0-1 0 0 0,1 0 0 0 0,-1 0 0 0 0,0 0 0 0 0,0 0 0 0 0,1 0 0 0 0,-1 0 0 0 0,0 0 0 0 0,0 0-1 0 0,0 0 1 0 0,1-1 0 0 0,-1 1 0 0 0,0 0 0 0 0,0 0 0 0 0,1 0 0 0 0,-1 0 0 0 0,0 0 0 0 0,0 0 0 0 0,0 0-1 0 0,1 0 1 0 0,-1-1 0 0 0,0 1 0 0 0,0 0 0 0 0,0 0 0 0 0,0 0 0 0 0,1 0 0 0 0,-1-1 0 0 0,2 7 49 0 0,4 17 77 0 0,-2-1-1 0 0,0 1 1 0 0,1 30 0 0 0,-3-26-58 0 0,1 0 1 0 0,10 39 0 0 0,-11-59-52 0 0,0 0 1 0 0,1 0 0 0 0,-1-1-1 0 0,2 1 1 0 0,-1 0 0 0 0,1-1-1 0 0,0 0 1 0 0,0 0 0 0 0,0 0-1 0 0,1 0 1 0 0,0-1 0 0 0,0 0 0 0 0,10 8-1 0 0,0-7-1112 0 0</inkml:trace>
-</inkml:ink>
-</file>
-
-<file path=ppt/ink/ink98.xml><?xml version="1.0" encoding="utf-8"?>
-<inkml:ink xmlns:inkml="http://www.w3.org/2003/InkML">
-  <inkml:definitions>
-    <inkml:context xml:id="ctx0">
-      <inkml:inkSource xml:id="inkSrc0">
-        <inkml:traceFormat>
-          <inkml:channel name="X" type="integer" min="-2.14748E9" max="2.14748E9" units="cm"/>
-          <inkml:channel name="Y" type="integer" min="-2.14748E9" max="2.14748E9" units="cm"/>
-          <inkml:channel name="F" type="integer" max="32767" units="dev"/>
-          <inkml:channel name="OA" type="integer" max="360" units="deg"/>
-          <inkml:channel name="OE" type="integer" max="90" units="deg"/>
-        </inkml:traceFormat>
-        <inkml:channelProperties>
-          <inkml:channelProperty channel="X" name="resolution" value="1000" units="1/cm"/>
-          <inkml:channelProperty channel="Y" name="resolution" value="1000" units="1/cm"/>
-          <inkml:channelProperty channel="F" name="resolution" value="0" units="1/dev"/>
-          <inkml:channelProperty channel="OA" name="resolution" value="1000" units="1/deg"/>
-          <inkml:channelProperty channel="OE" name="resolution" value="1000" units="1/deg"/>
-        </inkml:channelProperties>
-      </inkml:inkSource>
-      <inkml:timestamp xml:id="ts0" timeString="2023-05-24T14:12:49.700"/>
-    </inkml:context>
-    <inkml:brush xml:id="br0">
-      <inkml:brushProperty name="width" value="0.2" units="cm"/>
-      <inkml:brushProperty name="height" value="0.2" units="cm"/>
-      <inkml:brushProperty name="color" value="#33CCFF"/>
-    </inkml:brush>
-  </inkml:definitions>
-  <inkml:trace contextRef="#ctx0" brushRef="#br0">4 67 4722 0 0,'0'0'3332'0'0,"0"16"-2459"0"0,-1 20-487 0 0,-1 68 875 0 0,8-62 1350 0 0,6-66-2712 0 0,1 0 1 0 0,1 2 0 0 0,1-1 0 0 0,28-30-1 0 0,-7 8-216 0 0,-26 31 292 0 0,-8 10 21 0 0,1 0 0 0 0,-1 0 1 0 0,1 0-1 0 0,-1 0 1 0 0,1 1-1 0 0,0-1 1 0 0,0 1-1 0 0,1 0 1 0 0,-1 0-1 0 0,1 0 1 0 0,-1 1-1 0 0,1-1 0 0 0,0 1 1 0 0,0 0-1 0 0,0 0 1 0 0,0 0-1 0 0,1 0 1 0 0,-1 1-1 0 0,0-1 1 0 0,1 1-1 0 0,-1 1 1 0 0,8-2-1 0 0,13 4 101 0 0,-1 0 0 0 0,0 2 0 0 0,0 1 0 0 0,0 1 0 0 0,-1 0 0 0 0,1 2-1 0 0,-2 1 1 0 0,1 1 0 0 0,-1 1 0 0 0,-1 0 0 0 0,0 2 0 0 0,-1 1 0 0 0,0 0 0 0 0,-1 1 0 0 0,0 2 0 0 0,-2-1 0 0 0,19 24 0 0 0,-32-35-83 0 0,0 1 0 0 0,-1-1-1 0 0,0 1 1 0 0,0 0 0 0 0,0 0 0 0 0,-1 0 0 0 0,0 0 0 0 0,0 1 0 0 0,0-1 0 0 0,-1 0 0 0 0,0 1 0 0 0,-1-1 0 0 0,1 12 0 0 0,-1-17-16 0 0,0 0 0 0 0,-1 0 0 0 0,1 0 0 0 0,0 1 0 0 0,0-1 1 0 0,-1 0-1 0 0,1 0 0 0 0,0 0 0 0 0,-1 0 0 0 0,1 0 0 0 0,-1-1 1 0 0,0 1-1 0 0,1 0 0 0 0,-1 0 0 0 0,0 0 0 0 0,1 0 0 0 0,-1-1 1 0 0,0 1-1 0 0,0 0 0 0 0,0-1 0 0 0,0 1 0 0 0,0 0 0 0 0,0-1 1 0 0,0 1-1 0 0,-1 0 0 0 0,-2 0-32 0 0,0 0 0 0 0,0 0-1 0 0,0 0 1 0 0,0 0 0 0 0,0 0 0 0 0,0-1 0 0 0,-7 0 0 0 0,7 0-206 0 0,0 0 1 0 0,0 0 0 0 0,0 0 0 0 0,0 0 0 0 0,1-1 0 0 0,-1 0-1 0 0,0 0 1 0 0,0 0 0 0 0,1 0 0 0 0,-1-1 0 0 0,0 1-1 0 0,1-1 1 0 0,0 0 0 0 0,-1 0 0 0 0,1 0 0 0 0,0 0 0 0 0,-4-4-1 0 0,-2-20-4578 0 0</inkml:trace>
-</inkml:ink>
-</file>
-
-<file path=ppt/ink/ink99.xml><?xml version="1.0" encoding="utf-8"?>
-<inkml:ink xmlns:inkml="http://www.w3.org/2003/InkML">
-  <inkml:definitions>
-    <inkml:context xml:id="ctx0">
-      <inkml:inkSource xml:id="inkSrc0">
-        <inkml:traceFormat>
-          <inkml:channel name="X" type="integer" min="-2.14748E9" max="2.14748E9" units="cm"/>
-          <inkml:channel name="Y" type="integer" min="-2.14748E9" max="2.14748E9" units="cm"/>
-          <inkml:channel name="F" type="integer" max="32767" units="dev"/>
-          <inkml:channel name="OA" type="integer" max="360" units="deg"/>
-          <inkml:channel name="OE" type="integer" max="90" units="deg"/>
-        </inkml:traceFormat>
-        <inkml:channelProperties>
-          <inkml:channelProperty channel="X" name="resolution" value="1000" units="1/cm"/>
-          <inkml:channelProperty channel="Y" name="resolution" value="1000" units="1/cm"/>
-          <inkml:channelProperty channel="F" name="resolution" value="0" units="1/dev"/>
-          <inkml:channelProperty channel="OA" name="resolution" value="1000" units="1/deg"/>
-          <inkml:channelProperty channel="OE" name="resolution" value="1000" units="1/deg"/>
-        </inkml:channelProperties>
-      </inkml:inkSource>
-      <inkml:timestamp xml:id="ts0" timeString="2023-05-24T14:12:50.584"/>
-    </inkml:context>
-    <inkml:brush xml:id="br0">
-      <inkml:brushProperty name="width" value="0.2" units="cm"/>
-      <inkml:brushProperty name="height" value="0.2" units="cm"/>
-      <inkml:brushProperty name="color" value="#33CCFF"/>
-    </inkml:brush>
-  </inkml:definitions>
-  <inkml:trace contextRef="#ctx0" brushRef="#br0">293 636 3858 0 0,'0'0'3903'0'0,"-7"0"-3303"0"0,-33-5-162 0 0,20 2-346 0 0,-1 0 0 0 0,1 2 1 0 0,0 1-1 0 0,-1 0 0 0 0,-20 3 0 0 0,36-2-20 0 0,0 0 0 0 0,0 0 0 0 0,1 1 0 0 0,-1-1-1 0 0,0 1 1 0 0,1 0 0 0 0,0 0 0 0 0,-1 0 0 0 0,1 1 0 0 0,0 0 0 0 0,0 0 0 0 0,0 0 0 0 0,1 0 0 0 0,-1 0-1 0 0,1 1 1 0 0,0-1 0 0 0,0 1 0 0 0,0 0 0 0 0,0 0 0 0 0,0 0 0 0 0,1 1 0 0 0,0-1 0 0 0,0 0-1 0 0,0 1 1 0 0,1 0 0 0 0,-3 8 0 0 0,2-4 54 0 0,0-1 1 0 0,1 1-1 0 0,0 0 0 0 0,0-1 0 0 0,1 1 1 0 0,0 0-1 0 0,1-1 0 0 0,0 1 0 0 0,0 0 1 0 0,0-1-1 0 0,1 1 0 0 0,1-1 0 0 0,4 11 1 0 0,-4-14-117 0 0,0 0 0 0 0,0 0 0 0 0,0 0 1 0 0,1 0-1 0 0,0-1 0 0 0,0 1 0 0 0,0-1 0 0 0,1 0 1 0 0,-1 0-1 0 0,1-1 0 0 0,0 0 0 0 0,0 1 1 0 0,0-1-1 0 0,1-1 0 0 0,-1 1 0 0 0,1-1 0 0 0,-1 0 1 0 0,1 0-1 0 0,0-1 0 0 0,5 1 0 0 0,3 1-119 0 0,-1-1-1 0 0,0-1 1 0 0,1 0-1 0 0,-1-1 1 0 0,0-1-1 0 0,1 0 0 0 0,-1 0 1 0 0,0-2-1 0 0,0 1 1 0 0,0-2-1 0 0,0 0 1 0 0,0 0-1 0 0,-1-1 1 0 0,1-1-1 0 0,18-11 0 0 0,-10 3 90 0 0,-2-1 0 0 0,1-1 0 0 0,-2-1 1 0 0,0-1-1 0 0,-1 0 0 0 0,-1-1 0 0 0,22-33 0 0 0,-24 32 302 0 0,0 0 1 0 0,-2-1 0 0 0,0 0 0 0 0,-2-1 0 0 0,0 0-1 0 0,-1-1 1 0 0,-1 1 0 0 0,-2-2 0 0 0,0 1 0 0 0,-1-1-1 0 0,-2 0 1 0 0,2-33 0 0 0,-21-220-6 0 0,15 166-269 0 0,-1 111-48 0 0,0 0 0 0 0,1-1-1 0 0,-1 1 1 0 0,0 0 0 0 0,0 0 0 0 0,0 0-1 0 0,1 0 1 0 0,-1 0 0 0 0,0 1-1 0 0,0-1 1 0 0,1 0 0 0 0,-1 1-1 0 0,0-1 1 0 0,1 1 0 0 0,-1 0 0 0 0,0 0-1 0 0,1-1 1 0 0,-2 2 0 0 0,-1 3 31 0 0,-1 0 1 0 0,1 0 0 0 0,1 0 0 0 0,-1 0 0 0 0,1 1-1 0 0,0-1 1 0 0,0 1 0 0 0,1 0 0 0 0,0 0 0 0 0,0 0-1 0 0,-2 9 1 0 0,-11 76 147 0 0,14-80-99 0 0,-24 275 474 0 0,-16 121 132 0 0,33-377-1530 0 0,1-17-172 0 0,7-13 1022 0 0,0 0 0 0 0,-1 0 0 0 0,1 0 0 0 0,0 0 0 0 0,-1 0 0 0 0,1 0 1 0 0,0 0-1 0 0,0 0 0 0 0,-1 0 0 0 0,1 0 0 0 0,0 0 0 0 0,0 0 0 0 0,-1 0 0 0 0,1 0 0 0 0,0 0 0 0 0,-1 0 1 0 0,1 0-1 0 0,0 0 0 0 0,0 0 0 0 0,-1 0 0 0 0,1 0 0 0 0,0 0 0 0 0,0-1 0 0 0,-1 1 0 0 0,1 0 0 0 0,0 0 1 0 0,0 0-1 0 0,0 0 0 0 0,-1-1 0 0 0,1 1 0 0 0,0 0 0 0 0,0 0 0 0 0,0-1 0 0 0,0 1 0 0 0,-1 0 0 0 0,1 0 1 0 0,0-1-1 0 0,0 1 0 0 0,0 0 0 0 0,0 0 0 0 0,0-1 0 0 0,-10-28-3613 0 0</inkml:trace>
 </inkml:ink>
 </file>
 
@@ -17216,6 +17792,507 @@
           </a:prstGeom>
         </p:spPr>
       </p:pic>
+      <mc:AlternateContent xmlns:mc="http://schemas.openxmlformats.org/markup-compatibility/2006">
+        <mc:Choice xmlns:p14="http://schemas.microsoft.com/office/powerpoint/2010/main" Requires="p14">
+          <p:contentPart p14:bwMode="auto" r:id="rId3">
+            <p14:nvContentPartPr>
+              <p14:cNvPr id="4" name="Ink 3">
+                <a:extLst>
+                  <a:ext uri="{FF2B5EF4-FFF2-40B4-BE49-F238E27FC236}">
+                    <a16:creationId xmlns:a16="http://schemas.microsoft.com/office/drawing/2014/main" id="{0F0FE88D-E991-C36F-D492-175C23D48740}"/>
+                  </a:ext>
+                </a:extLst>
+              </p14:cNvPr>
+              <p14:cNvContentPartPr/>
+              <p14:nvPr/>
+            </p14:nvContentPartPr>
+            <p14:xfrm>
+              <a:off x="3293679" y="1843901"/>
+              <a:ext cx="897840" cy="22680"/>
+            </p14:xfrm>
+          </p:contentPart>
+        </mc:Choice>
+        <mc:Fallback>
+          <p:pic>
+            <p:nvPicPr>
+              <p:cNvPr id="4" name="Ink 3">
+                <a:extLst>
+                  <a:ext uri="{FF2B5EF4-FFF2-40B4-BE49-F238E27FC236}">
+                    <a16:creationId xmlns:a16="http://schemas.microsoft.com/office/drawing/2014/main" id="{0F0FE88D-E991-C36F-D492-175C23D48740}"/>
+                  </a:ext>
+                </a:extLst>
+              </p:cNvPr>
+              <p:cNvPicPr/>
+              <p:nvPr/>
+            </p:nvPicPr>
+            <p:blipFill>
+              <a:blip r:embed="rId4"/>
+              <a:stretch>
+                <a:fillRect/>
+              </a:stretch>
+            </p:blipFill>
+            <p:spPr>
+              <a:xfrm>
+                <a:off x="3275679" y="1825901"/>
+                <a:ext cx="933480" cy="58320"/>
+              </a:xfrm>
+              <a:prstGeom prst="rect">
+                <a:avLst/>
+              </a:prstGeom>
+            </p:spPr>
+          </p:pic>
+        </mc:Fallback>
+      </mc:AlternateContent>
+      <mc:AlternateContent xmlns:mc="http://schemas.openxmlformats.org/markup-compatibility/2006">
+        <mc:Choice xmlns:p14="http://schemas.microsoft.com/office/powerpoint/2010/main" Requires="p14">
+          <p:contentPart p14:bwMode="auto" r:id="rId5">
+            <p14:nvContentPartPr>
+              <p14:cNvPr id="6" name="Ink 5">
+                <a:extLst>
+                  <a:ext uri="{FF2B5EF4-FFF2-40B4-BE49-F238E27FC236}">
+                    <a16:creationId xmlns:a16="http://schemas.microsoft.com/office/drawing/2014/main" id="{F5FABEE0-260E-0331-A98E-F2E6F93D59BC}"/>
+                  </a:ext>
+                </a:extLst>
+              </p14:cNvPr>
+              <p14:cNvContentPartPr/>
+              <p14:nvPr/>
+            </p14:nvContentPartPr>
+            <p14:xfrm>
+              <a:off x="5325519" y="1836701"/>
+              <a:ext cx="852120" cy="16560"/>
+            </p14:xfrm>
+          </p:contentPart>
+        </mc:Choice>
+        <mc:Fallback>
+          <p:pic>
+            <p:nvPicPr>
+              <p:cNvPr id="6" name="Ink 5">
+                <a:extLst>
+                  <a:ext uri="{FF2B5EF4-FFF2-40B4-BE49-F238E27FC236}">
+                    <a16:creationId xmlns:a16="http://schemas.microsoft.com/office/drawing/2014/main" id="{F5FABEE0-260E-0331-A98E-F2E6F93D59BC}"/>
+                  </a:ext>
+                </a:extLst>
+              </p:cNvPr>
+              <p:cNvPicPr/>
+              <p:nvPr/>
+            </p:nvPicPr>
+            <p:blipFill>
+              <a:blip r:embed="rId6"/>
+              <a:stretch>
+                <a:fillRect/>
+              </a:stretch>
+            </p:blipFill>
+            <p:spPr>
+              <a:xfrm>
+                <a:off x="5307879" y="1819061"/>
+                <a:ext cx="887760" cy="52200"/>
+              </a:xfrm>
+              <a:prstGeom prst="rect">
+                <a:avLst/>
+              </a:prstGeom>
+            </p:spPr>
+          </p:pic>
+        </mc:Fallback>
+      </mc:AlternateContent>
+      <p:grpSp>
+        <p:nvGrpSpPr>
+          <p:cNvPr id="9" name="Group 8">
+            <a:extLst>
+              <a:ext uri="{FF2B5EF4-FFF2-40B4-BE49-F238E27FC236}">
+                <a16:creationId xmlns:a16="http://schemas.microsoft.com/office/drawing/2014/main" id="{7EFDD3E3-F422-52B9-77AC-B56C5AC9146B}"/>
+              </a:ext>
+            </a:extLst>
+          </p:cNvPr>
+          <p:cNvGrpSpPr/>
+          <p:nvPr/>
+        </p:nvGrpSpPr>
+        <p:grpSpPr>
+          <a:xfrm>
+            <a:off x="6988719" y="1837421"/>
+            <a:ext cx="1946160" cy="44280"/>
+            <a:chOff x="6988719" y="1837421"/>
+            <a:chExt cx="1946160" cy="44280"/>
+          </a:xfrm>
+        </p:grpSpPr>
+        <mc:AlternateContent xmlns:mc="http://schemas.openxmlformats.org/markup-compatibility/2006">
+          <mc:Choice xmlns:p14="http://schemas.microsoft.com/office/powerpoint/2010/main" Requires="p14">
+            <p:contentPart p14:bwMode="auto" r:id="rId7">
+              <p14:nvContentPartPr>
+                <p14:cNvPr id="7" name="Ink 6">
+                  <a:extLst>
+                    <a:ext uri="{FF2B5EF4-FFF2-40B4-BE49-F238E27FC236}">
+                      <a16:creationId xmlns:a16="http://schemas.microsoft.com/office/drawing/2014/main" id="{9A9AA9E7-E868-7197-E699-325A6E851336}"/>
+                    </a:ext>
+                  </a:extLst>
+                </p14:cNvPr>
+                <p14:cNvContentPartPr/>
+                <p14:nvPr/>
+              </p14:nvContentPartPr>
+              <p14:xfrm>
+                <a:off x="6988719" y="1837421"/>
+                <a:ext cx="451080" cy="44280"/>
+              </p14:xfrm>
+            </p:contentPart>
+          </mc:Choice>
+          <mc:Fallback>
+            <p:pic>
+              <p:nvPicPr>
+                <p:cNvPr id="7" name="Ink 6">
+                  <a:extLst>
+                    <a:ext uri="{FF2B5EF4-FFF2-40B4-BE49-F238E27FC236}">
+                      <a16:creationId xmlns:a16="http://schemas.microsoft.com/office/drawing/2014/main" id="{9A9AA9E7-E868-7197-E699-325A6E851336}"/>
+                    </a:ext>
+                  </a:extLst>
+                </p:cNvPr>
+                <p:cNvPicPr/>
+                <p:nvPr/>
+              </p:nvPicPr>
+              <p:blipFill>
+                <a:blip r:embed="rId8"/>
+                <a:stretch>
+                  <a:fillRect/>
+                </a:stretch>
+              </p:blipFill>
+              <p:spPr>
+                <a:xfrm>
+                  <a:off x="6970719" y="1819781"/>
+                  <a:ext cx="486720" cy="79920"/>
+                </a:xfrm>
+                <a:prstGeom prst="rect">
+                  <a:avLst/>
+                </a:prstGeom>
+              </p:spPr>
+            </p:pic>
+          </mc:Fallback>
+        </mc:AlternateContent>
+        <mc:AlternateContent xmlns:mc="http://schemas.openxmlformats.org/markup-compatibility/2006">
+          <mc:Choice xmlns:p14="http://schemas.microsoft.com/office/powerpoint/2010/main" Requires="p14">
+            <p:contentPart p14:bwMode="auto" r:id="rId9">
+              <p14:nvContentPartPr>
+                <p14:cNvPr id="8" name="Ink 7">
+                  <a:extLst>
+                    <a:ext uri="{FF2B5EF4-FFF2-40B4-BE49-F238E27FC236}">
+                      <a16:creationId xmlns:a16="http://schemas.microsoft.com/office/drawing/2014/main" id="{66ABF26F-08B9-2477-1AEE-0F6A46988F90}"/>
+                    </a:ext>
+                  </a:extLst>
+                </p14:cNvPr>
+                <p14:cNvContentPartPr/>
+                <p14:nvPr/>
+              </p14:nvContentPartPr>
+              <p14:xfrm>
+                <a:off x="8111559" y="1854701"/>
+                <a:ext cx="823320" cy="22320"/>
+              </p14:xfrm>
+            </p:contentPart>
+          </mc:Choice>
+          <mc:Fallback>
+            <p:pic>
+              <p:nvPicPr>
+                <p:cNvPr id="8" name="Ink 7">
+                  <a:extLst>
+                    <a:ext uri="{FF2B5EF4-FFF2-40B4-BE49-F238E27FC236}">
+                      <a16:creationId xmlns:a16="http://schemas.microsoft.com/office/drawing/2014/main" id="{66ABF26F-08B9-2477-1AEE-0F6A46988F90}"/>
+                    </a:ext>
+                  </a:extLst>
+                </p:cNvPr>
+                <p:cNvPicPr/>
+                <p:nvPr/>
+              </p:nvPicPr>
+              <p:blipFill>
+                <a:blip r:embed="rId10"/>
+                <a:stretch>
+                  <a:fillRect/>
+                </a:stretch>
+              </p:blipFill>
+              <p:spPr>
+                <a:xfrm>
+                  <a:off x="8093919" y="1836701"/>
+                  <a:ext cx="858960" cy="57960"/>
+                </a:xfrm>
+                <a:prstGeom prst="rect">
+                  <a:avLst/>
+                </a:prstGeom>
+              </p:spPr>
+            </p:pic>
+          </mc:Fallback>
+        </mc:AlternateContent>
+      </p:grpSp>
+      <mc:AlternateContent xmlns:mc="http://schemas.openxmlformats.org/markup-compatibility/2006">
+        <mc:Choice xmlns:p14="http://schemas.microsoft.com/office/powerpoint/2010/main" Requires="p14">
+          <p:contentPart p14:bwMode="auto" r:id="rId11">
+            <p14:nvContentPartPr>
+              <p14:cNvPr id="10" name="Ink 9">
+                <a:extLst>
+                  <a:ext uri="{FF2B5EF4-FFF2-40B4-BE49-F238E27FC236}">
+                    <a16:creationId xmlns:a16="http://schemas.microsoft.com/office/drawing/2014/main" id="{A0601F87-E035-E104-BB4D-8CBA39FC74F5}"/>
+                  </a:ext>
+                </a:extLst>
+              </p14:cNvPr>
+              <p14:cNvContentPartPr/>
+              <p14:nvPr/>
+            </p14:nvContentPartPr>
+            <p14:xfrm>
+              <a:off x="3538839" y="2383181"/>
+              <a:ext cx="5590440" cy="123840"/>
+            </p14:xfrm>
+          </p:contentPart>
+        </mc:Choice>
+        <mc:Fallback>
+          <p:pic>
+            <p:nvPicPr>
+              <p:cNvPr id="10" name="Ink 9">
+                <a:extLst>
+                  <a:ext uri="{FF2B5EF4-FFF2-40B4-BE49-F238E27FC236}">
+                    <a16:creationId xmlns:a16="http://schemas.microsoft.com/office/drawing/2014/main" id="{A0601F87-E035-E104-BB4D-8CBA39FC74F5}"/>
+                  </a:ext>
+                </a:extLst>
+              </p:cNvPr>
+              <p:cNvPicPr/>
+              <p:nvPr/>
+            </p:nvPicPr>
+            <p:blipFill>
+              <a:blip r:embed="rId12"/>
+              <a:stretch>
+                <a:fillRect/>
+              </a:stretch>
+            </p:blipFill>
+            <p:spPr>
+              <a:xfrm>
+                <a:off x="3520839" y="2365541"/>
+                <a:ext cx="5626080" cy="159480"/>
+              </a:xfrm>
+              <a:prstGeom prst="rect">
+                <a:avLst/>
+              </a:prstGeom>
+            </p:spPr>
+          </p:pic>
+        </mc:Fallback>
+      </mc:AlternateContent>
+      <mc:AlternateContent xmlns:mc="http://schemas.openxmlformats.org/markup-compatibility/2006">
+        <mc:Choice xmlns:p14="http://schemas.microsoft.com/office/powerpoint/2010/main" Requires="p14">
+          <p:contentPart p14:bwMode="auto" r:id="rId13">
+            <p14:nvContentPartPr>
+              <p14:cNvPr id="11" name="Ink 10">
+                <a:extLst>
+                  <a:ext uri="{FF2B5EF4-FFF2-40B4-BE49-F238E27FC236}">
+                    <a16:creationId xmlns:a16="http://schemas.microsoft.com/office/drawing/2014/main" id="{79D30D36-CF69-0812-C9F5-67D34B3185EB}"/>
+                  </a:ext>
+                </a:extLst>
+              </p14:cNvPr>
+              <p14:cNvContentPartPr/>
+              <p14:nvPr/>
+            </p14:nvContentPartPr>
+            <p14:xfrm>
+              <a:off x="2792025" y="1832460"/>
+              <a:ext cx="23400" cy="46440"/>
+            </p14:xfrm>
+          </p:contentPart>
+        </mc:Choice>
+        <mc:Fallback>
+          <p:pic>
+            <p:nvPicPr>
+              <p:cNvPr id="11" name="Ink 10">
+                <a:extLst>
+                  <a:ext uri="{FF2B5EF4-FFF2-40B4-BE49-F238E27FC236}">
+                    <a16:creationId xmlns:a16="http://schemas.microsoft.com/office/drawing/2014/main" id="{79D30D36-CF69-0812-C9F5-67D34B3185EB}"/>
+                  </a:ext>
+                </a:extLst>
+              </p:cNvPr>
+              <p:cNvPicPr/>
+              <p:nvPr/>
+            </p:nvPicPr>
+            <p:blipFill>
+              <a:blip r:embed="rId14"/>
+              <a:stretch>
+                <a:fillRect/>
+              </a:stretch>
+            </p:blipFill>
+            <p:spPr>
+              <a:xfrm>
+                <a:off x="2774025" y="1814820"/>
+                <a:ext cx="59040" cy="82080"/>
+              </a:xfrm>
+              <a:prstGeom prst="rect">
+                <a:avLst/>
+              </a:prstGeom>
+            </p:spPr>
+          </p:pic>
+        </mc:Fallback>
+      </mc:AlternateContent>
+      <mc:AlternateContent xmlns:mc="http://schemas.openxmlformats.org/markup-compatibility/2006">
+        <mc:Choice xmlns:p14="http://schemas.microsoft.com/office/powerpoint/2010/main" Requires="p14">
+          <p:contentPart p14:bwMode="auto" r:id="rId15">
+            <p14:nvContentPartPr>
+              <p14:cNvPr id="12" name="Ink 11">
+                <a:extLst>
+                  <a:ext uri="{FF2B5EF4-FFF2-40B4-BE49-F238E27FC236}">
+                    <a16:creationId xmlns:a16="http://schemas.microsoft.com/office/drawing/2014/main" id="{9A2E785C-BE66-7478-EEDF-D526CFC76248}"/>
+                  </a:ext>
+                </a:extLst>
+              </p14:cNvPr>
+              <p14:cNvContentPartPr/>
+              <p14:nvPr/>
+            </p14:nvContentPartPr>
+            <p14:xfrm>
+              <a:off x="3630999" y="3374261"/>
+              <a:ext cx="1164240" cy="33120"/>
+            </p14:xfrm>
+          </p:contentPart>
+        </mc:Choice>
+        <mc:Fallback>
+          <p:pic>
+            <p:nvPicPr>
+              <p:cNvPr id="12" name="Ink 11">
+                <a:extLst>
+                  <a:ext uri="{FF2B5EF4-FFF2-40B4-BE49-F238E27FC236}">
+                    <a16:creationId xmlns:a16="http://schemas.microsoft.com/office/drawing/2014/main" id="{9A2E785C-BE66-7478-EEDF-D526CFC76248}"/>
+                  </a:ext>
+                </a:extLst>
+              </p:cNvPr>
+              <p:cNvPicPr/>
+              <p:nvPr/>
+            </p:nvPicPr>
+            <p:blipFill>
+              <a:blip r:embed="rId16"/>
+              <a:stretch>
+                <a:fillRect/>
+              </a:stretch>
+            </p:blipFill>
+            <p:spPr>
+              <a:xfrm>
+                <a:off x="3613359" y="3356261"/>
+                <a:ext cx="1199880" cy="68760"/>
+              </a:xfrm>
+              <a:prstGeom prst="rect">
+                <a:avLst/>
+              </a:prstGeom>
+            </p:spPr>
+          </p:pic>
+        </mc:Fallback>
+      </mc:AlternateContent>
+      <p:grpSp>
+        <p:nvGrpSpPr>
+          <p:cNvPr id="15" name="Group 14">
+            <a:extLst>
+              <a:ext uri="{FF2B5EF4-FFF2-40B4-BE49-F238E27FC236}">
+                <a16:creationId xmlns:a16="http://schemas.microsoft.com/office/drawing/2014/main" id="{F81180D0-BE40-7933-A47B-0008558F3260}"/>
+              </a:ext>
+            </a:extLst>
+          </p:cNvPr>
+          <p:cNvGrpSpPr/>
+          <p:nvPr/>
+        </p:nvGrpSpPr>
+        <p:grpSpPr>
+          <a:xfrm>
+            <a:off x="8090679" y="3291461"/>
+            <a:ext cx="1948680" cy="153720"/>
+            <a:chOff x="8090679" y="3291461"/>
+            <a:chExt cx="1948680" cy="153720"/>
+          </a:xfrm>
+        </p:grpSpPr>
+        <mc:AlternateContent xmlns:mc="http://schemas.openxmlformats.org/markup-compatibility/2006">
+          <mc:Choice xmlns:p14="http://schemas.microsoft.com/office/powerpoint/2010/main" Requires="p14">
+            <p:contentPart p14:bwMode="auto" r:id="rId17">
+              <p14:nvContentPartPr>
+                <p14:cNvPr id="13" name="Ink 12">
+                  <a:extLst>
+                    <a:ext uri="{FF2B5EF4-FFF2-40B4-BE49-F238E27FC236}">
+                      <a16:creationId xmlns:a16="http://schemas.microsoft.com/office/drawing/2014/main" id="{ED661516-5A8D-1329-CE46-D15E4FC15758}"/>
+                    </a:ext>
+                  </a:extLst>
+                </p14:cNvPr>
+                <p14:cNvContentPartPr/>
+                <p14:nvPr/>
+              </p14:nvContentPartPr>
+              <p14:xfrm>
+                <a:off x="8157639" y="3291461"/>
+                <a:ext cx="124200" cy="17640"/>
+              </p14:xfrm>
+            </p:contentPart>
+          </mc:Choice>
+          <mc:Fallback>
+            <p:pic>
+              <p:nvPicPr>
+                <p:cNvPr id="13" name="Ink 12">
+                  <a:extLst>
+                    <a:ext uri="{FF2B5EF4-FFF2-40B4-BE49-F238E27FC236}">
+                      <a16:creationId xmlns:a16="http://schemas.microsoft.com/office/drawing/2014/main" id="{ED661516-5A8D-1329-CE46-D15E4FC15758}"/>
+                    </a:ext>
+                  </a:extLst>
+                </p:cNvPr>
+                <p:cNvPicPr/>
+                <p:nvPr/>
+              </p:nvPicPr>
+              <p:blipFill>
+                <a:blip r:embed="rId18"/>
+                <a:stretch>
+                  <a:fillRect/>
+                </a:stretch>
+              </p:blipFill>
+              <p:spPr>
+                <a:xfrm>
+                  <a:off x="8139639" y="3273461"/>
+                  <a:ext cx="159840" cy="53280"/>
+                </a:xfrm>
+                <a:prstGeom prst="rect">
+                  <a:avLst/>
+                </a:prstGeom>
+              </p:spPr>
+            </p:pic>
+          </mc:Fallback>
+        </mc:AlternateContent>
+        <mc:AlternateContent xmlns:mc="http://schemas.openxmlformats.org/markup-compatibility/2006">
+          <mc:Choice xmlns:p14="http://schemas.microsoft.com/office/powerpoint/2010/main" Requires="p14">
+            <p:contentPart p14:bwMode="auto" r:id="rId19">
+              <p14:nvContentPartPr>
+                <p14:cNvPr id="14" name="Ink 13">
+                  <a:extLst>
+                    <a:ext uri="{FF2B5EF4-FFF2-40B4-BE49-F238E27FC236}">
+                      <a16:creationId xmlns:a16="http://schemas.microsoft.com/office/drawing/2014/main" id="{2B4C10B6-CFDC-DD67-D87E-AE300057811A}"/>
+                    </a:ext>
+                  </a:extLst>
+                </p14:cNvPr>
+                <p14:cNvContentPartPr/>
+                <p14:nvPr/>
+              </p14:nvContentPartPr>
+              <p14:xfrm>
+                <a:off x="8090679" y="3323141"/>
+                <a:ext cx="1948680" cy="122040"/>
+              </p14:xfrm>
+            </p:contentPart>
+          </mc:Choice>
+          <mc:Fallback>
+            <p:pic>
+              <p:nvPicPr>
+                <p:cNvPr id="14" name="Ink 13">
+                  <a:extLst>
+                    <a:ext uri="{FF2B5EF4-FFF2-40B4-BE49-F238E27FC236}">
+                      <a16:creationId xmlns:a16="http://schemas.microsoft.com/office/drawing/2014/main" id="{2B4C10B6-CFDC-DD67-D87E-AE300057811A}"/>
+                    </a:ext>
+                  </a:extLst>
+                </p:cNvPr>
+                <p:cNvPicPr/>
+                <p:nvPr/>
+              </p:nvPicPr>
+              <p:blipFill>
+                <a:blip r:embed="rId20"/>
+                <a:stretch>
+                  <a:fillRect/>
+                </a:stretch>
+              </p:blipFill>
+              <p:spPr>
+                <a:xfrm>
+                  <a:off x="8072679" y="3305501"/>
+                  <a:ext cx="1984320" cy="157680"/>
+                </a:xfrm>
+                <a:prstGeom prst="rect">
+                  <a:avLst/>
+                </a:prstGeom>
+              </p:spPr>
+            </p:pic>
+          </mc:Fallback>
+        </mc:AlternateContent>
+      </p:grpSp>
     </p:spTree>
     <p:extLst>
       <p:ext uri="{BB962C8B-B14F-4D97-AF65-F5344CB8AC3E}">
@@ -18235,6 +19312,465 @@
               <a:xfrm>
                 <a:off x="6897759" y="5555393"/>
                 <a:ext cx="1406160" cy="416160"/>
+              </a:xfrm>
+              <a:prstGeom prst="rect">
+                <a:avLst/>
+              </a:prstGeom>
+            </p:spPr>
+          </p:pic>
+        </mc:Fallback>
+      </mc:AlternateContent>
+      <mc:AlternateContent xmlns:mc="http://schemas.openxmlformats.org/markup-compatibility/2006">
+        <mc:Choice xmlns:p14="http://schemas.microsoft.com/office/powerpoint/2010/main" Requires="p14">
+          <p:contentPart p14:bwMode="auto" r:id="rId37">
+            <p14:nvContentPartPr>
+              <p14:cNvPr id="2" name="Ink 1">
+                <a:extLst>
+                  <a:ext uri="{FF2B5EF4-FFF2-40B4-BE49-F238E27FC236}">
+                    <a16:creationId xmlns:a16="http://schemas.microsoft.com/office/drawing/2014/main" id="{70CF24E6-AAF6-B89E-19D1-F826555A8BF4}"/>
+                  </a:ext>
+                </a:extLst>
+              </p14:cNvPr>
+              <p14:cNvContentPartPr/>
+              <p14:nvPr/>
+            </p14:nvContentPartPr>
+            <p14:xfrm>
+              <a:off x="2287839" y="3870341"/>
+              <a:ext cx="634680" cy="2320200"/>
+            </p14:xfrm>
+          </p:contentPart>
+        </mc:Choice>
+        <mc:Fallback>
+          <p:pic>
+            <p:nvPicPr>
+              <p:cNvPr id="2" name="Ink 1">
+                <a:extLst>
+                  <a:ext uri="{FF2B5EF4-FFF2-40B4-BE49-F238E27FC236}">
+                    <a16:creationId xmlns:a16="http://schemas.microsoft.com/office/drawing/2014/main" id="{70CF24E6-AAF6-B89E-19D1-F826555A8BF4}"/>
+                  </a:ext>
+                </a:extLst>
+              </p:cNvPr>
+              <p:cNvPicPr/>
+              <p:nvPr/>
+            </p:nvPicPr>
+            <p:blipFill>
+              <a:blip r:embed="rId38"/>
+              <a:stretch>
+                <a:fillRect/>
+              </a:stretch>
+            </p:blipFill>
+            <p:spPr>
+              <a:xfrm>
+                <a:off x="2269839" y="3852341"/>
+                <a:ext cx="670320" cy="2355840"/>
+              </a:xfrm>
+              <a:prstGeom prst="rect">
+                <a:avLst/>
+              </a:prstGeom>
+            </p:spPr>
+          </p:pic>
+        </mc:Fallback>
+      </mc:AlternateContent>
+      <mc:AlternateContent xmlns:mc="http://schemas.openxmlformats.org/markup-compatibility/2006">
+        <mc:Choice xmlns:p14="http://schemas.microsoft.com/office/powerpoint/2010/main" Requires="p14">
+          <p:contentPart p14:bwMode="auto" r:id="rId39">
+            <p14:nvContentPartPr>
+              <p14:cNvPr id="6" name="Ink 5">
+                <a:extLst>
+                  <a:ext uri="{FF2B5EF4-FFF2-40B4-BE49-F238E27FC236}">
+                    <a16:creationId xmlns:a16="http://schemas.microsoft.com/office/drawing/2014/main" id="{27511ADF-AD1A-7DEE-BBC3-CE439FBF582C}"/>
+                  </a:ext>
+                </a:extLst>
+              </p14:cNvPr>
+              <p14:cNvContentPartPr/>
+              <p14:nvPr/>
+            </p14:nvContentPartPr>
+            <p14:xfrm>
+              <a:off x="1863399" y="3728141"/>
+              <a:ext cx="700200" cy="2539800"/>
+            </p14:xfrm>
+          </p:contentPart>
+        </mc:Choice>
+        <mc:Fallback>
+          <p:pic>
+            <p:nvPicPr>
+              <p:cNvPr id="6" name="Ink 5">
+                <a:extLst>
+                  <a:ext uri="{FF2B5EF4-FFF2-40B4-BE49-F238E27FC236}">
+                    <a16:creationId xmlns:a16="http://schemas.microsoft.com/office/drawing/2014/main" id="{27511ADF-AD1A-7DEE-BBC3-CE439FBF582C}"/>
+                  </a:ext>
+                </a:extLst>
+              </p:cNvPr>
+              <p:cNvPicPr/>
+              <p:nvPr/>
+            </p:nvPicPr>
+            <p:blipFill>
+              <a:blip r:embed="rId40"/>
+              <a:stretch>
+                <a:fillRect/>
+              </a:stretch>
+            </p:blipFill>
+            <p:spPr>
+              <a:xfrm>
+                <a:off x="1845399" y="3710501"/>
+                <a:ext cx="735840" cy="2575440"/>
+              </a:xfrm>
+              <a:prstGeom prst="rect">
+                <a:avLst/>
+              </a:prstGeom>
+            </p:spPr>
+          </p:pic>
+        </mc:Fallback>
+      </mc:AlternateContent>
+      <mc:AlternateContent xmlns:mc="http://schemas.openxmlformats.org/markup-compatibility/2006">
+        <mc:Choice xmlns:p14="http://schemas.microsoft.com/office/powerpoint/2010/main" Requires="p14">
+          <p:contentPart p14:bwMode="auto" r:id="rId41">
+            <p14:nvContentPartPr>
+              <p14:cNvPr id="8" name="Ink 7">
+                <a:extLst>
+                  <a:ext uri="{FF2B5EF4-FFF2-40B4-BE49-F238E27FC236}">
+                    <a16:creationId xmlns:a16="http://schemas.microsoft.com/office/drawing/2014/main" id="{A7EA5C74-ADC9-570B-FFD1-445175812BFB}"/>
+                  </a:ext>
+                </a:extLst>
+              </p14:cNvPr>
+              <p14:cNvContentPartPr/>
+              <p14:nvPr/>
+            </p14:nvContentPartPr>
+            <p14:xfrm>
+              <a:off x="4516959" y="3776381"/>
+              <a:ext cx="476280" cy="866520"/>
+            </p14:xfrm>
+          </p:contentPart>
+        </mc:Choice>
+        <mc:Fallback>
+          <p:pic>
+            <p:nvPicPr>
+              <p:cNvPr id="8" name="Ink 7">
+                <a:extLst>
+                  <a:ext uri="{FF2B5EF4-FFF2-40B4-BE49-F238E27FC236}">
+                    <a16:creationId xmlns:a16="http://schemas.microsoft.com/office/drawing/2014/main" id="{A7EA5C74-ADC9-570B-FFD1-445175812BFB}"/>
+                  </a:ext>
+                </a:extLst>
+              </p:cNvPr>
+              <p:cNvPicPr/>
+              <p:nvPr/>
+            </p:nvPicPr>
+            <p:blipFill>
+              <a:blip r:embed="rId42"/>
+              <a:stretch>
+                <a:fillRect/>
+              </a:stretch>
+            </p:blipFill>
+            <p:spPr>
+              <a:xfrm>
+                <a:off x="4499319" y="3758741"/>
+                <a:ext cx="511920" cy="902160"/>
+              </a:xfrm>
+              <a:prstGeom prst="rect">
+                <a:avLst/>
+              </a:prstGeom>
+            </p:spPr>
+          </p:pic>
+        </mc:Fallback>
+      </mc:AlternateContent>
+      <mc:AlternateContent xmlns:mc="http://schemas.openxmlformats.org/markup-compatibility/2006">
+        <mc:Choice xmlns:p14="http://schemas.microsoft.com/office/powerpoint/2010/main" Requires="p14">
+          <p:contentPart p14:bwMode="auto" r:id="rId43">
+            <p14:nvContentPartPr>
+              <p14:cNvPr id="16" name="Ink 15">
+                <a:extLst>
+                  <a:ext uri="{FF2B5EF4-FFF2-40B4-BE49-F238E27FC236}">
+                    <a16:creationId xmlns:a16="http://schemas.microsoft.com/office/drawing/2014/main" id="{F3641400-23BC-6BAE-B803-D70D39EB1183}"/>
+                  </a:ext>
+                </a:extLst>
+              </p14:cNvPr>
+              <p14:cNvContentPartPr/>
+              <p14:nvPr/>
+            </p14:nvContentPartPr>
+            <p14:xfrm>
+              <a:off x="4852119" y="3147821"/>
+              <a:ext cx="2474640" cy="1087560"/>
+            </p14:xfrm>
+          </p:contentPart>
+        </mc:Choice>
+        <mc:Fallback>
+          <p:pic>
+            <p:nvPicPr>
+              <p:cNvPr id="16" name="Ink 15">
+                <a:extLst>
+                  <a:ext uri="{FF2B5EF4-FFF2-40B4-BE49-F238E27FC236}">
+                    <a16:creationId xmlns:a16="http://schemas.microsoft.com/office/drawing/2014/main" id="{F3641400-23BC-6BAE-B803-D70D39EB1183}"/>
+                  </a:ext>
+                </a:extLst>
+              </p:cNvPr>
+              <p:cNvPicPr/>
+              <p:nvPr/>
+            </p:nvPicPr>
+            <p:blipFill>
+              <a:blip r:embed="rId44"/>
+              <a:stretch>
+                <a:fillRect/>
+              </a:stretch>
+            </p:blipFill>
+            <p:spPr>
+              <a:xfrm>
+                <a:off x="4834119" y="3129821"/>
+                <a:ext cx="2510280" cy="1123200"/>
+              </a:xfrm>
+              <a:prstGeom prst="rect">
+                <a:avLst/>
+              </a:prstGeom>
+            </p:spPr>
+          </p:pic>
+        </mc:Fallback>
+      </mc:AlternateContent>
+      <mc:AlternateContent xmlns:mc="http://schemas.openxmlformats.org/markup-compatibility/2006">
+        <mc:Choice xmlns:p14="http://schemas.microsoft.com/office/powerpoint/2010/main" Requires="p14">
+          <p:contentPart p14:bwMode="auto" r:id="rId45">
+            <p14:nvContentPartPr>
+              <p14:cNvPr id="27" name="Ink 26">
+                <a:extLst>
+                  <a:ext uri="{FF2B5EF4-FFF2-40B4-BE49-F238E27FC236}">
+                    <a16:creationId xmlns:a16="http://schemas.microsoft.com/office/drawing/2014/main" id="{A30C2163-2DB9-0F41-C5E6-83E997185E68}"/>
+                  </a:ext>
+                </a:extLst>
+              </p14:cNvPr>
+              <p14:cNvContentPartPr/>
+              <p14:nvPr/>
+            </p14:nvContentPartPr>
+            <p14:xfrm>
+              <a:off x="5348559" y="1710341"/>
+              <a:ext cx="1381320" cy="59400"/>
+            </p14:xfrm>
+          </p:contentPart>
+        </mc:Choice>
+        <mc:Fallback>
+          <p:pic>
+            <p:nvPicPr>
+              <p:cNvPr id="27" name="Ink 26">
+                <a:extLst>
+                  <a:ext uri="{FF2B5EF4-FFF2-40B4-BE49-F238E27FC236}">
+                    <a16:creationId xmlns:a16="http://schemas.microsoft.com/office/drawing/2014/main" id="{A30C2163-2DB9-0F41-C5E6-83E997185E68}"/>
+                  </a:ext>
+                </a:extLst>
+              </p:cNvPr>
+              <p:cNvPicPr/>
+              <p:nvPr/>
+            </p:nvPicPr>
+            <p:blipFill>
+              <a:blip r:embed="rId46"/>
+              <a:stretch>
+                <a:fillRect/>
+              </a:stretch>
+            </p:blipFill>
+            <p:spPr>
+              <a:xfrm>
+                <a:off x="5330559" y="1692341"/>
+                <a:ext cx="1416960" cy="95040"/>
+              </a:xfrm>
+              <a:prstGeom prst="rect">
+                <a:avLst/>
+              </a:prstGeom>
+            </p:spPr>
+          </p:pic>
+        </mc:Fallback>
+      </mc:AlternateContent>
+      <mc:AlternateContent xmlns:mc="http://schemas.openxmlformats.org/markup-compatibility/2006">
+        <mc:Choice xmlns:p14="http://schemas.microsoft.com/office/powerpoint/2010/main" Requires="p14">
+          <p:contentPart p14:bwMode="auto" r:id="rId47">
+            <p14:nvContentPartPr>
+              <p14:cNvPr id="28" name="Ink 27">
+                <a:extLst>
+                  <a:ext uri="{FF2B5EF4-FFF2-40B4-BE49-F238E27FC236}">
+                    <a16:creationId xmlns:a16="http://schemas.microsoft.com/office/drawing/2014/main" id="{D5F7272C-6A6B-703B-745C-F35234553796}"/>
+                  </a:ext>
+                </a:extLst>
+              </p14:cNvPr>
+              <p14:cNvContentPartPr/>
+              <p14:nvPr/>
+            </p14:nvContentPartPr>
+            <p14:xfrm>
+              <a:off x="9185439" y="3914621"/>
+              <a:ext cx="498240" cy="916200"/>
+            </p14:xfrm>
+          </p:contentPart>
+        </mc:Choice>
+        <mc:Fallback>
+          <p:pic>
+            <p:nvPicPr>
+              <p:cNvPr id="28" name="Ink 27">
+                <a:extLst>
+                  <a:ext uri="{FF2B5EF4-FFF2-40B4-BE49-F238E27FC236}">
+                    <a16:creationId xmlns:a16="http://schemas.microsoft.com/office/drawing/2014/main" id="{D5F7272C-6A6B-703B-745C-F35234553796}"/>
+                  </a:ext>
+                </a:extLst>
+              </p:cNvPr>
+              <p:cNvPicPr/>
+              <p:nvPr/>
+            </p:nvPicPr>
+            <p:blipFill>
+              <a:blip r:embed="rId48"/>
+              <a:stretch>
+                <a:fillRect/>
+              </a:stretch>
+            </p:blipFill>
+            <p:spPr>
+              <a:xfrm>
+                <a:off x="9167439" y="3896981"/>
+                <a:ext cx="533880" cy="951840"/>
+              </a:xfrm>
+              <a:prstGeom prst="rect">
+                <a:avLst/>
+              </a:prstGeom>
+            </p:spPr>
+          </p:pic>
+        </mc:Fallback>
+      </mc:AlternateContent>
+      <mc:AlternateContent xmlns:mc="http://schemas.openxmlformats.org/markup-compatibility/2006">
+        <mc:Choice xmlns:p14="http://schemas.microsoft.com/office/powerpoint/2010/main" Requires="p14">
+          <p:contentPart p14:bwMode="auto" r:id="rId49">
+            <p14:nvContentPartPr>
+              <p14:cNvPr id="29" name="Ink 28">
+                <a:extLst>
+                  <a:ext uri="{FF2B5EF4-FFF2-40B4-BE49-F238E27FC236}">
+                    <a16:creationId xmlns:a16="http://schemas.microsoft.com/office/drawing/2014/main" id="{3BE3EC2D-1F21-9357-AC2A-54D5FAE4981B}"/>
+                  </a:ext>
+                </a:extLst>
+              </p14:cNvPr>
+              <p14:cNvContentPartPr/>
+              <p14:nvPr/>
+            </p14:nvContentPartPr>
+            <p14:xfrm>
+              <a:off x="7054959" y="4364981"/>
+              <a:ext cx="318600" cy="420480"/>
+            </p14:xfrm>
+          </p:contentPart>
+        </mc:Choice>
+        <mc:Fallback>
+          <p:pic>
+            <p:nvPicPr>
+              <p:cNvPr id="29" name="Ink 28">
+                <a:extLst>
+                  <a:ext uri="{FF2B5EF4-FFF2-40B4-BE49-F238E27FC236}">
+                    <a16:creationId xmlns:a16="http://schemas.microsoft.com/office/drawing/2014/main" id="{3BE3EC2D-1F21-9357-AC2A-54D5FAE4981B}"/>
+                  </a:ext>
+                </a:extLst>
+              </p:cNvPr>
+              <p:cNvPicPr/>
+              <p:nvPr/>
+            </p:nvPicPr>
+            <p:blipFill>
+              <a:blip r:embed="rId50"/>
+              <a:stretch>
+                <a:fillRect/>
+              </a:stretch>
+            </p:blipFill>
+            <p:spPr>
+              <a:xfrm>
+                <a:off x="7036959" y="4346981"/>
+                <a:ext cx="354240" cy="456120"/>
+              </a:xfrm>
+              <a:prstGeom prst="rect">
+                <a:avLst/>
+              </a:prstGeom>
+            </p:spPr>
+          </p:pic>
+        </mc:Fallback>
+      </mc:AlternateContent>
+      <mc:AlternateContent xmlns:mc="http://schemas.openxmlformats.org/markup-compatibility/2006">
+        <mc:Choice xmlns:p14="http://schemas.microsoft.com/office/powerpoint/2010/main" Requires="p14">
+          <p:contentPart p14:bwMode="auto" r:id="rId51">
+            <p14:nvContentPartPr>
+              <p14:cNvPr id="30" name="Ink 29">
+                <a:extLst>
+                  <a:ext uri="{FF2B5EF4-FFF2-40B4-BE49-F238E27FC236}">
+                    <a16:creationId xmlns:a16="http://schemas.microsoft.com/office/drawing/2014/main" id="{D433209F-35BA-762F-A3CD-FD69873B80FD}"/>
+                  </a:ext>
+                </a:extLst>
+              </p14:cNvPr>
+              <p14:cNvContentPartPr/>
+              <p14:nvPr/>
+            </p14:nvContentPartPr>
+            <p14:xfrm>
+              <a:off x="7758759" y="4659821"/>
+              <a:ext cx="212040" cy="11160"/>
+            </p14:xfrm>
+          </p:contentPart>
+        </mc:Choice>
+        <mc:Fallback>
+          <p:pic>
+            <p:nvPicPr>
+              <p:cNvPr id="30" name="Ink 29">
+                <a:extLst>
+                  <a:ext uri="{FF2B5EF4-FFF2-40B4-BE49-F238E27FC236}">
+                    <a16:creationId xmlns:a16="http://schemas.microsoft.com/office/drawing/2014/main" id="{D433209F-35BA-762F-A3CD-FD69873B80FD}"/>
+                  </a:ext>
+                </a:extLst>
+              </p:cNvPr>
+              <p:cNvPicPr/>
+              <p:nvPr/>
+            </p:nvPicPr>
+            <p:blipFill>
+              <a:blip r:embed="rId52"/>
+              <a:stretch>
+                <a:fillRect/>
+              </a:stretch>
+            </p:blipFill>
+            <p:spPr>
+              <a:xfrm>
+                <a:off x="7741119" y="4642181"/>
+                <a:ext cx="247680" cy="46800"/>
+              </a:xfrm>
+              <a:prstGeom prst="rect">
+                <a:avLst/>
+              </a:prstGeom>
+            </p:spPr>
+          </p:pic>
+        </mc:Fallback>
+      </mc:AlternateContent>
+      <mc:AlternateContent xmlns:mc="http://schemas.openxmlformats.org/markup-compatibility/2006">
+        <mc:Choice xmlns:p14="http://schemas.microsoft.com/office/powerpoint/2010/main" Requires="p14">
+          <p:contentPart p14:bwMode="auto" r:id="rId53">
+            <p14:nvContentPartPr>
+              <p14:cNvPr id="31" name="Ink 30">
+                <a:extLst>
+                  <a:ext uri="{FF2B5EF4-FFF2-40B4-BE49-F238E27FC236}">
+                    <a16:creationId xmlns:a16="http://schemas.microsoft.com/office/drawing/2014/main" id="{66B11700-BF49-F1F3-12EB-A90D5A08F853}"/>
+                  </a:ext>
+                </a:extLst>
+              </p14:cNvPr>
+              <p14:cNvContentPartPr/>
+              <p14:nvPr/>
+            </p14:nvContentPartPr>
+            <p14:xfrm>
+              <a:off x="9023079" y="4439141"/>
+              <a:ext cx="363240" cy="279360"/>
+            </p14:xfrm>
+          </p:contentPart>
+        </mc:Choice>
+        <mc:Fallback>
+          <p:pic>
+            <p:nvPicPr>
+              <p:cNvPr id="31" name="Ink 30">
+                <a:extLst>
+                  <a:ext uri="{FF2B5EF4-FFF2-40B4-BE49-F238E27FC236}">
+                    <a16:creationId xmlns:a16="http://schemas.microsoft.com/office/drawing/2014/main" id="{66B11700-BF49-F1F3-12EB-A90D5A08F853}"/>
+                  </a:ext>
+                </a:extLst>
+              </p:cNvPr>
+              <p:cNvPicPr/>
+              <p:nvPr/>
+            </p:nvPicPr>
+            <p:blipFill>
+              <a:blip r:embed="rId54"/>
+              <a:stretch>
+                <a:fillRect/>
+              </a:stretch>
+            </p:blipFill>
+            <p:spPr>
+              <a:xfrm>
+                <a:off x="9005439" y="4421501"/>
+                <a:ext cx="398880" cy="315000"/>
               </a:xfrm>
               <a:prstGeom prst="rect">
                 <a:avLst/>
@@ -23089,8 +24625,8 @@
             <a:chExt cx="1709280" cy="515160"/>
           </a:xfrm>
         </p:grpSpPr>
-        <mc:AlternateContent xmlns:mc="http://schemas.openxmlformats.org/markup-compatibility/2006">
-          <mc:Choice xmlns:p14="http://schemas.microsoft.com/office/powerpoint/2010/main" Requires="p14">
+        <mc:AlternateContent xmlns:mc="http://schemas.openxmlformats.org/markup-compatibility/2006" xmlns:p14="http://schemas.microsoft.com/office/powerpoint/2010/main">
+          <mc:Choice Requires="p14">
             <p:contentPart p14:bwMode="auto" r:id="rId96">
               <p14:nvContentPartPr>
                 <p14:cNvPr id="27" name="Ink 26">
@@ -23109,7 +24645,7 @@
               </p14:xfrm>
             </p:contentPart>
           </mc:Choice>
-          <mc:Fallback>
+          <mc:Fallback xmlns="">
             <p:pic>
               <p:nvPicPr>
                 <p:cNvPr id="27" name="Ink 26">
@@ -23140,8 +24676,8 @@
             </p:pic>
           </mc:Fallback>
         </mc:AlternateContent>
-        <mc:AlternateContent xmlns:mc="http://schemas.openxmlformats.org/markup-compatibility/2006">
-          <mc:Choice xmlns:p14="http://schemas.microsoft.com/office/powerpoint/2010/main" Requires="p14">
+        <mc:AlternateContent xmlns:mc="http://schemas.openxmlformats.org/markup-compatibility/2006" xmlns:p14="http://schemas.microsoft.com/office/powerpoint/2010/main">
+          <mc:Choice Requires="p14">
             <p:contentPart p14:bwMode="auto" r:id="rId98">
               <p14:nvContentPartPr>
                 <p14:cNvPr id="28" name="Ink 27">
@@ -23160,7 +24696,7 @@
               </p14:xfrm>
             </p:contentPart>
           </mc:Choice>
-          <mc:Fallback>
+          <mc:Fallback xmlns="">
             <p:pic>
               <p:nvPicPr>
                 <p:cNvPr id="28" name="Ink 27">
@@ -23191,8 +24727,8 @@
             </p:pic>
           </mc:Fallback>
         </mc:AlternateContent>
-        <mc:AlternateContent xmlns:mc="http://schemas.openxmlformats.org/markup-compatibility/2006">
-          <mc:Choice xmlns:p14="http://schemas.microsoft.com/office/powerpoint/2010/main" Requires="p14">
+        <mc:AlternateContent xmlns:mc="http://schemas.openxmlformats.org/markup-compatibility/2006" xmlns:p14="http://schemas.microsoft.com/office/powerpoint/2010/main">
+          <mc:Choice Requires="p14">
             <p:contentPart p14:bwMode="auto" r:id="rId100">
               <p14:nvContentPartPr>
                 <p14:cNvPr id="31" name="Ink 30">
@@ -23211,7 +24747,7 @@
               </p14:xfrm>
             </p:contentPart>
           </mc:Choice>
-          <mc:Fallback>
+          <mc:Fallback xmlns="">
             <p:pic>
               <p:nvPicPr>
                 <p:cNvPr id="31" name="Ink 30">
@@ -23242,8 +24778,8 @@
             </p:pic>
           </mc:Fallback>
         </mc:AlternateContent>
-        <mc:AlternateContent xmlns:mc="http://schemas.openxmlformats.org/markup-compatibility/2006">
-          <mc:Choice xmlns:p14="http://schemas.microsoft.com/office/powerpoint/2010/main" Requires="p14">
+        <mc:AlternateContent xmlns:mc="http://schemas.openxmlformats.org/markup-compatibility/2006" xmlns:p14="http://schemas.microsoft.com/office/powerpoint/2010/main">
+          <mc:Choice Requires="p14">
             <p:contentPart p14:bwMode="auto" r:id="rId102">
               <p14:nvContentPartPr>
                 <p14:cNvPr id="32" name="Ink 31">
@@ -23262,7 +24798,7 @@
               </p14:xfrm>
             </p:contentPart>
           </mc:Choice>
-          <mc:Fallback>
+          <mc:Fallback xmlns="">
             <p:pic>
               <p:nvPicPr>
                 <p:cNvPr id="32" name="Ink 31">
@@ -23314,8 +24850,8 @@
             <a:chExt cx="1557360" cy="959400"/>
           </a:xfrm>
         </p:grpSpPr>
-        <mc:AlternateContent xmlns:mc="http://schemas.openxmlformats.org/markup-compatibility/2006">
-          <mc:Choice xmlns:p14="http://schemas.microsoft.com/office/powerpoint/2010/main" Requires="p14">
+        <mc:AlternateContent xmlns:mc="http://schemas.openxmlformats.org/markup-compatibility/2006" xmlns:p14="http://schemas.microsoft.com/office/powerpoint/2010/main">
+          <mc:Choice Requires="p14">
             <p:contentPart p14:bwMode="auto" r:id="rId104">
               <p14:nvContentPartPr>
                 <p14:cNvPr id="34" name="Ink 33">
@@ -23334,7 +24870,7 @@
               </p14:xfrm>
             </p:contentPart>
           </mc:Choice>
-          <mc:Fallback>
+          <mc:Fallback xmlns="">
             <p:pic>
               <p:nvPicPr>
                 <p:cNvPr id="34" name="Ink 33">
@@ -23365,8 +24901,8 @@
             </p:pic>
           </mc:Fallback>
         </mc:AlternateContent>
-        <mc:AlternateContent xmlns:mc="http://schemas.openxmlformats.org/markup-compatibility/2006">
-          <mc:Choice xmlns:p14="http://schemas.microsoft.com/office/powerpoint/2010/main" Requires="p14">
+        <mc:AlternateContent xmlns:mc="http://schemas.openxmlformats.org/markup-compatibility/2006" xmlns:p14="http://schemas.microsoft.com/office/powerpoint/2010/main">
+          <mc:Choice Requires="p14">
             <p:contentPart p14:bwMode="auto" r:id="rId106">
               <p14:nvContentPartPr>
                 <p14:cNvPr id="35" name="Ink 34">
@@ -23385,7 +24921,7 @@
               </p14:xfrm>
             </p:contentPart>
           </mc:Choice>
-          <mc:Fallback>
+          <mc:Fallback xmlns="">
             <p:pic>
               <p:nvPicPr>
                 <p:cNvPr id="35" name="Ink 34">
@@ -23416,8 +24952,8 @@
             </p:pic>
           </mc:Fallback>
         </mc:AlternateContent>
-        <mc:AlternateContent xmlns:mc="http://schemas.openxmlformats.org/markup-compatibility/2006">
-          <mc:Choice xmlns:p14="http://schemas.microsoft.com/office/powerpoint/2010/main" Requires="p14">
+        <mc:AlternateContent xmlns:mc="http://schemas.openxmlformats.org/markup-compatibility/2006" xmlns:p14="http://schemas.microsoft.com/office/powerpoint/2010/main">
+          <mc:Choice Requires="p14">
             <p:contentPart p14:bwMode="auto" r:id="rId108">
               <p14:nvContentPartPr>
                 <p14:cNvPr id="36" name="Ink 35">
@@ -23436,7 +24972,7 @@
               </p14:xfrm>
             </p:contentPart>
           </mc:Choice>
-          <mc:Fallback>
+          <mc:Fallback xmlns="">
             <p:pic>
               <p:nvPicPr>
                 <p:cNvPr id="36" name="Ink 35">
@@ -23467,8 +25003,8 @@
             </p:pic>
           </mc:Fallback>
         </mc:AlternateContent>
-        <mc:AlternateContent xmlns:mc="http://schemas.openxmlformats.org/markup-compatibility/2006">
-          <mc:Choice xmlns:p14="http://schemas.microsoft.com/office/powerpoint/2010/main" Requires="p14">
+        <mc:AlternateContent xmlns:mc="http://schemas.openxmlformats.org/markup-compatibility/2006" xmlns:p14="http://schemas.microsoft.com/office/powerpoint/2010/main">
+          <mc:Choice Requires="p14">
             <p:contentPart p14:bwMode="auto" r:id="rId110">
               <p14:nvContentPartPr>
                 <p14:cNvPr id="37" name="Ink 36">
@@ -23487,7 +25023,7 @@
               </p14:xfrm>
             </p:contentPart>
           </mc:Choice>
-          <mc:Fallback>
+          <mc:Fallback xmlns="">
             <p:pic>
               <p:nvPicPr>
                 <p:cNvPr id="37" name="Ink 36">
@@ -23518,8 +25054,8 @@
             </p:pic>
           </mc:Fallback>
         </mc:AlternateContent>
-        <mc:AlternateContent xmlns:mc="http://schemas.openxmlformats.org/markup-compatibility/2006">
-          <mc:Choice xmlns:p14="http://schemas.microsoft.com/office/powerpoint/2010/main" Requires="p14">
+        <mc:AlternateContent xmlns:mc="http://schemas.openxmlformats.org/markup-compatibility/2006" xmlns:p14="http://schemas.microsoft.com/office/powerpoint/2010/main">
+          <mc:Choice Requires="p14">
             <p:contentPart p14:bwMode="auto" r:id="rId112">
               <p14:nvContentPartPr>
                 <p14:cNvPr id="38" name="Ink 37">
@@ -23538,7 +25074,7 @@
               </p14:xfrm>
             </p:contentPart>
           </mc:Choice>
-          <mc:Fallback>
+          <mc:Fallback xmlns="">
             <p:pic>
               <p:nvPicPr>
                 <p:cNvPr id="38" name="Ink 37">
@@ -23569,8 +25105,8 @@
             </p:pic>
           </mc:Fallback>
         </mc:AlternateContent>
-        <mc:AlternateContent xmlns:mc="http://schemas.openxmlformats.org/markup-compatibility/2006">
-          <mc:Choice xmlns:p14="http://schemas.microsoft.com/office/powerpoint/2010/main" Requires="p14">
+        <mc:AlternateContent xmlns:mc="http://schemas.openxmlformats.org/markup-compatibility/2006" xmlns:p14="http://schemas.microsoft.com/office/powerpoint/2010/main">
+          <mc:Choice Requires="p14">
             <p:contentPart p14:bwMode="auto" r:id="rId114">
               <p14:nvContentPartPr>
                 <p14:cNvPr id="39" name="Ink 38">
@@ -23589,7 +25125,7 @@
               </p14:xfrm>
             </p:contentPart>
           </mc:Choice>
-          <mc:Fallback>
+          <mc:Fallback xmlns="">
             <p:pic>
               <p:nvPicPr>
                 <p:cNvPr id="39" name="Ink 38">
@@ -23620,8 +25156,8 @@
             </p:pic>
           </mc:Fallback>
         </mc:AlternateContent>
-        <mc:AlternateContent xmlns:mc="http://schemas.openxmlformats.org/markup-compatibility/2006">
-          <mc:Choice xmlns:p14="http://schemas.microsoft.com/office/powerpoint/2010/main" Requires="p14">
+        <mc:AlternateContent xmlns:mc="http://schemas.openxmlformats.org/markup-compatibility/2006" xmlns:p14="http://schemas.microsoft.com/office/powerpoint/2010/main">
+          <mc:Choice Requires="p14">
             <p:contentPart p14:bwMode="auto" r:id="rId116">
               <p14:nvContentPartPr>
                 <p14:cNvPr id="40" name="Ink 39">
@@ -23640,7 +25176,7 @@
               </p14:xfrm>
             </p:contentPart>
           </mc:Choice>
-          <mc:Fallback>
+          <mc:Fallback xmlns="">
             <p:pic>
               <p:nvPicPr>
                 <p:cNvPr id="40" name="Ink 39">
@@ -23671,8 +25207,8 @@
             </p:pic>
           </mc:Fallback>
         </mc:AlternateContent>
-        <mc:AlternateContent xmlns:mc="http://schemas.openxmlformats.org/markup-compatibility/2006">
-          <mc:Choice xmlns:p14="http://schemas.microsoft.com/office/powerpoint/2010/main" Requires="p14">
+        <mc:AlternateContent xmlns:mc="http://schemas.openxmlformats.org/markup-compatibility/2006" xmlns:p14="http://schemas.microsoft.com/office/powerpoint/2010/main">
+          <mc:Choice Requires="p14">
             <p:contentPart p14:bwMode="auto" r:id="rId118">
               <p14:nvContentPartPr>
                 <p14:cNvPr id="42" name="Ink 41">
@@ -23691,7 +25227,7 @@
               </p14:xfrm>
             </p:contentPart>
           </mc:Choice>
-          <mc:Fallback>
+          <mc:Fallback xmlns="">
             <p:pic>
               <p:nvPicPr>
                 <p:cNvPr id="42" name="Ink 41">
@@ -23722,8 +25258,8 @@
             </p:pic>
           </mc:Fallback>
         </mc:AlternateContent>
-        <mc:AlternateContent xmlns:mc="http://schemas.openxmlformats.org/markup-compatibility/2006">
-          <mc:Choice xmlns:p14="http://schemas.microsoft.com/office/powerpoint/2010/main" Requires="p14">
+        <mc:AlternateContent xmlns:mc="http://schemas.openxmlformats.org/markup-compatibility/2006" xmlns:p14="http://schemas.microsoft.com/office/powerpoint/2010/main">
+          <mc:Choice Requires="p14">
             <p:contentPart p14:bwMode="auto" r:id="rId120">
               <p14:nvContentPartPr>
                 <p14:cNvPr id="44" name="Ink 43">
@@ -23742,7 +25278,7 @@
               </p14:xfrm>
             </p:contentPart>
           </mc:Choice>
-          <mc:Fallback>
+          <mc:Fallback xmlns="">
             <p:pic>
               <p:nvPicPr>
                 <p:cNvPr id="44" name="Ink 43">
@@ -23773,8 +25309,8 @@
             </p:pic>
           </mc:Fallback>
         </mc:AlternateContent>
-        <mc:AlternateContent xmlns:mc="http://schemas.openxmlformats.org/markup-compatibility/2006">
-          <mc:Choice xmlns:p14="http://schemas.microsoft.com/office/powerpoint/2010/main" Requires="p14">
+        <mc:AlternateContent xmlns:mc="http://schemas.openxmlformats.org/markup-compatibility/2006" xmlns:p14="http://schemas.microsoft.com/office/powerpoint/2010/main">
+          <mc:Choice Requires="p14">
             <p:contentPart p14:bwMode="auto" r:id="rId122">
               <p14:nvContentPartPr>
                 <p14:cNvPr id="45" name="Ink 44">
@@ -23793,7 +25329,7 @@
               </p14:xfrm>
             </p:contentPart>
           </mc:Choice>
-          <mc:Fallback>
+          <mc:Fallback xmlns="">
             <p:pic>
               <p:nvPicPr>
                 <p:cNvPr id="45" name="Ink 44">
@@ -23824,8 +25360,8 @@
             </p:pic>
           </mc:Fallback>
         </mc:AlternateContent>
-        <mc:AlternateContent xmlns:mc="http://schemas.openxmlformats.org/markup-compatibility/2006">
-          <mc:Choice xmlns:p14="http://schemas.microsoft.com/office/powerpoint/2010/main" Requires="p14">
+        <mc:AlternateContent xmlns:mc="http://schemas.openxmlformats.org/markup-compatibility/2006" xmlns:p14="http://schemas.microsoft.com/office/powerpoint/2010/main">
+          <mc:Choice Requires="p14">
             <p:contentPart p14:bwMode="auto" r:id="rId124">
               <p14:nvContentPartPr>
                 <p14:cNvPr id="46" name="Ink 45">
@@ -23844,7 +25380,7 @@
               </p14:xfrm>
             </p:contentPart>
           </mc:Choice>
-          <mc:Fallback>
+          <mc:Fallback xmlns="">
             <p:pic>
               <p:nvPicPr>
                 <p:cNvPr id="46" name="Ink 45">
@@ -23875,8 +25411,8 @@
             </p:pic>
           </mc:Fallback>
         </mc:AlternateContent>
-        <mc:AlternateContent xmlns:mc="http://schemas.openxmlformats.org/markup-compatibility/2006">
-          <mc:Choice xmlns:p14="http://schemas.microsoft.com/office/powerpoint/2010/main" Requires="p14">
+        <mc:AlternateContent xmlns:mc="http://schemas.openxmlformats.org/markup-compatibility/2006" xmlns:p14="http://schemas.microsoft.com/office/powerpoint/2010/main">
+          <mc:Choice Requires="p14">
             <p:contentPart p14:bwMode="auto" r:id="rId126">
               <p14:nvContentPartPr>
                 <p14:cNvPr id="47" name="Ink 46">
@@ -23895,7 +25431,7 @@
               </p14:xfrm>
             </p:contentPart>
           </mc:Choice>
-          <mc:Fallback>
+          <mc:Fallback xmlns="">
             <p:pic>
               <p:nvPicPr>
                 <p:cNvPr id="47" name="Ink 46">
@@ -23926,8 +25462,8 @@
             </p:pic>
           </mc:Fallback>
         </mc:AlternateContent>
-        <mc:AlternateContent xmlns:mc="http://schemas.openxmlformats.org/markup-compatibility/2006">
-          <mc:Choice xmlns:p14="http://schemas.microsoft.com/office/powerpoint/2010/main" Requires="p14">
+        <mc:AlternateContent xmlns:mc="http://schemas.openxmlformats.org/markup-compatibility/2006" xmlns:p14="http://schemas.microsoft.com/office/powerpoint/2010/main">
+          <mc:Choice Requires="p14">
             <p:contentPart p14:bwMode="auto" r:id="rId128">
               <p14:nvContentPartPr>
                 <p14:cNvPr id="48" name="Ink 47">
@@ -23946,7 +25482,7 @@
               </p14:xfrm>
             </p:contentPart>
           </mc:Choice>
-          <mc:Fallback>
+          <mc:Fallback xmlns="">
             <p:pic>
               <p:nvPicPr>
                 <p:cNvPr id="48" name="Ink 47">
@@ -23977,8 +25513,8 @@
             </p:pic>
           </mc:Fallback>
         </mc:AlternateContent>
-        <mc:AlternateContent xmlns:mc="http://schemas.openxmlformats.org/markup-compatibility/2006">
-          <mc:Choice xmlns:p14="http://schemas.microsoft.com/office/powerpoint/2010/main" Requires="p14">
+        <mc:AlternateContent xmlns:mc="http://schemas.openxmlformats.org/markup-compatibility/2006" xmlns:p14="http://schemas.microsoft.com/office/powerpoint/2010/main">
+          <mc:Choice Requires="p14">
             <p:contentPart p14:bwMode="auto" r:id="rId130">
               <p14:nvContentPartPr>
                 <p14:cNvPr id="50" name="Ink 49">
@@ -23997,7 +25533,7 @@
               </p14:xfrm>
             </p:contentPart>
           </mc:Choice>
-          <mc:Fallback>
+          <mc:Fallback xmlns="">
             <p:pic>
               <p:nvPicPr>
                 <p:cNvPr id="50" name="Ink 49">
